--- a/이미지들.pptx
+++ b/이미지들.pptx
@@ -8,6 +8,10 @@
     <p:sldId id="256" r:id="rId5"/>
     <p:sldId id="257" r:id="rId6"/>
     <p:sldId id="258" r:id="rId7"/>
+    <p:sldId id="259" r:id="rId8"/>
+    <p:sldId id="260" r:id="rId9"/>
+    <p:sldId id="261" r:id="rId10"/>
+    <p:sldId id="262" r:id="rId11"/>
   </p:sldIdLst>
   <p:sldSz cx="12192000" cy="6858000"/>
   <p:notesSz cx="6858000" cy="9144000"/>
@@ -128,9 +132,217 @@
 <file path=ppt/revisionInfo.xml><?xml version="1.0" encoding="utf-8"?>
 <p1510:revInfo xmlns:a="http://schemas.openxmlformats.org/drawingml/2006/main" xmlns:r="http://schemas.openxmlformats.org/officeDocument/2006/relationships" xmlns:p1510="http://schemas.microsoft.com/office/powerpoint/2015/10/main">
   <p1510:revLst>
-    <p1510:client id="{0A5B1B31-F1A6-41D7-9427-BFFE2B0E9A3E}" v="50" dt="2019-10-08T21:09:58.056"/>
+    <p1510:client id="{47D04D58-B45C-4E90-AC7C-F9D0C3A68DEC}" v="135" dt="2019-12-01T17:26:20.076"/>
   </p1510:revLst>
 </p1510:revInfo>
+</file>
+
+<file path=ppt/changesInfos/changesInfo1.xml><?xml version="1.0" encoding="utf-8"?>
+<pc:chgInfo xmlns:a="http://schemas.openxmlformats.org/drawingml/2006/main" xmlns:r="http://schemas.openxmlformats.org/officeDocument/2006/relationships" xmlns:ac="http://schemas.microsoft.com/office/drawing/2013/main/command" xmlns:pc="http://schemas.microsoft.com/office/powerpoint/2013/main/command">
+  <pc:docChgLst>
+    <pc:chgData name=" " userId="c953af65-a220-40f8-9b11-e29da02892c7" providerId="ADAL" clId="{47D04D58-B45C-4E90-AC7C-F9D0C3A68DEC}"/>
+    <pc:docChg chg="undo custSel addSld delSld modSld sldOrd">
+      <pc:chgData name=" " userId="c953af65-a220-40f8-9b11-e29da02892c7" providerId="ADAL" clId="{47D04D58-B45C-4E90-AC7C-F9D0C3A68DEC}" dt="2019-12-01T17:26:22.086" v="614" actId="962"/>
+      <pc:docMkLst>
+        <pc:docMk/>
+      </pc:docMkLst>
+      <pc:sldChg chg="addSp delSp modSp add setBg">
+        <pc:chgData name=" " userId="c953af65-a220-40f8-9b11-e29da02892c7" providerId="ADAL" clId="{47D04D58-B45C-4E90-AC7C-F9D0C3A68DEC}" dt="2019-12-01T08:16:53.030" v="206"/>
+        <pc:sldMkLst>
+          <pc:docMk/>
+          <pc:sldMk cId="3021753106" sldId="259"/>
+        </pc:sldMkLst>
+        <pc:spChg chg="del">
+          <ac:chgData name=" " userId="c953af65-a220-40f8-9b11-e29da02892c7" providerId="ADAL" clId="{47D04D58-B45C-4E90-AC7C-F9D0C3A68DEC}" dt="2019-12-01T07:33:39.931" v="1" actId="478"/>
+          <ac:spMkLst>
+            <pc:docMk/>
+            <pc:sldMk cId="3021753106" sldId="259"/>
+            <ac:spMk id="2" creationId="{BA020642-6064-44A9-9141-D3D8F90BD86D}"/>
+          </ac:spMkLst>
+        </pc:spChg>
+        <pc:spChg chg="add mod">
+          <ac:chgData name=" " userId="c953af65-a220-40f8-9b11-e29da02892c7" providerId="ADAL" clId="{47D04D58-B45C-4E90-AC7C-F9D0C3A68DEC}" dt="2019-12-01T08:15:40.545" v="80" actId="1076"/>
+          <ac:spMkLst>
+            <pc:docMk/>
+            <pc:sldMk cId="3021753106" sldId="259"/>
+            <ac:spMk id="3" creationId="{44F11EF4-6FAE-41F3-B18B-560264579C0A}"/>
+          </ac:spMkLst>
+        </pc:spChg>
+        <pc:spChg chg="add mod">
+          <ac:chgData name=" " userId="c953af65-a220-40f8-9b11-e29da02892c7" providerId="ADAL" clId="{47D04D58-B45C-4E90-AC7C-F9D0C3A68DEC}" dt="2019-12-01T08:16:53.030" v="206"/>
+          <ac:spMkLst>
+            <pc:docMk/>
+            <pc:sldMk cId="3021753106" sldId="259"/>
+            <ac:spMk id="4" creationId="{37851748-1D68-4B7D-8CEF-5CA05470FA93}"/>
+          </ac:spMkLst>
+        </pc:spChg>
+        <pc:spChg chg="add mod">
+          <ac:chgData name=" " userId="c953af65-a220-40f8-9b11-e29da02892c7" providerId="ADAL" clId="{47D04D58-B45C-4E90-AC7C-F9D0C3A68DEC}" dt="2019-12-01T08:16:48.865" v="190"/>
+          <ac:spMkLst>
+            <pc:docMk/>
+            <pc:sldMk cId="3021753106" sldId="259"/>
+            <ac:spMk id="5" creationId="{049BF257-6821-4603-8AE3-E2CF5E5DFAD2}"/>
+          </ac:spMkLst>
+        </pc:spChg>
+      </pc:sldChg>
+      <pc:sldChg chg="addSp delSp modSp add">
+        <pc:chgData name=" " userId="c953af65-a220-40f8-9b11-e29da02892c7" providerId="ADAL" clId="{47D04D58-B45C-4E90-AC7C-F9D0C3A68DEC}" dt="2019-12-01T08:21:22.236" v="389" actId="122"/>
+        <pc:sldMkLst>
+          <pc:docMk/>
+          <pc:sldMk cId="177410546" sldId="260"/>
+        </pc:sldMkLst>
+        <pc:spChg chg="del">
+          <ac:chgData name=" " userId="c953af65-a220-40f8-9b11-e29da02892c7" providerId="ADAL" clId="{47D04D58-B45C-4E90-AC7C-F9D0C3A68DEC}" dt="2019-12-01T08:16:57.436" v="208" actId="478"/>
+          <ac:spMkLst>
+            <pc:docMk/>
+            <pc:sldMk cId="177410546" sldId="260"/>
+            <ac:spMk id="3" creationId="{44F11EF4-6FAE-41F3-B18B-560264579C0A}"/>
+          </ac:spMkLst>
+        </pc:spChg>
+        <pc:spChg chg="mod">
+          <ac:chgData name=" " userId="c953af65-a220-40f8-9b11-e29da02892c7" providerId="ADAL" clId="{47D04D58-B45C-4E90-AC7C-F9D0C3A68DEC}" dt="2019-12-01T08:21:22.236" v="389" actId="122"/>
+          <ac:spMkLst>
+            <pc:docMk/>
+            <pc:sldMk cId="177410546" sldId="260"/>
+            <ac:spMk id="4" creationId="{37851748-1D68-4B7D-8CEF-5CA05470FA93}"/>
+          </ac:spMkLst>
+        </pc:spChg>
+        <pc:spChg chg="mod">
+          <ac:chgData name=" " userId="c953af65-a220-40f8-9b11-e29da02892c7" providerId="ADAL" clId="{47D04D58-B45C-4E90-AC7C-F9D0C3A68DEC}" dt="2019-12-01T08:21:22.236" v="389" actId="122"/>
+          <ac:spMkLst>
+            <pc:docMk/>
+            <pc:sldMk cId="177410546" sldId="260"/>
+            <ac:spMk id="5" creationId="{049BF257-6821-4603-8AE3-E2CF5E5DFAD2}"/>
+          </ac:spMkLst>
+        </pc:spChg>
+        <pc:spChg chg="add mod">
+          <ac:chgData name=" " userId="c953af65-a220-40f8-9b11-e29da02892c7" providerId="ADAL" clId="{47D04D58-B45C-4E90-AC7C-F9D0C3A68DEC}" dt="2019-12-01T08:21:22.236" v="389" actId="122"/>
+          <ac:spMkLst>
+            <pc:docMk/>
+            <pc:sldMk cId="177410546" sldId="260"/>
+            <ac:spMk id="6" creationId="{7478AE0B-36C5-488A-98C1-F049E1910395}"/>
+          </ac:spMkLst>
+        </pc:spChg>
+      </pc:sldChg>
+      <pc:sldChg chg="add del">
+        <pc:chgData name=" " userId="c953af65-a220-40f8-9b11-e29da02892c7" providerId="ADAL" clId="{47D04D58-B45C-4E90-AC7C-F9D0C3A68DEC}" dt="2019-12-01T13:32:37.792" v="391"/>
+        <pc:sldMkLst>
+          <pc:docMk/>
+          <pc:sldMk cId="413194086" sldId="261"/>
+        </pc:sldMkLst>
+      </pc:sldChg>
+      <pc:sldChg chg="addSp delSp modSp add ord">
+        <pc:chgData name=" " userId="c953af65-a220-40f8-9b11-e29da02892c7" providerId="ADAL" clId="{47D04D58-B45C-4E90-AC7C-F9D0C3A68DEC}" dt="2019-12-01T17:15:22.572" v="513"/>
+        <pc:sldMkLst>
+          <pc:docMk/>
+          <pc:sldMk cId="2276483079" sldId="261"/>
+        </pc:sldMkLst>
+        <pc:spChg chg="del">
+          <ac:chgData name=" " userId="c953af65-a220-40f8-9b11-e29da02892c7" providerId="ADAL" clId="{47D04D58-B45C-4E90-AC7C-F9D0C3A68DEC}" dt="2019-12-01T13:32:39.964" v="394" actId="478"/>
+          <ac:spMkLst>
+            <pc:docMk/>
+            <pc:sldMk cId="2276483079" sldId="261"/>
+            <ac:spMk id="2" creationId="{BA020642-6064-44A9-9141-D3D8F90BD86D}"/>
+          </ac:spMkLst>
+        </pc:spChg>
+        <pc:spChg chg="add del mod">
+          <ac:chgData name=" " userId="c953af65-a220-40f8-9b11-e29da02892c7" providerId="ADAL" clId="{47D04D58-B45C-4E90-AC7C-F9D0C3A68DEC}" dt="2019-12-01T13:37:11.286" v="451" actId="478"/>
+          <ac:spMkLst>
+            <pc:docMk/>
+            <pc:sldMk cId="2276483079" sldId="261"/>
+            <ac:spMk id="5" creationId="{A62C837F-B8A7-4C33-8906-52D079A5D289}"/>
+          </ac:spMkLst>
+        </pc:spChg>
+        <pc:spChg chg="add mod">
+          <ac:chgData name=" " userId="c953af65-a220-40f8-9b11-e29da02892c7" providerId="ADAL" clId="{47D04D58-B45C-4E90-AC7C-F9D0C3A68DEC}" dt="2019-12-01T17:12:11.284" v="507" actId="1076"/>
+          <ac:spMkLst>
+            <pc:docMk/>
+            <pc:sldMk cId="2276483079" sldId="261"/>
+            <ac:spMk id="6" creationId="{B39F7D4A-E342-4CD3-A3BC-2B9E7CF63CE3}"/>
+          </ac:spMkLst>
+        </pc:spChg>
+        <pc:spChg chg="add del mod">
+          <ac:chgData name=" " userId="c953af65-a220-40f8-9b11-e29da02892c7" providerId="ADAL" clId="{47D04D58-B45C-4E90-AC7C-F9D0C3A68DEC}" dt="2019-12-01T17:15:22.572" v="513"/>
+          <ac:spMkLst>
+            <pc:docMk/>
+            <pc:sldMk cId="2276483079" sldId="261"/>
+            <ac:spMk id="7" creationId="{4FFD90B5-484A-4B1A-8712-3E41B2763634}"/>
+          </ac:spMkLst>
+        </pc:spChg>
+        <pc:picChg chg="add del mod modCrop">
+          <ac:chgData name=" " userId="c953af65-a220-40f8-9b11-e29da02892c7" providerId="ADAL" clId="{47D04D58-B45C-4E90-AC7C-F9D0C3A68DEC}" dt="2019-12-01T13:37:20.419" v="455" actId="478"/>
+          <ac:picMkLst>
+            <pc:docMk/>
+            <pc:sldMk cId="2276483079" sldId="261"/>
+            <ac:picMk id="4" creationId="{11DE5E46-25C2-4DBB-858C-9FD249F4A944}"/>
+          </ac:picMkLst>
+        </pc:picChg>
+      </pc:sldChg>
+      <pc:sldChg chg="addSp delSp modSp add">
+        <pc:chgData name=" " userId="c953af65-a220-40f8-9b11-e29da02892c7" providerId="ADAL" clId="{47D04D58-B45C-4E90-AC7C-F9D0C3A68DEC}" dt="2019-12-01T17:26:22.086" v="614" actId="962"/>
+        <pc:sldMkLst>
+          <pc:docMk/>
+          <pc:sldMk cId="970203927" sldId="262"/>
+        </pc:sldMkLst>
+        <pc:spChg chg="add del mod">
+          <ac:chgData name=" " userId="c953af65-a220-40f8-9b11-e29da02892c7" providerId="ADAL" clId="{47D04D58-B45C-4E90-AC7C-F9D0C3A68DEC}" dt="2019-12-01T17:15:24.224" v="514" actId="478"/>
+          <ac:spMkLst>
+            <pc:docMk/>
+            <pc:sldMk cId="970203927" sldId="262"/>
+            <ac:spMk id="2" creationId="{2692767D-79CC-4496-AD5C-78838DDADF36}"/>
+          </ac:spMkLst>
+        </pc:spChg>
+        <pc:spChg chg="add mod">
+          <ac:chgData name=" " userId="c953af65-a220-40f8-9b11-e29da02892c7" providerId="ADAL" clId="{47D04D58-B45C-4E90-AC7C-F9D0C3A68DEC}" dt="2019-12-01T17:22:21.147" v="609" actId="207"/>
+          <ac:spMkLst>
+            <pc:docMk/>
+            <pc:sldMk cId="970203927" sldId="262"/>
+            <ac:spMk id="3" creationId="{95519B29-A9C4-4E5A-AA0E-B5D144892A56}"/>
+          </ac:spMkLst>
+        </pc:spChg>
+        <pc:spChg chg="add del mod">
+          <ac:chgData name=" " userId="c953af65-a220-40f8-9b11-e29da02892c7" providerId="ADAL" clId="{47D04D58-B45C-4E90-AC7C-F9D0C3A68DEC}" dt="2019-12-01T17:17:11.024" v="587" actId="478"/>
+          <ac:spMkLst>
+            <pc:docMk/>
+            <pc:sldMk cId="970203927" sldId="262"/>
+            <ac:spMk id="4" creationId="{766E49DB-57BF-46C7-B593-7A8F087608BD}"/>
+          </ac:spMkLst>
+        </pc:spChg>
+        <pc:spChg chg="del">
+          <ac:chgData name=" " userId="c953af65-a220-40f8-9b11-e29da02892c7" providerId="ADAL" clId="{47D04D58-B45C-4E90-AC7C-F9D0C3A68DEC}" dt="2019-12-01T17:04:07.714" v="496" actId="478"/>
+          <ac:spMkLst>
+            <pc:docMk/>
+            <pc:sldMk cId="970203927" sldId="262"/>
+            <ac:spMk id="6" creationId="{B39F7D4A-E342-4CD3-A3BC-2B9E7CF63CE3}"/>
+          </ac:spMkLst>
+        </pc:spChg>
+        <pc:picChg chg="add mod">
+          <ac:chgData name=" " userId="c953af65-a220-40f8-9b11-e29da02892c7" providerId="ADAL" clId="{47D04D58-B45C-4E90-AC7C-F9D0C3A68DEC}" dt="2019-12-01T17:26:20.076" v="612"/>
+          <ac:picMkLst>
+            <pc:docMk/>
+            <pc:sldMk cId="970203927" sldId="262"/>
+            <ac:picMk id="7" creationId="{230E7756-AF34-4029-982E-8AFCAEDEAEB6}"/>
+          </ac:picMkLst>
+        </pc:picChg>
+        <pc:picChg chg="add mod">
+          <ac:chgData name=" " userId="c953af65-a220-40f8-9b11-e29da02892c7" providerId="ADAL" clId="{47D04D58-B45C-4E90-AC7C-F9D0C3A68DEC}" dt="2019-12-01T17:26:22.086" v="614" actId="962"/>
+          <ac:picMkLst>
+            <pc:docMk/>
+            <pc:sldMk cId="970203927" sldId="262"/>
+            <ac:picMk id="9" creationId="{B4407E14-FFC8-49F5-96B4-E4B315AA0097}"/>
+          </ac:picMkLst>
+        </pc:picChg>
+      </pc:sldChg>
+      <pc:sldChg chg="add del">
+        <pc:chgData name=" " userId="c953af65-a220-40f8-9b11-e29da02892c7" providerId="ADAL" clId="{47D04D58-B45C-4E90-AC7C-F9D0C3A68DEC}" dt="2019-12-01T17:26:13.909" v="611"/>
+        <pc:sldMkLst>
+          <pc:docMk/>
+          <pc:sldMk cId="2257464182" sldId="263"/>
+        </pc:sldMkLst>
+      </pc:sldChg>
+    </pc:docChg>
+  </pc:docChgLst>
+</pc:chgInfo>
 </file>
 
 <file path=ppt/slideLayouts/slideLayout1.xml><?xml version="1.0" encoding="utf-8"?>
@@ -280,7 +492,7 @@
           <a:p>
             <a:fld id="{75DCA1FD-AA9A-428A-9491-6707F84AA4A4}" type="datetimeFigureOut">
               <a:rPr lang="ko-KR" altLang="en-US" smtClean="0"/>
-              <a:t>2019-10-12</a:t>
+              <a:t>2019-12-01</a:t>
             </a:fld>
             <a:endParaRPr lang="ko-KR" altLang="en-US"/>
           </a:p>
@@ -478,7 +690,7 @@
           <a:p>
             <a:fld id="{75DCA1FD-AA9A-428A-9491-6707F84AA4A4}" type="datetimeFigureOut">
               <a:rPr lang="ko-KR" altLang="en-US" smtClean="0"/>
-              <a:t>2019-10-12</a:t>
+              <a:t>2019-12-01</a:t>
             </a:fld>
             <a:endParaRPr lang="ko-KR" altLang="en-US"/>
           </a:p>
@@ -686,7 +898,7 @@
           <a:p>
             <a:fld id="{75DCA1FD-AA9A-428A-9491-6707F84AA4A4}" type="datetimeFigureOut">
               <a:rPr lang="ko-KR" altLang="en-US" smtClean="0"/>
-              <a:t>2019-10-12</a:t>
+              <a:t>2019-12-01</a:t>
             </a:fld>
             <a:endParaRPr lang="ko-KR" altLang="en-US"/>
           </a:p>
@@ -884,7 +1096,7 @@
           <a:p>
             <a:fld id="{75DCA1FD-AA9A-428A-9491-6707F84AA4A4}" type="datetimeFigureOut">
               <a:rPr lang="ko-KR" altLang="en-US" smtClean="0"/>
-              <a:t>2019-10-12</a:t>
+              <a:t>2019-12-01</a:t>
             </a:fld>
             <a:endParaRPr lang="ko-KR" altLang="en-US"/>
           </a:p>
@@ -1159,7 +1371,7 @@
           <a:p>
             <a:fld id="{75DCA1FD-AA9A-428A-9491-6707F84AA4A4}" type="datetimeFigureOut">
               <a:rPr lang="ko-KR" altLang="en-US" smtClean="0"/>
-              <a:t>2019-10-12</a:t>
+              <a:t>2019-12-01</a:t>
             </a:fld>
             <a:endParaRPr lang="ko-KR" altLang="en-US"/>
           </a:p>
@@ -1424,7 +1636,7 @@
           <a:p>
             <a:fld id="{75DCA1FD-AA9A-428A-9491-6707F84AA4A4}" type="datetimeFigureOut">
               <a:rPr lang="ko-KR" altLang="en-US" smtClean="0"/>
-              <a:t>2019-10-12</a:t>
+              <a:t>2019-12-01</a:t>
             </a:fld>
             <a:endParaRPr lang="ko-KR" altLang="en-US"/>
           </a:p>
@@ -1836,7 +2048,7 @@
           <a:p>
             <a:fld id="{75DCA1FD-AA9A-428A-9491-6707F84AA4A4}" type="datetimeFigureOut">
               <a:rPr lang="ko-KR" altLang="en-US" smtClean="0"/>
-              <a:t>2019-10-12</a:t>
+              <a:t>2019-12-01</a:t>
             </a:fld>
             <a:endParaRPr lang="ko-KR" altLang="en-US"/>
           </a:p>
@@ -1977,7 +2189,7 @@
           <a:p>
             <a:fld id="{75DCA1FD-AA9A-428A-9491-6707F84AA4A4}" type="datetimeFigureOut">
               <a:rPr lang="ko-KR" altLang="en-US" smtClean="0"/>
-              <a:t>2019-10-12</a:t>
+              <a:t>2019-12-01</a:t>
             </a:fld>
             <a:endParaRPr lang="ko-KR" altLang="en-US"/>
           </a:p>
@@ -2090,7 +2302,7 @@
           <a:p>
             <a:fld id="{75DCA1FD-AA9A-428A-9491-6707F84AA4A4}" type="datetimeFigureOut">
               <a:rPr lang="ko-KR" altLang="en-US" smtClean="0"/>
-              <a:t>2019-10-12</a:t>
+              <a:t>2019-12-01</a:t>
             </a:fld>
             <a:endParaRPr lang="ko-KR" altLang="en-US"/>
           </a:p>
@@ -2401,7 +2613,7 @@
           <a:p>
             <a:fld id="{75DCA1FD-AA9A-428A-9491-6707F84AA4A4}" type="datetimeFigureOut">
               <a:rPr lang="ko-KR" altLang="en-US" smtClean="0"/>
-              <a:t>2019-10-12</a:t>
+              <a:t>2019-12-01</a:t>
             </a:fld>
             <a:endParaRPr lang="ko-KR" altLang="en-US"/>
           </a:p>
@@ -2689,7 +2901,7 @@
           <a:p>
             <a:fld id="{75DCA1FD-AA9A-428A-9491-6707F84AA4A4}" type="datetimeFigureOut">
               <a:rPr lang="ko-KR" altLang="en-US" smtClean="0"/>
-              <a:t>2019-10-12</a:t>
+              <a:t>2019-12-01</a:t>
             </a:fld>
             <a:endParaRPr lang="ko-KR" altLang="en-US"/>
           </a:p>
@@ -2930,7 +3142,7 @@
           <a:p>
             <a:fld id="{75DCA1FD-AA9A-428A-9491-6707F84AA4A4}" type="datetimeFigureOut">
               <a:rPr lang="ko-KR" altLang="en-US" smtClean="0"/>
-              <a:t>2019-10-12</a:t>
+              <a:t>2019-12-01</a:t>
             </a:fld>
             <a:endParaRPr lang="ko-KR" altLang="en-US"/>
           </a:p>
@@ -3908,6 +4120,847 @@
 </p:sld>
 </file>
 
+<file path=ppt/slides/slide4.xml><?xml version="1.0" encoding="utf-8"?>
+<p:sld xmlns:a="http://schemas.openxmlformats.org/drawingml/2006/main" xmlns:r="http://schemas.openxmlformats.org/officeDocument/2006/relationships" xmlns:p="http://schemas.openxmlformats.org/presentationml/2006/main">
+  <p:cSld>
+    <p:bg>
+      <p:bgPr>
+        <a:solidFill>
+          <a:schemeClr val="accent5">
+            <a:lumMod val="60000"/>
+            <a:lumOff val="40000"/>
+          </a:schemeClr>
+        </a:solidFill>
+        <a:effectLst/>
+      </p:bgPr>
+    </p:bg>
+    <p:spTree>
+      <p:nvGrpSpPr>
+        <p:cNvPr id="1" name=""/>
+        <p:cNvGrpSpPr/>
+        <p:nvPr/>
+      </p:nvGrpSpPr>
+      <p:grpSpPr>
+        <a:xfrm>
+          <a:off x="0" y="0"/>
+          <a:ext cx="0" cy="0"/>
+          <a:chOff x="0" y="0"/>
+          <a:chExt cx="0" cy="0"/>
+        </a:xfrm>
+      </p:grpSpPr>
+      <p:sp>
+        <p:nvSpPr>
+          <p:cNvPr id="3" name="사각형: 둥근 모서리 2">
+            <a:extLst>
+              <a:ext uri="{FF2B5EF4-FFF2-40B4-BE49-F238E27FC236}">
+                <a16:creationId xmlns:a16="http://schemas.microsoft.com/office/drawing/2014/main" id="{44F11EF4-6FAE-41F3-B18B-560264579C0A}"/>
+              </a:ext>
+            </a:extLst>
+          </p:cNvPr>
+          <p:cNvSpPr/>
+          <p:nvPr/>
+        </p:nvSpPr>
+        <p:spPr>
+          <a:xfrm>
+            <a:off x="2419284" y="856223"/>
+            <a:ext cx="7353432" cy="2088682"/>
+          </a:xfrm>
+          <a:prstGeom prst="roundRect">
+            <a:avLst/>
+          </a:prstGeom>
+          <a:noFill/>
+          <a:ln>
+            <a:noFill/>
+          </a:ln>
+        </p:spPr>
+        <p:style>
+          <a:lnRef idx="2">
+            <a:schemeClr val="accent1">
+              <a:shade val="50000"/>
+            </a:schemeClr>
+          </a:lnRef>
+          <a:fillRef idx="1">
+            <a:schemeClr val="accent1"/>
+          </a:fillRef>
+          <a:effectRef idx="0">
+            <a:schemeClr val="accent1"/>
+          </a:effectRef>
+          <a:fontRef idx="minor">
+            <a:schemeClr val="lt1"/>
+          </a:fontRef>
+        </p:style>
+        <p:txBody>
+          <a:bodyPr rtlCol="0" anchor="ctr"/>
+          <a:lstStyle/>
+          <a:p>
+            <a:pPr algn="ctr"/>
+            <a:r>
+              <a:rPr lang="ko-KR" altLang="en-US" sz="8000" dirty="0">
+                <a:ln w="12700">
+                  <a:solidFill>
+                    <a:schemeClr val="accent1">
+                      <a:lumMod val="60000"/>
+                      <a:lumOff val="40000"/>
+                    </a:schemeClr>
+                  </a:solidFill>
+                </a:ln>
+                <a:solidFill>
+                  <a:schemeClr val="bg1"/>
+                </a:solidFill>
+                <a:latin typeface="빙그레체" panose="02030503000000000000" pitchFamily="18" charset="-127"/>
+                <a:ea typeface="빙그레체" panose="02030503000000000000" pitchFamily="18" charset="-127"/>
+              </a:rPr>
+              <a:t>총장님 </a:t>
+            </a:r>
+            <a:r>
+              <a:rPr lang="ko-KR" altLang="en-US" sz="8000" dirty="0" err="1">
+                <a:ln w="12700">
+                  <a:solidFill>
+                    <a:schemeClr val="accent1">
+                      <a:lumMod val="60000"/>
+                      <a:lumOff val="40000"/>
+                    </a:schemeClr>
+                  </a:solidFill>
+                </a:ln>
+                <a:solidFill>
+                  <a:schemeClr val="bg1"/>
+                </a:solidFill>
+                <a:latin typeface="빙그레체" panose="02030503000000000000" pitchFamily="18" charset="-127"/>
+                <a:ea typeface="빙그레체" panose="02030503000000000000" pitchFamily="18" charset="-127"/>
+              </a:rPr>
+              <a:t>타이쿤</a:t>
+            </a:r>
+            <a:endParaRPr lang="ko-KR" altLang="en-US" sz="8000" dirty="0">
+              <a:ln w="12700">
+                <a:solidFill>
+                  <a:schemeClr val="accent1">
+                    <a:lumMod val="60000"/>
+                    <a:lumOff val="40000"/>
+                  </a:schemeClr>
+                </a:solidFill>
+              </a:ln>
+              <a:solidFill>
+                <a:schemeClr val="bg1"/>
+              </a:solidFill>
+              <a:latin typeface="빙그레체" panose="02030503000000000000" pitchFamily="18" charset="-127"/>
+              <a:ea typeface="빙그레체" panose="02030503000000000000" pitchFamily="18" charset="-127"/>
+            </a:endParaRPr>
+          </a:p>
+        </p:txBody>
+      </p:sp>
+      <p:sp>
+        <p:nvSpPr>
+          <p:cNvPr id="4" name="사각형: 둥근 모서리 3">
+            <a:extLst>
+              <a:ext uri="{FF2B5EF4-FFF2-40B4-BE49-F238E27FC236}">
+                <a16:creationId xmlns:a16="http://schemas.microsoft.com/office/drawing/2014/main" id="{37851748-1D68-4B7D-8CEF-5CA05470FA93}"/>
+              </a:ext>
+            </a:extLst>
+          </p:cNvPr>
+          <p:cNvSpPr/>
+          <p:nvPr/>
+        </p:nvSpPr>
+        <p:spPr>
+          <a:xfrm>
+            <a:off x="4020590" y="3592794"/>
+            <a:ext cx="4150821" cy="1426598"/>
+          </a:xfrm>
+          <a:prstGeom prst="roundRect">
+            <a:avLst/>
+          </a:prstGeom>
+          <a:noFill/>
+          <a:ln>
+            <a:noFill/>
+          </a:ln>
+        </p:spPr>
+        <p:style>
+          <a:lnRef idx="2">
+            <a:schemeClr val="accent1">
+              <a:shade val="50000"/>
+            </a:schemeClr>
+          </a:lnRef>
+          <a:fillRef idx="1">
+            <a:schemeClr val="accent1"/>
+          </a:fillRef>
+          <a:effectRef idx="0">
+            <a:schemeClr val="accent1"/>
+          </a:effectRef>
+          <a:fontRef idx="minor">
+            <a:schemeClr val="lt1"/>
+          </a:fontRef>
+        </p:style>
+        <p:txBody>
+          <a:bodyPr rtlCol="0" anchor="ctr"/>
+          <a:lstStyle/>
+          <a:p>
+            <a:pPr algn="ctr"/>
+            <a:r>
+              <a:rPr lang="ko-KR" altLang="en-US" sz="4800" dirty="0">
+                <a:ln w="12700">
+                  <a:solidFill>
+                    <a:schemeClr val="accent1">
+                      <a:lumMod val="60000"/>
+                      <a:lumOff val="40000"/>
+                    </a:schemeClr>
+                  </a:solidFill>
+                </a:ln>
+                <a:solidFill>
+                  <a:schemeClr val="bg1"/>
+                </a:solidFill>
+                <a:latin typeface="빙그레체" panose="02030503000000000000" pitchFamily="18" charset="-127"/>
+                <a:ea typeface="빙그레체" panose="02030503000000000000" pitchFamily="18" charset="-127"/>
+              </a:rPr>
+              <a:t>게임 시작</a:t>
+            </a:r>
+          </a:p>
+        </p:txBody>
+      </p:sp>
+      <p:sp>
+        <p:nvSpPr>
+          <p:cNvPr id="5" name="사각형: 둥근 모서리 4">
+            <a:extLst>
+              <a:ext uri="{FF2B5EF4-FFF2-40B4-BE49-F238E27FC236}">
+                <a16:creationId xmlns:a16="http://schemas.microsoft.com/office/drawing/2014/main" id="{049BF257-6821-4603-8AE3-E2CF5E5DFAD2}"/>
+              </a:ext>
+            </a:extLst>
+          </p:cNvPr>
+          <p:cNvSpPr/>
+          <p:nvPr/>
+        </p:nvSpPr>
+        <p:spPr>
+          <a:xfrm>
+            <a:off x="4020590" y="4644000"/>
+            <a:ext cx="4150821" cy="1426598"/>
+          </a:xfrm>
+          <a:prstGeom prst="roundRect">
+            <a:avLst/>
+          </a:prstGeom>
+          <a:noFill/>
+          <a:ln>
+            <a:noFill/>
+          </a:ln>
+        </p:spPr>
+        <p:style>
+          <a:lnRef idx="2">
+            <a:schemeClr val="accent1">
+              <a:shade val="50000"/>
+            </a:schemeClr>
+          </a:lnRef>
+          <a:fillRef idx="1">
+            <a:schemeClr val="accent1"/>
+          </a:fillRef>
+          <a:effectRef idx="0">
+            <a:schemeClr val="accent1"/>
+          </a:effectRef>
+          <a:fontRef idx="minor">
+            <a:schemeClr val="lt1"/>
+          </a:fontRef>
+        </p:style>
+        <p:txBody>
+          <a:bodyPr rtlCol="0" anchor="ctr"/>
+          <a:lstStyle/>
+          <a:p>
+            <a:pPr algn="ctr"/>
+            <a:r>
+              <a:rPr lang="ko-KR" altLang="en-US" sz="4800" dirty="0">
+                <a:ln w="12700">
+                  <a:solidFill>
+                    <a:schemeClr val="accent1">
+                      <a:lumMod val="60000"/>
+                      <a:lumOff val="40000"/>
+                    </a:schemeClr>
+                  </a:solidFill>
+                </a:ln>
+                <a:solidFill>
+                  <a:schemeClr val="bg1"/>
+                </a:solidFill>
+                <a:latin typeface="빙그레체" panose="02030503000000000000" pitchFamily="18" charset="-127"/>
+                <a:ea typeface="빙그레체" panose="02030503000000000000" pitchFamily="18" charset="-127"/>
+              </a:rPr>
+              <a:t>게임 종료</a:t>
+            </a:r>
+          </a:p>
+        </p:txBody>
+      </p:sp>
+    </p:spTree>
+    <p:extLst>
+      <p:ext uri="{BB962C8B-B14F-4D97-AF65-F5344CB8AC3E}">
+        <p14:creationId xmlns:p14="http://schemas.microsoft.com/office/powerpoint/2010/main" val="3021753106"/>
+      </p:ext>
+    </p:extLst>
+  </p:cSld>
+  <p:clrMapOvr>
+    <a:masterClrMapping/>
+  </p:clrMapOvr>
+</p:sld>
+</file>
+
+<file path=ppt/slides/slide5.xml><?xml version="1.0" encoding="utf-8"?>
+<p:sld xmlns:a="http://schemas.openxmlformats.org/drawingml/2006/main" xmlns:r="http://schemas.openxmlformats.org/officeDocument/2006/relationships" xmlns:p="http://schemas.openxmlformats.org/presentationml/2006/main">
+  <p:cSld>
+    <p:bg>
+      <p:bgPr>
+        <a:solidFill>
+          <a:schemeClr val="accent5">
+            <a:lumMod val="60000"/>
+            <a:lumOff val="40000"/>
+          </a:schemeClr>
+        </a:solidFill>
+        <a:effectLst/>
+      </p:bgPr>
+    </p:bg>
+    <p:spTree>
+      <p:nvGrpSpPr>
+        <p:cNvPr id="1" name=""/>
+        <p:cNvGrpSpPr/>
+        <p:nvPr/>
+      </p:nvGrpSpPr>
+      <p:grpSpPr>
+        <a:xfrm>
+          <a:off x="0" y="0"/>
+          <a:ext cx="0" cy="0"/>
+          <a:chOff x="0" y="0"/>
+          <a:chExt cx="0" cy="0"/>
+        </a:xfrm>
+      </p:grpSpPr>
+      <p:sp>
+        <p:nvSpPr>
+          <p:cNvPr id="4" name="사각형: 둥근 모서리 3">
+            <a:extLst>
+              <a:ext uri="{FF2B5EF4-FFF2-40B4-BE49-F238E27FC236}">
+                <a16:creationId xmlns:a16="http://schemas.microsoft.com/office/drawing/2014/main" id="{37851748-1D68-4B7D-8CEF-5CA05470FA93}"/>
+              </a:ext>
+            </a:extLst>
+          </p:cNvPr>
+          <p:cNvSpPr/>
+          <p:nvPr/>
+        </p:nvSpPr>
+        <p:spPr>
+          <a:xfrm>
+            <a:off x="3333629" y="1051894"/>
+            <a:ext cx="5524742" cy="1296907"/>
+          </a:xfrm>
+          <a:prstGeom prst="roundRect">
+            <a:avLst/>
+          </a:prstGeom>
+          <a:solidFill>
+            <a:schemeClr val="bg1">
+              <a:alpha val="50000"/>
+            </a:schemeClr>
+          </a:solidFill>
+          <a:ln>
+            <a:noFill/>
+          </a:ln>
+        </p:spPr>
+        <p:style>
+          <a:lnRef idx="2">
+            <a:schemeClr val="accent1">
+              <a:shade val="50000"/>
+            </a:schemeClr>
+          </a:lnRef>
+          <a:fillRef idx="1">
+            <a:schemeClr val="accent1"/>
+          </a:fillRef>
+          <a:effectRef idx="0">
+            <a:schemeClr val="accent1"/>
+          </a:effectRef>
+          <a:fontRef idx="minor">
+            <a:schemeClr val="lt1"/>
+          </a:fontRef>
+        </p:style>
+        <p:txBody>
+          <a:bodyPr rtlCol="0" anchor="ctr"/>
+          <a:lstStyle/>
+          <a:p>
+            <a:pPr algn="ctr"/>
+            <a:r>
+              <a:rPr lang="ko-KR" altLang="en-US" sz="4000" dirty="0">
+                <a:ln w="12700">
+                  <a:solidFill>
+                    <a:schemeClr val="accent1">
+                      <a:lumMod val="60000"/>
+                      <a:lumOff val="40000"/>
+                    </a:schemeClr>
+                  </a:solidFill>
+                </a:ln>
+                <a:solidFill>
+                  <a:schemeClr val="bg1"/>
+                </a:solidFill>
+                <a:latin typeface="빙그레체" panose="02030503000000000000" pitchFamily="18" charset="-127"/>
+                <a:ea typeface="빙그레체" panose="02030503000000000000" pitchFamily="18" charset="-127"/>
+              </a:rPr>
+              <a:t>튜토리얼</a:t>
+            </a:r>
+          </a:p>
+        </p:txBody>
+      </p:sp>
+      <p:sp>
+        <p:nvSpPr>
+          <p:cNvPr id="5" name="사각형: 둥근 모서리 4">
+            <a:extLst>
+              <a:ext uri="{FF2B5EF4-FFF2-40B4-BE49-F238E27FC236}">
+                <a16:creationId xmlns:a16="http://schemas.microsoft.com/office/drawing/2014/main" id="{049BF257-6821-4603-8AE3-E2CF5E5DFAD2}"/>
+              </a:ext>
+            </a:extLst>
+          </p:cNvPr>
+          <p:cNvSpPr/>
+          <p:nvPr/>
+        </p:nvSpPr>
+        <p:spPr>
+          <a:xfrm>
+            <a:off x="3333629" y="2593170"/>
+            <a:ext cx="5524742" cy="1296907"/>
+          </a:xfrm>
+          <a:prstGeom prst="roundRect">
+            <a:avLst/>
+          </a:prstGeom>
+          <a:solidFill>
+            <a:schemeClr val="bg1">
+              <a:alpha val="50000"/>
+            </a:schemeClr>
+          </a:solidFill>
+          <a:ln>
+            <a:noFill/>
+          </a:ln>
+        </p:spPr>
+        <p:style>
+          <a:lnRef idx="2">
+            <a:schemeClr val="accent1">
+              <a:shade val="50000"/>
+            </a:schemeClr>
+          </a:lnRef>
+          <a:fillRef idx="1">
+            <a:schemeClr val="accent1"/>
+          </a:fillRef>
+          <a:effectRef idx="0">
+            <a:schemeClr val="accent1"/>
+          </a:effectRef>
+          <a:fontRef idx="minor">
+            <a:schemeClr val="lt1"/>
+          </a:fontRef>
+        </p:style>
+        <p:txBody>
+          <a:bodyPr rtlCol="0" anchor="ctr"/>
+          <a:lstStyle/>
+          <a:p>
+            <a:pPr algn="ctr"/>
+            <a:r>
+              <a:rPr lang="ko-KR" altLang="en-US" sz="4000" dirty="0">
+                <a:ln w="12700">
+                  <a:solidFill>
+                    <a:schemeClr val="accent1">
+                      <a:lumMod val="60000"/>
+                      <a:lumOff val="40000"/>
+                    </a:schemeClr>
+                  </a:solidFill>
+                </a:ln>
+                <a:solidFill>
+                  <a:schemeClr val="bg1"/>
+                </a:solidFill>
+                <a:latin typeface="빙그레체" panose="02030503000000000000" pitchFamily="18" charset="-127"/>
+                <a:ea typeface="빙그레체" panose="02030503000000000000" pitchFamily="18" charset="-127"/>
+              </a:rPr>
+              <a:t>개강</a:t>
+            </a:r>
+            <a:r>
+              <a:rPr lang="en-US" altLang="ko-KR" sz="4000" dirty="0">
+                <a:ln w="12700">
+                  <a:solidFill>
+                    <a:schemeClr val="accent1">
+                      <a:lumMod val="60000"/>
+                      <a:lumOff val="40000"/>
+                    </a:schemeClr>
+                  </a:solidFill>
+                </a:ln>
+                <a:solidFill>
+                  <a:schemeClr val="bg1"/>
+                </a:solidFill>
+                <a:latin typeface="빙그레체" panose="02030503000000000000" pitchFamily="18" charset="-127"/>
+                <a:ea typeface="빙그레체" panose="02030503000000000000" pitchFamily="18" charset="-127"/>
+              </a:rPr>
+              <a:t>!</a:t>
+            </a:r>
+            <a:endParaRPr lang="ko-KR" altLang="en-US" sz="4000" dirty="0">
+              <a:ln w="12700">
+                <a:solidFill>
+                  <a:schemeClr val="accent1">
+                    <a:lumMod val="60000"/>
+                    <a:lumOff val="40000"/>
+                  </a:schemeClr>
+                </a:solidFill>
+              </a:ln>
+              <a:solidFill>
+                <a:schemeClr val="bg1"/>
+              </a:solidFill>
+              <a:latin typeface="빙그레체" panose="02030503000000000000" pitchFamily="18" charset="-127"/>
+              <a:ea typeface="빙그레체" panose="02030503000000000000" pitchFamily="18" charset="-127"/>
+            </a:endParaRPr>
+          </a:p>
+        </p:txBody>
+      </p:sp>
+      <p:sp>
+        <p:nvSpPr>
+          <p:cNvPr id="6" name="사각형: 둥근 모서리 5">
+            <a:extLst>
+              <a:ext uri="{FF2B5EF4-FFF2-40B4-BE49-F238E27FC236}">
+                <a16:creationId xmlns:a16="http://schemas.microsoft.com/office/drawing/2014/main" id="{7478AE0B-36C5-488A-98C1-F049E1910395}"/>
+              </a:ext>
+            </a:extLst>
+          </p:cNvPr>
+          <p:cNvSpPr/>
+          <p:nvPr/>
+        </p:nvSpPr>
+        <p:spPr>
+          <a:xfrm>
+            <a:off x="3333629" y="4134446"/>
+            <a:ext cx="5524742" cy="1296907"/>
+          </a:xfrm>
+          <a:prstGeom prst="roundRect">
+            <a:avLst/>
+          </a:prstGeom>
+          <a:solidFill>
+            <a:schemeClr val="bg1">
+              <a:alpha val="50000"/>
+            </a:schemeClr>
+          </a:solidFill>
+          <a:ln>
+            <a:noFill/>
+          </a:ln>
+        </p:spPr>
+        <p:style>
+          <a:lnRef idx="2">
+            <a:schemeClr val="accent1">
+              <a:shade val="50000"/>
+            </a:schemeClr>
+          </a:lnRef>
+          <a:fillRef idx="1">
+            <a:schemeClr val="accent1"/>
+          </a:fillRef>
+          <a:effectRef idx="0">
+            <a:schemeClr val="accent1"/>
+          </a:effectRef>
+          <a:fontRef idx="minor">
+            <a:schemeClr val="lt1"/>
+          </a:fontRef>
+        </p:style>
+        <p:txBody>
+          <a:bodyPr rtlCol="0" anchor="ctr"/>
+          <a:lstStyle/>
+          <a:p>
+            <a:pPr algn="ctr"/>
+            <a:r>
+              <a:rPr lang="ko-KR" altLang="en-US" sz="4000" dirty="0">
+                <a:ln w="12700">
+                  <a:solidFill>
+                    <a:schemeClr val="accent1">
+                      <a:lumMod val="60000"/>
+                      <a:lumOff val="40000"/>
+                    </a:schemeClr>
+                  </a:solidFill>
+                </a:ln>
+                <a:solidFill>
+                  <a:schemeClr val="bg1"/>
+                </a:solidFill>
+                <a:latin typeface="빙그레체" panose="02030503000000000000" pitchFamily="18" charset="-127"/>
+                <a:ea typeface="빙그레체" panose="02030503000000000000" pitchFamily="18" charset="-127"/>
+              </a:rPr>
+              <a:t>개강</a:t>
+            </a:r>
+            <a:r>
+              <a:rPr lang="en-US" altLang="ko-KR" sz="4000" dirty="0">
+                <a:ln w="12700">
+                  <a:solidFill>
+                    <a:schemeClr val="accent1">
+                      <a:lumMod val="60000"/>
+                      <a:lumOff val="40000"/>
+                    </a:schemeClr>
+                  </a:solidFill>
+                </a:ln>
+                <a:solidFill>
+                  <a:schemeClr val="bg1"/>
+                </a:solidFill>
+                <a:latin typeface="빙그레체" panose="02030503000000000000" pitchFamily="18" charset="-127"/>
+                <a:ea typeface="빙그레체" panose="02030503000000000000" pitchFamily="18" charset="-127"/>
+              </a:rPr>
+              <a:t>!</a:t>
+            </a:r>
+            <a:endParaRPr lang="ko-KR" altLang="en-US" sz="4000" dirty="0">
+              <a:ln w="12700">
+                <a:solidFill>
+                  <a:schemeClr val="accent1">
+                    <a:lumMod val="60000"/>
+                    <a:lumOff val="40000"/>
+                  </a:schemeClr>
+                </a:solidFill>
+              </a:ln>
+              <a:solidFill>
+                <a:schemeClr val="bg1"/>
+              </a:solidFill>
+              <a:latin typeface="빙그레체" panose="02030503000000000000" pitchFamily="18" charset="-127"/>
+              <a:ea typeface="빙그레체" panose="02030503000000000000" pitchFamily="18" charset="-127"/>
+            </a:endParaRPr>
+          </a:p>
+        </p:txBody>
+      </p:sp>
+    </p:spTree>
+    <p:extLst>
+      <p:ext uri="{BB962C8B-B14F-4D97-AF65-F5344CB8AC3E}">
+        <p14:creationId xmlns:p14="http://schemas.microsoft.com/office/powerpoint/2010/main" val="177410546"/>
+      </p:ext>
+    </p:extLst>
+  </p:cSld>
+  <p:clrMapOvr>
+    <a:masterClrMapping/>
+  </p:clrMapOvr>
+</p:sld>
+</file>
+
+<file path=ppt/slides/slide6.xml><?xml version="1.0" encoding="utf-8"?>
+<p:sld xmlns:a="http://schemas.openxmlformats.org/drawingml/2006/main" xmlns:r="http://schemas.openxmlformats.org/officeDocument/2006/relationships" xmlns:p="http://schemas.openxmlformats.org/presentationml/2006/main">
+  <p:cSld>
+    <p:spTree>
+      <p:nvGrpSpPr>
+        <p:cNvPr id="1" name=""/>
+        <p:cNvGrpSpPr/>
+        <p:nvPr/>
+      </p:nvGrpSpPr>
+      <p:grpSpPr>
+        <a:xfrm>
+          <a:off x="0" y="0"/>
+          <a:ext cx="0" cy="0"/>
+          <a:chOff x="0" y="0"/>
+          <a:chExt cx="0" cy="0"/>
+        </a:xfrm>
+      </p:grpSpPr>
+      <p:sp>
+        <p:nvSpPr>
+          <p:cNvPr id="6" name="말풍선: 모서리가 둥근 사각형 5">
+            <a:extLst>
+              <a:ext uri="{FF2B5EF4-FFF2-40B4-BE49-F238E27FC236}">
+                <a16:creationId xmlns:a16="http://schemas.microsoft.com/office/drawing/2014/main" id="{B39F7D4A-E342-4CD3-A3BC-2B9E7CF63CE3}"/>
+              </a:ext>
+            </a:extLst>
+          </p:cNvPr>
+          <p:cNvSpPr/>
+          <p:nvPr/>
+        </p:nvSpPr>
+        <p:spPr>
+          <a:xfrm rot="5400000">
+            <a:off x="4706263" y="-4495801"/>
+            <a:ext cx="2989936" cy="11981539"/>
+          </a:xfrm>
+          <a:prstGeom prst="wedgeRoundRectCallout">
+            <a:avLst>
+              <a:gd name="adj1" fmla="val -34503"/>
+              <a:gd name="adj2" fmla="val 64529"/>
+              <a:gd name="adj3" fmla="val 16667"/>
+            </a:avLst>
+          </a:prstGeom>
+          <a:solidFill>
+            <a:schemeClr val="bg1"/>
+          </a:solidFill>
+          <a:ln w="25400">
+            <a:solidFill>
+              <a:schemeClr val="accent1">
+                <a:lumMod val="75000"/>
+              </a:schemeClr>
+            </a:solidFill>
+          </a:ln>
+        </p:spPr>
+        <p:style>
+          <a:lnRef idx="2">
+            <a:schemeClr val="accent1">
+              <a:shade val="50000"/>
+            </a:schemeClr>
+          </a:lnRef>
+          <a:fillRef idx="1">
+            <a:schemeClr val="accent1"/>
+          </a:fillRef>
+          <a:effectRef idx="0">
+            <a:schemeClr val="accent1"/>
+          </a:effectRef>
+          <a:fontRef idx="minor">
+            <a:schemeClr val="lt1"/>
+          </a:fontRef>
+        </p:style>
+        <p:txBody>
+          <a:bodyPr rtlCol="0" anchor="ctr"/>
+          <a:lstStyle/>
+          <a:p>
+            <a:pPr algn="ctr"/>
+            <a:endParaRPr lang="ko-KR" altLang="en-US" dirty="0"/>
+          </a:p>
+        </p:txBody>
+      </p:sp>
+    </p:spTree>
+    <p:extLst>
+      <p:ext uri="{BB962C8B-B14F-4D97-AF65-F5344CB8AC3E}">
+        <p14:creationId xmlns:p14="http://schemas.microsoft.com/office/powerpoint/2010/main" val="2276483079"/>
+      </p:ext>
+    </p:extLst>
+  </p:cSld>
+  <p:clrMapOvr>
+    <a:masterClrMapping/>
+  </p:clrMapOvr>
+</p:sld>
+</file>
+
+<file path=ppt/slides/slide7.xml><?xml version="1.0" encoding="utf-8"?>
+<p:sld xmlns:a="http://schemas.openxmlformats.org/drawingml/2006/main" xmlns:r="http://schemas.openxmlformats.org/officeDocument/2006/relationships" xmlns:p="http://schemas.openxmlformats.org/presentationml/2006/main">
+  <p:cSld>
+    <p:spTree>
+      <p:nvGrpSpPr>
+        <p:cNvPr id="1" name=""/>
+        <p:cNvGrpSpPr/>
+        <p:nvPr/>
+      </p:nvGrpSpPr>
+      <p:grpSpPr>
+        <a:xfrm>
+          <a:off x="0" y="0"/>
+          <a:ext cx="0" cy="0"/>
+          <a:chOff x="0" y="0"/>
+          <a:chExt cx="0" cy="0"/>
+        </a:xfrm>
+      </p:grpSpPr>
+      <p:sp>
+        <p:nvSpPr>
+          <p:cNvPr id="3" name="사각형: 둥근 모서리 2">
+            <a:extLst>
+              <a:ext uri="{FF2B5EF4-FFF2-40B4-BE49-F238E27FC236}">
+                <a16:creationId xmlns:a16="http://schemas.microsoft.com/office/drawing/2014/main" id="{95519B29-A9C4-4E5A-AA0E-B5D144892A56}"/>
+              </a:ext>
+            </a:extLst>
+          </p:cNvPr>
+          <p:cNvSpPr/>
+          <p:nvPr/>
+        </p:nvSpPr>
+        <p:spPr>
+          <a:xfrm>
+            <a:off x="820803" y="1012086"/>
+            <a:ext cx="10550392" cy="4833827"/>
+          </a:xfrm>
+          <a:prstGeom prst="roundRect">
+            <a:avLst/>
+          </a:prstGeom>
+          <a:noFill/>
+          <a:ln w="25400" cap="flat">
+            <a:solidFill>
+              <a:schemeClr val="accent1">
+                <a:lumMod val="75000"/>
+              </a:schemeClr>
+            </a:solidFill>
+          </a:ln>
+        </p:spPr>
+        <p:style>
+          <a:lnRef idx="2">
+            <a:schemeClr val="accent1">
+              <a:shade val="50000"/>
+            </a:schemeClr>
+          </a:lnRef>
+          <a:fillRef idx="1">
+            <a:schemeClr val="accent1"/>
+          </a:fillRef>
+          <a:effectRef idx="0">
+            <a:schemeClr val="accent1"/>
+          </a:effectRef>
+          <a:fontRef idx="minor">
+            <a:schemeClr val="lt1"/>
+          </a:fontRef>
+        </p:style>
+        <p:txBody>
+          <a:bodyPr rtlCol="0" anchor="ctr"/>
+          <a:lstStyle/>
+          <a:p>
+            <a:pPr algn="ctr"/>
+            <a:endParaRPr lang="ko-KR" altLang="en-US"/>
+          </a:p>
+        </p:txBody>
+      </p:sp>
+      <p:pic>
+        <p:nvPicPr>
+          <p:cNvPr id="7" name="그림 6">
+            <a:extLst>
+              <a:ext uri="{FF2B5EF4-FFF2-40B4-BE49-F238E27FC236}">
+                <a16:creationId xmlns:a16="http://schemas.microsoft.com/office/drawing/2014/main" id="{230E7756-AF34-4029-982E-8AFCAEDEAEB6}"/>
+              </a:ext>
+            </a:extLst>
+          </p:cNvPr>
+          <p:cNvPicPr>
+            <a:picLocks noChangeAspect="1"/>
+          </p:cNvPicPr>
+          <p:nvPr/>
+        </p:nvPicPr>
+        <p:blipFill>
+          <a:blip r:embed="rId2">
+            <a:extLst>
+              <a:ext uri="{28A0092B-C50C-407E-A947-70E740481C1C}">
+                <a14:useLocalDpi xmlns:a14="http://schemas.microsoft.com/office/drawing/2010/main" val="0"/>
+              </a:ext>
+            </a:extLst>
+          </a:blip>
+          <a:stretch>
+            <a:fillRect/>
+          </a:stretch>
+        </p:blipFill>
+        <p:spPr>
+          <a:xfrm>
+            <a:off x="1476341" y="819131"/>
+            <a:ext cx="9239318" cy="5219738"/>
+          </a:xfrm>
+          <a:prstGeom prst="rect">
+            <a:avLst/>
+          </a:prstGeom>
+        </p:spPr>
+      </p:pic>
+      <p:pic>
+        <p:nvPicPr>
+          <p:cNvPr id="9" name="그림 8" descr="음식이(가) 표시된 사진&#10;&#10;자동 생성된 설명">
+            <a:extLst>
+              <a:ext uri="{FF2B5EF4-FFF2-40B4-BE49-F238E27FC236}">
+                <a16:creationId xmlns:a16="http://schemas.microsoft.com/office/drawing/2014/main" id="{B4407E14-FFC8-49F5-96B4-E4B315AA0097}"/>
+              </a:ext>
+            </a:extLst>
+          </p:cNvPr>
+          <p:cNvPicPr>
+            <a:picLocks noChangeAspect="1"/>
+          </p:cNvPicPr>
+          <p:nvPr/>
+        </p:nvPicPr>
+        <p:blipFill>
+          <a:blip r:embed="rId3">
+            <a:extLst>
+              <a:ext uri="{28A0092B-C50C-407E-A947-70E740481C1C}">
+                <a14:useLocalDpi xmlns:a14="http://schemas.microsoft.com/office/drawing/2010/main" val="0"/>
+              </a:ext>
+            </a:extLst>
+          </a:blip>
+          <a:stretch>
+            <a:fillRect/>
+          </a:stretch>
+        </p:blipFill>
+        <p:spPr>
+          <a:xfrm>
+            <a:off x="1519204" y="852468"/>
+            <a:ext cx="9153592" cy="5153063"/>
+          </a:xfrm>
+          <a:prstGeom prst="rect">
+            <a:avLst/>
+          </a:prstGeom>
+        </p:spPr>
+      </p:pic>
+    </p:spTree>
+    <p:extLst>
+      <p:ext uri="{BB962C8B-B14F-4D97-AF65-F5344CB8AC3E}">
+        <p14:creationId xmlns:p14="http://schemas.microsoft.com/office/powerpoint/2010/main" val="970203927"/>
+      </p:ext>
+    </p:extLst>
+  </p:cSld>
+  <p:clrMapOvr>
+    <a:masterClrMapping/>
+  </p:clrMapOvr>
+</p:sld>
+</file>
+
 <file path=ppt/theme/theme1.xml><?xml version="1.0" encoding="utf-8"?>
 <a:theme xmlns:a="http://schemas.openxmlformats.org/drawingml/2006/main" name="Office 테마">
   <a:themeElements>
@@ -4204,21 +5257,6 @@
 </file>
 
 <file path=customXml/item1.xml><?xml version="1.0" encoding="utf-8"?>
-<p:properties xmlns:p="http://schemas.microsoft.com/office/2006/metadata/properties" xmlns:xsi="http://www.w3.org/2001/XMLSchema-instance" xmlns:pc="http://schemas.microsoft.com/office/infopath/2007/PartnerControls">
-  <documentManagement/>
-</p:properties>
-</file>
-
-<file path=customXml/item2.xml><?xml version="1.0" encoding="utf-8"?>
-<?mso-contentType ?>
-<FormTemplates xmlns="http://schemas.microsoft.com/sharepoint/v3/contenttype/forms">
-  <Display>DocumentLibraryForm</Display>
-  <Edit>DocumentLibraryForm</Edit>
-  <New>DocumentLibraryForm</New>
-</FormTemplates>
-</file>
-
-<file path=customXml/item3.xml><?xml version="1.0" encoding="utf-8"?>
 <ct:contentTypeSchema xmlns:ct="http://schemas.microsoft.com/office/2006/metadata/contentType" xmlns:ma="http://schemas.microsoft.com/office/2006/metadata/properties/metaAttributes" ct:_="" ma:_="" ma:contentTypeName="문서" ma:contentTypeID="0x010100F3310333FBC6964E8E1AF77CB170F51F" ma:contentTypeVersion="8" ma:contentTypeDescription="새 문서를 만듭니다." ma:contentTypeScope="" ma:versionID="c96a17dca871e919906cdecfc9bb6aa0">
   <xsd:schema xmlns:xsd="http://www.w3.org/2001/XMLSchema" xmlns:xs="http://www.w3.org/2001/XMLSchema" xmlns:p="http://schemas.microsoft.com/office/2006/metadata/properties" xmlns:ns3="0e5e5f40-8af6-49e3-86a7-eafcf2f63df0" targetNamespace="http://schemas.microsoft.com/office/2006/metadata/properties" ma:root="true" ma:fieldsID="8a6cb3d83e8d7cc5256b042238072bdb" ns3:_="">
     <xsd:import namespace="0e5e5f40-8af6-49e3-86a7-eafcf2f63df0"/>
@@ -4388,24 +5426,22 @@
 </ct:contentTypeSchema>
 </file>
 
-<file path=customXml/itemProps1.xml><?xml version="1.0" encoding="utf-8"?>
-<ds:datastoreItem xmlns:ds="http://schemas.openxmlformats.org/officeDocument/2006/customXml" ds:itemID="{63B6C464-4EF0-4474-9089-ACC74B8DD2A0}">
-  <ds:schemaRefs>
-    <ds:schemaRef ds:uri="http://schemas.microsoft.com/office/2006/metadata/properties"/>
-    <ds:schemaRef ds:uri="http://schemas.microsoft.com/office/infopath/2007/PartnerControls"/>
-  </ds:schemaRefs>
-</ds:datastoreItem>
+<file path=customXml/item2.xml><?xml version="1.0" encoding="utf-8"?>
+<?mso-contentType ?>
+<FormTemplates xmlns="http://schemas.microsoft.com/sharepoint/v3/contenttype/forms">
+  <Display>DocumentLibraryForm</Display>
+  <Edit>DocumentLibraryForm</Edit>
+  <New>DocumentLibraryForm</New>
+</FormTemplates>
 </file>
 
-<file path=customXml/itemProps2.xml><?xml version="1.0" encoding="utf-8"?>
-<ds:datastoreItem xmlns:ds="http://schemas.openxmlformats.org/officeDocument/2006/customXml" ds:itemID="{690CD346-FEAC-4B85-A1E5-F59451BF06D4}">
-  <ds:schemaRefs>
-    <ds:schemaRef ds:uri="http://schemas.microsoft.com/sharepoint/v3/contenttype/forms"/>
-  </ds:schemaRefs>
-</ds:datastoreItem>
+<file path=customXml/item3.xml><?xml version="1.0" encoding="utf-8"?>
+<p:properties xmlns:p="http://schemas.microsoft.com/office/2006/metadata/properties" xmlns:xsi="http://www.w3.org/2001/XMLSchema-instance" xmlns:pc="http://schemas.microsoft.com/office/infopath/2007/PartnerControls">
+  <documentManagement/>
+</p:properties>
 </file>
 
-<file path=customXml/itemProps3.xml><?xml version="1.0" encoding="utf-8"?>
+<file path=customXml/itemProps1.xml><?xml version="1.0" encoding="utf-8"?>
 <ds:datastoreItem xmlns:ds="http://schemas.openxmlformats.org/officeDocument/2006/customXml" ds:itemID="{6582E336-86E7-4EDF-A46D-B74D93A560F2}">
   <ds:schemaRefs>
     <ds:schemaRef ds:uri="http://schemas.microsoft.com/office/2006/metadata/contentType"/>
@@ -4421,4 +5457,21 @@
     <ds:schemaRef ds:uri="http://schemas.microsoft.com/internal/obd"/>
   </ds:schemaRefs>
 </ds:datastoreItem>
+</file>
+
+<file path=customXml/itemProps2.xml><?xml version="1.0" encoding="utf-8"?>
+<ds:datastoreItem xmlns:ds="http://schemas.openxmlformats.org/officeDocument/2006/customXml" ds:itemID="{690CD346-FEAC-4B85-A1E5-F59451BF06D4}">
+  <ds:schemaRefs>
+    <ds:schemaRef ds:uri="http://schemas.microsoft.com/sharepoint/v3/contenttype/forms"/>
+  </ds:schemaRefs>
+</ds:datastoreItem>
+</file>
+
+<file path=customXml/itemProps3.xml><?xml version="1.0" encoding="utf-8"?>
+<ds:datastoreItem xmlns:ds="http://schemas.openxmlformats.org/officeDocument/2006/customXml" ds:itemID="{63B6C464-4EF0-4474-9089-ACC74B8DD2A0}">
+  <ds:schemaRefs>
+    <ds:schemaRef ds:uri="http://schemas.microsoft.com/office/2006/metadata/properties"/>
+    <ds:schemaRef ds:uri="http://schemas.microsoft.com/office/infopath/2007/PartnerControls"/>
+  </ds:schemaRefs>
+</ds:datastoreItem>
 </file>
--- a/이미지들.pptx
+++ b/이미지들.pptx
@@ -11,7 +11,8 @@
     <p:sldId id="259" r:id="rId8"/>
     <p:sldId id="260" r:id="rId9"/>
     <p:sldId id="261" r:id="rId10"/>
-    <p:sldId id="262" r:id="rId11"/>
+    <p:sldId id="263" r:id="rId11"/>
+    <p:sldId id="262" r:id="rId12"/>
   </p:sldIdLst>
   <p:sldSz cx="12192000" cy="6858000"/>
   <p:notesSz cx="6858000" cy="9144000"/>
@@ -132,7 +133,7 @@
 <file path=ppt/revisionInfo.xml><?xml version="1.0" encoding="utf-8"?>
 <p1510:revInfo xmlns:a="http://schemas.openxmlformats.org/drawingml/2006/main" xmlns:r="http://schemas.openxmlformats.org/officeDocument/2006/relationships" xmlns:p1510="http://schemas.microsoft.com/office/powerpoint/2015/10/main">
   <p1510:revLst>
-    <p1510:client id="{47D04D58-B45C-4E90-AC7C-F9D0C3A68DEC}" v="135" dt="2019-12-01T17:26:20.076"/>
+    <p1510:client id="{47D04D58-B45C-4E90-AC7C-F9D0C3A68DEC}" v="534" dt="2019-12-02T22:22:02.250"/>
   </p1510:revLst>
 </p1510:revInfo>
 </file>
@@ -142,7 +143,7 @@
   <pc:docChgLst>
     <pc:chgData name=" " userId="c953af65-a220-40f8-9b11-e29da02892c7" providerId="ADAL" clId="{47D04D58-B45C-4E90-AC7C-F9D0C3A68DEC}"/>
     <pc:docChg chg="undo custSel addSld delSld modSld sldOrd">
-      <pc:chgData name=" " userId="c953af65-a220-40f8-9b11-e29da02892c7" providerId="ADAL" clId="{47D04D58-B45C-4E90-AC7C-F9D0C3A68DEC}" dt="2019-12-01T17:26:22.086" v="614" actId="962"/>
+      <pc:chgData name=" " userId="c953af65-a220-40f8-9b11-e29da02892c7" providerId="ADAL" clId="{47D04D58-B45C-4E90-AC7C-F9D0C3A68DEC}" dt="2019-12-02T22:22:53.497" v="1547" actId="692"/>
       <pc:docMkLst>
         <pc:docMk/>
       </pc:docMkLst>
@@ -278,8 +279,8 @@
           </ac:picMkLst>
         </pc:picChg>
       </pc:sldChg>
-      <pc:sldChg chg="addSp delSp modSp add">
-        <pc:chgData name=" " userId="c953af65-a220-40f8-9b11-e29da02892c7" providerId="ADAL" clId="{47D04D58-B45C-4E90-AC7C-F9D0C3A68DEC}" dt="2019-12-01T17:26:22.086" v="614" actId="962"/>
+      <pc:sldChg chg="addSp delSp modSp add setBg">
+        <pc:chgData name=" " userId="c953af65-a220-40f8-9b11-e29da02892c7" providerId="ADAL" clId="{47D04D58-B45C-4E90-AC7C-F9D0C3A68DEC}" dt="2019-12-02T22:22:53.497" v="1547" actId="692"/>
         <pc:sldMkLst>
           <pc:docMk/>
           <pc:sldMk cId="970203927" sldId="262"/>
@@ -293,7 +294,7 @@
           </ac:spMkLst>
         </pc:spChg>
         <pc:spChg chg="add mod">
-          <ac:chgData name=" " userId="c953af65-a220-40f8-9b11-e29da02892c7" providerId="ADAL" clId="{47D04D58-B45C-4E90-AC7C-F9D0C3A68DEC}" dt="2019-12-01T17:22:21.147" v="609" actId="207"/>
+          <ac:chgData name=" " userId="c953af65-a220-40f8-9b11-e29da02892c7" providerId="ADAL" clId="{47D04D58-B45C-4E90-AC7C-F9D0C3A68DEC}" dt="2019-12-02T22:21:54.042" v="1518" actId="692"/>
           <ac:spMkLst>
             <pc:docMk/>
             <pc:sldMk cId="970203927" sldId="262"/>
@@ -317,7 +318,7 @@
           </ac:spMkLst>
         </pc:spChg>
         <pc:picChg chg="add mod">
-          <ac:chgData name=" " userId="c953af65-a220-40f8-9b11-e29da02892c7" providerId="ADAL" clId="{47D04D58-B45C-4E90-AC7C-F9D0C3A68DEC}" dt="2019-12-01T17:26:20.076" v="612"/>
+          <ac:chgData name=" " userId="c953af65-a220-40f8-9b11-e29da02892c7" providerId="ADAL" clId="{47D04D58-B45C-4E90-AC7C-F9D0C3A68DEC}" dt="2019-12-02T22:19:16.341" v="769" actId="1076"/>
           <ac:picMkLst>
             <pc:docMk/>
             <pc:sldMk cId="970203927" sldId="262"/>
@@ -325,11 +326,50 @@
           </ac:picMkLst>
         </pc:picChg>
         <pc:picChg chg="add mod">
-          <ac:chgData name=" " userId="c953af65-a220-40f8-9b11-e29da02892c7" providerId="ADAL" clId="{47D04D58-B45C-4E90-AC7C-F9D0C3A68DEC}" dt="2019-12-01T17:26:22.086" v="614" actId="962"/>
+          <ac:chgData name=" " userId="c953af65-a220-40f8-9b11-e29da02892c7" providerId="ADAL" clId="{47D04D58-B45C-4E90-AC7C-F9D0C3A68DEC}" dt="2019-12-02T22:22:13.508" v="1522" actId="1076"/>
           <ac:picMkLst>
             <pc:docMk/>
             <pc:sldMk cId="970203927" sldId="262"/>
             <ac:picMk id="9" creationId="{B4407E14-FFC8-49F5-96B4-E4B315AA0097}"/>
+          </ac:picMkLst>
+        </pc:picChg>
+        <pc:cxnChg chg="add mod">
+          <ac:chgData name=" " userId="c953af65-a220-40f8-9b11-e29da02892c7" providerId="ADAL" clId="{47D04D58-B45C-4E90-AC7C-F9D0C3A68DEC}" dt="2019-12-02T22:22:53.497" v="1547" actId="692"/>
+          <ac:cxnSpMkLst>
+            <pc:docMk/>
+            <pc:sldMk cId="970203927" sldId="262"/>
+            <ac:cxnSpMk id="4" creationId="{1EE6B608-506E-4F77-A8A8-DAE45E429E4F}"/>
+          </ac:cxnSpMkLst>
+        </pc:cxnChg>
+        <pc:cxnChg chg="add mod">
+          <ac:chgData name=" " userId="c953af65-a220-40f8-9b11-e29da02892c7" providerId="ADAL" clId="{47D04D58-B45C-4E90-AC7C-F9D0C3A68DEC}" dt="2019-12-02T22:22:53.497" v="1547" actId="692"/>
+          <ac:cxnSpMkLst>
+            <pc:docMk/>
+            <pc:sldMk cId="970203927" sldId="262"/>
+            <ac:cxnSpMk id="13" creationId="{10014039-F232-4B54-A642-C988D0EC9E61}"/>
+          </ac:cxnSpMkLst>
+        </pc:cxnChg>
+      </pc:sldChg>
+      <pc:sldChg chg="addSp delSp modSp add ord">
+        <pc:chgData name=" " userId="c953af65-a220-40f8-9b11-e29da02892c7" providerId="ADAL" clId="{47D04D58-B45C-4E90-AC7C-F9D0C3A68DEC}" dt="2019-12-02T21:00:09.340" v="637"/>
+        <pc:sldMkLst>
+          <pc:docMk/>
+          <pc:sldMk cId="1383227293" sldId="263"/>
+        </pc:sldMkLst>
+        <pc:spChg chg="del">
+          <ac:chgData name=" " userId="c953af65-a220-40f8-9b11-e29da02892c7" providerId="ADAL" clId="{47D04D58-B45C-4E90-AC7C-F9D0C3A68DEC}" dt="2019-12-02T20:58:24.655" v="617" actId="478"/>
+          <ac:spMkLst>
+            <pc:docMk/>
+            <pc:sldMk cId="1383227293" sldId="263"/>
+            <ac:spMk id="6" creationId="{B39F7D4A-E342-4CD3-A3BC-2B9E7CF63CE3}"/>
+          </ac:spMkLst>
+        </pc:spChg>
+        <pc:picChg chg="add mod">
+          <ac:chgData name=" " userId="c953af65-a220-40f8-9b11-e29da02892c7" providerId="ADAL" clId="{47D04D58-B45C-4E90-AC7C-F9D0C3A68DEC}" dt="2019-12-02T21:00:09.340" v="637"/>
+          <ac:picMkLst>
+            <pc:docMk/>
+            <pc:sldMk cId="1383227293" sldId="263"/>
+            <ac:picMk id="3" creationId="{9057CB34-B327-46A5-A70B-FEF87F747704}"/>
           </ac:picMkLst>
         </pc:picChg>
       </pc:sldChg>
@@ -492,7 +532,7 @@
           <a:p>
             <a:fld id="{75DCA1FD-AA9A-428A-9491-6707F84AA4A4}" type="datetimeFigureOut">
               <a:rPr lang="ko-KR" altLang="en-US" smtClean="0"/>
-              <a:t>2019-12-01</a:t>
+              <a:t>2019-12-03</a:t>
             </a:fld>
             <a:endParaRPr lang="ko-KR" altLang="en-US"/>
           </a:p>
@@ -690,7 +730,7 @@
           <a:p>
             <a:fld id="{75DCA1FD-AA9A-428A-9491-6707F84AA4A4}" type="datetimeFigureOut">
               <a:rPr lang="ko-KR" altLang="en-US" smtClean="0"/>
-              <a:t>2019-12-01</a:t>
+              <a:t>2019-12-03</a:t>
             </a:fld>
             <a:endParaRPr lang="ko-KR" altLang="en-US"/>
           </a:p>
@@ -898,7 +938,7 @@
           <a:p>
             <a:fld id="{75DCA1FD-AA9A-428A-9491-6707F84AA4A4}" type="datetimeFigureOut">
               <a:rPr lang="ko-KR" altLang="en-US" smtClean="0"/>
-              <a:t>2019-12-01</a:t>
+              <a:t>2019-12-03</a:t>
             </a:fld>
             <a:endParaRPr lang="ko-KR" altLang="en-US"/>
           </a:p>
@@ -1096,7 +1136,7 @@
           <a:p>
             <a:fld id="{75DCA1FD-AA9A-428A-9491-6707F84AA4A4}" type="datetimeFigureOut">
               <a:rPr lang="ko-KR" altLang="en-US" smtClean="0"/>
-              <a:t>2019-12-01</a:t>
+              <a:t>2019-12-03</a:t>
             </a:fld>
             <a:endParaRPr lang="ko-KR" altLang="en-US"/>
           </a:p>
@@ -1371,7 +1411,7 @@
           <a:p>
             <a:fld id="{75DCA1FD-AA9A-428A-9491-6707F84AA4A4}" type="datetimeFigureOut">
               <a:rPr lang="ko-KR" altLang="en-US" smtClean="0"/>
-              <a:t>2019-12-01</a:t>
+              <a:t>2019-12-03</a:t>
             </a:fld>
             <a:endParaRPr lang="ko-KR" altLang="en-US"/>
           </a:p>
@@ -1636,7 +1676,7 @@
           <a:p>
             <a:fld id="{75DCA1FD-AA9A-428A-9491-6707F84AA4A4}" type="datetimeFigureOut">
               <a:rPr lang="ko-KR" altLang="en-US" smtClean="0"/>
-              <a:t>2019-12-01</a:t>
+              <a:t>2019-12-03</a:t>
             </a:fld>
             <a:endParaRPr lang="ko-KR" altLang="en-US"/>
           </a:p>
@@ -2048,7 +2088,7 @@
           <a:p>
             <a:fld id="{75DCA1FD-AA9A-428A-9491-6707F84AA4A4}" type="datetimeFigureOut">
               <a:rPr lang="ko-KR" altLang="en-US" smtClean="0"/>
-              <a:t>2019-12-01</a:t>
+              <a:t>2019-12-03</a:t>
             </a:fld>
             <a:endParaRPr lang="ko-KR" altLang="en-US"/>
           </a:p>
@@ -2189,7 +2229,7 @@
           <a:p>
             <a:fld id="{75DCA1FD-AA9A-428A-9491-6707F84AA4A4}" type="datetimeFigureOut">
               <a:rPr lang="ko-KR" altLang="en-US" smtClean="0"/>
-              <a:t>2019-12-01</a:t>
+              <a:t>2019-12-03</a:t>
             </a:fld>
             <a:endParaRPr lang="ko-KR" altLang="en-US"/>
           </a:p>
@@ -2302,7 +2342,7 @@
           <a:p>
             <a:fld id="{75DCA1FD-AA9A-428A-9491-6707F84AA4A4}" type="datetimeFigureOut">
               <a:rPr lang="ko-KR" altLang="en-US" smtClean="0"/>
-              <a:t>2019-12-01</a:t>
+              <a:t>2019-12-03</a:t>
             </a:fld>
             <a:endParaRPr lang="ko-KR" altLang="en-US"/>
           </a:p>
@@ -2613,7 +2653,7 @@
           <a:p>
             <a:fld id="{75DCA1FD-AA9A-428A-9491-6707F84AA4A4}" type="datetimeFigureOut">
               <a:rPr lang="ko-KR" altLang="en-US" smtClean="0"/>
-              <a:t>2019-12-01</a:t>
+              <a:t>2019-12-03</a:t>
             </a:fld>
             <a:endParaRPr lang="ko-KR" altLang="en-US"/>
           </a:p>
@@ -2901,7 +2941,7 @@
           <a:p>
             <a:fld id="{75DCA1FD-AA9A-428A-9491-6707F84AA4A4}" type="datetimeFigureOut">
               <a:rPr lang="ko-KR" altLang="en-US" smtClean="0"/>
-              <a:t>2019-12-01</a:t>
+              <a:t>2019-12-03</a:t>
             </a:fld>
             <a:endParaRPr lang="ko-KR" altLang="en-US"/>
           </a:p>
@@ -3142,7 +3182,7 @@
           <a:p>
             <a:fld id="{75DCA1FD-AA9A-428A-9491-6707F84AA4A4}" type="datetimeFigureOut">
               <a:rPr lang="ko-KR" altLang="en-US" smtClean="0"/>
-              <a:t>2019-12-01</a:t>
+              <a:t>2019-12-03</a:t>
             </a:fld>
             <a:endParaRPr lang="ko-KR" altLang="en-US"/>
           </a:p>
@@ -4822,60 +4862,265 @@
           <a:chExt cx="0" cy="0"/>
         </a:xfrm>
       </p:grpSpPr>
-      <p:sp>
-        <p:nvSpPr>
-          <p:cNvPr id="3" name="사각형: 둥근 모서리 2">
-            <a:extLst>
-              <a:ext uri="{FF2B5EF4-FFF2-40B4-BE49-F238E27FC236}">
-                <a16:creationId xmlns:a16="http://schemas.microsoft.com/office/drawing/2014/main" id="{95519B29-A9C4-4E5A-AA0E-B5D144892A56}"/>
-              </a:ext>
-            </a:extLst>
-          </p:cNvPr>
-          <p:cNvSpPr/>
+      <p:pic>
+        <p:nvPicPr>
+          <p:cNvPr id="3" name="그림 2">
+            <a:extLst>
+              <a:ext uri="{FF2B5EF4-FFF2-40B4-BE49-F238E27FC236}">
+                <a16:creationId xmlns:a16="http://schemas.microsoft.com/office/drawing/2014/main" id="{9057CB34-B327-46A5-A70B-FEF87F747704}"/>
+              </a:ext>
+            </a:extLst>
+          </p:cNvPr>
+          <p:cNvPicPr>
+            <a:picLocks noChangeAspect="1"/>
+          </p:cNvPicPr>
           <p:nvPr/>
-        </p:nvSpPr>
+        </p:nvPicPr>
+        <p:blipFill>
+          <a:blip r:embed="rId2"/>
+          <a:stretch>
+            <a:fillRect/>
+          </a:stretch>
+        </p:blipFill>
         <p:spPr>
           <a:xfrm>
-            <a:off x="820803" y="1012086"/>
-            <a:ext cx="10550392" cy="4833827"/>
+            <a:off x="475929" y="0"/>
+            <a:ext cx="5891564" cy="6797959"/>
           </a:xfrm>
-          <a:prstGeom prst="roundRect">
+          <a:prstGeom prst="rect">
             <a:avLst/>
           </a:prstGeom>
-          <a:noFill/>
-          <a:ln w="25400" cap="flat">
+        </p:spPr>
+      </p:pic>
+    </p:spTree>
+    <p:extLst>
+      <p:ext uri="{BB962C8B-B14F-4D97-AF65-F5344CB8AC3E}">
+        <p14:creationId xmlns:p14="http://schemas.microsoft.com/office/powerpoint/2010/main" val="1383227293"/>
+      </p:ext>
+    </p:extLst>
+  </p:cSld>
+  <p:clrMapOvr>
+    <a:masterClrMapping/>
+  </p:clrMapOvr>
+</p:sld>
+</file>
+
+<file path=ppt/slides/slide8.xml><?xml version="1.0" encoding="utf-8"?>
+<p:sld xmlns:a="http://schemas.openxmlformats.org/drawingml/2006/main" xmlns:r="http://schemas.openxmlformats.org/officeDocument/2006/relationships" xmlns:p="http://schemas.openxmlformats.org/presentationml/2006/main">
+  <p:cSld>
+    <p:bg>
+      <p:bgPr>
+        <a:solidFill>
+          <a:schemeClr val="accent1">
+            <a:lumMod val="40000"/>
+            <a:lumOff val="60000"/>
+          </a:schemeClr>
+        </a:solidFill>
+        <a:effectLst/>
+      </p:bgPr>
+    </p:bg>
+    <p:spTree>
+      <p:nvGrpSpPr>
+        <p:cNvPr id="1" name=""/>
+        <p:cNvGrpSpPr/>
+        <p:nvPr/>
+      </p:nvGrpSpPr>
+      <p:grpSpPr>
+        <a:xfrm>
+          <a:off x="0" y="0"/>
+          <a:ext cx="0" cy="0"/>
+          <a:chOff x="0" y="0"/>
+          <a:chExt cx="0" cy="0"/>
+        </a:xfrm>
+      </p:grpSpPr>
+      <p:grpSp>
+        <p:nvGrpSpPr>
+          <p:cNvPr id="2" name="그룹 1">
+            <a:extLst>
+              <a:ext uri="{FF2B5EF4-FFF2-40B4-BE49-F238E27FC236}">
+                <a16:creationId xmlns:a16="http://schemas.microsoft.com/office/drawing/2014/main" id="{376DCA46-73A9-4DF0-83B6-A596281A8427}"/>
+              </a:ext>
+            </a:extLst>
+          </p:cNvPr>
+          <p:cNvGrpSpPr/>
+          <p:nvPr/>
+        </p:nvGrpSpPr>
+        <p:grpSpPr>
+          <a:xfrm>
+            <a:off x="231921" y="53975"/>
+            <a:ext cx="10550392" cy="4833827"/>
+            <a:chOff x="820804" y="1012086"/>
+            <a:chExt cx="10550392" cy="4833827"/>
+          </a:xfrm>
+        </p:grpSpPr>
+        <p:sp>
+          <p:nvSpPr>
+            <p:cNvPr id="3" name="사각형: 둥근 모서리 2">
+              <a:extLst>
+                <a:ext uri="{FF2B5EF4-FFF2-40B4-BE49-F238E27FC236}">
+                  <a16:creationId xmlns:a16="http://schemas.microsoft.com/office/drawing/2014/main" id="{95519B29-A9C4-4E5A-AA0E-B5D144892A56}"/>
+                </a:ext>
+              </a:extLst>
+            </p:cNvPr>
+            <p:cNvSpPr/>
+            <p:nvPr/>
+          </p:nvSpPr>
+          <p:spPr>
+            <a:xfrm>
+              <a:off x="820804" y="1012086"/>
+              <a:ext cx="10550392" cy="4833827"/>
+            </a:xfrm>
+            <a:prstGeom prst="roundRect">
+              <a:avLst/>
+            </a:prstGeom>
             <a:solidFill>
-              <a:schemeClr val="accent1">
-                <a:lumMod val="75000"/>
+              <a:schemeClr val="bg1">
+                <a:alpha val="90000"/>
               </a:schemeClr>
             </a:solidFill>
-          </a:ln>
-        </p:spPr>
-        <p:style>
-          <a:lnRef idx="2">
-            <a:schemeClr val="accent1">
-              <a:shade val="50000"/>
-            </a:schemeClr>
-          </a:lnRef>
-          <a:fillRef idx="1">
-            <a:schemeClr val="accent1"/>
-          </a:fillRef>
-          <a:effectRef idx="0">
-            <a:schemeClr val="accent1"/>
-          </a:effectRef>
-          <a:fontRef idx="minor">
-            <a:schemeClr val="lt1"/>
-          </a:fontRef>
-        </p:style>
-        <p:txBody>
-          <a:bodyPr rtlCol="0" anchor="ctr"/>
-          <a:lstStyle/>
-          <a:p>
-            <a:pPr algn="ctr"/>
-            <a:endParaRPr lang="ko-KR" altLang="en-US"/>
-          </a:p>
-        </p:txBody>
-      </p:sp>
+            <a:ln w="38100" cap="flat">
+              <a:solidFill>
+                <a:schemeClr val="accent1">
+                  <a:lumMod val="75000"/>
+                  <a:alpha val="60000"/>
+                </a:schemeClr>
+              </a:solidFill>
+            </a:ln>
+            <a:effectLst>
+              <a:outerShdw blurRad="50800" dist="38100" dir="2700000" algn="tl" rotWithShape="0">
+                <a:prstClr val="black">
+                  <a:alpha val="40000"/>
+                </a:prstClr>
+              </a:outerShdw>
+            </a:effectLst>
+          </p:spPr>
+          <p:style>
+            <a:lnRef idx="2">
+              <a:schemeClr val="accent1">
+                <a:shade val="50000"/>
+              </a:schemeClr>
+            </a:lnRef>
+            <a:fillRef idx="1">
+              <a:schemeClr val="accent1"/>
+            </a:fillRef>
+            <a:effectRef idx="0">
+              <a:schemeClr val="accent1"/>
+            </a:effectRef>
+            <a:fontRef idx="minor">
+              <a:schemeClr val="lt1"/>
+            </a:fontRef>
+          </p:style>
+          <p:txBody>
+            <a:bodyPr rtlCol="0" anchor="ctr"/>
+            <a:lstStyle/>
+            <a:p>
+              <a:pPr algn="ctr"/>
+              <a:endParaRPr lang="ko-KR" altLang="en-US"/>
+            </a:p>
+          </p:txBody>
+        </p:sp>
+        <p:cxnSp>
+          <p:nvCxnSpPr>
+            <p:cNvPr id="4" name="직선 연결선 3">
+              <a:extLst>
+                <a:ext uri="{FF2B5EF4-FFF2-40B4-BE49-F238E27FC236}">
+                  <a16:creationId xmlns:a16="http://schemas.microsoft.com/office/drawing/2014/main" id="{1EE6B608-506E-4F77-A8A8-DAE45E429E4F}"/>
+                </a:ext>
+              </a:extLst>
+            </p:cNvPr>
+            <p:cNvCxnSpPr>
+              <a:cxnSpLocks/>
+            </p:cNvCxnSpPr>
+            <p:nvPr/>
+          </p:nvCxnSpPr>
+          <p:spPr>
+            <a:xfrm>
+              <a:off x="866274" y="1588168"/>
+              <a:ext cx="10462661" cy="0"/>
+            </a:xfrm>
+            <a:prstGeom prst="line">
+              <a:avLst/>
+            </a:prstGeom>
+            <a:ln w="25400">
+              <a:solidFill>
+                <a:schemeClr val="tx1">
+                  <a:alpha val="3000"/>
+                </a:schemeClr>
+              </a:solidFill>
+            </a:ln>
+            <a:effectLst>
+              <a:outerShdw blurRad="50800" sx="101000" sy="101000" algn="ctr" rotWithShape="0">
+                <a:prstClr val="black"/>
+              </a:outerShdw>
+            </a:effectLst>
+          </p:spPr>
+          <p:style>
+            <a:lnRef idx="1">
+              <a:schemeClr val="accent1"/>
+            </a:lnRef>
+            <a:fillRef idx="0">
+              <a:schemeClr val="accent1"/>
+            </a:fillRef>
+            <a:effectRef idx="0">
+              <a:schemeClr val="accent1"/>
+            </a:effectRef>
+            <a:fontRef idx="minor">
+              <a:schemeClr val="tx1"/>
+            </a:fontRef>
+          </p:style>
+        </p:cxnSp>
+        <p:cxnSp>
+          <p:nvCxnSpPr>
+            <p:cNvPr id="13" name="직선 연결선 12">
+              <a:extLst>
+                <a:ext uri="{FF2B5EF4-FFF2-40B4-BE49-F238E27FC236}">
+                  <a16:creationId xmlns:a16="http://schemas.microsoft.com/office/drawing/2014/main" id="{10014039-F232-4B54-A642-C988D0EC9E61}"/>
+                </a:ext>
+              </a:extLst>
+            </p:cNvPr>
+            <p:cNvCxnSpPr>
+              <a:cxnSpLocks/>
+              <a:endCxn id="3" idx="2"/>
+            </p:cNvCxnSpPr>
+            <p:nvPr/>
+          </p:nvCxnSpPr>
+          <p:spPr>
+            <a:xfrm>
+              <a:off x="6096000" y="1588168"/>
+              <a:ext cx="0" cy="4257745"/>
+            </a:xfrm>
+            <a:prstGeom prst="line">
+              <a:avLst/>
+            </a:prstGeom>
+            <a:ln w="25400">
+              <a:solidFill>
+                <a:schemeClr val="tx1">
+                  <a:alpha val="3000"/>
+                </a:schemeClr>
+              </a:solidFill>
+            </a:ln>
+            <a:effectLst>
+              <a:outerShdw blurRad="50800" sx="101000" sy="101000" algn="ctr" rotWithShape="0">
+                <a:prstClr val="black"/>
+              </a:outerShdw>
+            </a:effectLst>
+          </p:spPr>
+          <p:style>
+            <a:lnRef idx="1">
+              <a:schemeClr val="accent1"/>
+            </a:lnRef>
+            <a:fillRef idx="0">
+              <a:schemeClr val="accent1"/>
+            </a:fillRef>
+            <a:effectRef idx="0">
+              <a:schemeClr val="accent1"/>
+            </a:effectRef>
+            <a:fontRef idx="minor">
+              <a:schemeClr val="tx1"/>
+            </a:fontRef>
+          </p:style>
+        </p:cxnSp>
+      </p:grpSp>
       <p:pic>
         <p:nvPicPr>
           <p:cNvPr id="7" name="그림 6">
@@ -4904,8 +5149,8 @@
         </p:blipFill>
         <p:spPr>
           <a:xfrm>
-            <a:off x="1476341" y="819131"/>
-            <a:ext cx="9239318" cy="5219738"/>
+            <a:off x="6194149" y="1209886"/>
+            <a:ext cx="1827950" cy="1032696"/>
           </a:xfrm>
           <a:prstGeom prst="rect">
             <a:avLst/>
@@ -4940,12 +5185,316 @@
         </p:blipFill>
         <p:spPr>
           <a:xfrm>
-            <a:off x="1519204" y="852468"/>
-            <a:ext cx="9153592" cy="5153063"/>
+            <a:off x="466362" y="1062705"/>
+            <a:ext cx="4697240" cy="2644337"/>
           </a:xfrm>
           <a:prstGeom prst="rect">
             <a:avLst/>
           </a:prstGeom>
+        </p:spPr>
+      </p:pic>
+      <p:pic>
+        <p:nvPicPr>
+          <p:cNvPr id="8" name="그림 7" descr="나이프이(가) 표시된 사진&#10;&#10;자동 생성된 설명">
+            <a:extLst>
+              <a:ext uri="{FF2B5EF4-FFF2-40B4-BE49-F238E27FC236}">
+                <a16:creationId xmlns:a16="http://schemas.microsoft.com/office/drawing/2014/main" id="{2B78C26E-4DD8-495C-A7B7-2AA6587659B8}"/>
+              </a:ext>
+            </a:extLst>
+          </p:cNvPr>
+          <p:cNvPicPr>
+            <a:picLocks noChangeAspect="1"/>
+          </p:cNvPicPr>
+          <p:nvPr/>
+        </p:nvPicPr>
+        <p:blipFill>
+          <a:blip r:embed="rId4">
+            <a:duotone>
+              <a:schemeClr val="accent1">
+                <a:shade val="45000"/>
+                <a:satMod val="135000"/>
+              </a:schemeClr>
+              <a:prstClr val="white"/>
+            </a:duotone>
+            <a:extLst>
+              <a:ext uri="{BEBA8EAE-BF5A-486C-A8C5-ECC9F3942E4B}">
+                <a14:imgProps xmlns:a14="http://schemas.microsoft.com/office/drawing/2010/main">
+                  <a14:imgLayer r:embed="rId5">
+                    <a14:imgEffect>
+                      <a14:saturation sat="200000"/>
+                    </a14:imgEffect>
+                  </a14:imgLayer>
+                </a14:imgProps>
+              </a:ext>
+              <a:ext uri="{28A0092B-C50C-407E-A947-70E740481C1C}">
+                <a14:useLocalDpi xmlns:a14="http://schemas.microsoft.com/office/drawing/2010/main" val="0"/>
+              </a:ext>
+            </a:extLst>
+          </a:blip>
+          <a:stretch>
+            <a:fillRect/>
+          </a:stretch>
+        </p:blipFill>
+        <p:spPr>
+          <a:xfrm>
+            <a:off x="6185662" y="5057237"/>
+            <a:ext cx="1343025" cy="561975"/>
+          </a:xfrm>
+          <a:prstGeom prst="rect">
+            <a:avLst/>
+          </a:prstGeom>
+        </p:spPr>
+      </p:pic>
+      <p:pic>
+        <p:nvPicPr>
+          <p:cNvPr id="11" name="그림 10" descr="물이(가) 표시된 사진&#10;&#10;자동 생성된 설명">
+            <a:extLst>
+              <a:ext uri="{FF2B5EF4-FFF2-40B4-BE49-F238E27FC236}">
+                <a16:creationId xmlns:a16="http://schemas.microsoft.com/office/drawing/2014/main" id="{DB740A75-38A4-4475-A878-350C2BB1DFE4}"/>
+              </a:ext>
+            </a:extLst>
+          </p:cNvPr>
+          <p:cNvPicPr>
+            <a:picLocks noChangeAspect="1"/>
+          </p:cNvPicPr>
+          <p:nvPr/>
+        </p:nvPicPr>
+        <p:blipFill>
+          <a:blip r:embed="rId6">
+            <a:duotone>
+              <a:schemeClr val="accent1">
+                <a:shade val="45000"/>
+                <a:satMod val="135000"/>
+              </a:schemeClr>
+              <a:prstClr val="white"/>
+            </a:duotone>
+            <a:extLst>
+              <a:ext uri="{28A0092B-C50C-407E-A947-70E740481C1C}">
+                <a14:useLocalDpi xmlns:a14="http://schemas.microsoft.com/office/drawing/2010/main" val="0"/>
+              </a:ext>
+            </a:extLst>
+          </a:blip>
+          <a:stretch>
+            <a:fillRect/>
+          </a:stretch>
+        </p:blipFill>
+        <p:spPr>
+          <a:xfrm>
+            <a:off x="7838774" y="5083714"/>
+            <a:ext cx="1333500" cy="561975"/>
+          </a:xfrm>
+          <a:prstGeom prst="rect">
+            <a:avLst/>
+          </a:prstGeom>
+        </p:spPr>
+      </p:pic>
+      <p:pic>
+        <p:nvPicPr>
+          <p:cNvPr id="14" name="그림 13">
+            <a:extLst>
+              <a:ext uri="{FF2B5EF4-FFF2-40B4-BE49-F238E27FC236}">
+                <a16:creationId xmlns:a16="http://schemas.microsoft.com/office/drawing/2014/main" id="{9B552CB4-C661-4150-AA44-F0113BD58184}"/>
+              </a:ext>
+            </a:extLst>
+          </p:cNvPr>
+          <p:cNvPicPr>
+            <a:picLocks noChangeAspect="1"/>
+          </p:cNvPicPr>
+          <p:nvPr/>
+        </p:nvPicPr>
+        <p:blipFill>
+          <a:blip r:embed="rId7">
+            <a:duotone>
+              <a:schemeClr val="accent1">
+                <a:shade val="45000"/>
+                <a:satMod val="135000"/>
+              </a:schemeClr>
+              <a:prstClr val="white"/>
+            </a:duotone>
+            <a:extLst>
+              <a:ext uri="{BEBA8EAE-BF5A-486C-A8C5-ECC9F3942E4B}">
+                <a14:imgProps xmlns:a14="http://schemas.microsoft.com/office/drawing/2010/main">
+                  <a14:imgLayer r:embed="rId8">
+                    <a14:imgEffect>
+                      <a14:colorTemperature colorTemp="2000"/>
+                    </a14:imgEffect>
+                  </a14:imgLayer>
+                </a14:imgProps>
+              </a:ext>
+              <a:ext uri="{28A0092B-C50C-407E-A947-70E740481C1C}">
+                <a14:useLocalDpi xmlns:a14="http://schemas.microsoft.com/office/drawing/2010/main" val="0"/>
+              </a:ext>
+            </a:extLst>
+          </a:blip>
+          <a:stretch>
+            <a:fillRect/>
+          </a:stretch>
+        </p:blipFill>
+        <p:spPr>
+          <a:xfrm>
+            <a:off x="9444352" y="5083714"/>
+            <a:ext cx="1343025" cy="561975"/>
+          </a:xfrm>
+          <a:prstGeom prst="rect">
+            <a:avLst/>
+          </a:prstGeom>
+        </p:spPr>
+      </p:pic>
+      <p:pic>
+        <p:nvPicPr>
+          <p:cNvPr id="15" name="그림 14" descr="나이프이(가) 표시된 사진&#10;&#10;자동 생성된 설명">
+            <a:extLst>
+              <a:ext uri="{FF2B5EF4-FFF2-40B4-BE49-F238E27FC236}">
+                <a16:creationId xmlns:a16="http://schemas.microsoft.com/office/drawing/2014/main" id="{F67833C7-A305-4CD3-B798-008A35CBE953}"/>
+              </a:ext>
+            </a:extLst>
+          </p:cNvPr>
+          <p:cNvPicPr>
+            <a:picLocks noChangeAspect="1"/>
+          </p:cNvPicPr>
+          <p:nvPr/>
+        </p:nvPicPr>
+        <p:blipFill>
+          <a:blip r:embed="rId4">
+            <a:duotone>
+              <a:schemeClr val="accent6">
+                <a:shade val="45000"/>
+                <a:satMod val="135000"/>
+              </a:schemeClr>
+              <a:prstClr val="white"/>
+            </a:duotone>
+            <a:extLst>
+              <a:ext uri="{BEBA8EAE-BF5A-486C-A8C5-ECC9F3942E4B}">
+                <a14:imgProps xmlns:a14="http://schemas.microsoft.com/office/drawing/2010/main">
+                  <a14:imgLayer r:embed="rId5">
+                    <a14:imgEffect>
+                      <a14:saturation sat="200000"/>
+                    </a14:imgEffect>
+                  </a14:imgLayer>
+                </a14:imgProps>
+              </a:ext>
+              <a:ext uri="{28A0092B-C50C-407E-A947-70E740481C1C}">
+                <a14:useLocalDpi xmlns:a14="http://schemas.microsoft.com/office/drawing/2010/main" val="0"/>
+              </a:ext>
+            </a:extLst>
+          </a:blip>
+          <a:stretch>
+            <a:fillRect/>
+          </a:stretch>
+        </p:blipFill>
+        <p:spPr>
+          <a:xfrm>
+            <a:off x="6185662" y="6011036"/>
+            <a:ext cx="1343025" cy="561975"/>
+          </a:xfrm>
+          <a:prstGeom prst="rect">
+            <a:avLst/>
+          </a:prstGeom>
+          <a:ln w="19050">
+            <a:noFill/>
+          </a:ln>
+        </p:spPr>
+      </p:pic>
+      <p:pic>
+        <p:nvPicPr>
+          <p:cNvPr id="16" name="그림 15" descr="물이(가) 표시된 사진&#10;&#10;자동 생성된 설명">
+            <a:extLst>
+              <a:ext uri="{FF2B5EF4-FFF2-40B4-BE49-F238E27FC236}">
+                <a16:creationId xmlns:a16="http://schemas.microsoft.com/office/drawing/2014/main" id="{3CA68366-E154-48C1-95E5-E93CD55A6599}"/>
+              </a:ext>
+            </a:extLst>
+          </p:cNvPr>
+          <p:cNvPicPr>
+            <a:picLocks noChangeAspect="1"/>
+          </p:cNvPicPr>
+          <p:nvPr/>
+        </p:nvPicPr>
+        <p:blipFill>
+          <a:blip r:embed="rId6">
+            <a:duotone>
+              <a:schemeClr val="accent6">
+                <a:shade val="45000"/>
+                <a:satMod val="135000"/>
+              </a:schemeClr>
+              <a:prstClr val="white"/>
+            </a:duotone>
+            <a:extLst>
+              <a:ext uri="{28A0092B-C50C-407E-A947-70E740481C1C}">
+                <a14:useLocalDpi xmlns:a14="http://schemas.microsoft.com/office/drawing/2010/main" val="0"/>
+              </a:ext>
+            </a:extLst>
+          </a:blip>
+          <a:stretch>
+            <a:fillRect/>
+          </a:stretch>
+        </p:blipFill>
+        <p:spPr>
+          <a:xfrm>
+            <a:off x="7838774" y="6037513"/>
+            <a:ext cx="1333500" cy="561975"/>
+          </a:xfrm>
+          <a:prstGeom prst="rect">
+            <a:avLst/>
+          </a:prstGeom>
+          <a:ln w="19050">
+            <a:noFill/>
+          </a:ln>
+        </p:spPr>
+      </p:pic>
+      <p:pic>
+        <p:nvPicPr>
+          <p:cNvPr id="17" name="그림 16">
+            <a:extLst>
+              <a:ext uri="{FF2B5EF4-FFF2-40B4-BE49-F238E27FC236}">
+                <a16:creationId xmlns:a16="http://schemas.microsoft.com/office/drawing/2014/main" id="{285D046F-7026-480E-8616-C79CAD48ED63}"/>
+              </a:ext>
+            </a:extLst>
+          </p:cNvPr>
+          <p:cNvPicPr>
+            <a:picLocks noChangeAspect="1"/>
+          </p:cNvPicPr>
+          <p:nvPr/>
+        </p:nvPicPr>
+        <p:blipFill>
+          <a:blip r:embed="rId7">
+            <a:duotone>
+              <a:schemeClr val="accent6">
+                <a:shade val="45000"/>
+                <a:satMod val="135000"/>
+              </a:schemeClr>
+              <a:prstClr val="white"/>
+            </a:duotone>
+            <a:extLst>
+              <a:ext uri="{BEBA8EAE-BF5A-486C-A8C5-ECC9F3942E4B}">
+                <a14:imgProps xmlns:a14="http://schemas.microsoft.com/office/drawing/2010/main">
+                  <a14:imgLayer r:embed="rId8">
+                    <a14:imgEffect>
+                      <a14:colorTemperature colorTemp="2000"/>
+                    </a14:imgEffect>
+                  </a14:imgLayer>
+                </a14:imgProps>
+              </a:ext>
+              <a:ext uri="{28A0092B-C50C-407E-A947-70E740481C1C}">
+                <a14:useLocalDpi xmlns:a14="http://schemas.microsoft.com/office/drawing/2010/main" val="0"/>
+              </a:ext>
+            </a:extLst>
+          </a:blip>
+          <a:stretch>
+            <a:fillRect/>
+          </a:stretch>
+        </p:blipFill>
+        <p:spPr>
+          <a:xfrm>
+            <a:off x="9444352" y="6037513"/>
+            <a:ext cx="1343025" cy="561975"/>
+          </a:xfrm>
+          <a:prstGeom prst="rect">
+            <a:avLst/>
+          </a:prstGeom>
+          <a:ln w="19050">
+            <a:noFill/>
+          </a:ln>
+          <a:effectLst/>
         </p:spPr>
       </p:pic>
     </p:spTree>

--- a/이미지들.pptx
+++ b/이미지들.pptx
@@ -133,7 +133,7 @@
 <file path=ppt/revisionInfo.xml><?xml version="1.0" encoding="utf-8"?>
 <p1510:revInfo xmlns:a="http://schemas.openxmlformats.org/drawingml/2006/main" xmlns:r="http://schemas.openxmlformats.org/officeDocument/2006/relationships" xmlns:p1510="http://schemas.microsoft.com/office/powerpoint/2015/10/main">
   <p1510:revLst>
-    <p1510:client id="{47D04D58-B45C-4E90-AC7C-F9D0C3A68DEC}" v="534" dt="2019-12-02T22:22:02.250"/>
+    <p1510:client id="{47D04D58-B45C-4E90-AC7C-F9D0C3A68DEC}" v="536" dt="2019-12-04T15:42:55.279"/>
   </p1510:revLst>
 </p1510:revInfo>
 </file>
@@ -143,7 +143,7 @@
   <pc:docChgLst>
     <pc:chgData name=" " userId="c953af65-a220-40f8-9b11-e29da02892c7" providerId="ADAL" clId="{47D04D58-B45C-4E90-AC7C-F9D0C3A68DEC}"/>
     <pc:docChg chg="undo custSel addSld delSld modSld sldOrd">
-      <pc:chgData name=" " userId="c953af65-a220-40f8-9b11-e29da02892c7" providerId="ADAL" clId="{47D04D58-B45C-4E90-AC7C-F9D0C3A68DEC}" dt="2019-12-02T22:22:53.497" v="1547" actId="692"/>
+      <pc:chgData name=" " userId="c953af65-a220-40f8-9b11-e29da02892c7" providerId="ADAL" clId="{47D04D58-B45C-4E90-AC7C-F9D0C3A68DEC}" dt="2019-12-04T18:05:05.752" v="1589" actId="14100"/>
       <pc:docMkLst>
         <pc:docMk/>
       </pc:docMkLst>
@@ -233,7 +233,7 @@
         </pc:sldMkLst>
       </pc:sldChg>
       <pc:sldChg chg="addSp delSp modSp add ord">
-        <pc:chgData name=" " userId="c953af65-a220-40f8-9b11-e29da02892c7" providerId="ADAL" clId="{47D04D58-B45C-4E90-AC7C-F9D0C3A68DEC}" dt="2019-12-01T17:15:22.572" v="513"/>
+        <pc:chgData name=" " userId="c953af65-a220-40f8-9b11-e29da02892c7" providerId="ADAL" clId="{47D04D58-B45C-4E90-AC7C-F9D0C3A68DEC}" dt="2019-12-04T18:05:05.752" v="1589" actId="14100"/>
         <pc:sldMkLst>
           <pc:docMk/>
           <pc:sldMk cId="2276483079" sldId="261"/>
@@ -244,6 +244,14 @@
             <pc:docMk/>
             <pc:sldMk cId="2276483079" sldId="261"/>
             <ac:spMk id="2" creationId="{BA020642-6064-44A9-9141-D3D8F90BD86D}"/>
+          </ac:spMkLst>
+        </pc:spChg>
+        <pc:spChg chg="add mod">
+          <ac:chgData name=" " userId="c953af65-a220-40f8-9b11-e29da02892c7" providerId="ADAL" clId="{47D04D58-B45C-4E90-AC7C-F9D0C3A68DEC}" dt="2019-12-04T18:05:05.752" v="1589" actId="14100"/>
+          <ac:spMkLst>
+            <pc:docMk/>
+            <pc:sldMk cId="2276483079" sldId="261"/>
+            <ac:spMk id="3" creationId="{C6B23B7F-20B6-4DC9-81E5-C9B9139F9EE7}"/>
           </ac:spMkLst>
         </pc:spChg>
         <pc:spChg chg="add del mod">
@@ -532,7 +540,7 @@
           <a:p>
             <a:fld id="{75DCA1FD-AA9A-428A-9491-6707F84AA4A4}" type="datetimeFigureOut">
               <a:rPr lang="ko-KR" altLang="en-US" smtClean="0"/>
-              <a:t>2019-12-03</a:t>
+              <a:t>2019-12-05</a:t>
             </a:fld>
             <a:endParaRPr lang="ko-KR" altLang="en-US"/>
           </a:p>
@@ -730,7 +738,7 @@
           <a:p>
             <a:fld id="{75DCA1FD-AA9A-428A-9491-6707F84AA4A4}" type="datetimeFigureOut">
               <a:rPr lang="ko-KR" altLang="en-US" smtClean="0"/>
-              <a:t>2019-12-03</a:t>
+              <a:t>2019-12-05</a:t>
             </a:fld>
             <a:endParaRPr lang="ko-KR" altLang="en-US"/>
           </a:p>
@@ -938,7 +946,7 @@
           <a:p>
             <a:fld id="{75DCA1FD-AA9A-428A-9491-6707F84AA4A4}" type="datetimeFigureOut">
               <a:rPr lang="ko-KR" altLang="en-US" smtClean="0"/>
-              <a:t>2019-12-03</a:t>
+              <a:t>2019-12-05</a:t>
             </a:fld>
             <a:endParaRPr lang="ko-KR" altLang="en-US"/>
           </a:p>
@@ -1136,7 +1144,7 @@
           <a:p>
             <a:fld id="{75DCA1FD-AA9A-428A-9491-6707F84AA4A4}" type="datetimeFigureOut">
               <a:rPr lang="ko-KR" altLang="en-US" smtClean="0"/>
-              <a:t>2019-12-03</a:t>
+              <a:t>2019-12-05</a:t>
             </a:fld>
             <a:endParaRPr lang="ko-KR" altLang="en-US"/>
           </a:p>
@@ -1411,7 +1419,7 @@
           <a:p>
             <a:fld id="{75DCA1FD-AA9A-428A-9491-6707F84AA4A4}" type="datetimeFigureOut">
               <a:rPr lang="ko-KR" altLang="en-US" smtClean="0"/>
-              <a:t>2019-12-03</a:t>
+              <a:t>2019-12-05</a:t>
             </a:fld>
             <a:endParaRPr lang="ko-KR" altLang="en-US"/>
           </a:p>
@@ -1676,7 +1684,7 @@
           <a:p>
             <a:fld id="{75DCA1FD-AA9A-428A-9491-6707F84AA4A4}" type="datetimeFigureOut">
               <a:rPr lang="ko-KR" altLang="en-US" smtClean="0"/>
-              <a:t>2019-12-03</a:t>
+              <a:t>2019-12-05</a:t>
             </a:fld>
             <a:endParaRPr lang="ko-KR" altLang="en-US"/>
           </a:p>
@@ -2088,7 +2096,7 @@
           <a:p>
             <a:fld id="{75DCA1FD-AA9A-428A-9491-6707F84AA4A4}" type="datetimeFigureOut">
               <a:rPr lang="ko-KR" altLang="en-US" smtClean="0"/>
-              <a:t>2019-12-03</a:t>
+              <a:t>2019-12-05</a:t>
             </a:fld>
             <a:endParaRPr lang="ko-KR" altLang="en-US"/>
           </a:p>
@@ -2229,7 +2237,7 @@
           <a:p>
             <a:fld id="{75DCA1FD-AA9A-428A-9491-6707F84AA4A4}" type="datetimeFigureOut">
               <a:rPr lang="ko-KR" altLang="en-US" smtClean="0"/>
-              <a:t>2019-12-03</a:t>
+              <a:t>2019-12-05</a:t>
             </a:fld>
             <a:endParaRPr lang="ko-KR" altLang="en-US"/>
           </a:p>
@@ -2342,7 +2350,7 @@
           <a:p>
             <a:fld id="{75DCA1FD-AA9A-428A-9491-6707F84AA4A4}" type="datetimeFigureOut">
               <a:rPr lang="ko-KR" altLang="en-US" smtClean="0"/>
-              <a:t>2019-12-03</a:t>
+              <a:t>2019-12-05</a:t>
             </a:fld>
             <a:endParaRPr lang="ko-KR" altLang="en-US"/>
           </a:p>
@@ -2653,7 +2661,7 @@
           <a:p>
             <a:fld id="{75DCA1FD-AA9A-428A-9491-6707F84AA4A4}" type="datetimeFigureOut">
               <a:rPr lang="ko-KR" altLang="en-US" smtClean="0"/>
-              <a:t>2019-12-03</a:t>
+              <a:t>2019-12-05</a:t>
             </a:fld>
             <a:endParaRPr lang="ko-KR" altLang="en-US"/>
           </a:p>
@@ -2941,7 +2949,7 @@
           <a:p>
             <a:fld id="{75DCA1FD-AA9A-428A-9491-6707F84AA4A4}" type="datetimeFigureOut">
               <a:rPr lang="ko-KR" altLang="en-US" smtClean="0"/>
-              <a:t>2019-12-03</a:t>
+              <a:t>2019-12-05</a:t>
             </a:fld>
             <a:endParaRPr lang="ko-KR" altLang="en-US"/>
           </a:p>
@@ -3182,7 +3190,7 @@
           <a:p>
             <a:fld id="{75DCA1FD-AA9A-428A-9491-6707F84AA4A4}" type="datetimeFigureOut">
               <a:rPr lang="ko-KR" altLang="en-US" smtClean="0"/>
-              <a:t>2019-12-03</a:t>
+              <a:t>2019-12-05</a:t>
             </a:fld>
             <a:endParaRPr lang="ko-KR" altLang="en-US"/>
           </a:p>
@@ -4793,6 +4801,66 @@
             <a:avLst>
               <a:gd name="adj1" fmla="val -34503"/>
               <a:gd name="adj2" fmla="val 64529"/>
+              <a:gd name="adj3" fmla="val 16667"/>
+            </a:avLst>
+          </a:prstGeom>
+          <a:solidFill>
+            <a:schemeClr val="bg1"/>
+          </a:solidFill>
+          <a:ln w="25400">
+            <a:solidFill>
+              <a:schemeClr val="accent1">
+                <a:lumMod val="75000"/>
+              </a:schemeClr>
+            </a:solidFill>
+          </a:ln>
+        </p:spPr>
+        <p:style>
+          <a:lnRef idx="2">
+            <a:schemeClr val="accent1">
+              <a:shade val="50000"/>
+            </a:schemeClr>
+          </a:lnRef>
+          <a:fillRef idx="1">
+            <a:schemeClr val="accent1"/>
+          </a:fillRef>
+          <a:effectRef idx="0">
+            <a:schemeClr val="accent1"/>
+          </a:effectRef>
+          <a:fontRef idx="minor">
+            <a:schemeClr val="lt1"/>
+          </a:fontRef>
+        </p:style>
+        <p:txBody>
+          <a:bodyPr rtlCol="0" anchor="ctr"/>
+          <a:lstStyle/>
+          <a:p>
+            <a:pPr algn="ctr"/>
+            <a:endParaRPr lang="ko-KR" altLang="en-US" dirty="0"/>
+          </a:p>
+        </p:txBody>
+      </p:sp>
+      <p:sp>
+        <p:nvSpPr>
+          <p:cNvPr id="3" name="말풍선: 모서리가 둥근 사각형 2">
+            <a:extLst>
+              <a:ext uri="{FF2B5EF4-FFF2-40B4-BE49-F238E27FC236}">
+                <a16:creationId xmlns:a16="http://schemas.microsoft.com/office/drawing/2014/main" id="{C6B23B7F-20B6-4DC9-81E5-C9B9139F9EE7}"/>
+              </a:ext>
+            </a:extLst>
+          </p:cNvPr>
+          <p:cNvSpPr/>
+          <p:nvPr/>
+        </p:nvSpPr>
+        <p:spPr>
+          <a:xfrm flipH="1">
+            <a:off x="421666" y="1141815"/>
+            <a:ext cx="9968378" cy="3873211"/>
+          </a:xfrm>
+          <a:prstGeom prst="wedgeRoundRectCallout">
+            <a:avLst>
+              <a:gd name="adj1" fmla="val -20846"/>
+              <a:gd name="adj2" fmla="val 80547"/>
               <a:gd name="adj3" fmla="val 16667"/>
             </a:avLst>
           </a:prstGeom>
@@ -5806,6 +5874,21 @@
 </file>
 
 <file path=customXml/item1.xml><?xml version="1.0" encoding="utf-8"?>
+<p:properties xmlns:p="http://schemas.microsoft.com/office/2006/metadata/properties" xmlns:xsi="http://www.w3.org/2001/XMLSchema-instance" xmlns:pc="http://schemas.microsoft.com/office/infopath/2007/PartnerControls">
+  <documentManagement/>
+</p:properties>
+</file>
+
+<file path=customXml/item2.xml><?xml version="1.0" encoding="utf-8"?>
+<?mso-contentType ?>
+<FormTemplates xmlns="http://schemas.microsoft.com/sharepoint/v3/contenttype/forms">
+  <Display>DocumentLibraryForm</Display>
+  <Edit>DocumentLibraryForm</Edit>
+  <New>DocumentLibraryForm</New>
+</FormTemplates>
+</file>
+
+<file path=customXml/item3.xml><?xml version="1.0" encoding="utf-8"?>
 <ct:contentTypeSchema xmlns:ct="http://schemas.microsoft.com/office/2006/metadata/contentType" xmlns:ma="http://schemas.microsoft.com/office/2006/metadata/properties/metaAttributes" ct:_="" ma:_="" ma:contentTypeName="문서" ma:contentTypeID="0x010100F3310333FBC6964E8E1AF77CB170F51F" ma:contentTypeVersion="8" ma:contentTypeDescription="새 문서를 만듭니다." ma:contentTypeScope="" ma:versionID="c96a17dca871e919906cdecfc9bb6aa0">
   <xsd:schema xmlns:xsd="http://www.w3.org/2001/XMLSchema" xmlns:xs="http://www.w3.org/2001/XMLSchema" xmlns:p="http://schemas.microsoft.com/office/2006/metadata/properties" xmlns:ns3="0e5e5f40-8af6-49e3-86a7-eafcf2f63df0" targetNamespace="http://schemas.microsoft.com/office/2006/metadata/properties" ma:root="true" ma:fieldsID="8a6cb3d83e8d7cc5256b042238072bdb" ns3:_="">
     <xsd:import namespace="0e5e5f40-8af6-49e3-86a7-eafcf2f63df0"/>
@@ -5975,22 +6058,24 @@
 </ct:contentTypeSchema>
 </file>
 
-<file path=customXml/item2.xml><?xml version="1.0" encoding="utf-8"?>
-<?mso-contentType ?>
-<FormTemplates xmlns="http://schemas.microsoft.com/sharepoint/v3/contenttype/forms">
-  <Display>DocumentLibraryForm</Display>
-  <Edit>DocumentLibraryForm</Edit>
-  <New>DocumentLibraryForm</New>
-</FormTemplates>
+<file path=customXml/itemProps1.xml><?xml version="1.0" encoding="utf-8"?>
+<ds:datastoreItem xmlns:ds="http://schemas.openxmlformats.org/officeDocument/2006/customXml" ds:itemID="{63B6C464-4EF0-4474-9089-ACC74B8DD2A0}">
+  <ds:schemaRefs>
+    <ds:schemaRef ds:uri="http://schemas.microsoft.com/office/2006/metadata/properties"/>
+    <ds:schemaRef ds:uri="http://schemas.microsoft.com/office/infopath/2007/PartnerControls"/>
+  </ds:schemaRefs>
+</ds:datastoreItem>
 </file>
 
-<file path=customXml/item3.xml><?xml version="1.0" encoding="utf-8"?>
-<p:properties xmlns:p="http://schemas.microsoft.com/office/2006/metadata/properties" xmlns:xsi="http://www.w3.org/2001/XMLSchema-instance" xmlns:pc="http://schemas.microsoft.com/office/infopath/2007/PartnerControls">
-  <documentManagement/>
-</p:properties>
+<file path=customXml/itemProps2.xml><?xml version="1.0" encoding="utf-8"?>
+<ds:datastoreItem xmlns:ds="http://schemas.openxmlformats.org/officeDocument/2006/customXml" ds:itemID="{690CD346-FEAC-4B85-A1E5-F59451BF06D4}">
+  <ds:schemaRefs>
+    <ds:schemaRef ds:uri="http://schemas.microsoft.com/sharepoint/v3/contenttype/forms"/>
+  </ds:schemaRefs>
+</ds:datastoreItem>
 </file>
 
-<file path=customXml/itemProps1.xml><?xml version="1.0" encoding="utf-8"?>
+<file path=customXml/itemProps3.xml><?xml version="1.0" encoding="utf-8"?>
 <ds:datastoreItem xmlns:ds="http://schemas.openxmlformats.org/officeDocument/2006/customXml" ds:itemID="{6582E336-86E7-4EDF-A46D-B74D93A560F2}">
   <ds:schemaRefs>
     <ds:schemaRef ds:uri="http://schemas.microsoft.com/office/2006/metadata/contentType"/>
@@ -6006,21 +6091,4 @@
     <ds:schemaRef ds:uri="http://schemas.microsoft.com/internal/obd"/>
   </ds:schemaRefs>
 </ds:datastoreItem>
-</file>
-
-<file path=customXml/itemProps2.xml><?xml version="1.0" encoding="utf-8"?>
-<ds:datastoreItem xmlns:ds="http://schemas.openxmlformats.org/officeDocument/2006/customXml" ds:itemID="{690CD346-FEAC-4B85-A1E5-F59451BF06D4}">
-  <ds:schemaRefs>
-    <ds:schemaRef ds:uri="http://schemas.microsoft.com/sharepoint/v3/contenttype/forms"/>
-  </ds:schemaRefs>
-</ds:datastoreItem>
-</file>
-
-<file path=customXml/itemProps3.xml><?xml version="1.0" encoding="utf-8"?>
-<ds:datastoreItem xmlns:ds="http://schemas.openxmlformats.org/officeDocument/2006/customXml" ds:itemID="{63B6C464-4EF0-4474-9089-ACC74B8DD2A0}">
-  <ds:schemaRefs>
-    <ds:schemaRef ds:uri="http://schemas.microsoft.com/office/2006/metadata/properties"/>
-    <ds:schemaRef ds:uri="http://schemas.microsoft.com/office/infopath/2007/PartnerControls"/>
-  </ds:schemaRefs>
-</ds:datastoreItem>
 </file>
--- a/이미지들.pptx
+++ b/이미지들.pptx
@@ -8,11 +8,12 @@
     <p:sldId id="256" r:id="rId5"/>
     <p:sldId id="257" r:id="rId6"/>
     <p:sldId id="258" r:id="rId7"/>
-    <p:sldId id="259" r:id="rId8"/>
-    <p:sldId id="260" r:id="rId9"/>
-    <p:sldId id="261" r:id="rId10"/>
-    <p:sldId id="263" r:id="rId11"/>
-    <p:sldId id="262" r:id="rId12"/>
+    <p:sldId id="264" r:id="rId8"/>
+    <p:sldId id="259" r:id="rId9"/>
+    <p:sldId id="260" r:id="rId10"/>
+    <p:sldId id="261" r:id="rId11"/>
+    <p:sldId id="263" r:id="rId12"/>
+    <p:sldId id="262" r:id="rId13"/>
   </p:sldIdLst>
   <p:sldSz cx="12192000" cy="6858000"/>
   <p:notesSz cx="6858000" cy="9144000"/>
@@ -415,7 +416,7 @@
           <p:cNvPr id="2" name="제목 1">
             <a:extLst>
               <a:ext uri="{FF2B5EF4-FFF2-40B4-BE49-F238E27FC236}">
-                <a16:creationId xmlns:a16="http://schemas.microsoft.com/office/drawing/2014/main" id="{19E51386-0D18-45E5-8E59-58CE6AA78C54}"/>
+                <a16:creationId xmlns:a16="http://schemas.microsoft.com/office/drawing/2014/main" xmlns="" id="{19E51386-0D18-45E5-8E59-58CE6AA78C54}"/>
               </a:ext>
             </a:extLst>
           </p:cNvPr>
@@ -452,7 +453,7 @@
           <p:cNvPr id="3" name="부제목 2">
             <a:extLst>
               <a:ext uri="{FF2B5EF4-FFF2-40B4-BE49-F238E27FC236}">
-                <a16:creationId xmlns:a16="http://schemas.microsoft.com/office/drawing/2014/main" id="{07490482-F920-4EFA-A9A4-52D0E50F6609}"/>
+                <a16:creationId xmlns:a16="http://schemas.microsoft.com/office/drawing/2014/main" xmlns="" id="{07490482-F920-4EFA-A9A4-52D0E50F6609}"/>
               </a:ext>
             </a:extLst>
           </p:cNvPr>
@@ -522,7 +523,7 @@
           <p:cNvPr id="4" name="날짜 개체 틀 3">
             <a:extLst>
               <a:ext uri="{FF2B5EF4-FFF2-40B4-BE49-F238E27FC236}">
-                <a16:creationId xmlns:a16="http://schemas.microsoft.com/office/drawing/2014/main" id="{4D67E831-149D-4570-A5A8-1E580A459F4B}"/>
+                <a16:creationId xmlns:a16="http://schemas.microsoft.com/office/drawing/2014/main" xmlns="" id="{4D67E831-149D-4570-A5A8-1E580A459F4B}"/>
               </a:ext>
             </a:extLst>
           </p:cNvPr>
@@ -540,7 +541,7 @@
           <a:p>
             <a:fld id="{75DCA1FD-AA9A-428A-9491-6707F84AA4A4}" type="datetimeFigureOut">
               <a:rPr lang="ko-KR" altLang="en-US" smtClean="0"/>
-              <a:t>2019-12-05</a:t>
+              <a:t>2020-02-05</a:t>
             </a:fld>
             <a:endParaRPr lang="ko-KR" altLang="en-US"/>
           </a:p>
@@ -551,7 +552,7 @@
           <p:cNvPr id="5" name="바닥글 개체 틀 4">
             <a:extLst>
               <a:ext uri="{FF2B5EF4-FFF2-40B4-BE49-F238E27FC236}">
-                <a16:creationId xmlns:a16="http://schemas.microsoft.com/office/drawing/2014/main" id="{F3A7A1C6-4502-498F-9EC8-DA80A640F279}"/>
+                <a16:creationId xmlns:a16="http://schemas.microsoft.com/office/drawing/2014/main" xmlns="" id="{F3A7A1C6-4502-498F-9EC8-DA80A640F279}"/>
               </a:ext>
             </a:extLst>
           </p:cNvPr>
@@ -576,7 +577,7 @@
           <p:cNvPr id="6" name="슬라이드 번호 개체 틀 5">
             <a:extLst>
               <a:ext uri="{FF2B5EF4-FFF2-40B4-BE49-F238E27FC236}">
-                <a16:creationId xmlns:a16="http://schemas.microsoft.com/office/drawing/2014/main" id="{6CFF2876-D7D6-4E44-ADA9-210AE7A438CC}"/>
+                <a16:creationId xmlns:a16="http://schemas.microsoft.com/office/drawing/2014/main" xmlns="" id="{6CFF2876-D7D6-4E44-ADA9-210AE7A438CC}"/>
               </a:ext>
             </a:extLst>
           </p:cNvPr>
@@ -635,7 +636,7 @@
           <p:cNvPr id="2" name="제목 1">
             <a:extLst>
               <a:ext uri="{FF2B5EF4-FFF2-40B4-BE49-F238E27FC236}">
-                <a16:creationId xmlns:a16="http://schemas.microsoft.com/office/drawing/2014/main" id="{696D64AF-B87F-43DC-B4E1-82F8FD8F988B}"/>
+                <a16:creationId xmlns:a16="http://schemas.microsoft.com/office/drawing/2014/main" xmlns="" id="{696D64AF-B87F-43DC-B4E1-82F8FD8F988B}"/>
               </a:ext>
             </a:extLst>
           </p:cNvPr>
@@ -663,7 +664,7 @@
           <p:cNvPr id="3" name="세로 텍스트 개체 틀 2">
             <a:extLst>
               <a:ext uri="{FF2B5EF4-FFF2-40B4-BE49-F238E27FC236}">
-                <a16:creationId xmlns:a16="http://schemas.microsoft.com/office/drawing/2014/main" id="{A9FFC5CB-79B7-403C-AC62-1E910FB0421C}"/>
+                <a16:creationId xmlns:a16="http://schemas.microsoft.com/office/drawing/2014/main" xmlns="" id="{A9FFC5CB-79B7-403C-AC62-1E910FB0421C}"/>
               </a:ext>
             </a:extLst>
           </p:cNvPr>
@@ -720,7 +721,7 @@
           <p:cNvPr id="4" name="날짜 개체 틀 3">
             <a:extLst>
               <a:ext uri="{FF2B5EF4-FFF2-40B4-BE49-F238E27FC236}">
-                <a16:creationId xmlns:a16="http://schemas.microsoft.com/office/drawing/2014/main" id="{6E841A9D-157C-499D-89F6-F0A8D8343D15}"/>
+                <a16:creationId xmlns:a16="http://schemas.microsoft.com/office/drawing/2014/main" xmlns="" id="{6E841A9D-157C-499D-89F6-F0A8D8343D15}"/>
               </a:ext>
             </a:extLst>
           </p:cNvPr>
@@ -738,7 +739,7 @@
           <a:p>
             <a:fld id="{75DCA1FD-AA9A-428A-9491-6707F84AA4A4}" type="datetimeFigureOut">
               <a:rPr lang="ko-KR" altLang="en-US" smtClean="0"/>
-              <a:t>2019-12-05</a:t>
+              <a:t>2020-02-05</a:t>
             </a:fld>
             <a:endParaRPr lang="ko-KR" altLang="en-US"/>
           </a:p>
@@ -749,7 +750,7 @@
           <p:cNvPr id="5" name="바닥글 개체 틀 4">
             <a:extLst>
               <a:ext uri="{FF2B5EF4-FFF2-40B4-BE49-F238E27FC236}">
-                <a16:creationId xmlns:a16="http://schemas.microsoft.com/office/drawing/2014/main" id="{7291C64F-3478-4145-8A2C-6D651B9E1869}"/>
+                <a16:creationId xmlns:a16="http://schemas.microsoft.com/office/drawing/2014/main" xmlns="" id="{7291C64F-3478-4145-8A2C-6D651B9E1869}"/>
               </a:ext>
             </a:extLst>
           </p:cNvPr>
@@ -774,7 +775,7 @@
           <p:cNvPr id="6" name="슬라이드 번호 개체 틀 5">
             <a:extLst>
               <a:ext uri="{FF2B5EF4-FFF2-40B4-BE49-F238E27FC236}">
-                <a16:creationId xmlns:a16="http://schemas.microsoft.com/office/drawing/2014/main" id="{631492F8-0DDC-4438-9649-449BCA0A22FF}"/>
+                <a16:creationId xmlns:a16="http://schemas.microsoft.com/office/drawing/2014/main" xmlns="" id="{631492F8-0DDC-4438-9649-449BCA0A22FF}"/>
               </a:ext>
             </a:extLst>
           </p:cNvPr>
@@ -833,7 +834,7 @@
           <p:cNvPr id="2" name="세로 제목 1">
             <a:extLst>
               <a:ext uri="{FF2B5EF4-FFF2-40B4-BE49-F238E27FC236}">
-                <a16:creationId xmlns:a16="http://schemas.microsoft.com/office/drawing/2014/main" id="{3B2F3761-D002-4FF7-97BA-4B9B415C4BB1}"/>
+                <a16:creationId xmlns:a16="http://schemas.microsoft.com/office/drawing/2014/main" xmlns="" id="{3B2F3761-D002-4FF7-97BA-4B9B415C4BB1}"/>
               </a:ext>
             </a:extLst>
           </p:cNvPr>
@@ -866,7 +867,7 @@
           <p:cNvPr id="3" name="세로 텍스트 개체 틀 2">
             <a:extLst>
               <a:ext uri="{FF2B5EF4-FFF2-40B4-BE49-F238E27FC236}">
-                <a16:creationId xmlns:a16="http://schemas.microsoft.com/office/drawing/2014/main" id="{DAEBBFC8-0CFD-4967-A1A1-6DAEE07506E7}"/>
+                <a16:creationId xmlns:a16="http://schemas.microsoft.com/office/drawing/2014/main" xmlns="" id="{DAEBBFC8-0CFD-4967-A1A1-6DAEE07506E7}"/>
               </a:ext>
             </a:extLst>
           </p:cNvPr>
@@ -928,7 +929,7 @@
           <p:cNvPr id="4" name="날짜 개체 틀 3">
             <a:extLst>
               <a:ext uri="{FF2B5EF4-FFF2-40B4-BE49-F238E27FC236}">
-                <a16:creationId xmlns:a16="http://schemas.microsoft.com/office/drawing/2014/main" id="{416E6F48-DC47-43F9-BC5B-B74DF4DF9954}"/>
+                <a16:creationId xmlns:a16="http://schemas.microsoft.com/office/drawing/2014/main" xmlns="" id="{416E6F48-DC47-43F9-BC5B-B74DF4DF9954}"/>
               </a:ext>
             </a:extLst>
           </p:cNvPr>
@@ -946,7 +947,7 @@
           <a:p>
             <a:fld id="{75DCA1FD-AA9A-428A-9491-6707F84AA4A4}" type="datetimeFigureOut">
               <a:rPr lang="ko-KR" altLang="en-US" smtClean="0"/>
-              <a:t>2019-12-05</a:t>
+              <a:t>2020-02-05</a:t>
             </a:fld>
             <a:endParaRPr lang="ko-KR" altLang="en-US"/>
           </a:p>
@@ -957,7 +958,7 @@
           <p:cNvPr id="5" name="바닥글 개체 틀 4">
             <a:extLst>
               <a:ext uri="{FF2B5EF4-FFF2-40B4-BE49-F238E27FC236}">
-                <a16:creationId xmlns:a16="http://schemas.microsoft.com/office/drawing/2014/main" id="{14C55060-EEFA-4762-AAFC-9B2972AF4B7F}"/>
+                <a16:creationId xmlns:a16="http://schemas.microsoft.com/office/drawing/2014/main" xmlns="" id="{14C55060-EEFA-4762-AAFC-9B2972AF4B7F}"/>
               </a:ext>
             </a:extLst>
           </p:cNvPr>
@@ -982,7 +983,7 @@
           <p:cNvPr id="6" name="슬라이드 번호 개체 틀 5">
             <a:extLst>
               <a:ext uri="{FF2B5EF4-FFF2-40B4-BE49-F238E27FC236}">
-                <a16:creationId xmlns:a16="http://schemas.microsoft.com/office/drawing/2014/main" id="{35AFC4F8-A72D-4F8A-8FB1-598160A8A1AC}"/>
+                <a16:creationId xmlns:a16="http://schemas.microsoft.com/office/drawing/2014/main" xmlns="" id="{35AFC4F8-A72D-4F8A-8FB1-598160A8A1AC}"/>
               </a:ext>
             </a:extLst>
           </p:cNvPr>
@@ -1041,7 +1042,7 @@
           <p:cNvPr id="2" name="제목 1">
             <a:extLst>
               <a:ext uri="{FF2B5EF4-FFF2-40B4-BE49-F238E27FC236}">
-                <a16:creationId xmlns:a16="http://schemas.microsoft.com/office/drawing/2014/main" id="{34437C43-D664-49AD-A081-48557D0FB349}"/>
+                <a16:creationId xmlns:a16="http://schemas.microsoft.com/office/drawing/2014/main" xmlns="" id="{34437C43-D664-49AD-A081-48557D0FB349}"/>
               </a:ext>
             </a:extLst>
           </p:cNvPr>
@@ -1069,7 +1070,7 @@
           <p:cNvPr id="3" name="내용 개체 틀 2">
             <a:extLst>
               <a:ext uri="{FF2B5EF4-FFF2-40B4-BE49-F238E27FC236}">
-                <a16:creationId xmlns:a16="http://schemas.microsoft.com/office/drawing/2014/main" id="{A1C5A520-733E-4298-B30C-12C82FB35642}"/>
+                <a16:creationId xmlns:a16="http://schemas.microsoft.com/office/drawing/2014/main" xmlns="" id="{A1C5A520-733E-4298-B30C-12C82FB35642}"/>
               </a:ext>
             </a:extLst>
           </p:cNvPr>
@@ -1126,7 +1127,7 @@
           <p:cNvPr id="4" name="날짜 개체 틀 3">
             <a:extLst>
               <a:ext uri="{FF2B5EF4-FFF2-40B4-BE49-F238E27FC236}">
-                <a16:creationId xmlns:a16="http://schemas.microsoft.com/office/drawing/2014/main" id="{10709D5B-69EC-43C2-82A0-929C0BC7498D}"/>
+                <a16:creationId xmlns:a16="http://schemas.microsoft.com/office/drawing/2014/main" xmlns="" id="{10709D5B-69EC-43C2-82A0-929C0BC7498D}"/>
               </a:ext>
             </a:extLst>
           </p:cNvPr>
@@ -1144,7 +1145,7 @@
           <a:p>
             <a:fld id="{75DCA1FD-AA9A-428A-9491-6707F84AA4A4}" type="datetimeFigureOut">
               <a:rPr lang="ko-KR" altLang="en-US" smtClean="0"/>
-              <a:t>2019-12-05</a:t>
+              <a:t>2020-02-05</a:t>
             </a:fld>
             <a:endParaRPr lang="ko-KR" altLang="en-US"/>
           </a:p>
@@ -1155,7 +1156,7 @@
           <p:cNvPr id="5" name="바닥글 개체 틀 4">
             <a:extLst>
               <a:ext uri="{FF2B5EF4-FFF2-40B4-BE49-F238E27FC236}">
-                <a16:creationId xmlns:a16="http://schemas.microsoft.com/office/drawing/2014/main" id="{E778C107-1E50-4CF0-8047-CE24764FBF15}"/>
+                <a16:creationId xmlns:a16="http://schemas.microsoft.com/office/drawing/2014/main" xmlns="" id="{E778C107-1E50-4CF0-8047-CE24764FBF15}"/>
               </a:ext>
             </a:extLst>
           </p:cNvPr>
@@ -1180,7 +1181,7 @@
           <p:cNvPr id="6" name="슬라이드 번호 개체 틀 5">
             <a:extLst>
               <a:ext uri="{FF2B5EF4-FFF2-40B4-BE49-F238E27FC236}">
-                <a16:creationId xmlns:a16="http://schemas.microsoft.com/office/drawing/2014/main" id="{DA0D01D6-55EE-4309-A80B-451ED70CF423}"/>
+                <a16:creationId xmlns:a16="http://schemas.microsoft.com/office/drawing/2014/main" xmlns="" id="{DA0D01D6-55EE-4309-A80B-451ED70CF423}"/>
               </a:ext>
             </a:extLst>
           </p:cNvPr>
@@ -1239,7 +1240,7 @@
           <p:cNvPr id="2" name="제목 1">
             <a:extLst>
               <a:ext uri="{FF2B5EF4-FFF2-40B4-BE49-F238E27FC236}">
-                <a16:creationId xmlns:a16="http://schemas.microsoft.com/office/drawing/2014/main" id="{2E3895AD-A66B-4592-AD53-DE960A5800B5}"/>
+                <a16:creationId xmlns:a16="http://schemas.microsoft.com/office/drawing/2014/main" xmlns="" id="{2E3895AD-A66B-4592-AD53-DE960A5800B5}"/>
               </a:ext>
             </a:extLst>
           </p:cNvPr>
@@ -1276,7 +1277,7 @@
           <p:cNvPr id="3" name="텍스트 개체 틀 2">
             <a:extLst>
               <a:ext uri="{FF2B5EF4-FFF2-40B4-BE49-F238E27FC236}">
-                <a16:creationId xmlns:a16="http://schemas.microsoft.com/office/drawing/2014/main" id="{A78CE0E5-6BAC-4FF2-9A03-9ECBE5F95DFD}"/>
+                <a16:creationId xmlns:a16="http://schemas.microsoft.com/office/drawing/2014/main" xmlns="" id="{A78CE0E5-6BAC-4FF2-9A03-9ECBE5F95DFD}"/>
               </a:ext>
             </a:extLst>
           </p:cNvPr>
@@ -1401,7 +1402,7 @@
           <p:cNvPr id="4" name="날짜 개체 틀 3">
             <a:extLst>
               <a:ext uri="{FF2B5EF4-FFF2-40B4-BE49-F238E27FC236}">
-                <a16:creationId xmlns:a16="http://schemas.microsoft.com/office/drawing/2014/main" id="{417F417B-E86D-4213-A69D-3ABF9434F445}"/>
+                <a16:creationId xmlns:a16="http://schemas.microsoft.com/office/drawing/2014/main" xmlns="" id="{417F417B-E86D-4213-A69D-3ABF9434F445}"/>
               </a:ext>
             </a:extLst>
           </p:cNvPr>
@@ -1419,7 +1420,7 @@
           <a:p>
             <a:fld id="{75DCA1FD-AA9A-428A-9491-6707F84AA4A4}" type="datetimeFigureOut">
               <a:rPr lang="ko-KR" altLang="en-US" smtClean="0"/>
-              <a:t>2019-12-05</a:t>
+              <a:t>2020-02-05</a:t>
             </a:fld>
             <a:endParaRPr lang="ko-KR" altLang="en-US"/>
           </a:p>
@@ -1430,7 +1431,7 @@
           <p:cNvPr id="5" name="바닥글 개체 틀 4">
             <a:extLst>
               <a:ext uri="{FF2B5EF4-FFF2-40B4-BE49-F238E27FC236}">
-                <a16:creationId xmlns:a16="http://schemas.microsoft.com/office/drawing/2014/main" id="{A139C3C5-E065-42AA-A6B7-CCB2F04A9DCC}"/>
+                <a16:creationId xmlns:a16="http://schemas.microsoft.com/office/drawing/2014/main" xmlns="" id="{A139C3C5-E065-42AA-A6B7-CCB2F04A9DCC}"/>
               </a:ext>
             </a:extLst>
           </p:cNvPr>
@@ -1455,7 +1456,7 @@
           <p:cNvPr id="6" name="슬라이드 번호 개체 틀 5">
             <a:extLst>
               <a:ext uri="{FF2B5EF4-FFF2-40B4-BE49-F238E27FC236}">
-                <a16:creationId xmlns:a16="http://schemas.microsoft.com/office/drawing/2014/main" id="{B28815F8-5DEF-4E02-8152-F4EDE4538E8F}"/>
+                <a16:creationId xmlns:a16="http://schemas.microsoft.com/office/drawing/2014/main" xmlns="" id="{B28815F8-5DEF-4E02-8152-F4EDE4538E8F}"/>
               </a:ext>
             </a:extLst>
           </p:cNvPr>
@@ -1514,7 +1515,7 @@
           <p:cNvPr id="2" name="제목 1">
             <a:extLst>
               <a:ext uri="{FF2B5EF4-FFF2-40B4-BE49-F238E27FC236}">
-                <a16:creationId xmlns:a16="http://schemas.microsoft.com/office/drawing/2014/main" id="{6B613EA6-4B1F-4937-9BD4-8E41EC33CD04}"/>
+                <a16:creationId xmlns:a16="http://schemas.microsoft.com/office/drawing/2014/main" xmlns="" id="{6B613EA6-4B1F-4937-9BD4-8E41EC33CD04}"/>
               </a:ext>
             </a:extLst>
           </p:cNvPr>
@@ -1542,7 +1543,7 @@
           <p:cNvPr id="3" name="내용 개체 틀 2">
             <a:extLst>
               <a:ext uri="{FF2B5EF4-FFF2-40B4-BE49-F238E27FC236}">
-                <a16:creationId xmlns:a16="http://schemas.microsoft.com/office/drawing/2014/main" id="{53F3A974-97A3-4941-BEBD-15619126C1F9}"/>
+                <a16:creationId xmlns:a16="http://schemas.microsoft.com/office/drawing/2014/main" xmlns="" id="{53F3A974-97A3-4941-BEBD-15619126C1F9}"/>
               </a:ext>
             </a:extLst>
           </p:cNvPr>
@@ -1604,7 +1605,7 @@
           <p:cNvPr id="4" name="내용 개체 틀 3">
             <a:extLst>
               <a:ext uri="{FF2B5EF4-FFF2-40B4-BE49-F238E27FC236}">
-                <a16:creationId xmlns:a16="http://schemas.microsoft.com/office/drawing/2014/main" id="{10DF374E-4670-4664-9B17-CAFBDCD7F1F1}"/>
+                <a16:creationId xmlns:a16="http://schemas.microsoft.com/office/drawing/2014/main" xmlns="" id="{10DF374E-4670-4664-9B17-CAFBDCD7F1F1}"/>
               </a:ext>
             </a:extLst>
           </p:cNvPr>
@@ -1666,7 +1667,7 @@
           <p:cNvPr id="5" name="날짜 개체 틀 4">
             <a:extLst>
               <a:ext uri="{FF2B5EF4-FFF2-40B4-BE49-F238E27FC236}">
-                <a16:creationId xmlns:a16="http://schemas.microsoft.com/office/drawing/2014/main" id="{7F7B1722-205C-489E-9B21-E89C4247DFDE}"/>
+                <a16:creationId xmlns:a16="http://schemas.microsoft.com/office/drawing/2014/main" xmlns="" id="{7F7B1722-205C-489E-9B21-E89C4247DFDE}"/>
               </a:ext>
             </a:extLst>
           </p:cNvPr>
@@ -1684,7 +1685,7 @@
           <a:p>
             <a:fld id="{75DCA1FD-AA9A-428A-9491-6707F84AA4A4}" type="datetimeFigureOut">
               <a:rPr lang="ko-KR" altLang="en-US" smtClean="0"/>
-              <a:t>2019-12-05</a:t>
+              <a:t>2020-02-05</a:t>
             </a:fld>
             <a:endParaRPr lang="ko-KR" altLang="en-US"/>
           </a:p>
@@ -1695,7 +1696,7 @@
           <p:cNvPr id="6" name="바닥글 개체 틀 5">
             <a:extLst>
               <a:ext uri="{FF2B5EF4-FFF2-40B4-BE49-F238E27FC236}">
-                <a16:creationId xmlns:a16="http://schemas.microsoft.com/office/drawing/2014/main" id="{6BAF3188-0253-40C7-97F4-63C919B997BB}"/>
+                <a16:creationId xmlns:a16="http://schemas.microsoft.com/office/drawing/2014/main" xmlns="" id="{6BAF3188-0253-40C7-97F4-63C919B997BB}"/>
               </a:ext>
             </a:extLst>
           </p:cNvPr>
@@ -1720,7 +1721,7 @@
           <p:cNvPr id="7" name="슬라이드 번호 개체 틀 6">
             <a:extLst>
               <a:ext uri="{FF2B5EF4-FFF2-40B4-BE49-F238E27FC236}">
-                <a16:creationId xmlns:a16="http://schemas.microsoft.com/office/drawing/2014/main" id="{2AFE84D0-48F9-4520-ACD3-3F654F53AEAC}"/>
+                <a16:creationId xmlns:a16="http://schemas.microsoft.com/office/drawing/2014/main" xmlns="" id="{2AFE84D0-48F9-4520-ACD3-3F654F53AEAC}"/>
               </a:ext>
             </a:extLst>
           </p:cNvPr>
@@ -1779,7 +1780,7 @@
           <p:cNvPr id="2" name="제목 1">
             <a:extLst>
               <a:ext uri="{FF2B5EF4-FFF2-40B4-BE49-F238E27FC236}">
-                <a16:creationId xmlns:a16="http://schemas.microsoft.com/office/drawing/2014/main" id="{17E663CB-BF52-4D8B-896B-144C58E13822}"/>
+                <a16:creationId xmlns:a16="http://schemas.microsoft.com/office/drawing/2014/main" xmlns="" id="{17E663CB-BF52-4D8B-896B-144C58E13822}"/>
               </a:ext>
             </a:extLst>
           </p:cNvPr>
@@ -1812,7 +1813,7 @@
           <p:cNvPr id="3" name="텍스트 개체 틀 2">
             <a:extLst>
               <a:ext uri="{FF2B5EF4-FFF2-40B4-BE49-F238E27FC236}">
-                <a16:creationId xmlns:a16="http://schemas.microsoft.com/office/drawing/2014/main" id="{D77B8A6C-B4E0-4BE1-B147-B628CE6273BC}"/>
+                <a16:creationId xmlns:a16="http://schemas.microsoft.com/office/drawing/2014/main" xmlns="" id="{D77B8A6C-B4E0-4BE1-B147-B628CE6273BC}"/>
               </a:ext>
             </a:extLst>
           </p:cNvPr>
@@ -1883,7 +1884,7 @@
           <p:cNvPr id="4" name="내용 개체 틀 3">
             <a:extLst>
               <a:ext uri="{FF2B5EF4-FFF2-40B4-BE49-F238E27FC236}">
-                <a16:creationId xmlns:a16="http://schemas.microsoft.com/office/drawing/2014/main" id="{DB9A8BD3-D4C5-4D9F-A7C6-D2E9FD8FA5B9}"/>
+                <a16:creationId xmlns:a16="http://schemas.microsoft.com/office/drawing/2014/main" xmlns="" id="{DB9A8BD3-D4C5-4D9F-A7C6-D2E9FD8FA5B9}"/>
               </a:ext>
             </a:extLst>
           </p:cNvPr>
@@ -1945,7 +1946,7 @@
           <p:cNvPr id="5" name="텍스트 개체 틀 4">
             <a:extLst>
               <a:ext uri="{FF2B5EF4-FFF2-40B4-BE49-F238E27FC236}">
-                <a16:creationId xmlns:a16="http://schemas.microsoft.com/office/drawing/2014/main" id="{3DC77B16-4D21-4520-81D7-2AC30EF647B6}"/>
+                <a16:creationId xmlns:a16="http://schemas.microsoft.com/office/drawing/2014/main" xmlns="" id="{3DC77B16-4D21-4520-81D7-2AC30EF647B6}"/>
               </a:ext>
             </a:extLst>
           </p:cNvPr>
@@ -2016,7 +2017,7 @@
           <p:cNvPr id="6" name="내용 개체 틀 5">
             <a:extLst>
               <a:ext uri="{FF2B5EF4-FFF2-40B4-BE49-F238E27FC236}">
-                <a16:creationId xmlns:a16="http://schemas.microsoft.com/office/drawing/2014/main" id="{3F0F1DA7-68B7-4FB9-9765-98D4985665A7}"/>
+                <a16:creationId xmlns:a16="http://schemas.microsoft.com/office/drawing/2014/main" xmlns="" id="{3F0F1DA7-68B7-4FB9-9765-98D4985665A7}"/>
               </a:ext>
             </a:extLst>
           </p:cNvPr>
@@ -2078,7 +2079,7 @@
           <p:cNvPr id="7" name="날짜 개체 틀 6">
             <a:extLst>
               <a:ext uri="{FF2B5EF4-FFF2-40B4-BE49-F238E27FC236}">
-                <a16:creationId xmlns:a16="http://schemas.microsoft.com/office/drawing/2014/main" id="{13F7B2FD-87EB-4B3E-98C0-A4DF634A727D}"/>
+                <a16:creationId xmlns:a16="http://schemas.microsoft.com/office/drawing/2014/main" xmlns="" id="{13F7B2FD-87EB-4B3E-98C0-A4DF634A727D}"/>
               </a:ext>
             </a:extLst>
           </p:cNvPr>
@@ -2096,7 +2097,7 @@
           <a:p>
             <a:fld id="{75DCA1FD-AA9A-428A-9491-6707F84AA4A4}" type="datetimeFigureOut">
               <a:rPr lang="ko-KR" altLang="en-US" smtClean="0"/>
-              <a:t>2019-12-05</a:t>
+              <a:t>2020-02-05</a:t>
             </a:fld>
             <a:endParaRPr lang="ko-KR" altLang="en-US"/>
           </a:p>
@@ -2107,7 +2108,7 @@
           <p:cNvPr id="8" name="바닥글 개체 틀 7">
             <a:extLst>
               <a:ext uri="{FF2B5EF4-FFF2-40B4-BE49-F238E27FC236}">
-                <a16:creationId xmlns:a16="http://schemas.microsoft.com/office/drawing/2014/main" id="{ADCAB9A9-215A-4726-8F31-1A5AACB44FBE}"/>
+                <a16:creationId xmlns:a16="http://schemas.microsoft.com/office/drawing/2014/main" xmlns="" id="{ADCAB9A9-215A-4726-8F31-1A5AACB44FBE}"/>
               </a:ext>
             </a:extLst>
           </p:cNvPr>
@@ -2132,7 +2133,7 @@
           <p:cNvPr id="9" name="슬라이드 번호 개체 틀 8">
             <a:extLst>
               <a:ext uri="{FF2B5EF4-FFF2-40B4-BE49-F238E27FC236}">
-                <a16:creationId xmlns:a16="http://schemas.microsoft.com/office/drawing/2014/main" id="{D47A9E1F-3A46-4B2F-9941-AC90A8CCC38D}"/>
+                <a16:creationId xmlns:a16="http://schemas.microsoft.com/office/drawing/2014/main" xmlns="" id="{D47A9E1F-3A46-4B2F-9941-AC90A8CCC38D}"/>
               </a:ext>
             </a:extLst>
           </p:cNvPr>
@@ -2191,7 +2192,7 @@
           <p:cNvPr id="2" name="제목 1">
             <a:extLst>
               <a:ext uri="{FF2B5EF4-FFF2-40B4-BE49-F238E27FC236}">
-                <a16:creationId xmlns:a16="http://schemas.microsoft.com/office/drawing/2014/main" id="{3E3EA6D9-5103-4252-B53B-EE580A794DC6}"/>
+                <a16:creationId xmlns:a16="http://schemas.microsoft.com/office/drawing/2014/main" xmlns="" id="{3E3EA6D9-5103-4252-B53B-EE580A794DC6}"/>
               </a:ext>
             </a:extLst>
           </p:cNvPr>
@@ -2219,7 +2220,7 @@
           <p:cNvPr id="3" name="날짜 개체 틀 2">
             <a:extLst>
               <a:ext uri="{FF2B5EF4-FFF2-40B4-BE49-F238E27FC236}">
-                <a16:creationId xmlns:a16="http://schemas.microsoft.com/office/drawing/2014/main" id="{FEFB9B37-C782-42F9-9272-F8659CF03662}"/>
+                <a16:creationId xmlns:a16="http://schemas.microsoft.com/office/drawing/2014/main" xmlns="" id="{FEFB9B37-C782-42F9-9272-F8659CF03662}"/>
               </a:ext>
             </a:extLst>
           </p:cNvPr>
@@ -2237,7 +2238,7 @@
           <a:p>
             <a:fld id="{75DCA1FD-AA9A-428A-9491-6707F84AA4A4}" type="datetimeFigureOut">
               <a:rPr lang="ko-KR" altLang="en-US" smtClean="0"/>
-              <a:t>2019-12-05</a:t>
+              <a:t>2020-02-05</a:t>
             </a:fld>
             <a:endParaRPr lang="ko-KR" altLang="en-US"/>
           </a:p>
@@ -2248,7 +2249,7 @@
           <p:cNvPr id="4" name="바닥글 개체 틀 3">
             <a:extLst>
               <a:ext uri="{FF2B5EF4-FFF2-40B4-BE49-F238E27FC236}">
-                <a16:creationId xmlns:a16="http://schemas.microsoft.com/office/drawing/2014/main" id="{D8449E3E-2060-42CC-B6DB-595E62ED1389}"/>
+                <a16:creationId xmlns:a16="http://schemas.microsoft.com/office/drawing/2014/main" xmlns="" id="{D8449E3E-2060-42CC-B6DB-595E62ED1389}"/>
               </a:ext>
             </a:extLst>
           </p:cNvPr>
@@ -2273,7 +2274,7 @@
           <p:cNvPr id="5" name="슬라이드 번호 개체 틀 4">
             <a:extLst>
               <a:ext uri="{FF2B5EF4-FFF2-40B4-BE49-F238E27FC236}">
-                <a16:creationId xmlns:a16="http://schemas.microsoft.com/office/drawing/2014/main" id="{D524B5F0-B66D-44BD-9038-067FD3ADE904}"/>
+                <a16:creationId xmlns:a16="http://schemas.microsoft.com/office/drawing/2014/main" xmlns="" id="{D524B5F0-B66D-44BD-9038-067FD3ADE904}"/>
               </a:ext>
             </a:extLst>
           </p:cNvPr>
@@ -2332,7 +2333,7 @@
           <p:cNvPr id="2" name="날짜 개체 틀 1">
             <a:extLst>
               <a:ext uri="{FF2B5EF4-FFF2-40B4-BE49-F238E27FC236}">
-                <a16:creationId xmlns:a16="http://schemas.microsoft.com/office/drawing/2014/main" id="{6DDE318F-9E68-46F8-8B83-0450C99E07C2}"/>
+                <a16:creationId xmlns:a16="http://schemas.microsoft.com/office/drawing/2014/main" xmlns="" id="{6DDE318F-9E68-46F8-8B83-0450C99E07C2}"/>
               </a:ext>
             </a:extLst>
           </p:cNvPr>
@@ -2350,7 +2351,7 @@
           <a:p>
             <a:fld id="{75DCA1FD-AA9A-428A-9491-6707F84AA4A4}" type="datetimeFigureOut">
               <a:rPr lang="ko-KR" altLang="en-US" smtClean="0"/>
-              <a:t>2019-12-05</a:t>
+              <a:t>2020-02-05</a:t>
             </a:fld>
             <a:endParaRPr lang="ko-KR" altLang="en-US"/>
           </a:p>
@@ -2361,7 +2362,7 @@
           <p:cNvPr id="3" name="바닥글 개체 틀 2">
             <a:extLst>
               <a:ext uri="{FF2B5EF4-FFF2-40B4-BE49-F238E27FC236}">
-                <a16:creationId xmlns:a16="http://schemas.microsoft.com/office/drawing/2014/main" id="{80DAEF4B-BD0C-4191-A92F-156186774D73}"/>
+                <a16:creationId xmlns:a16="http://schemas.microsoft.com/office/drawing/2014/main" xmlns="" id="{80DAEF4B-BD0C-4191-A92F-156186774D73}"/>
               </a:ext>
             </a:extLst>
           </p:cNvPr>
@@ -2386,7 +2387,7 @@
           <p:cNvPr id="4" name="슬라이드 번호 개체 틀 3">
             <a:extLst>
               <a:ext uri="{FF2B5EF4-FFF2-40B4-BE49-F238E27FC236}">
-                <a16:creationId xmlns:a16="http://schemas.microsoft.com/office/drawing/2014/main" id="{5E7E70E0-02D2-4C17-8D28-DA022321ED65}"/>
+                <a16:creationId xmlns:a16="http://schemas.microsoft.com/office/drawing/2014/main" xmlns="" id="{5E7E70E0-02D2-4C17-8D28-DA022321ED65}"/>
               </a:ext>
             </a:extLst>
           </p:cNvPr>
@@ -2445,7 +2446,7 @@
           <p:cNvPr id="2" name="제목 1">
             <a:extLst>
               <a:ext uri="{FF2B5EF4-FFF2-40B4-BE49-F238E27FC236}">
-                <a16:creationId xmlns:a16="http://schemas.microsoft.com/office/drawing/2014/main" id="{E770CD61-A6AD-463E-89CE-9E6C9A97437C}"/>
+                <a16:creationId xmlns:a16="http://schemas.microsoft.com/office/drawing/2014/main" xmlns="" id="{E770CD61-A6AD-463E-89CE-9E6C9A97437C}"/>
               </a:ext>
             </a:extLst>
           </p:cNvPr>
@@ -2482,7 +2483,7 @@
           <p:cNvPr id="3" name="내용 개체 틀 2">
             <a:extLst>
               <a:ext uri="{FF2B5EF4-FFF2-40B4-BE49-F238E27FC236}">
-                <a16:creationId xmlns:a16="http://schemas.microsoft.com/office/drawing/2014/main" id="{F89C17E0-EEB6-4EF8-84E0-BB6249031F57}"/>
+                <a16:creationId xmlns:a16="http://schemas.microsoft.com/office/drawing/2014/main" xmlns="" id="{F89C17E0-EEB6-4EF8-84E0-BB6249031F57}"/>
               </a:ext>
             </a:extLst>
           </p:cNvPr>
@@ -2572,7 +2573,7 @@
           <p:cNvPr id="4" name="텍스트 개체 틀 3">
             <a:extLst>
               <a:ext uri="{FF2B5EF4-FFF2-40B4-BE49-F238E27FC236}">
-                <a16:creationId xmlns:a16="http://schemas.microsoft.com/office/drawing/2014/main" id="{D1488EC2-6FAC-49FE-9BA1-5A6E11A2A2A4}"/>
+                <a16:creationId xmlns:a16="http://schemas.microsoft.com/office/drawing/2014/main" xmlns="" id="{D1488EC2-6FAC-49FE-9BA1-5A6E11A2A2A4}"/>
               </a:ext>
             </a:extLst>
           </p:cNvPr>
@@ -2643,7 +2644,7 @@
           <p:cNvPr id="5" name="날짜 개체 틀 4">
             <a:extLst>
               <a:ext uri="{FF2B5EF4-FFF2-40B4-BE49-F238E27FC236}">
-                <a16:creationId xmlns:a16="http://schemas.microsoft.com/office/drawing/2014/main" id="{D661A0D0-19BB-4449-ACC4-6D3ED3F224EC}"/>
+                <a16:creationId xmlns:a16="http://schemas.microsoft.com/office/drawing/2014/main" xmlns="" id="{D661A0D0-19BB-4449-ACC4-6D3ED3F224EC}"/>
               </a:ext>
             </a:extLst>
           </p:cNvPr>
@@ -2661,7 +2662,7 @@
           <a:p>
             <a:fld id="{75DCA1FD-AA9A-428A-9491-6707F84AA4A4}" type="datetimeFigureOut">
               <a:rPr lang="ko-KR" altLang="en-US" smtClean="0"/>
-              <a:t>2019-12-05</a:t>
+              <a:t>2020-02-05</a:t>
             </a:fld>
             <a:endParaRPr lang="ko-KR" altLang="en-US"/>
           </a:p>
@@ -2672,7 +2673,7 @@
           <p:cNvPr id="6" name="바닥글 개체 틀 5">
             <a:extLst>
               <a:ext uri="{FF2B5EF4-FFF2-40B4-BE49-F238E27FC236}">
-                <a16:creationId xmlns:a16="http://schemas.microsoft.com/office/drawing/2014/main" id="{8813F49D-63AE-401C-9CDC-92A8BF333693}"/>
+                <a16:creationId xmlns:a16="http://schemas.microsoft.com/office/drawing/2014/main" xmlns="" id="{8813F49D-63AE-401C-9CDC-92A8BF333693}"/>
               </a:ext>
             </a:extLst>
           </p:cNvPr>
@@ -2697,7 +2698,7 @@
           <p:cNvPr id="7" name="슬라이드 번호 개체 틀 6">
             <a:extLst>
               <a:ext uri="{FF2B5EF4-FFF2-40B4-BE49-F238E27FC236}">
-                <a16:creationId xmlns:a16="http://schemas.microsoft.com/office/drawing/2014/main" id="{FC871D8E-7CB6-49B7-B932-0E59999EE40D}"/>
+                <a16:creationId xmlns:a16="http://schemas.microsoft.com/office/drawing/2014/main" xmlns="" id="{FC871D8E-7CB6-49B7-B932-0E59999EE40D}"/>
               </a:ext>
             </a:extLst>
           </p:cNvPr>
@@ -2756,7 +2757,7 @@
           <p:cNvPr id="2" name="제목 1">
             <a:extLst>
               <a:ext uri="{FF2B5EF4-FFF2-40B4-BE49-F238E27FC236}">
-                <a16:creationId xmlns:a16="http://schemas.microsoft.com/office/drawing/2014/main" id="{9FAFD128-30D6-40E4-A8F6-0D9956646247}"/>
+                <a16:creationId xmlns:a16="http://schemas.microsoft.com/office/drawing/2014/main" xmlns="" id="{9FAFD128-30D6-40E4-A8F6-0D9956646247}"/>
               </a:ext>
             </a:extLst>
           </p:cNvPr>
@@ -2793,7 +2794,7 @@
           <p:cNvPr id="3" name="그림 개체 틀 2">
             <a:extLst>
               <a:ext uri="{FF2B5EF4-FFF2-40B4-BE49-F238E27FC236}">
-                <a16:creationId xmlns:a16="http://schemas.microsoft.com/office/drawing/2014/main" id="{84946E69-6CF5-4C41-9B14-138001A389C9}"/>
+                <a16:creationId xmlns:a16="http://schemas.microsoft.com/office/drawing/2014/main" xmlns="" id="{84946E69-6CF5-4C41-9B14-138001A389C9}"/>
               </a:ext>
             </a:extLst>
           </p:cNvPr>
@@ -2860,7 +2861,7 @@
           <p:cNvPr id="4" name="텍스트 개체 틀 3">
             <a:extLst>
               <a:ext uri="{FF2B5EF4-FFF2-40B4-BE49-F238E27FC236}">
-                <a16:creationId xmlns:a16="http://schemas.microsoft.com/office/drawing/2014/main" id="{9E507345-211A-4E1D-B848-BAC826CC728B}"/>
+                <a16:creationId xmlns:a16="http://schemas.microsoft.com/office/drawing/2014/main" xmlns="" id="{9E507345-211A-4E1D-B848-BAC826CC728B}"/>
               </a:ext>
             </a:extLst>
           </p:cNvPr>
@@ -2931,7 +2932,7 @@
           <p:cNvPr id="5" name="날짜 개체 틀 4">
             <a:extLst>
               <a:ext uri="{FF2B5EF4-FFF2-40B4-BE49-F238E27FC236}">
-                <a16:creationId xmlns:a16="http://schemas.microsoft.com/office/drawing/2014/main" id="{5FDCE2BD-263F-4C96-AE4D-8AD1F9BA0814}"/>
+                <a16:creationId xmlns:a16="http://schemas.microsoft.com/office/drawing/2014/main" xmlns="" id="{5FDCE2BD-263F-4C96-AE4D-8AD1F9BA0814}"/>
               </a:ext>
             </a:extLst>
           </p:cNvPr>
@@ -2949,7 +2950,7 @@
           <a:p>
             <a:fld id="{75DCA1FD-AA9A-428A-9491-6707F84AA4A4}" type="datetimeFigureOut">
               <a:rPr lang="ko-KR" altLang="en-US" smtClean="0"/>
-              <a:t>2019-12-05</a:t>
+              <a:t>2020-02-05</a:t>
             </a:fld>
             <a:endParaRPr lang="ko-KR" altLang="en-US"/>
           </a:p>
@@ -2960,7 +2961,7 @@
           <p:cNvPr id="6" name="바닥글 개체 틀 5">
             <a:extLst>
               <a:ext uri="{FF2B5EF4-FFF2-40B4-BE49-F238E27FC236}">
-                <a16:creationId xmlns:a16="http://schemas.microsoft.com/office/drawing/2014/main" id="{6609548B-CA70-474B-B875-F8A9DEA8B056}"/>
+                <a16:creationId xmlns:a16="http://schemas.microsoft.com/office/drawing/2014/main" xmlns="" id="{6609548B-CA70-474B-B875-F8A9DEA8B056}"/>
               </a:ext>
             </a:extLst>
           </p:cNvPr>
@@ -2985,7 +2986,7 @@
           <p:cNvPr id="7" name="슬라이드 번호 개체 틀 6">
             <a:extLst>
               <a:ext uri="{FF2B5EF4-FFF2-40B4-BE49-F238E27FC236}">
-                <a16:creationId xmlns:a16="http://schemas.microsoft.com/office/drawing/2014/main" id="{1A4778A1-B639-4358-A153-94702358C8BF}"/>
+                <a16:creationId xmlns:a16="http://schemas.microsoft.com/office/drawing/2014/main" xmlns="" id="{1A4778A1-B639-4358-A153-94702358C8BF}"/>
               </a:ext>
             </a:extLst>
           </p:cNvPr>
@@ -3049,7 +3050,7 @@
           <p:cNvPr id="2" name="제목 개체 틀 1">
             <a:extLst>
               <a:ext uri="{FF2B5EF4-FFF2-40B4-BE49-F238E27FC236}">
-                <a16:creationId xmlns:a16="http://schemas.microsoft.com/office/drawing/2014/main" id="{F6E6C67D-A687-41F3-96D5-66197723073E}"/>
+                <a16:creationId xmlns:a16="http://schemas.microsoft.com/office/drawing/2014/main" xmlns="" id="{F6E6C67D-A687-41F3-96D5-66197723073E}"/>
               </a:ext>
             </a:extLst>
           </p:cNvPr>
@@ -3087,7 +3088,7 @@
           <p:cNvPr id="3" name="텍스트 개체 틀 2">
             <a:extLst>
               <a:ext uri="{FF2B5EF4-FFF2-40B4-BE49-F238E27FC236}">
-                <a16:creationId xmlns:a16="http://schemas.microsoft.com/office/drawing/2014/main" id="{4A8E9C5D-85B4-462F-A435-81DDCCF9FBA8}"/>
+                <a16:creationId xmlns:a16="http://schemas.microsoft.com/office/drawing/2014/main" xmlns="" id="{4A8E9C5D-85B4-462F-A435-81DDCCF9FBA8}"/>
               </a:ext>
             </a:extLst>
           </p:cNvPr>
@@ -3154,7 +3155,7 @@
           <p:cNvPr id="4" name="날짜 개체 틀 3">
             <a:extLst>
               <a:ext uri="{FF2B5EF4-FFF2-40B4-BE49-F238E27FC236}">
-                <a16:creationId xmlns:a16="http://schemas.microsoft.com/office/drawing/2014/main" id="{A6F848DD-5E1D-4624-B950-545EB445739B}"/>
+                <a16:creationId xmlns:a16="http://schemas.microsoft.com/office/drawing/2014/main" xmlns="" id="{A6F848DD-5E1D-4624-B950-545EB445739B}"/>
               </a:ext>
             </a:extLst>
           </p:cNvPr>
@@ -3190,7 +3191,7 @@
           <a:p>
             <a:fld id="{75DCA1FD-AA9A-428A-9491-6707F84AA4A4}" type="datetimeFigureOut">
               <a:rPr lang="ko-KR" altLang="en-US" smtClean="0"/>
-              <a:t>2019-12-05</a:t>
+              <a:t>2020-02-05</a:t>
             </a:fld>
             <a:endParaRPr lang="ko-KR" altLang="en-US"/>
           </a:p>
@@ -3201,7 +3202,7 @@
           <p:cNvPr id="5" name="바닥글 개체 틀 4">
             <a:extLst>
               <a:ext uri="{FF2B5EF4-FFF2-40B4-BE49-F238E27FC236}">
-                <a16:creationId xmlns:a16="http://schemas.microsoft.com/office/drawing/2014/main" id="{7CB99FFB-07DB-406D-A437-682A8F9C721C}"/>
+                <a16:creationId xmlns:a16="http://schemas.microsoft.com/office/drawing/2014/main" xmlns="" id="{7CB99FFB-07DB-406D-A437-682A8F9C721C}"/>
               </a:ext>
             </a:extLst>
           </p:cNvPr>
@@ -3244,7 +3245,7 @@
           <p:cNvPr id="6" name="슬라이드 번호 개체 틀 5">
             <a:extLst>
               <a:ext uri="{FF2B5EF4-FFF2-40B4-BE49-F238E27FC236}">
-                <a16:creationId xmlns:a16="http://schemas.microsoft.com/office/drawing/2014/main" id="{E80BD050-FA63-4DFF-875B-901CDD67037D}"/>
+                <a16:creationId xmlns:a16="http://schemas.microsoft.com/office/drawing/2014/main" xmlns="" id="{E80BD050-FA63-4DFF-875B-901CDD67037D}"/>
               </a:ext>
             </a:extLst>
           </p:cNvPr>
@@ -3612,7 +3613,7 @@
           <p:cNvPr id="11" name="그룹 10">
             <a:extLst>
               <a:ext uri="{FF2B5EF4-FFF2-40B4-BE49-F238E27FC236}">
-                <a16:creationId xmlns:a16="http://schemas.microsoft.com/office/drawing/2014/main" id="{6986020F-B687-4F0A-8E08-42C5B9CDC833}"/>
+                <a16:creationId xmlns:a16="http://schemas.microsoft.com/office/drawing/2014/main" xmlns="" id="{6986020F-B687-4F0A-8E08-42C5B9CDC833}"/>
               </a:ext>
             </a:extLst>
           </p:cNvPr>
@@ -3632,7 +3633,7 @@
             <p:cNvPr id="6" name="직선 연결선 5">
               <a:extLst>
                 <a:ext uri="{FF2B5EF4-FFF2-40B4-BE49-F238E27FC236}">
-                  <a16:creationId xmlns:a16="http://schemas.microsoft.com/office/drawing/2014/main" id="{2C2A94BE-287B-45F8-AEEC-6E34EAC2D547}"/>
+                  <a16:creationId xmlns:a16="http://schemas.microsoft.com/office/drawing/2014/main" xmlns="" id="{2C2A94BE-287B-45F8-AEEC-6E34EAC2D547}"/>
                 </a:ext>
               </a:extLst>
             </p:cNvPr>
@@ -3677,7 +3678,7 @@
             <p:cNvPr id="7" name="직선 연결선 6">
               <a:extLst>
                 <a:ext uri="{FF2B5EF4-FFF2-40B4-BE49-F238E27FC236}">
-                  <a16:creationId xmlns:a16="http://schemas.microsoft.com/office/drawing/2014/main" id="{AE5D7D1B-914F-478E-BC19-80EB82793C83}"/>
+                  <a16:creationId xmlns:a16="http://schemas.microsoft.com/office/drawing/2014/main" xmlns="" id="{AE5D7D1B-914F-478E-BC19-80EB82793C83}"/>
                 </a:ext>
               </a:extLst>
             </p:cNvPr>
@@ -3724,7 +3725,7 @@
             <p:cNvPr id="10" name="다이아몬드 9">
               <a:extLst>
                 <a:ext uri="{FF2B5EF4-FFF2-40B4-BE49-F238E27FC236}">
-                  <a16:creationId xmlns:a16="http://schemas.microsoft.com/office/drawing/2014/main" id="{CADFCB89-CB8A-4A6D-94C7-15FA0D223CC5}"/>
+                  <a16:creationId xmlns:a16="http://schemas.microsoft.com/office/drawing/2014/main" xmlns="" id="{CADFCB89-CB8A-4A6D-94C7-15FA0D223CC5}"/>
                 </a:ext>
               </a:extLst>
             </p:cNvPr>
@@ -3787,6 +3788,13 @@
   <p:clrMapOvr>
     <a:masterClrMapping/>
   </p:clrMapOvr>
+  <p:timing>
+    <p:tnLst>
+      <p:par>
+        <p:cTn id="1" dur="indefinite" restart="never" nodeType="tmRoot"/>
+      </p:par>
+    </p:tnLst>
+  </p:timing>
 </p:sld>
 </file>
 
@@ -3812,7 +3820,7 @@
           <p:cNvPr id="11" name="그룹 10">
             <a:extLst>
               <a:ext uri="{FF2B5EF4-FFF2-40B4-BE49-F238E27FC236}">
-                <a16:creationId xmlns:a16="http://schemas.microsoft.com/office/drawing/2014/main" id="{6986020F-B687-4F0A-8E08-42C5B9CDC833}"/>
+                <a16:creationId xmlns:a16="http://schemas.microsoft.com/office/drawing/2014/main" xmlns="" id="{6986020F-B687-4F0A-8E08-42C5B9CDC833}"/>
               </a:ext>
             </a:extLst>
           </p:cNvPr>
@@ -3832,7 +3840,7 @@
             <p:cNvPr id="6" name="직선 연결선 5">
               <a:extLst>
                 <a:ext uri="{FF2B5EF4-FFF2-40B4-BE49-F238E27FC236}">
-                  <a16:creationId xmlns:a16="http://schemas.microsoft.com/office/drawing/2014/main" id="{2C2A94BE-287B-45F8-AEEC-6E34EAC2D547}"/>
+                  <a16:creationId xmlns:a16="http://schemas.microsoft.com/office/drawing/2014/main" xmlns="" id="{2C2A94BE-287B-45F8-AEEC-6E34EAC2D547}"/>
                 </a:ext>
               </a:extLst>
             </p:cNvPr>
@@ -3877,7 +3885,7 @@
             <p:cNvPr id="7" name="직선 연결선 6">
               <a:extLst>
                 <a:ext uri="{FF2B5EF4-FFF2-40B4-BE49-F238E27FC236}">
-                  <a16:creationId xmlns:a16="http://schemas.microsoft.com/office/drawing/2014/main" id="{AE5D7D1B-914F-478E-BC19-80EB82793C83}"/>
+                  <a16:creationId xmlns:a16="http://schemas.microsoft.com/office/drawing/2014/main" xmlns="" id="{AE5D7D1B-914F-478E-BC19-80EB82793C83}"/>
                 </a:ext>
               </a:extLst>
             </p:cNvPr>
@@ -3924,7 +3932,7 @@
             <p:cNvPr id="10" name="다이아몬드 9">
               <a:extLst>
                 <a:ext uri="{FF2B5EF4-FFF2-40B4-BE49-F238E27FC236}">
-                  <a16:creationId xmlns:a16="http://schemas.microsoft.com/office/drawing/2014/main" id="{CADFCB89-CB8A-4A6D-94C7-15FA0D223CC5}"/>
+                  <a16:creationId xmlns:a16="http://schemas.microsoft.com/office/drawing/2014/main" xmlns="" id="{CADFCB89-CB8A-4A6D-94C7-15FA0D223CC5}"/>
                 </a:ext>
               </a:extLst>
             </p:cNvPr>
@@ -3982,7 +3990,7 @@
           <p:cNvPr id="2" name="사각형: 둥근 모서리 1">
             <a:extLst>
               <a:ext uri="{FF2B5EF4-FFF2-40B4-BE49-F238E27FC236}">
-                <a16:creationId xmlns:a16="http://schemas.microsoft.com/office/drawing/2014/main" id="{BA020642-6064-44A9-9141-D3D8F90BD86D}"/>
+                <a16:creationId xmlns:a16="http://schemas.microsoft.com/office/drawing/2014/main" xmlns="" id="{BA020642-6064-44A9-9141-D3D8F90BD86D}"/>
               </a:ext>
             </a:extLst>
           </p:cNvPr>
@@ -4061,6 +4069,13 @@
   <p:clrMapOvr>
     <a:masterClrMapping/>
   </p:clrMapOvr>
+  <p:timing>
+    <p:tnLst>
+      <p:par>
+        <p:cTn id="1" dur="indefinite" restart="never" nodeType="tmRoot"/>
+      </p:par>
+    </p:tnLst>
+  </p:timing>
 </p:sld>
 </file>
 
@@ -4086,7 +4101,7 @@
           <p:cNvPr id="2" name="사각형: 둥근 모서리 1">
             <a:extLst>
               <a:ext uri="{FF2B5EF4-FFF2-40B4-BE49-F238E27FC236}">
-                <a16:creationId xmlns:a16="http://schemas.microsoft.com/office/drawing/2014/main" id="{BA020642-6064-44A9-9141-D3D8F90BD86D}"/>
+                <a16:creationId xmlns:a16="http://schemas.microsoft.com/office/drawing/2014/main" xmlns="" id="{BA020642-6064-44A9-9141-D3D8F90BD86D}"/>
               </a:ext>
             </a:extLst>
           </p:cNvPr>
@@ -4165,23 +4180,19 @@
   <p:clrMapOvr>
     <a:masterClrMapping/>
   </p:clrMapOvr>
+  <p:timing>
+    <p:tnLst>
+      <p:par>
+        <p:cTn id="1" dur="indefinite" restart="never" nodeType="tmRoot"/>
+      </p:par>
+    </p:tnLst>
+  </p:timing>
 </p:sld>
 </file>
 
 <file path=ppt/slides/slide4.xml><?xml version="1.0" encoding="utf-8"?>
 <p:sld xmlns:a="http://schemas.openxmlformats.org/drawingml/2006/main" xmlns:r="http://schemas.openxmlformats.org/officeDocument/2006/relationships" xmlns:p="http://schemas.openxmlformats.org/presentationml/2006/main">
   <p:cSld>
-    <p:bg>
-      <p:bgPr>
-        <a:solidFill>
-          <a:schemeClr val="accent5">
-            <a:lumMod val="60000"/>
-            <a:lumOff val="40000"/>
-          </a:schemeClr>
-        </a:solidFill>
-        <a:effectLst/>
-      </p:bgPr>
-    </p:bg>
     <p:spTree>
       <p:nvGrpSpPr>
         <p:cNvPr id="1" name=""/>
@@ -4198,25 +4209,79 @@
       </p:grpSpPr>
       <p:sp>
         <p:nvSpPr>
-          <p:cNvPr id="3" name="사각형: 둥근 모서리 2">
-            <a:extLst>
-              <a:ext uri="{FF2B5EF4-FFF2-40B4-BE49-F238E27FC236}">
-                <a16:creationId xmlns:a16="http://schemas.microsoft.com/office/drawing/2014/main" id="{44F11EF4-6FAE-41F3-B18B-560264579C0A}"/>
-              </a:ext>
-            </a:extLst>
-          </p:cNvPr>
+          <p:cNvPr id="5" name="모서리가 둥근 직사각형 4"/>
           <p:cNvSpPr/>
           <p:nvPr/>
         </p:nvSpPr>
         <p:spPr>
           <a:xfrm>
-            <a:off x="2419284" y="856223"/>
-            <a:ext cx="7353432" cy="2088682"/>
+            <a:off x="-434663" y="3346281"/>
+            <a:ext cx="3851504" cy="538086"/>
           </a:xfrm>
           <a:prstGeom prst="roundRect">
-            <a:avLst/>
+            <a:avLst>
+              <a:gd name="adj" fmla="val 50000"/>
+            </a:avLst>
           </a:prstGeom>
-          <a:noFill/>
+          <a:solidFill>
+            <a:srgbClr val="507BC8"/>
+          </a:solidFill>
+          <a:ln>
+            <a:noFill/>
+          </a:ln>
+          <a:effectLst>
+            <a:innerShdw blurRad="25400">
+              <a:prstClr val="black">
+                <a:alpha val="55000"/>
+              </a:prstClr>
+            </a:innerShdw>
+          </a:effectLst>
+        </p:spPr>
+        <p:style>
+          <a:lnRef idx="2">
+            <a:schemeClr val="accent1">
+              <a:shade val="50000"/>
+            </a:schemeClr>
+          </a:lnRef>
+          <a:fillRef idx="1">
+            <a:schemeClr val="accent1"/>
+          </a:fillRef>
+          <a:effectRef idx="0">
+            <a:schemeClr val="accent1"/>
+          </a:effectRef>
+          <a:fontRef idx="minor">
+            <a:schemeClr val="lt1"/>
+          </a:fontRef>
+        </p:style>
+        <p:txBody>
+          <a:bodyPr rtlCol="0" anchor="ctr"/>
+          <a:lstStyle/>
+          <a:p>
+            <a:pPr algn="ctr"/>
+            <a:endParaRPr lang="ko-KR" altLang="en-US"/>
+          </a:p>
+        </p:txBody>
+      </p:sp>
+      <p:sp>
+        <p:nvSpPr>
+          <p:cNvPr id="7" name="양쪽 모서리가 둥근 사각형 6"/>
+          <p:cNvSpPr/>
+          <p:nvPr/>
+        </p:nvSpPr>
+        <p:spPr>
+          <a:xfrm>
+            <a:off x="-688663" y="2200790"/>
+            <a:ext cx="13152435" cy="550333"/>
+          </a:xfrm>
+          <a:prstGeom prst="round2SameRect">
+            <a:avLst>
+              <a:gd name="adj1" fmla="val 43846"/>
+              <a:gd name="adj2" fmla="val 0"/>
+            </a:avLst>
+          </a:prstGeom>
+          <a:solidFill>
+            <a:srgbClr val="6E90BE"/>
+          </a:solidFill>
           <a:ln>
             <a:noFill/>
           </a:ln>
@@ -4242,204 +4307,563 @@
           <a:lstStyle/>
           <a:p>
             <a:pPr algn="ctr"/>
-            <a:r>
-              <a:rPr lang="ko-KR" altLang="en-US" sz="8000" dirty="0">
-                <a:ln w="12700">
-                  <a:solidFill>
-                    <a:schemeClr val="accent1">
-                      <a:lumMod val="60000"/>
-                      <a:lumOff val="40000"/>
-                    </a:schemeClr>
-                  </a:solidFill>
-                </a:ln>
-                <a:solidFill>
-                  <a:schemeClr val="bg1"/>
-                </a:solidFill>
-                <a:latin typeface="빙그레체" panose="02030503000000000000" pitchFamily="18" charset="-127"/>
-                <a:ea typeface="빙그레체" panose="02030503000000000000" pitchFamily="18" charset="-127"/>
-              </a:rPr>
-              <a:t>총장님 </a:t>
-            </a:r>
-            <a:r>
-              <a:rPr lang="ko-KR" altLang="en-US" sz="8000" dirty="0" err="1">
-                <a:ln w="12700">
-                  <a:solidFill>
-                    <a:schemeClr val="accent1">
-                      <a:lumMod val="60000"/>
-                      <a:lumOff val="40000"/>
-                    </a:schemeClr>
-                  </a:solidFill>
-                </a:ln>
-                <a:solidFill>
-                  <a:schemeClr val="bg1"/>
-                </a:solidFill>
-                <a:latin typeface="빙그레체" panose="02030503000000000000" pitchFamily="18" charset="-127"/>
-                <a:ea typeface="빙그레체" panose="02030503000000000000" pitchFamily="18" charset="-127"/>
-              </a:rPr>
-              <a:t>타이쿤</a:t>
-            </a:r>
-            <a:endParaRPr lang="ko-KR" altLang="en-US" sz="8000" dirty="0">
-              <a:ln w="12700">
-                <a:solidFill>
-                  <a:schemeClr val="accent1">
-                    <a:lumMod val="60000"/>
-                    <a:lumOff val="40000"/>
-                  </a:schemeClr>
-                </a:solidFill>
-              </a:ln>
-              <a:solidFill>
-                <a:schemeClr val="bg1"/>
-              </a:solidFill>
-              <a:latin typeface="빙그레체" panose="02030503000000000000" pitchFamily="18" charset="-127"/>
-              <a:ea typeface="빙그레체" panose="02030503000000000000" pitchFamily="18" charset="-127"/>
-            </a:endParaRPr>
-          </a:p>
-        </p:txBody>
-      </p:sp>
-      <p:sp>
-        <p:nvSpPr>
-          <p:cNvPr id="4" name="사각형: 둥근 모서리 3">
-            <a:extLst>
-              <a:ext uri="{FF2B5EF4-FFF2-40B4-BE49-F238E27FC236}">
-                <a16:creationId xmlns:a16="http://schemas.microsoft.com/office/drawing/2014/main" id="{37851748-1D68-4B7D-8CEF-5CA05470FA93}"/>
-              </a:ext>
-            </a:extLst>
-          </p:cNvPr>
-          <p:cNvSpPr/>
+            <a:endParaRPr lang="ko-KR" altLang="en-US"/>
+          </a:p>
+        </p:txBody>
+      </p:sp>
+      <p:grpSp>
+        <p:nvGrpSpPr>
+          <p:cNvPr id="16" name="그룹 15"/>
+          <p:cNvGrpSpPr/>
           <p:nvPr/>
-        </p:nvSpPr>
-        <p:spPr>
+        </p:nvGrpSpPr>
+        <p:grpSpPr>
           <a:xfrm>
-            <a:off x="4020590" y="3592794"/>
-            <a:ext cx="4150821" cy="1426598"/>
+            <a:off x="2279648" y="5076363"/>
+            <a:ext cx="5223567" cy="8516477"/>
+            <a:chOff x="4185753" y="7077590"/>
+            <a:chExt cx="1830828" cy="2984973"/>
           </a:xfrm>
-          <a:prstGeom prst="roundRect">
+          <a:effectLst>
+            <a:outerShdw blurRad="127000" dist="127000" dir="2700000" algn="tl" rotWithShape="0">
+              <a:prstClr val="black">
+                <a:alpha val="40000"/>
+              </a:prstClr>
+            </a:outerShdw>
+          </a:effectLst>
+        </p:grpSpPr>
+        <p:sp>
+          <p:nvSpPr>
+            <p:cNvPr id="11" name="모서리가 둥근 직사각형 10"/>
+            <p:cNvSpPr/>
+            <p:nvPr/>
+          </p:nvSpPr>
+          <p:spPr>
+            <a:xfrm>
+              <a:off x="4185753" y="7077590"/>
+              <a:ext cx="643466" cy="2984973"/>
+            </a:xfrm>
+            <a:prstGeom prst="roundRect">
+              <a:avLst/>
+            </a:prstGeom>
+            <a:solidFill>
+              <a:schemeClr val="bg1"/>
+            </a:solidFill>
+            <a:ln>
+              <a:noFill/>
+            </a:ln>
+          </p:spPr>
+          <p:style>
+            <a:lnRef idx="2">
+              <a:schemeClr val="accent1">
+                <a:shade val="50000"/>
+              </a:schemeClr>
+            </a:lnRef>
+            <a:fillRef idx="1">
+              <a:schemeClr val="accent1"/>
+            </a:fillRef>
+            <a:effectRef idx="0">
+              <a:schemeClr val="accent1"/>
+            </a:effectRef>
+            <a:fontRef idx="minor">
+              <a:schemeClr val="lt1"/>
+            </a:fontRef>
+          </p:style>
+          <p:txBody>
+            <a:bodyPr rtlCol="0" anchor="ctr"/>
+            <a:lstStyle/>
+            <a:p>
+              <a:pPr algn="ctr"/>
+              <a:endParaRPr lang="ko-KR" altLang="en-US"/>
+            </a:p>
+          </p:txBody>
+        </p:sp>
+        <p:sp>
+          <p:nvSpPr>
+            <p:cNvPr id="12" name="모서리가 둥근 직사각형 11"/>
+            <p:cNvSpPr/>
+            <p:nvPr/>
+          </p:nvSpPr>
+          <p:spPr>
+            <a:xfrm>
+              <a:off x="5373115" y="7077590"/>
+              <a:ext cx="643466" cy="2984973"/>
+            </a:xfrm>
+            <a:prstGeom prst="roundRect">
+              <a:avLst/>
+            </a:prstGeom>
+            <a:solidFill>
+              <a:schemeClr val="bg1"/>
+            </a:solidFill>
+            <a:ln>
+              <a:noFill/>
+            </a:ln>
+          </p:spPr>
+          <p:style>
+            <a:lnRef idx="2">
+              <a:schemeClr val="accent1">
+                <a:shade val="50000"/>
+              </a:schemeClr>
+            </a:lnRef>
+            <a:fillRef idx="1">
+              <a:schemeClr val="accent1"/>
+            </a:fillRef>
+            <a:effectRef idx="0">
+              <a:schemeClr val="accent1"/>
+            </a:effectRef>
+            <a:fontRef idx="minor">
+              <a:schemeClr val="lt1"/>
+            </a:fontRef>
+          </p:style>
+          <p:txBody>
+            <a:bodyPr rtlCol="0" anchor="ctr"/>
+            <a:lstStyle/>
+            <a:p>
+              <a:pPr algn="ctr"/>
+              <a:endParaRPr lang="ko-KR" altLang="en-US"/>
+            </a:p>
+          </p:txBody>
+        </p:sp>
+      </p:grpSp>
+      <p:sp>
+        <p:nvSpPr>
+          <p:cNvPr id="18" name="AutoShape 123"/>
+          <p:cNvSpPr>
+            <a:spLocks/>
+          </p:cNvSpPr>
+          <p:nvPr/>
+        </p:nvSpPr>
+        <p:spPr bwMode="auto">
+          <a:xfrm>
+            <a:off x="11405569" y="-1805554"/>
+            <a:ext cx="7364680" cy="7396389"/>
+          </a:xfrm>
+          <a:custGeom>
             <a:avLst/>
-          </a:prstGeom>
-          <a:noFill/>
+            <a:gdLst>
+              <a:gd name="T0" fmla="*/ 2147483646 w 21600"/>
+              <a:gd name="T1" fmla="*/ 2147483646 h 21600"/>
+              <a:gd name="T2" fmla="*/ 2147483646 w 21600"/>
+              <a:gd name="T3" fmla="*/ 2147483646 h 21600"/>
+              <a:gd name="T4" fmla="*/ 2147483646 w 21600"/>
+              <a:gd name="T5" fmla="*/ 2147483646 h 21600"/>
+              <a:gd name="T6" fmla="*/ 2147483646 w 21600"/>
+              <a:gd name="T7" fmla="*/ 2147483646 h 21600"/>
+              <a:gd name="T8" fmla="*/ 0 60000 65536"/>
+              <a:gd name="T9" fmla="*/ 0 60000 65536"/>
+              <a:gd name="T10" fmla="*/ 0 60000 65536"/>
+              <a:gd name="T11" fmla="*/ 0 60000 65536"/>
+            </a:gdLst>
+            <a:ahLst/>
+            <a:cxnLst>
+              <a:cxn ang="T8">
+                <a:pos x="T0" y="T1"/>
+              </a:cxn>
+              <a:cxn ang="T9">
+                <a:pos x="T2" y="T3"/>
+              </a:cxn>
+              <a:cxn ang="T10">
+                <a:pos x="T4" y="T5"/>
+              </a:cxn>
+              <a:cxn ang="T11">
+                <a:pos x="T6" y="T7"/>
+              </a:cxn>
+            </a:cxnLst>
+            <a:rect l="0" t="0" r="r" b="b"/>
+            <a:pathLst>
+              <a:path w="21600" h="21600">
+                <a:moveTo>
+                  <a:pt x="13980" y="10851"/>
+                </a:moveTo>
+                <a:cubicBezTo>
+                  <a:pt x="14231" y="10892"/>
+                  <a:pt x="14582" y="10935"/>
+                  <a:pt x="15043" y="10992"/>
+                </a:cubicBezTo>
+                <a:cubicBezTo>
+                  <a:pt x="15500" y="11044"/>
+                  <a:pt x="15978" y="11105"/>
+                  <a:pt x="16477" y="11168"/>
+                </a:cubicBezTo>
+                <a:cubicBezTo>
+                  <a:pt x="16972" y="11234"/>
+                  <a:pt x="17436" y="11300"/>
+                  <a:pt x="17868" y="11369"/>
+                </a:cubicBezTo>
+                <a:cubicBezTo>
+                  <a:pt x="18297" y="11439"/>
+                  <a:pt x="18610" y="11502"/>
+                  <a:pt x="18803" y="11554"/>
+                </a:cubicBezTo>
+                <a:cubicBezTo>
+                  <a:pt x="19123" y="11646"/>
+                  <a:pt x="19451" y="11842"/>
+                  <a:pt x="19777" y="12133"/>
+                </a:cubicBezTo>
+                <a:cubicBezTo>
+                  <a:pt x="20102" y="12429"/>
+                  <a:pt x="20404" y="12769"/>
+                  <a:pt x="20678" y="13152"/>
+                </a:cubicBezTo>
+                <a:cubicBezTo>
+                  <a:pt x="20954" y="13538"/>
+                  <a:pt x="21176" y="13935"/>
+                  <a:pt x="21343" y="14352"/>
+                </a:cubicBezTo>
+                <a:cubicBezTo>
+                  <a:pt x="21516" y="14761"/>
+                  <a:pt x="21599" y="15138"/>
+                  <a:pt x="21599" y="15481"/>
+                </a:cubicBezTo>
+                <a:lnTo>
+                  <a:pt x="21599" y="20813"/>
+                </a:lnTo>
+                <a:cubicBezTo>
+                  <a:pt x="21507" y="20854"/>
+                  <a:pt x="21407" y="20914"/>
+                  <a:pt x="21291" y="21006"/>
+                </a:cubicBezTo>
+                <a:cubicBezTo>
+                  <a:pt x="21176" y="21101"/>
+                  <a:pt x="21052" y="21188"/>
+                  <a:pt x="20920" y="21277"/>
+                </a:cubicBezTo>
+                <a:cubicBezTo>
+                  <a:pt x="20785" y="21363"/>
+                  <a:pt x="20658" y="21441"/>
+                  <a:pt x="20540" y="21504"/>
+                </a:cubicBezTo>
+                <a:cubicBezTo>
+                  <a:pt x="20419" y="21571"/>
+                  <a:pt x="20318" y="21599"/>
+                  <a:pt x="20237" y="21599"/>
+                </a:cubicBezTo>
+                <a:lnTo>
+                  <a:pt x="1350" y="21599"/>
+                </a:lnTo>
+                <a:cubicBezTo>
+                  <a:pt x="1028" y="21599"/>
+                  <a:pt x="786" y="21502"/>
+                  <a:pt x="619" y="21303"/>
+                </a:cubicBezTo>
+                <a:cubicBezTo>
+                  <a:pt x="452" y="21107"/>
+                  <a:pt x="247" y="20943"/>
+                  <a:pt x="0" y="20813"/>
+                </a:cubicBezTo>
+                <a:lnTo>
+                  <a:pt x="0" y="15481"/>
+                </a:lnTo>
+                <a:cubicBezTo>
+                  <a:pt x="0" y="15138"/>
+                  <a:pt x="83" y="14761"/>
+                  <a:pt x="253" y="14352"/>
+                </a:cubicBezTo>
+                <a:cubicBezTo>
+                  <a:pt x="426" y="13935"/>
+                  <a:pt x="645" y="13543"/>
+                  <a:pt x="915" y="13166"/>
+                </a:cubicBezTo>
+                <a:cubicBezTo>
+                  <a:pt x="1186" y="12789"/>
+                  <a:pt x="1485" y="12449"/>
+                  <a:pt x="1817" y="12144"/>
+                </a:cubicBezTo>
+                <a:cubicBezTo>
+                  <a:pt x="2145" y="11845"/>
+                  <a:pt x="2473" y="11643"/>
+                  <a:pt x="2796" y="11551"/>
+                </a:cubicBezTo>
+                <a:cubicBezTo>
+                  <a:pt x="2960" y="11499"/>
+                  <a:pt x="3262" y="11436"/>
+                  <a:pt x="3703" y="11367"/>
+                </a:cubicBezTo>
+                <a:cubicBezTo>
+                  <a:pt x="4143" y="11297"/>
+                  <a:pt x="4616" y="11231"/>
+                  <a:pt x="5117" y="11165"/>
+                </a:cubicBezTo>
+                <a:cubicBezTo>
+                  <a:pt x="5618" y="11102"/>
+                  <a:pt x="6096" y="11041"/>
+                  <a:pt x="6556" y="10990"/>
+                </a:cubicBezTo>
+                <a:cubicBezTo>
+                  <a:pt x="7014" y="10932"/>
+                  <a:pt x="7368" y="10889"/>
+                  <a:pt x="7616" y="10848"/>
+                </a:cubicBezTo>
+                <a:cubicBezTo>
+                  <a:pt x="6772" y="10307"/>
+                  <a:pt x="6113" y="9602"/>
+                  <a:pt x="5626" y="8735"/>
+                </a:cubicBezTo>
+                <a:cubicBezTo>
+                  <a:pt x="5142" y="7866"/>
+                  <a:pt x="4903" y="6921"/>
+                  <a:pt x="4903" y="5899"/>
+                </a:cubicBezTo>
+                <a:cubicBezTo>
+                  <a:pt x="4903" y="5093"/>
+                  <a:pt x="5059" y="4330"/>
+                  <a:pt x="5370" y="3619"/>
+                </a:cubicBezTo>
+                <a:cubicBezTo>
+                  <a:pt x="5681" y="2908"/>
+                  <a:pt x="6104" y="2283"/>
+                  <a:pt x="6631" y="1744"/>
+                </a:cubicBezTo>
+                <a:cubicBezTo>
+                  <a:pt x="7161" y="1209"/>
+                  <a:pt x="7777" y="783"/>
+                  <a:pt x="8492" y="472"/>
+                </a:cubicBezTo>
+                <a:cubicBezTo>
+                  <a:pt x="9203" y="158"/>
+                  <a:pt x="9963" y="0"/>
+                  <a:pt x="10772" y="0"/>
+                </a:cubicBezTo>
+                <a:cubicBezTo>
+                  <a:pt x="11581" y="0"/>
+                  <a:pt x="12347" y="158"/>
+                  <a:pt x="13061" y="472"/>
+                </a:cubicBezTo>
+                <a:cubicBezTo>
+                  <a:pt x="13778" y="783"/>
+                  <a:pt x="14406" y="1209"/>
+                  <a:pt x="14942" y="1744"/>
+                </a:cubicBezTo>
+                <a:cubicBezTo>
+                  <a:pt x="15480" y="2283"/>
+                  <a:pt x="15901" y="2908"/>
+                  <a:pt x="16209" y="3619"/>
+                </a:cubicBezTo>
+                <a:cubicBezTo>
+                  <a:pt x="16514" y="4330"/>
+                  <a:pt x="16670" y="5093"/>
+                  <a:pt x="16670" y="5899"/>
+                </a:cubicBezTo>
+                <a:cubicBezTo>
+                  <a:pt x="16670" y="6904"/>
+                  <a:pt x="16431" y="7843"/>
+                  <a:pt x="15953" y="8721"/>
+                </a:cubicBezTo>
+                <a:cubicBezTo>
+                  <a:pt x="15489" y="9599"/>
+                  <a:pt x="14827" y="10310"/>
+                  <a:pt x="13980" y="10851"/>
+                </a:cubicBezTo>
+              </a:path>
+            </a:pathLst>
+          </a:custGeom>
+          <a:solidFill>
+            <a:schemeClr val="bg1"/>
+          </a:solidFill>
           <a:ln>
             <a:noFill/>
           </a:ln>
+          <a:effectLst>
+            <a:outerShdw blurRad="127000" dist="127000" dir="2700000" algn="tl" rotWithShape="0">
+              <a:prstClr val="black">
+                <a:alpha val="40000"/>
+              </a:prstClr>
+            </a:outerShdw>
+          </a:effectLst>
+          <a:extLst>
+            <a:ext uri="{91240B29-F687-4F45-9708-019B960494DF}">
+              <a14:hiddenLine xmlns:a14="http://schemas.microsoft.com/office/drawing/2010/main" w="9525">
+                <a:solidFill>
+                  <a:srgbClr val="000000"/>
+                </a:solidFill>
+                <a:round/>
+                <a:headEnd/>
+                <a:tailEnd/>
+              </a14:hiddenLine>
+            </a:ext>
+          </a:extLst>
         </p:spPr>
-        <p:style>
-          <a:lnRef idx="2">
-            <a:schemeClr val="accent1">
-              <a:shade val="50000"/>
-            </a:schemeClr>
-          </a:lnRef>
-          <a:fillRef idx="1">
-            <a:schemeClr val="accent1"/>
-          </a:fillRef>
-          <a:effectRef idx="0">
-            <a:schemeClr val="accent1"/>
-          </a:effectRef>
-          <a:fontRef idx="minor">
-            <a:schemeClr val="lt1"/>
-          </a:fontRef>
-        </p:style>
-        <p:txBody>
-          <a:bodyPr rtlCol="0" anchor="ctr"/>
+        <p:txBody>
+          <a:bodyPr lIns="38100" tIns="38100" rIns="38100" bIns="38100" anchor="ctr"/>
           <a:lstStyle/>
           <a:p>
-            <a:pPr algn="ctr"/>
-            <a:r>
-              <a:rPr lang="ko-KR" altLang="en-US" sz="4800" dirty="0">
-                <a:ln w="12700">
-                  <a:solidFill>
-                    <a:schemeClr val="accent1">
-                      <a:lumMod val="60000"/>
-                      <a:lumOff val="40000"/>
-                    </a:schemeClr>
-                  </a:solidFill>
-                </a:ln>
-                <a:solidFill>
-                  <a:schemeClr val="bg1"/>
-                </a:solidFill>
-                <a:latin typeface="빙그레체" panose="02030503000000000000" pitchFamily="18" charset="-127"/>
-                <a:ea typeface="빙그레체" panose="02030503000000000000" pitchFamily="18" charset="-127"/>
-              </a:rPr>
-              <a:t>게임 시작</a:t>
-            </a:r>
-          </a:p>
-        </p:txBody>
-      </p:sp>
-      <p:sp>
-        <p:nvSpPr>
-          <p:cNvPr id="5" name="사각형: 둥근 모서리 4">
-            <a:extLst>
-              <a:ext uri="{FF2B5EF4-FFF2-40B4-BE49-F238E27FC236}">
-                <a16:creationId xmlns:a16="http://schemas.microsoft.com/office/drawing/2014/main" id="{049BF257-6821-4603-8AE3-E2CF5E5DFAD2}"/>
-              </a:ext>
-            </a:extLst>
-          </p:cNvPr>
-          <p:cNvSpPr/>
+            <a:endParaRPr lang="ko-KR" altLang="en-US"/>
+          </a:p>
+        </p:txBody>
+      </p:sp>
+      <p:pic>
+        <p:nvPicPr>
+          <p:cNvPr id="20" name="그림 19"/>
+          <p:cNvPicPr>
+            <a:picLocks noChangeAspect="1"/>
+          </p:cNvPicPr>
           <p:nvPr/>
-        </p:nvSpPr>
+        </p:nvPicPr>
+        <p:blipFill>
+          <a:blip r:embed="rId2">
+            <a:extLst>
+              <a:ext uri="{28A0092B-C50C-407E-A947-70E740481C1C}">
+                <a14:useLocalDpi xmlns:a14="http://schemas.microsoft.com/office/drawing/2010/main" val="0"/>
+              </a:ext>
+            </a:extLst>
+          </a:blip>
+          <a:stretch>
+            <a:fillRect/>
+          </a:stretch>
+        </p:blipFill>
         <p:spPr>
           <a:xfrm>
-            <a:off x="4020590" y="4644000"/>
-            <a:ext cx="4150821" cy="1426598"/>
+            <a:off x="-7541654" y="-14388010"/>
+            <a:ext cx="12502761" cy="14700733"/>
           </a:xfrm>
-          <a:prstGeom prst="roundRect">
+          <a:prstGeom prst="rect">
             <a:avLst/>
           </a:prstGeom>
-          <a:noFill/>
-          <a:ln>
-            <a:noFill/>
-          </a:ln>
         </p:spPr>
-        <p:style>
-          <a:lnRef idx="2">
-            <a:schemeClr val="accent1">
-              <a:shade val="50000"/>
-            </a:schemeClr>
-          </a:lnRef>
-          <a:fillRef idx="1">
-            <a:schemeClr val="accent1"/>
-          </a:fillRef>
-          <a:effectRef idx="0">
-            <a:schemeClr val="accent1"/>
-          </a:effectRef>
-          <a:fontRef idx="minor">
-            <a:schemeClr val="lt1"/>
-          </a:fontRef>
-        </p:style>
-        <p:txBody>
-          <a:bodyPr rtlCol="0" anchor="ctr"/>
-          <a:lstStyle/>
-          <a:p>
-            <a:pPr algn="ctr"/>
-            <a:r>
-              <a:rPr lang="ko-KR" altLang="en-US" sz="4800" dirty="0">
-                <a:ln w="12700">
-                  <a:solidFill>
-                    <a:schemeClr val="accent1">
-                      <a:lumMod val="60000"/>
-                      <a:lumOff val="40000"/>
-                    </a:schemeClr>
-                  </a:solidFill>
-                </a:ln>
-                <a:solidFill>
-                  <a:schemeClr val="bg1"/>
-                </a:solidFill>
-                <a:latin typeface="빙그레체" panose="02030503000000000000" pitchFamily="18" charset="-127"/>
-                <a:ea typeface="빙그레체" panose="02030503000000000000" pitchFamily="18" charset="-127"/>
-              </a:rPr>
-              <a:t>게임 종료</a:t>
-            </a:r>
-          </a:p>
-        </p:txBody>
-      </p:sp>
+      </p:pic>
+      <p:pic>
+        <p:nvPicPr>
+          <p:cNvPr id="21" name="그림 20"/>
+          <p:cNvPicPr>
+            <a:picLocks noChangeAspect="1"/>
+          </p:cNvPicPr>
+          <p:nvPr/>
+        </p:nvPicPr>
+        <p:blipFill>
+          <a:blip r:embed="rId3">
+            <a:extLst>
+              <a:ext uri="{28A0092B-C50C-407E-A947-70E740481C1C}">
+                <a14:useLocalDpi xmlns:a14="http://schemas.microsoft.com/office/drawing/2010/main" val="0"/>
+              </a:ext>
+            </a:extLst>
+          </a:blip>
+          <a:stretch>
+            <a:fillRect/>
+          </a:stretch>
+        </p:blipFill>
+        <p:spPr>
+          <a:xfrm>
+            <a:off x="-5918280" y="5905601"/>
+            <a:ext cx="6285307" cy="6858000"/>
+          </a:xfrm>
+          <a:prstGeom prst="rect">
+            <a:avLst/>
+          </a:prstGeom>
+          <a:effectLst>
+            <a:outerShdw blurRad="127000" dist="127000" dir="2700000" algn="tl" rotWithShape="0">
+              <a:prstClr val="black">
+                <a:alpha val="40000"/>
+              </a:prstClr>
+            </a:outerShdw>
+          </a:effectLst>
+        </p:spPr>
+      </p:pic>
+      <p:grpSp>
+        <p:nvGrpSpPr>
+          <p:cNvPr id="24" name="그룹 23"/>
+          <p:cNvGrpSpPr/>
+          <p:nvPr/>
+        </p:nvGrpSpPr>
+        <p:grpSpPr>
+          <a:xfrm>
+            <a:off x="10304213" y="6168179"/>
+            <a:ext cx="10214710" cy="6858000"/>
+            <a:chOff x="10304213" y="6168179"/>
+            <a:chExt cx="10214710" cy="6858000"/>
+          </a:xfrm>
+        </p:grpSpPr>
+        <p:pic>
+          <p:nvPicPr>
+            <p:cNvPr id="22" name="그림 21"/>
+            <p:cNvPicPr>
+              <a:picLocks noChangeAspect="1"/>
+            </p:cNvPicPr>
+            <p:nvPr/>
+          </p:nvPicPr>
+          <p:blipFill>
+            <a:blip r:embed="rId3">
+              <a:extLst>
+                <a:ext uri="{28A0092B-C50C-407E-A947-70E740481C1C}">
+                  <a14:useLocalDpi xmlns:a14="http://schemas.microsoft.com/office/drawing/2010/main" val="0"/>
+                </a:ext>
+              </a:extLst>
+            </a:blip>
+            <a:stretch>
+              <a:fillRect/>
+            </a:stretch>
+          </p:blipFill>
+          <p:spPr>
+            <a:xfrm>
+              <a:off x="10304213" y="6168179"/>
+              <a:ext cx="6285307" cy="6858000"/>
+            </a:xfrm>
+            <a:prstGeom prst="rect">
+              <a:avLst/>
+            </a:prstGeom>
+            <a:effectLst>
+              <a:outerShdw blurRad="127000" dist="127000" dir="2700000" algn="tl" rotWithShape="0">
+                <a:prstClr val="black">
+                  <a:alpha val="40000"/>
+                </a:prstClr>
+              </a:outerShdw>
+            </a:effectLst>
+          </p:spPr>
+        </p:pic>
+        <p:pic>
+          <p:nvPicPr>
+            <p:cNvPr id="23" name="그림 22"/>
+            <p:cNvPicPr>
+              <a:picLocks noChangeAspect="1"/>
+            </p:cNvPicPr>
+            <p:nvPr/>
+          </p:nvPicPr>
+          <p:blipFill>
+            <a:blip r:embed="rId3">
+              <a:extLst>
+                <a:ext uri="{28A0092B-C50C-407E-A947-70E740481C1C}">
+                  <a14:useLocalDpi xmlns:a14="http://schemas.microsoft.com/office/drawing/2010/main" val="0"/>
+                </a:ext>
+              </a:extLst>
+            </a:blip>
+            <a:stretch>
+              <a:fillRect/>
+            </a:stretch>
+          </p:blipFill>
+          <p:spPr>
+            <a:xfrm>
+              <a:off x="14233616" y="6168179"/>
+              <a:ext cx="6285307" cy="6858000"/>
+            </a:xfrm>
+            <a:prstGeom prst="rect">
+              <a:avLst/>
+            </a:prstGeom>
+            <a:effectLst>
+              <a:outerShdw blurRad="127000" dist="127000" dir="2700000" algn="tl" rotWithShape="0">
+                <a:prstClr val="black">
+                  <a:alpha val="40000"/>
+                </a:prstClr>
+              </a:outerShdw>
+            </a:effectLst>
+          </p:spPr>
+        </p:pic>
+      </p:grpSp>
     </p:spTree>
     <p:extLst>
       <p:ext uri="{BB962C8B-B14F-4D97-AF65-F5344CB8AC3E}">
-        <p14:creationId xmlns:p14="http://schemas.microsoft.com/office/powerpoint/2010/main" val="3021753106"/>
+        <p14:creationId xmlns:p14="http://schemas.microsoft.com/office/powerpoint/2010/main" val="2482006005"/>
       </p:ext>
     </p:extLst>
   </p:cSld>
   <p:clrMapOvr>
     <a:masterClrMapping/>
   </p:clrMapOvr>
+  <p:timing>
+    <p:tnLst>
+      <p:par>
+        <p:cTn id="1" dur="indefinite" restart="never" nodeType="tmRoot"/>
+      </p:par>
+    </p:tnLst>
+  </p:timing>
 </p:sld>
 </file>
 
@@ -4473,10 +4897,285 @@
       </p:grpSpPr>
       <p:sp>
         <p:nvSpPr>
+          <p:cNvPr id="3" name="사각형: 둥근 모서리 2">
+            <a:extLst>
+              <a:ext uri="{FF2B5EF4-FFF2-40B4-BE49-F238E27FC236}">
+                <a16:creationId xmlns:a16="http://schemas.microsoft.com/office/drawing/2014/main" xmlns="" id="{44F11EF4-6FAE-41F3-B18B-560264579C0A}"/>
+              </a:ext>
+            </a:extLst>
+          </p:cNvPr>
+          <p:cNvSpPr/>
+          <p:nvPr/>
+        </p:nvSpPr>
+        <p:spPr>
+          <a:xfrm>
+            <a:off x="2419284" y="856223"/>
+            <a:ext cx="7353432" cy="2088682"/>
+          </a:xfrm>
+          <a:prstGeom prst="roundRect">
+            <a:avLst/>
+          </a:prstGeom>
+          <a:noFill/>
+          <a:ln>
+            <a:noFill/>
+          </a:ln>
+        </p:spPr>
+        <p:style>
+          <a:lnRef idx="2">
+            <a:schemeClr val="accent1">
+              <a:shade val="50000"/>
+            </a:schemeClr>
+          </a:lnRef>
+          <a:fillRef idx="1">
+            <a:schemeClr val="accent1"/>
+          </a:fillRef>
+          <a:effectRef idx="0">
+            <a:schemeClr val="accent1"/>
+          </a:effectRef>
+          <a:fontRef idx="minor">
+            <a:schemeClr val="lt1"/>
+          </a:fontRef>
+        </p:style>
+        <p:txBody>
+          <a:bodyPr rtlCol="0" anchor="ctr"/>
+          <a:lstStyle/>
+          <a:p>
+            <a:pPr algn="ctr"/>
+            <a:r>
+              <a:rPr lang="ko-KR" altLang="en-US" sz="8000" dirty="0">
+                <a:ln w="12700">
+                  <a:solidFill>
+                    <a:schemeClr val="accent1">
+                      <a:lumMod val="60000"/>
+                      <a:lumOff val="40000"/>
+                    </a:schemeClr>
+                  </a:solidFill>
+                </a:ln>
+                <a:solidFill>
+                  <a:schemeClr val="bg1"/>
+                </a:solidFill>
+                <a:latin typeface="빙그레체" panose="02030503000000000000" pitchFamily="18" charset="-127"/>
+                <a:ea typeface="빙그레체" panose="02030503000000000000" pitchFamily="18" charset="-127"/>
+              </a:rPr>
+              <a:t>총장님 </a:t>
+            </a:r>
+            <a:r>
+              <a:rPr lang="ko-KR" altLang="en-US" sz="8000" dirty="0" err="1">
+                <a:ln w="12700">
+                  <a:solidFill>
+                    <a:schemeClr val="accent1">
+                      <a:lumMod val="60000"/>
+                      <a:lumOff val="40000"/>
+                    </a:schemeClr>
+                  </a:solidFill>
+                </a:ln>
+                <a:solidFill>
+                  <a:schemeClr val="bg1"/>
+                </a:solidFill>
+                <a:latin typeface="빙그레체" panose="02030503000000000000" pitchFamily="18" charset="-127"/>
+                <a:ea typeface="빙그레체" panose="02030503000000000000" pitchFamily="18" charset="-127"/>
+              </a:rPr>
+              <a:t>타이쿤</a:t>
+            </a:r>
+            <a:endParaRPr lang="ko-KR" altLang="en-US" sz="8000" dirty="0">
+              <a:ln w="12700">
+                <a:solidFill>
+                  <a:schemeClr val="accent1">
+                    <a:lumMod val="60000"/>
+                    <a:lumOff val="40000"/>
+                  </a:schemeClr>
+                </a:solidFill>
+              </a:ln>
+              <a:solidFill>
+                <a:schemeClr val="bg1"/>
+              </a:solidFill>
+              <a:latin typeface="빙그레체" panose="02030503000000000000" pitchFamily="18" charset="-127"/>
+              <a:ea typeface="빙그레체" panose="02030503000000000000" pitchFamily="18" charset="-127"/>
+            </a:endParaRPr>
+          </a:p>
+        </p:txBody>
+      </p:sp>
+      <p:sp>
+        <p:nvSpPr>
           <p:cNvPr id="4" name="사각형: 둥근 모서리 3">
             <a:extLst>
               <a:ext uri="{FF2B5EF4-FFF2-40B4-BE49-F238E27FC236}">
-                <a16:creationId xmlns:a16="http://schemas.microsoft.com/office/drawing/2014/main" id="{37851748-1D68-4B7D-8CEF-5CA05470FA93}"/>
+                <a16:creationId xmlns:a16="http://schemas.microsoft.com/office/drawing/2014/main" xmlns="" id="{37851748-1D68-4B7D-8CEF-5CA05470FA93}"/>
+              </a:ext>
+            </a:extLst>
+          </p:cNvPr>
+          <p:cNvSpPr/>
+          <p:nvPr/>
+        </p:nvSpPr>
+        <p:spPr>
+          <a:xfrm>
+            <a:off x="4020590" y="3592794"/>
+            <a:ext cx="4150821" cy="1426598"/>
+          </a:xfrm>
+          <a:prstGeom prst="roundRect">
+            <a:avLst/>
+          </a:prstGeom>
+          <a:noFill/>
+          <a:ln>
+            <a:noFill/>
+          </a:ln>
+        </p:spPr>
+        <p:style>
+          <a:lnRef idx="2">
+            <a:schemeClr val="accent1">
+              <a:shade val="50000"/>
+            </a:schemeClr>
+          </a:lnRef>
+          <a:fillRef idx="1">
+            <a:schemeClr val="accent1"/>
+          </a:fillRef>
+          <a:effectRef idx="0">
+            <a:schemeClr val="accent1"/>
+          </a:effectRef>
+          <a:fontRef idx="minor">
+            <a:schemeClr val="lt1"/>
+          </a:fontRef>
+        </p:style>
+        <p:txBody>
+          <a:bodyPr rtlCol="0" anchor="ctr"/>
+          <a:lstStyle/>
+          <a:p>
+            <a:pPr algn="ctr"/>
+            <a:r>
+              <a:rPr lang="ko-KR" altLang="en-US" sz="4800" dirty="0">
+                <a:ln w="12700">
+                  <a:solidFill>
+                    <a:schemeClr val="accent1">
+                      <a:lumMod val="60000"/>
+                      <a:lumOff val="40000"/>
+                    </a:schemeClr>
+                  </a:solidFill>
+                </a:ln>
+                <a:solidFill>
+                  <a:schemeClr val="bg1"/>
+                </a:solidFill>
+                <a:latin typeface="빙그레체" panose="02030503000000000000" pitchFamily="18" charset="-127"/>
+                <a:ea typeface="빙그레체" panose="02030503000000000000" pitchFamily="18" charset="-127"/>
+              </a:rPr>
+              <a:t>게임 시작</a:t>
+            </a:r>
+          </a:p>
+        </p:txBody>
+      </p:sp>
+      <p:sp>
+        <p:nvSpPr>
+          <p:cNvPr id="5" name="사각형: 둥근 모서리 4">
+            <a:extLst>
+              <a:ext uri="{FF2B5EF4-FFF2-40B4-BE49-F238E27FC236}">
+                <a16:creationId xmlns:a16="http://schemas.microsoft.com/office/drawing/2014/main" xmlns="" id="{049BF257-6821-4603-8AE3-E2CF5E5DFAD2}"/>
+              </a:ext>
+            </a:extLst>
+          </p:cNvPr>
+          <p:cNvSpPr/>
+          <p:nvPr/>
+        </p:nvSpPr>
+        <p:spPr>
+          <a:xfrm>
+            <a:off x="4020590" y="4644000"/>
+            <a:ext cx="4150821" cy="1426598"/>
+          </a:xfrm>
+          <a:prstGeom prst="roundRect">
+            <a:avLst/>
+          </a:prstGeom>
+          <a:noFill/>
+          <a:ln>
+            <a:noFill/>
+          </a:ln>
+        </p:spPr>
+        <p:style>
+          <a:lnRef idx="2">
+            <a:schemeClr val="accent1">
+              <a:shade val="50000"/>
+            </a:schemeClr>
+          </a:lnRef>
+          <a:fillRef idx="1">
+            <a:schemeClr val="accent1"/>
+          </a:fillRef>
+          <a:effectRef idx="0">
+            <a:schemeClr val="accent1"/>
+          </a:effectRef>
+          <a:fontRef idx="minor">
+            <a:schemeClr val="lt1"/>
+          </a:fontRef>
+        </p:style>
+        <p:txBody>
+          <a:bodyPr rtlCol="0" anchor="ctr"/>
+          <a:lstStyle/>
+          <a:p>
+            <a:pPr algn="ctr"/>
+            <a:r>
+              <a:rPr lang="ko-KR" altLang="en-US" sz="4800" dirty="0">
+                <a:ln w="12700">
+                  <a:solidFill>
+                    <a:schemeClr val="accent1">
+                      <a:lumMod val="60000"/>
+                      <a:lumOff val="40000"/>
+                    </a:schemeClr>
+                  </a:solidFill>
+                </a:ln>
+                <a:solidFill>
+                  <a:schemeClr val="bg1"/>
+                </a:solidFill>
+                <a:latin typeface="빙그레체" panose="02030503000000000000" pitchFamily="18" charset="-127"/>
+                <a:ea typeface="빙그레체" panose="02030503000000000000" pitchFamily="18" charset="-127"/>
+              </a:rPr>
+              <a:t>게임 종료</a:t>
+            </a:r>
+          </a:p>
+        </p:txBody>
+      </p:sp>
+    </p:spTree>
+    <p:extLst>
+      <p:ext uri="{BB962C8B-B14F-4D97-AF65-F5344CB8AC3E}">
+        <p14:creationId xmlns:p14="http://schemas.microsoft.com/office/powerpoint/2010/main" val="3021753106"/>
+      </p:ext>
+    </p:extLst>
+  </p:cSld>
+  <p:clrMapOvr>
+    <a:masterClrMapping/>
+  </p:clrMapOvr>
+</p:sld>
+</file>
+
+<file path=ppt/slides/slide6.xml><?xml version="1.0" encoding="utf-8"?>
+<p:sld xmlns:a="http://schemas.openxmlformats.org/drawingml/2006/main" xmlns:r="http://schemas.openxmlformats.org/officeDocument/2006/relationships" xmlns:p="http://schemas.openxmlformats.org/presentationml/2006/main">
+  <p:cSld>
+    <p:bg>
+      <p:bgPr>
+        <a:solidFill>
+          <a:schemeClr val="accent5">
+            <a:lumMod val="60000"/>
+            <a:lumOff val="40000"/>
+          </a:schemeClr>
+        </a:solidFill>
+        <a:effectLst/>
+      </p:bgPr>
+    </p:bg>
+    <p:spTree>
+      <p:nvGrpSpPr>
+        <p:cNvPr id="1" name=""/>
+        <p:cNvGrpSpPr/>
+        <p:nvPr/>
+      </p:nvGrpSpPr>
+      <p:grpSpPr>
+        <a:xfrm>
+          <a:off x="0" y="0"/>
+          <a:ext cx="0" cy="0"/>
+          <a:chOff x="0" y="0"/>
+          <a:chExt cx="0" cy="0"/>
+        </a:xfrm>
+      </p:grpSpPr>
+      <p:sp>
+        <p:nvSpPr>
+          <p:cNvPr id="4" name="사각형: 둥근 모서리 3">
+            <a:extLst>
+              <a:ext uri="{FF2B5EF4-FFF2-40B4-BE49-F238E27FC236}">
+                <a16:creationId xmlns:a16="http://schemas.microsoft.com/office/drawing/2014/main" xmlns="" id="{37851748-1D68-4B7D-8CEF-5CA05470FA93}"/>
               </a:ext>
             </a:extLst>
           </p:cNvPr>
@@ -4547,7 +5246,7 @@
           <p:cNvPr id="5" name="사각형: 둥근 모서리 4">
             <a:extLst>
               <a:ext uri="{FF2B5EF4-FFF2-40B4-BE49-F238E27FC236}">
-                <a16:creationId xmlns:a16="http://schemas.microsoft.com/office/drawing/2014/main" id="{049BF257-6821-4603-8AE3-E2CF5E5DFAD2}"/>
+                <a16:creationId xmlns:a16="http://schemas.microsoft.com/office/drawing/2014/main" xmlns="" id="{049BF257-6821-4603-8AE3-E2CF5E5DFAD2}"/>
               </a:ext>
             </a:extLst>
           </p:cNvPr>
@@ -4651,7 +5350,7 @@
           <p:cNvPr id="6" name="사각형: 둥근 모서리 5">
             <a:extLst>
               <a:ext uri="{FF2B5EF4-FFF2-40B4-BE49-F238E27FC236}">
-                <a16:creationId xmlns:a16="http://schemas.microsoft.com/office/drawing/2014/main" id="{7478AE0B-36C5-488A-98C1-F049E1910395}"/>
+                <a16:creationId xmlns:a16="http://schemas.microsoft.com/office/drawing/2014/main" xmlns="" id="{7478AE0B-36C5-488A-98C1-F049E1910395}"/>
               </a:ext>
             </a:extLst>
           </p:cNvPr>
@@ -4763,7 +5462,7 @@
 </p:sld>
 </file>
 
-<file path=ppt/slides/slide6.xml><?xml version="1.0" encoding="utf-8"?>
+<file path=ppt/slides/slide7.xml><?xml version="1.0" encoding="utf-8"?>
 <p:sld xmlns:a="http://schemas.openxmlformats.org/drawingml/2006/main" xmlns:r="http://schemas.openxmlformats.org/officeDocument/2006/relationships" xmlns:p="http://schemas.openxmlformats.org/presentationml/2006/main">
   <p:cSld>
     <p:spTree>
@@ -4785,7 +5484,7 @@
           <p:cNvPr id="6" name="말풍선: 모서리가 둥근 사각형 5">
             <a:extLst>
               <a:ext uri="{FF2B5EF4-FFF2-40B4-BE49-F238E27FC236}">
-                <a16:creationId xmlns:a16="http://schemas.microsoft.com/office/drawing/2014/main" id="{B39F7D4A-E342-4CD3-A3BC-2B9E7CF63CE3}"/>
+                <a16:creationId xmlns:a16="http://schemas.microsoft.com/office/drawing/2014/main" xmlns="" id="{B39F7D4A-E342-4CD3-A3BC-2B9E7CF63CE3}"/>
               </a:ext>
             </a:extLst>
           </p:cNvPr>
@@ -4845,7 +5544,7 @@
           <p:cNvPr id="3" name="말풍선: 모서리가 둥근 사각형 2">
             <a:extLst>
               <a:ext uri="{FF2B5EF4-FFF2-40B4-BE49-F238E27FC236}">
-                <a16:creationId xmlns:a16="http://schemas.microsoft.com/office/drawing/2014/main" id="{C6B23B7F-20B6-4DC9-81E5-C9B9139F9EE7}"/>
+                <a16:creationId xmlns:a16="http://schemas.microsoft.com/office/drawing/2014/main" xmlns="" id="{C6B23B7F-20B6-4DC9-81E5-C9B9139F9EE7}"/>
               </a:ext>
             </a:extLst>
           </p:cNvPr>
@@ -4913,7 +5612,7 @@
 </p:sld>
 </file>
 
-<file path=ppt/slides/slide7.xml><?xml version="1.0" encoding="utf-8"?>
+<file path=ppt/slides/slide8.xml><?xml version="1.0" encoding="utf-8"?>
 <p:sld xmlns:a="http://schemas.openxmlformats.org/drawingml/2006/main" xmlns:r="http://schemas.openxmlformats.org/officeDocument/2006/relationships" xmlns:p="http://schemas.openxmlformats.org/presentationml/2006/main">
   <p:cSld>
     <p:spTree>
@@ -4935,7 +5634,7 @@
           <p:cNvPr id="3" name="그림 2">
             <a:extLst>
               <a:ext uri="{FF2B5EF4-FFF2-40B4-BE49-F238E27FC236}">
-                <a16:creationId xmlns:a16="http://schemas.microsoft.com/office/drawing/2014/main" id="{9057CB34-B327-46A5-A70B-FEF87F747704}"/>
+                <a16:creationId xmlns:a16="http://schemas.microsoft.com/office/drawing/2014/main" xmlns="" id="{9057CB34-B327-46A5-A70B-FEF87F747704}"/>
               </a:ext>
             </a:extLst>
           </p:cNvPr>
@@ -4973,7 +5672,7 @@
 </p:sld>
 </file>
 
-<file path=ppt/slides/slide8.xml><?xml version="1.0" encoding="utf-8"?>
+<file path=ppt/slides/slide9.xml><?xml version="1.0" encoding="utf-8"?>
 <p:sld xmlns:a="http://schemas.openxmlformats.org/drawingml/2006/main" xmlns:r="http://schemas.openxmlformats.org/officeDocument/2006/relationships" xmlns:p="http://schemas.openxmlformats.org/presentationml/2006/main">
   <p:cSld>
     <p:bg>
@@ -5006,7 +5705,7 @@
           <p:cNvPr id="2" name="그룹 1">
             <a:extLst>
               <a:ext uri="{FF2B5EF4-FFF2-40B4-BE49-F238E27FC236}">
-                <a16:creationId xmlns:a16="http://schemas.microsoft.com/office/drawing/2014/main" id="{376DCA46-73A9-4DF0-83B6-A596281A8427}"/>
+                <a16:creationId xmlns:a16="http://schemas.microsoft.com/office/drawing/2014/main" xmlns="" id="{376DCA46-73A9-4DF0-83B6-A596281A8427}"/>
               </a:ext>
             </a:extLst>
           </p:cNvPr>
@@ -5026,7 +5725,7 @@
             <p:cNvPr id="3" name="사각형: 둥근 모서리 2">
               <a:extLst>
                 <a:ext uri="{FF2B5EF4-FFF2-40B4-BE49-F238E27FC236}">
-                  <a16:creationId xmlns:a16="http://schemas.microsoft.com/office/drawing/2014/main" id="{95519B29-A9C4-4E5A-AA0E-B5D144892A56}"/>
+                  <a16:creationId xmlns:a16="http://schemas.microsoft.com/office/drawing/2014/main" xmlns="" id="{95519B29-A9C4-4E5A-AA0E-B5D144892A56}"/>
                 </a:ext>
               </a:extLst>
             </p:cNvPr>
@@ -5092,7 +5791,7 @@
             <p:cNvPr id="4" name="직선 연결선 3">
               <a:extLst>
                 <a:ext uri="{FF2B5EF4-FFF2-40B4-BE49-F238E27FC236}">
-                  <a16:creationId xmlns:a16="http://schemas.microsoft.com/office/drawing/2014/main" id="{1EE6B608-506E-4F77-A8A8-DAE45E429E4F}"/>
+                  <a16:creationId xmlns:a16="http://schemas.microsoft.com/office/drawing/2014/main" xmlns="" id="{1EE6B608-506E-4F77-A8A8-DAE45E429E4F}"/>
                 </a:ext>
               </a:extLst>
             </p:cNvPr>
@@ -5142,7 +5841,7 @@
             <p:cNvPr id="13" name="직선 연결선 12">
               <a:extLst>
                 <a:ext uri="{FF2B5EF4-FFF2-40B4-BE49-F238E27FC236}">
-                  <a16:creationId xmlns:a16="http://schemas.microsoft.com/office/drawing/2014/main" id="{10014039-F232-4B54-A642-C988D0EC9E61}"/>
+                  <a16:creationId xmlns:a16="http://schemas.microsoft.com/office/drawing/2014/main" xmlns="" id="{10014039-F232-4B54-A642-C988D0EC9E61}"/>
                 </a:ext>
               </a:extLst>
             </p:cNvPr>
@@ -5194,7 +5893,7 @@
           <p:cNvPr id="7" name="그림 6">
             <a:extLst>
               <a:ext uri="{FF2B5EF4-FFF2-40B4-BE49-F238E27FC236}">
-                <a16:creationId xmlns:a16="http://schemas.microsoft.com/office/drawing/2014/main" id="{230E7756-AF34-4029-982E-8AFCAEDEAEB6}"/>
+                <a16:creationId xmlns:a16="http://schemas.microsoft.com/office/drawing/2014/main" xmlns="" id="{230E7756-AF34-4029-982E-8AFCAEDEAEB6}"/>
               </a:ext>
             </a:extLst>
           </p:cNvPr>
@@ -5204,7 +5903,7 @@
           <p:nvPr/>
         </p:nvPicPr>
         <p:blipFill>
-          <a:blip r:embed="rId2">
+          <a:blip r:embed="rId2" cstate="print">
             <a:extLst>
               <a:ext uri="{28A0092B-C50C-407E-A947-70E740481C1C}">
                 <a14:useLocalDpi xmlns:a14="http://schemas.microsoft.com/office/drawing/2010/main" val="0"/>
@@ -5230,7 +5929,7 @@
           <p:cNvPr id="9" name="그림 8" descr="음식이(가) 표시된 사진&#10;&#10;자동 생성된 설명">
             <a:extLst>
               <a:ext uri="{FF2B5EF4-FFF2-40B4-BE49-F238E27FC236}">
-                <a16:creationId xmlns:a16="http://schemas.microsoft.com/office/drawing/2014/main" id="{B4407E14-FFC8-49F5-96B4-E4B315AA0097}"/>
+                <a16:creationId xmlns:a16="http://schemas.microsoft.com/office/drawing/2014/main" xmlns="" id="{B4407E14-FFC8-49F5-96B4-E4B315AA0097}"/>
               </a:ext>
             </a:extLst>
           </p:cNvPr>
@@ -5240,7 +5939,7 @@
           <p:nvPr/>
         </p:nvPicPr>
         <p:blipFill>
-          <a:blip r:embed="rId3">
+          <a:blip r:embed="rId3" cstate="print">
             <a:extLst>
               <a:ext uri="{28A0092B-C50C-407E-A947-70E740481C1C}">
                 <a14:useLocalDpi xmlns:a14="http://schemas.microsoft.com/office/drawing/2010/main" val="0"/>
@@ -5266,7 +5965,7 @@
           <p:cNvPr id="8" name="그림 7" descr="나이프이(가) 표시된 사진&#10;&#10;자동 생성된 설명">
             <a:extLst>
               <a:ext uri="{FF2B5EF4-FFF2-40B4-BE49-F238E27FC236}">
-                <a16:creationId xmlns:a16="http://schemas.microsoft.com/office/drawing/2014/main" id="{2B78C26E-4DD8-495C-A7B7-2AA6587659B8}"/>
+                <a16:creationId xmlns:a16="http://schemas.microsoft.com/office/drawing/2014/main" xmlns="" id="{2B78C26E-4DD8-495C-A7B7-2AA6587659B8}"/>
               </a:ext>
             </a:extLst>
           </p:cNvPr>
@@ -5318,7 +6017,7 @@
           <p:cNvPr id="11" name="그림 10" descr="물이(가) 표시된 사진&#10;&#10;자동 생성된 설명">
             <a:extLst>
               <a:ext uri="{FF2B5EF4-FFF2-40B4-BE49-F238E27FC236}">
-                <a16:creationId xmlns:a16="http://schemas.microsoft.com/office/drawing/2014/main" id="{DB740A75-38A4-4475-A878-350C2BB1DFE4}"/>
+                <a16:creationId xmlns:a16="http://schemas.microsoft.com/office/drawing/2014/main" xmlns="" id="{DB740A75-38A4-4475-A878-350C2BB1DFE4}"/>
               </a:ext>
             </a:extLst>
           </p:cNvPr>
@@ -5361,7 +6060,7 @@
           <p:cNvPr id="14" name="그림 13">
             <a:extLst>
               <a:ext uri="{FF2B5EF4-FFF2-40B4-BE49-F238E27FC236}">
-                <a16:creationId xmlns:a16="http://schemas.microsoft.com/office/drawing/2014/main" id="{9B552CB4-C661-4150-AA44-F0113BD58184}"/>
+                <a16:creationId xmlns:a16="http://schemas.microsoft.com/office/drawing/2014/main" xmlns="" id="{9B552CB4-C661-4150-AA44-F0113BD58184}"/>
               </a:ext>
             </a:extLst>
           </p:cNvPr>
@@ -5413,7 +6112,7 @@
           <p:cNvPr id="15" name="그림 14" descr="나이프이(가) 표시된 사진&#10;&#10;자동 생성된 설명">
             <a:extLst>
               <a:ext uri="{FF2B5EF4-FFF2-40B4-BE49-F238E27FC236}">
-                <a16:creationId xmlns:a16="http://schemas.microsoft.com/office/drawing/2014/main" id="{F67833C7-A305-4CD3-B798-008A35CBE953}"/>
+                <a16:creationId xmlns:a16="http://schemas.microsoft.com/office/drawing/2014/main" xmlns="" id="{F67833C7-A305-4CD3-B798-008A35CBE953}"/>
               </a:ext>
             </a:extLst>
           </p:cNvPr>
@@ -5468,7 +6167,7 @@
           <p:cNvPr id="16" name="그림 15" descr="물이(가) 표시된 사진&#10;&#10;자동 생성된 설명">
             <a:extLst>
               <a:ext uri="{FF2B5EF4-FFF2-40B4-BE49-F238E27FC236}">
-                <a16:creationId xmlns:a16="http://schemas.microsoft.com/office/drawing/2014/main" id="{3CA68366-E154-48C1-95E5-E93CD55A6599}"/>
+                <a16:creationId xmlns:a16="http://schemas.microsoft.com/office/drawing/2014/main" xmlns="" id="{3CA68366-E154-48C1-95E5-E93CD55A6599}"/>
               </a:ext>
             </a:extLst>
           </p:cNvPr>
@@ -5514,7 +6213,7 @@
           <p:cNvPr id="17" name="그림 16">
             <a:extLst>
               <a:ext uri="{FF2B5EF4-FFF2-40B4-BE49-F238E27FC236}">
-                <a16:creationId xmlns:a16="http://schemas.microsoft.com/office/drawing/2014/main" id="{285D046F-7026-480E-8616-C79CAD48ED63}"/>
+                <a16:creationId xmlns:a16="http://schemas.microsoft.com/office/drawing/2014/main" xmlns="" id="{285D046F-7026-480E-8616-C79CAD48ED63}"/>
               </a:ext>
             </a:extLst>
           </p:cNvPr>
@@ -5874,21 +6573,6 @@
 </file>
 
 <file path=customXml/item1.xml><?xml version="1.0" encoding="utf-8"?>
-<p:properties xmlns:p="http://schemas.microsoft.com/office/2006/metadata/properties" xmlns:xsi="http://www.w3.org/2001/XMLSchema-instance" xmlns:pc="http://schemas.microsoft.com/office/infopath/2007/PartnerControls">
-  <documentManagement/>
-</p:properties>
-</file>
-
-<file path=customXml/item2.xml><?xml version="1.0" encoding="utf-8"?>
-<?mso-contentType ?>
-<FormTemplates xmlns="http://schemas.microsoft.com/sharepoint/v3/contenttype/forms">
-  <Display>DocumentLibraryForm</Display>
-  <Edit>DocumentLibraryForm</Edit>
-  <New>DocumentLibraryForm</New>
-</FormTemplates>
-</file>
-
-<file path=customXml/item3.xml><?xml version="1.0" encoding="utf-8"?>
 <ct:contentTypeSchema xmlns:ct="http://schemas.microsoft.com/office/2006/metadata/contentType" xmlns:ma="http://schemas.microsoft.com/office/2006/metadata/properties/metaAttributes" ct:_="" ma:_="" ma:contentTypeName="문서" ma:contentTypeID="0x010100F3310333FBC6964E8E1AF77CB170F51F" ma:contentTypeVersion="8" ma:contentTypeDescription="새 문서를 만듭니다." ma:contentTypeScope="" ma:versionID="c96a17dca871e919906cdecfc9bb6aa0">
   <xsd:schema xmlns:xsd="http://www.w3.org/2001/XMLSchema" xmlns:xs="http://www.w3.org/2001/XMLSchema" xmlns:p="http://schemas.microsoft.com/office/2006/metadata/properties" xmlns:ns3="0e5e5f40-8af6-49e3-86a7-eafcf2f63df0" targetNamespace="http://schemas.microsoft.com/office/2006/metadata/properties" ma:root="true" ma:fieldsID="8a6cb3d83e8d7cc5256b042238072bdb" ns3:_="">
     <xsd:import namespace="0e5e5f40-8af6-49e3-86a7-eafcf2f63df0"/>
@@ -6058,24 +6742,22 @@
 </ct:contentTypeSchema>
 </file>
 
-<file path=customXml/itemProps1.xml><?xml version="1.0" encoding="utf-8"?>
-<ds:datastoreItem xmlns:ds="http://schemas.openxmlformats.org/officeDocument/2006/customXml" ds:itemID="{63B6C464-4EF0-4474-9089-ACC74B8DD2A0}">
-  <ds:schemaRefs>
-    <ds:schemaRef ds:uri="http://schemas.microsoft.com/office/2006/metadata/properties"/>
-    <ds:schemaRef ds:uri="http://schemas.microsoft.com/office/infopath/2007/PartnerControls"/>
-  </ds:schemaRefs>
-</ds:datastoreItem>
+<file path=customXml/item2.xml><?xml version="1.0" encoding="utf-8"?>
+<?mso-contentType ?>
+<FormTemplates xmlns="http://schemas.microsoft.com/sharepoint/v3/contenttype/forms">
+  <Display>DocumentLibraryForm</Display>
+  <Edit>DocumentLibraryForm</Edit>
+  <New>DocumentLibraryForm</New>
+</FormTemplates>
 </file>
 
-<file path=customXml/itemProps2.xml><?xml version="1.0" encoding="utf-8"?>
-<ds:datastoreItem xmlns:ds="http://schemas.openxmlformats.org/officeDocument/2006/customXml" ds:itemID="{690CD346-FEAC-4B85-A1E5-F59451BF06D4}">
-  <ds:schemaRefs>
-    <ds:schemaRef ds:uri="http://schemas.microsoft.com/sharepoint/v3/contenttype/forms"/>
-  </ds:schemaRefs>
-</ds:datastoreItem>
+<file path=customXml/item3.xml><?xml version="1.0" encoding="utf-8"?>
+<p:properties xmlns:p="http://schemas.microsoft.com/office/2006/metadata/properties" xmlns:xsi="http://www.w3.org/2001/XMLSchema-instance" xmlns:pc="http://schemas.microsoft.com/office/infopath/2007/PartnerControls">
+  <documentManagement/>
+</p:properties>
 </file>
 
-<file path=customXml/itemProps3.xml><?xml version="1.0" encoding="utf-8"?>
+<file path=customXml/itemProps1.xml><?xml version="1.0" encoding="utf-8"?>
 <ds:datastoreItem xmlns:ds="http://schemas.openxmlformats.org/officeDocument/2006/customXml" ds:itemID="{6582E336-86E7-4EDF-A46D-B74D93A560F2}">
   <ds:schemaRefs>
     <ds:schemaRef ds:uri="http://schemas.microsoft.com/office/2006/metadata/contentType"/>
@@ -6091,4 +6773,28 @@
     <ds:schemaRef ds:uri="http://schemas.microsoft.com/internal/obd"/>
   </ds:schemaRefs>
 </ds:datastoreItem>
+</file>
+
+<file path=customXml/itemProps2.xml><?xml version="1.0" encoding="utf-8"?>
+<ds:datastoreItem xmlns:ds="http://schemas.openxmlformats.org/officeDocument/2006/customXml" ds:itemID="{690CD346-FEAC-4B85-A1E5-F59451BF06D4}">
+  <ds:schemaRefs>
+    <ds:schemaRef ds:uri="http://schemas.microsoft.com/sharepoint/v3/contenttype/forms"/>
+  </ds:schemaRefs>
+</ds:datastoreItem>
+</file>
+
+<file path=customXml/itemProps3.xml><?xml version="1.0" encoding="utf-8"?>
+<ds:datastoreItem xmlns:ds="http://schemas.openxmlformats.org/officeDocument/2006/customXml" ds:itemID="{63B6C464-4EF0-4474-9089-ACC74B8DD2A0}">
+  <ds:schemaRefs>
+    <ds:schemaRef ds:uri="http://schemas.microsoft.com/office/2006/metadata/properties"/>
+    <ds:schemaRef ds:uri="0e5e5f40-8af6-49e3-86a7-eafcf2f63df0"/>
+    <ds:schemaRef ds:uri="http://www.w3.org/XML/1998/namespace"/>
+    <ds:schemaRef ds:uri="http://schemas.microsoft.com/office/2006/documentManagement/types"/>
+    <ds:schemaRef ds:uri="http://schemas.openxmlformats.org/package/2006/metadata/core-properties"/>
+    <ds:schemaRef ds:uri="http://schemas.microsoft.com/office/infopath/2007/PartnerControls"/>
+    <ds:schemaRef ds:uri="http://purl.org/dc/elements/1.1/"/>
+    <ds:schemaRef ds:uri="http://purl.org/dc/dcmitype/"/>
+    <ds:schemaRef ds:uri="http://purl.org/dc/terms/"/>
+  </ds:schemaRefs>
+</ds:datastoreItem>
 </file>
--- a/이미지들.pptx
+++ b/이미지들.pptx
@@ -14,6 +14,9 @@
     <p:sldId id="261" r:id="rId11"/>
     <p:sldId id="263" r:id="rId12"/>
     <p:sldId id="262" r:id="rId13"/>
+    <p:sldId id="265" r:id="rId14"/>
+    <p:sldId id="267" r:id="rId15"/>
+    <p:sldId id="266" r:id="rId16"/>
   </p:sldIdLst>
   <p:sldSz cx="12192000" cy="6858000"/>
   <p:notesSz cx="6858000" cy="9144000"/>
@@ -114,18 +117,7 @@
   </p:defaultTextStyle>
   <p:extLst>
     <p:ext uri="{EFAFB233-063F-42B5-8137-9DF3F51BA10A}">
-      <p15:sldGuideLst xmlns:p15="http://schemas.microsoft.com/office/powerpoint/2012/main">
-        <p15:guide id="1" orient="horz" pos="2160" userDrawn="1">
-          <p15:clr>
-            <a:srgbClr val="A4A3A4"/>
-          </p15:clr>
-        </p15:guide>
-        <p15:guide id="2" pos="3840" userDrawn="1">
-          <p15:clr>
-            <a:srgbClr val="A4A3A4"/>
-          </p15:clr>
-        </p15:guide>
-      </p15:sldGuideLst>
+      <p15:sldGuideLst xmlns:p15="http://schemas.microsoft.com/office/powerpoint/2012/main"/>
     </p:ext>
   </p:extLst>
 </p:presentation>
@@ -416,7 +408,7 @@
           <p:cNvPr id="2" name="제목 1">
             <a:extLst>
               <a:ext uri="{FF2B5EF4-FFF2-40B4-BE49-F238E27FC236}">
-                <a16:creationId xmlns:a16="http://schemas.microsoft.com/office/drawing/2014/main" xmlns="" id="{19E51386-0D18-45E5-8E59-58CE6AA78C54}"/>
+                <a16:creationId xmlns:a16="http://schemas.microsoft.com/office/drawing/2014/main" id="{19E51386-0D18-45E5-8E59-58CE6AA78C54}"/>
               </a:ext>
             </a:extLst>
           </p:cNvPr>
@@ -453,7 +445,7 @@
           <p:cNvPr id="3" name="부제목 2">
             <a:extLst>
               <a:ext uri="{FF2B5EF4-FFF2-40B4-BE49-F238E27FC236}">
-                <a16:creationId xmlns:a16="http://schemas.microsoft.com/office/drawing/2014/main" xmlns="" id="{07490482-F920-4EFA-A9A4-52D0E50F6609}"/>
+                <a16:creationId xmlns:a16="http://schemas.microsoft.com/office/drawing/2014/main" id="{07490482-F920-4EFA-A9A4-52D0E50F6609}"/>
               </a:ext>
             </a:extLst>
           </p:cNvPr>
@@ -523,7 +515,7 @@
           <p:cNvPr id="4" name="날짜 개체 틀 3">
             <a:extLst>
               <a:ext uri="{FF2B5EF4-FFF2-40B4-BE49-F238E27FC236}">
-                <a16:creationId xmlns:a16="http://schemas.microsoft.com/office/drawing/2014/main" xmlns="" id="{4D67E831-149D-4570-A5A8-1E580A459F4B}"/>
+                <a16:creationId xmlns:a16="http://schemas.microsoft.com/office/drawing/2014/main" id="{4D67E831-149D-4570-A5A8-1E580A459F4B}"/>
               </a:ext>
             </a:extLst>
           </p:cNvPr>
@@ -541,7 +533,7 @@
           <a:p>
             <a:fld id="{75DCA1FD-AA9A-428A-9491-6707F84AA4A4}" type="datetimeFigureOut">
               <a:rPr lang="ko-KR" altLang="en-US" smtClean="0"/>
-              <a:t>2020-02-05</a:t>
+              <a:t>2020-03-17</a:t>
             </a:fld>
             <a:endParaRPr lang="ko-KR" altLang="en-US"/>
           </a:p>
@@ -552,7 +544,7 @@
           <p:cNvPr id="5" name="바닥글 개체 틀 4">
             <a:extLst>
               <a:ext uri="{FF2B5EF4-FFF2-40B4-BE49-F238E27FC236}">
-                <a16:creationId xmlns:a16="http://schemas.microsoft.com/office/drawing/2014/main" xmlns="" id="{F3A7A1C6-4502-498F-9EC8-DA80A640F279}"/>
+                <a16:creationId xmlns:a16="http://schemas.microsoft.com/office/drawing/2014/main" id="{F3A7A1C6-4502-498F-9EC8-DA80A640F279}"/>
               </a:ext>
             </a:extLst>
           </p:cNvPr>
@@ -577,7 +569,7 @@
           <p:cNvPr id="6" name="슬라이드 번호 개체 틀 5">
             <a:extLst>
               <a:ext uri="{FF2B5EF4-FFF2-40B4-BE49-F238E27FC236}">
-                <a16:creationId xmlns:a16="http://schemas.microsoft.com/office/drawing/2014/main" xmlns="" id="{6CFF2876-D7D6-4E44-ADA9-210AE7A438CC}"/>
+                <a16:creationId xmlns:a16="http://schemas.microsoft.com/office/drawing/2014/main" id="{6CFF2876-D7D6-4E44-ADA9-210AE7A438CC}"/>
               </a:ext>
             </a:extLst>
           </p:cNvPr>
@@ -636,7 +628,7 @@
           <p:cNvPr id="2" name="제목 1">
             <a:extLst>
               <a:ext uri="{FF2B5EF4-FFF2-40B4-BE49-F238E27FC236}">
-                <a16:creationId xmlns:a16="http://schemas.microsoft.com/office/drawing/2014/main" xmlns="" id="{696D64AF-B87F-43DC-B4E1-82F8FD8F988B}"/>
+                <a16:creationId xmlns:a16="http://schemas.microsoft.com/office/drawing/2014/main" id="{696D64AF-B87F-43DC-B4E1-82F8FD8F988B}"/>
               </a:ext>
             </a:extLst>
           </p:cNvPr>
@@ -664,7 +656,7 @@
           <p:cNvPr id="3" name="세로 텍스트 개체 틀 2">
             <a:extLst>
               <a:ext uri="{FF2B5EF4-FFF2-40B4-BE49-F238E27FC236}">
-                <a16:creationId xmlns:a16="http://schemas.microsoft.com/office/drawing/2014/main" xmlns="" id="{A9FFC5CB-79B7-403C-AC62-1E910FB0421C}"/>
+                <a16:creationId xmlns:a16="http://schemas.microsoft.com/office/drawing/2014/main" id="{A9FFC5CB-79B7-403C-AC62-1E910FB0421C}"/>
               </a:ext>
             </a:extLst>
           </p:cNvPr>
@@ -721,7 +713,7 @@
           <p:cNvPr id="4" name="날짜 개체 틀 3">
             <a:extLst>
               <a:ext uri="{FF2B5EF4-FFF2-40B4-BE49-F238E27FC236}">
-                <a16:creationId xmlns:a16="http://schemas.microsoft.com/office/drawing/2014/main" xmlns="" id="{6E841A9D-157C-499D-89F6-F0A8D8343D15}"/>
+                <a16:creationId xmlns:a16="http://schemas.microsoft.com/office/drawing/2014/main" id="{6E841A9D-157C-499D-89F6-F0A8D8343D15}"/>
               </a:ext>
             </a:extLst>
           </p:cNvPr>
@@ -739,7 +731,7 @@
           <a:p>
             <a:fld id="{75DCA1FD-AA9A-428A-9491-6707F84AA4A4}" type="datetimeFigureOut">
               <a:rPr lang="ko-KR" altLang="en-US" smtClean="0"/>
-              <a:t>2020-02-05</a:t>
+              <a:t>2020-03-17</a:t>
             </a:fld>
             <a:endParaRPr lang="ko-KR" altLang="en-US"/>
           </a:p>
@@ -750,7 +742,7 @@
           <p:cNvPr id="5" name="바닥글 개체 틀 4">
             <a:extLst>
               <a:ext uri="{FF2B5EF4-FFF2-40B4-BE49-F238E27FC236}">
-                <a16:creationId xmlns:a16="http://schemas.microsoft.com/office/drawing/2014/main" xmlns="" id="{7291C64F-3478-4145-8A2C-6D651B9E1869}"/>
+                <a16:creationId xmlns:a16="http://schemas.microsoft.com/office/drawing/2014/main" id="{7291C64F-3478-4145-8A2C-6D651B9E1869}"/>
               </a:ext>
             </a:extLst>
           </p:cNvPr>
@@ -775,7 +767,7 @@
           <p:cNvPr id="6" name="슬라이드 번호 개체 틀 5">
             <a:extLst>
               <a:ext uri="{FF2B5EF4-FFF2-40B4-BE49-F238E27FC236}">
-                <a16:creationId xmlns:a16="http://schemas.microsoft.com/office/drawing/2014/main" xmlns="" id="{631492F8-0DDC-4438-9649-449BCA0A22FF}"/>
+                <a16:creationId xmlns:a16="http://schemas.microsoft.com/office/drawing/2014/main" id="{631492F8-0DDC-4438-9649-449BCA0A22FF}"/>
               </a:ext>
             </a:extLst>
           </p:cNvPr>
@@ -834,7 +826,7 @@
           <p:cNvPr id="2" name="세로 제목 1">
             <a:extLst>
               <a:ext uri="{FF2B5EF4-FFF2-40B4-BE49-F238E27FC236}">
-                <a16:creationId xmlns:a16="http://schemas.microsoft.com/office/drawing/2014/main" xmlns="" id="{3B2F3761-D002-4FF7-97BA-4B9B415C4BB1}"/>
+                <a16:creationId xmlns:a16="http://schemas.microsoft.com/office/drawing/2014/main" id="{3B2F3761-D002-4FF7-97BA-4B9B415C4BB1}"/>
               </a:ext>
             </a:extLst>
           </p:cNvPr>
@@ -867,7 +859,7 @@
           <p:cNvPr id="3" name="세로 텍스트 개체 틀 2">
             <a:extLst>
               <a:ext uri="{FF2B5EF4-FFF2-40B4-BE49-F238E27FC236}">
-                <a16:creationId xmlns:a16="http://schemas.microsoft.com/office/drawing/2014/main" xmlns="" id="{DAEBBFC8-0CFD-4967-A1A1-6DAEE07506E7}"/>
+                <a16:creationId xmlns:a16="http://schemas.microsoft.com/office/drawing/2014/main" id="{DAEBBFC8-0CFD-4967-A1A1-6DAEE07506E7}"/>
               </a:ext>
             </a:extLst>
           </p:cNvPr>
@@ -929,7 +921,7 @@
           <p:cNvPr id="4" name="날짜 개체 틀 3">
             <a:extLst>
               <a:ext uri="{FF2B5EF4-FFF2-40B4-BE49-F238E27FC236}">
-                <a16:creationId xmlns:a16="http://schemas.microsoft.com/office/drawing/2014/main" xmlns="" id="{416E6F48-DC47-43F9-BC5B-B74DF4DF9954}"/>
+                <a16:creationId xmlns:a16="http://schemas.microsoft.com/office/drawing/2014/main" id="{416E6F48-DC47-43F9-BC5B-B74DF4DF9954}"/>
               </a:ext>
             </a:extLst>
           </p:cNvPr>
@@ -947,7 +939,7 @@
           <a:p>
             <a:fld id="{75DCA1FD-AA9A-428A-9491-6707F84AA4A4}" type="datetimeFigureOut">
               <a:rPr lang="ko-KR" altLang="en-US" smtClean="0"/>
-              <a:t>2020-02-05</a:t>
+              <a:t>2020-03-17</a:t>
             </a:fld>
             <a:endParaRPr lang="ko-KR" altLang="en-US"/>
           </a:p>
@@ -958,7 +950,7 @@
           <p:cNvPr id="5" name="바닥글 개체 틀 4">
             <a:extLst>
               <a:ext uri="{FF2B5EF4-FFF2-40B4-BE49-F238E27FC236}">
-                <a16:creationId xmlns:a16="http://schemas.microsoft.com/office/drawing/2014/main" xmlns="" id="{14C55060-EEFA-4762-AAFC-9B2972AF4B7F}"/>
+                <a16:creationId xmlns:a16="http://schemas.microsoft.com/office/drawing/2014/main" id="{14C55060-EEFA-4762-AAFC-9B2972AF4B7F}"/>
               </a:ext>
             </a:extLst>
           </p:cNvPr>
@@ -983,7 +975,7 @@
           <p:cNvPr id="6" name="슬라이드 번호 개체 틀 5">
             <a:extLst>
               <a:ext uri="{FF2B5EF4-FFF2-40B4-BE49-F238E27FC236}">
-                <a16:creationId xmlns:a16="http://schemas.microsoft.com/office/drawing/2014/main" xmlns="" id="{35AFC4F8-A72D-4F8A-8FB1-598160A8A1AC}"/>
+                <a16:creationId xmlns:a16="http://schemas.microsoft.com/office/drawing/2014/main" id="{35AFC4F8-A72D-4F8A-8FB1-598160A8A1AC}"/>
               </a:ext>
             </a:extLst>
           </p:cNvPr>
@@ -1042,7 +1034,7 @@
           <p:cNvPr id="2" name="제목 1">
             <a:extLst>
               <a:ext uri="{FF2B5EF4-FFF2-40B4-BE49-F238E27FC236}">
-                <a16:creationId xmlns:a16="http://schemas.microsoft.com/office/drawing/2014/main" xmlns="" id="{34437C43-D664-49AD-A081-48557D0FB349}"/>
+                <a16:creationId xmlns:a16="http://schemas.microsoft.com/office/drawing/2014/main" id="{34437C43-D664-49AD-A081-48557D0FB349}"/>
               </a:ext>
             </a:extLst>
           </p:cNvPr>
@@ -1070,7 +1062,7 @@
           <p:cNvPr id="3" name="내용 개체 틀 2">
             <a:extLst>
               <a:ext uri="{FF2B5EF4-FFF2-40B4-BE49-F238E27FC236}">
-                <a16:creationId xmlns:a16="http://schemas.microsoft.com/office/drawing/2014/main" xmlns="" id="{A1C5A520-733E-4298-B30C-12C82FB35642}"/>
+                <a16:creationId xmlns:a16="http://schemas.microsoft.com/office/drawing/2014/main" id="{A1C5A520-733E-4298-B30C-12C82FB35642}"/>
               </a:ext>
             </a:extLst>
           </p:cNvPr>
@@ -1127,7 +1119,7 @@
           <p:cNvPr id="4" name="날짜 개체 틀 3">
             <a:extLst>
               <a:ext uri="{FF2B5EF4-FFF2-40B4-BE49-F238E27FC236}">
-                <a16:creationId xmlns:a16="http://schemas.microsoft.com/office/drawing/2014/main" xmlns="" id="{10709D5B-69EC-43C2-82A0-929C0BC7498D}"/>
+                <a16:creationId xmlns:a16="http://schemas.microsoft.com/office/drawing/2014/main" id="{10709D5B-69EC-43C2-82A0-929C0BC7498D}"/>
               </a:ext>
             </a:extLst>
           </p:cNvPr>
@@ -1145,7 +1137,7 @@
           <a:p>
             <a:fld id="{75DCA1FD-AA9A-428A-9491-6707F84AA4A4}" type="datetimeFigureOut">
               <a:rPr lang="ko-KR" altLang="en-US" smtClean="0"/>
-              <a:t>2020-02-05</a:t>
+              <a:t>2020-03-17</a:t>
             </a:fld>
             <a:endParaRPr lang="ko-KR" altLang="en-US"/>
           </a:p>
@@ -1156,7 +1148,7 @@
           <p:cNvPr id="5" name="바닥글 개체 틀 4">
             <a:extLst>
               <a:ext uri="{FF2B5EF4-FFF2-40B4-BE49-F238E27FC236}">
-                <a16:creationId xmlns:a16="http://schemas.microsoft.com/office/drawing/2014/main" xmlns="" id="{E778C107-1E50-4CF0-8047-CE24764FBF15}"/>
+                <a16:creationId xmlns:a16="http://schemas.microsoft.com/office/drawing/2014/main" id="{E778C107-1E50-4CF0-8047-CE24764FBF15}"/>
               </a:ext>
             </a:extLst>
           </p:cNvPr>
@@ -1181,7 +1173,7 @@
           <p:cNvPr id="6" name="슬라이드 번호 개체 틀 5">
             <a:extLst>
               <a:ext uri="{FF2B5EF4-FFF2-40B4-BE49-F238E27FC236}">
-                <a16:creationId xmlns:a16="http://schemas.microsoft.com/office/drawing/2014/main" xmlns="" id="{DA0D01D6-55EE-4309-A80B-451ED70CF423}"/>
+                <a16:creationId xmlns:a16="http://schemas.microsoft.com/office/drawing/2014/main" id="{DA0D01D6-55EE-4309-A80B-451ED70CF423}"/>
               </a:ext>
             </a:extLst>
           </p:cNvPr>
@@ -1240,7 +1232,7 @@
           <p:cNvPr id="2" name="제목 1">
             <a:extLst>
               <a:ext uri="{FF2B5EF4-FFF2-40B4-BE49-F238E27FC236}">
-                <a16:creationId xmlns:a16="http://schemas.microsoft.com/office/drawing/2014/main" xmlns="" id="{2E3895AD-A66B-4592-AD53-DE960A5800B5}"/>
+                <a16:creationId xmlns:a16="http://schemas.microsoft.com/office/drawing/2014/main" id="{2E3895AD-A66B-4592-AD53-DE960A5800B5}"/>
               </a:ext>
             </a:extLst>
           </p:cNvPr>
@@ -1277,7 +1269,7 @@
           <p:cNvPr id="3" name="텍스트 개체 틀 2">
             <a:extLst>
               <a:ext uri="{FF2B5EF4-FFF2-40B4-BE49-F238E27FC236}">
-                <a16:creationId xmlns:a16="http://schemas.microsoft.com/office/drawing/2014/main" xmlns="" id="{A78CE0E5-6BAC-4FF2-9A03-9ECBE5F95DFD}"/>
+                <a16:creationId xmlns:a16="http://schemas.microsoft.com/office/drawing/2014/main" id="{A78CE0E5-6BAC-4FF2-9A03-9ECBE5F95DFD}"/>
               </a:ext>
             </a:extLst>
           </p:cNvPr>
@@ -1402,7 +1394,7 @@
           <p:cNvPr id="4" name="날짜 개체 틀 3">
             <a:extLst>
               <a:ext uri="{FF2B5EF4-FFF2-40B4-BE49-F238E27FC236}">
-                <a16:creationId xmlns:a16="http://schemas.microsoft.com/office/drawing/2014/main" xmlns="" id="{417F417B-E86D-4213-A69D-3ABF9434F445}"/>
+                <a16:creationId xmlns:a16="http://schemas.microsoft.com/office/drawing/2014/main" id="{417F417B-E86D-4213-A69D-3ABF9434F445}"/>
               </a:ext>
             </a:extLst>
           </p:cNvPr>
@@ -1420,7 +1412,7 @@
           <a:p>
             <a:fld id="{75DCA1FD-AA9A-428A-9491-6707F84AA4A4}" type="datetimeFigureOut">
               <a:rPr lang="ko-KR" altLang="en-US" smtClean="0"/>
-              <a:t>2020-02-05</a:t>
+              <a:t>2020-03-17</a:t>
             </a:fld>
             <a:endParaRPr lang="ko-KR" altLang="en-US"/>
           </a:p>
@@ -1431,7 +1423,7 @@
           <p:cNvPr id="5" name="바닥글 개체 틀 4">
             <a:extLst>
               <a:ext uri="{FF2B5EF4-FFF2-40B4-BE49-F238E27FC236}">
-                <a16:creationId xmlns:a16="http://schemas.microsoft.com/office/drawing/2014/main" xmlns="" id="{A139C3C5-E065-42AA-A6B7-CCB2F04A9DCC}"/>
+                <a16:creationId xmlns:a16="http://schemas.microsoft.com/office/drawing/2014/main" id="{A139C3C5-E065-42AA-A6B7-CCB2F04A9DCC}"/>
               </a:ext>
             </a:extLst>
           </p:cNvPr>
@@ -1456,7 +1448,7 @@
           <p:cNvPr id="6" name="슬라이드 번호 개체 틀 5">
             <a:extLst>
               <a:ext uri="{FF2B5EF4-FFF2-40B4-BE49-F238E27FC236}">
-                <a16:creationId xmlns:a16="http://schemas.microsoft.com/office/drawing/2014/main" xmlns="" id="{B28815F8-5DEF-4E02-8152-F4EDE4538E8F}"/>
+                <a16:creationId xmlns:a16="http://schemas.microsoft.com/office/drawing/2014/main" id="{B28815F8-5DEF-4E02-8152-F4EDE4538E8F}"/>
               </a:ext>
             </a:extLst>
           </p:cNvPr>
@@ -1515,7 +1507,7 @@
           <p:cNvPr id="2" name="제목 1">
             <a:extLst>
               <a:ext uri="{FF2B5EF4-FFF2-40B4-BE49-F238E27FC236}">
-                <a16:creationId xmlns:a16="http://schemas.microsoft.com/office/drawing/2014/main" xmlns="" id="{6B613EA6-4B1F-4937-9BD4-8E41EC33CD04}"/>
+                <a16:creationId xmlns:a16="http://schemas.microsoft.com/office/drawing/2014/main" id="{6B613EA6-4B1F-4937-9BD4-8E41EC33CD04}"/>
               </a:ext>
             </a:extLst>
           </p:cNvPr>
@@ -1543,7 +1535,7 @@
           <p:cNvPr id="3" name="내용 개체 틀 2">
             <a:extLst>
               <a:ext uri="{FF2B5EF4-FFF2-40B4-BE49-F238E27FC236}">
-                <a16:creationId xmlns:a16="http://schemas.microsoft.com/office/drawing/2014/main" xmlns="" id="{53F3A974-97A3-4941-BEBD-15619126C1F9}"/>
+                <a16:creationId xmlns:a16="http://schemas.microsoft.com/office/drawing/2014/main" id="{53F3A974-97A3-4941-BEBD-15619126C1F9}"/>
               </a:ext>
             </a:extLst>
           </p:cNvPr>
@@ -1605,7 +1597,7 @@
           <p:cNvPr id="4" name="내용 개체 틀 3">
             <a:extLst>
               <a:ext uri="{FF2B5EF4-FFF2-40B4-BE49-F238E27FC236}">
-                <a16:creationId xmlns:a16="http://schemas.microsoft.com/office/drawing/2014/main" xmlns="" id="{10DF374E-4670-4664-9B17-CAFBDCD7F1F1}"/>
+                <a16:creationId xmlns:a16="http://schemas.microsoft.com/office/drawing/2014/main" id="{10DF374E-4670-4664-9B17-CAFBDCD7F1F1}"/>
               </a:ext>
             </a:extLst>
           </p:cNvPr>
@@ -1667,7 +1659,7 @@
           <p:cNvPr id="5" name="날짜 개체 틀 4">
             <a:extLst>
               <a:ext uri="{FF2B5EF4-FFF2-40B4-BE49-F238E27FC236}">
-                <a16:creationId xmlns:a16="http://schemas.microsoft.com/office/drawing/2014/main" xmlns="" id="{7F7B1722-205C-489E-9B21-E89C4247DFDE}"/>
+                <a16:creationId xmlns:a16="http://schemas.microsoft.com/office/drawing/2014/main" id="{7F7B1722-205C-489E-9B21-E89C4247DFDE}"/>
               </a:ext>
             </a:extLst>
           </p:cNvPr>
@@ -1685,7 +1677,7 @@
           <a:p>
             <a:fld id="{75DCA1FD-AA9A-428A-9491-6707F84AA4A4}" type="datetimeFigureOut">
               <a:rPr lang="ko-KR" altLang="en-US" smtClean="0"/>
-              <a:t>2020-02-05</a:t>
+              <a:t>2020-03-17</a:t>
             </a:fld>
             <a:endParaRPr lang="ko-KR" altLang="en-US"/>
           </a:p>
@@ -1696,7 +1688,7 @@
           <p:cNvPr id="6" name="바닥글 개체 틀 5">
             <a:extLst>
               <a:ext uri="{FF2B5EF4-FFF2-40B4-BE49-F238E27FC236}">
-                <a16:creationId xmlns:a16="http://schemas.microsoft.com/office/drawing/2014/main" xmlns="" id="{6BAF3188-0253-40C7-97F4-63C919B997BB}"/>
+                <a16:creationId xmlns:a16="http://schemas.microsoft.com/office/drawing/2014/main" id="{6BAF3188-0253-40C7-97F4-63C919B997BB}"/>
               </a:ext>
             </a:extLst>
           </p:cNvPr>
@@ -1721,7 +1713,7 @@
           <p:cNvPr id="7" name="슬라이드 번호 개체 틀 6">
             <a:extLst>
               <a:ext uri="{FF2B5EF4-FFF2-40B4-BE49-F238E27FC236}">
-                <a16:creationId xmlns:a16="http://schemas.microsoft.com/office/drawing/2014/main" xmlns="" id="{2AFE84D0-48F9-4520-ACD3-3F654F53AEAC}"/>
+                <a16:creationId xmlns:a16="http://schemas.microsoft.com/office/drawing/2014/main" id="{2AFE84D0-48F9-4520-ACD3-3F654F53AEAC}"/>
               </a:ext>
             </a:extLst>
           </p:cNvPr>
@@ -1780,7 +1772,7 @@
           <p:cNvPr id="2" name="제목 1">
             <a:extLst>
               <a:ext uri="{FF2B5EF4-FFF2-40B4-BE49-F238E27FC236}">
-                <a16:creationId xmlns:a16="http://schemas.microsoft.com/office/drawing/2014/main" xmlns="" id="{17E663CB-BF52-4D8B-896B-144C58E13822}"/>
+                <a16:creationId xmlns:a16="http://schemas.microsoft.com/office/drawing/2014/main" id="{17E663CB-BF52-4D8B-896B-144C58E13822}"/>
               </a:ext>
             </a:extLst>
           </p:cNvPr>
@@ -1813,7 +1805,7 @@
           <p:cNvPr id="3" name="텍스트 개체 틀 2">
             <a:extLst>
               <a:ext uri="{FF2B5EF4-FFF2-40B4-BE49-F238E27FC236}">
-                <a16:creationId xmlns:a16="http://schemas.microsoft.com/office/drawing/2014/main" xmlns="" id="{D77B8A6C-B4E0-4BE1-B147-B628CE6273BC}"/>
+                <a16:creationId xmlns:a16="http://schemas.microsoft.com/office/drawing/2014/main" id="{D77B8A6C-B4E0-4BE1-B147-B628CE6273BC}"/>
               </a:ext>
             </a:extLst>
           </p:cNvPr>
@@ -1884,7 +1876,7 @@
           <p:cNvPr id="4" name="내용 개체 틀 3">
             <a:extLst>
               <a:ext uri="{FF2B5EF4-FFF2-40B4-BE49-F238E27FC236}">
-                <a16:creationId xmlns:a16="http://schemas.microsoft.com/office/drawing/2014/main" xmlns="" id="{DB9A8BD3-D4C5-4D9F-A7C6-D2E9FD8FA5B9}"/>
+                <a16:creationId xmlns:a16="http://schemas.microsoft.com/office/drawing/2014/main" id="{DB9A8BD3-D4C5-4D9F-A7C6-D2E9FD8FA5B9}"/>
               </a:ext>
             </a:extLst>
           </p:cNvPr>
@@ -1946,7 +1938,7 @@
           <p:cNvPr id="5" name="텍스트 개체 틀 4">
             <a:extLst>
               <a:ext uri="{FF2B5EF4-FFF2-40B4-BE49-F238E27FC236}">
-                <a16:creationId xmlns:a16="http://schemas.microsoft.com/office/drawing/2014/main" xmlns="" id="{3DC77B16-4D21-4520-81D7-2AC30EF647B6}"/>
+                <a16:creationId xmlns:a16="http://schemas.microsoft.com/office/drawing/2014/main" id="{3DC77B16-4D21-4520-81D7-2AC30EF647B6}"/>
               </a:ext>
             </a:extLst>
           </p:cNvPr>
@@ -2017,7 +2009,7 @@
           <p:cNvPr id="6" name="내용 개체 틀 5">
             <a:extLst>
               <a:ext uri="{FF2B5EF4-FFF2-40B4-BE49-F238E27FC236}">
-                <a16:creationId xmlns:a16="http://schemas.microsoft.com/office/drawing/2014/main" xmlns="" id="{3F0F1DA7-68B7-4FB9-9765-98D4985665A7}"/>
+                <a16:creationId xmlns:a16="http://schemas.microsoft.com/office/drawing/2014/main" id="{3F0F1DA7-68B7-4FB9-9765-98D4985665A7}"/>
               </a:ext>
             </a:extLst>
           </p:cNvPr>
@@ -2079,7 +2071,7 @@
           <p:cNvPr id="7" name="날짜 개체 틀 6">
             <a:extLst>
               <a:ext uri="{FF2B5EF4-FFF2-40B4-BE49-F238E27FC236}">
-                <a16:creationId xmlns:a16="http://schemas.microsoft.com/office/drawing/2014/main" xmlns="" id="{13F7B2FD-87EB-4B3E-98C0-A4DF634A727D}"/>
+                <a16:creationId xmlns:a16="http://schemas.microsoft.com/office/drawing/2014/main" id="{13F7B2FD-87EB-4B3E-98C0-A4DF634A727D}"/>
               </a:ext>
             </a:extLst>
           </p:cNvPr>
@@ -2097,7 +2089,7 @@
           <a:p>
             <a:fld id="{75DCA1FD-AA9A-428A-9491-6707F84AA4A4}" type="datetimeFigureOut">
               <a:rPr lang="ko-KR" altLang="en-US" smtClean="0"/>
-              <a:t>2020-02-05</a:t>
+              <a:t>2020-03-17</a:t>
             </a:fld>
             <a:endParaRPr lang="ko-KR" altLang="en-US"/>
           </a:p>
@@ -2108,7 +2100,7 @@
           <p:cNvPr id="8" name="바닥글 개체 틀 7">
             <a:extLst>
               <a:ext uri="{FF2B5EF4-FFF2-40B4-BE49-F238E27FC236}">
-                <a16:creationId xmlns:a16="http://schemas.microsoft.com/office/drawing/2014/main" xmlns="" id="{ADCAB9A9-215A-4726-8F31-1A5AACB44FBE}"/>
+                <a16:creationId xmlns:a16="http://schemas.microsoft.com/office/drawing/2014/main" id="{ADCAB9A9-215A-4726-8F31-1A5AACB44FBE}"/>
               </a:ext>
             </a:extLst>
           </p:cNvPr>
@@ -2133,7 +2125,7 @@
           <p:cNvPr id="9" name="슬라이드 번호 개체 틀 8">
             <a:extLst>
               <a:ext uri="{FF2B5EF4-FFF2-40B4-BE49-F238E27FC236}">
-                <a16:creationId xmlns:a16="http://schemas.microsoft.com/office/drawing/2014/main" xmlns="" id="{D47A9E1F-3A46-4B2F-9941-AC90A8CCC38D}"/>
+                <a16:creationId xmlns:a16="http://schemas.microsoft.com/office/drawing/2014/main" id="{D47A9E1F-3A46-4B2F-9941-AC90A8CCC38D}"/>
               </a:ext>
             </a:extLst>
           </p:cNvPr>
@@ -2192,7 +2184,7 @@
           <p:cNvPr id="2" name="제목 1">
             <a:extLst>
               <a:ext uri="{FF2B5EF4-FFF2-40B4-BE49-F238E27FC236}">
-                <a16:creationId xmlns:a16="http://schemas.microsoft.com/office/drawing/2014/main" xmlns="" id="{3E3EA6D9-5103-4252-B53B-EE580A794DC6}"/>
+                <a16:creationId xmlns:a16="http://schemas.microsoft.com/office/drawing/2014/main" id="{3E3EA6D9-5103-4252-B53B-EE580A794DC6}"/>
               </a:ext>
             </a:extLst>
           </p:cNvPr>
@@ -2220,7 +2212,7 @@
           <p:cNvPr id="3" name="날짜 개체 틀 2">
             <a:extLst>
               <a:ext uri="{FF2B5EF4-FFF2-40B4-BE49-F238E27FC236}">
-                <a16:creationId xmlns:a16="http://schemas.microsoft.com/office/drawing/2014/main" xmlns="" id="{FEFB9B37-C782-42F9-9272-F8659CF03662}"/>
+                <a16:creationId xmlns:a16="http://schemas.microsoft.com/office/drawing/2014/main" id="{FEFB9B37-C782-42F9-9272-F8659CF03662}"/>
               </a:ext>
             </a:extLst>
           </p:cNvPr>
@@ -2238,7 +2230,7 @@
           <a:p>
             <a:fld id="{75DCA1FD-AA9A-428A-9491-6707F84AA4A4}" type="datetimeFigureOut">
               <a:rPr lang="ko-KR" altLang="en-US" smtClean="0"/>
-              <a:t>2020-02-05</a:t>
+              <a:t>2020-03-17</a:t>
             </a:fld>
             <a:endParaRPr lang="ko-KR" altLang="en-US"/>
           </a:p>
@@ -2249,7 +2241,7 @@
           <p:cNvPr id="4" name="바닥글 개체 틀 3">
             <a:extLst>
               <a:ext uri="{FF2B5EF4-FFF2-40B4-BE49-F238E27FC236}">
-                <a16:creationId xmlns:a16="http://schemas.microsoft.com/office/drawing/2014/main" xmlns="" id="{D8449E3E-2060-42CC-B6DB-595E62ED1389}"/>
+                <a16:creationId xmlns:a16="http://schemas.microsoft.com/office/drawing/2014/main" id="{D8449E3E-2060-42CC-B6DB-595E62ED1389}"/>
               </a:ext>
             </a:extLst>
           </p:cNvPr>
@@ -2274,7 +2266,7 @@
           <p:cNvPr id="5" name="슬라이드 번호 개체 틀 4">
             <a:extLst>
               <a:ext uri="{FF2B5EF4-FFF2-40B4-BE49-F238E27FC236}">
-                <a16:creationId xmlns:a16="http://schemas.microsoft.com/office/drawing/2014/main" xmlns="" id="{D524B5F0-B66D-44BD-9038-067FD3ADE904}"/>
+                <a16:creationId xmlns:a16="http://schemas.microsoft.com/office/drawing/2014/main" id="{D524B5F0-B66D-44BD-9038-067FD3ADE904}"/>
               </a:ext>
             </a:extLst>
           </p:cNvPr>
@@ -2333,7 +2325,7 @@
           <p:cNvPr id="2" name="날짜 개체 틀 1">
             <a:extLst>
               <a:ext uri="{FF2B5EF4-FFF2-40B4-BE49-F238E27FC236}">
-                <a16:creationId xmlns:a16="http://schemas.microsoft.com/office/drawing/2014/main" xmlns="" id="{6DDE318F-9E68-46F8-8B83-0450C99E07C2}"/>
+                <a16:creationId xmlns:a16="http://schemas.microsoft.com/office/drawing/2014/main" id="{6DDE318F-9E68-46F8-8B83-0450C99E07C2}"/>
               </a:ext>
             </a:extLst>
           </p:cNvPr>
@@ -2351,7 +2343,7 @@
           <a:p>
             <a:fld id="{75DCA1FD-AA9A-428A-9491-6707F84AA4A4}" type="datetimeFigureOut">
               <a:rPr lang="ko-KR" altLang="en-US" smtClean="0"/>
-              <a:t>2020-02-05</a:t>
+              <a:t>2020-03-17</a:t>
             </a:fld>
             <a:endParaRPr lang="ko-KR" altLang="en-US"/>
           </a:p>
@@ -2362,7 +2354,7 @@
           <p:cNvPr id="3" name="바닥글 개체 틀 2">
             <a:extLst>
               <a:ext uri="{FF2B5EF4-FFF2-40B4-BE49-F238E27FC236}">
-                <a16:creationId xmlns:a16="http://schemas.microsoft.com/office/drawing/2014/main" xmlns="" id="{80DAEF4B-BD0C-4191-A92F-156186774D73}"/>
+                <a16:creationId xmlns:a16="http://schemas.microsoft.com/office/drawing/2014/main" id="{80DAEF4B-BD0C-4191-A92F-156186774D73}"/>
               </a:ext>
             </a:extLst>
           </p:cNvPr>
@@ -2387,7 +2379,7 @@
           <p:cNvPr id="4" name="슬라이드 번호 개체 틀 3">
             <a:extLst>
               <a:ext uri="{FF2B5EF4-FFF2-40B4-BE49-F238E27FC236}">
-                <a16:creationId xmlns:a16="http://schemas.microsoft.com/office/drawing/2014/main" xmlns="" id="{5E7E70E0-02D2-4C17-8D28-DA022321ED65}"/>
+                <a16:creationId xmlns:a16="http://schemas.microsoft.com/office/drawing/2014/main" id="{5E7E70E0-02D2-4C17-8D28-DA022321ED65}"/>
               </a:ext>
             </a:extLst>
           </p:cNvPr>
@@ -2446,7 +2438,7 @@
           <p:cNvPr id="2" name="제목 1">
             <a:extLst>
               <a:ext uri="{FF2B5EF4-FFF2-40B4-BE49-F238E27FC236}">
-                <a16:creationId xmlns:a16="http://schemas.microsoft.com/office/drawing/2014/main" xmlns="" id="{E770CD61-A6AD-463E-89CE-9E6C9A97437C}"/>
+                <a16:creationId xmlns:a16="http://schemas.microsoft.com/office/drawing/2014/main" id="{E770CD61-A6AD-463E-89CE-9E6C9A97437C}"/>
               </a:ext>
             </a:extLst>
           </p:cNvPr>
@@ -2483,7 +2475,7 @@
           <p:cNvPr id="3" name="내용 개체 틀 2">
             <a:extLst>
               <a:ext uri="{FF2B5EF4-FFF2-40B4-BE49-F238E27FC236}">
-                <a16:creationId xmlns:a16="http://schemas.microsoft.com/office/drawing/2014/main" xmlns="" id="{F89C17E0-EEB6-4EF8-84E0-BB6249031F57}"/>
+                <a16:creationId xmlns:a16="http://schemas.microsoft.com/office/drawing/2014/main" id="{F89C17E0-EEB6-4EF8-84E0-BB6249031F57}"/>
               </a:ext>
             </a:extLst>
           </p:cNvPr>
@@ -2573,7 +2565,7 @@
           <p:cNvPr id="4" name="텍스트 개체 틀 3">
             <a:extLst>
               <a:ext uri="{FF2B5EF4-FFF2-40B4-BE49-F238E27FC236}">
-                <a16:creationId xmlns:a16="http://schemas.microsoft.com/office/drawing/2014/main" xmlns="" id="{D1488EC2-6FAC-49FE-9BA1-5A6E11A2A2A4}"/>
+                <a16:creationId xmlns:a16="http://schemas.microsoft.com/office/drawing/2014/main" id="{D1488EC2-6FAC-49FE-9BA1-5A6E11A2A2A4}"/>
               </a:ext>
             </a:extLst>
           </p:cNvPr>
@@ -2644,7 +2636,7 @@
           <p:cNvPr id="5" name="날짜 개체 틀 4">
             <a:extLst>
               <a:ext uri="{FF2B5EF4-FFF2-40B4-BE49-F238E27FC236}">
-                <a16:creationId xmlns:a16="http://schemas.microsoft.com/office/drawing/2014/main" xmlns="" id="{D661A0D0-19BB-4449-ACC4-6D3ED3F224EC}"/>
+                <a16:creationId xmlns:a16="http://schemas.microsoft.com/office/drawing/2014/main" id="{D661A0D0-19BB-4449-ACC4-6D3ED3F224EC}"/>
               </a:ext>
             </a:extLst>
           </p:cNvPr>
@@ -2662,7 +2654,7 @@
           <a:p>
             <a:fld id="{75DCA1FD-AA9A-428A-9491-6707F84AA4A4}" type="datetimeFigureOut">
               <a:rPr lang="ko-KR" altLang="en-US" smtClean="0"/>
-              <a:t>2020-02-05</a:t>
+              <a:t>2020-03-17</a:t>
             </a:fld>
             <a:endParaRPr lang="ko-KR" altLang="en-US"/>
           </a:p>
@@ -2673,7 +2665,7 @@
           <p:cNvPr id="6" name="바닥글 개체 틀 5">
             <a:extLst>
               <a:ext uri="{FF2B5EF4-FFF2-40B4-BE49-F238E27FC236}">
-                <a16:creationId xmlns:a16="http://schemas.microsoft.com/office/drawing/2014/main" xmlns="" id="{8813F49D-63AE-401C-9CDC-92A8BF333693}"/>
+                <a16:creationId xmlns:a16="http://schemas.microsoft.com/office/drawing/2014/main" id="{8813F49D-63AE-401C-9CDC-92A8BF333693}"/>
               </a:ext>
             </a:extLst>
           </p:cNvPr>
@@ -2698,7 +2690,7 @@
           <p:cNvPr id="7" name="슬라이드 번호 개체 틀 6">
             <a:extLst>
               <a:ext uri="{FF2B5EF4-FFF2-40B4-BE49-F238E27FC236}">
-                <a16:creationId xmlns:a16="http://schemas.microsoft.com/office/drawing/2014/main" xmlns="" id="{FC871D8E-7CB6-49B7-B932-0E59999EE40D}"/>
+                <a16:creationId xmlns:a16="http://schemas.microsoft.com/office/drawing/2014/main" id="{FC871D8E-7CB6-49B7-B932-0E59999EE40D}"/>
               </a:ext>
             </a:extLst>
           </p:cNvPr>
@@ -2757,7 +2749,7 @@
           <p:cNvPr id="2" name="제목 1">
             <a:extLst>
               <a:ext uri="{FF2B5EF4-FFF2-40B4-BE49-F238E27FC236}">
-                <a16:creationId xmlns:a16="http://schemas.microsoft.com/office/drawing/2014/main" xmlns="" id="{9FAFD128-30D6-40E4-A8F6-0D9956646247}"/>
+                <a16:creationId xmlns:a16="http://schemas.microsoft.com/office/drawing/2014/main" id="{9FAFD128-30D6-40E4-A8F6-0D9956646247}"/>
               </a:ext>
             </a:extLst>
           </p:cNvPr>
@@ -2794,7 +2786,7 @@
           <p:cNvPr id="3" name="그림 개체 틀 2">
             <a:extLst>
               <a:ext uri="{FF2B5EF4-FFF2-40B4-BE49-F238E27FC236}">
-                <a16:creationId xmlns:a16="http://schemas.microsoft.com/office/drawing/2014/main" xmlns="" id="{84946E69-6CF5-4C41-9B14-138001A389C9}"/>
+                <a16:creationId xmlns:a16="http://schemas.microsoft.com/office/drawing/2014/main" id="{84946E69-6CF5-4C41-9B14-138001A389C9}"/>
               </a:ext>
             </a:extLst>
           </p:cNvPr>
@@ -2861,7 +2853,7 @@
           <p:cNvPr id="4" name="텍스트 개체 틀 3">
             <a:extLst>
               <a:ext uri="{FF2B5EF4-FFF2-40B4-BE49-F238E27FC236}">
-                <a16:creationId xmlns:a16="http://schemas.microsoft.com/office/drawing/2014/main" xmlns="" id="{9E507345-211A-4E1D-B848-BAC826CC728B}"/>
+                <a16:creationId xmlns:a16="http://schemas.microsoft.com/office/drawing/2014/main" id="{9E507345-211A-4E1D-B848-BAC826CC728B}"/>
               </a:ext>
             </a:extLst>
           </p:cNvPr>
@@ -2932,7 +2924,7 @@
           <p:cNvPr id="5" name="날짜 개체 틀 4">
             <a:extLst>
               <a:ext uri="{FF2B5EF4-FFF2-40B4-BE49-F238E27FC236}">
-                <a16:creationId xmlns:a16="http://schemas.microsoft.com/office/drawing/2014/main" xmlns="" id="{5FDCE2BD-263F-4C96-AE4D-8AD1F9BA0814}"/>
+                <a16:creationId xmlns:a16="http://schemas.microsoft.com/office/drawing/2014/main" id="{5FDCE2BD-263F-4C96-AE4D-8AD1F9BA0814}"/>
               </a:ext>
             </a:extLst>
           </p:cNvPr>
@@ -2950,7 +2942,7 @@
           <a:p>
             <a:fld id="{75DCA1FD-AA9A-428A-9491-6707F84AA4A4}" type="datetimeFigureOut">
               <a:rPr lang="ko-KR" altLang="en-US" smtClean="0"/>
-              <a:t>2020-02-05</a:t>
+              <a:t>2020-03-17</a:t>
             </a:fld>
             <a:endParaRPr lang="ko-KR" altLang="en-US"/>
           </a:p>
@@ -2961,7 +2953,7 @@
           <p:cNvPr id="6" name="바닥글 개체 틀 5">
             <a:extLst>
               <a:ext uri="{FF2B5EF4-FFF2-40B4-BE49-F238E27FC236}">
-                <a16:creationId xmlns:a16="http://schemas.microsoft.com/office/drawing/2014/main" xmlns="" id="{6609548B-CA70-474B-B875-F8A9DEA8B056}"/>
+                <a16:creationId xmlns:a16="http://schemas.microsoft.com/office/drawing/2014/main" id="{6609548B-CA70-474B-B875-F8A9DEA8B056}"/>
               </a:ext>
             </a:extLst>
           </p:cNvPr>
@@ -2986,7 +2978,7 @@
           <p:cNvPr id="7" name="슬라이드 번호 개체 틀 6">
             <a:extLst>
               <a:ext uri="{FF2B5EF4-FFF2-40B4-BE49-F238E27FC236}">
-                <a16:creationId xmlns:a16="http://schemas.microsoft.com/office/drawing/2014/main" xmlns="" id="{1A4778A1-B639-4358-A153-94702358C8BF}"/>
+                <a16:creationId xmlns:a16="http://schemas.microsoft.com/office/drawing/2014/main" id="{1A4778A1-B639-4358-A153-94702358C8BF}"/>
               </a:ext>
             </a:extLst>
           </p:cNvPr>
@@ -3050,7 +3042,7 @@
           <p:cNvPr id="2" name="제목 개체 틀 1">
             <a:extLst>
               <a:ext uri="{FF2B5EF4-FFF2-40B4-BE49-F238E27FC236}">
-                <a16:creationId xmlns:a16="http://schemas.microsoft.com/office/drawing/2014/main" xmlns="" id="{F6E6C67D-A687-41F3-96D5-66197723073E}"/>
+                <a16:creationId xmlns:a16="http://schemas.microsoft.com/office/drawing/2014/main" id="{F6E6C67D-A687-41F3-96D5-66197723073E}"/>
               </a:ext>
             </a:extLst>
           </p:cNvPr>
@@ -3088,7 +3080,7 @@
           <p:cNvPr id="3" name="텍스트 개체 틀 2">
             <a:extLst>
               <a:ext uri="{FF2B5EF4-FFF2-40B4-BE49-F238E27FC236}">
-                <a16:creationId xmlns:a16="http://schemas.microsoft.com/office/drawing/2014/main" xmlns="" id="{4A8E9C5D-85B4-462F-A435-81DDCCF9FBA8}"/>
+                <a16:creationId xmlns:a16="http://schemas.microsoft.com/office/drawing/2014/main" id="{4A8E9C5D-85B4-462F-A435-81DDCCF9FBA8}"/>
               </a:ext>
             </a:extLst>
           </p:cNvPr>
@@ -3155,7 +3147,7 @@
           <p:cNvPr id="4" name="날짜 개체 틀 3">
             <a:extLst>
               <a:ext uri="{FF2B5EF4-FFF2-40B4-BE49-F238E27FC236}">
-                <a16:creationId xmlns:a16="http://schemas.microsoft.com/office/drawing/2014/main" xmlns="" id="{A6F848DD-5E1D-4624-B950-545EB445739B}"/>
+                <a16:creationId xmlns:a16="http://schemas.microsoft.com/office/drawing/2014/main" id="{A6F848DD-5E1D-4624-B950-545EB445739B}"/>
               </a:ext>
             </a:extLst>
           </p:cNvPr>
@@ -3191,7 +3183,7 @@
           <a:p>
             <a:fld id="{75DCA1FD-AA9A-428A-9491-6707F84AA4A4}" type="datetimeFigureOut">
               <a:rPr lang="ko-KR" altLang="en-US" smtClean="0"/>
-              <a:t>2020-02-05</a:t>
+              <a:t>2020-03-17</a:t>
             </a:fld>
             <a:endParaRPr lang="ko-KR" altLang="en-US"/>
           </a:p>
@@ -3202,7 +3194,7 @@
           <p:cNvPr id="5" name="바닥글 개체 틀 4">
             <a:extLst>
               <a:ext uri="{FF2B5EF4-FFF2-40B4-BE49-F238E27FC236}">
-                <a16:creationId xmlns:a16="http://schemas.microsoft.com/office/drawing/2014/main" xmlns="" id="{7CB99FFB-07DB-406D-A437-682A8F9C721C}"/>
+                <a16:creationId xmlns:a16="http://schemas.microsoft.com/office/drawing/2014/main" id="{7CB99FFB-07DB-406D-A437-682A8F9C721C}"/>
               </a:ext>
             </a:extLst>
           </p:cNvPr>
@@ -3245,7 +3237,7 @@
           <p:cNvPr id="6" name="슬라이드 번호 개체 틀 5">
             <a:extLst>
               <a:ext uri="{FF2B5EF4-FFF2-40B4-BE49-F238E27FC236}">
-                <a16:creationId xmlns:a16="http://schemas.microsoft.com/office/drawing/2014/main" xmlns="" id="{E80BD050-FA63-4DFF-875B-901CDD67037D}"/>
+                <a16:creationId xmlns:a16="http://schemas.microsoft.com/office/drawing/2014/main" id="{E80BD050-FA63-4DFF-875B-901CDD67037D}"/>
               </a:ext>
             </a:extLst>
           </p:cNvPr>
@@ -3613,7 +3605,7 @@
           <p:cNvPr id="11" name="그룹 10">
             <a:extLst>
               <a:ext uri="{FF2B5EF4-FFF2-40B4-BE49-F238E27FC236}">
-                <a16:creationId xmlns:a16="http://schemas.microsoft.com/office/drawing/2014/main" xmlns="" id="{6986020F-B687-4F0A-8E08-42C5B9CDC833}"/>
+                <a16:creationId xmlns:a16="http://schemas.microsoft.com/office/drawing/2014/main" id="{6986020F-B687-4F0A-8E08-42C5B9CDC833}"/>
               </a:ext>
             </a:extLst>
           </p:cNvPr>
@@ -3633,7 +3625,7 @@
             <p:cNvPr id="6" name="직선 연결선 5">
               <a:extLst>
                 <a:ext uri="{FF2B5EF4-FFF2-40B4-BE49-F238E27FC236}">
-                  <a16:creationId xmlns:a16="http://schemas.microsoft.com/office/drawing/2014/main" xmlns="" id="{2C2A94BE-287B-45F8-AEEC-6E34EAC2D547}"/>
+                  <a16:creationId xmlns:a16="http://schemas.microsoft.com/office/drawing/2014/main" id="{2C2A94BE-287B-45F8-AEEC-6E34EAC2D547}"/>
                 </a:ext>
               </a:extLst>
             </p:cNvPr>
@@ -3678,7 +3670,7 @@
             <p:cNvPr id="7" name="직선 연결선 6">
               <a:extLst>
                 <a:ext uri="{FF2B5EF4-FFF2-40B4-BE49-F238E27FC236}">
-                  <a16:creationId xmlns:a16="http://schemas.microsoft.com/office/drawing/2014/main" xmlns="" id="{AE5D7D1B-914F-478E-BC19-80EB82793C83}"/>
+                  <a16:creationId xmlns:a16="http://schemas.microsoft.com/office/drawing/2014/main" id="{AE5D7D1B-914F-478E-BC19-80EB82793C83}"/>
                 </a:ext>
               </a:extLst>
             </p:cNvPr>
@@ -3725,7 +3717,7 @@
             <p:cNvPr id="10" name="다이아몬드 9">
               <a:extLst>
                 <a:ext uri="{FF2B5EF4-FFF2-40B4-BE49-F238E27FC236}">
-                  <a16:creationId xmlns:a16="http://schemas.microsoft.com/office/drawing/2014/main" xmlns="" id="{CADFCB89-CB8A-4A6D-94C7-15FA0D223CC5}"/>
+                  <a16:creationId xmlns:a16="http://schemas.microsoft.com/office/drawing/2014/main" id="{CADFCB89-CB8A-4A6D-94C7-15FA0D223CC5}"/>
                 </a:ext>
               </a:extLst>
             </p:cNvPr>
@@ -3788,13 +3780,3607 @@
   <p:clrMapOvr>
     <a:masterClrMapping/>
   </p:clrMapOvr>
-  <p:timing>
-    <p:tnLst>
-      <p:par>
-        <p:cTn id="1" dur="indefinite" restart="never" nodeType="tmRoot"/>
-      </p:par>
-    </p:tnLst>
-  </p:timing>
+</p:sld>
+</file>
+
+<file path=ppt/slides/slide10.xml><?xml version="1.0" encoding="utf-8"?>
+<p:sld xmlns:a="http://schemas.openxmlformats.org/drawingml/2006/main" xmlns:r="http://schemas.openxmlformats.org/officeDocument/2006/relationships" xmlns:p="http://schemas.openxmlformats.org/presentationml/2006/main">
+  <p:cSld>
+    <p:bg>
+      <p:bgPr>
+        <a:solidFill>
+          <a:schemeClr val="accent5">
+            <a:lumMod val="40000"/>
+            <a:lumOff val="60000"/>
+          </a:schemeClr>
+        </a:solidFill>
+        <a:effectLst/>
+      </p:bgPr>
+    </p:bg>
+    <p:spTree>
+      <p:nvGrpSpPr>
+        <p:cNvPr id="1" name=""/>
+        <p:cNvGrpSpPr/>
+        <p:nvPr/>
+      </p:nvGrpSpPr>
+      <p:grpSpPr>
+        <a:xfrm>
+          <a:off x="0" y="0"/>
+          <a:ext cx="0" cy="0"/>
+          <a:chOff x="0" y="0"/>
+          <a:chExt cx="0" cy="0"/>
+        </a:xfrm>
+      </p:grpSpPr>
+      <p:grpSp>
+        <p:nvGrpSpPr>
+          <p:cNvPr id="14" name="그룹 13">
+            <a:extLst>
+              <a:ext uri="{FF2B5EF4-FFF2-40B4-BE49-F238E27FC236}">
+                <a16:creationId xmlns:a16="http://schemas.microsoft.com/office/drawing/2014/main" id="{16A0F8E0-F58A-4826-A847-44A942D76261}"/>
+              </a:ext>
+            </a:extLst>
+          </p:cNvPr>
+          <p:cNvGrpSpPr/>
+          <p:nvPr/>
+        </p:nvGrpSpPr>
+        <p:grpSpPr>
+          <a:xfrm>
+            <a:off x="1130068" y="0"/>
+            <a:ext cx="9931847" cy="6858000"/>
+            <a:chOff x="1130068" y="0"/>
+            <a:chExt cx="9931847" cy="6858000"/>
+          </a:xfrm>
+        </p:grpSpPr>
+        <p:grpSp>
+          <p:nvGrpSpPr>
+            <p:cNvPr id="11" name="그룹 10">
+              <a:extLst>
+                <a:ext uri="{FF2B5EF4-FFF2-40B4-BE49-F238E27FC236}">
+                  <a16:creationId xmlns:a16="http://schemas.microsoft.com/office/drawing/2014/main" id="{022B9763-AAA8-4A69-BACA-91304069D2C1}"/>
+                </a:ext>
+              </a:extLst>
+            </p:cNvPr>
+            <p:cNvGrpSpPr/>
+            <p:nvPr/>
+          </p:nvGrpSpPr>
+          <p:grpSpPr>
+            <a:xfrm>
+              <a:off x="1130083" y="0"/>
+              <a:ext cx="9931832" cy="6858000"/>
+              <a:chOff x="1130083" y="0"/>
+              <a:chExt cx="9931832" cy="6858000"/>
+            </a:xfrm>
+          </p:grpSpPr>
+          <p:grpSp>
+            <p:nvGrpSpPr>
+              <p:cNvPr id="4" name="그룹 3">
+                <a:extLst>
+                  <a:ext uri="{FF2B5EF4-FFF2-40B4-BE49-F238E27FC236}">
+                    <a16:creationId xmlns:a16="http://schemas.microsoft.com/office/drawing/2014/main" id="{016A1E2A-F626-429D-9BB0-E277D7C9140C}"/>
+                  </a:ext>
+                </a:extLst>
+              </p:cNvPr>
+              <p:cNvGrpSpPr/>
+              <p:nvPr/>
+            </p:nvGrpSpPr>
+            <p:grpSpPr>
+              <a:xfrm>
+                <a:off x="1130093" y="0"/>
+                <a:ext cx="9931822" cy="6858000"/>
+                <a:chOff x="1130088" y="0"/>
+                <a:chExt cx="9931822" cy="6858000"/>
+              </a:xfrm>
+            </p:grpSpPr>
+            <p:sp>
+              <p:nvSpPr>
+                <p:cNvPr id="2" name="사각형: 둥근 모서리 1">
+                  <a:extLst>
+                    <a:ext uri="{FF2B5EF4-FFF2-40B4-BE49-F238E27FC236}">
+                      <a16:creationId xmlns:a16="http://schemas.microsoft.com/office/drawing/2014/main" id="{EE8A1ACC-B9CE-40A2-BA3A-20A6123EF4C1}"/>
+                    </a:ext>
+                  </a:extLst>
+                </p:cNvPr>
+                <p:cNvSpPr/>
+                <p:nvPr/>
+              </p:nvSpPr>
+              <p:spPr>
+                <a:xfrm>
+                  <a:off x="1130088" y="0"/>
+                  <a:ext cx="9931822" cy="6858000"/>
+                </a:xfrm>
+                <a:prstGeom prst="roundRect">
+                  <a:avLst>
+                    <a:gd name="adj" fmla="val 2624"/>
+                  </a:avLst>
+                </a:prstGeom>
+                <a:solidFill>
+                  <a:schemeClr val="bg1">
+                    <a:lumMod val="95000"/>
+                    <a:alpha val="70000"/>
+                  </a:schemeClr>
+                </a:solidFill>
+                <a:ln w="12700">
+                  <a:solidFill>
+                    <a:schemeClr val="bg1">
+                      <a:alpha val="50000"/>
+                    </a:schemeClr>
+                  </a:solidFill>
+                </a:ln>
+              </p:spPr>
+              <p:style>
+                <a:lnRef idx="2">
+                  <a:schemeClr val="accent1">
+                    <a:shade val="50000"/>
+                  </a:schemeClr>
+                </a:lnRef>
+                <a:fillRef idx="1">
+                  <a:schemeClr val="accent1"/>
+                </a:fillRef>
+                <a:effectRef idx="0">
+                  <a:schemeClr val="accent1"/>
+                </a:effectRef>
+                <a:fontRef idx="minor">
+                  <a:schemeClr val="lt1"/>
+                </a:fontRef>
+              </p:style>
+              <p:txBody>
+                <a:bodyPr rtlCol="0" anchor="ctr"/>
+                <a:lstStyle/>
+                <a:p>
+                  <a:pPr algn="ctr"/>
+                  <a:endParaRPr lang="ko-KR" altLang="en-US" dirty="0"/>
+                </a:p>
+              </p:txBody>
+            </p:sp>
+            <p:sp>
+              <p:nvSpPr>
+                <p:cNvPr id="3" name="사각형: 둥근 위쪽 모서리 2">
+                  <a:extLst>
+                    <a:ext uri="{FF2B5EF4-FFF2-40B4-BE49-F238E27FC236}">
+                      <a16:creationId xmlns:a16="http://schemas.microsoft.com/office/drawing/2014/main" id="{EB7B1FDC-F00F-4DCD-8427-0B0B9B0BF285}"/>
+                    </a:ext>
+                  </a:extLst>
+                </p:cNvPr>
+                <p:cNvSpPr/>
+                <p:nvPr/>
+              </p:nvSpPr>
+              <p:spPr>
+                <a:xfrm>
+                  <a:off x="1130089" y="12026"/>
+                  <a:ext cx="9931819" cy="271463"/>
+                </a:xfrm>
+                <a:prstGeom prst="round2SameRect">
+                  <a:avLst>
+                    <a:gd name="adj1" fmla="val 50000"/>
+                    <a:gd name="adj2" fmla="val 0"/>
+                  </a:avLst>
+                </a:prstGeom>
+                <a:solidFill>
+                  <a:srgbClr val="70AFF4">
+                    <a:alpha val="80000"/>
+                  </a:srgbClr>
+                </a:solidFill>
+                <a:ln w="19050">
+                  <a:noFill/>
+                </a:ln>
+              </p:spPr>
+              <p:style>
+                <a:lnRef idx="2">
+                  <a:schemeClr val="accent1">
+                    <a:shade val="50000"/>
+                  </a:schemeClr>
+                </a:lnRef>
+                <a:fillRef idx="1">
+                  <a:schemeClr val="accent1"/>
+                </a:fillRef>
+                <a:effectRef idx="0">
+                  <a:schemeClr val="accent1"/>
+                </a:effectRef>
+                <a:fontRef idx="minor">
+                  <a:schemeClr val="lt1"/>
+                </a:fontRef>
+              </p:style>
+              <p:txBody>
+                <a:bodyPr rtlCol="0" anchor="ctr"/>
+                <a:lstStyle/>
+                <a:p>
+                  <a:pPr algn="ctr"/>
+                  <a:endParaRPr lang="ko-KR" altLang="en-US"/>
+                </a:p>
+              </p:txBody>
+            </p:sp>
+          </p:grpSp>
+          <p:sp>
+            <p:nvSpPr>
+              <p:cNvPr id="12" name="사각형: 둥근 한쪽 모서리 11">
+                <a:extLst>
+                  <a:ext uri="{FF2B5EF4-FFF2-40B4-BE49-F238E27FC236}">
+                    <a16:creationId xmlns:a16="http://schemas.microsoft.com/office/drawing/2014/main" id="{4D64613E-3A69-48D7-90C0-59A59CB1EF45}"/>
+                  </a:ext>
+                </a:extLst>
+              </p:cNvPr>
+              <p:cNvSpPr/>
+              <p:nvPr/>
+            </p:nvSpPr>
+            <p:spPr>
+              <a:xfrm rot="10800000">
+                <a:off x="1130083" y="705674"/>
+                <a:ext cx="832061" cy="6135655"/>
+              </a:xfrm>
+              <a:prstGeom prst="round1Rect">
+                <a:avLst>
+                  <a:gd name="adj" fmla="val 22963"/>
+                </a:avLst>
+              </a:prstGeom>
+              <a:solidFill>
+                <a:schemeClr val="bg1">
+                  <a:lumMod val="95000"/>
+                  <a:alpha val="70000"/>
+                </a:schemeClr>
+              </a:solidFill>
+              <a:ln>
+                <a:noFill/>
+              </a:ln>
+              <a:effectLst>
+                <a:innerShdw blurRad="254000" dist="50800" dir="10800000">
+                  <a:prstClr val="black">
+                    <a:alpha val="30000"/>
+                  </a:prstClr>
+                </a:innerShdw>
+              </a:effectLst>
+            </p:spPr>
+            <p:style>
+              <a:lnRef idx="2">
+                <a:schemeClr val="accent1">
+                  <a:shade val="50000"/>
+                </a:schemeClr>
+              </a:lnRef>
+              <a:fillRef idx="1">
+                <a:schemeClr val="accent1"/>
+              </a:fillRef>
+              <a:effectRef idx="0">
+                <a:schemeClr val="accent1"/>
+              </a:effectRef>
+              <a:fontRef idx="minor">
+                <a:schemeClr val="lt1"/>
+              </a:fontRef>
+            </p:style>
+            <p:txBody>
+              <a:bodyPr rtlCol="0" anchor="ctr"/>
+              <a:lstStyle/>
+              <a:p>
+                <a:pPr algn="ctr"/>
+                <a:endParaRPr lang="ko-KR" altLang="en-US"/>
+              </a:p>
+            </p:txBody>
+          </p:sp>
+        </p:grpSp>
+        <p:sp>
+          <p:nvSpPr>
+            <p:cNvPr id="20" name="직사각형 19">
+              <a:extLst>
+                <a:ext uri="{FF2B5EF4-FFF2-40B4-BE49-F238E27FC236}">
+                  <a16:creationId xmlns:a16="http://schemas.microsoft.com/office/drawing/2014/main" id="{7F5A199C-DC3A-49D0-89E2-2686BC39B915}"/>
+                </a:ext>
+              </a:extLst>
+            </p:cNvPr>
+            <p:cNvSpPr/>
+            <p:nvPr/>
+          </p:nvSpPr>
+          <p:spPr>
+            <a:xfrm>
+              <a:off x="1130068" y="283489"/>
+              <a:ext cx="9931822" cy="422541"/>
+            </a:xfrm>
+            <a:prstGeom prst="rect">
+              <a:avLst/>
+            </a:prstGeom>
+            <a:solidFill>
+              <a:srgbClr val="C2DDFA">
+                <a:alpha val="69804"/>
+              </a:srgbClr>
+            </a:solidFill>
+            <a:ln w="19050">
+              <a:noFill/>
+            </a:ln>
+          </p:spPr>
+          <p:style>
+            <a:lnRef idx="2">
+              <a:schemeClr val="accent1">
+                <a:shade val="50000"/>
+              </a:schemeClr>
+            </a:lnRef>
+            <a:fillRef idx="1">
+              <a:schemeClr val="accent1"/>
+            </a:fillRef>
+            <a:effectRef idx="0">
+              <a:schemeClr val="accent1"/>
+            </a:effectRef>
+            <a:fontRef idx="minor">
+              <a:schemeClr val="lt1"/>
+            </a:fontRef>
+          </p:style>
+          <p:txBody>
+            <a:bodyPr rtlCol="0" anchor="ctr"/>
+            <a:lstStyle/>
+            <a:p>
+              <a:pPr algn="ctr"/>
+              <a:endParaRPr lang="ko-KR" altLang="en-US"/>
+            </a:p>
+          </p:txBody>
+        </p:sp>
+      </p:grpSp>
+      <p:sp>
+        <p:nvSpPr>
+          <p:cNvPr id="5" name="곱하기 기호 4">
+            <a:extLst>
+              <a:ext uri="{FF2B5EF4-FFF2-40B4-BE49-F238E27FC236}">
+                <a16:creationId xmlns:a16="http://schemas.microsoft.com/office/drawing/2014/main" id="{91F513B6-C61D-4F45-ABB4-BF6F2E79A52E}"/>
+              </a:ext>
+            </a:extLst>
+          </p:cNvPr>
+          <p:cNvSpPr/>
+          <p:nvPr/>
+        </p:nvSpPr>
+        <p:spPr>
+          <a:xfrm>
+            <a:off x="10717530" y="54778"/>
+            <a:ext cx="216000" cy="216000"/>
+          </a:xfrm>
+          <a:prstGeom prst="mathMultiply">
+            <a:avLst/>
+          </a:prstGeom>
+          <a:solidFill>
+            <a:schemeClr val="bg1">
+              <a:alpha val="90000"/>
+            </a:schemeClr>
+          </a:solidFill>
+          <a:ln>
+            <a:noFill/>
+          </a:ln>
+        </p:spPr>
+        <p:style>
+          <a:lnRef idx="2">
+            <a:schemeClr val="accent1">
+              <a:shade val="50000"/>
+            </a:schemeClr>
+          </a:lnRef>
+          <a:fillRef idx="1">
+            <a:schemeClr val="accent1"/>
+          </a:fillRef>
+          <a:effectRef idx="0">
+            <a:schemeClr val="accent1"/>
+          </a:effectRef>
+          <a:fontRef idx="minor">
+            <a:schemeClr val="lt1"/>
+          </a:fontRef>
+        </p:style>
+        <p:txBody>
+          <a:bodyPr rtlCol="0" anchor="ctr"/>
+          <a:lstStyle/>
+          <a:p>
+            <a:pPr algn="ctr"/>
+            <a:endParaRPr lang="ko-KR" altLang="en-US" dirty="0"/>
+          </a:p>
+        </p:txBody>
+      </p:sp>
+      <p:sp>
+        <p:nvSpPr>
+          <p:cNvPr id="27" name="사각형: 둥근 모서리 26">
+            <a:extLst>
+              <a:ext uri="{FF2B5EF4-FFF2-40B4-BE49-F238E27FC236}">
+                <a16:creationId xmlns:a16="http://schemas.microsoft.com/office/drawing/2014/main" id="{528972B3-E3FB-4B70-8120-894B762671B3}"/>
+              </a:ext>
+            </a:extLst>
+          </p:cNvPr>
+          <p:cNvSpPr/>
+          <p:nvPr/>
+        </p:nvSpPr>
+        <p:spPr>
+          <a:xfrm>
+            <a:off x="2352987" y="1935262"/>
+            <a:ext cx="3919671" cy="563323"/>
+          </a:xfrm>
+          <a:prstGeom prst="roundRect">
+            <a:avLst>
+              <a:gd name="adj" fmla="val 10081"/>
+            </a:avLst>
+          </a:prstGeom>
+          <a:solidFill>
+            <a:srgbClr val="78B64E">
+              <a:alpha val="10000"/>
+            </a:srgbClr>
+          </a:solidFill>
+          <a:ln w="19050">
+            <a:noFill/>
+          </a:ln>
+        </p:spPr>
+        <p:style>
+          <a:lnRef idx="2">
+            <a:schemeClr val="accent1">
+              <a:shade val="50000"/>
+            </a:schemeClr>
+          </a:lnRef>
+          <a:fillRef idx="1">
+            <a:schemeClr val="accent1"/>
+          </a:fillRef>
+          <a:effectRef idx="0">
+            <a:schemeClr val="accent1"/>
+          </a:effectRef>
+          <a:fontRef idx="minor">
+            <a:schemeClr val="lt1"/>
+          </a:fontRef>
+        </p:style>
+        <p:txBody>
+          <a:bodyPr rtlCol="0" anchor="ctr"/>
+          <a:lstStyle/>
+          <a:p>
+            <a:pPr algn="ctr"/>
+            <a:endParaRPr lang="ko-KR" altLang="en-US" dirty="0"/>
+          </a:p>
+        </p:txBody>
+      </p:sp>
+      <p:sp>
+        <p:nvSpPr>
+          <p:cNvPr id="29" name="사각형: 둥근 위쪽 모서리 28">
+            <a:extLst>
+              <a:ext uri="{FF2B5EF4-FFF2-40B4-BE49-F238E27FC236}">
+                <a16:creationId xmlns:a16="http://schemas.microsoft.com/office/drawing/2014/main" id="{721B8819-0A16-44A3-8F1F-5DBE5C7DABFC}"/>
+              </a:ext>
+            </a:extLst>
+          </p:cNvPr>
+          <p:cNvSpPr/>
+          <p:nvPr/>
+        </p:nvSpPr>
+        <p:spPr>
+          <a:xfrm>
+            <a:off x="1145521" y="316706"/>
+            <a:ext cx="1333742" cy="388968"/>
+          </a:xfrm>
+          <a:prstGeom prst="round2SameRect">
+            <a:avLst>
+              <a:gd name="adj1" fmla="val 38706"/>
+              <a:gd name="adj2" fmla="val 0"/>
+            </a:avLst>
+          </a:prstGeom>
+          <a:solidFill>
+            <a:schemeClr val="accent1">
+              <a:lumMod val="60000"/>
+              <a:lumOff val="40000"/>
+              <a:alpha val="70000"/>
+            </a:schemeClr>
+          </a:solidFill>
+          <a:ln>
+            <a:noFill/>
+          </a:ln>
+        </p:spPr>
+        <p:style>
+          <a:lnRef idx="2">
+            <a:schemeClr val="accent1">
+              <a:shade val="50000"/>
+            </a:schemeClr>
+          </a:lnRef>
+          <a:fillRef idx="1">
+            <a:schemeClr val="accent1"/>
+          </a:fillRef>
+          <a:effectRef idx="0">
+            <a:schemeClr val="accent1"/>
+          </a:effectRef>
+          <a:fontRef idx="minor">
+            <a:schemeClr val="lt1"/>
+          </a:fontRef>
+        </p:style>
+        <p:txBody>
+          <a:bodyPr rtlCol="0" anchor="ctr"/>
+          <a:lstStyle/>
+          <a:p>
+            <a:pPr algn="ctr"/>
+            <a:endParaRPr lang="ko-KR" altLang="en-US" sz="1400" dirty="0">
+              <a:solidFill>
+                <a:schemeClr val="tx1">
+                  <a:lumMod val="75000"/>
+                  <a:lumOff val="25000"/>
+                </a:schemeClr>
+              </a:solidFill>
+            </a:endParaRPr>
+          </a:p>
+        </p:txBody>
+      </p:sp>
+      <p:sp>
+        <p:nvSpPr>
+          <p:cNvPr id="32" name="사각형: 둥근 위쪽 모서리 31">
+            <a:extLst>
+              <a:ext uri="{FF2B5EF4-FFF2-40B4-BE49-F238E27FC236}">
+                <a16:creationId xmlns:a16="http://schemas.microsoft.com/office/drawing/2014/main" id="{F1D9F5EA-BDFC-4414-B692-180956C3F07C}"/>
+              </a:ext>
+            </a:extLst>
+          </p:cNvPr>
+          <p:cNvSpPr/>
+          <p:nvPr/>
+        </p:nvSpPr>
+        <p:spPr>
+          <a:xfrm>
+            <a:off x="2479263" y="316706"/>
+            <a:ext cx="1333742" cy="388968"/>
+          </a:xfrm>
+          <a:prstGeom prst="round2SameRect">
+            <a:avLst>
+              <a:gd name="adj1" fmla="val 38706"/>
+              <a:gd name="adj2" fmla="val 0"/>
+            </a:avLst>
+          </a:prstGeom>
+          <a:solidFill>
+            <a:schemeClr val="accent1">
+              <a:lumMod val="40000"/>
+              <a:lumOff val="60000"/>
+              <a:alpha val="70000"/>
+            </a:schemeClr>
+          </a:solidFill>
+          <a:ln>
+            <a:noFill/>
+          </a:ln>
+        </p:spPr>
+        <p:style>
+          <a:lnRef idx="2">
+            <a:schemeClr val="accent1">
+              <a:shade val="50000"/>
+            </a:schemeClr>
+          </a:lnRef>
+          <a:fillRef idx="1">
+            <a:schemeClr val="accent1"/>
+          </a:fillRef>
+          <a:effectRef idx="0">
+            <a:schemeClr val="accent1"/>
+          </a:effectRef>
+          <a:fontRef idx="minor">
+            <a:schemeClr val="lt1"/>
+          </a:fontRef>
+        </p:style>
+        <p:txBody>
+          <a:bodyPr rtlCol="0" anchor="ctr"/>
+          <a:lstStyle/>
+          <a:p>
+            <a:pPr algn="ctr"/>
+            <a:endParaRPr lang="ko-KR" altLang="en-US" sz="1400" dirty="0"/>
+          </a:p>
+        </p:txBody>
+      </p:sp>
+      <p:sp>
+        <p:nvSpPr>
+          <p:cNvPr id="33" name="사각형: 둥근 위쪽 모서리 32">
+            <a:extLst>
+              <a:ext uri="{FF2B5EF4-FFF2-40B4-BE49-F238E27FC236}">
+                <a16:creationId xmlns:a16="http://schemas.microsoft.com/office/drawing/2014/main" id="{A9B1791B-D0F0-4E38-9528-C7E6A464B05E}"/>
+              </a:ext>
+            </a:extLst>
+          </p:cNvPr>
+          <p:cNvSpPr/>
+          <p:nvPr/>
+        </p:nvSpPr>
+        <p:spPr>
+          <a:xfrm>
+            <a:off x="3813005" y="316706"/>
+            <a:ext cx="1333742" cy="388968"/>
+          </a:xfrm>
+          <a:prstGeom prst="round2SameRect">
+            <a:avLst>
+              <a:gd name="adj1" fmla="val 38706"/>
+              <a:gd name="adj2" fmla="val 0"/>
+            </a:avLst>
+          </a:prstGeom>
+          <a:solidFill>
+            <a:schemeClr val="accent1">
+              <a:lumMod val="40000"/>
+              <a:lumOff val="60000"/>
+              <a:alpha val="70000"/>
+            </a:schemeClr>
+          </a:solidFill>
+          <a:ln>
+            <a:noFill/>
+          </a:ln>
+        </p:spPr>
+        <p:style>
+          <a:lnRef idx="2">
+            <a:schemeClr val="accent1">
+              <a:shade val="50000"/>
+            </a:schemeClr>
+          </a:lnRef>
+          <a:fillRef idx="1">
+            <a:schemeClr val="accent1"/>
+          </a:fillRef>
+          <a:effectRef idx="0">
+            <a:schemeClr val="accent1"/>
+          </a:effectRef>
+          <a:fontRef idx="minor">
+            <a:schemeClr val="lt1"/>
+          </a:fontRef>
+        </p:style>
+        <p:txBody>
+          <a:bodyPr rtlCol="0" anchor="ctr"/>
+          <a:lstStyle/>
+          <a:p>
+            <a:pPr algn="ctr"/>
+            <a:endParaRPr lang="ko-KR" altLang="en-US"/>
+          </a:p>
+        </p:txBody>
+      </p:sp>
+      <p:sp>
+        <p:nvSpPr>
+          <p:cNvPr id="31" name="사각형: 둥근 모서리 30">
+            <a:extLst>
+              <a:ext uri="{FF2B5EF4-FFF2-40B4-BE49-F238E27FC236}">
+                <a16:creationId xmlns:a16="http://schemas.microsoft.com/office/drawing/2014/main" id="{1FB54033-1131-40B1-8A20-B993EB1DB5B2}"/>
+              </a:ext>
+            </a:extLst>
+          </p:cNvPr>
+          <p:cNvSpPr/>
+          <p:nvPr/>
+        </p:nvSpPr>
+        <p:spPr>
+          <a:xfrm>
+            <a:off x="6745515" y="1935263"/>
+            <a:ext cx="3916928" cy="563323"/>
+          </a:xfrm>
+          <a:prstGeom prst="roundRect">
+            <a:avLst>
+              <a:gd name="adj" fmla="val 10081"/>
+            </a:avLst>
+          </a:prstGeom>
+          <a:solidFill>
+            <a:srgbClr val="E85234">
+              <a:alpha val="10000"/>
+            </a:srgbClr>
+          </a:solidFill>
+          <a:ln w="19050">
+            <a:noFill/>
+          </a:ln>
+        </p:spPr>
+        <p:style>
+          <a:lnRef idx="2">
+            <a:schemeClr val="accent1">
+              <a:shade val="50000"/>
+            </a:schemeClr>
+          </a:lnRef>
+          <a:fillRef idx="1">
+            <a:schemeClr val="accent1"/>
+          </a:fillRef>
+          <a:effectRef idx="0">
+            <a:schemeClr val="accent1"/>
+          </a:effectRef>
+          <a:fontRef idx="minor">
+            <a:schemeClr val="lt1"/>
+          </a:fontRef>
+        </p:style>
+        <p:txBody>
+          <a:bodyPr rtlCol="0" anchor="ctr"/>
+          <a:lstStyle/>
+          <a:p>
+            <a:pPr algn="ctr"/>
+            <a:endParaRPr lang="ko-KR" altLang="en-US"/>
+          </a:p>
+        </p:txBody>
+      </p:sp>
+      <p:grpSp>
+        <p:nvGrpSpPr>
+          <p:cNvPr id="6" name="그룹 5">
+            <a:extLst>
+              <a:ext uri="{FF2B5EF4-FFF2-40B4-BE49-F238E27FC236}">
+                <a16:creationId xmlns:a16="http://schemas.microsoft.com/office/drawing/2014/main" id="{8066A899-3291-4730-94E8-D83227DAB581}"/>
+              </a:ext>
+            </a:extLst>
+          </p:cNvPr>
+          <p:cNvGrpSpPr/>
+          <p:nvPr/>
+        </p:nvGrpSpPr>
+        <p:grpSpPr>
+          <a:xfrm>
+            <a:off x="2189901" y="882063"/>
+            <a:ext cx="8635629" cy="5893975"/>
+            <a:chOff x="2189901" y="882063"/>
+            <a:chExt cx="8635629" cy="5893975"/>
+          </a:xfrm>
+        </p:grpSpPr>
+        <p:sp>
+          <p:nvSpPr>
+            <p:cNvPr id="13" name="사각형: 둥근 모서리 12">
+              <a:extLst>
+                <a:ext uri="{FF2B5EF4-FFF2-40B4-BE49-F238E27FC236}">
+                  <a16:creationId xmlns:a16="http://schemas.microsoft.com/office/drawing/2014/main" id="{50ADFB31-46CD-4DBD-9178-D49AB3F1E205}"/>
+                </a:ext>
+              </a:extLst>
+            </p:cNvPr>
+            <p:cNvSpPr/>
+            <p:nvPr/>
+          </p:nvSpPr>
+          <p:spPr>
+            <a:xfrm>
+              <a:off x="2189901" y="882063"/>
+              <a:ext cx="4245844" cy="1767950"/>
+            </a:xfrm>
+            <a:prstGeom prst="roundRect">
+              <a:avLst>
+                <a:gd name="adj" fmla="val 10081"/>
+              </a:avLst>
+            </a:prstGeom>
+            <a:noFill/>
+            <a:ln w="19050">
+              <a:solidFill>
+                <a:schemeClr val="bg2">
+                  <a:lumMod val="75000"/>
+                </a:schemeClr>
+              </a:solidFill>
+            </a:ln>
+          </p:spPr>
+          <p:style>
+            <a:lnRef idx="2">
+              <a:schemeClr val="accent1">
+                <a:shade val="50000"/>
+              </a:schemeClr>
+            </a:lnRef>
+            <a:fillRef idx="1">
+              <a:schemeClr val="accent1"/>
+            </a:fillRef>
+            <a:effectRef idx="0">
+              <a:schemeClr val="accent1"/>
+            </a:effectRef>
+            <a:fontRef idx="minor">
+              <a:schemeClr val="lt1"/>
+            </a:fontRef>
+          </p:style>
+          <p:txBody>
+            <a:bodyPr rtlCol="0" anchor="ctr"/>
+            <a:lstStyle/>
+            <a:p>
+              <a:pPr algn="ctr"/>
+              <a:endParaRPr lang="ko-KR" altLang="en-US"/>
+            </a:p>
+          </p:txBody>
+        </p:sp>
+        <p:sp>
+          <p:nvSpPr>
+            <p:cNvPr id="19" name="사각형: 둥근 모서리 18">
+              <a:extLst>
+                <a:ext uri="{FF2B5EF4-FFF2-40B4-BE49-F238E27FC236}">
+                  <a16:creationId xmlns:a16="http://schemas.microsoft.com/office/drawing/2014/main" id="{A7A33303-7ED9-42AA-B3EE-DCC4518B3BDE}"/>
+                </a:ext>
+              </a:extLst>
+            </p:cNvPr>
+            <p:cNvSpPr/>
+            <p:nvPr/>
+          </p:nvSpPr>
+          <p:spPr>
+            <a:xfrm>
+              <a:off x="2189901" y="2821404"/>
+              <a:ext cx="4245844" cy="3952145"/>
+            </a:xfrm>
+            <a:prstGeom prst="roundRect">
+              <a:avLst>
+                <a:gd name="adj" fmla="val 5235"/>
+              </a:avLst>
+            </a:prstGeom>
+            <a:noFill/>
+            <a:ln w="19050">
+              <a:solidFill>
+                <a:schemeClr val="bg2">
+                  <a:lumMod val="75000"/>
+                </a:schemeClr>
+              </a:solidFill>
+            </a:ln>
+          </p:spPr>
+          <p:style>
+            <a:lnRef idx="2">
+              <a:schemeClr val="accent1">
+                <a:shade val="50000"/>
+              </a:schemeClr>
+            </a:lnRef>
+            <a:fillRef idx="1">
+              <a:schemeClr val="accent1"/>
+            </a:fillRef>
+            <a:effectRef idx="0">
+              <a:schemeClr val="accent1"/>
+            </a:effectRef>
+            <a:fontRef idx="minor">
+              <a:schemeClr val="lt1"/>
+            </a:fontRef>
+          </p:style>
+          <p:txBody>
+            <a:bodyPr rtlCol="0" anchor="ctr"/>
+            <a:lstStyle/>
+            <a:p>
+              <a:pPr algn="ctr"/>
+              <a:endParaRPr lang="ko-KR" altLang="en-US"/>
+            </a:p>
+          </p:txBody>
+        </p:sp>
+        <p:sp>
+          <p:nvSpPr>
+            <p:cNvPr id="23" name="사각형: 둥근 모서리 22">
+              <a:extLst>
+                <a:ext uri="{FF2B5EF4-FFF2-40B4-BE49-F238E27FC236}">
+                  <a16:creationId xmlns:a16="http://schemas.microsoft.com/office/drawing/2014/main" id="{123B3C9D-946A-4628-8BBF-7BF7DF3E3372}"/>
+                </a:ext>
+              </a:extLst>
+            </p:cNvPr>
+            <p:cNvSpPr/>
+            <p:nvPr/>
+          </p:nvSpPr>
+          <p:spPr>
+            <a:xfrm>
+              <a:off x="6579686" y="882063"/>
+              <a:ext cx="4245844" cy="1767950"/>
+            </a:xfrm>
+            <a:prstGeom prst="roundRect">
+              <a:avLst>
+                <a:gd name="adj" fmla="val 10081"/>
+              </a:avLst>
+            </a:prstGeom>
+            <a:noFill/>
+            <a:ln w="19050">
+              <a:solidFill>
+                <a:schemeClr val="bg2">
+                  <a:lumMod val="75000"/>
+                </a:schemeClr>
+              </a:solidFill>
+            </a:ln>
+          </p:spPr>
+          <p:style>
+            <a:lnRef idx="2">
+              <a:schemeClr val="accent1">
+                <a:shade val="50000"/>
+              </a:schemeClr>
+            </a:lnRef>
+            <a:fillRef idx="1">
+              <a:schemeClr val="accent1"/>
+            </a:fillRef>
+            <a:effectRef idx="0">
+              <a:schemeClr val="accent1"/>
+            </a:effectRef>
+            <a:fontRef idx="minor">
+              <a:schemeClr val="lt1"/>
+            </a:fontRef>
+          </p:style>
+          <p:txBody>
+            <a:bodyPr rtlCol="0" anchor="ctr"/>
+            <a:lstStyle/>
+            <a:p>
+              <a:pPr algn="ctr"/>
+              <a:endParaRPr lang="ko-KR" altLang="en-US"/>
+            </a:p>
+          </p:txBody>
+        </p:sp>
+        <p:sp>
+          <p:nvSpPr>
+            <p:cNvPr id="25" name="사각형: 둥근 모서리 24">
+              <a:extLst>
+                <a:ext uri="{FF2B5EF4-FFF2-40B4-BE49-F238E27FC236}">
+                  <a16:creationId xmlns:a16="http://schemas.microsoft.com/office/drawing/2014/main" id="{D178C74A-6DD1-494D-BFA3-540053ED9D9F}"/>
+                </a:ext>
+              </a:extLst>
+            </p:cNvPr>
+            <p:cNvSpPr/>
+            <p:nvPr/>
+          </p:nvSpPr>
+          <p:spPr>
+            <a:xfrm>
+              <a:off x="6579686" y="2823893"/>
+              <a:ext cx="4245844" cy="3952145"/>
+            </a:xfrm>
+            <a:prstGeom prst="roundRect">
+              <a:avLst>
+                <a:gd name="adj" fmla="val 5235"/>
+              </a:avLst>
+            </a:prstGeom>
+            <a:noFill/>
+            <a:ln w="19050">
+              <a:solidFill>
+                <a:schemeClr val="bg2">
+                  <a:lumMod val="75000"/>
+                </a:schemeClr>
+              </a:solidFill>
+            </a:ln>
+          </p:spPr>
+          <p:style>
+            <a:lnRef idx="2">
+              <a:schemeClr val="accent1">
+                <a:shade val="50000"/>
+              </a:schemeClr>
+            </a:lnRef>
+            <a:fillRef idx="1">
+              <a:schemeClr val="accent1"/>
+            </a:fillRef>
+            <a:effectRef idx="0">
+              <a:schemeClr val="accent1"/>
+            </a:effectRef>
+            <a:fontRef idx="minor">
+              <a:schemeClr val="lt1"/>
+            </a:fontRef>
+          </p:style>
+          <p:txBody>
+            <a:bodyPr rtlCol="0" anchor="ctr"/>
+            <a:lstStyle/>
+            <a:p>
+              <a:pPr algn="ctr"/>
+              <a:endParaRPr lang="ko-KR" altLang="en-US"/>
+            </a:p>
+          </p:txBody>
+        </p:sp>
+        <p:sp>
+          <p:nvSpPr>
+            <p:cNvPr id="16" name="사각형: 둥근 모서리 15">
+              <a:extLst>
+                <a:ext uri="{FF2B5EF4-FFF2-40B4-BE49-F238E27FC236}">
+                  <a16:creationId xmlns:a16="http://schemas.microsoft.com/office/drawing/2014/main" id="{646A652D-7FD1-49A5-B6AF-C4738D1B50FB}"/>
+                </a:ext>
+              </a:extLst>
+            </p:cNvPr>
+            <p:cNvSpPr/>
+            <p:nvPr/>
+          </p:nvSpPr>
+          <p:spPr>
+            <a:xfrm>
+              <a:off x="2352987" y="1273267"/>
+              <a:ext cx="1229869" cy="563323"/>
+            </a:xfrm>
+            <a:prstGeom prst="roundRect">
+              <a:avLst>
+                <a:gd name="adj" fmla="val 10081"/>
+              </a:avLst>
+            </a:prstGeom>
+            <a:solidFill>
+              <a:schemeClr val="accent5">
+                <a:lumMod val="40000"/>
+                <a:lumOff val="60000"/>
+              </a:schemeClr>
+            </a:solidFill>
+            <a:ln w="19050">
+              <a:noFill/>
+            </a:ln>
+          </p:spPr>
+          <p:style>
+            <a:lnRef idx="2">
+              <a:schemeClr val="accent1">
+                <a:shade val="50000"/>
+              </a:schemeClr>
+            </a:lnRef>
+            <a:fillRef idx="1">
+              <a:schemeClr val="accent1"/>
+            </a:fillRef>
+            <a:effectRef idx="0">
+              <a:schemeClr val="accent1"/>
+            </a:effectRef>
+            <a:fontRef idx="minor">
+              <a:schemeClr val="lt1"/>
+            </a:fontRef>
+          </p:style>
+          <p:txBody>
+            <a:bodyPr rtlCol="0" anchor="ctr"/>
+            <a:lstStyle/>
+            <a:p>
+              <a:pPr algn="ctr"/>
+              <a:endParaRPr lang="ko-KR" altLang="en-US" dirty="0"/>
+            </a:p>
+          </p:txBody>
+        </p:sp>
+        <p:sp>
+          <p:nvSpPr>
+            <p:cNvPr id="17" name="사각형: 둥근 모서리 16">
+              <a:extLst>
+                <a:ext uri="{FF2B5EF4-FFF2-40B4-BE49-F238E27FC236}">
+                  <a16:creationId xmlns:a16="http://schemas.microsoft.com/office/drawing/2014/main" id="{8AF8E2B4-964C-44A8-A578-1EDA123D67EF}"/>
+                </a:ext>
+              </a:extLst>
+            </p:cNvPr>
+            <p:cNvSpPr/>
+            <p:nvPr/>
+          </p:nvSpPr>
+          <p:spPr>
+            <a:xfrm>
+              <a:off x="3697888" y="1273268"/>
+              <a:ext cx="1229869" cy="563323"/>
+            </a:xfrm>
+            <a:prstGeom prst="roundRect">
+              <a:avLst>
+                <a:gd name="adj" fmla="val 10081"/>
+              </a:avLst>
+            </a:prstGeom>
+            <a:solidFill>
+              <a:schemeClr val="accent5">
+                <a:lumMod val="40000"/>
+                <a:lumOff val="60000"/>
+              </a:schemeClr>
+            </a:solidFill>
+            <a:ln w="19050">
+              <a:noFill/>
+            </a:ln>
+          </p:spPr>
+          <p:style>
+            <a:lnRef idx="2">
+              <a:schemeClr val="accent1">
+                <a:shade val="50000"/>
+              </a:schemeClr>
+            </a:lnRef>
+            <a:fillRef idx="1">
+              <a:schemeClr val="accent1"/>
+            </a:fillRef>
+            <a:effectRef idx="0">
+              <a:schemeClr val="accent1"/>
+            </a:effectRef>
+            <a:fontRef idx="minor">
+              <a:schemeClr val="lt1"/>
+            </a:fontRef>
+          </p:style>
+          <p:txBody>
+            <a:bodyPr rtlCol="0" anchor="ctr"/>
+            <a:lstStyle/>
+            <a:p>
+              <a:pPr algn="ctr"/>
+              <a:endParaRPr lang="ko-KR" altLang="en-US"/>
+            </a:p>
+          </p:txBody>
+        </p:sp>
+        <p:sp>
+          <p:nvSpPr>
+            <p:cNvPr id="18" name="사각형: 둥근 모서리 17">
+              <a:extLst>
+                <a:ext uri="{FF2B5EF4-FFF2-40B4-BE49-F238E27FC236}">
+                  <a16:creationId xmlns:a16="http://schemas.microsoft.com/office/drawing/2014/main" id="{A220ACF2-B27F-473A-9D85-0EA9C4BAA7A4}"/>
+                </a:ext>
+              </a:extLst>
+            </p:cNvPr>
+            <p:cNvSpPr/>
+            <p:nvPr/>
+          </p:nvSpPr>
+          <p:spPr>
+            <a:xfrm>
+              <a:off x="5042789" y="1273267"/>
+              <a:ext cx="1229869" cy="563323"/>
+            </a:xfrm>
+            <a:prstGeom prst="roundRect">
+              <a:avLst>
+                <a:gd name="adj" fmla="val 10081"/>
+              </a:avLst>
+            </a:prstGeom>
+            <a:solidFill>
+              <a:schemeClr val="accent5">
+                <a:lumMod val="40000"/>
+                <a:lumOff val="60000"/>
+              </a:schemeClr>
+            </a:solidFill>
+            <a:ln w="19050">
+              <a:noFill/>
+            </a:ln>
+          </p:spPr>
+          <p:style>
+            <a:lnRef idx="2">
+              <a:schemeClr val="accent1">
+                <a:shade val="50000"/>
+              </a:schemeClr>
+            </a:lnRef>
+            <a:fillRef idx="1">
+              <a:schemeClr val="accent1"/>
+            </a:fillRef>
+            <a:effectRef idx="0">
+              <a:schemeClr val="accent1"/>
+            </a:effectRef>
+            <a:fontRef idx="minor">
+              <a:schemeClr val="lt1"/>
+            </a:fontRef>
+          </p:style>
+          <p:txBody>
+            <a:bodyPr rtlCol="0" anchor="ctr"/>
+            <a:lstStyle/>
+            <a:p>
+              <a:pPr algn="ctr"/>
+              <a:endParaRPr lang="ko-KR" altLang="en-US"/>
+            </a:p>
+          </p:txBody>
+        </p:sp>
+        <p:sp>
+          <p:nvSpPr>
+            <p:cNvPr id="21" name="사각형: 둥근 모서리 20">
+              <a:extLst>
+                <a:ext uri="{FF2B5EF4-FFF2-40B4-BE49-F238E27FC236}">
+                  <a16:creationId xmlns:a16="http://schemas.microsoft.com/office/drawing/2014/main" id="{6A6F0CF1-CB37-4AD8-9468-5911514C0A1E}"/>
+                </a:ext>
+              </a:extLst>
+            </p:cNvPr>
+            <p:cNvSpPr/>
+            <p:nvPr/>
+          </p:nvSpPr>
+          <p:spPr>
+            <a:xfrm>
+              <a:off x="6745514" y="1273267"/>
+              <a:ext cx="1229869" cy="563323"/>
+            </a:xfrm>
+            <a:prstGeom prst="roundRect">
+              <a:avLst>
+                <a:gd name="adj" fmla="val 10081"/>
+              </a:avLst>
+            </a:prstGeom>
+            <a:solidFill>
+              <a:schemeClr val="accent5">
+                <a:lumMod val="40000"/>
+                <a:lumOff val="60000"/>
+              </a:schemeClr>
+            </a:solidFill>
+            <a:ln w="19050">
+              <a:noFill/>
+            </a:ln>
+          </p:spPr>
+          <p:style>
+            <a:lnRef idx="2">
+              <a:schemeClr val="accent1">
+                <a:shade val="50000"/>
+              </a:schemeClr>
+            </a:lnRef>
+            <a:fillRef idx="1">
+              <a:schemeClr val="accent1"/>
+            </a:fillRef>
+            <a:effectRef idx="0">
+              <a:schemeClr val="accent1"/>
+            </a:effectRef>
+            <a:fontRef idx="minor">
+              <a:schemeClr val="lt1"/>
+            </a:fontRef>
+          </p:style>
+          <p:txBody>
+            <a:bodyPr rtlCol="0" anchor="ctr"/>
+            <a:lstStyle/>
+            <a:p>
+              <a:pPr algn="ctr"/>
+              <a:endParaRPr lang="ko-KR" altLang="en-US"/>
+            </a:p>
+          </p:txBody>
+        </p:sp>
+        <p:sp>
+          <p:nvSpPr>
+            <p:cNvPr id="22" name="사각형: 둥근 모서리 21">
+              <a:extLst>
+                <a:ext uri="{FF2B5EF4-FFF2-40B4-BE49-F238E27FC236}">
+                  <a16:creationId xmlns:a16="http://schemas.microsoft.com/office/drawing/2014/main" id="{F4003A19-9756-433D-9129-C938E138E4B7}"/>
+                </a:ext>
+              </a:extLst>
+            </p:cNvPr>
+            <p:cNvSpPr/>
+            <p:nvPr/>
+          </p:nvSpPr>
+          <p:spPr>
+            <a:xfrm>
+              <a:off x="8089044" y="1273269"/>
+              <a:ext cx="1229869" cy="563323"/>
+            </a:xfrm>
+            <a:prstGeom prst="roundRect">
+              <a:avLst>
+                <a:gd name="adj" fmla="val 10081"/>
+              </a:avLst>
+            </a:prstGeom>
+            <a:solidFill>
+              <a:schemeClr val="accent5">
+                <a:lumMod val="40000"/>
+                <a:lumOff val="60000"/>
+              </a:schemeClr>
+            </a:solidFill>
+            <a:ln w="19050">
+              <a:noFill/>
+            </a:ln>
+          </p:spPr>
+          <p:style>
+            <a:lnRef idx="2">
+              <a:schemeClr val="accent1">
+                <a:shade val="50000"/>
+              </a:schemeClr>
+            </a:lnRef>
+            <a:fillRef idx="1">
+              <a:schemeClr val="accent1"/>
+            </a:fillRef>
+            <a:effectRef idx="0">
+              <a:schemeClr val="accent1"/>
+            </a:effectRef>
+            <a:fontRef idx="minor">
+              <a:schemeClr val="lt1"/>
+            </a:fontRef>
+          </p:style>
+          <p:txBody>
+            <a:bodyPr rtlCol="0" anchor="ctr"/>
+            <a:lstStyle/>
+            <a:p>
+              <a:pPr algn="ctr"/>
+              <a:endParaRPr lang="ko-KR" altLang="en-US"/>
+            </a:p>
+          </p:txBody>
+        </p:sp>
+        <p:sp>
+          <p:nvSpPr>
+            <p:cNvPr id="24" name="사각형: 둥근 모서리 23">
+              <a:extLst>
+                <a:ext uri="{FF2B5EF4-FFF2-40B4-BE49-F238E27FC236}">
+                  <a16:creationId xmlns:a16="http://schemas.microsoft.com/office/drawing/2014/main" id="{3B1530BC-9D3A-4143-9A31-64D8139667F3}"/>
+                </a:ext>
+              </a:extLst>
+            </p:cNvPr>
+            <p:cNvSpPr/>
+            <p:nvPr/>
+          </p:nvSpPr>
+          <p:spPr>
+            <a:xfrm>
+              <a:off x="9432574" y="1273267"/>
+              <a:ext cx="1229869" cy="563323"/>
+            </a:xfrm>
+            <a:prstGeom prst="roundRect">
+              <a:avLst>
+                <a:gd name="adj" fmla="val 10081"/>
+              </a:avLst>
+            </a:prstGeom>
+            <a:solidFill>
+              <a:schemeClr val="accent5">
+                <a:lumMod val="40000"/>
+                <a:lumOff val="60000"/>
+              </a:schemeClr>
+            </a:solidFill>
+            <a:ln w="19050">
+              <a:noFill/>
+            </a:ln>
+          </p:spPr>
+          <p:style>
+            <a:lnRef idx="2">
+              <a:schemeClr val="accent1">
+                <a:shade val="50000"/>
+              </a:schemeClr>
+            </a:lnRef>
+            <a:fillRef idx="1">
+              <a:schemeClr val="accent1"/>
+            </a:fillRef>
+            <a:effectRef idx="0">
+              <a:schemeClr val="accent1"/>
+            </a:effectRef>
+            <a:fontRef idx="minor">
+              <a:schemeClr val="lt1"/>
+            </a:fontRef>
+          </p:style>
+          <p:txBody>
+            <a:bodyPr rtlCol="0" anchor="ctr"/>
+            <a:lstStyle/>
+            <a:p>
+              <a:pPr algn="ctr"/>
+              <a:endParaRPr lang="ko-KR" altLang="en-US"/>
+            </a:p>
+          </p:txBody>
+        </p:sp>
+      </p:grpSp>
+      <p:sp>
+        <p:nvSpPr>
+          <p:cNvPr id="37" name="사각형: 둥근 모서리 36">
+            <a:extLst>
+              <a:ext uri="{FF2B5EF4-FFF2-40B4-BE49-F238E27FC236}">
+                <a16:creationId xmlns:a16="http://schemas.microsoft.com/office/drawing/2014/main" id="{AC87ABFF-6534-4374-BCD8-A25BDC4279CA}"/>
+              </a:ext>
+            </a:extLst>
+          </p:cNvPr>
+          <p:cNvSpPr/>
+          <p:nvPr/>
+        </p:nvSpPr>
+        <p:spPr>
+          <a:xfrm>
+            <a:off x="2929656" y="2158822"/>
+            <a:ext cx="3188290" cy="108133"/>
+          </a:xfrm>
+          <a:prstGeom prst="roundRect">
+            <a:avLst>
+              <a:gd name="adj" fmla="val 50000"/>
+            </a:avLst>
+          </a:prstGeom>
+          <a:solidFill>
+            <a:srgbClr val="78B64E"/>
+          </a:solidFill>
+          <a:ln w="19050">
+            <a:noFill/>
+          </a:ln>
+        </p:spPr>
+        <p:style>
+          <a:lnRef idx="2">
+            <a:schemeClr val="accent1">
+              <a:shade val="50000"/>
+            </a:schemeClr>
+          </a:lnRef>
+          <a:fillRef idx="1">
+            <a:schemeClr val="accent1"/>
+          </a:fillRef>
+          <a:effectRef idx="0">
+            <a:schemeClr val="accent1"/>
+          </a:effectRef>
+          <a:fontRef idx="minor">
+            <a:schemeClr val="lt1"/>
+          </a:fontRef>
+        </p:style>
+        <p:txBody>
+          <a:bodyPr rtlCol="0" anchor="ctr"/>
+          <a:lstStyle/>
+          <a:p>
+            <a:pPr algn="ctr"/>
+            <a:endParaRPr lang="ko-KR" altLang="en-US"/>
+          </a:p>
+        </p:txBody>
+      </p:sp>
+      <p:sp>
+        <p:nvSpPr>
+          <p:cNvPr id="36" name="사각형: 둥근 모서리 35">
+            <a:extLst>
+              <a:ext uri="{FF2B5EF4-FFF2-40B4-BE49-F238E27FC236}">
+                <a16:creationId xmlns:a16="http://schemas.microsoft.com/office/drawing/2014/main" id="{931A94B6-FBD5-47E9-9BF0-203EF70E7982}"/>
+              </a:ext>
+            </a:extLst>
+          </p:cNvPr>
+          <p:cNvSpPr/>
+          <p:nvPr/>
+        </p:nvSpPr>
+        <p:spPr>
+          <a:xfrm>
+            <a:off x="6745514" y="3221012"/>
+            <a:ext cx="3916928" cy="563323"/>
+          </a:xfrm>
+          <a:prstGeom prst="roundRect">
+            <a:avLst>
+              <a:gd name="adj" fmla="val 10081"/>
+            </a:avLst>
+          </a:prstGeom>
+          <a:solidFill>
+            <a:schemeClr val="accent5">
+              <a:lumMod val="20000"/>
+              <a:lumOff val="80000"/>
+            </a:schemeClr>
+          </a:solidFill>
+          <a:ln w="19050">
+            <a:noFill/>
+          </a:ln>
+        </p:spPr>
+        <p:style>
+          <a:lnRef idx="2">
+            <a:schemeClr val="accent1">
+              <a:shade val="50000"/>
+            </a:schemeClr>
+          </a:lnRef>
+          <a:fillRef idx="1">
+            <a:schemeClr val="accent1"/>
+          </a:fillRef>
+          <a:effectRef idx="0">
+            <a:schemeClr val="accent1"/>
+          </a:effectRef>
+          <a:fontRef idx="minor">
+            <a:schemeClr val="lt1"/>
+          </a:fontRef>
+        </p:style>
+        <p:txBody>
+          <a:bodyPr rtlCol="0" anchor="ctr"/>
+          <a:lstStyle/>
+          <a:p>
+            <a:pPr algn="ctr"/>
+            <a:endParaRPr lang="ko-KR" altLang="en-US"/>
+          </a:p>
+        </p:txBody>
+      </p:sp>
+      <p:pic>
+        <p:nvPicPr>
+          <p:cNvPr id="8" name="그래픽 7" descr="채우기 없는 웃는 얼굴">
+            <a:extLst>
+              <a:ext uri="{FF2B5EF4-FFF2-40B4-BE49-F238E27FC236}">
+                <a16:creationId xmlns:a16="http://schemas.microsoft.com/office/drawing/2014/main" id="{01CB66F3-7A16-4CE8-BFFA-DD44816B532D}"/>
+              </a:ext>
+            </a:extLst>
+          </p:cNvPr>
+          <p:cNvPicPr>
+            <a:picLocks noChangeAspect="1"/>
+          </p:cNvPicPr>
+          <p:nvPr/>
+        </p:nvPicPr>
+        <p:blipFill>
+          <a:blip r:embed="rId2">
+            <a:extLst>
+              <a:ext uri="{28A0092B-C50C-407E-A947-70E740481C1C}">
+                <a14:useLocalDpi xmlns:a14="http://schemas.microsoft.com/office/drawing/2010/main" val="0"/>
+              </a:ext>
+              <a:ext uri="{96DAC541-7B7A-43D3-8B79-37D633B846F1}">
+                <asvg:svgBlip xmlns:asvg="http://schemas.microsoft.com/office/drawing/2016/SVG/main" r:embed="rId3"/>
+              </a:ext>
+            </a:extLst>
+          </a:blip>
+          <a:stretch>
+            <a:fillRect/>
+          </a:stretch>
+        </p:blipFill>
+        <p:spPr>
+          <a:xfrm>
+            <a:off x="2428035" y="2009720"/>
+            <a:ext cx="426575" cy="426575"/>
+          </a:xfrm>
+          <a:prstGeom prst="rect">
+            <a:avLst/>
+          </a:prstGeom>
+        </p:spPr>
+      </p:pic>
+      <p:pic>
+        <p:nvPicPr>
+          <p:cNvPr id="10" name="그래픽 9" descr="채우기 없는 슬픈 얼굴">
+            <a:extLst>
+              <a:ext uri="{FF2B5EF4-FFF2-40B4-BE49-F238E27FC236}">
+                <a16:creationId xmlns:a16="http://schemas.microsoft.com/office/drawing/2014/main" id="{A28EABAB-75B3-4EA9-849D-6241747393AB}"/>
+              </a:ext>
+            </a:extLst>
+          </p:cNvPr>
+          <p:cNvPicPr>
+            <a:picLocks noChangeAspect="1"/>
+          </p:cNvPicPr>
+          <p:nvPr/>
+        </p:nvPicPr>
+        <p:blipFill>
+          <a:blip r:embed="rId4">
+            <a:extLst>
+              <a:ext uri="{28A0092B-C50C-407E-A947-70E740481C1C}">
+                <a14:useLocalDpi xmlns:a14="http://schemas.microsoft.com/office/drawing/2010/main" val="0"/>
+              </a:ext>
+              <a:ext uri="{96DAC541-7B7A-43D3-8B79-37D633B846F1}">
+                <asvg:svgBlip xmlns:asvg="http://schemas.microsoft.com/office/drawing/2016/SVG/main" r:embed="rId5"/>
+              </a:ext>
+            </a:extLst>
+          </a:blip>
+          <a:stretch>
+            <a:fillRect/>
+          </a:stretch>
+        </p:blipFill>
+        <p:spPr>
+          <a:xfrm>
+            <a:off x="6822677" y="2008475"/>
+            <a:ext cx="426575" cy="426575"/>
+          </a:xfrm>
+          <a:prstGeom prst="rect">
+            <a:avLst/>
+          </a:prstGeom>
+        </p:spPr>
+      </p:pic>
+      <p:sp>
+        <p:nvSpPr>
+          <p:cNvPr id="38" name="사각형: 둥근 모서리 37">
+            <a:extLst>
+              <a:ext uri="{FF2B5EF4-FFF2-40B4-BE49-F238E27FC236}">
+                <a16:creationId xmlns:a16="http://schemas.microsoft.com/office/drawing/2014/main" id="{6E216610-A590-40C1-B3A2-58FA1A580906}"/>
+              </a:ext>
+            </a:extLst>
+          </p:cNvPr>
+          <p:cNvSpPr/>
+          <p:nvPr/>
+        </p:nvSpPr>
+        <p:spPr>
+          <a:xfrm>
+            <a:off x="7326413" y="2168694"/>
+            <a:ext cx="3188290" cy="108133"/>
+          </a:xfrm>
+          <a:prstGeom prst="roundRect">
+            <a:avLst>
+              <a:gd name="adj" fmla="val 50000"/>
+            </a:avLst>
+          </a:prstGeom>
+          <a:solidFill>
+            <a:schemeClr val="bg1"/>
+          </a:solidFill>
+          <a:ln w="19050">
+            <a:noFill/>
+          </a:ln>
+        </p:spPr>
+        <p:style>
+          <a:lnRef idx="2">
+            <a:schemeClr val="accent1">
+              <a:shade val="50000"/>
+            </a:schemeClr>
+          </a:lnRef>
+          <a:fillRef idx="1">
+            <a:schemeClr val="accent1"/>
+          </a:fillRef>
+          <a:effectRef idx="0">
+            <a:schemeClr val="accent1"/>
+          </a:effectRef>
+          <a:fontRef idx="minor">
+            <a:schemeClr val="lt1"/>
+          </a:fontRef>
+        </p:style>
+        <p:txBody>
+          <a:bodyPr rtlCol="0" anchor="ctr"/>
+          <a:lstStyle/>
+          <a:p>
+            <a:pPr algn="ctr"/>
+            <a:endParaRPr lang="ko-KR" altLang="en-US"/>
+          </a:p>
+        </p:txBody>
+      </p:sp>
+      <p:sp>
+        <p:nvSpPr>
+          <p:cNvPr id="39" name="사각형: 둥근 모서리 38">
+            <a:extLst>
+              <a:ext uri="{FF2B5EF4-FFF2-40B4-BE49-F238E27FC236}">
+                <a16:creationId xmlns:a16="http://schemas.microsoft.com/office/drawing/2014/main" id="{AF0FAB9F-93EB-41B7-BE16-4E101D05CB10}"/>
+              </a:ext>
+            </a:extLst>
+          </p:cNvPr>
+          <p:cNvSpPr/>
+          <p:nvPr/>
+        </p:nvSpPr>
+        <p:spPr>
+          <a:xfrm>
+            <a:off x="2352986" y="3883711"/>
+            <a:ext cx="3916928" cy="563323"/>
+          </a:xfrm>
+          <a:prstGeom prst="roundRect">
+            <a:avLst>
+              <a:gd name="adj" fmla="val 10081"/>
+            </a:avLst>
+          </a:prstGeom>
+          <a:solidFill>
+            <a:srgbClr val="E85234">
+              <a:alpha val="10000"/>
+            </a:srgbClr>
+          </a:solidFill>
+          <a:ln w="19050">
+            <a:noFill/>
+          </a:ln>
+        </p:spPr>
+        <p:style>
+          <a:lnRef idx="2">
+            <a:schemeClr val="accent1">
+              <a:shade val="50000"/>
+            </a:schemeClr>
+          </a:lnRef>
+          <a:fillRef idx="1">
+            <a:schemeClr val="accent1"/>
+          </a:fillRef>
+          <a:effectRef idx="0">
+            <a:schemeClr val="accent1"/>
+          </a:effectRef>
+          <a:fontRef idx="minor">
+            <a:schemeClr val="lt1"/>
+          </a:fontRef>
+        </p:style>
+        <p:txBody>
+          <a:bodyPr rtlCol="0" anchor="ctr"/>
+          <a:lstStyle/>
+          <a:p>
+            <a:pPr algn="ctr"/>
+            <a:endParaRPr lang="ko-KR" altLang="en-US"/>
+          </a:p>
+        </p:txBody>
+      </p:sp>
+      <p:sp>
+        <p:nvSpPr>
+          <p:cNvPr id="40" name="사각형: 둥근 모서리 39">
+            <a:extLst>
+              <a:ext uri="{FF2B5EF4-FFF2-40B4-BE49-F238E27FC236}">
+                <a16:creationId xmlns:a16="http://schemas.microsoft.com/office/drawing/2014/main" id="{63FCCA5C-DA5B-4A25-A76C-C583E13856C6}"/>
+              </a:ext>
+            </a:extLst>
+          </p:cNvPr>
+          <p:cNvSpPr/>
+          <p:nvPr/>
+        </p:nvSpPr>
+        <p:spPr>
+          <a:xfrm>
+            <a:off x="2352986" y="3221011"/>
+            <a:ext cx="3919671" cy="563323"/>
+          </a:xfrm>
+          <a:prstGeom prst="roundRect">
+            <a:avLst>
+              <a:gd name="adj" fmla="val 10081"/>
+            </a:avLst>
+          </a:prstGeom>
+          <a:solidFill>
+            <a:srgbClr val="78B64E">
+              <a:alpha val="10000"/>
+            </a:srgbClr>
+          </a:solidFill>
+          <a:ln w="19050">
+            <a:noFill/>
+          </a:ln>
+        </p:spPr>
+        <p:style>
+          <a:lnRef idx="2">
+            <a:schemeClr val="accent1">
+              <a:shade val="50000"/>
+            </a:schemeClr>
+          </a:lnRef>
+          <a:fillRef idx="1">
+            <a:schemeClr val="accent1"/>
+          </a:fillRef>
+          <a:effectRef idx="0">
+            <a:schemeClr val="accent1"/>
+          </a:effectRef>
+          <a:fontRef idx="minor">
+            <a:schemeClr val="lt1"/>
+          </a:fontRef>
+        </p:style>
+        <p:txBody>
+          <a:bodyPr rtlCol="0" anchor="ctr"/>
+          <a:lstStyle/>
+          <a:p>
+            <a:pPr algn="ctr"/>
+            <a:endParaRPr lang="ko-KR" altLang="en-US" dirty="0"/>
+          </a:p>
+        </p:txBody>
+      </p:sp>
+      <p:sp>
+        <p:nvSpPr>
+          <p:cNvPr id="41" name="사각형: 둥근 모서리 40">
+            <a:extLst>
+              <a:ext uri="{FF2B5EF4-FFF2-40B4-BE49-F238E27FC236}">
+                <a16:creationId xmlns:a16="http://schemas.microsoft.com/office/drawing/2014/main" id="{63A8FF8D-076A-4BCA-AE39-803026247B82}"/>
+              </a:ext>
+            </a:extLst>
+          </p:cNvPr>
+          <p:cNvSpPr/>
+          <p:nvPr/>
+        </p:nvSpPr>
+        <p:spPr>
+          <a:xfrm>
+            <a:off x="7326412" y="2168694"/>
+            <a:ext cx="901997" cy="108133"/>
+          </a:xfrm>
+          <a:prstGeom prst="roundRect">
+            <a:avLst>
+              <a:gd name="adj" fmla="val 50000"/>
+            </a:avLst>
+          </a:prstGeom>
+          <a:solidFill>
+            <a:srgbClr val="E85234"/>
+          </a:solidFill>
+          <a:ln w="19050">
+            <a:noFill/>
+          </a:ln>
+        </p:spPr>
+        <p:style>
+          <a:lnRef idx="2">
+            <a:schemeClr val="accent1">
+              <a:shade val="50000"/>
+            </a:schemeClr>
+          </a:lnRef>
+          <a:fillRef idx="1">
+            <a:schemeClr val="accent1"/>
+          </a:fillRef>
+          <a:effectRef idx="0">
+            <a:schemeClr val="accent1"/>
+          </a:effectRef>
+          <a:fontRef idx="minor">
+            <a:schemeClr val="lt1"/>
+          </a:fontRef>
+        </p:style>
+        <p:txBody>
+          <a:bodyPr rtlCol="0" anchor="ctr"/>
+          <a:lstStyle/>
+          <a:p>
+            <a:pPr algn="ctr"/>
+            <a:endParaRPr lang="ko-KR" altLang="en-US" u="sng" dirty="0"/>
+          </a:p>
+        </p:txBody>
+      </p:sp>
+    </p:spTree>
+    <p:extLst>
+      <p:ext uri="{BB962C8B-B14F-4D97-AF65-F5344CB8AC3E}">
+        <p14:creationId xmlns:p14="http://schemas.microsoft.com/office/powerpoint/2010/main" val="147487756"/>
+      </p:ext>
+    </p:extLst>
+  </p:cSld>
+  <p:clrMapOvr>
+    <a:masterClrMapping/>
+  </p:clrMapOvr>
+</p:sld>
+</file>
+
+<file path=ppt/slides/slide11.xml><?xml version="1.0" encoding="utf-8"?>
+<p:sld xmlns:a="http://schemas.openxmlformats.org/drawingml/2006/main" xmlns:r="http://schemas.openxmlformats.org/officeDocument/2006/relationships" xmlns:p="http://schemas.openxmlformats.org/presentationml/2006/main">
+  <p:cSld>
+    <p:bg>
+      <p:bgPr>
+        <a:solidFill>
+          <a:schemeClr val="bg1"/>
+        </a:solidFill>
+        <a:effectLst/>
+      </p:bgPr>
+    </p:bg>
+    <p:spTree>
+      <p:nvGrpSpPr>
+        <p:cNvPr id="1" name=""/>
+        <p:cNvGrpSpPr/>
+        <p:nvPr/>
+      </p:nvGrpSpPr>
+      <p:grpSpPr>
+        <a:xfrm>
+          <a:off x="0" y="0"/>
+          <a:ext cx="0" cy="0"/>
+          <a:chOff x="0" y="0"/>
+          <a:chExt cx="0" cy="0"/>
+        </a:xfrm>
+      </p:grpSpPr>
+      <p:grpSp>
+        <p:nvGrpSpPr>
+          <p:cNvPr id="14" name="그룹 13">
+            <a:extLst>
+              <a:ext uri="{FF2B5EF4-FFF2-40B4-BE49-F238E27FC236}">
+                <a16:creationId xmlns:a16="http://schemas.microsoft.com/office/drawing/2014/main" id="{16A0F8E0-F58A-4826-A847-44A942D76261}"/>
+              </a:ext>
+            </a:extLst>
+          </p:cNvPr>
+          <p:cNvGrpSpPr/>
+          <p:nvPr/>
+        </p:nvGrpSpPr>
+        <p:grpSpPr>
+          <a:xfrm>
+            <a:off x="-38167" y="0"/>
+            <a:ext cx="9931847" cy="6858000"/>
+            <a:chOff x="1130068" y="0"/>
+            <a:chExt cx="9931847" cy="6858000"/>
+          </a:xfrm>
+        </p:grpSpPr>
+        <p:grpSp>
+          <p:nvGrpSpPr>
+            <p:cNvPr id="11" name="그룹 10">
+              <a:extLst>
+                <a:ext uri="{FF2B5EF4-FFF2-40B4-BE49-F238E27FC236}">
+                  <a16:creationId xmlns:a16="http://schemas.microsoft.com/office/drawing/2014/main" id="{022B9763-AAA8-4A69-BACA-91304069D2C1}"/>
+                </a:ext>
+              </a:extLst>
+            </p:cNvPr>
+            <p:cNvGrpSpPr/>
+            <p:nvPr/>
+          </p:nvGrpSpPr>
+          <p:grpSpPr>
+            <a:xfrm>
+              <a:off x="1130083" y="0"/>
+              <a:ext cx="9931832" cy="6858000"/>
+              <a:chOff x="1130083" y="0"/>
+              <a:chExt cx="9931832" cy="6858000"/>
+            </a:xfrm>
+          </p:grpSpPr>
+          <p:grpSp>
+            <p:nvGrpSpPr>
+              <p:cNvPr id="4" name="그룹 3">
+                <a:extLst>
+                  <a:ext uri="{FF2B5EF4-FFF2-40B4-BE49-F238E27FC236}">
+                    <a16:creationId xmlns:a16="http://schemas.microsoft.com/office/drawing/2014/main" id="{016A1E2A-F626-429D-9BB0-E277D7C9140C}"/>
+                  </a:ext>
+                </a:extLst>
+              </p:cNvPr>
+              <p:cNvGrpSpPr/>
+              <p:nvPr/>
+            </p:nvGrpSpPr>
+            <p:grpSpPr>
+              <a:xfrm>
+                <a:off x="1130093" y="0"/>
+                <a:ext cx="9931822" cy="6858000"/>
+                <a:chOff x="1130088" y="0"/>
+                <a:chExt cx="9931822" cy="6858000"/>
+              </a:xfrm>
+            </p:grpSpPr>
+            <p:sp>
+              <p:nvSpPr>
+                <p:cNvPr id="2" name="사각형: 둥근 모서리 1">
+                  <a:extLst>
+                    <a:ext uri="{FF2B5EF4-FFF2-40B4-BE49-F238E27FC236}">
+                      <a16:creationId xmlns:a16="http://schemas.microsoft.com/office/drawing/2014/main" id="{EE8A1ACC-B9CE-40A2-BA3A-20A6123EF4C1}"/>
+                    </a:ext>
+                  </a:extLst>
+                </p:cNvPr>
+                <p:cNvSpPr/>
+                <p:nvPr/>
+              </p:nvSpPr>
+              <p:spPr>
+                <a:xfrm>
+                  <a:off x="1130088" y="0"/>
+                  <a:ext cx="9931822" cy="6858000"/>
+                </a:xfrm>
+                <a:prstGeom prst="roundRect">
+                  <a:avLst>
+                    <a:gd name="adj" fmla="val 2624"/>
+                  </a:avLst>
+                </a:prstGeom>
+                <a:solidFill>
+                  <a:schemeClr val="bg1">
+                    <a:lumMod val="95000"/>
+                    <a:alpha val="70000"/>
+                  </a:schemeClr>
+                </a:solidFill>
+                <a:ln w="12700">
+                  <a:solidFill>
+                    <a:schemeClr val="bg1">
+                      <a:alpha val="50000"/>
+                    </a:schemeClr>
+                  </a:solidFill>
+                </a:ln>
+              </p:spPr>
+              <p:style>
+                <a:lnRef idx="2">
+                  <a:schemeClr val="accent1">
+                    <a:shade val="50000"/>
+                  </a:schemeClr>
+                </a:lnRef>
+                <a:fillRef idx="1">
+                  <a:schemeClr val="accent1"/>
+                </a:fillRef>
+                <a:effectRef idx="0">
+                  <a:schemeClr val="accent1"/>
+                </a:effectRef>
+                <a:fontRef idx="minor">
+                  <a:schemeClr val="lt1"/>
+                </a:fontRef>
+              </p:style>
+              <p:txBody>
+                <a:bodyPr rtlCol="0" anchor="ctr"/>
+                <a:lstStyle/>
+                <a:p>
+                  <a:pPr algn="ctr"/>
+                  <a:endParaRPr lang="ko-KR" altLang="en-US" dirty="0"/>
+                </a:p>
+              </p:txBody>
+            </p:sp>
+            <p:sp>
+              <p:nvSpPr>
+                <p:cNvPr id="3" name="사각형: 둥근 위쪽 모서리 2">
+                  <a:extLst>
+                    <a:ext uri="{FF2B5EF4-FFF2-40B4-BE49-F238E27FC236}">
+                      <a16:creationId xmlns:a16="http://schemas.microsoft.com/office/drawing/2014/main" id="{EB7B1FDC-F00F-4DCD-8427-0B0B9B0BF285}"/>
+                    </a:ext>
+                  </a:extLst>
+                </p:cNvPr>
+                <p:cNvSpPr/>
+                <p:nvPr/>
+              </p:nvSpPr>
+              <p:spPr>
+                <a:xfrm>
+                  <a:off x="1130089" y="12026"/>
+                  <a:ext cx="9931819" cy="271463"/>
+                </a:xfrm>
+                <a:prstGeom prst="round2SameRect">
+                  <a:avLst>
+                    <a:gd name="adj1" fmla="val 50000"/>
+                    <a:gd name="adj2" fmla="val 0"/>
+                  </a:avLst>
+                </a:prstGeom>
+                <a:solidFill>
+                  <a:srgbClr val="70AFF4">
+                    <a:alpha val="80000"/>
+                  </a:srgbClr>
+                </a:solidFill>
+                <a:ln w="19050">
+                  <a:noFill/>
+                </a:ln>
+              </p:spPr>
+              <p:style>
+                <a:lnRef idx="2">
+                  <a:schemeClr val="accent1">
+                    <a:shade val="50000"/>
+                  </a:schemeClr>
+                </a:lnRef>
+                <a:fillRef idx="1">
+                  <a:schemeClr val="accent1"/>
+                </a:fillRef>
+                <a:effectRef idx="0">
+                  <a:schemeClr val="accent1"/>
+                </a:effectRef>
+                <a:fontRef idx="minor">
+                  <a:schemeClr val="lt1"/>
+                </a:fontRef>
+              </p:style>
+              <p:txBody>
+                <a:bodyPr rtlCol="0" anchor="ctr"/>
+                <a:lstStyle/>
+                <a:p>
+                  <a:pPr algn="ctr"/>
+                  <a:endParaRPr lang="ko-KR" altLang="en-US"/>
+                </a:p>
+              </p:txBody>
+            </p:sp>
+          </p:grpSp>
+          <p:sp>
+            <p:nvSpPr>
+              <p:cNvPr id="12" name="사각형: 둥근 한쪽 모서리 11">
+                <a:extLst>
+                  <a:ext uri="{FF2B5EF4-FFF2-40B4-BE49-F238E27FC236}">
+                    <a16:creationId xmlns:a16="http://schemas.microsoft.com/office/drawing/2014/main" id="{4D64613E-3A69-48D7-90C0-59A59CB1EF45}"/>
+                  </a:ext>
+                </a:extLst>
+              </p:cNvPr>
+              <p:cNvSpPr/>
+              <p:nvPr/>
+            </p:nvSpPr>
+            <p:spPr>
+              <a:xfrm rot="10800000">
+                <a:off x="1130083" y="706030"/>
+                <a:ext cx="832061" cy="6135299"/>
+              </a:xfrm>
+              <a:prstGeom prst="round1Rect">
+                <a:avLst>
+                  <a:gd name="adj" fmla="val 22963"/>
+                </a:avLst>
+              </a:prstGeom>
+              <a:solidFill>
+                <a:schemeClr val="bg1">
+                  <a:lumMod val="95000"/>
+                  <a:alpha val="70000"/>
+                </a:schemeClr>
+              </a:solidFill>
+              <a:ln>
+                <a:noFill/>
+              </a:ln>
+              <a:effectLst>
+                <a:innerShdw blurRad="254000" dist="50800" dir="10800000">
+                  <a:prstClr val="black">
+                    <a:alpha val="30000"/>
+                  </a:prstClr>
+                </a:innerShdw>
+              </a:effectLst>
+            </p:spPr>
+            <p:style>
+              <a:lnRef idx="2">
+                <a:schemeClr val="accent1">
+                  <a:shade val="50000"/>
+                </a:schemeClr>
+              </a:lnRef>
+              <a:fillRef idx="1">
+                <a:schemeClr val="accent1"/>
+              </a:fillRef>
+              <a:effectRef idx="0">
+                <a:schemeClr val="accent1"/>
+              </a:effectRef>
+              <a:fontRef idx="minor">
+                <a:schemeClr val="lt1"/>
+              </a:fontRef>
+            </p:style>
+            <p:txBody>
+              <a:bodyPr rtlCol="0" anchor="ctr"/>
+              <a:lstStyle/>
+              <a:p>
+                <a:pPr algn="ctr"/>
+                <a:endParaRPr lang="ko-KR" altLang="en-US"/>
+              </a:p>
+            </p:txBody>
+          </p:sp>
+        </p:grpSp>
+        <p:sp>
+          <p:nvSpPr>
+            <p:cNvPr id="20" name="직사각형 19">
+              <a:extLst>
+                <a:ext uri="{FF2B5EF4-FFF2-40B4-BE49-F238E27FC236}">
+                  <a16:creationId xmlns:a16="http://schemas.microsoft.com/office/drawing/2014/main" id="{7F5A199C-DC3A-49D0-89E2-2686BC39B915}"/>
+                </a:ext>
+              </a:extLst>
+            </p:cNvPr>
+            <p:cNvSpPr/>
+            <p:nvPr/>
+          </p:nvSpPr>
+          <p:spPr>
+            <a:xfrm>
+              <a:off x="1130068" y="283489"/>
+              <a:ext cx="9931822" cy="422541"/>
+            </a:xfrm>
+            <a:prstGeom prst="rect">
+              <a:avLst/>
+            </a:prstGeom>
+            <a:solidFill>
+              <a:srgbClr val="C2DDFA">
+                <a:alpha val="69804"/>
+              </a:srgbClr>
+            </a:solidFill>
+            <a:ln w="19050">
+              <a:noFill/>
+            </a:ln>
+          </p:spPr>
+          <p:style>
+            <a:lnRef idx="2">
+              <a:schemeClr val="accent1">
+                <a:shade val="50000"/>
+              </a:schemeClr>
+            </a:lnRef>
+            <a:fillRef idx="1">
+              <a:schemeClr val="accent1"/>
+            </a:fillRef>
+            <a:effectRef idx="0">
+              <a:schemeClr val="accent1"/>
+            </a:effectRef>
+            <a:fontRef idx="minor">
+              <a:schemeClr val="lt1"/>
+            </a:fontRef>
+          </p:style>
+          <p:txBody>
+            <a:bodyPr rtlCol="0" anchor="ctr"/>
+            <a:lstStyle/>
+            <a:p>
+              <a:pPr algn="ctr"/>
+              <a:endParaRPr lang="ko-KR" altLang="en-US"/>
+            </a:p>
+          </p:txBody>
+        </p:sp>
+      </p:grpSp>
+      <p:sp>
+        <p:nvSpPr>
+          <p:cNvPr id="5" name="곱하기 기호 4">
+            <a:extLst>
+              <a:ext uri="{FF2B5EF4-FFF2-40B4-BE49-F238E27FC236}">
+                <a16:creationId xmlns:a16="http://schemas.microsoft.com/office/drawing/2014/main" id="{91F513B6-C61D-4F45-ABB4-BF6F2E79A52E}"/>
+              </a:ext>
+            </a:extLst>
+          </p:cNvPr>
+          <p:cNvSpPr/>
+          <p:nvPr/>
+        </p:nvSpPr>
+        <p:spPr>
+          <a:xfrm>
+            <a:off x="9569679" y="45494"/>
+            <a:ext cx="216000" cy="216000"/>
+          </a:xfrm>
+          <a:prstGeom prst="mathMultiply">
+            <a:avLst/>
+          </a:prstGeom>
+          <a:solidFill>
+            <a:schemeClr val="bg1">
+              <a:alpha val="90000"/>
+            </a:schemeClr>
+          </a:solidFill>
+          <a:ln>
+            <a:noFill/>
+          </a:ln>
+        </p:spPr>
+        <p:style>
+          <a:lnRef idx="2">
+            <a:schemeClr val="accent1">
+              <a:shade val="50000"/>
+            </a:schemeClr>
+          </a:lnRef>
+          <a:fillRef idx="1">
+            <a:schemeClr val="accent1"/>
+          </a:fillRef>
+          <a:effectRef idx="0">
+            <a:schemeClr val="accent1"/>
+          </a:effectRef>
+          <a:fontRef idx="minor">
+            <a:schemeClr val="lt1"/>
+          </a:fontRef>
+        </p:style>
+        <p:txBody>
+          <a:bodyPr rtlCol="0" anchor="ctr"/>
+          <a:lstStyle/>
+          <a:p>
+            <a:pPr algn="ctr"/>
+            <a:endParaRPr lang="ko-KR" altLang="en-US" dirty="0"/>
+          </a:p>
+        </p:txBody>
+      </p:sp>
+      <p:sp>
+        <p:nvSpPr>
+          <p:cNvPr id="29" name="사각형: 둥근 위쪽 모서리 28">
+            <a:extLst>
+              <a:ext uri="{FF2B5EF4-FFF2-40B4-BE49-F238E27FC236}">
+                <a16:creationId xmlns:a16="http://schemas.microsoft.com/office/drawing/2014/main" id="{721B8819-0A16-44A3-8F1F-5DBE5C7DABFC}"/>
+              </a:ext>
+            </a:extLst>
+          </p:cNvPr>
+          <p:cNvSpPr/>
+          <p:nvPr/>
+        </p:nvSpPr>
+        <p:spPr>
+          <a:xfrm>
+            <a:off x="10278055" y="279710"/>
+            <a:ext cx="1333742" cy="388968"/>
+          </a:xfrm>
+          <a:prstGeom prst="round2SameRect">
+            <a:avLst>
+              <a:gd name="adj1" fmla="val 38706"/>
+              <a:gd name="adj2" fmla="val 0"/>
+            </a:avLst>
+          </a:prstGeom>
+          <a:solidFill>
+            <a:schemeClr val="accent1">
+              <a:lumMod val="60000"/>
+              <a:lumOff val="40000"/>
+              <a:alpha val="70000"/>
+            </a:schemeClr>
+          </a:solidFill>
+          <a:ln>
+            <a:noFill/>
+          </a:ln>
+        </p:spPr>
+        <p:style>
+          <a:lnRef idx="2">
+            <a:schemeClr val="accent1">
+              <a:shade val="50000"/>
+            </a:schemeClr>
+          </a:lnRef>
+          <a:fillRef idx="1">
+            <a:schemeClr val="accent1"/>
+          </a:fillRef>
+          <a:effectRef idx="0">
+            <a:schemeClr val="accent1"/>
+          </a:effectRef>
+          <a:fontRef idx="minor">
+            <a:schemeClr val="lt1"/>
+          </a:fontRef>
+        </p:style>
+        <p:txBody>
+          <a:bodyPr rtlCol="0" anchor="ctr"/>
+          <a:lstStyle/>
+          <a:p>
+            <a:pPr algn="ctr"/>
+            <a:endParaRPr lang="ko-KR" altLang="en-US" sz="1400" dirty="0">
+              <a:solidFill>
+                <a:schemeClr val="tx1">
+                  <a:lumMod val="75000"/>
+                  <a:lumOff val="25000"/>
+                </a:schemeClr>
+              </a:solidFill>
+            </a:endParaRPr>
+          </a:p>
+        </p:txBody>
+      </p:sp>
+      <p:sp>
+        <p:nvSpPr>
+          <p:cNvPr id="32" name="사각형: 둥근 위쪽 모서리 31">
+            <a:extLst>
+              <a:ext uri="{FF2B5EF4-FFF2-40B4-BE49-F238E27FC236}">
+                <a16:creationId xmlns:a16="http://schemas.microsoft.com/office/drawing/2014/main" id="{F1D9F5EA-BDFC-4414-B692-180956C3F07C}"/>
+              </a:ext>
+            </a:extLst>
+          </p:cNvPr>
+          <p:cNvSpPr/>
+          <p:nvPr/>
+        </p:nvSpPr>
+        <p:spPr>
+          <a:xfrm>
+            <a:off x="10278055" y="975858"/>
+            <a:ext cx="1333742" cy="388968"/>
+          </a:xfrm>
+          <a:prstGeom prst="round2SameRect">
+            <a:avLst>
+              <a:gd name="adj1" fmla="val 38706"/>
+              <a:gd name="adj2" fmla="val 0"/>
+            </a:avLst>
+          </a:prstGeom>
+          <a:solidFill>
+            <a:schemeClr val="accent1">
+              <a:lumMod val="40000"/>
+              <a:lumOff val="60000"/>
+              <a:alpha val="70000"/>
+            </a:schemeClr>
+          </a:solidFill>
+          <a:ln>
+            <a:noFill/>
+          </a:ln>
+        </p:spPr>
+        <p:style>
+          <a:lnRef idx="2">
+            <a:schemeClr val="accent1">
+              <a:shade val="50000"/>
+            </a:schemeClr>
+          </a:lnRef>
+          <a:fillRef idx="1">
+            <a:schemeClr val="accent1"/>
+          </a:fillRef>
+          <a:effectRef idx="0">
+            <a:schemeClr val="accent1"/>
+          </a:effectRef>
+          <a:fontRef idx="minor">
+            <a:schemeClr val="lt1"/>
+          </a:fontRef>
+        </p:style>
+        <p:txBody>
+          <a:bodyPr rtlCol="0" anchor="ctr"/>
+          <a:lstStyle/>
+          <a:p>
+            <a:pPr algn="ctr"/>
+            <a:endParaRPr lang="ko-KR" altLang="en-US" sz="1400" dirty="0"/>
+          </a:p>
+        </p:txBody>
+      </p:sp>
+      <p:sp>
+        <p:nvSpPr>
+          <p:cNvPr id="33" name="사각형: 둥근 위쪽 모서리 32">
+            <a:extLst>
+              <a:ext uri="{FF2B5EF4-FFF2-40B4-BE49-F238E27FC236}">
+                <a16:creationId xmlns:a16="http://schemas.microsoft.com/office/drawing/2014/main" id="{A9B1791B-D0F0-4E38-9528-C7E6A464B05E}"/>
+              </a:ext>
+            </a:extLst>
+          </p:cNvPr>
+          <p:cNvSpPr/>
+          <p:nvPr/>
+        </p:nvSpPr>
+        <p:spPr>
+          <a:xfrm>
+            <a:off x="10278055" y="1645475"/>
+            <a:ext cx="1333742" cy="388968"/>
+          </a:xfrm>
+          <a:prstGeom prst="round2SameRect">
+            <a:avLst>
+              <a:gd name="adj1" fmla="val 38706"/>
+              <a:gd name="adj2" fmla="val 0"/>
+            </a:avLst>
+          </a:prstGeom>
+          <a:solidFill>
+            <a:schemeClr val="accent1">
+              <a:lumMod val="40000"/>
+              <a:lumOff val="60000"/>
+              <a:alpha val="70000"/>
+            </a:schemeClr>
+          </a:solidFill>
+          <a:ln>
+            <a:noFill/>
+          </a:ln>
+          <a:effectLst>
+            <a:innerShdw blurRad="63500">
+              <a:schemeClr val="tx1">
+                <a:lumMod val="75000"/>
+                <a:lumOff val="25000"/>
+                <a:alpha val="70000"/>
+              </a:schemeClr>
+            </a:innerShdw>
+          </a:effectLst>
+        </p:spPr>
+        <p:style>
+          <a:lnRef idx="2">
+            <a:schemeClr val="accent1">
+              <a:shade val="50000"/>
+            </a:schemeClr>
+          </a:lnRef>
+          <a:fillRef idx="1">
+            <a:schemeClr val="accent1"/>
+          </a:fillRef>
+          <a:effectRef idx="0">
+            <a:schemeClr val="accent1"/>
+          </a:effectRef>
+          <a:fontRef idx="minor">
+            <a:schemeClr val="lt1"/>
+          </a:fontRef>
+        </p:style>
+        <p:txBody>
+          <a:bodyPr rtlCol="0" anchor="ctr"/>
+          <a:lstStyle/>
+          <a:p>
+            <a:pPr algn="ctr"/>
+            <a:endParaRPr lang="ko-KR" altLang="en-US"/>
+          </a:p>
+        </p:txBody>
+      </p:sp>
+      <p:pic>
+        <p:nvPicPr>
+          <p:cNvPr id="9" name="그래픽 8" descr="사용자">
+            <a:extLst>
+              <a:ext uri="{FF2B5EF4-FFF2-40B4-BE49-F238E27FC236}">
+                <a16:creationId xmlns:a16="http://schemas.microsoft.com/office/drawing/2014/main" id="{44593EB2-52F5-4F35-956C-0C3D94213811}"/>
+              </a:ext>
+            </a:extLst>
+          </p:cNvPr>
+          <p:cNvPicPr>
+            <a:picLocks noChangeAspect="1"/>
+          </p:cNvPicPr>
+          <p:nvPr/>
+        </p:nvPicPr>
+        <p:blipFill>
+          <a:blip r:embed="rId2">
+            <a:extLst>
+              <a:ext uri="{28A0092B-C50C-407E-A947-70E740481C1C}">
+                <a14:useLocalDpi xmlns:a14="http://schemas.microsoft.com/office/drawing/2010/main" val="0"/>
+              </a:ext>
+              <a:ext uri="{96DAC541-7B7A-43D3-8B79-37D633B846F1}">
+                <asvg:svgBlip xmlns:asvg="http://schemas.microsoft.com/office/drawing/2016/SVG/main" r:embed="rId3"/>
+              </a:ext>
+            </a:extLst>
+          </a:blip>
+          <a:stretch>
+            <a:fillRect/>
+          </a:stretch>
+        </p:blipFill>
+        <p:spPr>
+          <a:xfrm>
+            <a:off x="10408818" y="4013863"/>
+            <a:ext cx="914400" cy="914400"/>
+          </a:xfrm>
+          <a:prstGeom prst="rect">
+            <a:avLst/>
+          </a:prstGeom>
+        </p:spPr>
+      </p:pic>
+      <p:pic>
+        <p:nvPicPr>
+          <p:cNvPr id="26" name="그래픽 25" descr="돈">
+            <a:extLst>
+              <a:ext uri="{FF2B5EF4-FFF2-40B4-BE49-F238E27FC236}">
+                <a16:creationId xmlns:a16="http://schemas.microsoft.com/office/drawing/2014/main" id="{CAAE8828-99D9-4F06-9EFE-26B6F9CAFB8A}"/>
+              </a:ext>
+            </a:extLst>
+          </p:cNvPr>
+          <p:cNvPicPr>
+            <a:picLocks noChangeAspect="1"/>
+          </p:cNvPicPr>
+          <p:nvPr/>
+        </p:nvPicPr>
+        <p:blipFill>
+          <a:blip r:embed="rId4">
+            <a:extLst>
+              <a:ext uri="{28A0092B-C50C-407E-A947-70E740481C1C}">
+                <a14:useLocalDpi xmlns:a14="http://schemas.microsoft.com/office/drawing/2010/main" val="0"/>
+              </a:ext>
+              <a:ext uri="{96DAC541-7B7A-43D3-8B79-37D633B846F1}">
+                <asvg:svgBlip xmlns:asvg="http://schemas.microsoft.com/office/drawing/2016/SVG/main" r:embed="rId5"/>
+              </a:ext>
+            </a:extLst>
+          </a:blip>
+          <a:stretch>
+            <a:fillRect/>
+          </a:stretch>
+        </p:blipFill>
+        <p:spPr>
+          <a:xfrm>
+            <a:off x="10487726" y="2738036"/>
+            <a:ext cx="914400" cy="914400"/>
+          </a:xfrm>
+          <a:prstGeom prst="rect">
+            <a:avLst/>
+          </a:prstGeom>
+        </p:spPr>
+      </p:pic>
+      <p:pic>
+        <p:nvPicPr>
+          <p:cNvPr id="30" name="그래픽 29" descr="월 단위 달력">
+            <a:extLst>
+              <a:ext uri="{FF2B5EF4-FFF2-40B4-BE49-F238E27FC236}">
+                <a16:creationId xmlns:a16="http://schemas.microsoft.com/office/drawing/2014/main" id="{27A33727-858D-499F-B648-B8E2FAE9B08D}"/>
+              </a:ext>
+            </a:extLst>
+          </p:cNvPr>
+          <p:cNvPicPr>
+            <a:picLocks noChangeAspect="1"/>
+          </p:cNvPicPr>
+          <p:nvPr/>
+        </p:nvPicPr>
+        <p:blipFill>
+          <a:blip r:embed="rId6">
+            <a:extLst>
+              <a:ext uri="{28A0092B-C50C-407E-A947-70E740481C1C}">
+                <a14:useLocalDpi xmlns:a14="http://schemas.microsoft.com/office/drawing/2010/main" val="0"/>
+              </a:ext>
+              <a:ext uri="{96DAC541-7B7A-43D3-8B79-37D633B846F1}">
+                <asvg:svgBlip xmlns:asvg="http://schemas.microsoft.com/office/drawing/2016/SVG/main" r:embed="rId7"/>
+              </a:ext>
+            </a:extLst>
+          </a:blip>
+          <a:stretch>
+            <a:fillRect/>
+          </a:stretch>
+        </p:blipFill>
+        <p:spPr>
+          <a:xfrm>
+            <a:off x="10530840" y="5669736"/>
+            <a:ext cx="914400" cy="914400"/>
+          </a:xfrm>
+          <a:prstGeom prst="rect">
+            <a:avLst/>
+          </a:prstGeom>
+        </p:spPr>
+      </p:pic>
+    </p:spTree>
+    <p:extLst>
+      <p:ext uri="{BB962C8B-B14F-4D97-AF65-F5344CB8AC3E}">
+        <p14:creationId xmlns:p14="http://schemas.microsoft.com/office/powerpoint/2010/main" val="3819880933"/>
+      </p:ext>
+    </p:extLst>
+  </p:cSld>
+  <p:clrMapOvr>
+    <a:masterClrMapping/>
+  </p:clrMapOvr>
+</p:sld>
+</file>
+
+<file path=ppt/slides/slide12.xml><?xml version="1.0" encoding="utf-8"?>
+<p:sld xmlns:a="http://schemas.openxmlformats.org/drawingml/2006/main" xmlns:r="http://schemas.openxmlformats.org/officeDocument/2006/relationships" xmlns:p="http://schemas.openxmlformats.org/presentationml/2006/main">
+  <p:cSld>
+    <p:bg>
+      <p:bgPr>
+        <a:solidFill>
+          <a:schemeClr val="bg1"/>
+        </a:solidFill>
+        <a:effectLst/>
+      </p:bgPr>
+    </p:bg>
+    <p:spTree>
+      <p:nvGrpSpPr>
+        <p:cNvPr id="1" name=""/>
+        <p:cNvGrpSpPr/>
+        <p:nvPr/>
+      </p:nvGrpSpPr>
+      <p:grpSpPr>
+        <a:xfrm>
+          <a:off x="0" y="0"/>
+          <a:ext cx="0" cy="0"/>
+          <a:chOff x="0" y="0"/>
+          <a:chExt cx="0" cy="0"/>
+        </a:xfrm>
+      </p:grpSpPr>
+      <p:sp>
+        <p:nvSpPr>
+          <p:cNvPr id="27" name="사각형: 둥근 모서리 26">
+            <a:extLst>
+              <a:ext uri="{FF2B5EF4-FFF2-40B4-BE49-F238E27FC236}">
+                <a16:creationId xmlns:a16="http://schemas.microsoft.com/office/drawing/2014/main" id="{528972B3-E3FB-4B70-8120-894B762671B3}"/>
+              </a:ext>
+            </a:extLst>
+          </p:cNvPr>
+          <p:cNvSpPr/>
+          <p:nvPr/>
+        </p:nvSpPr>
+        <p:spPr>
+          <a:xfrm>
+            <a:off x="2352987" y="1973362"/>
+            <a:ext cx="3919671" cy="563323"/>
+          </a:xfrm>
+          <a:prstGeom prst="roundRect">
+            <a:avLst>
+              <a:gd name="adj" fmla="val 10081"/>
+            </a:avLst>
+          </a:prstGeom>
+          <a:solidFill>
+            <a:srgbClr val="78B64E">
+              <a:alpha val="10000"/>
+            </a:srgbClr>
+          </a:solidFill>
+          <a:ln w="19050">
+            <a:noFill/>
+          </a:ln>
+        </p:spPr>
+        <p:style>
+          <a:lnRef idx="2">
+            <a:schemeClr val="accent1">
+              <a:shade val="50000"/>
+            </a:schemeClr>
+          </a:lnRef>
+          <a:fillRef idx="1">
+            <a:schemeClr val="accent1"/>
+          </a:fillRef>
+          <a:effectRef idx="0">
+            <a:schemeClr val="accent1"/>
+          </a:effectRef>
+          <a:fontRef idx="minor">
+            <a:schemeClr val="lt1"/>
+          </a:fontRef>
+        </p:style>
+        <p:txBody>
+          <a:bodyPr rtlCol="0" anchor="ctr"/>
+          <a:lstStyle/>
+          <a:p>
+            <a:pPr algn="ctr"/>
+            <a:endParaRPr lang="ko-KR" altLang="en-US" dirty="0"/>
+          </a:p>
+        </p:txBody>
+      </p:sp>
+      <p:sp>
+        <p:nvSpPr>
+          <p:cNvPr id="31" name="사각형: 둥근 모서리 30">
+            <a:extLst>
+              <a:ext uri="{FF2B5EF4-FFF2-40B4-BE49-F238E27FC236}">
+                <a16:creationId xmlns:a16="http://schemas.microsoft.com/office/drawing/2014/main" id="{1FB54033-1131-40B1-8A20-B993EB1DB5B2}"/>
+              </a:ext>
+            </a:extLst>
+          </p:cNvPr>
+          <p:cNvSpPr/>
+          <p:nvPr/>
+        </p:nvSpPr>
+        <p:spPr>
+          <a:xfrm>
+            <a:off x="6745515" y="1973363"/>
+            <a:ext cx="3916928" cy="563323"/>
+          </a:xfrm>
+          <a:prstGeom prst="roundRect">
+            <a:avLst>
+              <a:gd name="adj" fmla="val 10081"/>
+            </a:avLst>
+          </a:prstGeom>
+          <a:solidFill>
+            <a:srgbClr val="E85234">
+              <a:alpha val="10000"/>
+            </a:srgbClr>
+          </a:solidFill>
+          <a:ln w="19050">
+            <a:noFill/>
+          </a:ln>
+        </p:spPr>
+        <p:style>
+          <a:lnRef idx="2">
+            <a:schemeClr val="accent1">
+              <a:shade val="50000"/>
+            </a:schemeClr>
+          </a:lnRef>
+          <a:fillRef idx="1">
+            <a:schemeClr val="accent1"/>
+          </a:fillRef>
+          <a:effectRef idx="0">
+            <a:schemeClr val="accent1"/>
+          </a:effectRef>
+          <a:fontRef idx="minor">
+            <a:schemeClr val="lt1"/>
+          </a:fontRef>
+        </p:style>
+        <p:txBody>
+          <a:bodyPr rtlCol="0" anchor="ctr"/>
+          <a:lstStyle/>
+          <a:p>
+            <a:pPr algn="ctr"/>
+            <a:endParaRPr lang="ko-KR" altLang="en-US"/>
+          </a:p>
+        </p:txBody>
+      </p:sp>
+      <p:sp>
+        <p:nvSpPr>
+          <p:cNvPr id="37" name="사각형: 둥근 모서리 36">
+            <a:extLst>
+              <a:ext uri="{FF2B5EF4-FFF2-40B4-BE49-F238E27FC236}">
+                <a16:creationId xmlns:a16="http://schemas.microsoft.com/office/drawing/2014/main" id="{AC87ABFF-6534-4374-BCD8-A25BDC4279CA}"/>
+              </a:ext>
+            </a:extLst>
+          </p:cNvPr>
+          <p:cNvSpPr/>
+          <p:nvPr/>
+        </p:nvSpPr>
+        <p:spPr>
+          <a:xfrm>
+            <a:off x="2929656" y="2196922"/>
+            <a:ext cx="3188290" cy="108133"/>
+          </a:xfrm>
+          <a:prstGeom prst="roundRect">
+            <a:avLst>
+              <a:gd name="adj" fmla="val 50000"/>
+            </a:avLst>
+          </a:prstGeom>
+          <a:solidFill>
+            <a:srgbClr val="78B64E"/>
+          </a:solidFill>
+          <a:ln w="19050">
+            <a:noFill/>
+          </a:ln>
+        </p:spPr>
+        <p:style>
+          <a:lnRef idx="2">
+            <a:schemeClr val="accent1">
+              <a:shade val="50000"/>
+            </a:schemeClr>
+          </a:lnRef>
+          <a:fillRef idx="1">
+            <a:schemeClr val="accent1"/>
+          </a:fillRef>
+          <a:effectRef idx="0">
+            <a:schemeClr val="accent1"/>
+          </a:effectRef>
+          <a:fontRef idx="minor">
+            <a:schemeClr val="lt1"/>
+          </a:fontRef>
+        </p:style>
+        <p:txBody>
+          <a:bodyPr rtlCol="0" anchor="ctr"/>
+          <a:lstStyle/>
+          <a:p>
+            <a:pPr algn="ctr"/>
+            <a:endParaRPr lang="ko-KR" altLang="en-US"/>
+          </a:p>
+        </p:txBody>
+      </p:sp>
+      <p:sp>
+        <p:nvSpPr>
+          <p:cNvPr id="36" name="사각형: 둥근 모서리 35">
+            <a:extLst>
+              <a:ext uri="{FF2B5EF4-FFF2-40B4-BE49-F238E27FC236}">
+                <a16:creationId xmlns:a16="http://schemas.microsoft.com/office/drawing/2014/main" id="{931A94B6-FBD5-47E9-9BF0-203EF70E7982}"/>
+              </a:ext>
+            </a:extLst>
+          </p:cNvPr>
+          <p:cNvSpPr/>
+          <p:nvPr/>
+        </p:nvSpPr>
+        <p:spPr>
+          <a:xfrm>
+            <a:off x="6745514" y="3221012"/>
+            <a:ext cx="3916928" cy="563323"/>
+          </a:xfrm>
+          <a:prstGeom prst="roundRect">
+            <a:avLst>
+              <a:gd name="adj" fmla="val 10081"/>
+            </a:avLst>
+          </a:prstGeom>
+          <a:solidFill>
+            <a:schemeClr val="accent5">
+              <a:lumMod val="20000"/>
+              <a:lumOff val="80000"/>
+            </a:schemeClr>
+          </a:solidFill>
+          <a:ln w="19050">
+            <a:noFill/>
+          </a:ln>
+        </p:spPr>
+        <p:style>
+          <a:lnRef idx="2">
+            <a:schemeClr val="accent1">
+              <a:shade val="50000"/>
+            </a:schemeClr>
+          </a:lnRef>
+          <a:fillRef idx="1">
+            <a:schemeClr val="accent1"/>
+          </a:fillRef>
+          <a:effectRef idx="0">
+            <a:schemeClr val="accent1"/>
+          </a:effectRef>
+          <a:fontRef idx="minor">
+            <a:schemeClr val="lt1"/>
+          </a:fontRef>
+        </p:style>
+        <p:txBody>
+          <a:bodyPr rtlCol="0" anchor="ctr"/>
+          <a:lstStyle/>
+          <a:p>
+            <a:pPr algn="ctr"/>
+            <a:endParaRPr lang="ko-KR" altLang="en-US"/>
+          </a:p>
+        </p:txBody>
+      </p:sp>
+      <p:pic>
+        <p:nvPicPr>
+          <p:cNvPr id="8" name="그래픽 7" descr="채우기 없는 웃는 얼굴">
+            <a:extLst>
+              <a:ext uri="{FF2B5EF4-FFF2-40B4-BE49-F238E27FC236}">
+                <a16:creationId xmlns:a16="http://schemas.microsoft.com/office/drawing/2014/main" id="{01CB66F3-7A16-4CE8-BFFA-DD44816B532D}"/>
+              </a:ext>
+            </a:extLst>
+          </p:cNvPr>
+          <p:cNvPicPr>
+            <a:picLocks noChangeAspect="1"/>
+          </p:cNvPicPr>
+          <p:nvPr/>
+        </p:nvPicPr>
+        <p:blipFill>
+          <a:blip r:embed="rId2">
+            <a:extLst>
+              <a:ext uri="{28A0092B-C50C-407E-A947-70E740481C1C}">
+                <a14:useLocalDpi xmlns:a14="http://schemas.microsoft.com/office/drawing/2010/main" val="0"/>
+              </a:ext>
+              <a:ext uri="{96DAC541-7B7A-43D3-8B79-37D633B846F1}">
+                <asvg:svgBlip xmlns:asvg="http://schemas.microsoft.com/office/drawing/2016/SVG/main" r:embed="rId3"/>
+              </a:ext>
+            </a:extLst>
+          </a:blip>
+          <a:stretch>
+            <a:fillRect/>
+          </a:stretch>
+        </p:blipFill>
+        <p:spPr>
+          <a:xfrm>
+            <a:off x="2428035" y="2047820"/>
+            <a:ext cx="426575" cy="426575"/>
+          </a:xfrm>
+          <a:prstGeom prst="rect">
+            <a:avLst/>
+          </a:prstGeom>
+        </p:spPr>
+      </p:pic>
+      <p:pic>
+        <p:nvPicPr>
+          <p:cNvPr id="10" name="그래픽 9" descr="채우기 없는 슬픈 얼굴">
+            <a:extLst>
+              <a:ext uri="{FF2B5EF4-FFF2-40B4-BE49-F238E27FC236}">
+                <a16:creationId xmlns:a16="http://schemas.microsoft.com/office/drawing/2014/main" id="{A28EABAB-75B3-4EA9-849D-6241747393AB}"/>
+              </a:ext>
+            </a:extLst>
+          </p:cNvPr>
+          <p:cNvPicPr>
+            <a:picLocks noChangeAspect="1"/>
+          </p:cNvPicPr>
+          <p:nvPr/>
+        </p:nvPicPr>
+        <p:blipFill>
+          <a:blip r:embed="rId4">
+            <a:extLst>
+              <a:ext uri="{28A0092B-C50C-407E-A947-70E740481C1C}">
+                <a14:useLocalDpi xmlns:a14="http://schemas.microsoft.com/office/drawing/2010/main" val="0"/>
+              </a:ext>
+              <a:ext uri="{96DAC541-7B7A-43D3-8B79-37D633B846F1}">
+                <asvg:svgBlip xmlns:asvg="http://schemas.microsoft.com/office/drawing/2016/SVG/main" r:embed="rId5"/>
+              </a:ext>
+            </a:extLst>
+          </a:blip>
+          <a:stretch>
+            <a:fillRect/>
+          </a:stretch>
+        </p:blipFill>
+        <p:spPr>
+          <a:xfrm>
+            <a:off x="6822677" y="2046575"/>
+            <a:ext cx="426575" cy="426575"/>
+          </a:xfrm>
+          <a:prstGeom prst="rect">
+            <a:avLst/>
+          </a:prstGeom>
+        </p:spPr>
+      </p:pic>
+      <p:sp>
+        <p:nvSpPr>
+          <p:cNvPr id="38" name="사각형: 둥근 모서리 37">
+            <a:extLst>
+              <a:ext uri="{FF2B5EF4-FFF2-40B4-BE49-F238E27FC236}">
+                <a16:creationId xmlns:a16="http://schemas.microsoft.com/office/drawing/2014/main" id="{6E216610-A590-40C1-B3A2-58FA1A580906}"/>
+              </a:ext>
+            </a:extLst>
+          </p:cNvPr>
+          <p:cNvSpPr/>
+          <p:nvPr/>
+        </p:nvSpPr>
+        <p:spPr>
+          <a:xfrm>
+            <a:off x="7326413" y="2168694"/>
+            <a:ext cx="3188290" cy="108133"/>
+          </a:xfrm>
+          <a:prstGeom prst="roundRect">
+            <a:avLst>
+              <a:gd name="adj" fmla="val 50000"/>
+            </a:avLst>
+          </a:prstGeom>
+          <a:solidFill>
+            <a:schemeClr val="bg1"/>
+          </a:solidFill>
+          <a:ln w="19050">
+            <a:noFill/>
+          </a:ln>
+        </p:spPr>
+        <p:style>
+          <a:lnRef idx="2">
+            <a:schemeClr val="accent1">
+              <a:shade val="50000"/>
+            </a:schemeClr>
+          </a:lnRef>
+          <a:fillRef idx="1">
+            <a:schemeClr val="accent1"/>
+          </a:fillRef>
+          <a:effectRef idx="0">
+            <a:schemeClr val="accent1"/>
+          </a:effectRef>
+          <a:fontRef idx="minor">
+            <a:schemeClr val="lt1"/>
+          </a:fontRef>
+        </p:style>
+        <p:txBody>
+          <a:bodyPr rtlCol="0" anchor="ctr"/>
+          <a:lstStyle/>
+          <a:p>
+            <a:pPr algn="ctr"/>
+            <a:endParaRPr lang="ko-KR" altLang="en-US"/>
+          </a:p>
+        </p:txBody>
+      </p:sp>
+      <p:sp>
+        <p:nvSpPr>
+          <p:cNvPr id="39" name="사각형: 둥근 모서리 38">
+            <a:extLst>
+              <a:ext uri="{FF2B5EF4-FFF2-40B4-BE49-F238E27FC236}">
+                <a16:creationId xmlns:a16="http://schemas.microsoft.com/office/drawing/2014/main" id="{AF0FAB9F-93EB-41B7-BE16-4E101D05CB10}"/>
+              </a:ext>
+            </a:extLst>
+          </p:cNvPr>
+          <p:cNvSpPr/>
+          <p:nvPr/>
+        </p:nvSpPr>
+        <p:spPr>
+          <a:xfrm>
+            <a:off x="2352986" y="3883711"/>
+            <a:ext cx="3916928" cy="563323"/>
+          </a:xfrm>
+          <a:prstGeom prst="roundRect">
+            <a:avLst>
+              <a:gd name="adj" fmla="val 10081"/>
+            </a:avLst>
+          </a:prstGeom>
+          <a:solidFill>
+            <a:srgbClr val="E85234">
+              <a:alpha val="10000"/>
+            </a:srgbClr>
+          </a:solidFill>
+          <a:ln w="19050">
+            <a:noFill/>
+          </a:ln>
+        </p:spPr>
+        <p:style>
+          <a:lnRef idx="2">
+            <a:schemeClr val="accent1">
+              <a:shade val="50000"/>
+            </a:schemeClr>
+          </a:lnRef>
+          <a:fillRef idx="1">
+            <a:schemeClr val="accent1"/>
+          </a:fillRef>
+          <a:effectRef idx="0">
+            <a:schemeClr val="accent1"/>
+          </a:effectRef>
+          <a:fontRef idx="minor">
+            <a:schemeClr val="lt1"/>
+          </a:fontRef>
+        </p:style>
+        <p:txBody>
+          <a:bodyPr rtlCol="0" anchor="ctr"/>
+          <a:lstStyle/>
+          <a:p>
+            <a:pPr algn="ctr"/>
+            <a:endParaRPr lang="ko-KR" altLang="en-US"/>
+          </a:p>
+        </p:txBody>
+      </p:sp>
+      <p:sp>
+        <p:nvSpPr>
+          <p:cNvPr id="40" name="사각형: 둥근 모서리 39">
+            <a:extLst>
+              <a:ext uri="{FF2B5EF4-FFF2-40B4-BE49-F238E27FC236}">
+                <a16:creationId xmlns:a16="http://schemas.microsoft.com/office/drawing/2014/main" id="{63FCCA5C-DA5B-4A25-A76C-C583E13856C6}"/>
+              </a:ext>
+            </a:extLst>
+          </p:cNvPr>
+          <p:cNvSpPr/>
+          <p:nvPr/>
+        </p:nvSpPr>
+        <p:spPr>
+          <a:xfrm>
+            <a:off x="2352986" y="3221011"/>
+            <a:ext cx="3919671" cy="563323"/>
+          </a:xfrm>
+          <a:prstGeom prst="roundRect">
+            <a:avLst>
+              <a:gd name="adj" fmla="val 10081"/>
+            </a:avLst>
+          </a:prstGeom>
+          <a:solidFill>
+            <a:srgbClr val="78B64E">
+              <a:alpha val="10000"/>
+            </a:srgbClr>
+          </a:solidFill>
+          <a:ln w="19050">
+            <a:noFill/>
+          </a:ln>
+        </p:spPr>
+        <p:style>
+          <a:lnRef idx="2">
+            <a:schemeClr val="accent1">
+              <a:shade val="50000"/>
+            </a:schemeClr>
+          </a:lnRef>
+          <a:fillRef idx="1">
+            <a:schemeClr val="accent1"/>
+          </a:fillRef>
+          <a:effectRef idx="0">
+            <a:schemeClr val="accent1"/>
+          </a:effectRef>
+          <a:fontRef idx="minor">
+            <a:schemeClr val="lt1"/>
+          </a:fontRef>
+        </p:style>
+        <p:txBody>
+          <a:bodyPr rtlCol="0" anchor="ctr"/>
+          <a:lstStyle/>
+          <a:p>
+            <a:pPr algn="ctr"/>
+            <a:endParaRPr lang="ko-KR" altLang="en-US" dirty="0"/>
+          </a:p>
+        </p:txBody>
+      </p:sp>
+      <p:sp>
+        <p:nvSpPr>
+          <p:cNvPr id="41" name="사각형: 둥근 모서리 40">
+            <a:extLst>
+              <a:ext uri="{FF2B5EF4-FFF2-40B4-BE49-F238E27FC236}">
+                <a16:creationId xmlns:a16="http://schemas.microsoft.com/office/drawing/2014/main" id="{63A8FF8D-076A-4BCA-AE39-803026247B82}"/>
+              </a:ext>
+            </a:extLst>
+          </p:cNvPr>
+          <p:cNvSpPr/>
+          <p:nvPr/>
+        </p:nvSpPr>
+        <p:spPr>
+          <a:xfrm>
+            <a:off x="7326412" y="2206794"/>
+            <a:ext cx="901997" cy="108133"/>
+          </a:xfrm>
+          <a:prstGeom prst="roundRect">
+            <a:avLst>
+              <a:gd name="adj" fmla="val 50000"/>
+            </a:avLst>
+          </a:prstGeom>
+          <a:solidFill>
+            <a:srgbClr val="E85234"/>
+          </a:solidFill>
+          <a:ln w="19050">
+            <a:noFill/>
+          </a:ln>
+        </p:spPr>
+        <p:style>
+          <a:lnRef idx="2">
+            <a:schemeClr val="accent1">
+              <a:shade val="50000"/>
+            </a:schemeClr>
+          </a:lnRef>
+          <a:fillRef idx="1">
+            <a:schemeClr val="accent1"/>
+          </a:fillRef>
+          <a:effectRef idx="0">
+            <a:schemeClr val="accent1"/>
+          </a:effectRef>
+          <a:fontRef idx="minor">
+            <a:schemeClr val="lt1"/>
+          </a:fontRef>
+        </p:style>
+        <p:txBody>
+          <a:bodyPr rtlCol="0" anchor="ctr"/>
+          <a:lstStyle/>
+          <a:p>
+            <a:pPr algn="ctr"/>
+            <a:endParaRPr lang="ko-KR" altLang="en-US" u="sng" dirty="0"/>
+          </a:p>
+        </p:txBody>
+      </p:sp>
+      <p:grpSp>
+        <p:nvGrpSpPr>
+          <p:cNvPr id="54" name="그룹 53">
+            <a:extLst>
+              <a:ext uri="{FF2B5EF4-FFF2-40B4-BE49-F238E27FC236}">
+                <a16:creationId xmlns:a16="http://schemas.microsoft.com/office/drawing/2014/main" id="{B67EFE06-237B-48D4-B0B7-E67A41CE977B}"/>
+              </a:ext>
+            </a:extLst>
+          </p:cNvPr>
+          <p:cNvGrpSpPr/>
+          <p:nvPr/>
+        </p:nvGrpSpPr>
+        <p:grpSpPr>
+          <a:xfrm>
+            <a:off x="2189901" y="882063"/>
+            <a:ext cx="8635629" cy="5893975"/>
+            <a:chOff x="2189901" y="882063"/>
+            <a:chExt cx="8635629" cy="5893975"/>
+          </a:xfrm>
+        </p:grpSpPr>
+        <p:grpSp>
+          <p:nvGrpSpPr>
+            <p:cNvPr id="15" name="그룹 14">
+              <a:extLst>
+                <a:ext uri="{FF2B5EF4-FFF2-40B4-BE49-F238E27FC236}">
+                  <a16:creationId xmlns:a16="http://schemas.microsoft.com/office/drawing/2014/main" id="{EFEDEA0A-98C3-49A5-8061-0F44F75BB1FF}"/>
+                </a:ext>
+              </a:extLst>
+            </p:cNvPr>
+            <p:cNvGrpSpPr/>
+            <p:nvPr/>
+          </p:nvGrpSpPr>
+          <p:grpSpPr>
+            <a:xfrm>
+              <a:off x="2189901" y="882063"/>
+              <a:ext cx="8635629" cy="5893975"/>
+              <a:chOff x="2189901" y="882063"/>
+              <a:chExt cx="8635629" cy="5893975"/>
+            </a:xfrm>
+          </p:grpSpPr>
+          <p:grpSp>
+            <p:nvGrpSpPr>
+              <p:cNvPr id="6" name="그룹 5">
+                <a:extLst>
+                  <a:ext uri="{FF2B5EF4-FFF2-40B4-BE49-F238E27FC236}">
+                    <a16:creationId xmlns:a16="http://schemas.microsoft.com/office/drawing/2014/main" id="{8066A899-3291-4730-94E8-D83227DAB581}"/>
+                  </a:ext>
+                </a:extLst>
+              </p:cNvPr>
+              <p:cNvGrpSpPr/>
+              <p:nvPr/>
+            </p:nvGrpSpPr>
+            <p:grpSpPr>
+              <a:xfrm>
+                <a:off x="2189901" y="882063"/>
+                <a:ext cx="8635629" cy="5893975"/>
+                <a:chOff x="2189901" y="882063"/>
+                <a:chExt cx="8635629" cy="5893975"/>
+              </a:xfrm>
+            </p:grpSpPr>
+            <p:sp>
+              <p:nvSpPr>
+                <p:cNvPr id="13" name="사각형: 둥근 모서리 12">
+                  <a:extLst>
+                    <a:ext uri="{FF2B5EF4-FFF2-40B4-BE49-F238E27FC236}">
+                      <a16:creationId xmlns:a16="http://schemas.microsoft.com/office/drawing/2014/main" id="{50ADFB31-46CD-4DBD-9178-D49AB3F1E205}"/>
+                    </a:ext>
+                  </a:extLst>
+                </p:cNvPr>
+                <p:cNvSpPr/>
+                <p:nvPr/>
+              </p:nvSpPr>
+              <p:spPr>
+                <a:xfrm>
+                  <a:off x="2189901" y="882063"/>
+                  <a:ext cx="4245844" cy="1767950"/>
+                </a:xfrm>
+                <a:prstGeom prst="roundRect">
+                  <a:avLst>
+                    <a:gd name="adj" fmla="val 10081"/>
+                  </a:avLst>
+                </a:prstGeom>
+                <a:noFill/>
+                <a:ln w="19050">
+                  <a:solidFill>
+                    <a:schemeClr val="bg2">
+                      <a:lumMod val="75000"/>
+                    </a:schemeClr>
+                  </a:solidFill>
+                </a:ln>
+              </p:spPr>
+              <p:style>
+                <a:lnRef idx="2">
+                  <a:schemeClr val="accent1">
+                    <a:shade val="50000"/>
+                  </a:schemeClr>
+                </a:lnRef>
+                <a:fillRef idx="1">
+                  <a:schemeClr val="accent1"/>
+                </a:fillRef>
+                <a:effectRef idx="0">
+                  <a:schemeClr val="accent1"/>
+                </a:effectRef>
+                <a:fontRef idx="minor">
+                  <a:schemeClr val="lt1"/>
+                </a:fontRef>
+              </p:style>
+              <p:txBody>
+                <a:bodyPr rtlCol="0" anchor="ctr"/>
+                <a:lstStyle/>
+                <a:p>
+                  <a:pPr algn="ctr"/>
+                  <a:endParaRPr lang="ko-KR" altLang="en-US"/>
+                </a:p>
+              </p:txBody>
+            </p:sp>
+            <p:sp>
+              <p:nvSpPr>
+                <p:cNvPr id="19" name="사각형: 둥근 모서리 18">
+                  <a:extLst>
+                    <a:ext uri="{FF2B5EF4-FFF2-40B4-BE49-F238E27FC236}">
+                      <a16:creationId xmlns:a16="http://schemas.microsoft.com/office/drawing/2014/main" id="{A7A33303-7ED9-42AA-B3EE-DCC4518B3BDE}"/>
+                    </a:ext>
+                  </a:extLst>
+                </p:cNvPr>
+                <p:cNvSpPr/>
+                <p:nvPr/>
+              </p:nvSpPr>
+              <p:spPr>
+                <a:xfrm>
+                  <a:off x="2189901" y="2821404"/>
+                  <a:ext cx="4245844" cy="3952145"/>
+                </a:xfrm>
+                <a:prstGeom prst="roundRect">
+                  <a:avLst>
+                    <a:gd name="adj" fmla="val 5235"/>
+                  </a:avLst>
+                </a:prstGeom>
+                <a:noFill/>
+                <a:ln w="19050">
+                  <a:solidFill>
+                    <a:schemeClr val="bg2">
+                      <a:lumMod val="75000"/>
+                    </a:schemeClr>
+                  </a:solidFill>
+                </a:ln>
+              </p:spPr>
+              <p:style>
+                <a:lnRef idx="2">
+                  <a:schemeClr val="accent1">
+                    <a:shade val="50000"/>
+                  </a:schemeClr>
+                </a:lnRef>
+                <a:fillRef idx="1">
+                  <a:schemeClr val="accent1"/>
+                </a:fillRef>
+                <a:effectRef idx="0">
+                  <a:schemeClr val="accent1"/>
+                </a:effectRef>
+                <a:fontRef idx="minor">
+                  <a:schemeClr val="lt1"/>
+                </a:fontRef>
+              </p:style>
+              <p:txBody>
+                <a:bodyPr rtlCol="0" anchor="ctr"/>
+                <a:lstStyle/>
+                <a:p>
+                  <a:pPr algn="ctr"/>
+                  <a:endParaRPr lang="ko-KR" altLang="en-US"/>
+                </a:p>
+              </p:txBody>
+            </p:sp>
+            <p:sp>
+              <p:nvSpPr>
+                <p:cNvPr id="23" name="사각형: 둥근 모서리 22">
+                  <a:extLst>
+                    <a:ext uri="{FF2B5EF4-FFF2-40B4-BE49-F238E27FC236}">
+                      <a16:creationId xmlns:a16="http://schemas.microsoft.com/office/drawing/2014/main" id="{123B3C9D-946A-4628-8BBF-7BF7DF3E3372}"/>
+                    </a:ext>
+                  </a:extLst>
+                </p:cNvPr>
+                <p:cNvSpPr/>
+                <p:nvPr/>
+              </p:nvSpPr>
+              <p:spPr>
+                <a:xfrm>
+                  <a:off x="6579686" y="882063"/>
+                  <a:ext cx="4245844" cy="1767950"/>
+                </a:xfrm>
+                <a:prstGeom prst="roundRect">
+                  <a:avLst>
+                    <a:gd name="adj" fmla="val 10081"/>
+                  </a:avLst>
+                </a:prstGeom>
+                <a:noFill/>
+                <a:ln w="19050">
+                  <a:solidFill>
+                    <a:schemeClr val="bg2">
+                      <a:lumMod val="75000"/>
+                    </a:schemeClr>
+                  </a:solidFill>
+                </a:ln>
+              </p:spPr>
+              <p:style>
+                <a:lnRef idx="2">
+                  <a:schemeClr val="accent1">
+                    <a:shade val="50000"/>
+                  </a:schemeClr>
+                </a:lnRef>
+                <a:fillRef idx="1">
+                  <a:schemeClr val="accent1"/>
+                </a:fillRef>
+                <a:effectRef idx="0">
+                  <a:schemeClr val="accent1"/>
+                </a:effectRef>
+                <a:fontRef idx="minor">
+                  <a:schemeClr val="lt1"/>
+                </a:fontRef>
+              </p:style>
+              <p:txBody>
+                <a:bodyPr rtlCol="0" anchor="ctr"/>
+                <a:lstStyle/>
+                <a:p>
+                  <a:pPr algn="ctr"/>
+                  <a:endParaRPr lang="ko-KR" altLang="en-US"/>
+                </a:p>
+              </p:txBody>
+            </p:sp>
+            <p:sp>
+              <p:nvSpPr>
+                <p:cNvPr id="25" name="사각형: 둥근 모서리 24">
+                  <a:extLst>
+                    <a:ext uri="{FF2B5EF4-FFF2-40B4-BE49-F238E27FC236}">
+                      <a16:creationId xmlns:a16="http://schemas.microsoft.com/office/drawing/2014/main" id="{D178C74A-6DD1-494D-BFA3-540053ED9D9F}"/>
+                    </a:ext>
+                  </a:extLst>
+                </p:cNvPr>
+                <p:cNvSpPr/>
+                <p:nvPr/>
+              </p:nvSpPr>
+              <p:spPr>
+                <a:xfrm>
+                  <a:off x="6579686" y="2823893"/>
+                  <a:ext cx="4245844" cy="3952145"/>
+                </a:xfrm>
+                <a:prstGeom prst="roundRect">
+                  <a:avLst>
+                    <a:gd name="adj" fmla="val 5235"/>
+                  </a:avLst>
+                </a:prstGeom>
+                <a:noFill/>
+                <a:ln w="19050">
+                  <a:solidFill>
+                    <a:schemeClr val="bg2">
+                      <a:lumMod val="75000"/>
+                    </a:schemeClr>
+                  </a:solidFill>
+                </a:ln>
+              </p:spPr>
+              <p:style>
+                <a:lnRef idx="2">
+                  <a:schemeClr val="accent1">
+                    <a:shade val="50000"/>
+                  </a:schemeClr>
+                </a:lnRef>
+                <a:fillRef idx="1">
+                  <a:schemeClr val="accent1"/>
+                </a:fillRef>
+                <a:effectRef idx="0">
+                  <a:schemeClr val="accent1"/>
+                </a:effectRef>
+                <a:fontRef idx="minor">
+                  <a:schemeClr val="lt1"/>
+                </a:fontRef>
+              </p:style>
+              <p:txBody>
+                <a:bodyPr rtlCol="0" anchor="ctr"/>
+                <a:lstStyle/>
+                <a:p>
+                  <a:pPr algn="ctr"/>
+                  <a:endParaRPr lang="ko-KR" altLang="en-US"/>
+                </a:p>
+              </p:txBody>
+            </p:sp>
+            <p:sp>
+              <p:nvSpPr>
+                <p:cNvPr id="17" name="사각형: 둥근 모서리 16">
+                  <a:extLst>
+                    <a:ext uri="{FF2B5EF4-FFF2-40B4-BE49-F238E27FC236}">
+                      <a16:creationId xmlns:a16="http://schemas.microsoft.com/office/drawing/2014/main" id="{8AF8E2B4-964C-44A8-A578-1EDA123D67EF}"/>
+                    </a:ext>
+                  </a:extLst>
+                </p:cNvPr>
+                <p:cNvSpPr/>
+                <p:nvPr/>
+              </p:nvSpPr>
+              <p:spPr>
+                <a:xfrm>
+                  <a:off x="4485518" y="1290887"/>
+                  <a:ext cx="1699425" cy="622960"/>
+                </a:xfrm>
+                <a:prstGeom prst="roundRect">
+                  <a:avLst>
+                    <a:gd name="adj" fmla="val 10081"/>
+                  </a:avLst>
+                </a:prstGeom>
+                <a:solidFill>
+                  <a:schemeClr val="accent5">
+                    <a:lumMod val="40000"/>
+                    <a:lumOff val="60000"/>
+                  </a:schemeClr>
+                </a:solidFill>
+                <a:ln w="19050">
+                  <a:noFill/>
+                </a:ln>
+              </p:spPr>
+              <p:style>
+                <a:lnRef idx="2">
+                  <a:schemeClr val="accent1">
+                    <a:shade val="50000"/>
+                  </a:schemeClr>
+                </a:lnRef>
+                <a:fillRef idx="1">
+                  <a:schemeClr val="accent1"/>
+                </a:fillRef>
+                <a:effectRef idx="0">
+                  <a:schemeClr val="accent1"/>
+                </a:effectRef>
+                <a:fontRef idx="minor">
+                  <a:schemeClr val="lt1"/>
+                </a:fontRef>
+              </p:style>
+              <p:txBody>
+                <a:bodyPr rtlCol="0" anchor="ctr"/>
+                <a:lstStyle/>
+                <a:p>
+                  <a:pPr algn="ctr"/>
+                  <a:endParaRPr lang="ko-KR" altLang="en-US"/>
+                </a:p>
+              </p:txBody>
+            </p:sp>
+            <p:sp>
+              <p:nvSpPr>
+                <p:cNvPr id="22" name="사각형: 둥근 모서리 21">
+                  <a:extLst>
+                    <a:ext uri="{FF2B5EF4-FFF2-40B4-BE49-F238E27FC236}">
+                      <a16:creationId xmlns:a16="http://schemas.microsoft.com/office/drawing/2014/main" id="{F4003A19-9756-433D-9129-C938E138E4B7}"/>
+                    </a:ext>
+                  </a:extLst>
+                </p:cNvPr>
+                <p:cNvSpPr/>
+                <p:nvPr/>
+              </p:nvSpPr>
+              <p:spPr>
+                <a:xfrm>
+                  <a:off x="8878046" y="1290887"/>
+                  <a:ext cx="1699425" cy="622960"/>
+                </a:xfrm>
+                <a:prstGeom prst="roundRect">
+                  <a:avLst>
+                    <a:gd name="adj" fmla="val 10081"/>
+                  </a:avLst>
+                </a:prstGeom>
+                <a:solidFill>
+                  <a:schemeClr val="accent5">
+                    <a:lumMod val="40000"/>
+                    <a:lumOff val="60000"/>
+                  </a:schemeClr>
+                </a:solidFill>
+                <a:ln w="19050">
+                  <a:noFill/>
+                </a:ln>
+              </p:spPr>
+              <p:style>
+                <a:lnRef idx="2">
+                  <a:schemeClr val="accent1">
+                    <a:shade val="50000"/>
+                  </a:schemeClr>
+                </a:lnRef>
+                <a:fillRef idx="1">
+                  <a:schemeClr val="accent1"/>
+                </a:fillRef>
+                <a:effectRef idx="0">
+                  <a:schemeClr val="accent1"/>
+                </a:effectRef>
+                <a:fontRef idx="minor">
+                  <a:schemeClr val="lt1"/>
+                </a:fontRef>
+              </p:style>
+              <p:txBody>
+                <a:bodyPr rtlCol="0" anchor="ctr"/>
+                <a:lstStyle/>
+                <a:p>
+                  <a:pPr algn="ctr"/>
+                  <a:endParaRPr lang="ko-KR" altLang="en-US"/>
+                </a:p>
+              </p:txBody>
+            </p:sp>
+            <p:sp>
+              <p:nvSpPr>
+                <p:cNvPr id="50" name="사각형: 둥근 모서리 49">
+                  <a:extLst>
+                    <a:ext uri="{FF2B5EF4-FFF2-40B4-BE49-F238E27FC236}">
+                      <a16:creationId xmlns:a16="http://schemas.microsoft.com/office/drawing/2014/main" id="{33C7EC55-AEE3-4916-B787-C4C1D0CC368A}"/>
+                    </a:ext>
+                  </a:extLst>
+                </p:cNvPr>
+                <p:cNvSpPr/>
+                <p:nvPr/>
+              </p:nvSpPr>
+              <p:spPr>
+                <a:xfrm>
+                  <a:off x="2437958" y="1285875"/>
+                  <a:ext cx="1699425" cy="622960"/>
+                </a:xfrm>
+                <a:prstGeom prst="roundRect">
+                  <a:avLst>
+                    <a:gd name="adj" fmla="val 10081"/>
+                  </a:avLst>
+                </a:prstGeom>
+                <a:solidFill>
+                  <a:schemeClr val="accent5">
+                    <a:lumMod val="40000"/>
+                    <a:lumOff val="60000"/>
+                  </a:schemeClr>
+                </a:solidFill>
+                <a:ln w="19050">
+                  <a:noFill/>
+                </a:ln>
+              </p:spPr>
+              <p:style>
+                <a:lnRef idx="2">
+                  <a:schemeClr val="accent1">
+                    <a:shade val="50000"/>
+                  </a:schemeClr>
+                </a:lnRef>
+                <a:fillRef idx="1">
+                  <a:schemeClr val="accent1"/>
+                </a:fillRef>
+                <a:effectRef idx="0">
+                  <a:schemeClr val="accent1"/>
+                </a:effectRef>
+                <a:fontRef idx="minor">
+                  <a:schemeClr val="lt1"/>
+                </a:fontRef>
+              </p:style>
+              <p:txBody>
+                <a:bodyPr rtlCol="0" anchor="ctr"/>
+                <a:lstStyle/>
+                <a:p>
+                  <a:pPr algn="ctr"/>
+                  <a:endParaRPr lang="ko-KR" altLang="en-US"/>
+                </a:p>
+              </p:txBody>
+            </p:sp>
+            <p:sp>
+              <p:nvSpPr>
+                <p:cNvPr id="51" name="사각형: 둥근 모서리 50">
+                  <a:extLst>
+                    <a:ext uri="{FF2B5EF4-FFF2-40B4-BE49-F238E27FC236}">
+                      <a16:creationId xmlns:a16="http://schemas.microsoft.com/office/drawing/2014/main" id="{B28F5AE1-C53B-4460-BCD6-0E176721704F}"/>
+                    </a:ext>
+                  </a:extLst>
+                </p:cNvPr>
+                <p:cNvSpPr/>
+                <p:nvPr/>
+              </p:nvSpPr>
+              <p:spPr>
+                <a:xfrm>
+                  <a:off x="6830486" y="1285875"/>
+                  <a:ext cx="1699425" cy="622960"/>
+                </a:xfrm>
+                <a:prstGeom prst="roundRect">
+                  <a:avLst>
+                    <a:gd name="adj" fmla="val 10081"/>
+                  </a:avLst>
+                </a:prstGeom>
+                <a:solidFill>
+                  <a:schemeClr val="accent5">
+                    <a:lumMod val="40000"/>
+                    <a:lumOff val="60000"/>
+                  </a:schemeClr>
+                </a:solidFill>
+                <a:ln w="19050">
+                  <a:noFill/>
+                </a:ln>
+              </p:spPr>
+              <p:style>
+                <a:lnRef idx="2">
+                  <a:schemeClr val="accent1">
+                    <a:shade val="50000"/>
+                  </a:schemeClr>
+                </a:lnRef>
+                <a:fillRef idx="1">
+                  <a:schemeClr val="accent1"/>
+                </a:fillRef>
+                <a:effectRef idx="0">
+                  <a:schemeClr val="accent1"/>
+                </a:effectRef>
+                <a:fontRef idx="minor">
+                  <a:schemeClr val="lt1"/>
+                </a:fontRef>
+              </p:style>
+              <p:txBody>
+                <a:bodyPr rtlCol="0" anchor="ctr"/>
+                <a:lstStyle/>
+                <a:p>
+                  <a:pPr algn="ctr"/>
+                  <a:endParaRPr lang="ko-KR" altLang="en-US"/>
+                </a:p>
+              </p:txBody>
+            </p:sp>
+          </p:grpSp>
+          <p:pic>
+            <p:nvPicPr>
+              <p:cNvPr id="9" name="그래픽 8" descr="Office worker">
+                <a:extLst>
+                  <a:ext uri="{FF2B5EF4-FFF2-40B4-BE49-F238E27FC236}">
+                    <a16:creationId xmlns:a16="http://schemas.microsoft.com/office/drawing/2014/main" id="{7143518D-08E8-4542-91B4-F9EAA9466B7C}"/>
+                  </a:ext>
+                </a:extLst>
+              </p:cNvPr>
+              <p:cNvPicPr>
+                <a:picLocks noChangeAspect="1"/>
+              </p:cNvPicPr>
+              <p:nvPr/>
+            </p:nvPicPr>
+            <p:blipFill>
+              <a:blip r:embed="rId6">
+                <a:extLst>
+                  <a:ext uri="{28A0092B-C50C-407E-A947-70E740481C1C}">
+                    <a14:useLocalDpi xmlns:a14="http://schemas.microsoft.com/office/drawing/2010/main" val="0"/>
+                  </a:ext>
+                  <a:ext uri="{96DAC541-7B7A-43D3-8B79-37D633B846F1}">
+                    <asvg:svgBlip xmlns:asvg="http://schemas.microsoft.com/office/drawing/2016/SVG/main" r:embed="rId7"/>
+                  </a:ext>
+                </a:extLst>
+              </a:blip>
+              <a:stretch>
+                <a:fillRect/>
+              </a:stretch>
+            </p:blipFill>
+            <p:spPr>
+              <a:xfrm>
+                <a:off x="6783880" y="882063"/>
+                <a:ext cx="426575" cy="426575"/>
+              </a:xfrm>
+              <a:prstGeom prst="rect">
+                <a:avLst/>
+              </a:prstGeom>
+            </p:spPr>
+          </p:pic>
+        </p:grpSp>
+        <p:grpSp>
+          <p:nvGrpSpPr>
+            <p:cNvPr id="53" name="그룹 52">
+              <a:extLst>
+                <a:ext uri="{FF2B5EF4-FFF2-40B4-BE49-F238E27FC236}">
+                  <a16:creationId xmlns:a16="http://schemas.microsoft.com/office/drawing/2014/main" id="{22DBFA65-D1B1-4206-BA5A-CFC31735CCD1}"/>
+                </a:ext>
+              </a:extLst>
+            </p:cNvPr>
+            <p:cNvGrpSpPr/>
+            <p:nvPr/>
+          </p:nvGrpSpPr>
+          <p:grpSpPr>
+            <a:xfrm>
+              <a:off x="2393490" y="885873"/>
+              <a:ext cx="387795" cy="426338"/>
+              <a:chOff x="10897216" y="1766845"/>
+              <a:chExt cx="914400" cy="1005281"/>
+            </a:xfrm>
+            <a:solidFill>
+              <a:srgbClr val="093DBF"/>
+            </a:solidFill>
+          </p:grpSpPr>
+          <p:pic>
+            <p:nvPicPr>
+              <p:cNvPr id="52" name="그래픽 51" descr="사용자">
+                <a:extLst>
+                  <a:ext uri="{FF2B5EF4-FFF2-40B4-BE49-F238E27FC236}">
+                    <a16:creationId xmlns:a16="http://schemas.microsoft.com/office/drawing/2014/main" id="{19D12E0C-B62A-4658-815F-914D6F29CF15}"/>
+                  </a:ext>
+                </a:extLst>
+              </p:cNvPr>
+              <p:cNvPicPr>
+                <a:picLocks noChangeAspect="1"/>
+              </p:cNvPicPr>
+              <p:nvPr/>
+            </p:nvPicPr>
+            <p:blipFill rotWithShape="1">
+              <a:blip r:embed="rId8">
+                <a:extLst>
+                  <a:ext uri="{28A0092B-C50C-407E-A947-70E740481C1C}">
+                    <a14:useLocalDpi xmlns:a14="http://schemas.microsoft.com/office/drawing/2010/main" val="0"/>
+                  </a:ext>
+                  <a:ext uri="{96DAC541-7B7A-43D3-8B79-37D633B846F1}">
+                    <asvg:svgBlip xmlns:asvg="http://schemas.microsoft.com/office/drawing/2016/SVG/main" r:embed="rId9"/>
+                  </a:ext>
+                </a:extLst>
+              </a:blip>
+              <a:srcRect t="25586"/>
+              <a:stretch/>
+            </p:blipFill>
+            <p:spPr>
+              <a:xfrm>
+                <a:off x="10897216" y="2091689"/>
+                <a:ext cx="914400" cy="680437"/>
+              </a:xfrm>
+              <a:prstGeom prst="rect">
+                <a:avLst/>
+              </a:prstGeom>
+            </p:spPr>
+          </p:pic>
+          <p:pic>
+            <p:nvPicPr>
+              <p:cNvPr id="28" name="그래픽 27" descr="학사모">
+                <a:extLst>
+                  <a:ext uri="{FF2B5EF4-FFF2-40B4-BE49-F238E27FC236}">
+                    <a16:creationId xmlns:a16="http://schemas.microsoft.com/office/drawing/2014/main" id="{62758EE9-5E1D-4BC1-8D78-75CAFDFDB30B}"/>
+                  </a:ext>
+                </a:extLst>
+              </p:cNvPr>
+              <p:cNvPicPr>
+                <a:picLocks noChangeAspect="1"/>
+              </p:cNvPicPr>
+              <p:nvPr/>
+            </p:nvPicPr>
+            <p:blipFill>
+              <a:blip r:embed="rId10">
+                <a:extLst>
+                  <a:ext uri="{28A0092B-C50C-407E-A947-70E740481C1C}">
+                    <a14:useLocalDpi xmlns:a14="http://schemas.microsoft.com/office/drawing/2010/main" val="0"/>
+                  </a:ext>
+                  <a:ext uri="{96DAC541-7B7A-43D3-8B79-37D633B846F1}">
+                    <asvg:svgBlip xmlns:asvg="http://schemas.microsoft.com/office/drawing/2016/SVG/main" r:embed="rId11"/>
+                  </a:ext>
+                </a:extLst>
+              </a:blip>
+              <a:stretch>
+                <a:fillRect/>
+              </a:stretch>
+            </p:blipFill>
+            <p:spPr>
+              <a:xfrm>
+                <a:off x="11090506" y="1766845"/>
+                <a:ext cx="527819" cy="527819"/>
+              </a:xfrm>
+              <a:prstGeom prst="rect">
+                <a:avLst/>
+              </a:prstGeom>
+            </p:spPr>
+          </p:pic>
+        </p:grpSp>
+      </p:grpSp>
+    </p:spTree>
+    <p:extLst>
+      <p:ext uri="{BB962C8B-B14F-4D97-AF65-F5344CB8AC3E}">
+        <p14:creationId xmlns:p14="http://schemas.microsoft.com/office/powerpoint/2010/main" val="4177686387"/>
+      </p:ext>
+    </p:extLst>
+  </p:cSld>
+  <p:clrMapOvr>
+    <a:masterClrMapping/>
+  </p:clrMapOvr>
 </p:sld>
 </file>
 
@@ -3820,7 +7406,7 @@
           <p:cNvPr id="11" name="그룹 10">
             <a:extLst>
               <a:ext uri="{FF2B5EF4-FFF2-40B4-BE49-F238E27FC236}">
-                <a16:creationId xmlns:a16="http://schemas.microsoft.com/office/drawing/2014/main" xmlns="" id="{6986020F-B687-4F0A-8E08-42C5B9CDC833}"/>
+                <a16:creationId xmlns:a16="http://schemas.microsoft.com/office/drawing/2014/main" id="{6986020F-B687-4F0A-8E08-42C5B9CDC833}"/>
               </a:ext>
             </a:extLst>
           </p:cNvPr>
@@ -3840,7 +7426,7 @@
             <p:cNvPr id="6" name="직선 연결선 5">
               <a:extLst>
                 <a:ext uri="{FF2B5EF4-FFF2-40B4-BE49-F238E27FC236}">
-                  <a16:creationId xmlns:a16="http://schemas.microsoft.com/office/drawing/2014/main" xmlns="" id="{2C2A94BE-287B-45F8-AEEC-6E34EAC2D547}"/>
+                  <a16:creationId xmlns:a16="http://schemas.microsoft.com/office/drawing/2014/main" id="{2C2A94BE-287B-45F8-AEEC-6E34EAC2D547}"/>
                 </a:ext>
               </a:extLst>
             </p:cNvPr>
@@ -3885,7 +7471,7 @@
             <p:cNvPr id="7" name="직선 연결선 6">
               <a:extLst>
                 <a:ext uri="{FF2B5EF4-FFF2-40B4-BE49-F238E27FC236}">
-                  <a16:creationId xmlns:a16="http://schemas.microsoft.com/office/drawing/2014/main" xmlns="" id="{AE5D7D1B-914F-478E-BC19-80EB82793C83}"/>
+                  <a16:creationId xmlns:a16="http://schemas.microsoft.com/office/drawing/2014/main" id="{AE5D7D1B-914F-478E-BC19-80EB82793C83}"/>
                 </a:ext>
               </a:extLst>
             </p:cNvPr>
@@ -3932,7 +7518,7 @@
             <p:cNvPr id="10" name="다이아몬드 9">
               <a:extLst>
                 <a:ext uri="{FF2B5EF4-FFF2-40B4-BE49-F238E27FC236}">
-                  <a16:creationId xmlns:a16="http://schemas.microsoft.com/office/drawing/2014/main" xmlns="" id="{CADFCB89-CB8A-4A6D-94C7-15FA0D223CC5}"/>
+                  <a16:creationId xmlns:a16="http://schemas.microsoft.com/office/drawing/2014/main" id="{CADFCB89-CB8A-4A6D-94C7-15FA0D223CC5}"/>
                 </a:ext>
               </a:extLst>
             </p:cNvPr>
@@ -3990,7 +7576,7 @@
           <p:cNvPr id="2" name="사각형: 둥근 모서리 1">
             <a:extLst>
               <a:ext uri="{FF2B5EF4-FFF2-40B4-BE49-F238E27FC236}">
-                <a16:creationId xmlns:a16="http://schemas.microsoft.com/office/drawing/2014/main" xmlns="" id="{BA020642-6064-44A9-9141-D3D8F90BD86D}"/>
+                <a16:creationId xmlns:a16="http://schemas.microsoft.com/office/drawing/2014/main" id="{BA020642-6064-44A9-9141-D3D8F90BD86D}"/>
               </a:ext>
             </a:extLst>
           </p:cNvPr>
@@ -4069,13 +7655,6 @@
   <p:clrMapOvr>
     <a:masterClrMapping/>
   </p:clrMapOvr>
-  <p:timing>
-    <p:tnLst>
-      <p:par>
-        <p:cTn id="1" dur="indefinite" restart="never" nodeType="tmRoot"/>
-      </p:par>
-    </p:tnLst>
-  </p:timing>
 </p:sld>
 </file>
 
@@ -4101,7 +7680,7 @@
           <p:cNvPr id="2" name="사각형: 둥근 모서리 1">
             <a:extLst>
               <a:ext uri="{FF2B5EF4-FFF2-40B4-BE49-F238E27FC236}">
-                <a16:creationId xmlns:a16="http://schemas.microsoft.com/office/drawing/2014/main" xmlns="" id="{BA020642-6064-44A9-9141-D3D8F90BD86D}"/>
+                <a16:creationId xmlns:a16="http://schemas.microsoft.com/office/drawing/2014/main" id="{BA020642-6064-44A9-9141-D3D8F90BD86D}"/>
               </a:ext>
             </a:extLst>
           </p:cNvPr>
@@ -4180,13 +7759,6 @@
   <p:clrMapOvr>
     <a:masterClrMapping/>
   </p:clrMapOvr>
-  <p:timing>
-    <p:tnLst>
-      <p:par>
-        <p:cTn id="1" dur="indefinite" restart="never" nodeType="tmRoot"/>
-      </p:par>
-    </p:tnLst>
-  </p:timing>
 </p:sld>
 </file>
 
@@ -4857,13 +8429,6 @@
   <p:clrMapOvr>
     <a:masterClrMapping/>
   </p:clrMapOvr>
-  <p:timing>
-    <p:tnLst>
-      <p:par>
-        <p:cTn id="1" dur="indefinite" restart="never" nodeType="tmRoot"/>
-      </p:par>
-    </p:tnLst>
-  </p:timing>
 </p:sld>
 </file>
 
@@ -4900,7 +8465,7 @@
           <p:cNvPr id="3" name="사각형: 둥근 모서리 2">
             <a:extLst>
               <a:ext uri="{FF2B5EF4-FFF2-40B4-BE49-F238E27FC236}">
-                <a16:creationId xmlns:a16="http://schemas.microsoft.com/office/drawing/2014/main" xmlns="" id="{44F11EF4-6FAE-41F3-B18B-560264579C0A}"/>
+                <a16:creationId xmlns:a16="http://schemas.microsoft.com/office/drawing/2014/main" id="{44F11EF4-6FAE-41F3-B18B-560264579C0A}"/>
               </a:ext>
             </a:extLst>
           </p:cNvPr>
@@ -5000,7 +8565,7 @@
           <p:cNvPr id="4" name="사각형: 둥근 모서리 3">
             <a:extLst>
               <a:ext uri="{FF2B5EF4-FFF2-40B4-BE49-F238E27FC236}">
-                <a16:creationId xmlns:a16="http://schemas.microsoft.com/office/drawing/2014/main" xmlns="" id="{37851748-1D68-4B7D-8CEF-5CA05470FA93}"/>
+                <a16:creationId xmlns:a16="http://schemas.microsoft.com/office/drawing/2014/main" id="{37851748-1D68-4B7D-8CEF-5CA05470FA93}"/>
               </a:ext>
             </a:extLst>
           </p:cNvPr>
@@ -5067,7 +8632,7 @@
           <p:cNvPr id="5" name="사각형: 둥근 모서리 4">
             <a:extLst>
               <a:ext uri="{FF2B5EF4-FFF2-40B4-BE49-F238E27FC236}">
-                <a16:creationId xmlns:a16="http://schemas.microsoft.com/office/drawing/2014/main" xmlns="" id="{049BF257-6821-4603-8AE3-E2CF5E5DFAD2}"/>
+                <a16:creationId xmlns:a16="http://schemas.microsoft.com/office/drawing/2014/main" id="{049BF257-6821-4603-8AE3-E2CF5E5DFAD2}"/>
               </a:ext>
             </a:extLst>
           </p:cNvPr>
@@ -5175,7 +8740,7 @@
           <p:cNvPr id="4" name="사각형: 둥근 모서리 3">
             <a:extLst>
               <a:ext uri="{FF2B5EF4-FFF2-40B4-BE49-F238E27FC236}">
-                <a16:creationId xmlns:a16="http://schemas.microsoft.com/office/drawing/2014/main" xmlns="" id="{37851748-1D68-4B7D-8CEF-5CA05470FA93}"/>
+                <a16:creationId xmlns:a16="http://schemas.microsoft.com/office/drawing/2014/main" id="{37851748-1D68-4B7D-8CEF-5CA05470FA93}"/>
               </a:ext>
             </a:extLst>
           </p:cNvPr>
@@ -5246,7 +8811,7 @@
           <p:cNvPr id="5" name="사각형: 둥근 모서리 4">
             <a:extLst>
               <a:ext uri="{FF2B5EF4-FFF2-40B4-BE49-F238E27FC236}">
-                <a16:creationId xmlns:a16="http://schemas.microsoft.com/office/drawing/2014/main" xmlns="" id="{049BF257-6821-4603-8AE3-E2CF5E5DFAD2}"/>
+                <a16:creationId xmlns:a16="http://schemas.microsoft.com/office/drawing/2014/main" id="{049BF257-6821-4603-8AE3-E2CF5E5DFAD2}"/>
               </a:ext>
             </a:extLst>
           </p:cNvPr>
@@ -5350,7 +8915,7 @@
           <p:cNvPr id="6" name="사각형: 둥근 모서리 5">
             <a:extLst>
               <a:ext uri="{FF2B5EF4-FFF2-40B4-BE49-F238E27FC236}">
-                <a16:creationId xmlns:a16="http://schemas.microsoft.com/office/drawing/2014/main" xmlns="" id="{7478AE0B-36C5-488A-98C1-F049E1910395}"/>
+                <a16:creationId xmlns:a16="http://schemas.microsoft.com/office/drawing/2014/main" id="{7478AE0B-36C5-488A-98C1-F049E1910395}"/>
               </a:ext>
             </a:extLst>
           </p:cNvPr>
@@ -5484,7 +9049,7 @@
           <p:cNvPr id="6" name="말풍선: 모서리가 둥근 사각형 5">
             <a:extLst>
               <a:ext uri="{FF2B5EF4-FFF2-40B4-BE49-F238E27FC236}">
-                <a16:creationId xmlns:a16="http://schemas.microsoft.com/office/drawing/2014/main" xmlns="" id="{B39F7D4A-E342-4CD3-A3BC-2B9E7CF63CE3}"/>
+                <a16:creationId xmlns:a16="http://schemas.microsoft.com/office/drawing/2014/main" id="{B39F7D4A-E342-4CD3-A3BC-2B9E7CF63CE3}"/>
               </a:ext>
             </a:extLst>
           </p:cNvPr>
@@ -5544,7 +9109,7 @@
           <p:cNvPr id="3" name="말풍선: 모서리가 둥근 사각형 2">
             <a:extLst>
               <a:ext uri="{FF2B5EF4-FFF2-40B4-BE49-F238E27FC236}">
-                <a16:creationId xmlns:a16="http://schemas.microsoft.com/office/drawing/2014/main" xmlns="" id="{C6B23B7F-20B6-4DC9-81E5-C9B9139F9EE7}"/>
+                <a16:creationId xmlns:a16="http://schemas.microsoft.com/office/drawing/2014/main" id="{C6B23B7F-20B6-4DC9-81E5-C9B9139F9EE7}"/>
               </a:ext>
             </a:extLst>
           </p:cNvPr>
@@ -5634,7 +9199,7 @@
           <p:cNvPr id="3" name="그림 2">
             <a:extLst>
               <a:ext uri="{FF2B5EF4-FFF2-40B4-BE49-F238E27FC236}">
-                <a16:creationId xmlns:a16="http://schemas.microsoft.com/office/drawing/2014/main" xmlns="" id="{9057CB34-B327-46A5-A70B-FEF87F747704}"/>
+                <a16:creationId xmlns:a16="http://schemas.microsoft.com/office/drawing/2014/main" id="{9057CB34-B327-46A5-A70B-FEF87F747704}"/>
               </a:ext>
             </a:extLst>
           </p:cNvPr>
@@ -5705,7 +9270,7 @@
           <p:cNvPr id="2" name="그룹 1">
             <a:extLst>
               <a:ext uri="{FF2B5EF4-FFF2-40B4-BE49-F238E27FC236}">
-                <a16:creationId xmlns:a16="http://schemas.microsoft.com/office/drawing/2014/main" xmlns="" id="{376DCA46-73A9-4DF0-83B6-A596281A8427}"/>
+                <a16:creationId xmlns:a16="http://schemas.microsoft.com/office/drawing/2014/main" id="{376DCA46-73A9-4DF0-83B6-A596281A8427}"/>
               </a:ext>
             </a:extLst>
           </p:cNvPr>
@@ -5725,7 +9290,7 @@
             <p:cNvPr id="3" name="사각형: 둥근 모서리 2">
               <a:extLst>
                 <a:ext uri="{FF2B5EF4-FFF2-40B4-BE49-F238E27FC236}">
-                  <a16:creationId xmlns:a16="http://schemas.microsoft.com/office/drawing/2014/main" xmlns="" id="{95519B29-A9C4-4E5A-AA0E-B5D144892A56}"/>
+                  <a16:creationId xmlns:a16="http://schemas.microsoft.com/office/drawing/2014/main" id="{95519B29-A9C4-4E5A-AA0E-B5D144892A56}"/>
                 </a:ext>
               </a:extLst>
             </p:cNvPr>
@@ -5791,7 +9356,7 @@
             <p:cNvPr id="4" name="직선 연결선 3">
               <a:extLst>
                 <a:ext uri="{FF2B5EF4-FFF2-40B4-BE49-F238E27FC236}">
-                  <a16:creationId xmlns:a16="http://schemas.microsoft.com/office/drawing/2014/main" xmlns="" id="{1EE6B608-506E-4F77-A8A8-DAE45E429E4F}"/>
+                  <a16:creationId xmlns:a16="http://schemas.microsoft.com/office/drawing/2014/main" id="{1EE6B608-506E-4F77-A8A8-DAE45E429E4F}"/>
                 </a:ext>
               </a:extLst>
             </p:cNvPr>
@@ -5841,7 +9406,7 @@
             <p:cNvPr id="13" name="직선 연결선 12">
               <a:extLst>
                 <a:ext uri="{FF2B5EF4-FFF2-40B4-BE49-F238E27FC236}">
-                  <a16:creationId xmlns:a16="http://schemas.microsoft.com/office/drawing/2014/main" xmlns="" id="{10014039-F232-4B54-A642-C988D0EC9E61}"/>
+                  <a16:creationId xmlns:a16="http://schemas.microsoft.com/office/drawing/2014/main" id="{10014039-F232-4B54-A642-C988D0EC9E61}"/>
                 </a:ext>
               </a:extLst>
             </p:cNvPr>
@@ -5893,7 +9458,7 @@
           <p:cNvPr id="7" name="그림 6">
             <a:extLst>
               <a:ext uri="{FF2B5EF4-FFF2-40B4-BE49-F238E27FC236}">
-                <a16:creationId xmlns:a16="http://schemas.microsoft.com/office/drawing/2014/main" xmlns="" id="{230E7756-AF34-4029-982E-8AFCAEDEAEB6}"/>
+                <a16:creationId xmlns:a16="http://schemas.microsoft.com/office/drawing/2014/main" id="{230E7756-AF34-4029-982E-8AFCAEDEAEB6}"/>
               </a:ext>
             </a:extLst>
           </p:cNvPr>
@@ -5929,7 +9494,7 @@
           <p:cNvPr id="9" name="그림 8" descr="음식이(가) 표시된 사진&#10;&#10;자동 생성된 설명">
             <a:extLst>
               <a:ext uri="{FF2B5EF4-FFF2-40B4-BE49-F238E27FC236}">
-                <a16:creationId xmlns:a16="http://schemas.microsoft.com/office/drawing/2014/main" xmlns="" id="{B4407E14-FFC8-49F5-96B4-E4B315AA0097}"/>
+                <a16:creationId xmlns:a16="http://schemas.microsoft.com/office/drawing/2014/main" id="{B4407E14-FFC8-49F5-96B4-E4B315AA0097}"/>
               </a:ext>
             </a:extLst>
           </p:cNvPr>
@@ -5965,7 +9530,7 @@
           <p:cNvPr id="8" name="그림 7" descr="나이프이(가) 표시된 사진&#10;&#10;자동 생성된 설명">
             <a:extLst>
               <a:ext uri="{FF2B5EF4-FFF2-40B4-BE49-F238E27FC236}">
-                <a16:creationId xmlns:a16="http://schemas.microsoft.com/office/drawing/2014/main" xmlns="" id="{2B78C26E-4DD8-495C-A7B7-2AA6587659B8}"/>
+                <a16:creationId xmlns:a16="http://schemas.microsoft.com/office/drawing/2014/main" id="{2B78C26E-4DD8-495C-A7B7-2AA6587659B8}"/>
               </a:ext>
             </a:extLst>
           </p:cNvPr>
@@ -6017,7 +9582,7 @@
           <p:cNvPr id="11" name="그림 10" descr="물이(가) 표시된 사진&#10;&#10;자동 생성된 설명">
             <a:extLst>
               <a:ext uri="{FF2B5EF4-FFF2-40B4-BE49-F238E27FC236}">
-                <a16:creationId xmlns:a16="http://schemas.microsoft.com/office/drawing/2014/main" xmlns="" id="{DB740A75-38A4-4475-A878-350C2BB1DFE4}"/>
+                <a16:creationId xmlns:a16="http://schemas.microsoft.com/office/drawing/2014/main" id="{DB740A75-38A4-4475-A878-350C2BB1DFE4}"/>
               </a:ext>
             </a:extLst>
           </p:cNvPr>
@@ -6060,7 +9625,7 @@
           <p:cNvPr id="14" name="그림 13">
             <a:extLst>
               <a:ext uri="{FF2B5EF4-FFF2-40B4-BE49-F238E27FC236}">
-                <a16:creationId xmlns:a16="http://schemas.microsoft.com/office/drawing/2014/main" xmlns="" id="{9B552CB4-C661-4150-AA44-F0113BD58184}"/>
+                <a16:creationId xmlns:a16="http://schemas.microsoft.com/office/drawing/2014/main" id="{9B552CB4-C661-4150-AA44-F0113BD58184}"/>
               </a:ext>
             </a:extLst>
           </p:cNvPr>
@@ -6112,7 +9677,7 @@
           <p:cNvPr id="15" name="그림 14" descr="나이프이(가) 표시된 사진&#10;&#10;자동 생성된 설명">
             <a:extLst>
               <a:ext uri="{FF2B5EF4-FFF2-40B4-BE49-F238E27FC236}">
-                <a16:creationId xmlns:a16="http://schemas.microsoft.com/office/drawing/2014/main" xmlns="" id="{F67833C7-A305-4CD3-B798-008A35CBE953}"/>
+                <a16:creationId xmlns:a16="http://schemas.microsoft.com/office/drawing/2014/main" id="{F67833C7-A305-4CD3-B798-008A35CBE953}"/>
               </a:ext>
             </a:extLst>
           </p:cNvPr>
@@ -6167,7 +9732,7 @@
           <p:cNvPr id="16" name="그림 15" descr="물이(가) 표시된 사진&#10;&#10;자동 생성된 설명">
             <a:extLst>
               <a:ext uri="{FF2B5EF4-FFF2-40B4-BE49-F238E27FC236}">
-                <a16:creationId xmlns:a16="http://schemas.microsoft.com/office/drawing/2014/main" xmlns="" id="{3CA68366-E154-48C1-95E5-E93CD55A6599}"/>
+                <a16:creationId xmlns:a16="http://schemas.microsoft.com/office/drawing/2014/main" id="{3CA68366-E154-48C1-95E5-E93CD55A6599}"/>
               </a:ext>
             </a:extLst>
           </p:cNvPr>
@@ -6213,7 +9778,7 @@
           <p:cNvPr id="17" name="그림 16">
             <a:extLst>
               <a:ext uri="{FF2B5EF4-FFF2-40B4-BE49-F238E27FC236}">
-                <a16:creationId xmlns:a16="http://schemas.microsoft.com/office/drawing/2014/main" xmlns="" id="{285D046F-7026-480E-8616-C79CAD48ED63}"/>
+                <a16:creationId xmlns:a16="http://schemas.microsoft.com/office/drawing/2014/main" id="{285D046F-7026-480E-8616-C79CAD48ED63}"/>
               </a:ext>
             </a:extLst>
           </p:cNvPr>
@@ -6573,6 +10138,15 @@
 </file>
 
 <file path=customXml/item1.xml><?xml version="1.0" encoding="utf-8"?>
+<?mso-contentType ?>
+<FormTemplates xmlns="http://schemas.microsoft.com/sharepoint/v3/contenttype/forms">
+  <Display>DocumentLibraryForm</Display>
+  <Edit>DocumentLibraryForm</Edit>
+  <New>DocumentLibraryForm</New>
+</FormTemplates>
+</file>
+
+<file path=customXml/item2.xml><?xml version="1.0" encoding="utf-8"?>
 <ct:contentTypeSchema xmlns:ct="http://schemas.microsoft.com/office/2006/metadata/contentType" xmlns:ma="http://schemas.microsoft.com/office/2006/metadata/properties/metaAttributes" ct:_="" ma:_="" ma:contentTypeName="문서" ma:contentTypeID="0x010100F3310333FBC6964E8E1AF77CB170F51F" ma:contentTypeVersion="8" ma:contentTypeDescription="새 문서를 만듭니다." ma:contentTypeScope="" ma:versionID="c96a17dca871e919906cdecfc9bb6aa0">
   <xsd:schema xmlns:xsd="http://www.w3.org/2001/XMLSchema" xmlns:xs="http://www.w3.org/2001/XMLSchema" xmlns:p="http://schemas.microsoft.com/office/2006/metadata/properties" xmlns:ns3="0e5e5f40-8af6-49e3-86a7-eafcf2f63df0" targetNamespace="http://schemas.microsoft.com/office/2006/metadata/properties" ma:root="true" ma:fieldsID="8a6cb3d83e8d7cc5256b042238072bdb" ns3:_="">
     <xsd:import namespace="0e5e5f40-8af6-49e3-86a7-eafcf2f63df0"/>
@@ -6742,15 +10316,6 @@
 </ct:contentTypeSchema>
 </file>
 
-<file path=customXml/item2.xml><?xml version="1.0" encoding="utf-8"?>
-<?mso-contentType ?>
-<FormTemplates xmlns="http://schemas.microsoft.com/sharepoint/v3/contenttype/forms">
-  <Display>DocumentLibraryForm</Display>
-  <Edit>DocumentLibraryForm</Edit>
-  <New>DocumentLibraryForm</New>
-</FormTemplates>
-</file>
-
 <file path=customXml/item3.xml><?xml version="1.0" encoding="utf-8"?>
 <p:properties xmlns:p="http://schemas.microsoft.com/office/2006/metadata/properties" xmlns:xsi="http://www.w3.org/2001/XMLSchema-instance" xmlns:pc="http://schemas.microsoft.com/office/infopath/2007/PartnerControls">
   <documentManagement/>
@@ -6758,6 +10323,14 @@
 </file>
 
 <file path=customXml/itemProps1.xml><?xml version="1.0" encoding="utf-8"?>
+<ds:datastoreItem xmlns:ds="http://schemas.openxmlformats.org/officeDocument/2006/customXml" ds:itemID="{690CD346-FEAC-4B85-A1E5-F59451BF06D4}">
+  <ds:schemaRefs>
+    <ds:schemaRef ds:uri="http://schemas.microsoft.com/sharepoint/v3/contenttype/forms"/>
+  </ds:schemaRefs>
+</ds:datastoreItem>
+</file>
+
+<file path=customXml/itemProps2.xml><?xml version="1.0" encoding="utf-8"?>
 <ds:datastoreItem xmlns:ds="http://schemas.openxmlformats.org/officeDocument/2006/customXml" ds:itemID="{6582E336-86E7-4EDF-A46D-B74D93A560F2}">
   <ds:schemaRefs>
     <ds:schemaRef ds:uri="http://schemas.microsoft.com/office/2006/metadata/contentType"/>
@@ -6771,14 +10344,6 @@
     <ds:schemaRef ds:uri="http://purl.org/dc/elements/1.1/"/>
     <ds:schemaRef ds:uri="http://purl.org/dc/terms/"/>
     <ds:schemaRef ds:uri="http://schemas.microsoft.com/internal/obd"/>
-  </ds:schemaRefs>
-</ds:datastoreItem>
-</file>
-
-<file path=customXml/itemProps2.xml><?xml version="1.0" encoding="utf-8"?>
-<ds:datastoreItem xmlns:ds="http://schemas.openxmlformats.org/officeDocument/2006/customXml" ds:itemID="{690CD346-FEAC-4B85-A1E5-F59451BF06D4}">
-  <ds:schemaRefs>
-    <ds:schemaRef ds:uri="http://schemas.microsoft.com/sharepoint/v3/contenttype/forms"/>
   </ds:schemaRefs>
 </ds:datastoreItem>
 </file>

--- a/이미지들.pptx
+++ b/이미지들.pptx
@@ -6,17 +6,21 @@
   </p:sldMasterIdLst>
   <p:sldIdLst>
     <p:sldId id="256" r:id="rId5"/>
-    <p:sldId id="257" r:id="rId6"/>
-    <p:sldId id="258" r:id="rId7"/>
-    <p:sldId id="264" r:id="rId8"/>
-    <p:sldId id="259" r:id="rId9"/>
-    <p:sldId id="260" r:id="rId10"/>
-    <p:sldId id="261" r:id="rId11"/>
-    <p:sldId id="263" r:id="rId12"/>
-    <p:sldId id="262" r:id="rId13"/>
-    <p:sldId id="265" r:id="rId14"/>
-    <p:sldId id="267" r:id="rId15"/>
-    <p:sldId id="266" r:id="rId16"/>
+    <p:sldId id="271" r:id="rId6"/>
+    <p:sldId id="270" r:id="rId7"/>
+    <p:sldId id="257" r:id="rId8"/>
+    <p:sldId id="258" r:id="rId9"/>
+    <p:sldId id="264" r:id="rId10"/>
+    <p:sldId id="259" r:id="rId11"/>
+    <p:sldId id="260" r:id="rId12"/>
+    <p:sldId id="261" r:id="rId13"/>
+    <p:sldId id="263" r:id="rId14"/>
+    <p:sldId id="262" r:id="rId15"/>
+    <p:sldId id="265" r:id="rId16"/>
+    <p:sldId id="267" r:id="rId17"/>
+    <p:sldId id="266" r:id="rId18"/>
+    <p:sldId id="268" r:id="rId19"/>
+    <p:sldId id="269" r:id="rId20"/>
   </p:sldIdLst>
   <p:sldSz cx="12192000" cy="6858000"/>
   <p:notesSz cx="6858000" cy="9144000"/>
@@ -126,7 +130,7 @@
 <file path=ppt/revisionInfo.xml><?xml version="1.0" encoding="utf-8"?>
 <p1510:revInfo xmlns:a="http://schemas.openxmlformats.org/drawingml/2006/main" xmlns:r="http://schemas.openxmlformats.org/officeDocument/2006/relationships" xmlns:p1510="http://schemas.microsoft.com/office/powerpoint/2015/10/main">
   <p1510:revLst>
-    <p1510:client id="{47D04D58-B45C-4E90-AC7C-F9D0C3A68DEC}" v="536" dt="2019-12-04T15:42:55.279"/>
+    <p1510:client id="{87FFE49A-DFB6-45C5-AEF7-EC4BF73C1827}" v="894" dt="2020-04-19T08:38:19.140"/>
   </p1510:revLst>
 </p1510:revInfo>
 </file>
@@ -383,6 +387,505 @@
       </pc:sldChg>
     </pc:docChg>
   </pc:docChgLst>
+  <pc:docChgLst>
+    <pc:chgData name=" " userId="c953af65-a220-40f8-9b11-e29da02892c7" providerId="ADAL" clId="{87FFE49A-DFB6-45C5-AEF7-EC4BF73C1827}"/>
+    <pc:docChg chg="undo redo custSel addSld delSld modSld sldOrd">
+      <pc:chgData name=" " userId="c953af65-a220-40f8-9b11-e29da02892c7" providerId="ADAL" clId="{87FFE49A-DFB6-45C5-AEF7-EC4BF73C1827}" dt="2020-04-19T08:38:20.029" v="1175" actId="962"/>
+      <pc:docMkLst>
+        <pc:docMk/>
+      </pc:docMkLst>
+      <pc:sldChg chg="addSp delSp modSp mod">
+        <pc:chgData name=" " userId="c953af65-a220-40f8-9b11-e29da02892c7" providerId="ADAL" clId="{87FFE49A-DFB6-45C5-AEF7-EC4BF73C1827}" dt="2020-04-19T07:51:33.871" v="1167" actId="1076"/>
+        <pc:sldMkLst>
+          <pc:docMk/>
+          <pc:sldMk cId="3949188130" sldId="256"/>
+        </pc:sldMkLst>
+        <pc:grpChg chg="del">
+          <ac:chgData name=" " userId="c953af65-a220-40f8-9b11-e29da02892c7" providerId="ADAL" clId="{87FFE49A-DFB6-45C5-AEF7-EC4BF73C1827}" dt="2020-04-19T07:45:01.384" v="1123" actId="478"/>
+          <ac:grpSpMkLst>
+            <pc:docMk/>
+            <pc:sldMk cId="3949188130" sldId="256"/>
+            <ac:grpSpMk id="11" creationId="{6986020F-B687-4F0A-8E08-42C5B9CDC833}"/>
+          </ac:grpSpMkLst>
+        </pc:grpChg>
+        <pc:picChg chg="add del mod modCrop">
+          <ac:chgData name=" " userId="c953af65-a220-40f8-9b11-e29da02892c7" providerId="ADAL" clId="{87FFE49A-DFB6-45C5-AEF7-EC4BF73C1827}" dt="2020-04-19T07:46:21.358" v="1150" actId="1076"/>
+          <ac:picMkLst>
+            <pc:docMk/>
+            <pc:sldMk cId="3949188130" sldId="256"/>
+            <ac:picMk id="3" creationId="{5027BF45-C4E7-45CC-8971-E5B84AA14D7F}"/>
+          </ac:picMkLst>
+        </pc:picChg>
+        <pc:picChg chg="add del mod">
+          <ac:chgData name=" " userId="c953af65-a220-40f8-9b11-e29da02892c7" providerId="ADAL" clId="{87FFE49A-DFB6-45C5-AEF7-EC4BF73C1827}" dt="2020-04-19T07:51:18.429" v="1158" actId="478"/>
+          <ac:picMkLst>
+            <pc:docMk/>
+            <pc:sldMk cId="3949188130" sldId="256"/>
+            <ac:picMk id="5" creationId="{67ECB0A9-4762-419E-80D7-8C3768FAEF69}"/>
+          </ac:picMkLst>
+        </pc:picChg>
+        <pc:picChg chg="add mod modCrop">
+          <ac:chgData name=" " userId="c953af65-a220-40f8-9b11-e29da02892c7" providerId="ADAL" clId="{87FFE49A-DFB6-45C5-AEF7-EC4BF73C1827}" dt="2020-04-19T07:46:23.924" v="1152" actId="1076"/>
+          <ac:picMkLst>
+            <pc:docMk/>
+            <pc:sldMk cId="3949188130" sldId="256"/>
+            <ac:picMk id="8" creationId="{1B520630-8652-4DD1-A7C4-FE17407D1AFE}"/>
+          </ac:picMkLst>
+        </pc:picChg>
+        <pc:picChg chg="add mod modCrop">
+          <ac:chgData name=" " userId="c953af65-a220-40f8-9b11-e29da02892c7" providerId="ADAL" clId="{87FFE49A-DFB6-45C5-AEF7-EC4BF73C1827}" dt="2020-04-19T07:46:23.369" v="1151" actId="1076"/>
+          <ac:picMkLst>
+            <pc:docMk/>
+            <pc:sldMk cId="3949188130" sldId="256"/>
+            <ac:picMk id="9" creationId="{637BFEA5-9534-4928-B491-F85DF0FAEAA7}"/>
+          </ac:picMkLst>
+        </pc:picChg>
+        <pc:picChg chg="add del mod modCrop">
+          <ac:chgData name=" " userId="c953af65-a220-40f8-9b11-e29da02892c7" providerId="ADAL" clId="{87FFE49A-DFB6-45C5-AEF7-EC4BF73C1827}" dt="2020-04-19T07:51:32.421" v="1166" actId="478"/>
+          <ac:picMkLst>
+            <pc:docMk/>
+            <pc:sldMk cId="3949188130" sldId="256"/>
+            <ac:picMk id="12" creationId="{933310E9-5DF6-4D00-BCCF-DBF59743F99D}"/>
+          </ac:picMkLst>
+        </pc:picChg>
+        <pc:picChg chg="add mod modCrop">
+          <ac:chgData name=" " userId="c953af65-a220-40f8-9b11-e29da02892c7" providerId="ADAL" clId="{87FFE49A-DFB6-45C5-AEF7-EC4BF73C1827}" dt="2020-04-19T07:51:33.871" v="1167" actId="1076"/>
+          <ac:picMkLst>
+            <pc:docMk/>
+            <pc:sldMk cId="3949188130" sldId="256"/>
+            <ac:picMk id="14" creationId="{A3C9CEF8-40DF-4995-B36A-F917CCE6DFAB}"/>
+          </ac:picMkLst>
+        </pc:picChg>
+      </pc:sldChg>
+      <pc:sldChg chg="addSp delSp modSp mod">
+        <pc:chgData name=" " userId="c953af65-a220-40f8-9b11-e29da02892c7" providerId="ADAL" clId="{87FFE49A-DFB6-45C5-AEF7-EC4BF73C1827}" dt="2020-04-01T17:36:09.974" v="10" actId="478"/>
+        <pc:sldMkLst>
+          <pc:docMk/>
+          <pc:sldMk cId="147487756" sldId="265"/>
+        </pc:sldMkLst>
+        <pc:spChg chg="add del">
+          <ac:chgData name=" " userId="c953af65-a220-40f8-9b11-e29da02892c7" providerId="ADAL" clId="{87FFE49A-DFB6-45C5-AEF7-EC4BF73C1827}" dt="2020-04-01T17:36:09.745" v="9" actId="478"/>
+          <ac:spMkLst>
+            <pc:docMk/>
+            <pc:sldMk cId="147487756" sldId="265"/>
+            <ac:spMk id="27" creationId="{528972B3-E3FB-4B70-8120-894B762671B3}"/>
+          </ac:spMkLst>
+        </pc:spChg>
+        <pc:spChg chg="add del">
+          <ac:chgData name=" " userId="c953af65-a220-40f8-9b11-e29da02892c7" providerId="ADAL" clId="{87FFE49A-DFB6-45C5-AEF7-EC4BF73C1827}" dt="2020-04-01T17:36:09.745" v="9" actId="478"/>
+          <ac:spMkLst>
+            <pc:docMk/>
+            <pc:sldMk cId="147487756" sldId="265"/>
+            <ac:spMk id="31" creationId="{1FB54033-1131-40B1-8A20-B993EB1DB5B2}"/>
+          </ac:spMkLst>
+        </pc:spChg>
+        <pc:spChg chg="add del">
+          <ac:chgData name=" " userId="c953af65-a220-40f8-9b11-e29da02892c7" providerId="ADAL" clId="{87FFE49A-DFB6-45C5-AEF7-EC4BF73C1827}" dt="2020-04-01T17:36:09.745" v="9" actId="478"/>
+          <ac:spMkLst>
+            <pc:docMk/>
+            <pc:sldMk cId="147487756" sldId="265"/>
+            <ac:spMk id="36" creationId="{931A94B6-FBD5-47E9-9BF0-203EF70E7982}"/>
+          </ac:spMkLst>
+        </pc:spChg>
+        <pc:spChg chg="add del">
+          <ac:chgData name=" " userId="c953af65-a220-40f8-9b11-e29da02892c7" providerId="ADAL" clId="{87FFE49A-DFB6-45C5-AEF7-EC4BF73C1827}" dt="2020-04-01T17:36:09.745" v="9" actId="478"/>
+          <ac:spMkLst>
+            <pc:docMk/>
+            <pc:sldMk cId="147487756" sldId="265"/>
+            <ac:spMk id="37" creationId="{AC87ABFF-6534-4374-BCD8-A25BDC4279CA}"/>
+          </ac:spMkLst>
+        </pc:spChg>
+        <pc:spChg chg="add del">
+          <ac:chgData name=" " userId="c953af65-a220-40f8-9b11-e29da02892c7" providerId="ADAL" clId="{87FFE49A-DFB6-45C5-AEF7-EC4BF73C1827}" dt="2020-04-01T17:36:09.745" v="9" actId="478"/>
+          <ac:spMkLst>
+            <pc:docMk/>
+            <pc:sldMk cId="147487756" sldId="265"/>
+            <ac:spMk id="38" creationId="{6E216610-A590-40C1-B3A2-58FA1A580906}"/>
+          </ac:spMkLst>
+        </pc:spChg>
+        <pc:spChg chg="add del">
+          <ac:chgData name=" " userId="c953af65-a220-40f8-9b11-e29da02892c7" providerId="ADAL" clId="{87FFE49A-DFB6-45C5-AEF7-EC4BF73C1827}" dt="2020-04-01T17:36:09.745" v="9" actId="478"/>
+          <ac:spMkLst>
+            <pc:docMk/>
+            <pc:sldMk cId="147487756" sldId="265"/>
+            <ac:spMk id="39" creationId="{AF0FAB9F-93EB-41B7-BE16-4E101D05CB10}"/>
+          </ac:spMkLst>
+        </pc:spChg>
+        <pc:spChg chg="add del">
+          <ac:chgData name=" " userId="c953af65-a220-40f8-9b11-e29da02892c7" providerId="ADAL" clId="{87FFE49A-DFB6-45C5-AEF7-EC4BF73C1827}" dt="2020-04-01T17:36:09.745" v="9" actId="478"/>
+          <ac:spMkLst>
+            <pc:docMk/>
+            <pc:sldMk cId="147487756" sldId="265"/>
+            <ac:spMk id="40" creationId="{63FCCA5C-DA5B-4A25-A76C-C583E13856C6}"/>
+          </ac:spMkLst>
+        </pc:spChg>
+        <pc:spChg chg="add del">
+          <ac:chgData name=" " userId="c953af65-a220-40f8-9b11-e29da02892c7" providerId="ADAL" clId="{87FFE49A-DFB6-45C5-AEF7-EC4BF73C1827}" dt="2020-04-01T17:36:09.745" v="9" actId="478"/>
+          <ac:spMkLst>
+            <pc:docMk/>
+            <pc:sldMk cId="147487756" sldId="265"/>
+            <ac:spMk id="41" creationId="{63A8FF8D-076A-4BCA-AE39-803026247B82}"/>
+          </ac:spMkLst>
+        </pc:spChg>
+        <pc:grpChg chg="add del">
+          <ac:chgData name=" " userId="c953af65-a220-40f8-9b11-e29da02892c7" providerId="ADAL" clId="{87FFE49A-DFB6-45C5-AEF7-EC4BF73C1827}" dt="2020-04-01T17:36:09.974" v="10" actId="478"/>
+          <ac:grpSpMkLst>
+            <pc:docMk/>
+            <pc:sldMk cId="147487756" sldId="265"/>
+            <ac:grpSpMk id="6" creationId="{8066A899-3291-4730-94E8-D83227DAB581}"/>
+          </ac:grpSpMkLst>
+        </pc:grpChg>
+        <pc:grpChg chg="mod">
+          <ac:chgData name=" " userId="c953af65-a220-40f8-9b11-e29da02892c7" providerId="ADAL" clId="{87FFE49A-DFB6-45C5-AEF7-EC4BF73C1827}" dt="2020-04-01T17:36:02.918" v="7" actId="1076"/>
+          <ac:grpSpMkLst>
+            <pc:docMk/>
+            <pc:sldMk cId="147487756" sldId="265"/>
+            <ac:grpSpMk id="14" creationId="{16A0F8E0-F58A-4826-A847-44A942D76261}"/>
+          </ac:grpSpMkLst>
+        </pc:grpChg>
+        <pc:picChg chg="add del">
+          <ac:chgData name=" " userId="c953af65-a220-40f8-9b11-e29da02892c7" providerId="ADAL" clId="{87FFE49A-DFB6-45C5-AEF7-EC4BF73C1827}" dt="2020-04-01T17:36:09.745" v="9" actId="478"/>
+          <ac:picMkLst>
+            <pc:docMk/>
+            <pc:sldMk cId="147487756" sldId="265"/>
+            <ac:picMk id="8" creationId="{01CB66F3-7A16-4CE8-BFFA-DD44816B532D}"/>
+          </ac:picMkLst>
+        </pc:picChg>
+        <pc:picChg chg="add del">
+          <ac:chgData name=" " userId="c953af65-a220-40f8-9b11-e29da02892c7" providerId="ADAL" clId="{87FFE49A-DFB6-45C5-AEF7-EC4BF73C1827}" dt="2020-04-01T17:36:09.745" v="9" actId="478"/>
+          <ac:picMkLst>
+            <pc:docMk/>
+            <pc:sldMk cId="147487756" sldId="265"/>
+            <ac:picMk id="10" creationId="{A28EABAB-75B3-4EA9-849D-6241747393AB}"/>
+          </ac:picMkLst>
+        </pc:picChg>
+      </pc:sldChg>
+      <pc:sldChg chg="delSp add del mod ord">
+        <pc:chgData name=" " userId="c953af65-a220-40f8-9b11-e29da02892c7" providerId="ADAL" clId="{87FFE49A-DFB6-45C5-AEF7-EC4BF73C1827}" dt="2020-04-01T17:36:13.700" v="12" actId="47"/>
+        <pc:sldMkLst>
+          <pc:docMk/>
+          <pc:sldMk cId="2058489634" sldId="268"/>
+        </pc:sldMkLst>
+        <pc:spChg chg="del">
+          <ac:chgData name=" " userId="c953af65-a220-40f8-9b11-e29da02892c7" providerId="ADAL" clId="{87FFE49A-DFB6-45C5-AEF7-EC4BF73C1827}" dt="2020-04-01T17:35:51.504" v="3" actId="478"/>
+          <ac:spMkLst>
+            <pc:docMk/>
+            <pc:sldMk cId="2058489634" sldId="268"/>
+            <ac:spMk id="29" creationId="{721B8819-0A16-44A3-8F1F-5DBE5C7DABFC}"/>
+          </ac:spMkLst>
+        </pc:spChg>
+        <pc:spChg chg="del">
+          <ac:chgData name=" " userId="c953af65-a220-40f8-9b11-e29da02892c7" providerId="ADAL" clId="{87FFE49A-DFB6-45C5-AEF7-EC4BF73C1827}" dt="2020-04-01T17:35:51.504" v="3" actId="478"/>
+          <ac:spMkLst>
+            <pc:docMk/>
+            <pc:sldMk cId="2058489634" sldId="268"/>
+            <ac:spMk id="32" creationId="{F1D9F5EA-BDFC-4414-B692-180956C3F07C}"/>
+          </ac:spMkLst>
+        </pc:spChg>
+        <pc:spChg chg="del">
+          <ac:chgData name=" " userId="c953af65-a220-40f8-9b11-e29da02892c7" providerId="ADAL" clId="{87FFE49A-DFB6-45C5-AEF7-EC4BF73C1827}" dt="2020-04-01T17:35:51.504" v="3" actId="478"/>
+          <ac:spMkLst>
+            <pc:docMk/>
+            <pc:sldMk cId="2058489634" sldId="268"/>
+            <ac:spMk id="33" creationId="{A9B1791B-D0F0-4E38-9528-C7E6A464B05E}"/>
+          </ac:spMkLst>
+        </pc:spChg>
+        <pc:picChg chg="del">
+          <ac:chgData name=" " userId="c953af65-a220-40f8-9b11-e29da02892c7" providerId="ADAL" clId="{87FFE49A-DFB6-45C5-AEF7-EC4BF73C1827}" dt="2020-04-01T17:35:51.504" v="3" actId="478"/>
+          <ac:picMkLst>
+            <pc:docMk/>
+            <pc:sldMk cId="2058489634" sldId="268"/>
+            <ac:picMk id="9" creationId="{44593EB2-52F5-4F35-956C-0C3D94213811}"/>
+          </ac:picMkLst>
+        </pc:picChg>
+        <pc:picChg chg="del">
+          <ac:chgData name=" " userId="c953af65-a220-40f8-9b11-e29da02892c7" providerId="ADAL" clId="{87FFE49A-DFB6-45C5-AEF7-EC4BF73C1827}" dt="2020-04-01T17:35:51.504" v="3" actId="478"/>
+          <ac:picMkLst>
+            <pc:docMk/>
+            <pc:sldMk cId="2058489634" sldId="268"/>
+            <ac:picMk id="26" creationId="{CAAE8828-99D9-4F06-9EFE-26B6F9CAFB8A}"/>
+          </ac:picMkLst>
+        </pc:picChg>
+        <pc:picChg chg="del">
+          <ac:chgData name=" " userId="c953af65-a220-40f8-9b11-e29da02892c7" providerId="ADAL" clId="{87FFE49A-DFB6-45C5-AEF7-EC4BF73C1827}" dt="2020-04-01T17:35:51.504" v="3" actId="478"/>
+          <ac:picMkLst>
+            <pc:docMk/>
+            <pc:sldMk cId="2058489634" sldId="268"/>
+            <ac:picMk id="30" creationId="{27A33727-858D-499F-B648-B8E2FAE9B08D}"/>
+          </ac:picMkLst>
+        </pc:picChg>
+      </pc:sldChg>
+      <pc:sldChg chg="addSp delSp modSp add mod ord">
+        <pc:chgData name=" " userId="c953af65-a220-40f8-9b11-e29da02892c7" providerId="ADAL" clId="{87FFE49A-DFB6-45C5-AEF7-EC4BF73C1827}" dt="2020-04-12T11:43:35.349" v="1121" actId="1076"/>
+        <pc:sldMkLst>
+          <pc:docMk/>
+          <pc:sldMk cId="3128642891" sldId="268"/>
+        </pc:sldMkLst>
+        <pc:spChg chg="del">
+          <ac:chgData name=" " userId="c953af65-a220-40f8-9b11-e29da02892c7" providerId="ADAL" clId="{87FFE49A-DFB6-45C5-AEF7-EC4BF73C1827}" dt="2020-04-01T17:36:21.412" v="17" actId="478"/>
+          <ac:spMkLst>
+            <pc:docMk/>
+            <pc:sldMk cId="3128642891" sldId="268"/>
+            <ac:spMk id="27" creationId="{528972B3-E3FB-4B70-8120-894B762671B3}"/>
+          </ac:spMkLst>
+        </pc:spChg>
+        <pc:spChg chg="del">
+          <ac:chgData name=" " userId="c953af65-a220-40f8-9b11-e29da02892c7" providerId="ADAL" clId="{87FFE49A-DFB6-45C5-AEF7-EC4BF73C1827}" dt="2020-04-01T17:36:21.412" v="17" actId="478"/>
+          <ac:spMkLst>
+            <pc:docMk/>
+            <pc:sldMk cId="3128642891" sldId="268"/>
+            <ac:spMk id="31" creationId="{1FB54033-1131-40B1-8A20-B993EB1DB5B2}"/>
+          </ac:spMkLst>
+        </pc:spChg>
+        <pc:spChg chg="del">
+          <ac:chgData name=" " userId="c953af65-a220-40f8-9b11-e29da02892c7" providerId="ADAL" clId="{87FFE49A-DFB6-45C5-AEF7-EC4BF73C1827}" dt="2020-04-01T17:36:21.412" v="17" actId="478"/>
+          <ac:spMkLst>
+            <pc:docMk/>
+            <pc:sldMk cId="3128642891" sldId="268"/>
+            <ac:spMk id="36" creationId="{931A94B6-FBD5-47E9-9BF0-203EF70E7982}"/>
+          </ac:spMkLst>
+        </pc:spChg>
+        <pc:spChg chg="del">
+          <ac:chgData name=" " userId="c953af65-a220-40f8-9b11-e29da02892c7" providerId="ADAL" clId="{87FFE49A-DFB6-45C5-AEF7-EC4BF73C1827}" dt="2020-04-01T17:36:21.412" v="17" actId="478"/>
+          <ac:spMkLst>
+            <pc:docMk/>
+            <pc:sldMk cId="3128642891" sldId="268"/>
+            <ac:spMk id="37" creationId="{AC87ABFF-6534-4374-BCD8-A25BDC4279CA}"/>
+          </ac:spMkLst>
+        </pc:spChg>
+        <pc:spChg chg="del">
+          <ac:chgData name=" " userId="c953af65-a220-40f8-9b11-e29da02892c7" providerId="ADAL" clId="{87FFE49A-DFB6-45C5-AEF7-EC4BF73C1827}" dt="2020-04-01T17:36:21.412" v="17" actId="478"/>
+          <ac:spMkLst>
+            <pc:docMk/>
+            <pc:sldMk cId="3128642891" sldId="268"/>
+            <ac:spMk id="38" creationId="{6E216610-A590-40C1-B3A2-58FA1A580906}"/>
+          </ac:spMkLst>
+        </pc:spChg>
+        <pc:spChg chg="del">
+          <ac:chgData name=" " userId="c953af65-a220-40f8-9b11-e29da02892c7" providerId="ADAL" clId="{87FFE49A-DFB6-45C5-AEF7-EC4BF73C1827}" dt="2020-04-01T17:36:21.412" v="17" actId="478"/>
+          <ac:spMkLst>
+            <pc:docMk/>
+            <pc:sldMk cId="3128642891" sldId="268"/>
+            <ac:spMk id="39" creationId="{AF0FAB9F-93EB-41B7-BE16-4E101D05CB10}"/>
+          </ac:spMkLst>
+        </pc:spChg>
+        <pc:spChg chg="del">
+          <ac:chgData name=" " userId="c953af65-a220-40f8-9b11-e29da02892c7" providerId="ADAL" clId="{87FFE49A-DFB6-45C5-AEF7-EC4BF73C1827}" dt="2020-04-01T17:36:21.412" v="17" actId="478"/>
+          <ac:spMkLst>
+            <pc:docMk/>
+            <pc:sldMk cId="3128642891" sldId="268"/>
+            <ac:spMk id="40" creationId="{63FCCA5C-DA5B-4A25-A76C-C583E13856C6}"/>
+          </ac:spMkLst>
+        </pc:spChg>
+        <pc:spChg chg="del">
+          <ac:chgData name=" " userId="c953af65-a220-40f8-9b11-e29da02892c7" providerId="ADAL" clId="{87FFE49A-DFB6-45C5-AEF7-EC4BF73C1827}" dt="2020-04-01T17:36:21.412" v="17" actId="478"/>
+          <ac:spMkLst>
+            <pc:docMk/>
+            <pc:sldMk cId="3128642891" sldId="268"/>
+            <ac:spMk id="41" creationId="{63A8FF8D-076A-4BCA-AE39-803026247B82}"/>
+          </ac:spMkLst>
+        </pc:spChg>
+        <pc:spChg chg="add mod">
+          <ac:chgData name=" " userId="c953af65-a220-40f8-9b11-e29da02892c7" providerId="ADAL" clId="{87FFE49A-DFB6-45C5-AEF7-EC4BF73C1827}" dt="2020-04-02T03:33:25.770" v="301" actId="14100"/>
+          <ac:spMkLst>
+            <pc:docMk/>
+            <pc:sldMk cId="3128642891" sldId="268"/>
+            <ac:spMk id="42" creationId="{09A2F048-D341-4F5F-AA5D-FCAB735A8335}"/>
+          </ac:spMkLst>
+        </pc:spChg>
+        <pc:spChg chg="add mod">
+          <ac:chgData name=" " userId="c953af65-a220-40f8-9b11-e29da02892c7" providerId="ADAL" clId="{87FFE49A-DFB6-45C5-AEF7-EC4BF73C1827}" dt="2020-04-02T03:32:31.058" v="289" actId="1076"/>
+          <ac:spMkLst>
+            <pc:docMk/>
+            <pc:sldMk cId="3128642891" sldId="268"/>
+            <ac:spMk id="43" creationId="{234B4F64-81C6-4ADF-98BF-06005B16DAA7}"/>
+          </ac:spMkLst>
+        </pc:spChg>
+        <pc:spChg chg="add del mod">
+          <ac:chgData name=" " userId="c953af65-a220-40f8-9b11-e29da02892c7" providerId="ADAL" clId="{87FFE49A-DFB6-45C5-AEF7-EC4BF73C1827}" dt="2020-04-02T02:58:44.654" v="55" actId="478"/>
+          <ac:spMkLst>
+            <pc:docMk/>
+            <pc:sldMk cId="3128642891" sldId="268"/>
+            <ac:spMk id="44" creationId="{ECFA01D0-DB9B-4CDD-AA74-C6704E85F1F9}"/>
+          </ac:spMkLst>
+        </pc:spChg>
+        <pc:spChg chg="add mod">
+          <ac:chgData name=" " userId="c953af65-a220-40f8-9b11-e29da02892c7" providerId="ADAL" clId="{87FFE49A-DFB6-45C5-AEF7-EC4BF73C1827}" dt="2020-04-02T03:33:28.572" v="302" actId="1076"/>
+          <ac:spMkLst>
+            <pc:docMk/>
+            <pc:sldMk cId="3128642891" sldId="268"/>
+            <ac:spMk id="45" creationId="{574D3D23-0C9F-4872-8A8D-FDE6FF04919B}"/>
+          </ac:spMkLst>
+        </pc:spChg>
+        <pc:spChg chg="add mod">
+          <ac:chgData name=" " userId="c953af65-a220-40f8-9b11-e29da02892c7" providerId="ADAL" clId="{87FFE49A-DFB6-45C5-AEF7-EC4BF73C1827}" dt="2020-04-02T03:33:34.442" v="329" actId="1037"/>
+          <ac:spMkLst>
+            <pc:docMk/>
+            <pc:sldMk cId="3128642891" sldId="268"/>
+            <ac:spMk id="46" creationId="{F6CD3F1E-9A3F-46F0-99DB-6DA5ECD487FA}"/>
+          </ac:spMkLst>
+        </pc:spChg>
+        <pc:spChg chg="add mod">
+          <ac:chgData name=" " userId="c953af65-a220-40f8-9b11-e29da02892c7" providerId="ADAL" clId="{87FFE49A-DFB6-45C5-AEF7-EC4BF73C1827}" dt="2020-04-02T03:58:56.982" v="1115" actId="1076"/>
+          <ac:spMkLst>
+            <pc:docMk/>
+            <pc:sldMk cId="3128642891" sldId="268"/>
+            <ac:spMk id="47" creationId="{23E89FDA-2F82-463B-8CEB-0AE3298058BF}"/>
+          </ac:spMkLst>
+        </pc:spChg>
+        <pc:spChg chg="add mod">
+          <ac:chgData name=" " userId="c953af65-a220-40f8-9b11-e29da02892c7" providerId="ADAL" clId="{87FFE49A-DFB6-45C5-AEF7-EC4BF73C1827}" dt="2020-04-02T03:58:56.982" v="1115" actId="1076"/>
+          <ac:spMkLst>
+            <pc:docMk/>
+            <pc:sldMk cId="3128642891" sldId="268"/>
+            <ac:spMk id="48" creationId="{E20D0A5C-4DB7-475E-813B-5DF2C8E6AB29}"/>
+          </ac:spMkLst>
+        </pc:spChg>
+        <pc:spChg chg="add mod">
+          <ac:chgData name=" " userId="c953af65-a220-40f8-9b11-e29da02892c7" providerId="ADAL" clId="{87FFE49A-DFB6-45C5-AEF7-EC4BF73C1827}" dt="2020-04-02T03:58:56.982" v="1115" actId="1076"/>
+          <ac:spMkLst>
+            <pc:docMk/>
+            <pc:sldMk cId="3128642891" sldId="268"/>
+            <ac:spMk id="49" creationId="{CB202C7D-AC9A-41D3-A226-89D2E79ED99C}"/>
+          </ac:spMkLst>
+        </pc:spChg>
+        <pc:grpChg chg="del">
+          <ac:chgData name=" " userId="c953af65-a220-40f8-9b11-e29da02892c7" providerId="ADAL" clId="{87FFE49A-DFB6-45C5-AEF7-EC4BF73C1827}" dt="2020-04-01T17:36:19.258" v="16" actId="478"/>
+          <ac:grpSpMkLst>
+            <pc:docMk/>
+            <pc:sldMk cId="3128642891" sldId="268"/>
+            <ac:grpSpMk id="6" creationId="{8066A899-3291-4730-94E8-D83227DAB581}"/>
+          </ac:grpSpMkLst>
+        </pc:grpChg>
+        <pc:grpChg chg="mod">
+          <ac:chgData name=" " userId="c953af65-a220-40f8-9b11-e29da02892c7" providerId="ADAL" clId="{87FFE49A-DFB6-45C5-AEF7-EC4BF73C1827}" dt="2020-04-02T03:33:31.745" v="304" actId="1076"/>
+          <ac:grpSpMkLst>
+            <pc:docMk/>
+            <pc:sldMk cId="3128642891" sldId="268"/>
+            <ac:grpSpMk id="14" creationId="{16A0F8E0-F58A-4826-A847-44A942D76261}"/>
+          </ac:grpSpMkLst>
+        </pc:grpChg>
+        <pc:picChg chg="del">
+          <ac:chgData name=" " userId="c953af65-a220-40f8-9b11-e29da02892c7" providerId="ADAL" clId="{87FFE49A-DFB6-45C5-AEF7-EC4BF73C1827}" dt="2020-04-01T17:36:21.412" v="17" actId="478"/>
+          <ac:picMkLst>
+            <pc:docMk/>
+            <pc:sldMk cId="3128642891" sldId="268"/>
+            <ac:picMk id="8" creationId="{01CB66F3-7A16-4CE8-BFFA-DD44816B532D}"/>
+          </ac:picMkLst>
+        </pc:picChg>
+        <pc:picChg chg="add mod">
+          <ac:chgData name=" " userId="c953af65-a220-40f8-9b11-e29da02892c7" providerId="ADAL" clId="{87FFE49A-DFB6-45C5-AEF7-EC4BF73C1827}" dt="2020-04-02T00:04:46.728" v="19" actId="1076"/>
+          <ac:picMkLst>
+            <pc:docMk/>
+            <pc:sldMk cId="3128642891" sldId="268"/>
+            <ac:picMk id="9" creationId="{E4310081-C057-4840-A14A-47CF1838B3BC}"/>
+          </ac:picMkLst>
+        </pc:picChg>
+        <pc:picChg chg="del">
+          <ac:chgData name=" " userId="c953af65-a220-40f8-9b11-e29da02892c7" providerId="ADAL" clId="{87FFE49A-DFB6-45C5-AEF7-EC4BF73C1827}" dt="2020-04-01T17:36:21.412" v="17" actId="478"/>
+          <ac:picMkLst>
+            <pc:docMk/>
+            <pc:sldMk cId="3128642891" sldId="268"/>
+            <ac:picMk id="10" creationId="{A28EABAB-75B3-4EA9-849D-6241747393AB}"/>
+          </ac:picMkLst>
+        </pc:picChg>
+        <pc:picChg chg="add mod">
+          <ac:chgData name=" " userId="c953af65-a220-40f8-9b11-e29da02892c7" providerId="ADAL" clId="{87FFE49A-DFB6-45C5-AEF7-EC4BF73C1827}" dt="2020-04-12T11:43:35.349" v="1121" actId="1076"/>
+          <ac:picMkLst>
+            <pc:docMk/>
+            <pc:sldMk cId="3128642891" sldId="268"/>
+            <ac:picMk id="26" creationId="{EECE6A49-EA7C-4D5F-BC3E-2F24F35E81CD}"/>
+          </ac:picMkLst>
+        </pc:picChg>
+        <pc:picChg chg="add mod">
+          <ac:chgData name=" " userId="c953af65-a220-40f8-9b11-e29da02892c7" providerId="ADAL" clId="{87FFE49A-DFB6-45C5-AEF7-EC4BF73C1827}" dt="2020-04-02T03:52:09.986" v="1112"/>
+          <ac:picMkLst>
+            <pc:docMk/>
+            <pc:sldMk cId="3128642891" sldId="268"/>
+            <ac:picMk id="50" creationId="{611065A3-A8B0-40CC-9E47-487FE765A5C6}"/>
+          </ac:picMkLst>
+        </pc:picChg>
+        <pc:picChg chg="add mod">
+          <ac:chgData name=" " userId="c953af65-a220-40f8-9b11-e29da02892c7" providerId="ADAL" clId="{87FFE49A-DFB6-45C5-AEF7-EC4BF73C1827}" dt="2020-04-02T03:52:20.747" v="1113"/>
+          <ac:picMkLst>
+            <pc:docMk/>
+            <pc:sldMk cId="3128642891" sldId="268"/>
+            <ac:picMk id="51" creationId="{95F3D3EE-0E30-4E9C-9346-9173337805E7}"/>
+          </ac:picMkLst>
+        </pc:picChg>
+        <pc:picChg chg="add mod">
+          <ac:chgData name=" " userId="c953af65-a220-40f8-9b11-e29da02892c7" providerId="ADAL" clId="{87FFE49A-DFB6-45C5-AEF7-EC4BF73C1827}" dt="2020-04-02T03:52:24.348" v="1114"/>
+          <ac:picMkLst>
+            <pc:docMk/>
+            <pc:sldMk cId="3128642891" sldId="268"/>
+            <ac:picMk id="52" creationId="{F8B9AD8B-991B-4E3C-935F-79613AE8F625}"/>
+          </ac:picMkLst>
+        </pc:picChg>
+      </pc:sldChg>
+      <pc:sldChg chg="add">
+        <pc:chgData name=" " userId="c953af65-a220-40f8-9b11-e29da02892c7" providerId="ADAL" clId="{87FFE49A-DFB6-45C5-AEF7-EC4BF73C1827}" dt="2020-04-19T07:44:59.462" v="1122"/>
+        <pc:sldMkLst>
+          <pc:docMk/>
+          <pc:sldMk cId="1156684537" sldId="270"/>
+        </pc:sldMkLst>
+      </pc:sldChg>
+      <pc:sldChg chg="addSp delSp modSp add mod">
+        <pc:chgData name=" " userId="c953af65-a220-40f8-9b11-e29da02892c7" providerId="ADAL" clId="{87FFE49A-DFB6-45C5-AEF7-EC4BF73C1827}" dt="2020-04-19T08:38:20.029" v="1175" actId="962"/>
+        <pc:sldMkLst>
+          <pc:docMk/>
+          <pc:sldMk cId="411816148" sldId="271"/>
+        </pc:sldMkLst>
+        <pc:picChg chg="del">
+          <ac:chgData name=" " userId="c953af65-a220-40f8-9b11-e29da02892c7" providerId="ADAL" clId="{87FFE49A-DFB6-45C5-AEF7-EC4BF73C1827}" dt="2020-04-19T08:38:08.312" v="1169" actId="478"/>
+          <ac:picMkLst>
+            <pc:docMk/>
+            <pc:sldMk cId="411816148" sldId="271"/>
+            <ac:picMk id="3" creationId="{5027BF45-C4E7-45CC-8971-E5B84AA14D7F}"/>
+          </ac:picMkLst>
+        </pc:picChg>
+        <pc:picChg chg="add del mod">
+          <ac:chgData name=" " userId="c953af65-a220-40f8-9b11-e29da02892c7" providerId="ADAL" clId="{87FFE49A-DFB6-45C5-AEF7-EC4BF73C1827}" dt="2020-04-19T08:38:18.438" v="1172" actId="478"/>
+          <ac:picMkLst>
+            <pc:docMk/>
+            <pc:sldMk cId="411816148" sldId="271"/>
+            <ac:picMk id="4" creationId="{5695B23A-AFA0-4B0E-B9C8-1EC18A4592D4}"/>
+          </ac:picMkLst>
+        </pc:picChg>
+        <pc:picChg chg="add mod">
+          <ac:chgData name=" " userId="c953af65-a220-40f8-9b11-e29da02892c7" providerId="ADAL" clId="{87FFE49A-DFB6-45C5-AEF7-EC4BF73C1827}" dt="2020-04-19T08:38:20.029" v="1175" actId="962"/>
+          <ac:picMkLst>
+            <pc:docMk/>
+            <pc:sldMk cId="411816148" sldId="271"/>
+            <ac:picMk id="6" creationId="{9264058B-88FE-4509-8348-5BD747100B57}"/>
+          </ac:picMkLst>
+        </pc:picChg>
+        <pc:picChg chg="del">
+          <ac:chgData name=" " userId="c953af65-a220-40f8-9b11-e29da02892c7" providerId="ADAL" clId="{87FFE49A-DFB6-45C5-AEF7-EC4BF73C1827}" dt="2020-04-19T08:38:08.312" v="1169" actId="478"/>
+          <ac:picMkLst>
+            <pc:docMk/>
+            <pc:sldMk cId="411816148" sldId="271"/>
+            <ac:picMk id="8" creationId="{1B520630-8652-4DD1-A7C4-FE17407D1AFE}"/>
+          </ac:picMkLst>
+        </pc:picChg>
+        <pc:picChg chg="del">
+          <ac:chgData name=" " userId="c953af65-a220-40f8-9b11-e29da02892c7" providerId="ADAL" clId="{87FFE49A-DFB6-45C5-AEF7-EC4BF73C1827}" dt="2020-04-19T08:38:08.312" v="1169" actId="478"/>
+          <ac:picMkLst>
+            <pc:docMk/>
+            <pc:sldMk cId="411816148" sldId="271"/>
+            <ac:picMk id="9" creationId="{637BFEA5-9534-4928-B491-F85DF0FAEAA7}"/>
+          </ac:picMkLst>
+        </pc:picChg>
+        <pc:picChg chg="del">
+          <ac:chgData name=" " userId="c953af65-a220-40f8-9b11-e29da02892c7" providerId="ADAL" clId="{87FFE49A-DFB6-45C5-AEF7-EC4BF73C1827}" dt="2020-04-19T08:38:08.312" v="1169" actId="478"/>
+          <ac:picMkLst>
+            <pc:docMk/>
+            <pc:sldMk cId="411816148" sldId="271"/>
+            <ac:picMk id="14" creationId="{A3C9CEF8-40DF-4995-B36A-F917CCE6DFAB}"/>
+          </ac:picMkLst>
+        </pc:picChg>
+      </pc:sldChg>
+    </pc:docChg>
+  </pc:docChgLst>
 </pc:chgInfo>
 </file>
 
@@ -533,7 +1036,7 @@
           <a:p>
             <a:fld id="{75DCA1FD-AA9A-428A-9491-6707F84AA4A4}" type="datetimeFigureOut">
               <a:rPr lang="ko-KR" altLang="en-US" smtClean="0"/>
-              <a:t>2020-03-17</a:t>
+              <a:t>2020-04-19</a:t>
             </a:fld>
             <a:endParaRPr lang="ko-KR" altLang="en-US"/>
           </a:p>
@@ -731,7 +1234,7 @@
           <a:p>
             <a:fld id="{75DCA1FD-AA9A-428A-9491-6707F84AA4A4}" type="datetimeFigureOut">
               <a:rPr lang="ko-KR" altLang="en-US" smtClean="0"/>
-              <a:t>2020-03-17</a:t>
+              <a:t>2020-04-19</a:t>
             </a:fld>
             <a:endParaRPr lang="ko-KR" altLang="en-US"/>
           </a:p>
@@ -939,7 +1442,7 @@
           <a:p>
             <a:fld id="{75DCA1FD-AA9A-428A-9491-6707F84AA4A4}" type="datetimeFigureOut">
               <a:rPr lang="ko-KR" altLang="en-US" smtClean="0"/>
-              <a:t>2020-03-17</a:t>
+              <a:t>2020-04-19</a:t>
             </a:fld>
             <a:endParaRPr lang="ko-KR" altLang="en-US"/>
           </a:p>
@@ -1137,7 +1640,7 @@
           <a:p>
             <a:fld id="{75DCA1FD-AA9A-428A-9491-6707F84AA4A4}" type="datetimeFigureOut">
               <a:rPr lang="ko-KR" altLang="en-US" smtClean="0"/>
-              <a:t>2020-03-17</a:t>
+              <a:t>2020-04-19</a:t>
             </a:fld>
             <a:endParaRPr lang="ko-KR" altLang="en-US"/>
           </a:p>
@@ -1412,7 +1915,7 @@
           <a:p>
             <a:fld id="{75DCA1FD-AA9A-428A-9491-6707F84AA4A4}" type="datetimeFigureOut">
               <a:rPr lang="ko-KR" altLang="en-US" smtClean="0"/>
-              <a:t>2020-03-17</a:t>
+              <a:t>2020-04-19</a:t>
             </a:fld>
             <a:endParaRPr lang="ko-KR" altLang="en-US"/>
           </a:p>
@@ -1677,7 +2180,7 @@
           <a:p>
             <a:fld id="{75DCA1FD-AA9A-428A-9491-6707F84AA4A4}" type="datetimeFigureOut">
               <a:rPr lang="ko-KR" altLang="en-US" smtClean="0"/>
-              <a:t>2020-03-17</a:t>
+              <a:t>2020-04-19</a:t>
             </a:fld>
             <a:endParaRPr lang="ko-KR" altLang="en-US"/>
           </a:p>
@@ -2089,7 +2592,7 @@
           <a:p>
             <a:fld id="{75DCA1FD-AA9A-428A-9491-6707F84AA4A4}" type="datetimeFigureOut">
               <a:rPr lang="ko-KR" altLang="en-US" smtClean="0"/>
-              <a:t>2020-03-17</a:t>
+              <a:t>2020-04-19</a:t>
             </a:fld>
             <a:endParaRPr lang="ko-KR" altLang="en-US"/>
           </a:p>
@@ -2230,7 +2733,7 @@
           <a:p>
             <a:fld id="{75DCA1FD-AA9A-428A-9491-6707F84AA4A4}" type="datetimeFigureOut">
               <a:rPr lang="ko-KR" altLang="en-US" smtClean="0"/>
-              <a:t>2020-03-17</a:t>
+              <a:t>2020-04-19</a:t>
             </a:fld>
             <a:endParaRPr lang="ko-KR" altLang="en-US"/>
           </a:p>
@@ -2343,7 +2846,7 @@
           <a:p>
             <a:fld id="{75DCA1FD-AA9A-428A-9491-6707F84AA4A4}" type="datetimeFigureOut">
               <a:rPr lang="ko-KR" altLang="en-US" smtClean="0"/>
-              <a:t>2020-03-17</a:t>
+              <a:t>2020-04-19</a:t>
             </a:fld>
             <a:endParaRPr lang="ko-KR" altLang="en-US"/>
           </a:p>
@@ -2654,7 +3157,7 @@
           <a:p>
             <a:fld id="{75DCA1FD-AA9A-428A-9491-6707F84AA4A4}" type="datetimeFigureOut">
               <a:rPr lang="ko-KR" altLang="en-US" smtClean="0"/>
-              <a:t>2020-03-17</a:t>
+              <a:t>2020-04-19</a:t>
             </a:fld>
             <a:endParaRPr lang="ko-KR" altLang="en-US"/>
           </a:p>
@@ -2942,7 +3445,7 @@
           <a:p>
             <a:fld id="{75DCA1FD-AA9A-428A-9491-6707F84AA4A4}" type="datetimeFigureOut">
               <a:rPr lang="ko-KR" altLang="en-US" smtClean="0"/>
-              <a:t>2020-03-17</a:t>
+              <a:t>2020-04-19</a:t>
             </a:fld>
             <a:endParaRPr lang="ko-KR" altLang="en-US"/>
           </a:p>
@@ -3183,7 +3686,7 @@
           <a:p>
             <a:fld id="{75DCA1FD-AA9A-428A-9491-6707F84AA4A4}" type="datetimeFigureOut">
               <a:rPr lang="ko-KR" altLang="en-US" smtClean="0"/>
-              <a:t>2020-03-17</a:t>
+              <a:t>2020-04-19</a:t>
             </a:fld>
             <a:endParaRPr lang="ko-KR" altLang="en-US"/>
           </a:p>
@@ -3600,12 +4103,253 @@
           <a:chExt cx="0" cy="0"/>
         </a:xfrm>
       </p:grpSpPr>
+      <p:pic>
+        <p:nvPicPr>
+          <p:cNvPr id="3" name="그림 2" descr="스크린샷이(가) 표시된 사진&#10;&#10;자동 생성된 설명">
+            <a:extLst>
+              <a:ext uri="{FF2B5EF4-FFF2-40B4-BE49-F238E27FC236}">
+                <a16:creationId xmlns:a16="http://schemas.microsoft.com/office/drawing/2014/main" id="{5027BF45-C4E7-45CC-8971-E5B84AA14D7F}"/>
+              </a:ext>
+            </a:extLst>
+          </p:cNvPr>
+          <p:cNvPicPr>
+            <a:picLocks noChangeAspect="1"/>
+          </p:cNvPicPr>
+          <p:nvPr/>
+        </p:nvPicPr>
+        <p:blipFill rotWithShape="1">
+          <a:blip r:embed="rId2">
+            <a:extLst>
+              <a:ext uri="{28A0092B-C50C-407E-A947-70E740481C1C}">
+                <a14:useLocalDpi xmlns:a14="http://schemas.microsoft.com/office/drawing/2010/main" val="0"/>
+              </a:ext>
+            </a:extLst>
+          </a:blip>
+          <a:srcRect t="16920" r="73438" b="17564"/>
+          <a:stretch/>
+        </p:blipFill>
+        <p:spPr>
+          <a:xfrm>
+            <a:off x="2399329" y="840135"/>
+            <a:ext cx="1945231" cy="4493092"/>
+          </a:xfrm>
+          <a:prstGeom prst="rect">
+            <a:avLst/>
+          </a:prstGeom>
+        </p:spPr>
+      </p:pic>
+      <p:pic>
+        <p:nvPicPr>
+          <p:cNvPr id="8" name="그림 7" descr="스크린샷이(가) 표시된 사진&#10;&#10;자동 생성된 설명">
+            <a:extLst>
+              <a:ext uri="{FF2B5EF4-FFF2-40B4-BE49-F238E27FC236}">
+                <a16:creationId xmlns:a16="http://schemas.microsoft.com/office/drawing/2014/main" id="{1B520630-8652-4DD1-A7C4-FE17407D1AFE}"/>
+              </a:ext>
+            </a:extLst>
+          </p:cNvPr>
+          <p:cNvPicPr>
+            <a:picLocks noChangeAspect="1"/>
+          </p:cNvPicPr>
+          <p:nvPr/>
+        </p:nvPicPr>
+        <p:blipFill rotWithShape="1">
+          <a:blip r:embed="rId2">
+            <a:extLst>
+              <a:ext uri="{28A0092B-C50C-407E-A947-70E740481C1C}">
+                <a14:useLocalDpi xmlns:a14="http://schemas.microsoft.com/office/drawing/2010/main" val="0"/>
+              </a:ext>
+            </a:extLst>
+          </a:blip>
+          <a:srcRect l="43069" r="36522" b="70849"/>
+          <a:stretch/>
+        </p:blipFill>
+        <p:spPr>
+          <a:xfrm>
+            <a:off x="5263601" y="233465"/>
+            <a:ext cx="1494604" cy="1999158"/>
+          </a:xfrm>
+          <a:prstGeom prst="rect">
+            <a:avLst/>
+          </a:prstGeom>
+        </p:spPr>
+      </p:pic>
+      <p:pic>
+        <p:nvPicPr>
+          <p:cNvPr id="9" name="그림 8" descr="스크린샷이(가) 표시된 사진&#10;&#10;자동 생성된 설명">
+            <a:extLst>
+              <a:ext uri="{FF2B5EF4-FFF2-40B4-BE49-F238E27FC236}">
+                <a16:creationId xmlns:a16="http://schemas.microsoft.com/office/drawing/2014/main" id="{637BFEA5-9534-4928-B491-F85DF0FAEAA7}"/>
+              </a:ext>
+            </a:extLst>
+          </p:cNvPr>
+          <p:cNvPicPr>
+            <a:picLocks noChangeAspect="1"/>
+          </p:cNvPicPr>
+          <p:nvPr/>
+        </p:nvPicPr>
+        <p:blipFill rotWithShape="1">
+          <a:blip r:embed="rId2">
+            <a:extLst>
+              <a:ext uri="{28A0092B-C50C-407E-A947-70E740481C1C}">
+                <a14:useLocalDpi xmlns:a14="http://schemas.microsoft.com/office/drawing/2010/main" val="0"/>
+              </a:ext>
+            </a:extLst>
+          </a:blip>
+          <a:srcRect l="43286" t="69330" r="36939" b="2582"/>
+          <a:stretch/>
+        </p:blipFill>
+        <p:spPr>
+          <a:xfrm>
+            <a:off x="4957254" y="3620466"/>
+            <a:ext cx="1448187" cy="1926275"/>
+          </a:xfrm>
+          <a:prstGeom prst="rect">
+            <a:avLst/>
+          </a:prstGeom>
+        </p:spPr>
+      </p:pic>
+      <p:pic>
+        <p:nvPicPr>
+          <p:cNvPr id="14" name="그림 13" descr="스크린샷이(가) 표시된 사진&#10;&#10;자동 생성된 설명">
+            <a:extLst>
+              <a:ext uri="{FF2B5EF4-FFF2-40B4-BE49-F238E27FC236}">
+                <a16:creationId xmlns:a16="http://schemas.microsoft.com/office/drawing/2014/main" id="{A3C9CEF8-40DF-4995-B36A-F917CCE6DFAB}"/>
+              </a:ext>
+            </a:extLst>
+          </p:cNvPr>
+          <p:cNvPicPr>
+            <a:picLocks noChangeAspect="1"/>
+          </p:cNvPicPr>
+          <p:nvPr/>
+        </p:nvPicPr>
+        <p:blipFill rotWithShape="1">
+          <a:blip r:embed="rId3">
+            <a:extLst>
+              <a:ext uri="{28A0092B-C50C-407E-A947-70E740481C1C}">
+                <a14:useLocalDpi xmlns:a14="http://schemas.microsoft.com/office/drawing/2010/main" val="0"/>
+              </a:ext>
+            </a:extLst>
+          </a:blip>
+          <a:srcRect l="77002"/>
+          <a:stretch/>
+        </p:blipFill>
+        <p:spPr>
+          <a:xfrm>
+            <a:off x="7847442" y="0"/>
+            <a:ext cx="1735560" cy="6858000"/>
+          </a:xfrm>
+          <a:prstGeom prst="rect">
+            <a:avLst/>
+          </a:prstGeom>
+        </p:spPr>
+      </p:pic>
+    </p:spTree>
+    <p:extLst>
+      <p:ext uri="{BB962C8B-B14F-4D97-AF65-F5344CB8AC3E}">
+        <p14:creationId xmlns:p14="http://schemas.microsoft.com/office/powerpoint/2010/main" val="3949188130"/>
+      </p:ext>
+    </p:extLst>
+  </p:cSld>
+  <p:clrMapOvr>
+    <a:masterClrMapping/>
+  </p:clrMapOvr>
+</p:sld>
+</file>
+
+<file path=ppt/slides/slide10.xml><?xml version="1.0" encoding="utf-8"?>
+<p:sld xmlns:a="http://schemas.openxmlformats.org/drawingml/2006/main" xmlns:r="http://schemas.openxmlformats.org/officeDocument/2006/relationships" xmlns:p="http://schemas.openxmlformats.org/presentationml/2006/main">
+  <p:cSld>
+    <p:spTree>
+      <p:nvGrpSpPr>
+        <p:cNvPr id="1" name=""/>
+        <p:cNvGrpSpPr/>
+        <p:nvPr/>
+      </p:nvGrpSpPr>
+      <p:grpSpPr>
+        <a:xfrm>
+          <a:off x="0" y="0"/>
+          <a:ext cx="0" cy="0"/>
+          <a:chOff x="0" y="0"/>
+          <a:chExt cx="0" cy="0"/>
+        </a:xfrm>
+      </p:grpSpPr>
+      <p:pic>
+        <p:nvPicPr>
+          <p:cNvPr id="3" name="그림 2">
+            <a:extLst>
+              <a:ext uri="{FF2B5EF4-FFF2-40B4-BE49-F238E27FC236}">
+                <a16:creationId xmlns:a16="http://schemas.microsoft.com/office/drawing/2014/main" id="{9057CB34-B327-46A5-A70B-FEF87F747704}"/>
+              </a:ext>
+            </a:extLst>
+          </p:cNvPr>
+          <p:cNvPicPr>
+            <a:picLocks noChangeAspect="1"/>
+          </p:cNvPicPr>
+          <p:nvPr/>
+        </p:nvPicPr>
+        <p:blipFill>
+          <a:blip r:embed="rId2"/>
+          <a:stretch>
+            <a:fillRect/>
+          </a:stretch>
+        </p:blipFill>
+        <p:spPr>
+          <a:xfrm>
+            <a:off x="475929" y="0"/>
+            <a:ext cx="5891564" cy="6797959"/>
+          </a:xfrm>
+          <a:prstGeom prst="rect">
+            <a:avLst/>
+          </a:prstGeom>
+        </p:spPr>
+      </p:pic>
+    </p:spTree>
+    <p:extLst>
+      <p:ext uri="{BB962C8B-B14F-4D97-AF65-F5344CB8AC3E}">
+        <p14:creationId xmlns:p14="http://schemas.microsoft.com/office/powerpoint/2010/main" val="1383227293"/>
+      </p:ext>
+    </p:extLst>
+  </p:cSld>
+  <p:clrMapOvr>
+    <a:masterClrMapping/>
+  </p:clrMapOvr>
+</p:sld>
+</file>
+
+<file path=ppt/slides/slide11.xml><?xml version="1.0" encoding="utf-8"?>
+<p:sld xmlns:a="http://schemas.openxmlformats.org/drawingml/2006/main" xmlns:r="http://schemas.openxmlformats.org/officeDocument/2006/relationships" xmlns:p="http://schemas.openxmlformats.org/presentationml/2006/main">
+  <p:cSld>
+    <p:bg>
+      <p:bgPr>
+        <a:solidFill>
+          <a:schemeClr val="accent1">
+            <a:lumMod val="40000"/>
+            <a:lumOff val="60000"/>
+          </a:schemeClr>
+        </a:solidFill>
+        <a:effectLst/>
+      </p:bgPr>
+    </p:bg>
+    <p:spTree>
+      <p:nvGrpSpPr>
+        <p:cNvPr id="1" name=""/>
+        <p:cNvGrpSpPr/>
+        <p:nvPr/>
+      </p:nvGrpSpPr>
+      <p:grpSpPr>
+        <a:xfrm>
+          <a:off x="0" y="0"/>
+          <a:ext cx="0" cy="0"/>
+          <a:chOff x="0" y="0"/>
+          <a:chExt cx="0" cy="0"/>
+        </a:xfrm>
+      </p:grpSpPr>
       <p:grpSp>
         <p:nvGrpSpPr>
-          <p:cNvPr id="11" name="그룹 10">
-            <a:extLst>
-              <a:ext uri="{FF2B5EF4-FFF2-40B4-BE49-F238E27FC236}">
-                <a16:creationId xmlns:a16="http://schemas.microsoft.com/office/drawing/2014/main" id="{6986020F-B687-4F0A-8E08-42C5B9CDC833}"/>
+          <p:cNvPr id="2" name="그룹 1">
+            <a:extLst>
+              <a:ext uri="{FF2B5EF4-FFF2-40B4-BE49-F238E27FC236}">
+                <a16:creationId xmlns:a16="http://schemas.microsoft.com/office/drawing/2014/main" id="{376DCA46-73A9-4DF0-83B6-A596281A8427}"/>
               </a:ext>
             </a:extLst>
           </p:cNvPr>
@@ -3614,110 +4358,18 @@
         </p:nvGrpSpPr>
         <p:grpSpPr>
           <a:xfrm>
-            <a:off x="3221040" y="554040"/>
-            <a:ext cx="5749920" cy="5749920"/>
-            <a:chOff x="3221040" y="554040"/>
-            <a:chExt cx="5749920" cy="5749920"/>
+            <a:off x="231921" y="53975"/>
+            <a:ext cx="10550392" cy="4833827"/>
+            <a:chOff x="820804" y="1012086"/>
+            <a:chExt cx="10550392" cy="4833827"/>
           </a:xfrm>
         </p:grpSpPr>
-        <p:cxnSp>
-          <p:nvCxnSpPr>
-            <p:cNvPr id="6" name="직선 연결선 5">
+        <p:sp>
+          <p:nvSpPr>
+            <p:cNvPr id="3" name="사각형: 둥근 모서리 2">
               <a:extLst>
                 <a:ext uri="{FF2B5EF4-FFF2-40B4-BE49-F238E27FC236}">
-                  <a16:creationId xmlns:a16="http://schemas.microsoft.com/office/drawing/2014/main" id="{2C2A94BE-287B-45F8-AEEC-6E34EAC2D547}"/>
-                </a:ext>
-              </a:extLst>
-            </p:cNvPr>
-            <p:cNvCxnSpPr/>
-            <p:nvPr/>
-          </p:nvCxnSpPr>
-          <p:spPr>
-            <a:xfrm>
-              <a:off x="4459637" y="3429000"/>
-              <a:ext cx="3272727" cy="0"/>
-            </a:xfrm>
-            <a:prstGeom prst="line">
-              <a:avLst/>
-            </a:prstGeom>
-            <a:ln w="190500" cap="rnd">
-              <a:solidFill>
-                <a:schemeClr val="tx1">
-                  <a:lumMod val="95000"/>
-                  <a:lumOff val="5000"/>
-                  <a:alpha val="70000"/>
-                </a:schemeClr>
-              </a:solidFill>
-            </a:ln>
-          </p:spPr>
-          <p:style>
-            <a:lnRef idx="1">
-              <a:schemeClr val="accent1"/>
-            </a:lnRef>
-            <a:fillRef idx="0">
-              <a:schemeClr val="accent1"/>
-            </a:fillRef>
-            <a:effectRef idx="0">
-              <a:schemeClr val="accent1"/>
-            </a:effectRef>
-            <a:fontRef idx="minor">
-              <a:schemeClr val="tx1"/>
-            </a:fontRef>
-          </p:style>
-        </p:cxnSp>
-        <p:cxnSp>
-          <p:nvCxnSpPr>
-            <p:cNvPr id="7" name="직선 연결선 6">
-              <a:extLst>
-                <a:ext uri="{FF2B5EF4-FFF2-40B4-BE49-F238E27FC236}">
-                  <a16:creationId xmlns:a16="http://schemas.microsoft.com/office/drawing/2014/main" id="{AE5D7D1B-914F-478E-BC19-80EB82793C83}"/>
-                </a:ext>
-              </a:extLst>
-            </p:cNvPr>
-            <p:cNvCxnSpPr>
-              <a:cxnSpLocks/>
-            </p:cNvCxnSpPr>
-            <p:nvPr/>
-          </p:nvCxnSpPr>
-          <p:spPr>
-            <a:xfrm>
-              <a:off x="6096000" y="1792636"/>
-              <a:ext cx="55418" cy="3272727"/>
-            </a:xfrm>
-            <a:prstGeom prst="line">
-              <a:avLst/>
-            </a:prstGeom>
-            <a:ln w="190500" cap="rnd">
-              <a:solidFill>
-                <a:schemeClr val="tx1">
-                  <a:lumMod val="95000"/>
-                  <a:lumOff val="5000"/>
-                  <a:alpha val="70000"/>
-                </a:schemeClr>
-              </a:solidFill>
-            </a:ln>
-          </p:spPr>
-          <p:style>
-            <a:lnRef idx="1">
-              <a:schemeClr val="accent1"/>
-            </a:lnRef>
-            <a:fillRef idx="0">
-              <a:schemeClr val="accent1"/>
-            </a:fillRef>
-            <a:effectRef idx="0">
-              <a:schemeClr val="accent1"/>
-            </a:effectRef>
-            <a:fontRef idx="minor">
-              <a:schemeClr val="tx1"/>
-            </a:fontRef>
-          </p:style>
-        </p:cxnSp>
-        <p:sp>
-          <p:nvSpPr>
-            <p:cNvPr id="10" name="다이아몬드 9">
-              <a:extLst>
-                <a:ext uri="{FF2B5EF4-FFF2-40B4-BE49-F238E27FC236}">
-                  <a16:creationId xmlns:a16="http://schemas.microsoft.com/office/drawing/2014/main" id="{CADFCB89-CB8A-4A6D-94C7-15FA0D223CC5}"/>
+                  <a16:creationId xmlns:a16="http://schemas.microsoft.com/office/drawing/2014/main" id="{95519B29-A9C4-4E5A-AA0E-B5D144892A56}"/>
                 </a:ext>
               </a:extLst>
             </p:cNvPr>
@@ -3726,23 +4378,32 @@
           </p:nvSpPr>
           <p:spPr>
             <a:xfrm>
-              <a:off x="3221040" y="554040"/>
-              <a:ext cx="5749920" cy="5749920"/>
+              <a:off x="820804" y="1012086"/>
+              <a:ext cx="10550392" cy="4833827"/>
             </a:xfrm>
-            <a:prstGeom prst="diamond">
+            <a:prstGeom prst="roundRect">
               <a:avLst/>
             </a:prstGeom>
-            <a:noFill/>
-            <a:ln w="158750" cap="rnd">
+            <a:solidFill>
+              <a:schemeClr val="bg1">
+                <a:alpha val="90000"/>
+              </a:schemeClr>
+            </a:solidFill>
+            <a:ln w="38100" cap="flat">
               <a:solidFill>
-                <a:schemeClr val="tx1">
-                  <a:lumMod val="95000"/>
-                  <a:lumOff val="5000"/>
-                  <a:alpha val="70000"/>
+                <a:schemeClr val="accent1">
+                  <a:lumMod val="75000"/>
+                  <a:alpha val="60000"/>
                 </a:schemeClr>
               </a:solidFill>
-              <a:round/>
             </a:ln>
+            <a:effectLst>
+              <a:outerShdw blurRad="50800" dist="38100" dir="2700000" algn="tl" rotWithShape="0">
+                <a:prstClr val="black">
+                  <a:alpha val="40000"/>
+                </a:prstClr>
+              </a:outerShdw>
+            </a:effectLst>
           </p:spPr>
           <p:style>
             <a:lnRef idx="2">
@@ -3769,11 +4430,488 @@
             </a:p>
           </p:txBody>
         </p:sp>
+        <p:cxnSp>
+          <p:nvCxnSpPr>
+            <p:cNvPr id="4" name="직선 연결선 3">
+              <a:extLst>
+                <a:ext uri="{FF2B5EF4-FFF2-40B4-BE49-F238E27FC236}">
+                  <a16:creationId xmlns:a16="http://schemas.microsoft.com/office/drawing/2014/main" id="{1EE6B608-506E-4F77-A8A8-DAE45E429E4F}"/>
+                </a:ext>
+              </a:extLst>
+            </p:cNvPr>
+            <p:cNvCxnSpPr>
+              <a:cxnSpLocks/>
+            </p:cNvCxnSpPr>
+            <p:nvPr/>
+          </p:nvCxnSpPr>
+          <p:spPr>
+            <a:xfrm>
+              <a:off x="866274" y="1588168"/>
+              <a:ext cx="10462661" cy="0"/>
+            </a:xfrm>
+            <a:prstGeom prst="line">
+              <a:avLst/>
+            </a:prstGeom>
+            <a:ln w="25400">
+              <a:solidFill>
+                <a:schemeClr val="tx1">
+                  <a:alpha val="3000"/>
+                </a:schemeClr>
+              </a:solidFill>
+            </a:ln>
+            <a:effectLst>
+              <a:outerShdw blurRad="50800" sx="101000" sy="101000" algn="ctr" rotWithShape="0">
+                <a:prstClr val="black"/>
+              </a:outerShdw>
+            </a:effectLst>
+          </p:spPr>
+          <p:style>
+            <a:lnRef idx="1">
+              <a:schemeClr val="accent1"/>
+            </a:lnRef>
+            <a:fillRef idx="0">
+              <a:schemeClr val="accent1"/>
+            </a:fillRef>
+            <a:effectRef idx="0">
+              <a:schemeClr val="accent1"/>
+            </a:effectRef>
+            <a:fontRef idx="minor">
+              <a:schemeClr val="tx1"/>
+            </a:fontRef>
+          </p:style>
+        </p:cxnSp>
+        <p:cxnSp>
+          <p:nvCxnSpPr>
+            <p:cNvPr id="13" name="직선 연결선 12">
+              <a:extLst>
+                <a:ext uri="{FF2B5EF4-FFF2-40B4-BE49-F238E27FC236}">
+                  <a16:creationId xmlns:a16="http://schemas.microsoft.com/office/drawing/2014/main" id="{10014039-F232-4B54-A642-C988D0EC9E61}"/>
+                </a:ext>
+              </a:extLst>
+            </p:cNvPr>
+            <p:cNvCxnSpPr>
+              <a:cxnSpLocks/>
+              <a:endCxn id="3" idx="2"/>
+            </p:cNvCxnSpPr>
+            <p:nvPr/>
+          </p:nvCxnSpPr>
+          <p:spPr>
+            <a:xfrm>
+              <a:off x="6096000" y="1588168"/>
+              <a:ext cx="0" cy="4257745"/>
+            </a:xfrm>
+            <a:prstGeom prst="line">
+              <a:avLst/>
+            </a:prstGeom>
+            <a:ln w="25400">
+              <a:solidFill>
+                <a:schemeClr val="tx1">
+                  <a:alpha val="3000"/>
+                </a:schemeClr>
+              </a:solidFill>
+            </a:ln>
+            <a:effectLst>
+              <a:outerShdw blurRad="50800" sx="101000" sy="101000" algn="ctr" rotWithShape="0">
+                <a:prstClr val="black"/>
+              </a:outerShdw>
+            </a:effectLst>
+          </p:spPr>
+          <p:style>
+            <a:lnRef idx="1">
+              <a:schemeClr val="accent1"/>
+            </a:lnRef>
+            <a:fillRef idx="0">
+              <a:schemeClr val="accent1"/>
+            </a:fillRef>
+            <a:effectRef idx="0">
+              <a:schemeClr val="accent1"/>
+            </a:effectRef>
+            <a:fontRef idx="minor">
+              <a:schemeClr val="tx1"/>
+            </a:fontRef>
+          </p:style>
+        </p:cxnSp>
       </p:grpSp>
+      <p:pic>
+        <p:nvPicPr>
+          <p:cNvPr id="7" name="그림 6">
+            <a:extLst>
+              <a:ext uri="{FF2B5EF4-FFF2-40B4-BE49-F238E27FC236}">
+                <a16:creationId xmlns:a16="http://schemas.microsoft.com/office/drawing/2014/main" id="{230E7756-AF34-4029-982E-8AFCAEDEAEB6}"/>
+              </a:ext>
+            </a:extLst>
+          </p:cNvPr>
+          <p:cNvPicPr>
+            <a:picLocks noChangeAspect="1"/>
+          </p:cNvPicPr>
+          <p:nvPr/>
+        </p:nvPicPr>
+        <p:blipFill>
+          <a:blip r:embed="rId2" cstate="print">
+            <a:extLst>
+              <a:ext uri="{28A0092B-C50C-407E-A947-70E740481C1C}">
+                <a14:useLocalDpi xmlns:a14="http://schemas.microsoft.com/office/drawing/2010/main" val="0"/>
+              </a:ext>
+            </a:extLst>
+          </a:blip>
+          <a:stretch>
+            <a:fillRect/>
+          </a:stretch>
+        </p:blipFill>
+        <p:spPr>
+          <a:xfrm>
+            <a:off x="6194149" y="1209886"/>
+            <a:ext cx="1827950" cy="1032696"/>
+          </a:xfrm>
+          <a:prstGeom prst="rect">
+            <a:avLst/>
+          </a:prstGeom>
+        </p:spPr>
+      </p:pic>
+      <p:pic>
+        <p:nvPicPr>
+          <p:cNvPr id="9" name="그림 8" descr="음식이(가) 표시된 사진&#10;&#10;자동 생성된 설명">
+            <a:extLst>
+              <a:ext uri="{FF2B5EF4-FFF2-40B4-BE49-F238E27FC236}">
+                <a16:creationId xmlns:a16="http://schemas.microsoft.com/office/drawing/2014/main" id="{B4407E14-FFC8-49F5-96B4-E4B315AA0097}"/>
+              </a:ext>
+            </a:extLst>
+          </p:cNvPr>
+          <p:cNvPicPr>
+            <a:picLocks noChangeAspect="1"/>
+          </p:cNvPicPr>
+          <p:nvPr/>
+        </p:nvPicPr>
+        <p:blipFill>
+          <a:blip r:embed="rId3" cstate="print">
+            <a:extLst>
+              <a:ext uri="{28A0092B-C50C-407E-A947-70E740481C1C}">
+                <a14:useLocalDpi xmlns:a14="http://schemas.microsoft.com/office/drawing/2010/main" val="0"/>
+              </a:ext>
+            </a:extLst>
+          </a:blip>
+          <a:stretch>
+            <a:fillRect/>
+          </a:stretch>
+        </p:blipFill>
+        <p:spPr>
+          <a:xfrm>
+            <a:off x="466362" y="1062705"/>
+            <a:ext cx="4697240" cy="2644337"/>
+          </a:xfrm>
+          <a:prstGeom prst="rect">
+            <a:avLst/>
+          </a:prstGeom>
+        </p:spPr>
+      </p:pic>
+      <p:pic>
+        <p:nvPicPr>
+          <p:cNvPr id="8" name="그림 7" descr="나이프이(가) 표시된 사진&#10;&#10;자동 생성된 설명">
+            <a:extLst>
+              <a:ext uri="{FF2B5EF4-FFF2-40B4-BE49-F238E27FC236}">
+                <a16:creationId xmlns:a16="http://schemas.microsoft.com/office/drawing/2014/main" id="{2B78C26E-4DD8-495C-A7B7-2AA6587659B8}"/>
+              </a:ext>
+            </a:extLst>
+          </p:cNvPr>
+          <p:cNvPicPr>
+            <a:picLocks noChangeAspect="1"/>
+          </p:cNvPicPr>
+          <p:nvPr/>
+        </p:nvPicPr>
+        <p:blipFill>
+          <a:blip r:embed="rId4">
+            <a:duotone>
+              <a:schemeClr val="accent1">
+                <a:shade val="45000"/>
+                <a:satMod val="135000"/>
+              </a:schemeClr>
+              <a:prstClr val="white"/>
+            </a:duotone>
+            <a:extLst>
+              <a:ext uri="{BEBA8EAE-BF5A-486C-A8C5-ECC9F3942E4B}">
+                <a14:imgProps xmlns:a14="http://schemas.microsoft.com/office/drawing/2010/main">
+                  <a14:imgLayer r:embed="rId5">
+                    <a14:imgEffect>
+                      <a14:saturation sat="200000"/>
+                    </a14:imgEffect>
+                  </a14:imgLayer>
+                </a14:imgProps>
+              </a:ext>
+              <a:ext uri="{28A0092B-C50C-407E-A947-70E740481C1C}">
+                <a14:useLocalDpi xmlns:a14="http://schemas.microsoft.com/office/drawing/2010/main" val="0"/>
+              </a:ext>
+            </a:extLst>
+          </a:blip>
+          <a:stretch>
+            <a:fillRect/>
+          </a:stretch>
+        </p:blipFill>
+        <p:spPr>
+          <a:xfrm>
+            <a:off x="6185662" y="5057237"/>
+            <a:ext cx="1343025" cy="561975"/>
+          </a:xfrm>
+          <a:prstGeom prst="rect">
+            <a:avLst/>
+          </a:prstGeom>
+        </p:spPr>
+      </p:pic>
+      <p:pic>
+        <p:nvPicPr>
+          <p:cNvPr id="11" name="그림 10" descr="물이(가) 표시된 사진&#10;&#10;자동 생성된 설명">
+            <a:extLst>
+              <a:ext uri="{FF2B5EF4-FFF2-40B4-BE49-F238E27FC236}">
+                <a16:creationId xmlns:a16="http://schemas.microsoft.com/office/drawing/2014/main" id="{DB740A75-38A4-4475-A878-350C2BB1DFE4}"/>
+              </a:ext>
+            </a:extLst>
+          </p:cNvPr>
+          <p:cNvPicPr>
+            <a:picLocks noChangeAspect="1"/>
+          </p:cNvPicPr>
+          <p:nvPr/>
+        </p:nvPicPr>
+        <p:blipFill>
+          <a:blip r:embed="rId6">
+            <a:duotone>
+              <a:schemeClr val="accent1">
+                <a:shade val="45000"/>
+                <a:satMod val="135000"/>
+              </a:schemeClr>
+              <a:prstClr val="white"/>
+            </a:duotone>
+            <a:extLst>
+              <a:ext uri="{28A0092B-C50C-407E-A947-70E740481C1C}">
+                <a14:useLocalDpi xmlns:a14="http://schemas.microsoft.com/office/drawing/2010/main" val="0"/>
+              </a:ext>
+            </a:extLst>
+          </a:blip>
+          <a:stretch>
+            <a:fillRect/>
+          </a:stretch>
+        </p:blipFill>
+        <p:spPr>
+          <a:xfrm>
+            <a:off x="7838774" y="5083714"/>
+            <a:ext cx="1333500" cy="561975"/>
+          </a:xfrm>
+          <a:prstGeom prst="rect">
+            <a:avLst/>
+          </a:prstGeom>
+        </p:spPr>
+      </p:pic>
+      <p:pic>
+        <p:nvPicPr>
+          <p:cNvPr id="14" name="그림 13">
+            <a:extLst>
+              <a:ext uri="{FF2B5EF4-FFF2-40B4-BE49-F238E27FC236}">
+                <a16:creationId xmlns:a16="http://schemas.microsoft.com/office/drawing/2014/main" id="{9B552CB4-C661-4150-AA44-F0113BD58184}"/>
+              </a:ext>
+            </a:extLst>
+          </p:cNvPr>
+          <p:cNvPicPr>
+            <a:picLocks noChangeAspect="1"/>
+          </p:cNvPicPr>
+          <p:nvPr/>
+        </p:nvPicPr>
+        <p:blipFill>
+          <a:blip r:embed="rId7">
+            <a:duotone>
+              <a:schemeClr val="accent1">
+                <a:shade val="45000"/>
+                <a:satMod val="135000"/>
+              </a:schemeClr>
+              <a:prstClr val="white"/>
+            </a:duotone>
+            <a:extLst>
+              <a:ext uri="{BEBA8EAE-BF5A-486C-A8C5-ECC9F3942E4B}">
+                <a14:imgProps xmlns:a14="http://schemas.microsoft.com/office/drawing/2010/main">
+                  <a14:imgLayer r:embed="rId8">
+                    <a14:imgEffect>
+                      <a14:colorTemperature colorTemp="2000"/>
+                    </a14:imgEffect>
+                  </a14:imgLayer>
+                </a14:imgProps>
+              </a:ext>
+              <a:ext uri="{28A0092B-C50C-407E-A947-70E740481C1C}">
+                <a14:useLocalDpi xmlns:a14="http://schemas.microsoft.com/office/drawing/2010/main" val="0"/>
+              </a:ext>
+            </a:extLst>
+          </a:blip>
+          <a:stretch>
+            <a:fillRect/>
+          </a:stretch>
+        </p:blipFill>
+        <p:spPr>
+          <a:xfrm>
+            <a:off x="9444352" y="5083714"/>
+            <a:ext cx="1343025" cy="561975"/>
+          </a:xfrm>
+          <a:prstGeom prst="rect">
+            <a:avLst/>
+          </a:prstGeom>
+        </p:spPr>
+      </p:pic>
+      <p:pic>
+        <p:nvPicPr>
+          <p:cNvPr id="15" name="그림 14" descr="나이프이(가) 표시된 사진&#10;&#10;자동 생성된 설명">
+            <a:extLst>
+              <a:ext uri="{FF2B5EF4-FFF2-40B4-BE49-F238E27FC236}">
+                <a16:creationId xmlns:a16="http://schemas.microsoft.com/office/drawing/2014/main" id="{F67833C7-A305-4CD3-B798-008A35CBE953}"/>
+              </a:ext>
+            </a:extLst>
+          </p:cNvPr>
+          <p:cNvPicPr>
+            <a:picLocks noChangeAspect="1"/>
+          </p:cNvPicPr>
+          <p:nvPr/>
+        </p:nvPicPr>
+        <p:blipFill>
+          <a:blip r:embed="rId4">
+            <a:duotone>
+              <a:schemeClr val="accent6">
+                <a:shade val="45000"/>
+                <a:satMod val="135000"/>
+              </a:schemeClr>
+              <a:prstClr val="white"/>
+            </a:duotone>
+            <a:extLst>
+              <a:ext uri="{BEBA8EAE-BF5A-486C-A8C5-ECC9F3942E4B}">
+                <a14:imgProps xmlns:a14="http://schemas.microsoft.com/office/drawing/2010/main">
+                  <a14:imgLayer r:embed="rId5">
+                    <a14:imgEffect>
+                      <a14:saturation sat="200000"/>
+                    </a14:imgEffect>
+                  </a14:imgLayer>
+                </a14:imgProps>
+              </a:ext>
+              <a:ext uri="{28A0092B-C50C-407E-A947-70E740481C1C}">
+                <a14:useLocalDpi xmlns:a14="http://schemas.microsoft.com/office/drawing/2010/main" val="0"/>
+              </a:ext>
+            </a:extLst>
+          </a:blip>
+          <a:stretch>
+            <a:fillRect/>
+          </a:stretch>
+        </p:blipFill>
+        <p:spPr>
+          <a:xfrm>
+            <a:off x="6185662" y="6011036"/>
+            <a:ext cx="1343025" cy="561975"/>
+          </a:xfrm>
+          <a:prstGeom prst="rect">
+            <a:avLst/>
+          </a:prstGeom>
+          <a:ln w="19050">
+            <a:noFill/>
+          </a:ln>
+        </p:spPr>
+      </p:pic>
+      <p:pic>
+        <p:nvPicPr>
+          <p:cNvPr id="16" name="그림 15" descr="물이(가) 표시된 사진&#10;&#10;자동 생성된 설명">
+            <a:extLst>
+              <a:ext uri="{FF2B5EF4-FFF2-40B4-BE49-F238E27FC236}">
+                <a16:creationId xmlns:a16="http://schemas.microsoft.com/office/drawing/2014/main" id="{3CA68366-E154-48C1-95E5-E93CD55A6599}"/>
+              </a:ext>
+            </a:extLst>
+          </p:cNvPr>
+          <p:cNvPicPr>
+            <a:picLocks noChangeAspect="1"/>
+          </p:cNvPicPr>
+          <p:nvPr/>
+        </p:nvPicPr>
+        <p:blipFill>
+          <a:blip r:embed="rId6">
+            <a:duotone>
+              <a:schemeClr val="accent6">
+                <a:shade val="45000"/>
+                <a:satMod val="135000"/>
+              </a:schemeClr>
+              <a:prstClr val="white"/>
+            </a:duotone>
+            <a:extLst>
+              <a:ext uri="{28A0092B-C50C-407E-A947-70E740481C1C}">
+                <a14:useLocalDpi xmlns:a14="http://schemas.microsoft.com/office/drawing/2010/main" val="0"/>
+              </a:ext>
+            </a:extLst>
+          </a:blip>
+          <a:stretch>
+            <a:fillRect/>
+          </a:stretch>
+        </p:blipFill>
+        <p:spPr>
+          <a:xfrm>
+            <a:off x="7838774" y="6037513"/>
+            <a:ext cx="1333500" cy="561975"/>
+          </a:xfrm>
+          <a:prstGeom prst="rect">
+            <a:avLst/>
+          </a:prstGeom>
+          <a:ln w="19050">
+            <a:noFill/>
+          </a:ln>
+        </p:spPr>
+      </p:pic>
+      <p:pic>
+        <p:nvPicPr>
+          <p:cNvPr id="17" name="그림 16">
+            <a:extLst>
+              <a:ext uri="{FF2B5EF4-FFF2-40B4-BE49-F238E27FC236}">
+                <a16:creationId xmlns:a16="http://schemas.microsoft.com/office/drawing/2014/main" id="{285D046F-7026-480E-8616-C79CAD48ED63}"/>
+              </a:ext>
+            </a:extLst>
+          </p:cNvPr>
+          <p:cNvPicPr>
+            <a:picLocks noChangeAspect="1"/>
+          </p:cNvPicPr>
+          <p:nvPr/>
+        </p:nvPicPr>
+        <p:blipFill>
+          <a:blip r:embed="rId7">
+            <a:duotone>
+              <a:schemeClr val="accent6">
+                <a:shade val="45000"/>
+                <a:satMod val="135000"/>
+              </a:schemeClr>
+              <a:prstClr val="white"/>
+            </a:duotone>
+            <a:extLst>
+              <a:ext uri="{BEBA8EAE-BF5A-486C-A8C5-ECC9F3942E4B}">
+                <a14:imgProps xmlns:a14="http://schemas.microsoft.com/office/drawing/2010/main">
+                  <a14:imgLayer r:embed="rId8">
+                    <a14:imgEffect>
+                      <a14:colorTemperature colorTemp="2000"/>
+                    </a14:imgEffect>
+                  </a14:imgLayer>
+                </a14:imgProps>
+              </a:ext>
+              <a:ext uri="{28A0092B-C50C-407E-A947-70E740481C1C}">
+                <a14:useLocalDpi xmlns:a14="http://schemas.microsoft.com/office/drawing/2010/main" val="0"/>
+              </a:ext>
+            </a:extLst>
+          </a:blip>
+          <a:stretch>
+            <a:fillRect/>
+          </a:stretch>
+        </p:blipFill>
+        <p:spPr>
+          <a:xfrm>
+            <a:off x="9444352" y="6037513"/>
+            <a:ext cx="1343025" cy="561975"/>
+          </a:xfrm>
+          <a:prstGeom prst="rect">
+            <a:avLst/>
+          </a:prstGeom>
+          <a:ln w="19050">
+            <a:noFill/>
+          </a:ln>
+          <a:effectLst/>
+        </p:spPr>
+      </p:pic>
     </p:spTree>
     <p:extLst>
       <p:ext uri="{BB962C8B-B14F-4D97-AF65-F5344CB8AC3E}">
-        <p14:creationId xmlns:p14="http://schemas.microsoft.com/office/powerpoint/2010/main" val="3949188130"/>
+        <p14:creationId xmlns:p14="http://schemas.microsoft.com/office/powerpoint/2010/main" val="970203927"/>
       </p:ext>
     </p:extLst>
   </p:cSld>
@@ -3783,7 +4921,7 @@
 </p:sld>
 </file>
 
-<file path=ppt/slides/slide10.xml><?xml version="1.0" encoding="utf-8"?>
+<file path=ppt/slides/slide12.xml><?xml version="1.0" encoding="utf-8"?>
 <p:sld xmlns:a="http://schemas.openxmlformats.org/drawingml/2006/main" xmlns:r="http://schemas.openxmlformats.org/officeDocument/2006/relationships" xmlns:p="http://schemas.openxmlformats.org/presentationml/2006/main">
   <p:cSld>
     <p:bg>
@@ -5469,7 +6607,7 @@
 </p:sld>
 </file>
 
-<file path=ppt/slides/slide11.xml><?xml version="1.0" encoding="utf-8"?>
+<file path=ppt/slides/slide13.xml><?xml version="1.0" encoding="utf-8"?>
 <p:sld xmlns:a="http://schemas.openxmlformats.org/drawingml/2006/main" xmlns:r="http://schemas.openxmlformats.org/officeDocument/2006/relationships" xmlns:p="http://schemas.openxmlformats.org/presentationml/2006/main">
   <p:cSld>
     <p:bg>
@@ -6170,7 +7308,7 @@
 </p:sld>
 </file>
 
-<file path=ppt/slides/slide12.xml><?xml version="1.0" encoding="utf-8"?>
+<file path=ppt/slides/slide14.xml><?xml version="1.0" encoding="utf-8"?>
 <p:sld xmlns:a="http://schemas.openxmlformats.org/drawingml/2006/main" xmlns:r="http://schemas.openxmlformats.org/officeDocument/2006/relationships" xmlns:p="http://schemas.openxmlformats.org/presentationml/2006/main">
   <p:cSld>
     <p:bg>
@@ -7384,7 +8522,3845 @@
 </p:sld>
 </file>
 
+<file path=ppt/slides/slide15.xml><?xml version="1.0" encoding="utf-8"?>
+<p:sld xmlns:a="http://schemas.openxmlformats.org/drawingml/2006/main" xmlns:r="http://schemas.openxmlformats.org/officeDocument/2006/relationships" xmlns:p="http://schemas.openxmlformats.org/presentationml/2006/main">
+  <p:cSld>
+    <p:bg>
+      <p:bgPr>
+        <a:solidFill>
+          <a:schemeClr val="accent5">
+            <a:lumMod val="40000"/>
+            <a:lumOff val="60000"/>
+          </a:schemeClr>
+        </a:solidFill>
+        <a:effectLst/>
+      </p:bgPr>
+    </p:bg>
+    <p:spTree>
+      <p:nvGrpSpPr>
+        <p:cNvPr id="1" name=""/>
+        <p:cNvGrpSpPr/>
+        <p:nvPr/>
+      </p:nvGrpSpPr>
+      <p:grpSpPr>
+        <a:xfrm>
+          <a:off x="0" y="0"/>
+          <a:ext cx="0" cy="0"/>
+          <a:chOff x="0" y="0"/>
+          <a:chExt cx="0" cy="0"/>
+        </a:xfrm>
+      </p:grpSpPr>
+      <p:grpSp>
+        <p:nvGrpSpPr>
+          <p:cNvPr id="14" name="그룹 13">
+            <a:extLst>
+              <a:ext uri="{FF2B5EF4-FFF2-40B4-BE49-F238E27FC236}">
+                <a16:creationId xmlns:a16="http://schemas.microsoft.com/office/drawing/2014/main" id="{16A0F8E0-F58A-4826-A847-44A942D76261}"/>
+              </a:ext>
+            </a:extLst>
+          </p:cNvPr>
+          <p:cNvGrpSpPr/>
+          <p:nvPr/>
+        </p:nvGrpSpPr>
+        <p:grpSpPr>
+          <a:xfrm>
+            <a:off x="1130068" y="0"/>
+            <a:ext cx="9931847" cy="6858000"/>
+            <a:chOff x="1130068" y="0"/>
+            <a:chExt cx="9931847" cy="6858000"/>
+          </a:xfrm>
+        </p:grpSpPr>
+        <p:grpSp>
+          <p:nvGrpSpPr>
+            <p:cNvPr id="11" name="그룹 10">
+              <a:extLst>
+                <a:ext uri="{FF2B5EF4-FFF2-40B4-BE49-F238E27FC236}">
+                  <a16:creationId xmlns:a16="http://schemas.microsoft.com/office/drawing/2014/main" id="{022B9763-AAA8-4A69-BACA-91304069D2C1}"/>
+                </a:ext>
+              </a:extLst>
+            </p:cNvPr>
+            <p:cNvGrpSpPr/>
+            <p:nvPr/>
+          </p:nvGrpSpPr>
+          <p:grpSpPr>
+            <a:xfrm>
+              <a:off x="1130083" y="0"/>
+              <a:ext cx="9931832" cy="6858000"/>
+              <a:chOff x="1130083" y="0"/>
+              <a:chExt cx="9931832" cy="6858000"/>
+            </a:xfrm>
+          </p:grpSpPr>
+          <p:grpSp>
+            <p:nvGrpSpPr>
+              <p:cNvPr id="4" name="그룹 3">
+                <a:extLst>
+                  <a:ext uri="{FF2B5EF4-FFF2-40B4-BE49-F238E27FC236}">
+                    <a16:creationId xmlns:a16="http://schemas.microsoft.com/office/drawing/2014/main" id="{016A1E2A-F626-429D-9BB0-E277D7C9140C}"/>
+                  </a:ext>
+                </a:extLst>
+              </p:cNvPr>
+              <p:cNvGrpSpPr/>
+              <p:nvPr/>
+            </p:nvGrpSpPr>
+            <p:grpSpPr>
+              <a:xfrm>
+                <a:off x="1130093" y="0"/>
+                <a:ext cx="9931822" cy="6858000"/>
+                <a:chOff x="1130088" y="0"/>
+                <a:chExt cx="9931822" cy="6858000"/>
+              </a:xfrm>
+            </p:grpSpPr>
+            <p:sp>
+              <p:nvSpPr>
+                <p:cNvPr id="2" name="사각형: 둥근 모서리 1">
+                  <a:extLst>
+                    <a:ext uri="{FF2B5EF4-FFF2-40B4-BE49-F238E27FC236}">
+                      <a16:creationId xmlns:a16="http://schemas.microsoft.com/office/drawing/2014/main" id="{EE8A1ACC-B9CE-40A2-BA3A-20A6123EF4C1}"/>
+                    </a:ext>
+                  </a:extLst>
+                </p:cNvPr>
+                <p:cNvSpPr/>
+                <p:nvPr/>
+              </p:nvSpPr>
+              <p:spPr>
+                <a:xfrm>
+                  <a:off x="1130088" y="0"/>
+                  <a:ext cx="9931822" cy="6858000"/>
+                </a:xfrm>
+                <a:prstGeom prst="roundRect">
+                  <a:avLst>
+                    <a:gd name="adj" fmla="val 2624"/>
+                  </a:avLst>
+                </a:prstGeom>
+                <a:solidFill>
+                  <a:schemeClr val="bg1">
+                    <a:lumMod val="95000"/>
+                    <a:alpha val="70000"/>
+                  </a:schemeClr>
+                </a:solidFill>
+                <a:ln w="12700">
+                  <a:solidFill>
+                    <a:schemeClr val="bg1">
+                      <a:alpha val="50000"/>
+                    </a:schemeClr>
+                  </a:solidFill>
+                </a:ln>
+              </p:spPr>
+              <p:style>
+                <a:lnRef idx="2">
+                  <a:schemeClr val="accent1">
+                    <a:shade val="50000"/>
+                  </a:schemeClr>
+                </a:lnRef>
+                <a:fillRef idx="1">
+                  <a:schemeClr val="accent1"/>
+                </a:fillRef>
+                <a:effectRef idx="0">
+                  <a:schemeClr val="accent1"/>
+                </a:effectRef>
+                <a:fontRef idx="minor">
+                  <a:schemeClr val="lt1"/>
+                </a:fontRef>
+              </p:style>
+              <p:txBody>
+                <a:bodyPr rtlCol="0" anchor="ctr"/>
+                <a:lstStyle/>
+                <a:p>
+                  <a:pPr algn="ctr"/>
+                  <a:endParaRPr lang="ko-KR" altLang="en-US" dirty="0"/>
+                </a:p>
+              </p:txBody>
+            </p:sp>
+            <p:sp>
+              <p:nvSpPr>
+                <p:cNvPr id="3" name="사각형: 둥근 위쪽 모서리 2">
+                  <a:extLst>
+                    <a:ext uri="{FF2B5EF4-FFF2-40B4-BE49-F238E27FC236}">
+                      <a16:creationId xmlns:a16="http://schemas.microsoft.com/office/drawing/2014/main" id="{EB7B1FDC-F00F-4DCD-8427-0B0B9B0BF285}"/>
+                    </a:ext>
+                  </a:extLst>
+                </p:cNvPr>
+                <p:cNvSpPr/>
+                <p:nvPr/>
+              </p:nvSpPr>
+              <p:spPr>
+                <a:xfrm>
+                  <a:off x="1130089" y="12026"/>
+                  <a:ext cx="9931819" cy="271463"/>
+                </a:xfrm>
+                <a:prstGeom prst="round2SameRect">
+                  <a:avLst>
+                    <a:gd name="adj1" fmla="val 50000"/>
+                    <a:gd name="adj2" fmla="val 0"/>
+                  </a:avLst>
+                </a:prstGeom>
+                <a:solidFill>
+                  <a:srgbClr val="70AFF4">
+                    <a:alpha val="80000"/>
+                  </a:srgbClr>
+                </a:solidFill>
+                <a:ln w="19050">
+                  <a:noFill/>
+                </a:ln>
+              </p:spPr>
+              <p:style>
+                <a:lnRef idx="2">
+                  <a:schemeClr val="accent1">
+                    <a:shade val="50000"/>
+                  </a:schemeClr>
+                </a:lnRef>
+                <a:fillRef idx="1">
+                  <a:schemeClr val="accent1"/>
+                </a:fillRef>
+                <a:effectRef idx="0">
+                  <a:schemeClr val="accent1"/>
+                </a:effectRef>
+                <a:fontRef idx="minor">
+                  <a:schemeClr val="lt1"/>
+                </a:fontRef>
+              </p:style>
+              <p:txBody>
+                <a:bodyPr rtlCol="0" anchor="ctr"/>
+                <a:lstStyle/>
+                <a:p>
+                  <a:pPr algn="ctr"/>
+                  <a:endParaRPr lang="ko-KR" altLang="en-US"/>
+                </a:p>
+              </p:txBody>
+            </p:sp>
+          </p:grpSp>
+          <p:sp>
+            <p:nvSpPr>
+              <p:cNvPr id="12" name="사각형: 둥근 한쪽 모서리 11">
+                <a:extLst>
+                  <a:ext uri="{FF2B5EF4-FFF2-40B4-BE49-F238E27FC236}">
+                    <a16:creationId xmlns:a16="http://schemas.microsoft.com/office/drawing/2014/main" id="{4D64613E-3A69-48D7-90C0-59A59CB1EF45}"/>
+                  </a:ext>
+                </a:extLst>
+              </p:cNvPr>
+              <p:cNvSpPr/>
+              <p:nvPr/>
+            </p:nvSpPr>
+            <p:spPr>
+              <a:xfrm rot="10800000">
+                <a:off x="1130083" y="705674"/>
+                <a:ext cx="832061" cy="6135655"/>
+              </a:xfrm>
+              <a:prstGeom prst="round1Rect">
+                <a:avLst>
+                  <a:gd name="adj" fmla="val 22963"/>
+                </a:avLst>
+              </a:prstGeom>
+              <a:solidFill>
+                <a:schemeClr val="bg1">
+                  <a:lumMod val="95000"/>
+                  <a:alpha val="70000"/>
+                </a:schemeClr>
+              </a:solidFill>
+              <a:ln>
+                <a:noFill/>
+              </a:ln>
+              <a:effectLst>
+                <a:innerShdw blurRad="254000" dist="50800" dir="10800000">
+                  <a:prstClr val="black">
+                    <a:alpha val="30000"/>
+                  </a:prstClr>
+                </a:innerShdw>
+              </a:effectLst>
+            </p:spPr>
+            <p:style>
+              <a:lnRef idx="2">
+                <a:schemeClr val="accent1">
+                  <a:shade val="50000"/>
+                </a:schemeClr>
+              </a:lnRef>
+              <a:fillRef idx="1">
+                <a:schemeClr val="accent1"/>
+              </a:fillRef>
+              <a:effectRef idx="0">
+                <a:schemeClr val="accent1"/>
+              </a:effectRef>
+              <a:fontRef idx="minor">
+                <a:schemeClr val="lt1"/>
+              </a:fontRef>
+            </p:style>
+            <p:txBody>
+              <a:bodyPr rtlCol="0" anchor="ctr"/>
+              <a:lstStyle/>
+              <a:p>
+                <a:pPr algn="ctr"/>
+                <a:endParaRPr lang="ko-KR" altLang="en-US"/>
+              </a:p>
+            </p:txBody>
+          </p:sp>
+        </p:grpSp>
+        <p:sp>
+          <p:nvSpPr>
+            <p:cNvPr id="20" name="직사각형 19">
+              <a:extLst>
+                <a:ext uri="{FF2B5EF4-FFF2-40B4-BE49-F238E27FC236}">
+                  <a16:creationId xmlns:a16="http://schemas.microsoft.com/office/drawing/2014/main" id="{7F5A199C-DC3A-49D0-89E2-2686BC39B915}"/>
+                </a:ext>
+              </a:extLst>
+            </p:cNvPr>
+            <p:cNvSpPr/>
+            <p:nvPr/>
+          </p:nvSpPr>
+          <p:spPr>
+            <a:xfrm>
+              <a:off x="1130068" y="283489"/>
+              <a:ext cx="9931822" cy="422541"/>
+            </a:xfrm>
+            <a:prstGeom prst="rect">
+              <a:avLst/>
+            </a:prstGeom>
+            <a:solidFill>
+              <a:srgbClr val="C2DDFA">
+                <a:alpha val="69804"/>
+              </a:srgbClr>
+            </a:solidFill>
+            <a:ln w="19050">
+              <a:noFill/>
+            </a:ln>
+          </p:spPr>
+          <p:style>
+            <a:lnRef idx="2">
+              <a:schemeClr val="accent1">
+                <a:shade val="50000"/>
+              </a:schemeClr>
+            </a:lnRef>
+            <a:fillRef idx="1">
+              <a:schemeClr val="accent1"/>
+            </a:fillRef>
+            <a:effectRef idx="0">
+              <a:schemeClr val="accent1"/>
+            </a:effectRef>
+            <a:fontRef idx="minor">
+              <a:schemeClr val="lt1"/>
+            </a:fontRef>
+          </p:style>
+          <p:txBody>
+            <a:bodyPr rtlCol="0" anchor="ctr"/>
+            <a:lstStyle/>
+            <a:p>
+              <a:pPr algn="ctr"/>
+              <a:endParaRPr lang="ko-KR" altLang="en-US"/>
+            </a:p>
+          </p:txBody>
+        </p:sp>
+      </p:grpSp>
+      <p:sp>
+        <p:nvSpPr>
+          <p:cNvPr id="5" name="곱하기 기호 4">
+            <a:extLst>
+              <a:ext uri="{FF2B5EF4-FFF2-40B4-BE49-F238E27FC236}">
+                <a16:creationId xmlns:a16="http://schemas.microsoft.com/office/drawing/2014/main" id="{91F513B6-C61D-4F45-ABB4-BF6F2E79A52E}"/>
+              </a:ext>
+            </a:extLst>
+          </p:cNvPr>
+          <p:cNvSpPr/>
+          <p:nvPr/>
+        </p:nvSpPr>
+        <p:spPr>
+          <a:xfrm>
+            <a:off x="10717530" y="54778"/>
+            <a:ext cx="216000" cy="216000"/>
+          </a:xfrm>
+          <a:prstGeom prst="mathMultiply">
+            <a:avLst/>
+          </a:prstGeom>
+          <a:solidFill>
+            <a:schemeClr val="bg1">
+              <a:alpha val="90000"/>
+            </a:schemeClr>
+          </a:solidFill>
+          <a:ln>
+            <a:noFill/>
+          </a:ln>
+        </p:spPr>
+        <p:style>
+          <a:lnRef idx="2">
+            <a:schemeClr val="accent1">
+              <a:shade val="50000"/>
+            </a:schemeClr>
+          </a:lnRef>
+          <a:fillRef idx="1">
+            <a:schemeClr val="accent1"/>
+          </a:fillRef>
+          <a:effectRef idx="0">
+            <a:schemeClr val="accent1"/>
+          </a:effectRef>
+          <a:fontRef idx="minor">
+            <a:schemeClr val="lt1"/>
+          </a:fontRef>
+        </p:style>
+        <p:txBody>
+          <a:bodyPr rtlCol="0" anchor="ctr"/>
+          <a:lstStyle/>
+          <a:p>
+            <a:pPr algn="ctr"/>
+            <a:endParaRPr lang="ko-KR" altLang="en-US" dirty="0"/>
+          </a:p>
+        </p:txBody>
+      </p:sp>
+      <p:sp>
+        <p:nvSpPr>
+          <p:cNvPr id="29" name="사각형: 둥근 위쪽 모서리 28">
+            <a:extLst>
+              <a:ext uri="{FF2B5EF4-FFF2-40B4-BE49-F238E27FC236}">
+                <a16:creationId xmlns:a16="http://schemas.microsoft.com/office/drawing/2014/main" id="{721B8819-0A16-44A3-8F1F-5DBE5C7DABFC}"/>
+              </a:ext>
+            </a:extLst>
+          </p:cNvPr>
+          <p:cNvSpPr/>
+          <p:nvPr/>
+        </p:nvSpPr>
+        <p:spPr>
+          <a:xfrm>
+            <a:off x="1145521" y="316706"/>
+            <a:ext cx="1333742" cy="388968"/>
+          </a:xfrm>
+          <a:prstGeom prst="round2SameRect">
+            <a:avLst>
+              <a:gd name="adj1" fmla="val 38706"/>
+              <a:gd name="adj2" fmla="val 0"/>
+            </a:avLst>
+          </a:prstGeom>
+          <a:solidFill>
+            <a:schemeClr val="accent1">
+              <a:lumMod val="60000"/>
+              <a:lumOff val="40000"/>
+              <a:alpha val="70000"/>
+            </a:schemeClr>
+          </a:solidFill>
+          <a:ln>
+            <a:noFill/>
+          </a:ln>
+        </p:spPr>
+        <p:style>
+          <a:lnRef idx="2">
+            <a:schemeClr val="accent1">
+              <a:shade val="50000"/>
+            </a:schemeClr>
+          </a:lnRef>
+          <a:fillRef idx="1">
+            <a:schemeClr val="accent1"/>
+          </a:fillRef>
+          <a:effectRef idx="0">
+            <a:schemeClr val="accent1"/>
+          </a:effectRef>
+          <a:fontRef idx="minor">
+            <a:schemeClr val="lt1"/>
+          </a:fontRef>
+        </p:style>
+        <p:txBody>
+          <a:bodyPr rtlCol="0" anchor="ctr"/>
+          <a:lstStyle/>
+          <a:p>
+            <a:pPr algn="ctr"/>
+            <a:endParaRPr lang="ko-KR" altLang="en-US" sz="1400" dirty="0">
+              <a:solidFill>
+                <a:schemeClr val="tx1">
+                  <a:lumMod val="75000"/>
+                  <a:lumOff val="25000"/>
+                </a:schemeClr>
+              </a:solidFill>
+            </a:endParaRPr>
+          </a:p>
+        </p:txBody>
+      </p:sp>
+      <p:sp>
+        <p:nvSpPr>
+          <p:cNvPr id="32" name="사각형: 둥근 위쪽 모서리 31">
+            <a:extLst>
+              <a:ext uri="{FF2B5EF4-FFF2-40B4-BE49-F238E27FC236}">
+                <a16:creationId xmlns:a16="http://schemas.microsoft.com/office/drawing/2014/main" id="{F1D9F5EA-BDFC-4414-B692-180956C3F07C}"/>
+              </a:ext>
+            </a:extLst>
+          </p:cNvPr>
+          <p:cNvSpPr/>
+          <p:nvPr/>
+        </p:nvSpPr>
+        <p:spPr>
+          <a:xfrm>
+            <a:off x="2479263" y="316706"/>
+            <a:ext cx="1333742" cy="388968"/>
+          </a:xfrm>
+          <a:prstGeom prst="round2SameRect">
+            <a:avLst>
+              <a:gd name="adj1" fmla="val 38706"/>
+              <a:gd name="adj2" fmla="val 0"/>
+            </a:avLst>
+          </a:prstGeom>
+          <a:solidFill>
+            <a:schemeClr val="accent1">
+              <a:lumMod val="40000"/>
+              <a:lumOff val="60000"/>
+              <a:alpha val="70000"/>
+            </a:schemeClr>
+          </a:solidFill>
+          <a:ln>
+            <a:noFill/>
+          </a:ln>
+        </p:spPr>
+        <p:style>
+          <a:lnRef idx="2">
+            <a:schemeClr val="accent1">
+              <a:shade val="50000"/>
+            </a:schemeClr>
+          </a:lnRef>
+          <a:fillRef idx="1">
+            <a:schemeClr val="accent1"/>
+          </a:fillRef>
+          <a:effectRef idx="0">
+            <a:schemeClr val="accent1"/>
+          </a:effectRef>
+          <a:fontRef idx="minor">
+            <a:schemeClr val="lt1"/>
+          </a:fontRef>
+        </p:style>
+        <p:txBody>
+          <a:bodyPr rtlCol="0" anchor="ctr"/>
+          <a:lstStyle/>
+          <a:p>
+            <a:pPr algn="ctr"/>
+            <a:endParaRPr lang="ko-KR" altLang="en-US" sz="1400" dirty="0"/>
+          </a:p>
+        </p:txBody>
+      </p:sp>
+      <p:sp>
+        <p:nvSpPr>
+          <p:cNvPr id="33" name="사각형: 둥근 위쪽 모서리 32">
+            <a:extLst>
+              <a:ext uri="{FF2B5EF4-FFF2-40B4-BE49-F238E27FC236}">
+                <a16:creationId xmlns:a16="http://schemas.microsoft.com/office/drawing/2014/main" id="{A9B1791B-D0F0-4E38-9528-C7E6A464B05E}"/>
+              </a:ext>
+            </a:extLst>
+          </p:cNvPr>
+          <p:cNvSpPr/>
+          <p:nvPr/>
+        </p:nvSpPr>
+        <p:spPr>
+          <a:xfrm>
+            <a:off x="3813005" y="316706"/>
+            <a:ext cx="1333742" cy="388968"/>
+          </a:xfrm>
+          <a:prstGeom prst="round2SameRect">
+            <a:avLst>
+              <a:gd name="adj1" fmla="val 38706"/>
+              <a:gd name="adj2" fmla="val 0"/>
+            </a:avLst>
+          </a:prstGeom>
+          <a:solidFill>
+            <a:schemeClr val="accent1">
+              <a:lumMod val="40000"/>
+              <a:lumOff val="60000"/>
+              <a:alpha val="70000"/>
+            </a:schemeClr>
+          </a:solidFill>
+          <a:ln>
+            <a:noFill/>
+          </a:ln>
+        </p:spPr>
+        <p:style>
+          <a:lnRef idx="2">
+            <a:schemeClr val="accent1">
+              <a:shade val="50000"/>
+            </a:schemeClr>
+          </a:lnRef>
+          <a:fillRef idx="1">
+            <a:schemeClr val="accent1"/>
+          </a:fillRef>
+          <a:effectRef idx="0">
+            <a:schemeClr val="accent1"/>
+          </a:effectRef>
+          <a:fontRef idx="minor">
+            <a:schemeClr val="lt1"/>
+          </a:fontRef>
+        </p:style>
+        <p:txBody>
+          <a:bodyPr rtlCol="0" anchor="ctr"/>
+          <a:lstStyle/>
+          <a:p>
+            <a:pPr algn="ctr"/>
+            <a:endParaRPr lang="ko-KR" altLang="en-US"/>
+          </a:p>
+        </p:txBody>
+      </p:sp>
+      <p:pic>
+        <p:nvPicPr>
+          <p:cNvPr id="9" name="그래픽 8" descr="학교">
+            <a:extLst>
+              <a:ext uri="{FF2B5EF4-FFF2-40B4-BE49-F238E27FC236}">
+                <a16:creationId xmlns:a16="http://schemas.microsoft.com/office/drawing/2014/main" id="{E4310081-C057-4840-A14A-47CF1838B3BC}"/>
+              </a:ext>
+            </a:extLst>
+          </p:cNvPr>
+          <p:cNvPicPr>
+            <a:picLocks noChangeAspect="1"/>
+          </p:cNvPicPr>
+          <p:nvPr/>
+        </p:nvPicPr>
+        <p:blipFill>
+          <a:blip r:embed="rId2">
+            <a:extLst>
+              <a:ext uri="{28A0092B-C50C-407E-A947-70E740481C1C}">
+                <a14:useLocalDpi xmlns:a14="http://schemas.microsoft.com/office/drawing/2010/main" val="0"/>
+              </a:ext>
+              <a:ext uri="{96DAC541-7B7A-43D3-8B79-37D633B846F1}">
+                <asvg:svgBlip xmlns:asvg="http://schemas.microsoft.com/office/drawing/2016/SVG/main" r:embed="rId3"/>
+              </a:ext>
+            </a:extLst>
+          </a:blip>
+          <a:stretch>
+            <a:fillRect/>
+          </a:stretch>
+        </p:blipFill>
+        <p:spPr>
+          <a:xfrm>
+            <a:off x="11169706" y="795043"/>
+            <a:ext cx="914400" cy="914400"/>
+          </a:xfrm>
+          <a:prstGeom prst="rect">
+            <a:avLst/>
+          </a:prstGeom>
+        </p:spPr>
+      </p:pic>
+      <p:pic>
+        <p:nvPicPr>
+          <p:cNvPr id="26" name="그래픽 25" descr="추가">
+            <a:extLst>
+              <a:ext uri="{FF2B5EF4-FFF2-40B4-BE49-F238E27FC236}">
+                <a16:creationId xmlns:a16="http://schemas.microsoft.com/office/drawing/2014/main" id="{EECE6A49-EA7C-4D5F-BC3E-2F24F35E81CD}"/>
+              </a:ext>
+            </a:extLst>
+          </p:cNvPr>
+          <p:cNvPicPr>
+            <a:picLocks noChangeAspect="1"/>
+          </p:cNvPicPr>
+          <p:nvPr/>
+        </p:nvPicPr>
+        <p:blipFill>
+          <a:blip r:embed="rId4">
+            <a:extLst>
+              <a:ext uri="{28A0092B-C50C-407E-A947-70E740481C1C}">
+                <a14:useLocalDpi xmlns:a14="http://schemas.microsoft.com/office/drawing/2010/main" val="0"/>
+              </a:ext>
+              <a:ext uri="{96DAC541-7B7A-43D3-8B79-37D633B846F1}">
+                <asvg:svgBlip xmlns:asvg="http://schemas.microsoft.com/office/drawing/2016/SVG/main" r:embed="rId5"/>
+              </a:ext>
+            </a:extLst>
+          </a:blip>
+          <a:stretch>
+            <a:fillRect/>
+          </a:stretch>
+        </p:blipFill>
+        <p:spPr>
+          <a:xfrm>
+            <a:off x="7968095" y="904696"/>
+            <a:ext cx="567771" cy="567771"/>
+          </a:xfrm>
+          <a:prstGeom prst="rect">
+            <a:avLst/>
+          </a:prstGeom>
+        </p:spPr>
+      </p:pic>
+      <p:sp>
+        <p:nvSpPr>
+          <p:cNvPr id="42" name="사각형: 둥근 모서리 41">
+            <a:extLst>
+              <a:ext uri="{FF2B5EF4-FFF2-40B4-BE49-F238E27FC236}">
+                <a16:creationId xmlns:a16="http://schemas.microsoft.com/office/drawing/2014/main" id="{09A2F048-D341-4F5F-AA5D-FCAB735A8335}"/>
+              </a:ext>
+            </a:extLst>
+          </p:cNvPr>
+          <p:cNvSpPr/>
+          <p:nvPr/>
+        </p:nvSpPr>
+        <p:spPr>
+          <a:xfrm>
+            <a:off x="2132290" y="1537091"/>
+            <a:ext cx="2992186" cy="5182773"/>
+          </a:xfrm>
+          <a:prstGeom prst="roundRect">
+            <a:avLst>
+              <a:gd name="adj" fmla="val 10081"/>
+            </a:avLst>
+          </a:prstGeom>
+          <a:solidFill>
+            <a:schemeClr val="accent5">
+              <a:lumMod val="40000"/>
+              <a:lumOff val="60000"/>
+            </a:schemeClr>
+          </a:solidFill>
+          <a:ln w="19050">
+            <a:noFill/>
+          </a:ln>
+        </p:spPr>
+        <p:style>
+          <a:lnRef idx="2">
+            <a:schemeClr val="accent1">
+              <a:shade val="50000"/>
+            </a:schemeClr>
+          </a:lnRef>
+          <a:fillRef idx="1">
+            <a:schemeClr val="accent1"/>
+          </a:fillRef>
+          <a:effectRef idx="0">
+            <a:schemeClr val="accent1"/>
+          </a:effectRef>
+          <a:fontRef idx="minor">
+            <a:schemeClr val="lt1"/>
+          </a:fontRef>
+        </p:style>
+        <p:txBody>
+          <a:bodyPr rtlCol="0" anchor="t" anchorCtr="0"/>
+          <a:lstStyle/>
+          <a:p>
+            <a:pPr>
+              <a:lnSpc>
+                <a:spcPct val="150000"/>
+              </a:lnSpc>
+            </a:pPr>
+            <a:endParaRPr lang="ko-KR" altLang="en-US" dirty="0">
+              <a:solidFill>
+                <a:srgbClr val="093DBF"/>
+              </a:solidFill>
+            </a:endParaRPr>
+          </a:p>
+        </p:txBody>
+      </p:sp>
+      <p:sp>
+        <p:nvSpPr>
+          <p:cNvPr id="43" name="사각형: 둥근 모서리 42">
+            <a:extLst>
+              <a:ext uri="{FF2B5EF4-FFF2-40B4-BE49-F238E27FC236}">
+                <a16:creationId xmlns:a16="http://schemas.microsoft.com/office/drawing/2014/main" id="{234B4F64-81C6-4ADF-98BF-06005B16DAA7}"/>
+              </a:ext>
+            </a:extLst>
+          </p:cNvPr>
+          <p:cNvSpPr/>
+          <p:nvPr/>
+        </p:nvSpPr>
+        <p:spPr>
+          <a:xfrm>
+            <a:off x="2069936" y="977493"/>
+            <a:ext cx="1160731" cy="425490"/>
+          </a:xfrm>
+          <a:prstGeom prst="roundRect">
+            <a:avLst>
+              <a:gd name="adj" fmla="val 10081"/>
+            </a:avLst>
+          </a:prstGeom>
+          <a:noFill/>
+          <a:ln w="19050">
+            <a:noFill/>
+          </a:ln>
+        </p:spPr>
+        <p:style>
+          <a:lnRef idx="2">
+            <a:schemeClr val="accent1">
+              <a:shade val="50000"/>
+            </a:schemeClr>
+          </a:lnRef>
+          <a:fillRef idx="1">
+            <a:schemeClr val="accent1"/>
+          </a:fillRef>
+          <a:effectRef idx="0">
+            <a:schemeClr val="accent1"/>
+          </a:effectRef>
+          <a:fontRef idx="minor">
+            <a:schemeClr val="lt1"/>
+          </a:fontRef>
+        </p:style>
+        <p:txBody>
+          <a:bodyPr rtlCol="0" anchor="ctr"/>
+          <a:lstStyle/>
+          <a:p>
+            <a:pPr algn="ctr"/>
+            <a:r>
+              <a:rPr lang="ko-KR" altLang="en-US" dirty="0">
+                <a:solidFill>
+                  <a:srgbClr val="093DBF"/>
+                </a:solidFill>
+              </a:rPr>
+              <a:t>대학</a:t>
+            </a:r>
+          </a:p>
+        </p:txBody>
+      </p:sp>
+      <p:sp>
+        <p:nvSpPr>
+          <p:cNvPr id="45" name="사각형: 둥근 모서리 44">
+            <a:extLst>
+              <a:ext uri="{FF2B5EF4-FFF2-40B4-BE49-F238E27FC236}">
+                <a16:creationId xmlns:a16="http://schemas.microsoft.com/office/drawing/2014/main" id="{574D3D23-0C9F-4872-8A8D-FDE6FF04919B}"/>
+              </a:ext>
+            </a:extLst>
+          </p:cNvPr>
+          <p:cNvSpPr/>
+          <p:nvPr/>
+        </p:nvSpPr>
+        <p:spPr>
+          <a:xfrm>
+            <a:off x="5600778" y="1540243"/>
+            <a:ext cx="2992186" cy="5182773"/>
+          </a:xfrm>
+          <a:prstGeom prst="roundRect">
+            <a:avLst>
+              <a:gd name="adj" fmla="val 10081"/>
+            </a:avLst>
+          </a:prstGeom>
+          <a:solidFill>
+            <a:schemeClr val="accent5">
+              <a:lumMod val="40000"/>
+              <a:lumOff val="60000"/>
+            </a:schemeClr>
+          </a:solidFill>
+          <a:ln w="19050">
+            <a:noFill/>
+          </a:ln>
+        </p:spPr>
+        <p:style>
+          <a:lnRef idx="2">
+            <a:schemeClr val="accent1">
+              <a:shade val="50000"/>
+            </a:schemeClr>
+          </a:lnRef>
+          <a:fillRef idx="1">
+            <a:schemeClr val="accent1"/>
+          </a:fillRef>
+          <a:effectRef idx="0">
+            <a:schemeClr val="accent1"/>
+          </a:effectRef>
+          <a:fontRef idx="minor">
+            <a:schemeClr val="lt1"/>
+          </a:fontRef>
+        </p:style>
+        <p:txBody>
+          <a:bodyPr rtlCol="0" anchor="ctr"/>
+          <a:lstStyle/>
+          <a:p>
+            <a:pPr>
+              <a:lnSpc>
+                <a:spcPct val="150000"/>
+              </a:lnSpc>
+            </a:pPr>
+            <a:endParaRPr lang="ko-KR" altLang="en-US">
+              <a:solidFill>
+                <a:srgbClr val="093DBF"/>
+              </a:solidFill>
+            </a:endParaRPr>
+          </a:p>
+        </p:txBody>
+      </p:sp>
+      <p:sp>
+        <p:nvSpPr>
+          <p:cNvPr id="46" name="사각형: 둥근 모서리 45">
+            <a:extLst>
+              <a:ext uri="{FF2B5EF4-FFF2-40B4-BE49-F238E27FC236}">
+                <a16:creationId xmlns:a16="http://schemas.microsoft.com/office/drawing/2014/main" id="{F6CD3F1E-9A3F-46F0-99DB-6DA5ECD487FA}"/>
+              </a:ext>
+            </a:extLst>
+          </p:cNvPr>
+          <p:cNvSpPr/>
+          <p:nvPr/>
+        </p:nvSpPr>
+        <p:spPr>
+          <a:xfrm>
+            <a:off x="5546662" y="981521"/>
+            <a:ext cx="1160731" cy="425490"/>
+          </a:xfrm>
+          <a:prstGeom prst="roundRect">
+            <a:avLst>
+              <a:gd name="adj" fmla="val 10081"/>
+            </a:avLst>
+          </a:prstGeom>
+          <a:noFill/>
+          <a:ln w="19050">
+            <a:noFill/>
+          </a:ln>
+        </p:spPr>
+        <p:style>
+          <a:lnRef idx="2">
+            <a:schemeClr val="accent1">
+              <a:shade val="50000"/>
+            </a:schemeClr>
+          </a:lnRef>
+          <a:fillRef idx="1">
+            <a:schemeClr val="accent1"/>
+          </a:fillRef>
+          <a:effectRef idx="0">
+            <a:schemeClr val="accent1"/>
+          </a:effectRef>
+          <a:fontRef idx="minor">
+            <a:schemeClr val="lt1"/>
+          </a:fontRef>
+        </p:style>
+        <p:txBody>
+          <a:bodyPr rtlCol="0" anchor="ctr"/>
+          <a:lstStyle/>
+          <a:p>
+            <a:pPr algn="ctr"/>
+            <a:r>
+              <a:rPr lang="ko-KR" altLang="en-US" dirty="0">
+                <a:solidFill>
+                  <a:srgbClr val="093DBF"/>
+                </a:solidFill>
+              </a:rPr>
+              <a:t>학과</a:t>
+            </a:r>
+          </a:p>
+        </p:txBody>
+      </p:sp>
+      <p:sp>
+        <p:nvSpPr>
+          <p:cNvPr id="47" name="사각형: 둥근 모서리 46">
+            <a:extLst>
+              <a:ext uri="{FF2B5EF4-FFF2-40B4-BE49-F238E27FC236}">
+                <a16:creationId xmlns:a16="http://schemas.microsoft.com/office/drawing/2014/main" id="{23E89FDA-2F82-463B-8CEB-0AE3298058BF}"/>
+              </a:ext>
+            </a:extLst>
+          </p:cNvPr>
+          <p:cNvSpPr/>
+          <p:nvPr/>
+        </p:nvSpPr>
+        <p:spPr>
+          <a:xfrm>
+            <a:off x="9069266" y="1537091"/>
+            <a:ext cx="1699425" cy="622960"/>
+          </a:xfrm>
+          <a:prstGeom prst="roundRect">
+            <a:avLst>
+              <a:gd name="adj" fmla="val 10081"/>
+            </a:avLst>
+          </a:prstGeom>
+          <a:solidFill>
+            <a:schemeClr val="accent5">
+              <a:lumMod val="40000"/>
+              <a:lumOff val="60000"/>
+            </a:schemeClr>
+          </a:solidFill>
+          <a:ln w="19050">
+            <a:noFill/>
+          </a:ln>
+        </p:spPr>
+        <p:style>
+          <a:lnRef idx="2">
+            <a:schemeClr val="accent1">
+              <a:shade val="50000"/>
+            </a:schemeClr>
+          </a:lnRef>
+          <a:fillRef idx="1">
+            <a:schemeClr val="accent1"/>
+          </a:fillRef>
+          <a:effectRef idx="0">
+            <a:schemeClr val="accent1"/>
+          </a:effectRef>
+          <a:fontRef idx="minor">
+            <a:schemeClr val="lt1"/>
+          </a:fontRef>
+        </p:style>
+        <p:txBody>
+          <a:bodyPr rtlCol="0" anchor="ctr"/>
+          <a:lstStyle/>
+          <a:p>
+            <a:pPr algn="ctr"/>
+            <a:r>
+              <a:rPr lang="ko-KR" altLang="en-US" dirty="0">
+                <a:solidFill>
+                  <a:srgbClr val="093DBF"/>
+                </a:solidFill>
+              </a:rPr>
+              <a:t>증설</a:t>
+            </a:r>
+          </a:p>
+        </p:txBody>
+      </p:sp>
+      <p:sp>
+        <p:nvSpPr>
+          <p:cNvPr id="48" name="사각형: 둥근 모서리 47">
+            <a:extLst>
+              <a:ext uri="{FF2B5EF4-FFF2-40B4-BE49-F238E27FC236}">
+                <a16:creationId xmlns:a16="http://schemas.microsoft.com/office/drawing/2014/main" id="{E20D0A5C-4DB7-475E-813B-5DF2C8E6AB29}"/>
+              </a:ext>
+            </a:extLst>
+          </p:cNvPr>
+          <p:cNvSpPr/>
+          <p:nvPr/>
+        </p:nvSpPr>
+        <p:spPr>
+          <a:xfrm>
+            <a:off x="9069266" y="2296552"/>
+            <a:ext cx="1699425" cy="622960"/>
+          </a:xfrm>
+          <a:prstGeom prst="roundRect">
+            <a:avLst>
+              <a:gd name="adj" fmla="val 10081"/>
+            </a:avLst>
+          </a:prstGeom>
+          <a:solidFill>
+            <a:schemeClr val="accent5">
+              <a:lumMod val="40000"/>
+              <a:lumOff val="60000"/>
+            </a:schemeClr>
+          </a:solidFill>
+          <a:ln w="19050">
+            <a:noFill/>
+          </a:ln>
+        </p:spPr>
+        <p:style>
+          <a:lnRef idx="2">
+            <a:schemeClr val="accent1">
+              <a:shade val="50000"/>
+            </a:schemeClr>
+          </a:lnRef>
+          <a:fillRef idx="1">
+            <a:schemeClr val="accent1"/>
+          </a:fillRef>
+          <a:effectRef idx="0">
+            <a:schemeClr val="accent1"/>
+          </a:effectRef>
+          <a:fontRef idx="minor">
+            <a:schemeClr val="lt1"/>
+          </a:fontRef>
+        </p:style>
+        <p:txBody>
+          <a:bodyPr rtlCol="0" anchor="ctr"/>
+          <a:lstStyle/>
+          <a:p>
+            <a:pPr algn="ctr"/>
+            <a:r>
+              <a:rPr lang="ko-KR" altLang="en-US">
+                <a:solidFill>
+                  <a:srgbClr val="093DBF"/>
+                </a:solidFill>
+              </a:rPr>
+              <a:t>폐쇄</a:t>
+            </a:r>
+            <a:endParaRPr lang="ko-KR" altLang="en-US" dirty="0">
+              <a:solidFill>
+                <a:srgbClr val="093DBF"/>
+              </a:solidFill>
+            </a:endParaRPr>
+          </a:p>
+        </p:txBody>
+      </p:sp>
+      <p:sp>
+        <p:nvSpPr>
+          <p:cNvPr id="49" name="사각형: 둥근 모서리 48">
+            <a:extLst>
+              <a:ext uri="{FF2B5EF4-FFF2-40B4-BE49-F238E27FC236}">
+                <a16:creationId xmlns:a16="http://schemas.microsoft.com/office/drawing/2014/main" id="{CB202C7D-AC9A-41D3-A226-89D2E79ED99C}"/>
+              </a:ext>
+            </a:extLst>
+          </p:cNvPr>
+          <p:cNvSpPr/>
+          <p:nvPr/>
+        </p:nvSpPr>
+        <p:spPr>
+          <a:xfrm>
+            <a:off x="9069266" y="3083987"/>
+            <a:ext cx="1699425" cy="622960"/>
+          </a:xfrm>
+          <a:prstGeom prst="roundRect">
+            <a:avLst>
+              <a:gd name="adj" fmla="val 10081"/>
+            </a:avLst>
+          </a:prstGeom>
+          <a:solidFill>
+            <a:schemeClr val="accent5">
+              <a:lumMod val="40000"/>
+              <a:lumOff val="60000"/>
+            </a:schemeClr>
+          </a:solidFill>
+          <a:ln w="19050">
+            <a:noFill/>
+          </a:ln>
+        </p:spPr>
+        <p:style>
+          <a:lnRef idx="2">
+            <a:schemeClr val="accent1">
+              <a:shade val="50000"/>
+            </a:schemeClr>
+          </a:lnRef>
+          <a:fillRef idx="1">
+            <a:schemeClr val="accent1"/>
+          </a:fillRef>
+          <a:effectRef idx="0">
+            <a:schemeClr val="accent1"/>
+          </a:effectRef>
+          <a:fontRef idx="minor">
+            <a:schemeClr val="lt1"/>
+          </a:fontRef>
+        </p:style>
+        <p:txBody>
+          <a:bodyPr rtlCol="0" anchor="ctr"/>
+          <a:lstStyle/>
+          <a:p>
+            <a:pPr algn="ctr"/>
+            <a:r>
+              <a:rPr lang="ko-KR" altLang="en-US" dirty="0">
+                <a:solidFill>
+                  <a:srgbClr val="093DBF"/>
+                </a:solidFill>
+              </a:rPr>
+              <a:t>연구</a:t>
+            </a:r>
+          </a:p>
+        </p:txBody>
+      </p:sp>
+      <p:pic>
+        <p:nvPicPr>
+          <p:cNvPr id="50" name="그림 49" descr="나이프이(가) 표시된 사진&#10;&#10;자동 생성된 설명">
+            <a:extLst>
+              <a:ext uri="{FF2B5EF4-FFF2-40B4-BE49-F238E27FC236}">
+                <a16:creationId xmlns:a16="http://schemas.microsoft.com/office/drawing/2014/main" id="{611065A3-A8B0-40CC-9E47-487FE765A5C6}"/>
+              </a:ext>
+            </a:extLst>
+          </p:cNvPr>
+          <p:cNvPicPr>
+            <a:picLocks noChangeAspect="1"/>
+          </p:cNvPicPr>
+          <p:nvPr/>
+        </p:nvPicPr>
+        <p:blipFill>
+          <a:blip r:embed="rId6">
+            <a:duotone>
+              <a:schemeClr val="accent5">
+                <a:shade val="45000"/>
+                <a:satMod val="135000"/>
+              </a:schemeClr>
+              <a:prstClr val="white"/>
+            </a:duotone>
+            <a:extLst>
+              <a:ext uri="{BEBA8EAE-BF5A-486C-A8C5-ECC9F3942E4B}">
+                <a14:imgProps xmlns:a14="http://schemas.microsoft.com/office/drawing/2010/main">
+                  <a14:imgLayer r:embed="rId7">
+                    <a14:imgEffect>
+                      <a14:saturation sat="200000"/>
+                    </a14:imgEffect>
+                    <a14:imgEffect>
+                      <a14:brightnessContrast bright="40000" contrast="-20000"/>
+                    </a14:imgEffect>
+                  </a14:imgLayer>
+                </a14:imgProps>
+              </a:ext>
+              <a:ext uri="{28A0092B-C50C-407E-A947-70E740481C1C}">
+                <a14:useLocalDpi xmlns:a14="http://schemas.microsoft.com/office/drawing/2010/main" val="0"/>
+              </a:ext>
+            </a:extLst>
+          </a:blip>
+          <a:stretch>
+            <a:fillRect/>
+          </a:stretch>
+        </p:blipFill>
+        <p:spPr>
+          <a:xfrm>
+            <a:off x="9206370" y="4360993"/>
+            <a:ext cx="1343025" cy="561975"/>
+          </a:xfrm>
+          <a:prstGeom prst="rect">
+            <a:avLst/>
+          </a:prstGeom>
+          <a:noFill/>
+        </p:spPr>
+      </p:pic>
+      <p:pic>
+        <p:nvPicPr>
+          <p:cNvPr id="51" name="그림 50" descr="물이(가) 표시된 사진&#10;&#10;자동 생성된 설명">
+            <a:extLst>
+              <a:ext uri="{FF2B5EF4-FFF2-40B4-BE49-F238E27FC236}">
+                <a16:creationId xmlns:a16="http://schemas.microsoft.com/office/drawing/2014/main" id="{95F3D3EE-0E30-4E9C-9346-9173337805E7}"/>
+              </a:ext>
+            </a:extLst>
+          </p:cNvPr>
+          <p:cNvPicPr>
+            <a:picLocks noChangeAspect="1"/>
+          </p:cNvPicPr>
+          <p:nvPr/>
+        </p:nvPicPr>
+        <p:blipFill>
+          <a:blip r:embed="rId8">
+            <a:duotone>
+              <a:schemeClr val="accent5">
+                <a:shade val="45000"/>
+                <a:satMod val="135000"/>
+              </a:schemeClr>
+              <a:prstClr val="white"/>
+            </a:duotone>
+            <a:extLst>
+              <a:ext uri="{BEBA8EAE-BF5A-486C-A8C5-ECC9F3942E4B}">
+                <a14:imgProps xmlns:a14="http://schemas.microsoft.com/office/drawing/2010/main">
+                  <a14:imgLayer r:embed="rId9">
+                    <a14:imgEffect>
+                      <a14:brightnessContrast bright="40000" contrast="-20000"/>
+                    </a14:imgEffect>
+                  </a14:imgLayer>
+                </a14:imgProps>
+              </a:ext>
+              <a:ext uri="{28A0092B-C50C-407E-A947-70E740481C1C}">
+                <a14:useLocalDpi xmlns:a14="http://schemas.microsoft.com/office/drawing/2010/main" val="0"/>
+              </a:ext>
+            </a:extLst>
+          </a:blip>
+          <a:stretch>
+            <a:fillRect/>
+          </a:stretch>
+        </p:blipFill>
+        <p:spPr>
+          <a:xfrm>
+            <a:off x="9215895" y="5172331"/>
+            <a:ext cx="1333500" cy="561975"/>
+          </a:xfrm>
+          <a:prstGeom prst="rect">
+            <a:avLst/>
+          </a:prstGeom>
+        </p:spPr>
+      </p:pic>
+      <p:pic>
+        <p:nvPicPr>
+          <p:cNvPr id="52" name="그림 51">
+            <a:extLst>
+              <a:ext uri="{FF2B5EF4-FFF2-40B4-BE49-F238E27FC236}">
+                <a16:creationId xmlns:a16="http://schemas.microsoft.com/office/drawing/2014/main" id="{F8B9AD8B-991B-4E3C-935F-79613AE8F625}"/>
+              </a:ext>
+            </a:extLst>
+          </p:cNvPr>
+          <p:cNvPicPr>
+            <a:picLocks noChangeAspect="1"/>
+          </p:cNvPicPr>
+          <p:nvPr/>
+        </p:nvPicPr>
+        <p:blipFill>
+          <a:blip r:embed="rId10">
+            <a:duotone>
+              <a:schemeClr val="accent5">
+                <a:shade val="45000"/>
+                <a:satMod val="135000"/>
+              </a:schemeClr>
+              <a:prstClr val="white"/>
+            </a:duotone>
+            <a:extLst>
+              <a:ext uri="{BEBA8EAE-BF5A-486C-A8C5-ECC9F3942E4B}">
+                <a14:imgProps xmlns:a14="http://schemas.microsoft.com/office/drawing/2010/main">
+                  <a14:imgLayer r:embed="rId11">
+                    <a14:imgEffect>
+                      <a14:colorTemperature colorTemp="2000"/>
+                    </a14:imgEffect>
+                    <a14:imgEffect>
+                      <a14:brightnessContrast bright="40000" contrast="-20000"/>
+                    </a14:imgEffect>
+                  </a14:imgLayer>
+                </a14:imgProps>
+              </a:ext>
+              <a:ext uri="{28A0092B-C50C-407E-A947-70E740481C1C}">
+                <a14:useLocalDpi xmlns:a14="http://schemas.microsoft.com/office/drawing/2010/main" val="0"/>
+              </a:ext>
+            </a:extLst>
+          </a:blip>
+          <a:stretch>
+            <a:fillRect/>
+          </a:stretch>
+        </p:blipFill>
+        <p:spPr>
+          <a:xfrm>
+            <a:off x="9206370" y="5983669"/>
+            <a:ext cx="1343025" cy="561975"/>
+          </a:xfrm>
+          <a:prstGeom prst="rect">
+            <a:avLst/>
+          </a:prstGeom>
+        </p:spPr>
+      </p:pic>
+    </p:spTree>
+    <p:extLst>
+      <p:ext uri="{BB962C8B-B14F-4D97-AF65-F5344CB8AC3E}">
+        <p14:creationId xmlns:p14="http://schemas.microsoft.com/office/powerpoint/2010/main" val="3128642891"/>
+      </p:ext>
+    </p:extLst>
+  </p:cSld>
+  <p:clrMapOvr>
+    <a:masterClrMapping/>
+  </p:clrMapOvr>
+</p:sld>
+</file>
+
+<file path=ppt/slides/slide16.xml><?xml version="1.0" encoding="utf-8"?>
+<p:sld xmlns:a="http://schemas.openxmlformats.org/drawingml/2006/main" xmlns:r="http://schemas.openxmlformats.org/officeDocument/2006/relationships" xmlns:p="http://schemas.openxmlformats.org/presentationml/2006/main">
+  <p:cSld>
+    <p:bg>
+      <p:bgPr>
+        <a:solidFill>
+          <a:schemeClr val="accent5">
+            <a:lumMod val="40000"/>
+            <a:lumOff val="60000"/>
+          </a:schemeClr>
+        </a:solidFill>
+        <a:effectLst/>
+      </p:bgPr>
+    </p:bg>
+    <p:spTree>
+      <p:nvGrpSpPr>
+        <p:cNvPr id="1" name=""/>
+        <p:cNvGrpSpPr/>
+        <p:nvPr/>
+      </p:nvGrpSpPr>
+      <p:grpSpPr>
+        <a:xfrm>
+          <a:off x="0" y="0"/>
+          <a:ext cx="0" cy="0"/>
+          <a:chOff x="0" y="0"/>
+          <a:chExt cx="0" cy="0"/>
+        </a:xfrm>
+      </p:grpSpPr>
+      <p:grpSp>
+        <p:nvGrpSpPr>
+          <p:cNvPr id="14" name="그룹 13">
+            <a:extLst>
+              <a:ext uri="{FF2B5EF4-FFF2-40B4-BE49-F238E27FC236}">
+                <a16:creationId xmlns:a16="http://schemas.microsoft.com/office/drawing/2014/main" id="{16A0F8E0-F58A-4826-A847-44A942D76261}"/>
+              </a:ext>
+            </a:extLst>
+          </p:cNvPr>
+          <p:cNvGrpSpPr/>
+          <p:nvPr/>
+        </p:nvGrpSpPr>
+        <p:grpSpPr>
+          <a:xfrm>
+            <a:off x="1130068" y="0"/>
+            <a:ext cx="9931847" cy="6858000"/>
+            <a:chOff x="1130068" y="0"/>
+            <a:chExt cx="9931847" cy="6858000"/>
+          </a:xfrm>
+        </p:grpSpPr>
+        <p:grpSp>
+          <p:nvGrpSpPr>
+            <p:cNvPr id="11" name="그룹 10">
+              <a:extLst>
+                <a:ext uri="{FF2B5EF4-FFF2-40B4-BE49-F238E27FC236}">
+                  <a16:creationId xmlns:a16="http://schemas.microsoft.com/office/drawing/2014/main" id="{022B9763-AAA8-4A69-BACA-91304069D2C1}"/>
+                </a:ext>
+              </a:extLst>
+            </p:cNvPr>
+            <p:cNvGrpSpPr/>
+            <p:nvPr/>
+          </p:nvGrpSpPr>
+          <p:grpSpPr>
+            <a:xfrm>
+              <a:off x="1130083" y="0"/>
+              <a:ext cx="9931832" cy="6858000"/>
+              <a:chOff x="1130083" y="0"/>
+              <a:chExt cx="9931832" cy="6858000"/>
+            </a:xfrm>
+          </p:grpSpPr>
+          <p:grpSp>
+            <p:nvGrpSpPr>
+              <p:cNvPr id="4" name="그룹 3">
+                <a:extLst>
+                  <a:ext uri="{FF2B5EF4-FFF2-40B4-BE49-F238E27FC236}">
+                    <a16:creationId xmlns:a16="http://schemas.microsoft.com/office/drawing/2014/main" id="{016A1E2A-F626-429D-9BB0-E277D7C9140C}"/>
+                  </a:ext>
+                </a:extLst>
+              </p:cNvPr>
+              <p:cNvGrpSpPr/>
+              <p:nvPr/>
+            </p:nvGrpSpPr>
+            <p:grpSpPr>
+              <a:xfrm>
+                <a:off x="1130093" y="0"/>
+                <a:ext cx="9931822" cy="6858000"/>
+                <a:chOff x="1130088" y="0"/>
+                <a:chExt cx="9931822" cy="6858000"/>
+              </a:xfrm>
+            </p:grpSpPr>
+            <p:sp>
+              <p:nvSpPr>
+                <p:cNvPr id="2" name="사각형: 둥근 모서리 1">
+                  <a:extLst>
+                    <a:ext uri="{FF2B5EF4-FFF2-40B4-BE49-F238E27FC236}">
+                      <a16:creationId xmlns:a16="http://schemas.microsoft.com/office/drawing/2014/main" id="{EE8A1ACC-B9CE-40A2-BA3A-20A6123EF4C1}"/>
+                    </a:ext>
+                  </a:extLst>
+                </p:cNvPr>
+                <p:cNvSpPr/>
+                <p:nvPr/>
+              </p:nvSpPr>
+              <p:spPr>
+                <a:xfrm>
+                  <a:off x="1130088" y="0"/>
+                  <a:ext cx="9931822" cy="6858000"/>
+                </a:xfrm>
+                <a:prstGeom prst="roundRect">
+                  <a:avLst>
+                    <a:gd name="adj" fmla="val 2624"/>
+                  </a:avLst>
+                </a:prstGeom>
+                <a:solidFill>
+                  <a:schemeClr val="bg1">
+                    <a:lumMod val="95000"/>
+                    <a:alpha val="70000"/>
+                  </a:schemeClr>
+                </a:solidFill>
+                <a:ln w="12700">
+                  <a:solidFill>
+                    <a:schemeClr val="bg1">
+                      <a:alpha val="50000"/>
+                    </a:schemeClr>
+                  </a:solidFill>
+                </a:ln>
+              </p:spPr>
+              <p:style>
+                <a:lnRef idx="2">
+                  <a:schemeClr val="accent1">
+                    <a:shade val="50000"/>
+                  </a:schemeClr>
+                </a:lnRef>
+                <a:fillRef idx="1">
+                  <a:schemeClr val="accent1"/>
+                </a:fillRef>
+                <a:effectRef idx="0">
+                  <a:schemeClr val="accent1"/>
+                </a:effectRef>
+                <a:fontRef idx="minor">
+                  <a:schemeClr val="lt1"/>
+                </a:fontRef>
+              </p:style>
+              <p:txBody>
+                <a:bodyPr rtlCol="0" anchor="ctr"/>
+                <a:lstStyle/>
+                <a:p>
+                  <a:pPr algn="ctr"/>
+                  <a:endParaRPr lang="ko-KR" altLang="en-US" dirty="0"/>
+                </a:p>
+              </p:txBody>
+            </p:sp>
+            <p:sp>
+              <p:nvSpPr>
+                <p:cNvPr id="3" name="사각형: 둥근 위쪽 모서리 2">
+                  <a:extLst>
+                    <a:ext uri="{FF2B5EF4-FFF2-40B4-BE49-F238E27FC236}">
+                      <a16:creationId xmlns:a16="http://schemas.microsoft.com/office/drawing/2014/main" id="{EB7B1FDC-F00F-4DCD-8427-0B0B9B0BF285}"/>
+                    </a:ext>
+                  </a:extLst>
+                </p:cNvPr>
+                <p:cNvSpPr/>
+                <p:nvPr/>
+              </p:nvSpPr>
+              <p:spPr>
+                <a:xfrm>
+                  <a:off x="1130089" y="12026"/>
+                  <a:ext cx="9931819" cy="271463"/>
+                </a:xfrm>
+                <a:prstGeom prst="round2SameRect">
+                  <a:avLst>
+                    <a:gd name="adj1" fmla="val 50000"/>
+                    <a:gd name="adj2" fmla="val 0"/>
+                  </a:avLst>
+                </a:prstGeom>
+                <a:solidFill>
+                  <a:srgbClr val="70AFF4">
+                    <a:alpha val="80000"/>
+                  </a:srgbClr>
+                </a:solidFill>
+                <a:ln w="19050">
+                  <a:noFill/>
+                </a:ln>
+              </p:spPr>
+              <p:style>
+                <a:lnRef idx="2">
+                  <a:schemeClr val="accent1">
+                    <a:shade val="50000"/>
+                  </a:schemeClr>
+                </a:lnRef>
+                <a:fillRef idx="1">
+                  <a:schemeClr val="accent1"/>
+                </a:fillRef>
+                <a:effectRef idx="0">
+                  <a:schemeClr val="accent1"/>
+                </a:effectRef>
+                <a:fontRef idx="minor">
+                  <a:schemeClr val="lt1"/>
+                </a:fontRef>
+              </p:style>
+              <p:txBody>
+                <a:bodyPr rtlCol="0" anchor="ctr"/>
+                <a:lstStyle/>
+                <a:p>
+                  <a:pPr algn="ctr"/>
+                  <a:endParaRPr lang="ko-KR" altLang="en-US"/>
+                </a:p>
+              </p:txBody>
+            </p:sp>
+          </p:grpSp>
+          <p:sp>
+            <p:nvSpPr>
+              <p:cNvPr id="12" name="사각형: 둥근 한쪽 모서리 11">
+                <a:extLst>
+                  <a:ext uri="{FF2B5EF4-FFF2-40B4-BE49-F238E27FC236}">
+                    <a16:creationId xmlns:a16="http://schemas.microsoft.com/office/drawing/2014/main" id="{4D64613E-3A69-48D7-90C0-59A59CB1EF45}"/>
+                  </a:ext>
+                </a:extLst>
+              </p:cNvPr>
+              <p:cNvSpPr/>
+              <p:nvPr/>
+            </p:nvSpPr>
+            <p:spPr>
+              <a:xfrm rot="10800000">
+                <a:off x="1130083" y="705674"/>
+                <a:ext cx="832061" cy="6135655"/>
+              </a:xfrm>
+              <a:prstGeom prst="round1Rect">
+                <a:avLst>
+                  <a:gd name="adj" fmla="val 22963"/>
+                </a:avLst>
+              </a:prstGeom>
+              <a:solidFill>
+                <a:schemeClr val="bg1">
+                  <a:lumMod val="95000"/>
+                  <a:alpha val="70000"/>
+                </a:schemeClr>
+              </a:solidFill>
+              <a:ln>
+                <a:noFill/>
+              </a:ln>
+              <a:effectLst>
+                <a:innerShdw blurRad="254000" dist="50800" dir="10800000">
+                  <a:prstClr val="black">
+                    <a:alpha val="30000"/>
+                  </a:prstClr>
+                </a:innerShdw>
+              </a:effectLst>
+            </p:spPr>
+            <p:style>
+              <a:lnRef idx="2">
+                <a:schemeClr val="accent1">
+                  <a:shade val="50000"/>
+                </a:schemeClr>
+              </a:lnRef>
+              <a:fillRef idx="1">
+                <a:schemeClr val="accent1"/>
+              </a:fillRef>
+              <a:effectRef idx="0">
+                <a:schemeClr val="accent1"/>
+              </a:effectRef>
+              <a:fontRef idx="minor">
+                <a:schemeClr val="lt1"/>
+              </a:fontRef>
+            </p:style>
+            <p:txBody>
+              <a:bodyPr rtlCol="0" anchor="ctr"/>
+              <a:lstStyle/>
+              <a:p>
+                <a:pPr algn="ctr"/>
+                <a:endParaRPr lang="ko-KR" altLang="en-US"/>
+              </a:p>
+            </p:txBody>
+          </p:sp>
+        </p:grpSp>
+        <p:sp>
+          <p:nvSpPr>
+            <p:cNvPr id="20" name="직사각형 19">
+              <a:extLst>
+                <a:ext uri="{FF2B5EF4-FFF2-40B4-BE49-F238E27FC236}">
+                  <a16:creationId xmlns:a16="http://schemas.microsoft.com/office/drawing/2014/main" id="{7F5A199C-DC3A-49D0-89E2-2686BC39B915}"/>
+                </a:ext>
+              </a:extLst>
+            </p:cNvPr>
+            <p:cNvSpPr/>
+            <p:nvPr/>
+          </p:nvSpPr>
+          <p:spPr>
+            <a:xfrm>
+              <a:off x="1130068" y="283489"/>
+              <a:ext cx="9931822" cy="422541"/>
+            </a:xfrm>
+            <a:prstGeom prst="rect">
+              <a:avLst/>
+            </a:prstGeom>
+            <a:solidFill>
+              <a:srgbClr val="C2DDFA">
+                <a:alpha val="69804"/>
+              </a:srgbClr>
+            </a:solidFill>
+            <a:ln w="19050">
+              <a:noFill/>
+            </a:ln>
+          </p:spPr>
+          <p:style>
+            <a:lnRef idx="2">
+              <a:schemeClr val="accent1">
+                <a:shade val="50000"/>
+              </a:schemeClr>
+            </a:lnRef>
+            <a:fillRef idx="1">
+              <a:schemeClr val="accent1"/>
+            </a:fillRef>
+            <a:effectRef idx="0">
+              <a:schemeClr val="accent1"/>
+            </a:effectRef>
+            <a:fontRef idx="minor">
+              <a:schemeClr val="lt1"/>
+            </a:fontRef>
+          </p:style>
+          <p:txBody>
+            <a:bodyPr rtlCol="0" anchor="ctr"/>
+            <a:lstStyle/>
+            <a:p>
+              <a:pPr algn="ctr"/>
+              <a:endParaRPr lang="ko-KR" altLang="en-US"/>
+            </a:p>
+          </p:txBody>
+        </p:sp>
+      </p:grpSp>
+      <p:sp>
+        <p:nvSpPr>
+          <p:cNvPr id="5" name="곱하기 기호 4">
+            <a:extLst>
+              <a:ext uri="{FF2B5EF4-FFF2-40B4-BE49-F238E27FC236}">
+                <a16:creationId xmlns:a16="http://schemas.microsoft.com/office/drawing/2014/main" id="{91F513B6-C61D-4F45-ABB4-BF6F2E79A52E}"/>
+              </a:ext>
+            </a:extLst>
+          </p:cNvPr>
+          <p:cNvSpPr/>
+          <p:nvPr/>
+        </p:nvSpPr>
+        <p:spPr>
+          <a:xfrm>
+            <a:off x="10717530" y="54778"/>
+            <a:ext cx="216000" cy="216000"/>
+          </a:xfrm>
+          <a:prstGeom prst="mathMultiply">
+            <a:avLst/>
+          </a:prstGeom>
+          <a:solidFill>
+            <a:schemeClr val="bg1">
+              <a:alpha val="90000"/>
+            </a:schemeClr>
+          </a:solidFill>
+          <a:ln>
+            <a:noFill/>
+          </a:ln>
+        </p:spPr>
+        <p:style>
+          <a:lnRef idx="2">
+            <a:schemeClr val="accent1">
+              <a:shade val="50000"/>
+            </a:schemeClr>
+          </a:lnRef>
+          <a:fillRef idx="1">
+            <a:schemeClr val="accent1"/>
+          </a:fillRef>
+          <a:effectRef idx="0">
+            <a:schemeClr val="accent1"/>
+          </a:effectRef>
+          <a:fontRef idx="minor">
+            <a:schemeClr val="lt1"/>
+          </a:fontRef>
+        </p:style>
+        <p:txBody>
+          <a:bodyPr rtlCol="0" anchor="ctr"/>
+          <a:lstStyle/>
+          <a:p>
+            <a:pPr algn="ctr"/>
+            <a:endParaRPr lang="ko-KR" altLang="en-US" dirty="0"/>
+          </a:p>
+        </p:txBody>
+      </p:sp>
+      <p:sp>
+        <p:nvSpPr>
+          <p:cNvPr id="29" name="사각형: 둥근 위쪽 모서리 28">
+            <a:extLst>
+              <a:ext uri="{FF2B5EF4-FFF2-40B4-BE49-F238E27FC236}">
+                <a16:creationId xmlns:a16="http://schemas.microsoft.com/office/drawing/2014/main" id="{721B8819-0A16-44A3-8F1F-5DBE5C7DABFC}"/>
+              </a:ext>
+            </a:extLst>
+          </p:cNvPr>
+          <p:cNvSpPr/>
+          <p:nvPr/>
+        </p:nvSpPr>
+        <p:spPr>
+          <a:xfrm>
+            <a:off x="1145521" y="316706"/>
+            <a:ext cx="1333742" cy="388968"/>
+          </a:xfrm>
+          <a:prstGeom prst="round2SameRect">
+            <a:avLst>
+              <a:gd name="adj1" fmla="val 38706"/>
+              <a:gd name="adj2" fmla="val 0"/>
+            </a:avLst>
+          </a:prstGeom>
+          <a:solidFill>
+            <a:schemeClr val="accent1">
+              <a:lumMod val="60000"/>
+              <a:lumOff val="40000"/>
+              <a:alpha val="70000"/>
+            </a:schemeClr>
+          </a:solidFill>
+          <a:ln>
+            <a:noFill/>
+          </a:ln>
+        </p:spPr>
+        <p:style>
+          <a:lnRef idx="2">
+            <a:schemeClr val="accent1">
+              <a:shade val="50000"/>
+            </a:schemeClr>
+          </a:lnRef>
+          <a:fillRef idx="1">
+            <a:schemeClr val="accent1"/>
+          </a:fillRef>
+          <a:effectRef idx="0">
+            <a:schemeClr val="accent1"/>
+          </a:effectRef>
+          <a:fontRef idx="minor">
+            <a:schemeClr val="lt1"/>
+          </a:fontRef>
+        </p:style>
+        <p:txBody>
+          <a:bodyPr rtlCol="0" anchor="ctr"/>
+          <a:lstStyle/>
+          <a:p>
+            <a:pPr algn="ctr"/>
+            <a:endParaRPr lang="ko-KR" altLang="en-US" sz="1400" dirty="0">
+              <a:solidFill>
+                <a:schemeClr val="tx1">
+                  <a:lumMod val="75000"/>
+                  <a:lumOff val="25000"/>
+                </a:schemeClr>
+              </a:solidFill>
+            </a:endParaRPr>
+          </a:p>
+        </p:txBody>
+      </p:sp>
+      <p:sp>
+        <p:nvSpPr>
+          <p:cNvPr id="32" name="사각형: 둥근 위쪽 모서리 31">
+            <a:extLst>
+              <a:ext uri="{FF2B5EF4-FFF2-40B4-BE49-F238E27FC236}">
+                <a16:creationId xmlns:a16="http://schemas.microsoft.com/office/drawing/2014/main" id="{F1D9F5EA-BDFC-4414-B692-180956C3F07C}"/>
+              </a:ext>
+            </a:extLst>
+          </p:cNvPr>
+          <p:cNvSpPr/>
+          <p:nvPr/>
+        </p:nvSpPr>
+        <p:spPr>
+          <a:xfrm>
+            <a:off x="2479263" y="316706"/>
+            <a:ext cx="1333742" cy="388968"/>
+          </a:xfrm>
+          <a:prstGeom prst="round2SameRect">
+            <a:avLst>
+              <a:gd name="adj1" fmla="val 38706"/>
+              <a:gd name="adj2" fmla="val 0"/>
+            </a:avLst>
+          </a:prstGeom>
+          <a:solidFill>
+            <a:schemeClr val="accent1">
+              <a:lumMod val="40000"/>
+              <a:lumOff val="60000"/>
+              <a:alpha val="70000"/>
+            </a:schemeClr>
+          </a:solidFill>
+          <a:ln>
+            <a:noFill/>
+          </a:ln>
+        </p:spPr>
+        <p:style>
+          <a:lnRef idx="2">
+            <a:schemeClr val="accent1">
+              <a:shade val="50000"/>
+            </a:schemeClr>
+          </a:lnRef>
+          <a:fillRef idx="1">
+            <a:schemeClr val="accent1"/>
+          </a:fillRef>
+          <a:effectRef idx="0">
+            <a:schemeClr val="accent1"/>
+          </a:effectRef>
+          <a:fontRef idx="minor">
+            <a:schemeClr val="lt1"/>
+          </a:fontRef>
+        </p:style>
+        <p:txBody>
+          <a:bodyPr rtlCol="0" anchor="ctr"/>
+          <a:lstStyle/>
+          <a:p>
+            <a:pPr algn="ctr"/>
+            <a:endParaRPr lang="ko-KR" altLang="en-US" sz="1400" dirty="0"/>
+          </a:p>
+        </p:txBody>
+      </p:sp>
+      <p:sp>
+        <p:nvSpPr>
+          <p:cNvPr id="33" name="사각형: 둥근 위쪽 모서리 32">
+            <a:extLst>
+              <a:ext uri="{FF2B5EF4-FFF2-40B4-BE49-F238E27FC236}">
+                <a16:creationId xmlns:a16="http://schemas.microsoft.com/office/drawing/2014/main" id="{A9B1791B-D0F0-4E38-9528-C7E6A464B05E}"/>
+              </a:ext>
+            </a:extLst>
+          </p:cNvPr>
+          <p:cNvSpPr/>
+          <p:nvPr/>
+        </p:nvSpPr>
+        <p:spPr>
+          <a:xfrm>
+            <a:off x="3813005" y="316706"/>
+            <a:ext cx="1333742" cy="388968"/>
+          </a:xfrm>
+          <a:prstGeom prst="round2SameRect">
+            <a:avLst>
+              <a:gd name="adj1" fmla="val 38706"/>
+              <a:gd name="adj2" fmla="val 0"/>
+            </a:avLst>
+          </a:prstGeom>
+          <a:solidFill>
+            <a:schemeClr val="accent1">
+              <a:lumMod val="40000"/>
+              <a:lumOff val="60000"/>
+              <a:alpha val="70000"/>
+            </a:schemeClr>
+          </a:solidFill>
+          <a:ln>
+            <a:noFill/>
+          </a:ln>
+        </p:spPr>
+        <p:style>
+          <a:lnRef idx="2">
+            <a:schemeClr val="accent1">
+              <a:shade val="50000"/>
+            </a:schemeClr>
+          </a:lnRef>
+          <a:fillRef idx="1">
+            <a:schemeClr val="accent1"/>
+          </a:fillRef>
+          <a:effectRef idx="0">
+            <a:schemeClr val="accent1"/>
+          </a:effectRef>
+          <a:fontRef idx="minor">
+            <a:schemeClr val="lt1"/>
+          </a:fontRef>
+        </p:style>
+        <p:txBody>
+          <a:bodyPr rtlCol="0" anchor="ctr"/>
+          <a:lstStyle/>
+          <a:p>
+            <a:pPr algn="ctr"/>
+            <a:endParaRPr lang="ko-KR" altLang="en-US"/>
+          </a:p>
+        </p:txBody>
+      </p:sp>
+      <p:sp>
+        <p:nvSpPr>
+          <p:cNvPr id="25" name="사각형: 둥근 모서리 24">
+            <a:extLst>
+              <a:ext uri="{FF2B5EF4-FFF2-40B4-BE49-F238E27FC236}">
+                <a16:creationId xmlns:a16="http://schemas.microsoft.com/office/drawing/2014/main" id="{7AD40E14-0FB5-47C6-BAE7-5C89D0B6375A}"/>
+              </a:ext>
+            </a:extLst>
+          </p:cNvPr>
+          <p:cNvSpPr/>
+          <p:nvPr/>
+        </p:nvSpPr>
+        <p:spPr>
+          <a:xfrm>
+            <a:off x="9303995" y="760488"/>
+            <a:ext cx="1699425" cy="622960"/>
+          </a:xfrm>
+          <a:prstGeom prst="roundRect">
+            <a:avLst>
+              <a:gd name="adj" fmla="val 10081"/>
+            </a:avLst>
+          </a:prstGeom>
+          <a:solidFill>
+            <a:schemeClr val="accent5">
+              <a:lumMod val="40000"/>
+              <a:lumOff val="60000"/>
+            </a:schemeClr>
+          </a:solidFill>
+          <a:ln w="19050">
+            <a:noFill/>
+          </a:ln>
+        </p:spPr>
+        <p:style>
+          <a:lnRef idx="2">
+            <a:schemeClr val="accent1">
+              <a:shade val="50000"/>
+            </a:schemeClr>
+          </a:lnRef>
+          <a:fillRef idx="1">
+            <a:schemeClr val="accent1"/>
+          </a:fillRef>
+          <a:effectRef idx="0">
+            <a:schemeClr val="accent1"/>
+          </a:effectRef>
+          <a:fontRef idx="minor">
+            <a:schemeClr val="lt1"/>
+          </a:fontRef>
+        </p:style>
+        <p:txBody>
+          <a:bodyPr rtlCol="0" anchor="ctr"/>
+          <a:lstStyle/>
+          <a:p>
+            <a:pPr algn="ctr"/>
+            <a:r>
+              <a:rPr lang="ko-KR" altLang="en-US" dirty="0">
+                <a:solidFill>
+                  <a:srgbClr val="093DBF"/>
+                </a:solidFill>
+              </a:rPr>
+              <a:t>모집공고 갱신</a:t>
+            </a:r>
+          </a:p>
+        </p:txBody>
+      </p:sp>
+      <p:sp>
+        <p:nvSpPr>
+          <p:cNvPr id="27" name="사각형: 둥근 모서리 26">
+            <a:extLst>
+              <a:ext uri="{FF2B5EF4-FFF2-40B4-BE49-F238E27FC236}">
+                <a16:creationId xmlns:a16="http://schemas.microsoft.com/office/drawing/2014/main" id="{3A4CA774-99BA-481E-800C-55E6AF599134}"/>
+              </a:ext>
+            </a:extLst>
+          </p:cNvPr>
+          <p:cNvSpPr/>
+          <p:nvPr/>
+        </p:nvSpPr>
+        <p:spPr>
+          <a:xfrm>
+            <a:off x="2518493" y="5785357"/>
+            <a:ext cx="1699425" cy="622960"/>
+          </a:xfrm>
+          <a:prstGeom prst="roundRect">
+            <a:avLst>
+              <a:gd name="adj" fmla="val 10081"/>
+            </a:avLst>
+          </a:prstGeom>
+          <a:solidFill>
+            <a:schemeClr val="accent5">
+              <a:lumMod val="40000"/>
+              <a:lumOff val="60000"/>
+            </a:schemeClr>
+          </a:solidFill>
+          <a:ln w="19050">
+            <a:noFill/>
+          </a:ln>
+        </p:spPr>
+        <p:style>
+          <a:lnRef idx="2">
+            <a:schemeClr val="accent1">
+              <a:shade val="50000"/>
+            </a:schemeClr>
+          </a:lnRef>
+          <a:fillRef idx="1">
+            <a:schemeClr val="accent1"/>
+          </a:fillRef>
+          <a:effectRef idx="0">
+            <a:schemeClr val="accent1"/>
+          </a:effectRef>
+          <a:fontRef idx="minor">
+            <a:schemeClr val="lt1"/>
+          </a:fontRef>
+        </p:style>
+        <p:txBody>
+          <a:bodyPr rtlCol="0" anchor="ctr"/>
+          <a:lstStyle/>
+          <a:p>
+            <a:pPr algn="ctr"/>
+            <a:r>
+              <a:rPr lang="ko-KR" altLang="en-US" dirty="0">
+                <a:solidFill>
+                  <a:srgbClr val="093DBF"/>
+                </a:solidFill>
+              </a:rPr>
+              <a:t>채용</a:t>
+            </a:r>
+          </a:p>
+        </p:txBody>
+      </p:sp>
+      <p:sp>
+        <p:nvSpPr>
+          <p:cNvPr id="31" name="사각형: 둥근 모서리 30">
+            <a:extLst>
+              <a:ext uri="{FF2B5EF4-FFF2-40B4-BE49-F238E27FC236}">
+                <a16:creationId xmlns:a16="http://schemas.microsoft.com/office/drawing/2014/main" id="{DA4329AC-D612-46C5-99ED-66EED229DAF0}"/>
+              </a:ext>
+            </a:extLst>
+          </p:cNvPr>
+          <p:cNvSpPr/>
+          <p:nvPr/>
+        </p:nvSpPr>
+        <p:spPr>
+          <a:xfrm>
+            <a:off x="5568950" y="5785357"/>
+            <a:ext cx="1699425" cy="622960"/>
+          </a:xfrm>
+          <a:prstGeom prst="roundRect">
+            <a:avLst>
+              <a:gd name="adj" fmla="val 10081"/>
+            </a:avLst>
+          </a:prstGeom>
+          <a:solidFill>
+            <a:schemeClr val="accent5">
+              <a:lumMod val="40000"/>
+              <a:lumOff val="60000"/>
+            </a:schemeClr>
+          </a:solidFill>
+          <a:ln w="19050">
+            <a:noFill/>
+          </a:ln>
+        </p:spPr>
+        <p:style>
+          <a:lnRef idx="2">
+            <a:schemeClr val="accent1">
+              <a:shade val="50000"/>
+            </a:schemeClr>
+          </a:lnRef>
+          <a:fillRef idx="1">
+            <a:schemeClr val="accent1"/>
+          </a:fillRef>
+          <a:effectRef idx="0">
+            <a:schemeClr val="accent1"/>
+          </a:effectRef>
+          <a:fontRef idx="minor">
+            <a:schemeClr val="lt1"/>
+          </a:fontRef>
+        </p:style>
+        <p:txBody>
+          <a:bodyPr rtlCol="0" anchor="ctr"/>
+          <a:lstStyle/>
+          <a:p>
+            <a:pPr algn="ctr"/>
+            <a:r>
+              <a:rPr lang="ko-KR" altLang="en-US">
+                <a:solidFill>
+                  <a:srgbClr val="093DBF"/>
+                </a:solidFill>
+              </a:rPr>
+              <a:t>채용</a:t>
+            </a:r>
+            <a:endParaRPr lang="ko-KR" altLang="en-US" dirty="0">
+              <a:solidFill>
+                <a:srgbClr val="093DBF"/>
+              </a:solidFill>
+            </a:endParaRPr>
+          </a:p>
+        </p:txBody>
+      </p:sp>
+      <p:sp>
+        <p:nvSpPr>
+          <p:cNvPr id="34" name="사각형: 둥근 모서리 33">
+            <a:extLst>
+              <a:ext uri="{FF2B5EF4-FFF2-40B4-BE49-F238E27FC236}">
+                <a16:creationId xmlns:a16="http://schemas.microsoft.com/office/drawing/2014/main" id="{3294138E-D75B-4CDF-8531-96F28BB96A66}"/>
+              </a:ext>
+            </a:extLst>
+          </p:cNvPr>
+          <p:cNvSpPr/>
+          <p:nvPr/>
+        </p:nvSpPr>
+        <p:spPr>
+          <a:xfrm>
+            <a:off x="8661965" y="5785357"/>
+            <a:ext cx="1699425" cy="622960"/>
+          </a:xfrm>
+          <a:prstGeom prst="roundRect">
+            <a:avLst>
+              <a:gd name="adj" fmla="val 10081"/>
+            </a:avLst>
+          </a:prstGeom>
+          <a:solidFill>
+            <a:schemeClr val="accent5">
+              <a:lumMod val="40000"/>
+              <a:lumOff val="60000"/>
+            </a:schemeClr>
+          </a:solidFill>
+          <a:ln w="19050">
+            <a:noFill/>
+          </a:ln>
+        </p:spPr>
+        <p:style>
+          <a:lnRef idx="2">
+            <a:schemeClr val="accent1">
+              <a:shade val="50000"/>
+            </a:schemeClr>
+          </a:lnRef>
+          <a:fillRef idx="1">
+            <a:schemeClr val="accent1"/>
+          </a:fillRef>
+          <a:effectRef idx="0">
+            <a:schemeClr val="accent1"/>
+          </a:effectRef>
+          <a:fontRef idx="minor">
+            <a:schemeClr val="lt1"/>
+          </a:fontRef>
+        </p:style>
+        <p:txBody>
+          <a:bodyPr rtlCol="0" anchor="ctr"/>
+          <a:lstStyle/>
+          <a:p>
+            <a:pPr algn="ctr"/>
+            <a:r>
+              <a:rPr lang="ko-KR" altLang="en-US">
+                <a:solidFill>
+                  <a:srgbClr val="093DBF"/>
+                </a:solidFill>
+              </a:rPr>
+              <a:t>채용</a:t>
+            </a:r>
+            <a:endParaRPr lang="ko-KR" altLang="en-US" dirty="0">
+              <a:solidFill>
+                <a:srgbClr val="093DBF"/>
+              </a:solidFill>
+            </a:endParaRPr>
+          </a:p>
+        </p:txBody>
+      </p:sp>
+      <p:sp>
+        <p:nvSpPr>
+          <p:cNvPr id="35" name="사각형: 둥근 모서리 34">
+            <a:extLst>
+              <a:ext uri="{FF2B5EF4-FFF2-40B4-BE49-F238E27FC236}">
+                <a16:creationId xmlns:a16="http://schemas.microsoft.com/office/drawing/2014/main" id="{DE8E68B9-ABE9-424B-BCD3-D173A010D92D}"/>
+              </a:ext>
+            </a:extLst>
+          </p:cNvPr>
+          <p:cNvSpPr/>
+          <p:nvPr/>
+        </p:nvSpPr>
+        <p:spPr>
+          <a:xfrm>
+            <a:off x="2442779" y="2947784"/>
+            <a:ext cx="1699425" cy="622960"/>
+          </a:xfrm>
+          <a:prstGeom prst="roundRect">
+            <a:avLst>
+              <a:gd name="adj" fmla="val 10081"/>
+            </a:avLst>
+          </a:prstGeom>
+          <a:noFill/>
+          <a:ln w="19050">
+            <a:noFill/>
+          </a:ln>
+        </p:spPr>
+        <p:style>
+          <a:lnRef idx="2">
+            <a:schemeClr val="accent1">
+              <a:shade val="50000"/>
+            </a:schemeClr>
+          </a:lnRef>
+          <a:fillRef idx="1">
+            <a:schemeClr val="accent1"/>
+          </a:fillRef>
+          <a:effectRef idx="0">
+            <a:schemeClr val="accent1"/>
+          </a:effectRef>
+          <a:fontRef idx="minor">
+            <a:schemeClr val="lt1"/>
+          </a:fontRef>
+        </p:style>
+        <p:txBody>
+          <a:bodyPr rtlCol="0" anchor="ctr"/>
+          <a:lstStyle/>
+          <a:p>
+            <a:pPr algn="ctr"/>
+            <a:r>
+              <a:rPr lang="en-US" altLang="ko-KR" dirty="0">
+                <a:solidFill>
+                  <a:srgbClr val="093DBF"/>
+                </a:solidFill>
+              </a:rPr>
+              <a:t>$4,300 / </a:t>
+            </a:r>
+            <a:r>
+              <a:rPr lang="ko-KR" altLang="en-US" dirty="0">
+                <a:solidFill>
+                  <a:srgbClr val="093DBF"/>
+                </a:solidFill>
+              </a:rPr>
+              <a:t>월</a:t>
+            </a:r>
+          </a:p>
+        </p:txBody>
+      </p:sp>
+      <p:sp>
+        <p:nvSpPr>
+          <p:cNvPr id="36" name="사각형: 둥근 모서리 35">
+            <a:extLst>
+              <a:ext uri="{FF2B5EF4-FFF2-40B4-BE49-F238E27FC236}">
+                <a16:creationId xmlns:a16="http://schemas.microsoft.com/office/drawing/2014/main" id="{B134C1F8-0E77-4733-AE4C-938307C46E73}"/>
+              </a:ext>
+            </a:extLst>
+          </p:cNvPr>
+          <p:cNvSpPr/>
+          <p:nvPr/>
+        </p:nvSpPr>
+        <p:spPr>
+          <a:xfrm>
+            <a:off x="2816931" y="1628997"/>
+            <a:ext cx="1699425" cy="622960"/>
+          </a:xfrm>
+          <a:prstGeom prst="roundRect">
+            <a:avLst>
+              <a:gd name="adj" fmla="val 10081"/>
+            </a:avLst>
+          </a:prstGeom>
+          <a:noFill/>
+          <a:ln w="19050">
+            <a:noFill/>
+          </a:ln>
+        </p:spPr>
+        <p:style>
+          <a:lnRef idx="2">
+            <a:schemeClr val="accent1">
+              <a:shade val="50000"/>
+            </a:schemeClr>
+          </a:lnRef>
+          <a:fillRef idx="1">
+            <a:schemeClr val="accent1"/>
+          </a:fillRef>
+          <a:effectRef idx="0">
+            <a:schemeClr val="accent1"/>
+          </a:effectRef>
+          <a:fontRef idx="minor">
+            <a:schemeClr val="lt1"/>
+          </a:fontRef>
+        </p:style>
+        <p:txBody>
+          <a:bodyPr rtlCol="0" anchor="ctr"/>
+          <a:lstStyle/>
+          <a:p>
+            <a:pPr algn="ctr"/>
+            <a:r>
+              <a:rPr lang="ko-KR" altLang="en-US" dirty="0" err="1">
+                <a:solidFill>
+                  <a:srgbClr val="093DBF"/>
+                </a:solidFill>
+              </a:rPr>
+              <a:t>서범주</a:t>
+            </a:r>
+            <a:endParaRPr lang="ko-KR" altLang="en-US" dirty="0">
+              <a:solidFill>
+                <a:srgbClr val="093DBF"/>
+              </a:solidFill>
+            </a:endParaRPr>
+          </a:p>
+        </p:txBody>
+      </p:sp>
+      <p:sp>
+        <p:nvSpPr>
+          <p:cNvPr id="37" name="사각형: 둥근 모서리 36">
+            <a:extLst>
+              <a:ext uri="{FF2B5EF4-FFF2-40B4-BE49-F238E27FC236}">
+                <a16:creationId xmlns:a16="http://schemas.microsoft.com/office/drawing/2014/main" id="{394663F7-EAD9-4083-B039-6D88374A790F}"/>
+              </a:ext>
+            </a:extLst>
+          </p:cNvPr>
+          <p:cNvSpPr/>
+          <p:nvPr/>
+        </p:nvSpPr>
+        <p:spPr>
+          <a:xfrm>
+            <a:off x="1629550" y="3797885"/>
+            <a:ext cx="1699425" cy="622960"/>
+          </a:xfrm>
+          <a:prstGeom prst="roundRect">
+            <a:avLst>
+              <a:gd name="adj" fmla="val 10081"/>
+            </a:avLst>
+          </a:prstGeom>
+          <a:noFill/>
+          <a:ln w="19050">
+            <a:noFill/>
+          </a:ln>
+        </p:spPr>
+        <p:style>
+          <a:lnRef idx="2">
+            <a:schemeClr val="accent1">
+              <a:shade val="50000"/>
+            </a:schemeClr>
+          </a:lnRef>
+          <a:fillRef idx="1">
+            <a:schemeClr val="accent1"/>
+          </a:fillRef>
+          <a:effectRef idx="0">
+            <a:schemeClr val="accent1"/>
+          </a:effectRef>
+          <a:fontRef idx="minor">
+            <a:schemeClr val="lt1"/>
+          </a:fontRef>
+        </p:style>
+        <p:txBody>
+          <a:bodyPr rtlCol="0" anchor="ctr"/>
+          <a:lstStyle/>
+          <a:p>
+            <a:pPr algn="ctr"/>
+            <a:r>
+              <a:rPr lang="ko-KR" altLang="en-US" dirty="0">
+                <a:solidFill>
+                  <a:srgbClr val="093DBF"/>
+                </a:solidFill>
+              </a:rPr>
+              <a:t>명성</a:t>
+            </a:r>
+          </a:p>
+        </p:txBody>
+      </p:sp>
+      <p:sp>
+        <p:nvSpPr>
+          <p:cNvPr id="38" name="사각형: 둥근 모서리 37">
+            <a:extLst>
+              <a:ext uri="{FF2B5EF4-FFF2-40B4-BE49-F238E27FC236}">
+                <a16:creationId xmlns:a16="http://schemas.microsoft.com/office/drawing/2014/main" id="{AA23810F-08BC-4A05-B143-9065B5C6095F}"/>
+              </a:ext>
+            </a:extLst>
+          </p:cNvPr>
+          <p:cNvSpPr/>
+          <p:nvPr/>
+        </p:nvSpPr>
+        <p:spPr>
+          <a:xfrm>
+            <a:off x="3328975" y="3797885"/>
+            <a:ext cx="1699425" cy="622960"/>
+          </a:xfrm>
+          <a:prstGeom prst="roundRect">
+            <a:avLst>
+              <a:gd name="adj" fmla="val 10081"/>
+            </a:avLst>
+          </a:prstGeom>
+          <a:noFill/>
+          <a:ln w="19050">
+            <a:noFill/>
+          </a:ln>
+        </p:spPr>
+        <p:style>
+          <a:lnRef idx="2">
+            <a:schemeClr val="accent1">
+              <a:shade val="50000"/>
+            </a:schemeClr>
+          </a:lnRef>
+          <a:fillRef idx="1">
+            <a:schemeClr val="accent1"/>
+          </a:fillRef>
+          <a:effectRef idx="0">
+            <a:schemeClr val="accent1"/>
+          </a:effectRef>
+          <a:fontRef idx="minor">
+            <a:schemeClr val="lt1"/>
+          </a:fontRef>
+        </p:style>
+        <p:txBody>
+          <a:bodyPr rtlCol="0" anchor="ctr"/>
+          <a:lstStyle/>
+          <a:p>
+            <a:pPr algn="ctr"/>
+            <a:r>
+              <a:rPr lang="ko-KR" altLang="en-US" dirty="0">
+                <a:solidFill>
+                  <a:srgbClr val="093DBF"/>
+                </a:solidFill>
+              </a:rPr>
+              <a:t>수업</a:t>
+            </a:r>
+          </a:p>
+        </p:txBody>
+      </p:sp>
+      <p:sp>
+        <p:nvSpPr>
+          <p:cNvPr id="39" name="사각형: 둥근 모서리 38">
+            <a:extLst>
+              <a:ext uri="{FF2B5EF4-FFF2-40B4-BE49-F238E27FC236}">
+                <a16:creationId xmlns:a16="http://schemas.microsoft.com/office/drawing/2014/main" id="{479B5FD4-7C84-4CB9-894A-D8CC2D115996}"/>
+              </a:ext>
+            </a:extLst>
+          </p:cNvPr>
+          <p:cNvSpPr/>
+          <p:nvPr/>
+        </p:nvSpPr>
+        <p:spPr>
+          <a:xfrm>
+            <a:off x="1593065" y="4704334"/>
+            <a:ext cx="1699425" cy="622960"/>
+          </a:xfrm>
+          <a:prstGeom prst="roundRect">
+            <a:avLst>
+              <a:gd name="adj" fmla="val 10081"/>
+            </a:avLst>
+          </a:prstGeom>
+          <a:noFill/>
+          <a:ln w="19050">
+            <a:noFill/>
+          </a:ln>
+        </p:spPr>
+        <p:style>
+          <a:lnRef idx="2">
+            <a:schemeClr val="accent1">
+              <a:shade val="50000"/>
+            </a:schemeClr>
+          </a:lnRef>
+          <a:fillRef idx="1">
+            <a:schemeClr val="accent1"/>
+          </a:fillRef>
+          <a:effectRef idx="0">
+            <a:schemeClr val="accent1"/>
+          </a:effectRef>
+          <a:fontRef idx="minor">
+            <a:schemeClr val="lt1"/>
+          </a:fontRef>
+        </p:style>
+        <p:txBody>
+          <a:bodyPr rtlCol="0" anchor="ctr"/>
+          <a:lstStyle/>
+          <a:p>
+            <a:pPr algn="ctr"/>
+            <a:r>
+              <a:rPr lang="ko-KR" altLang="en-US" dirty="0">
+                <a:solidFill>
+                  <a:srgbClr val="093DBF"/>
+                </a:solidFill>
+              </a:rPr>
+              <a:t>카리스마</a:t>
+            </a:r>
+          </a:p>
+        </p:txBody>
+      </p:sp>
+      <p:sp>
+        <p:nvSpPr>
+          <p:cNvPr id="40" name="사각형: 둥근 모서리 39">
+            <a:extLst>
+              <a:ext uri="{FF2B5EF4-FFF2-40B4-BE49-F238E27FC236}">
+                <a16:creationId xmlns:a16="http://schemas.microsoft.com/office/drawing/2014/main" id="{838D7DB2-817D-4741-8729-BEA8C2EE39D7}"/>
+              </a:ext>
+            </a:extLst>
+          </p:cNvPr>
+          <p:cNvSpPr/>
+          <p:nvPr/>
+        </p:nvSpPr>
+        <p:spPr>
+          <a:xfrm>
+            <a:off x="3328975" y="4704334"/>
+            <a:ext cx="1699425" cy="622960"/>
+          </a:xfrm>
+          <a:prstGeom prst="roundRect">
+            <a:avLst>
+              <a:gd name="adj" fmla="val 10081"/>
+            </a:avLst>
+          </a:prstGeom>
+          <a:noFill/>
+          <a:ln w="19050">
+            <a:noFill/>
+          </a:ln>
+        </p:spPr>
+        <p:style>
+          <a:lnRef idx="2">
+            <a:schemeClr val="accent1">
+              <a:shade val="50000"/>
+            </a:schemeClr>
+          </a:lnRef>
+          <a:fillRef idx="1">
+            <a:schemeClr val="accent1"/>
+          </a:fillRef>
+          <a:effectRef idx="0">
+            <a:schemeClr val="accent1"/>
+          </a:effectRef>
+          <a:fontRef idx="minor">
+            <a:schemeClr val="lt1"/>
+          </a:fontRef>
+        </p:style>
+        <p:txBody>
+          <a:bodyPr rtlCol="0" anchor="ctr"/>
+          <a:lstStyle/>
+          <a:p>
+            <a:pPr algn="ctr"/>
+            <a:r>
+              <a:rPr lang="ko-KR" altLang="en-US" dirty="0">
+                <a:solidFill>
+                  <a:srgbClr val="093DBF"/>
+                </a:solidFill>
+              </a:rPr>
+              <a:t>연구</a:t>
+            </a:r>
+          </a:p>
+        </p:txBody>
+      </p:sp>
+      <p:sp>
+        <p:nvSpPr>
+          <p:cNvPr id="41" name="사각형: 둥근 모서리 40">
+            <a:extLst>
+              <a:ext uri="{FF2B5EF4-FFF2-40B4-BE49-F238E27FC236}">
+                <a16:creationId xmlns:a16="http://schemas.microsoft.com/office/drawing/2014/main" id="{B94E0179-6674-4E11-A89F-D7170516AF28}"/>
+              </a:ext>
+            </a:extLst>
+          </p:cNvPr>
+          <p:cNvSpPr/>
+          <p:nvPr/>
+        </p:nvSpPr>
+        <p:spPr>
+          <a:xfrm>
+            <a:off x="5552373" y="2947784"/>
+            <a:ext cx="1699425" cy="622960"/>
+          </a:xfrm>
+          <a:prstGeom prst="roundRect">
+            <a:avLst>
+              <a:gd name="adj" fmla="val 10081"/>
+            </a:avLst>
+          </a:prstGeom>
+          <a:noFill/>
+          <a:ln w="19050">
+            <a:noFill/>
+          </a:ln>
+        </p:spPr>
+        <p:style>
+          <a:lnRef idx="2">
+            <a:schemeClr val="accent1">
+              <a:shade val="50000"/>
+            </a:schemeClr>
+          </a:lnRef>
+          <a:fillRef idx="1">
+            <a:schemeClr val="accent1"/>
+          </a:fillRef>
+          <a:effectRef idx="0">
+            <a:schemeClr val="accent1"/>
+          </a:effectRef>
+          <a:fontRef idx="minor">
+            <a:schemeClr val="lt1"/>
+          </a:fontRef>
+        </p:style>
+        <p:txBody>
+          <a:bodyPr rtlCol="0" anchor="ctr"/>
+          <a:lstStyle/>
+          <a:p>
+            <a:pPr algn="ctr"/>
+            <a:r>
+              <a:rPr lang="en-US" altLang="ko-KR" dirty="0">
+                <a:solidFill>
+                  <a:srgbClr val="093DBF"/>
+                </a:solidFill>
+              </a:rPr>
+              <a:t>$6,300 / </a:t>
+            </a:r>
+            <a:r>
+              <a:rPr lang="ko-KR" altLang="en-US" dirty="0">
+                <a:solidFill>
+                  <a:srgbClr val="093DBF"/>
+                </a:solidFill>
+              </a:rPr>
+              <a:t>월</a:t>
+            </a:r>
+          </a:p>
+        </p:txBody>
+      </p:sp>
+      <p:sp>
+        <p:nvSpPr>
+          <p:cNvPr id="44" name="사각형: 둥근 모서리 43">
+            <a:extLst>
+              <a:ext uri="{FF2B5EF4-FFF2-40B4-BE49-F238E27FC236}">
+                <a16:creationId xmlns:a16="http://schemas.microsoft.com/office/drawing/2014/main" id="{6CB1A7BB-3DA5-4BEE-825D-4B9E48713306}"/>
+              </a:ext>
+            </a:extLst>
+          </p:cNvPr>
+          <p:cNvSpPr/>
+          <p:nvPr/>
+        </p:nvSpPr>
+        <p:spPr>
+          <a:xfrm>
+            <a:off x="5552372" y="1300999"/>
+            <a:ext cx="1699425" cy="622960"/>
+          </a:xfrm>
+          <a:prstGeom prst="roundRect">
+            <a:avLst>
+              <a:gd name="adj" fmla="val 10081"/>
+            </a:avLst>
+          </a:prstGeom>
+          <a:noFill/>
+          <a:ln w="19050">
+            <a:noFill/>
+          </a:ln>
+        </p:spPr>
+        <p:style>
+          <a:lnRef idx="2">
+            <a:schemeClr val="accent1">
+              <a:shade val="50000"/>
+            </a:schemeClr>
+          </a:lnRef>
+          <a:fillRef idx="1">
+            <a:schemeClr val="accent1"/>
+          </a:fillRef>
+          <a:effectRef idx="0">
+            <a:schemeClr val="accent1"/>
+          </a:effectRef>
+          <a:fontRef idx="minor">
+            <a:schemeClr val="lt1"/>
+          </a:fontRef>
+        </p:style>
+        <p:txBody>
+          <a:bodyPr rtlCol="0" anchor="ctr"/>
+          <a:lstStyle/>
+          <a:p>
+            <a:pPr algn="ctr"/>
+            <a:r>
+              <a:rPr lang="ko-KR" altLang="en-US" dirty="0">
+                <a:solidFill>
+                  <a:srgbClr val="093DBF"/>
+                </a:solidFill>
+              </a:rPr>
+              <a:t>김예진</a:t>
+            </a:r>
+          </a:p>
+        </p:txBody>
+      </p:sp>
+      <p:sp>
+        <p:nvSpPr>
+          <p:cNvPr id="53" name="사각형: 둥근 모서리 52">
+            <a:extLst>
+              <a:ext uri="{FF2B5EF4-FFF2-40B4-BE49-F238E27FC236}">
+                <a16:creationId xmlns:a16="http://schemas.microsoft.com/office/drawing/2014/main" id="{1242C636-C611-46FB-9940-C750A01DB26B}"/>
+              </a:ext>
+            </a:extLst>
+          </p:cNvPr>
+          <p:cNvSpPr/>
+          <p:nvPr/>
+        </p:nvSpPr>
+        <p:spPr>
+          <a:xfrm>
+            <a:off x="4739144" y="3797885"/>
+            <a:ext cx="1699425" cy="622960"/>
+          </a:xfrm>
+          <a:prstGeom prst="roundRect">
+            <a:avLst>
+              <a:gd name="adj" fmla="val 10081"/>
+            </a:avLst>
+          </a:prstGeom>
+          <a:noFill/>
+          <a:ln w="19050">
+            <a:noFill/>
+          </a:ln>
+        </p:spPr>
+        <p:style>
+          <a:lnRef idx="2">
+            <a:schemeClr val="accent1">
+              <a:shade val="50000"/>
+            </a:schemeClr>
+          </a:lnRef>
+          <a:fillRef idx="1">
+            <a:schemeClr val="accent1"/>
+          </a:fillRef>
+          <a:effectRef idx="0">
+            <a:schemeClr val="accent1"/>
+          </a:effectRef>
+          <a:fontRef idx="minor">
+            <a:schemeClr val="lt1"/>
+          </a:fontRef>
+        </p:style>
+        <p:txBody>
+          <a:bodyPr rtlCol="0" anchor="ctr"/>
+          <a:lstStyle/>
+          <a:p>
+            <a:pPr algn="ctr"/>
+            <a:r>
+              <a:rPr lang="ko-KR" altLang="en-US" dirty="0">
+                <a:solidFill>
+                  <a:srgbClr val="093DBF"/>
+                </a:solidFill>
+              </a:rPr>
+              <a:t>명성 </a:t>
+            </a:r>
+            <a:r>
+              <a:rPr lang="en-US" altLang="ko-KR" dirty="0">
+                <a:solidFill>
+                  <a:srgbClr val="093DBF"/>
+                </a:solidFill>
+              </a:rPr>
+              <a:t>77</a:t>
+            </a:r>
+            <a:endParaRPr lang="ko-KR" altLang="en-US" dirty="0">
+              <a:solidFill>
+                <a:srgbClr val="093DBF"/>
+              </a:solidFill>
+            </a:endParaRPr>
+          </a:p>
+        </p:txBody>
+      </p:sp>
+      <p:sp>
+        <p:nvSpPr>
+          <p:cNvPr id="54" name="사각형: 둥근 모서리 53">
+            <a:extLst>
+              <a:ext uri="{FF2B5EF4-FFF2-40B4-BE49-F238E27FC236}">
+                <a16:creationId xmlns:a16="http://schemas.microsoft.com/office/drawing/2014/main" id="{42C41F5F-0457-4B83-9FEE-E294B149BD8A}"/>
+              </a:ext>
+            </a:extLst>
+          </p:cNvPr>
+          <p:cNvSpPr/>
+          <p:nvPr/>
+        </p:nvSpPr>
+        <p:spPr>
+          <a:xfrm>
+            <a:off x="6438569" y="3797885"/>
+            <a:ext cx="1699425" cy="622960"/>
+          </a:xfrm>
+          <a:prstGeom prst="roundRect">
+            <a:avLst>
+              <a:gd name="adj" fmla="val 10081"/>
+            </a:avLst>
+          </a:prstGeom>
+          <a:noFill/>
+          <a:ln w="19050">
+            <a:noFill/>
+          </a:ln>
+        </p:spPr>
+        <p:style>
+          <a:lnRef idx="2">
+            <a:schemeClr val="accent1">
+              <a:shade val="50000"/>
+            </a:schemeClr>
+          </a:lnRef>
+          <a:fillRef idx="1">
+            <a:schemeClr val="accent1"/>
+          </a:fillRef>
+          <a:effectRef idx="0">
+            <a:schemeClr val="accent1"/>
+          </a:effectRef>
+          <a:fontRef idx="minor">
+            <a:schemeClr val="lt1"/>
+          </a:fontRef>
+        </p:style>
+        <p:txBody>
+          <a:bodyPr rtlCol="0" anchor="ctr"/>
+          <a:lstStyle/>
+          <a:p>
+            <a:pPr algn="ctr"/>
+            <a:r>
+              <a:rPr lang="ko-KR" altLang="en-US" dirty="0">
+                <a:solidFill>
+                  <a:srgbClr val="093DBF"/>
+                </a:solidFill>
+              </a:rPr>
+              <a:t>수업 </a:t>
+            </a:r>
+            <a:r>
+              <a:rPr lang="en-US" altLang="ko-KR" dirty="0">
+                <a:solidFill>
+                  <a:srgbClr val="093DBF"/>
+                </a:solidFill>
+              </a:rPr>
+              <a:t>99</a:t>
+            </a:r>
+            <a:endParaRPr lang="ko-KR" altLang="en-US" dirty="0">
+              <a:solidFill>
+                <a:srgbClr val="093DBF"/>
+              </a:solidFill>
+            </a:endParaRPr>
+          </a:p>
+        </p:txBody>
+      </p:sp>
+      <p:sp>
+        <p:nvSpPr>
+          <p:cNvPr id="55" name="사각형: 둥근 모서리 54">
+            <a:extLst>
+              <a:ext uri="{FF2B5EF4-FFF2-40B4-BE49-F238E27FC236}">
+                <a16:creationId xmlns:a16="http://schemas.microsoft.com/office/drawing/2014/main" id="{3B82E2AD-887D-40D5-AC47-C51B2F0532BF}"/>
+              </a:ext>
+            </a:extLst>
+          </p:cNvPr>
+          <p:cNvSpPr/>
+          <p:nvPr/>
+        </p:nvSpPr>
+        <p:spPr>
+          <a:xfrm>
+            <a:off x="4702659" y="4704334"/>
+            <a:ext cx="1699425" cy="622960"/>
+          </a:xfrm>
+          <a:prstGeom prst="roundRect">
+            <a:avLst>
+              <a:gd name="adj" fmla="val 10081"/>
+            </a:avLst>
+          </a:prstGeom>
+          <a:noFill/>
+          <a:ln w="19050">
+            <a:noFill/>
+          </a:ln>
+        </p:spPr>
+        <p:style>
+          <a:lnRef idx="2">
+            <a:schemeClr val="accent1">
+              <a:shade val="50000"/>
+            </a:schemeClr>
+          </a:lnRef>
+          <a:fillRef idx="1">
+            <a:schemeClr val="accent1"/>
+          </a:fillRef>
+          <a:effectRef idx="0">
+            <a:schemeClr val="accent1"/>
+          </a:effectRef>
+          <a:fontRef idx="minor">
+            <a:schemeClr val="lt1"/>
+          </a:fontRef>
+        </p:style>
+        <p:txBody>
+          <a:bodyPr rtlCol="0" anchor="ctr"/>
+          <a:lstStyle/>
+          <a:p>
+            <a:pPr algn="ctr"/>
+            <a:r>
+              <a:rPr lang="ko-KR" altLang="en-US" dirty="0">
+                <a:solidFill>
+                  <a:srgbClr val="093DBF"/>
+                </a:solidFill>
+              </a:rPr>
+              <a:t>카리스마 </a:t>
+            </a:r>
+            <a:r>
+              <a:rPr lang="en-US" altLang="ko-KR" dirty="0">
+                <a:solidFill>
+                  <a:srgbClr val="093DBF"/>
+                </a:solidFill>
+              </a:rPr>
+              <a:t>97</a:t>
+            </a:r>
+            <a:endParaRPr lang="ko-KR" altLang="en-US" dirty="0">
+              <a:solidFill>
+                <a:srgbClr val="093DBF"/>
+              </a:solidFill>
+            </a:endParaRPr>
+          </a:p>
+        </p:txBody>
+      </p:sp>
+      <p:sp>
+        <p:nvSpPr>
+          <p:cNvPr id="56" name="사각형: 둥근 모서리 55">
+            <a:extLst>
+              <a:ext uri="{FF2B5EF4-FFF2-40B4-BE49-F238E27FC236}">
+                <a16:creationId xmlns:a16="http://schemas.microsoft.com/office/drawing/2014/main" id="{4C1B90DE-9BCA-4F86-8801-514F5FAFB228}"/>
+              </a:ext>
+            </a:extLst>
+          </p:cNvPr>
+          <p:cNvSpPr/>
+          <p:nvPr/>
+        </p:nvSpPr>
+        <p:spPr>
+          <a:xfrm>
+            <a:off x="6438569" y="4704334"/>
+            <a:ext cx="1699425" cy="622960"/>
+          </a:xfrm>
+          <a:prstGeom prst="roundRect">
+            <a:avLst>
+              <a:gd name="adj" fmla="val 10081"/>
+            </a:avLst>
+          </a:prstGeom>
+          <a:noFill/>
+          <a:ln w="19050">
+            <a:noFill/>
+          </a:ln>
+        </p:spPr>
+        <p:style>
+          <a:lnRef idx="2">
+            <a:schemeClr val="accent1">
+              <a:shade val="50000"/>
+            </a:schemeClr>
+          </a:lnRef>
+          <a:fillRef idx="1">
+            <a:schemeClr val="accent1"/>
+          </a:fillRef>
+          <a:effectRef idx="0">
+            <a:schemeClr val="accent1"/>
+          </a:effectRef>
+          <a:fontRef idx="minor">
+            <a:schemeClr val="lt1"/>
+          </a:fontRef>
+        </p:style>
+        <p:txBody>
+          <a:bodyPr rtlCol="0" anchor="ctr"/>
+          <a:lstStyle/>
+          <a:p>
+            <a:pPr algn="ctr"/>
+            <a:r>
+              <a:rPr lang="ko-KR" altLang="en-US" dirty="0">
+                <a:solidFill>
+                  <a:srgbClr val="093DBF"/>
+                </a:solidFill>
+              </a:rPr>
+              <a:t>연구 </a:t>
+            </a:r>
+            <a:r>
+              <a:rPr lang="en-US" altLang="ko-KR" dirty="0">
+                <a:solidFill>
+                  <a:srgbClr val="093DBF"/>
+                </a:solidFill>
+              </a:rPr>
+              <a:t>89</a:t>
+            </a:r>
+            <a:endParaRPr lang="ko-KR" altLang="en-US" dirty="0">
+              <a:solidFill>
+                <a:srgbClr val="093DBF"/>
+              </a:solidFill>
+            </a:endParaRPr>
+          </a:p>
+        </p:txBody>
+      </p:sp>
+      <p:sp>
+        <p:nvSpPr>
+          <p:cNvPr id="57" name="사각형: 둥근 모서리 56">
+            <a:extLst>
+              <a:ext uri="{FF2B5EF4-FFF2-40B4-BE49-F238E27FC236}">
+                <a16:creationId xmlns:a16="http://schemas.microsoft.com/office/drawing/2014/main" id="{E95BE94D-896E-45B7-9727-4855D48D8F07}"/>
+              </a:ext>
+            </a:extLst>
+          </p:cNvPr>
+          <p:cNvSpPr/>
+          <p:nvPr/>
+        </p:nvSpPr>
+        <p:spPr>
+          <a:xfrm>
+            <a:off x="8661967" y="2947784"/>
+            <a:ext cx="1699425" cy="622960"/>
+          </a:xfrm>
+          <a:prstGeom prst="roundRect">
+            <a:avLst>
+              <a:gd name="adj" fmla="val 10081"/>
+            </a:avLst>
+          </a:prstGeom>
+          <a:noFill/>
+          <a:ln w="19050">
+            <a:noFill/>
+          </a:ln>
+        </p:spPr>
+        <p:style>
+          <a:lnRef idx="2">
+            <a:schemeClr val="accent1">
+              <a:shade val="50000"/>
+            </a:schemeClr>
+          </a:lnRef>
+          <a:fillRef idx="1">
+            <a:schemeClr val="accent1"/>
+          </a:fillRef>
+          <a:effectRef idx="0">
+            <a:schemeClr val="accent1"/>
+          </a:effectRef>
+          <a:fontRef idx="minor">
+            <a:schemeClr val="lt1"/>
+          </a:fontRef>
+        </p:style>
+        <p:txBody>
+          <a:bodyPr rtlCol="0" anchor="ctr"/>
+          <a:lstStyle/>
+          <a:p>
+            <a:pPr algn="ctr"/>
+            <a:r>
+              <a:rPr lang="en-US" altLang="ko-KR" dirty="0">
+                <a:solidFill>
+                  <a:srgbClr val="093DBF"/>
+                </a:solidFill>
+              </a:rPr>
+              <a:t>$4,300 / </a:t>
+            </a:r>
+            <a:r>
+              <a:rPr lang="ko-KR" altLang="en-US" dirty="0">
+                <a:solidFill>
+                  <a:srgbClr val="093DBF"/>
+                </a:solidFill>
+              </a:rPr>
+              <a:t>월</a:t>
+            </a:r>
+          </a:p>
+        </p:txBody>
+      </p:sp>
+      <p:sp>
+        <p:nvSpPr>
+          <p:cNvPr id="58" name="사각형: 둥근 모서리 57">
+            <a:extLst>
+              <a:ext uri="{FF2B5EF4-FFF2-40B4-BE49-F238E27FC236}">
+                <a16:creationId xmlns:a16="http://schemas.microsoft.com/office/drawing/2014/main" id="{FBD17A70-595E-4394-83D9-D8058D7F6861}"/>
+              </a:ext>
+            </a:extLst>
+          </p:cNvPr>
+          <p:cNvSpPr/>
+          <p:nvPr/>
+        </p:nvSpPr>
+        <p:spPr>
+          <a:xfrm>
+            <a:off x="8661966" y="1300999"/>
+            <a:ext cx="1699425" cy="622960"/>
+          </a:xfrm>
+          <a:prstGeom prst="roundRect">
+            <a:avLst>
+              <a:gd name="adj" fmla="val 10081"/>
+            </a:avLst>
+          </a:prstGeom>
+          <a:noFill/>
+          <a:ln w="19050">
+            <a:noFill/>
+          </a:ln>
+        </p:spPr>
+        <p:style>
+          <a:lnRef idx="2">
+            <a:schemeClr val="accent1">
+              <a:shade val="50000"/>
+            </a:schemeClr>
+          </a:lnRef>
+          <a:fillRef idx="1">
+            <a:schemeClr val="accent1"/>
+          </a:fillRef>
+          <a:effectRef idx="0">
+            <a:schemeClr val="accent1"/>
+          </a:effectRef>
+          <a:fontRef idx="minor">
+            <a:schemeClr val="lt1"/>
+          </a:fontRef>
+        </p:style>
+        <p:txBody>
+          <a:bodyPr rtlCol="0" anchor="ctr"/>
+          <a:lstStyle/>
+          <a:p>
+            <a:pPr algn="ctr"/>
+            <a:r>
+              <a:rPr lang="ko-KR" altLang="en-US" dirty="0">
+                <a:solidFill>
+                  <a:srgbClr val="093DBF"/>
+                </a:solidFill>
+              </a:rPr>
+              <a:t>배병철</a:t>
+            </a:r>
+          </a:p>
+        </p:txBody>
+      </p:sp>
+      <p:sp>
+        <p:nvSpPr>
+          <p:cNvPr id="59" name="사각형: 둥근 모서리 58">
+            <a:extLst>
+              <a:ext uri="{FF2B5EF4-FFF2-40B4-BE49-F238E27FC236}">
+                <a16:creationId xmlns:a16="http://schemas.microsoft.com/office/drawing/2014/main" id="{B9A6E33F-F78C-49C8-94AD-0FC1658F1D10}"/>
+              </a:ext>
+            </a:extLst>
+          </p:cNvPr>
+          <p:cNvSpPr/>
+          <p:nvPr/>
+        </p:nvSpPr>
+        <p:spPr>
+          <a:xfrm>
+            <a:off x="7848738" y="3797885"/>
+            <a:ext cx="1699425" cy="622960"/>
+          </a:xfrm>
+          <a:prstGeom prst="roundRect">
+            <a:avLst>
+              <a:gd name="adj" fmla="val 10081"/>
+            </a:avLst>
+          </a:prstGeom>
+          <a:noFill/>
+          <a:ln w="19050">
+            <a:noFill/>
+          </a:ln>
+        </p:spPr>
+        <p:style>
+          <a:lnRef idx="2">
+            <a:schemeClr val="accent1">
+              <a:shade val="50000"/>
+            </a:schemeClr>
+          </a:lnRef>
+          <a:fillRef idx="1">
+            <a:schemeClr val="accent1"/>
+          </a:fillRef>
+          <a:effectRef idx="0">
+            <a:schemeClr val="accent1"/>
+          </a:effectRef>
+          <a:fontRef idx="minor">
+            <a:schemeClr val="lt1"/>
+          </a:fontRef>
+        </p:style>
+        <p:txBody>
+          <a:bodyPr rtlCol="0" anchor="ctr"/>
+          <a:lstStyle/>
+          <a:p>
+            <a:pPr algn="ctr"/>
+            <a:r>
+              <a:rPr lang="ko-KR" altLang="en-US" dirty="0">
+                <a:solidFill>
+                  <a:srgbClr val="093DBF"/>
+                </a:solidFill>
+              </a:rPr>
+              <a:t>명성</a:t>
+            </a:r>
+          </a:p>
+        </p:txBody>
+      </p:sp>
+      <p:sp>
+        <p:nvSpPr>
+          <p:cNvPr id="60" name="사각형: 둥근 모서리 59">
+            <a:extLst>
+              <a:ext uri="{FF2B5EF4-FFF2-40B4-BE49-F238E27FC236}">
+                <a16:creationId xmlns:a16="http://schemas.microsoft.com/office/drawing/2014/main" id="{BB62E4D7-AA82-4EF9-B37A-5594415CDA58}"/>
+              </a:ext>
+            </a:extLst>
+          </p:cNvPr>
+          <p:cNvSpPr/>
+          <p:nvPr/>
+        </p:nvSpPr>
+        <p:spPr>
+          <a:xfrm>
+            <a:off x="9548163" y="3797885"/>
+            <a:ext cx="1699425" cy="622960"/>
+          </a:xfrm>
+          <a:prstGeom prst="roundRect">
+            <a:avLst>
+              <a:gd name="adj" fmla="val 10081"/>
+            </a:avLst>
+          </a:prstGeom>
+          <a:noFill/>
+          <a:ln w="19050">
+            <a:noFill/>
+          </a:ln>
+        </p:spPr>
+        <p:style>
+          <a:lnRef idx="2">
+            <a:schemeClr val="accent1">
+              <a:shade val="50000"/>
+            </a:schemeClr>
+          </a:lnRef>
+          <a:fillRef idx="1">
+            <a:schemeClr val="accent1"/>
+          </a:fillRef>
+          <a:effectRef idx="0">
+            <a:schemeClr val="accent1"/>
+          </a:effectRef>
+          <a:fontRef idx="minor">
+            <a:schemeClr val="lt1"/>
+          </a:fontRef>
+        </p:style>
+        <p:txBody>
+          <a:bodyPr rtlCol="0" anchor="ctr"/>
+          <a:lstStyle/>
+          <a:p>
+            <a:pPr algn="ctr"/>
+            <a:r>
+              <a:rPr lang="ko-KR" altLang="en-US" dirty="0">
+                <a:solidFill>
+                  <a:srgbClr val="093DBF"/>
+                </a:solidFill>
+              </a:rPr>
+              <a:t>수업</a:t>
+            </a:r>
+          </a:p>
+        </p:txBody>
+      </p:sp>
+      <p:sp>
+        <p:nvSpPr>
+          <p:cNvPr id="61" name="사각형: 둥근 모서리 60">
+            <a:extLst>
+              <a:ext uri="{FF2B5EF4-FFF2-40B4-BE49-F238E27FC236}">
+                <a16:creationId xmlns:a16="http://schemas.microsoft.com/office/drawing/2014/main" id="{3B77F7FF-91B7-4C92-B0AC-7BE117BA78DC}"/>
+              </a:ext>
+            </a:extLst>
+          </p:cNvPr>
+          <p:cNvSpPr/>
+          <p:nvPr/>
+        </p:nvSpPr>
+        <p:spPr>
+          <a:xfrm>
+            <a:off x="7812253" y="4704334"/>
+            <a:ext cx="1699425" cy="622960"/>
+          </a:xfrm>
+          <a:prstGeom prst="roundRect">
+            <a:avLst>
+              <a:gd name="adj" fmla="val 10081"/>
+            </a:avLst>
+          </a:prstGeom>
+          <a:noFill/>
+          <a:ln w="19050">
+            <a:noFill/>
+          </a:ln>
+        </p:spPr>
+        <p:style>
+          <a:lnRef idx="2">
+            <a:schemeClr val="accent1">
+              <a:shade val="50000"/>
+            </a:schemeClr>
+          </a:lnRef>
+          <a:fillRef idx="1">
+            <a:schemeClr val="accent1"/>
+          </a:fillRef>
+          <a:effectRef idx="0">
+            <a:schemeClr val="accent1"/>
+          </a:effectRef>
+          <a:fontRef idx="minor">
+            <a:schemeClr val="lt1"/>
+          </a:fontRef>
+        </p:style>
+        <p:txBody>
+          <a:bodyPr rtlCol="0" anchor="ctr"/>
+          <a:lstStyle/>
+          <a:p>
+            <a:pPr algn="ctr"/>
+            <a:r>
+              <a:rPr lang="ko-KR" altLang="en-US" dirty="0">
+                <a:solidFill>
+                  <a:srgbClr val="093DBF"/>
+                </a:solidFill>
+              </a:rPr>
+              <a:t>카리스마</a:t>
+            </a:r>
+          </a:p>
+        </p:txBody>
+      </p:sp>
+      <p:sp>
+        <p:nvSpPr>
+          <p:cNvPr id="62" name="사각형: 둥근 모서리 61">
+            <a:extLst>
+              <a:ext uri="{FF2B5EF4-FFF2-40B4-BE49-F238E27FC236}">
+                <a16:creationId xmlns:a16="http://schemas.microsoft.com/office/drawing/2014/main" id="{6091E0FB-FDB8-4CDE-8986-2CC6B34FCFF5}"/>
+              </a:ext>
+            </a:extLst>
+          </p:cNvPr>
+          <p:cNvSpPr/>
+          <p:nvPr/>
+        </p:nvSpPr>
+        <p:spPr>
+          <a:xfrm>
+            <a:off x="9548163" y="4704334"/>
+            <a:ext cx="1699425" cy="622960"/>
+          </a:xfrm>
+          <a:prstGeom prst="roundRect">
+            <a:avLst>
+              <a:gd name="adj" fmla="val 10081"/>
+            </a:avLst>
+          </a:prstGeom>
+          <a:noFill/>
+          <a:ln w="19050">
+            <a:noFill/>
+          </a:ln>
+        </p:spPr>
+        <p:style>
+          <a:lnRef idx="2">
+            <a:schemeClr val="accent1">
+              <a:shade val="50000"/>
+            </a:schemeClr>
+          </a:lnRef>
+          <a:fillRef idx="1">
+            <a:schemeClr val="accent1"/>
+          </a:fillRef>
+          <a:effectRef idx="0">
+            <a:schemeClr val="accent1"/>
+          </a:effectRef>
+          <a:fontRef idx="minor">
+            <a:schemeClr val="lt1"/>
+          </a:fontRef>
+        </p:style>
+        <p:txBody>
+          <a:bodyPr rtlCol="0" anchor="ctr"/>
+          <a:lstStyle/>
+          <a:p>
+            <a:pPr algn="ctr"/>
+            <a:r>
+              <a:rPr lang="ko-KR" altLang="en-US" dirty="0">
+                <a:solidFill>
+                  <a:srgbClr val="093DBF"/>
+                </a:solidFill>
+              </a:rPr>
+              <a:t>연구</a:t>
+            </a:r>
+          </a:p>
+        </p:txBody>
+      </p:sp>
+      <p:pic>
+        <p:nvPicPr>
+          <p:cNvPr id="7" name="그래픽 6" descr="교사">
+            <a:extLst>
+              <a:ext uri="{FF2B5EF4-FFF2-40B4-BE49-F238E27FC236}">
+                <a16:creationId xmlns:a16="http://schemas.microsoft.com/office/drawing/2014/main" id="{C46F5CDC-2081-49DB-B10B-3735EFC32784}"/>
+              </a:ext>
+            </a:extLst>
+          </p:cNvPr>
+          <p:cNvPicPr>
+            <a:picLocks noChangeAspect="1"/>
+          </p:cNvPicPr>
+          <p:nvPr/>
+        </p:nvPicPr>
+        <p:blipFill>
+          <a:blip r:embed="rId2">
+            <a:extLst>
+              <a:ext uri="{28A0092B-C50C-407E-A947-70E740481C1C}">
+                <a14:useLocalDpi xmlns:a14="http://schemas.microsoft.com/office/drawing/2010/main" val="0"/>
+              </a:ext>
+              <a:ext uri="{96DAC541-7B7A-43D3-8B79-37D633B846F1}">
+                <asvg:svgBlip xmlns:asvg="http://schemas.microsoft.com/office/drawing/2016/SVG/main" r:embed="rId3"/>
+              </a:ext>
+            </a:extLst>
+          </a:blip>
+          <a:stretch>
+            <a:fillRect/>
+          </a:stretch>
+        </p:blipFill>
+        <p:spPr>
+          <a:xfrm>
+            <a:off x="6430235" y="3288471"/>
+            <a:ext cx="914400" cy="914400"/>
+          </a:xfrm>
+          <a:prstGeom prst="rect">
+            <a:avLst/>
+          </a:prstGeom>
+        </p:spPr>
+      </p:pic>
+      <p:pic>
+        <p:nvPicPr>
+          <p:cNvPr id="10" name="그래픽 9" descr="플라스크">
+            <a:extLst>
+              <a:ext uri="{FF2B5EF4-FFF2-40B4-BE49-F238E27FC236}">
+                <a16:creationId xmlns:a16="http://schemas.microsoft.com/office/drawing/2014/main" id="{AA0C460A-223C-43B1-99B3-D1A2BE622EEE}"/>
+              </a:ext>
+            </a:extLst>
+          </p:cNvPr>
+          <p:cNvPicPr>
+            <a:picLocks noChangeAspect="1"/>
+          </p:cNvPicPr>
+          <p:nvPr/>
+        </p:nvPicPr>
+        <p:blipFill>
+          <a:blip r:embed="rId4">
+            <a:extLst>
+              <a:ext uri="{28A0092B-C50C-407E-A947-70E740481C1C}">
+                <a14:useLocalDpi xmlns:a14="http://schemas.microsoft.com/office/drawing/2010/main" val="0"/>
+              </a:ext>
+              <a:ext uri="{96DAC541-7B7A-43D3-8B79-37D633B846F1}">
+                <asvg:svgBlip xmlns:asvg="http://schemas.microsoft.com/office/drawing/2016/SVG/main" r:embed="rId5"/>
+              </a:ext>
+            </a:extLst>
+          </a:blip>
+          <a:stretch>
+            <a:fillRect/>
+          </a:stretch>
+        </p:blipFill>
+        <p:spPr>
+          <a:xfrm>
+            <a:off x="6256758" y="4473059"/>
+            <a:ext cx="914400" cy="914400"/>
+          </a:xfrm>
+          <a:prstGeom prst="rect">
+            <a:avLst/>
+          </a:prstGeom>
+        </p:spPr>
+      </p:pic>
+      <p:pic>
+        <p:nvPicPr>
+          <p:cNvPr id="17" name="그래픽 16">
+            <a:extLst>
+              <a:ext uri="{FF2B5EF4-FFF2-40B4-BE49-F238E27FC236}">
+                <a16:creationId xmlns:a16="http://schemas.microsoft.com/office/drawing/2014/main" id="{1025FE1A-D3CC-4ABC-9541-FE8B454B3023}"/>
+              </a:ext>
+            </a:extLst>
+          </p:cNvPr>
+          <p:cNvPicPr>
+            <a:picLocks noChangeAspect="1"/>
+          </p:cNvPicPr>
+          <p:nvPr/>
+        </p:nvPicPr>
+        <p:blipFill>
+          <a:blip r:embed="rId6">
+            <a:extLst>
+              <a:ext uri="{28A0092B-C50C-407E-A947-70E740481C1C}">
+                <a14:useLocalDpi xmlns:a14="http://schemas.microsoft.com/office/drawing/2010/main" val="0"/>
+              </a:ext>
+              <a:ext uri="{96DAC541-7B7A-43D3-8B79-37D633B846F1}">
+                <asvg:svgBlip xmlns:asvg="http://schemas.microsoft.com/office/drawing/2016/SVG/main" r:embed="rId7"/>
+              </a:ext>
+            </a:extLst>
+          </a:blip>
+          <a:stretch>
+            <a:fillRect/>
+          </a:stretch>
+        </p:blipFill>
+        <p:spPr>
+          <a:xfrm>
+            <a:off x="5070217" y="3364908"/>
+            <a:ext cx="964181" cy="964181"/>
+          </a:xfrm>
+          <a:prstGeom prst="rect">
+            <a:avLst/>
+          </a:prstGeom>
+        </p:spPr>
+      </p:pic>
+      <p:pic>
+        <p:nvPicPr>
+          <p:cNvPr id="24" name="그림 23" descr="개체이(가) 표시된 사진&#10;&#10;자동 생성된 설명">
+            <a:extLst>
+              <a:ext uri="{FF2B5EF4-FFF2-40B4-BE49-F238E27FC236}">
+                <a16:creationId xmlns:a16="http://schemas.microsoft.com/office/drawing/2014/main" id="{143EF9A3-C828-40D9-AC27-6BB93A0ADADA}"/>
+              </a:ext>
+            </a:extLst>
+          </p:cNvPr>
+          <p:cNvPicPr>
+            <a:picLocks noChangeAspect="1"/>
+          </p:cNvPicPr>
+          <p:nvPr/>
+        </p:nvPicPr>
+        <p:blipFill>
+          <a:blip r:embed="rId8">
+            <a:extLst>
+              <a:ext uri="{28A0092B-C50C-407E-A947-70E740481C1C}">
+                <a14:useLocalDpi xmlns:a14="http://schemas.microsoft.com/office/drawing/2010/main" val="0"/>
+              </a:ext>
+            </a:extLst>
+          </a:blip>
+          <a:stretch>
+            <a:fillRect/>
+          </a:stretch>
+        </p:blipFill>
+        <p:spPr>
+          <a:xfrm>
+            <a:off x="5048690" y="4470834"/>
+            <a:ext cx="793217" cy="1068640"/>
+          </a:xfrm>
+          <a:prstGeom prst="rect">
+            <a:avLst/>
+          </a:prstGeom>
+        </p:spPr>
+      </p:pic>
+      <p:sp>
+        <p:nvSpPr>
+          <p:cNvPr id="63" name="사각형: 둥근 모서리 62">
+            <a:extLst>
+              <a:ext uri="{FF2B5EF4-FFF2-40B4-BE49-F238E27FC236}">
+                <a16:creationId xmlns:a16="http://schemas.microsoft.com/office/drawing/2014/main" id="{E37EDBF2-9662-4868-927D-C28D18344401}"/>
+              </a:ext>
+            </a:extLst>
+          </p:cNvPr>
+          <p:cNvSpPr/>
+          <p:nvPr/>
+        </p:nvSpPr>
+        <p:spPr>
+          <a:xfrm>
+            <a:off x="2125372" y="1509780"/>
+            <a:ext cx="2737645" cy="5199169"/>
+          </a:xfrm>
+          <a:prstGeom prst="roundRect">
+            <a:avLst>
+              <a:gd name="adj" fmla="val 5235"/>
+            </a:avLst>
+          </a:prstGeom>
+          <a:noFill/>
+          <a:ln w="19050">
+            <a:solidFill>
+              <a:schemeClr val="bg2">
+                <a:lumMod val="75000"/>
+              </a:schemeClr>
+            </a:solidFill>
+          </a:ln>
+        </p:spPr>
+        <p:style>
+          <a:lnRef idx="2">
+            <a:schemeClr val="accent1">
+              <a:shade val="50000"/>
+            </a:schemeClr>
+          </a:lnRef>
+          <a:fillRef idx="1">
+            <a:schemeClr val="accent1"/>
+          </a:fillRef>
+          <a:effectRef idx="0">
+            <a:schemeClr val="accent1"/>
+          </a:effectRef>
+          <a:fontRef idx="minor">
+            <a:schemeClr val="lt1"/>
+          </a:fontRef>
+        </p:style>
+        <p:txBody>
+          <a:bodyPr rtlCol="0" anchor="ctr"/>
+          <a:lstStyle/>
+          <a:p>
+            <a:pPr algn="ctr"/>
+            <a:endParaRPr lang="ko-KR" altLang="en-US"/>
+          </a:p>
+        </p:txBody>
+      </p:sp>
+      <p:sp>
+        <p:nvSpPr>
+          <p:cNvPr id="66" name="사각형: 둥근 모서리 65">
+            <a:extLst>
+              <a:ext uri="{FF2B5EF4-FFF2-40B4-BE49-F238E27FC236}">
+                <a16:creationId xmlns:a16="http://schemas.microsoft.com/office/drawing/2014/main" id="{F6EDE250-03CD-43E5-ACF8-55888C999BEA}"/>
+              </a:ext>
+            </a:extLst>
+          </p:cNvPr>
+          <p:cNvSpPr/>
+          <p:nvPr/>
+        </p:nvSpPr>
+        <p:spPr>
+          <a:xfrm>
+            <a:off x="5110961" y="1506237"/>
+            <a:ext cx="2737645" cy="5199169"/>
+          </a:xfrm>
+          <a:prstGeom prst="roundRect">
+            <a:avLst>
+              <a:gd name="adj" fmla="val 5235"/>
+            </a:avLst>
+          </a:prstGeom>
+          <a:noFill/>
+          <a:ln w="19050">
+            <a:solidFill>
+              <a:schemeClr val="bg2">
+                <a:lumMod val="75000"/>
+              </a:schemeClr>
+            </a:solidFill>
+          </a:ln>
+        </p:spPr>
+        <p:style>
+          <a:lnRef idx="2">
+            <a:schemeClr val="accent1">
+              <a:shade val="50000"/>
+            </a:schemeClr>
+          </a:lnRef>
+          <a:fillRef idx="1">
+            <a:schemeClr val="accent1"/>
+          </a:fillRef>
+          <a:effectRef idx="0">
+            <a:schemeClr val="accent1"/>
+          </a:effectRef>
+          <a:fontRef idx="minor">
+            <a:schemeClr val="lt1"/>
+          </a:fontRef>
+        </p:style>
+        <p:txBody>
+          <a:bodyPr rtlCol="0" anchor="ctr"/>
+          <a:lstStyle/>
+          <a:p>
+            <a:pPr algn="ctr"/>
+            <a:endParaRPr lang="ko-KR" altLang="en-US"/>
+          </a:p>
+        </p:txBody>
+      </p:sp>
+      <p:sp>
+        <p:nvSpPr>
+          <p:cNvPr id="67" name="사각형: 둥근 모서리 66">
+            <a:extLst>
+              <a:ext uri="{FF2B5EF4-FFF2-40B4-BE49-F238E27FC236}">
+                <a16:creationId xmlns:a16="http://schemas.microsoft.com/office/drawing/2014/main" id="{FA90AA98-A3B5-4B7A-8C57-144F96BD1146}"/>
+              </a:ext>
+            </a:extLst>
+          </p:cNvPr>
+          <p:cNvSpPr/>
+          <p:nvPr/>
+        </p:nvSpPr>
+        <p:spPr>
+          <a:xfrm>
+            <a:off x="8087885" y="1506237"/>
+            <a:ext cx="2737645" cy="5199169"/>
+          </a:xfrm>
+          <a:prstGeom prst="roundRect">
+            <a:avLst>
+              <a:gd name="adj" fmla="val 5235"/>
+            </a:avLst>
+          </a:prstGeom>
+          <a:noFill/>
+          <a:ln w="19050">
+            <a:solidFill>
+              <a:schemeClr val="bg2">
+                <a:lumMod val="75000"/>
+              </a:schemeClr>
+            </a:solidFill>
+          </a:ln>
+        </p:spPr>
+        <p:style>
+          <a:lnRef idx="2">
+            <a:schemeClr val="accent1">
+              <a:shade val="50000"/>
+            </a:schemeClr>
+          </a:lnRef>
+          <a:fillRef idx="1">
+            <a:schemeClr val="accent1"/>
+          </a:fillRef>
+          <a:effectRef idx="0">
+            <a:schemeClr val="accent1"/>
+          </a:effectRef>
+          <a:fontRef idx="minor">
+            <a:schemeClr val="lt1"/>
+          </a:fontRef>
+        </p:style>
+        <p:txBody>
+          <a:bodyPr rtlCol="0" anchor="ctr"/>
+          <a:lstStyle/>
+          <a:p>
+            <a:pPr algn="ctr"/>
+            <a:endParaRPr lang="ko-KR" altLang="en-US"/>
+          </a:p>
+        </p:txBody>
+      </p:sp>
+    </p:spTree>
+    <p:extLst>
+      <p:ext uri="{BB962C8B-B14F-4D97-AF65-F5344CB8AC3E}">
+        <p14:creationId xmlns:p14="http://schemas.microsoft.com/office/powerpoint/2010/main" val="3066499310"/>
+      </p:ext>
+    </p:extLst>
+  </p:cSld>
+  <p:clrMapOvr>
+    <a:masterClrMapping/>
+  </p:clrMapOvr>
+</p:sld>
+</file>
+
 <file path=ppt/slides/slide2.xml><?xml version="1.0" encoding="utf-8"?>
+<p:sld xmlns:a="http://schemas.openxmlformats.org/drawingml/2006/main" xmlns:r="http://schemas.openxmlformats.org/officeDocument/2006/relationships" xmlns:p="http://schemas.openxmlformats.org/presentationml/2006/main">
+  <p:cSld>
+    <p:spTree>
+      <p:nvGrpSpPr>
+        <p:cNvPr id="1" name=""/>
+        <p:cNvGrpSpPr/>
+        <p:nvPr/>
+      </p:nvGrpSpPr>
+      <p:grpSpPr>
+        <a:xfrm>
+          <a:off x="0" y="0"/>
+          <a:ext cx="0" cy="0"/>
+          <a:chOff x="0" y="0"/>
+          <a:chExt cx="0" cy="0"/>
+        </a:xfrm>
+      </p:grpSpPr>
+      <p:pic>
+        <p:nvPicPr>
+          <p:cNvPr id="6" name="그림 5" descr="스크린샷이(가) 표시된 사진&#10;&#10;자동 생성된 설명">
+            <a:extLst>
+              <a:ext uri="{FF2B5EF4-FFF2-40B4-BE49-F238E27FC236}">
+                <a16:creationId xmlns:a16="http://schemas.microsoft.com/office/drawing/2014/main" id="{9264058B-88FE-4509-8348-5BD747100B57}"/>
+              </a:ext>
+            </a:extLst>
+          </p:cNvPr>
+          <p:cNvPicPr>
+            <a:picLocks noChangeAspect="1"/>
+          </p:cNvPicPr>
+          <p:nvPr/>
+        </p:nvPicPr>
+        <p:blipFill>
+          <a:blip r:embed="rId2">
+            <a:extLst>
+              <a:ext uri="{28A0092B-C50C-407E-A947-70E740481C1C}">
+                <a14:useLocalDpi xmlns:a14="http://schemas.microsoft.com/office/drawing/2010/main" val="0"/>
+              </a:ext>
+            </a:extLst>
+          </a:blip>
+          <a:stretch>
+            <a:fillRect/>
+          </a:stretch>
+        </p:blipFill>
+        <p:spPr>
+          <a:xfrm>
+            <a:off x="412706" y="0"/>
+            <a:ext cx="11366588" cy="6858000"/>
+          </a:xfrm>
+          <a:prstGeom prst="rect">
+            <a:avLst/>
+          </a:prstGeom>
+        </p:spPr>
+      </p:pic>
+    </p:spTree>
+    <p:extLst>
+      <p:ext uri="{BB962C8B-B14F-4D97-AF65-F5344CB8AC3E}">
+        <p14:creationId xmlns:p14="http://schemas.microsoft.com/office/powerpoint/2010/main" val="411816148"/>
+      </p:ext>
+    </p:extLst>
+  </p:cSld>
+  <p:clrMapOvr>
+    <a:masterClrMapping/>
+  </p:clrMapOvr>
+</p:sld>
+</file>
+
+<file path=ppt/slides/slide3.xml><?xml version="1.0" encoding="utf-8"?>
+<p:sld xmlns:a="http://schemas.openxmlformats.org/drawingml/2006/main" xmlns:r="http://schemas.openxmlformats.org/officeDocument/2006/relationships" xmlns:p="http://schemas.openxmlformats.org/presentationml/2006/main">
+  <p:cSld>
+    <p:spTree>
+      <p:nvGrpSpPr>
+        <p:cNvPr id="1" name=""/>
+        <p:cNvGrpSpPr/>
+        <p:nvPr/>
+      </p:nvGrpSpPr>
+      <p:grpSpPr>
+        <a:xfrm>
+          <a:off x="0" y="0"/>
+          <a:ext cx="0" cy="0"/>
+          <a:chOff x="0" y="0"/>
+          <a:chExt cx="0" cy="0"/>
+        </a:xfrm>
+      </p:grpSpPr>
+      <p:grpSp>
+        <p:nvGrpSpPr>
+          <p:cNvPr id="11" name="그룹 10">
+            <a:extLst>
+              <a:ext uri="{FF2B5EF4-FFF2-40B4-BE49-F238E27FC236}">
+                <a16:creationId xmlns:a16="http://schemas.microsoft.com/office/drawing/2014/main" id="{6986020F-B687-4F0A-8E08-42C5B9CDC833}"/>
+              </a:ext>
+            </a:extLst>
+          </p:cNvPr>
+          <p:cNvGrpSpPr/>
+          <p:nvPr/>
+        </p:nvGrpSpPr>
+        <p:grpSpPr>
+          <a:xfrm>
+            <a:off x="3221040" y="554040"/>
+            <a:ext cx="5749920" cy="5749920"/>
+            <a:chOff x="3221040" y="554040"/>
+            <a:chExt cx="5749920" cy="5749920"/>
+          </a:xfrm>
+        </p:grpSpPr>
+        <p:cxnSp>
+          <p:nvCxnSpPr>
+            <p:cNvPr id="6" name="직선 연결선 5">
+              <a:extLst>
+                <a:ext uri="{FF2B5EF4-FFF2-40B4-BE49-F238E27FC236}">
+                  <a16:creationId xmlns:a16="http://schemas.microsoft.com/office/drawing/2014/main" id="{2C2A94BE-287B-45F8-AEEC-6E34EAC2D547}"/>
+                </a:ext>
+              </a:extLst>
+            </p:cNvPr>
+            <p:cNvCxnSpPr/>
+            <p:nvPr/>
+          </p:nvCxnSpPr>
+          <p:spPr>
+            <a:xfrm>
+              <a:off x="4459637" y="3429000"/>
+              <a:ext cx="3272727" cy="0"/>
+            </a:xfrm>
+            <a:prstGeom prst="line">
+              <a:avLst/>
+            </a:prstGeom>
+            <a:ln w="190500" cap="rnd">
+              <a:solidFill>
+                <a:schemeClr val="tx1">
+                  <a:lumMod val="95000"/>
+                  <a:lumOff val="5000"/>
+                  <a:alpha val="70000"/>
+                </a:schemeClr>
+              </a:solidFill>
+            </a:ln>
+          </p:spPr>
+          <p:style>
+            <a:lnRef idx="1">
+              <a:schemeClr val="accent1"/>
+            </a:lnRef>
+            <a:fillRef idx="0">
+              <a:schemeClr val="accent1"/>
+            </a:fillRef>
+            <a:effectRef idx="0">
+              <a:schemeClr val="accent1"/>
+            </a:effectRef>
+            <a:fontRef idx="minor">
+              <a:schemeClr val="tx1"/>
+            </a:fontRef>
+          </p:style>
+        </p:cxnSp>
+        <p:cxnSp>
+          <p:nvCxnSpPr>
+            <p:cNvPr id="7" name="직선 연결선 6">
+              <a:extLst>
+                <a:ext uri="{FF2B5EF4-FFF2-40B4-BE49-F238E27FC236}">
+                  <a16:creationId xmlns:a16="http://schemas.microsoft.com/office/drawing/2014/main" id="{AE5D7D1B-914F-478E-BC19-80EB82793C83}"/>
+                </a:ext>
+              </a:extLst>
+            </p:cNvPr>
+            <p:cNvCxnSpPr>
+              <a:cxnSpLocks/>
+            </p:cNvCxnSpPr>
+            <p:nvPr/>
+          </p:nvCxnSpPr>
+          <p:spPr>
+            <a:xfrm>
+              <a:off x="6096000" y="1792636"/>
+              <a:ext cx="55418" cy="3272727"/>
+            </a:xfrm>
+            <a:prstGeom prst="line">
+              <a:avLst/>
+            </a:prstGeom>
+            <a:ln w="190500" cap="rnd">
+              <a:solidFill>
+                <a:schemeClr val="tx1">
+                  <a:lumMod val="95000"/>
+                  <a:lumOff val="5000"/>
+                  <a:alpha val="70000"/>
+                </a:schemeClr>
+              </a:solidFill>
+            </a:ln>
+          </p:spPr>
+          <p:style>
+            <a:lnRef idx="1">
+              <a:schemeClr val="accent1"/>
+            </a:lnRef>
+            <a:fillRef idx="0">
+              <a:schemeClr val="accent1"/>
+            </a:fillRef>
+            <a:effectRef idx="0">
+              <a:schemeClr val="accent1"/>
+            </a:effectRef>
+            <a:fontRef idx="minor">
+              <a:schemeClr val="tx1"/>
+            </a:fontRef>
+          </p:style>
+        </p:cxnSp>
+        <p:sp>
+          <p:nvSpPr>
+            <p:cNvPr id="10" name="다이아몬드 9">
+              <a:extLst>
+                <a:ext uri="{FF2B5EF4-FFF2-40B4-BE49-F238E27FC236}">
+                  <a16:creationId xmlns:a16="http://schemas.microsoft.com/office/drawing/2014/main" id="{CADFCB89-CB8A-4A6D-94C7-15FA0D223CC5}"/>
+                </a:ext>
+              </a:extLst>
+            </p:cNvPr>
+            <p:cNvSpPr/>
+            <p:nvPr/>
+          </p:nvSpPr>
+          <p:spPr>
+            <a:xfrm>
+              <a:off x="3221040" y="554040"/>
+              <a:ext cx="5749920" cy="5749920"/>
+            </a:xfrm>
+            <a:prstGeom prst="diamond">
+              <a:avLst/>
+            </a:prstGeom>
+            <a:noFill/>
+            <a:ln w="158750" cap="rnd">
+              <a:solidFill>
+                <a:schemeClr val="tx1">
+                  <a:lumMod val="95000"/>
+                  <a:lumOff val="5000"/>
+                  <a:alpha val="70000"/>
+                </a:schemeClr>
+              </a:solidFill>
+              <a:round/>
+            </a:ln>
+          </p:spPr>
+          <p:style>
+            <a:lnRef idx="2">
+              <a:schemeClr val="accent1">
+                <a:shade val="50000"/>
+              </a:schemeClr>
+            </a:lnRef>
+            <a:fillRef idx="1">
+              <a:schemeClr val="accent1"/>
+            </a:fillRef>
+            <a:effectRef idx="0">
+              <a:schemeClr val="accent1"/>
+            </a:effectRef>
+            <a:fontRef idx="minor">
+              <a:schemeClr val="lt1"/>
+            </a:fontRef>
+          </p:style>
+          <p:txBody>
+            <a:bodyPr rtlCol="0" anchor="ctr"/>
+            <a:lstStyle/>
+            <a:p>
+              <a:pPr algn="ctr"/>
+              <a:endParaRPr lang="ko-KR" altLang="en-US"/>
+            </a:p>
+          </p:txBody>
+        </p:sp>
+      </p:grpSp>
+    </p:spTree>
+    <p:extLst>
+      <p:ext uri="{BB962C8B-B14F-4D97-AF65-F5344CB8AC3E}">
+        <p14:creationId xmlns:p14="http://schemas.microsoft.com/office/powerpoint/2010/main" val="1156684537"/>
+      </p:ext>
+    </p:extLst>
+  </p:cSld>
+  <p:clrMapOvr>
+    <a:masterClrMapping/>
+  </p:clrMapOvr>
+</p:sld>
+</file>
+
+<file path=ppt/slides/slide4.xml><?xml version="1.0" encoding="utf-8"?>
 <p:sld xmlns:a="http://schemas.openxmlformats.org/drawingml/2006/main" xmlns:r="http://schemas.openxmlformats.org/officeDocument/2006/relationships" xmlns:p="http://schemas.openxmlformats.org/presentationml/2006/main">
   <p:cSld>
     <p:spTree>
@@ -7658,7 +12634,7 @@
 </p:sld>
 </file>
 
-<file path=ppt/slides/slide3.xml><?xml version="1.0" encoding="utf-8"?>
+<file path=ppt/slides/slide5.xml><?xml version="1.0" encoding="utf-8"?>
 <p:sld xmlns:a="http://schemas.openxmlformats.org/drawingml/2006/main" xmlns:r="http://schemas.openxmlformats.org/officeDocument/2006/relationships" xmlns:p="http://schemas.openxmlformats.org/presentationml/2006/main">
   <p:cSld>
     <p:spTree>
@@ -7762,7 +12738,7 @@
 </p:sld>
 </file>
 
-<file path=ppt/slides/slide4.xml><?xml version="1.0" encoding="utf-8"?>
+<file path=ppt/slides/slide6.xml><?xml version="1.0" encoding="utf-8"?>
 <p:sld xmlns:a="http://schemas.openxmlformats.org/drawingml/2006/main" xmlns:r="http://schemas.openxmlformats.org/officeDocument/2006/relationships" xmlns:p="http://schemas.openxmlformats.org/presentationml/2006/main">
   <p:cSld>
     <p:spTree>
@@ -8432,7 +13408,7 @@
 </p:sld>
 </file>
 
-<file path=ppt/slides/slide5.xml><?xml version="1.0" encoding="utf-8"?>
+<file path=ppt/slides/slide7.xml><?xml version="1.0" encoding="utf-8"?>
 <p:sld xmlns:a="http://schemas.openxmlformats.org/drawingml/2006/main" xmlns:r="http://schemas.openxmlformats.org/officeDocument/2006/relationships" xmlns:p="http://schemas.openxmlformats.org/presentationml/2006/main">
   <p:cSld>
     <p:bg>
@@ -8707,7 +13683,7 @@
 </p:sld>
 </file>
 
-<file path=ppt/slides/slide6.xml><?xml version="1.0" encoding="utf-8"?>
+<file path=ppt/slides/slide8.xml><?xml version="1.0" encoding="utf-8"?>
 <p:sld xmlns:a="http://schemas.openxmlformats.org/drawingml/2006/main" xmlns:r="http://schemas.openxmlformats.org/officeDocument/2006/relationships" xmlns:p="http://schemas.openxmlformats.org/presentationml/2006/main">
   <p:cSld>
     <p:bg>
@@ -9027,7 +14003,7 @@
 </p:sld>
 </file>
 
-<file path=ppt/slides/slide7.xml><?xml version="1.0" encoding="utf-8"?>
+<file path=ppt/slides/slide9.xml><?xml version="1.0" encoding="utf-8"?>
 <p:sld xmlns:a="http://schemas.openxmlformats.org/drawingml/2006/main" xmlns:r="http://schemas.openxmlformats.org/officeDocument/2006/relationships" xmlns:p="http://schemas.openxmlformats.org/presentationml/2006/main">
   <p:cSld>
     <p:spTree>
@@ -9168,671 +14144,6 @@
     <p:extLst>
       <p:ext uri="{BB962C8B-B14F-4D97-AF65-F5344CB8AC3E}">
         <p14:creationId xmlns:p14="http://schemas.microsoft.com/office/powerpoint/2010/main" val="2276483079"/>
-      </p:ext>
-    </p:extLst>
-  </p:cSld>
-  <p:clrMapOvr>
-    <a:masterClrMapping/>
-  </p:clrMapOvr>
-</p:sld>
-</file>
-
-<file path=ppt/slides/slide8.xml><?xml version="1.0" encoding="utf-8"?>
-<p:sld xmlns:a="http://schemas.openxmlformats.org/drawingml/2006/main" xmlns:r="http://schemas.openxmlformats.org/officeDocument/2006/relationships" xmlns:p="http://schemas.openxmlformats.org/presentationml/2006/main">
-  <p:cSld>
-    <p:spTree>
-      <p:nvGrpSpPr>
-        <p:cNvPr id="1" name=""/>
-        <p:cNvGrpSpPr/>
-        <p:nvPr/>
-      </p:nvGrpSpPr>
-      <p:grpSpPr>
-        <a:xfrm>
-          <a:off x="0" y="0"/>
-          <a:ext cx="0" cy="0"/>
-          <a:chOff x="0" y="0"/>
-          <a:chExt cx="0" cy="0"/>
-        </a:xfrm>
-      </p:grpSpPr>
-      <p:pic>
-        <p:nvPicPr>
-          <p:cNvPr id="3" name="그림 2">
-            <a:extLst>
-              <a:ext uri="{FF2B5EF4-FFF2-40B4-BE49-F238E27FC236}">
-                <a16:creationId xmlns:a16="http://schemas.microsoft.com/office/drawing/2014/main" id="{9057CB34-B327-46A5-A70B-FEF87F747704}"/>
-              </a:ext>
-            </a:extLst>
-          </p:cNvPr>
-          <p:cNvPicPr>
-            <a:picLocks noChangeAspect="1"/>
-          </p:cNvPicPr>
-          <p:nvPr/>
-        </p:nvPicPr>
-        <p:blipFill>
-          <a:blip r:embed="rId2"/>
-          <a:stretch>
-            <a:fillRect/>
-          </a:stretch>
-        </p:blipFill>
-        <p:spPr>
-          <a:xfrm>
-            <a:off x="475929" y="0"/>
-            <a:ext cx="5891564" cy="6797959"/>
-          </a:xfrm>
-          <a:prstGeom prst="rect">
-            <a:avLst/>
-          </a:prstGeom>
-        </p:spPr>
-      </p:pic>
-    </p:spTree>
-    <p:extLst>
-      <p:ext uri="{BB962C8B-B14F-4D97-AF65-F5344CB8AC3E}">
-        <p14:creationId xmlns:p14="http://schemas.microsoft.com/office/powerpoint/2010/main" val="1383227293"/>
-      </p:ext>
-    </p:extLst>
-  </p:cSld>
-  <p:clrMapOvr>
-    <a:masterClrMapping/>
-  </p:clrMapOvr>
-</p:sld>
-</file>
-
-<file path=ppt/slides/slide9.xml><?xml version="1.0" encoding="utf-8"?>
-<p:sld xmlns:a="http://schemas.openxmlformats.org/drawingml/2006/main" xmlns:r="http://schemas.openxmlformats.org/officeDocument/2006/relationships" xmlns:p="http://schemas.openxmlformats.org/presentationml/2006/main">
-  <p:cSld>
-    <p:bg>
-      <p:bgPr>
-        <a:solidFill>
-          <a:schemeClr val="accent1">
-            <a:lumMod val="40000"/>
-            <a:lumOff val="60000"/>
-          </a:schemeClr>
-        </a:solidFill>
-        <a:effectLst/>
-      </p:bgPr>
-    </p:bg>
-    <p:spTree>
-      <p:nvGrpSpPr>
-        <p:cNvPr id="1" name=""/>
-        <p:cNvGrpSpPr/>
-        <p:nvPr/>
-      </p:nvGrpSpPr>
-      <p:grpSpPr>
-        <a:xfrm>
-          <a:off x="0" y="0"/>
-          <a:ext cx="0" cy="0"/>
-          <a:chOff x="0" y="0"/>
-          <a:chExt cx="0" cy="0"/>
-        </a:xfrm>
-      </p:grpSpPr>
-      <p:grpSp>
-        <p:nvGrpSpPr>
-          <p:cNvPr id="2" name="그룹 1">
-            <a:extLst>
-              <a:ext uri="{FF2B5EF4-FFF2-40B4-BE49-F238E27FC236}">
-                <a16:creationId xmlns:a16="http://schemas.microsoft.com/office/drawing/2014/main" id="{376DCA46-73A9-4DF0-83B6-A596281A8427}"/>
-              </a:ext>
-            </a:extLst>
-          </p:cNvPr>
-          <p:cNvGrpSpPr/>
-          <p:nvPr/>
-        </p:nvGrpSpPr>
-        <p:grpSpPr>
-          <a:xfrm>
-            <a:off x="231921" y="53975"/>
-            <a:ext cx="10550392" cy="4833827"/>
-            <a:chOff x="820804" y="1012086"/>
-            <a:chExt cx="10550392" cy="4833827"/>
-          </a:xfrm>
-        </p:grpSpPr>
-        <p:sp>
-          <p:nvSpPr>
-            <p:cNvPr id="3" name="사각형: 둥근 모서리 2">
-              <a:extLst>
-                <a:ext uri="{FF2B5EF4-FFF2-40B4-BE49-F238E27FC236}">
-                  <a16:creationId xmlns:a16="http://schemas.microsoft.com/office/drawing/2014/main" id="{95519B29-A9C4-4E5A-AA0E-B5D144892A56}"/>
-                </a:ext>
-              </a:extLst>
-            </p:cNvPr>
-            <p:cNvSpPr/>
-            <p:nvPr/>
-          </p:nvSpPr>
-          <p:spPr>
-            <a:xfrm>
-              <a:off x="820804" y="1012086"/>
-              <a:ext cx="10550392" cy="4833827"/>
-            </a:xfrm>
-            <a:prstGeom prst="roundRect">
-              <a:avLst/>
-            </a:prstGeom>
-            <a:solidFill>
-              <a:schemeClr val="bg1">
-                <a:alpha val="90000"/>
-              </a:schemeClr>
-            </a:solidFill>
-            <a:ln w="38100" cap="flat">
-              <a:solidFill>
-                <a:schemeClr val="accent1">
-                  <a:lumMod val="75000"/>
-                  <a:alpha val="60000"/>
-                </a:schemeClr>
-              </a:solidFill>
-            </a:ln>
-            <a:effectLst>
-              <a:outerShdw blurRad="50800" dist="38100" dir="2700000" algn="tl" rotWithShape="0">
-                <a:prstClr val="black">
-                  <a:alpha val="40000"/>
-                </a:prstClr>
-              </a:outerShdw>
-            </a:effectLst>
-          </p:spPr>
-          <p:style>
-            <a:lnRef idx="2">
-              <a:schemeClr val="accent1">
-                <a:shade val="50000"/>
-              </a:schemeClr>
-            </a:lnRef>
-            <a:fillRef idx="1">
-              <a:schemeClr val="accent1"/>
-            </a:fillRef>
-            <a:effectRef idx="0">
-              <a:schemeClr val="accent1"/>
-            </a:effectRef>
-            <a:fontRef idx="minor">
-              <a:schemeClr val="lt1"/>
-            </a:fontRef>
-          </p:style>
-          <p:txBody>
-            <a:bodyPr rtlCol="0" anchor="ctr"/>
-            <a:lstStyle/>
-            <a:p>
-              <a:pPr algn="ctr"/>
-              <a:endParaRPr lang="ko-KR" altLang="en-US"/>
-            </a:p>
-          </p:txBody>
-        </p:sp>
-        <p:cxnSp>
-          <p:nvCxnSpPr>
-            <p:cNvPr id="4" name="직선 연결선 3">
-              <a:extLst>
-                <a:ext uri="{FF2B5EF4-FFF2-40B4-BE49-F238E27FC236}">
-                  <a16:creationId xmlns:a16="http://schemas.microsoft.com/office/drawing/2014/main" id="{1EE6B608-506E-4F77-A8A8-DAE45E429E4F}"/>
-                </a:ext>
-              </a:extLst>
-            </p:cNvPr>
-            <p:cNvCxnSpPr>
-              <a:cxnSpLocks/>
-            </p:cNvCxnSpPr>
-            <p:nvPr/>
-          </p:nvCxnSpPr>
-          <p:spPr>
-            <a:xfrm>
-              <a:off x="866274" y="1588168"/>
-              <a:ext cx="10462661" cy="0"/>
-            </a:xfrm>
-            <a:prstGeom prst="line">
-              <a:avLst/>
-            </a:prstGeom>
-            <a:ln w="25400">
-              <a:solidFill>
-                <a:schemeClr val="tx1">
-                  <a:alpha val="3000"/>
-                </a:schemeClr>
-              </a:solidFill>
-            </a:ln>
-            <a:effectLst>
-              <a:outerShdw blurRad="50800" sx="101000" sy="101000" algn="ctr" rotWithShape="0">
-                <a:prstClr val="black"/>
-              </a:outerShdw>
-            </a:effectLst>
-          </p:spPr>
-          <p:style>
-            <a:lnRef idx="1">
-              <a:schemeClr val="accent1"/>
-            </a:lnRef>
-            <a:fillRef idx="0">
-              <a:schemeClr val="accent1"/>
-            </a:fillRef>
-            <a:effectRef idx="0">
-              <a:schemeClr val="accent1"/>
-            </a:effectRef>
-            <a:fontRef idx="minor">
-              <a:schemeClr val="tx1"/>
-            </a:fontRef>
-          </p:style>
-        </p:cxnSp>
-        <p:cxnSp>
-          <p:nvCxnSpPr>
-            <p:cNvPr id="13" name="직선 연결선 12">
-              <a:extLst>
-                <a:ext uri="{FF2B5EF4-FFF2-40B4-BE49-F238E27FC236}">
-                  <a16:creationId xmlns:a16="http://schemas.microsoft.com/office/drawing/2014/main" id="{10014039-F232-4B54-A642-C988D0EC9E61}"/>
-                </a:ext>
-              </a:extLst>
-            </p:cNvPr>
-            <p:cNvCxnSpPr>
-              <a:cxnSpLocks/>
-              <a:endCxn id="3" idx="2"/>
-            </p:cNvCxnSpPr>
-            <p:nvPr/>
-          </p:nvCxnSpPr>
-          <p:spPr>
-            <a:xfrm>
-              <a:off x="6096000" y="1588168"/>
-              <a:ext cx="0" cy="4257745"/>
-            </a:xfrm>
-            <a:prstGeom prst="line">
-              <a:avLst/>
-            </a:prstGeom>
-            <a:ln w="25400">
-              <a:solidFill>
-                <a:schemeClr val="tx1">
-                  <a:alpha val="3000"/>
-                </a:schemeClr>
-              </a:solidFill>
-            </a:ln>
-            <a:effectLst>
-              <a:outerShdw blurRad="50800" sx="101000" sy="101000" algn="ctr" rotWithShape="0">
-                <a:prstClr val="black"/>
-              </a:outerShdw>
-            </a:effectLst>
-          </p:spPr>
-          <p:style>
-            <a:lnRef idx="1">
-              <a:schemeClr val="accent1"/>
-            </a:lnRef>
-            <a:fillRef idx="0">
-              <a:schemeClr val="accent1"/>
-            </a:fillRef>
-            <a:effectRef idx="0">
-              <a:schemeClr val="accent1"/>
-            </a:effectRef>
-            <a:fontRef idx="minor">
-              <a:schemeClr val="tx1"/>
-            </a:fontRef>
-          </p:style>
-        </p:cxnSp>
-      </p:grpSp>
-      <p:pic>
-        <p:nvPicPr>
-          <p:cNvPr id="7" name="그림 6">
-            <a:extLst>
-              <a:ext uri="{FF2B5EF4-FFF2-40B4-BE49-F238E27FC236}">
-                <a16:creationId xmlns:a16="http://schemas.microsoft.com/office/drawing/2014/main" id="{230E7756-AF34-4029-982E-8AFCAEDEAEB6}"/>
-              </a:ext>
-            </a:extLst>
-          </p:cNvPr>
-          <p:cNvPicPr>
-            <a:picLocks noChangeAspect="1"/>
-          </p:cNvPicPr>
-          <p:nvPr/>
-        </p:nvPicPr>
-        <p:blipFill>
-          <a:blip r:embed="rId2" cstate="print">
-            <a:extLst>
-              <a:ext uri="{28A0092B-C50C-407E-A947-70E740481C1C}">
-                <a14:useLocalDpi xmlns:a14="http://schemas.microsoft.com/office/drawing/2010/main" val="0"/>
-              </a:ext>
-            </a:extLst>
-          </a:blip>
-          <a:stretch>
-            <a:fillRect/>
-          </a:stretch>
-        </p:blipFill>
-        <p:spPr>
-          <a:xfrm>
-            <a:off x="6194149" y="1209886"/>
-            <a:ext cx="1827950" cy="1032696"/>
-          </a:xfrm>
-          <a:prstGeom prst="rect">
-            <a:avLst/>
-          </a:prstGeom>
-        </p:spPr>
-      </p:pic>
-      <p:pic>
-        <p:nvPicPr>
-          <p:cNvPr id="9" name="그림 8" descr="음식이(가) 표시된 사진&#10;&#10;자동 생성된 설명">
-            <a:extLst>
-              <a:ext uri="{FF2B5EF4-FFF2-40B4-BE49-F238E27FC236}">
-                <a16:creationId xmlns:a16="http://schemas.microsoft.com/office/drawing/2014/main" id="{B4407E14-FFC8-49F5-96B4-E4B315AA0097}"/>
-              </a:ext>
-            </a:extLst>
-          </p:cNvPr>
-          <p:cNvPicPr>
-            <a:picLocks noChangeAspect="1"/>
-          </p:cNvPicPr>
-          <p:nvPr/>
-        </p:nvPicPr>
-        <p:blipFill>
-          <a:blip r:embed="rId3" cstate="print">
-            <a:extLst>
-              <a:ext uri="{28A0092B-C50C-407E-A947-70E740481C1C}">
-                <a14:useLocalDpi xmlns:a14="http://schemas.microsoft.com/office/drawing/2010/main" val="0"/>
-              </a:ext>
-            </a:extLst>
-          </a:blip>
-          <a:stretch>
-            <a:fillRect/>
-          </a:stretch>
-        </p:blipFill>
-        <p:spPr>
-          <a:xfrm>
-            <a:off x="466362" y="1062705"/>
-            <a:ext cx="4697240" cy="2644337"/>
-          </a:xfrm>
-          <a:prstGeom prst="rect">
-            <a:avLst/>
-          </a:prstGeom>
-        </p:spPr>
-      </p:pic>
-      <p:pic>
-        <p:nvPicPr>
-          <p:cNvPr id="8" name="그림 7" descr="나이프이(가) 표시된 사진&#10;&#10;자동 생성된 설명">
-            <a:extLst>
-              <a:ext uri="{FF2B5EF4-FFF2-40B4-BE49-F238E27FC236}">
-                <a16:creationId xmlns:a16="http://schemas.microsoft.com/office/drawing/2014/main" id="{2B78C26E-4DD8-495C-A7B7-2AA6587659B8}"/>
-              </a:ext>
-            </a:extLst>
-          </p:cNvPr>
-          <p:cNvPicPr>
-            <a:picLocks noChangeAspect="1"/>
-          </p:cNvPicPr>
-          <p:nvPr/>
-        </p:nvPicPr>
-        <p:blipFill>
-          <a:blip r:embed="rId4">
-            <a:duotone>
-              <a:schemeClr val="accent1">
-                <a:shade val="45000"/>
-                <a:satMod val="135000"/>
-              </a:schemeClr>
-              <a:prstClr val="white"/>
-            </a:duotone>
-            <a:extLst>
-              <a:ext uri="{BEBA8EAE-BF5A-486C-A8C5-ECC9F3942E4B}">
-                <a14:imgProps xmlns:a14="http://schemas.microsoft.com/office/drawing/2010/main">
-                  <a14:imgLayer r:embed="rId5">
-                    <a14:imgEffect>
-                      <a14:saturation sat="200000"/>
-                    </a14:imgEffect>
-                  </a14:imgLayer>
-                </a14:imgProps>
-              </a:ext>
-              <a:ext uri="{28A0092B-C50C-407E-A947-70E740481C1C}">
-                <a14:useLocalDpi xmlns:a14="http://schemas.microsoft.com/office/drawing/2010/main" val="0"/>
-              </a:ext>
-            </a:extLst>
-          </a:blip>
-          <a:stretch>
-            <a:fillRect/>
-          </a:stretch>
-        </p:blipFill>
-        <p:spPr>
-          <a:xfrm>
-            <a:off x="6185662" y="5057237"/>
-            <a:ext cx="1343025" cy="561975"/>
-          </a:xfrm>
-          <a:prstGeom prst="rect">
-            <a:avLst/>
-          </a:prstGeom>
-        </p:spPr>
-      </p:pic>
-      <p:pic>
-        <p:nvPicPr>
-          <p:cNvPr id="11" name="그림 10" descr="물이(가) 표시된 사진&#10;&#10;자동 생성된 설명">
-            <a:extLst>
-              <a:ext uri="{FF2B5EF4-FFF2-40B4-BE49-F238E27FC236}">
-                <a16:creationId xmlns:a16="http://schemas.microsoft.com/office/drawing/2014/main" id="{DB740A75-38A4-4475-A878-350C2BB1DFE4}"/>
-              </a:ext>
-            </a:extLst>
-          </p:cNvPr>
-          <p:cNvPicPr>
-            <a:picLocks noChangeAspect="1"/>
-          </p:cNvPicPr>
-          <p:nvPr/>
-        </p:nvPicPr>
-        <p:blipFill>
-          <a:blip r:embed="rId6">
-            <a:duotone>
-              <a:schemeClr val="accent1">
-                <a:shade val="45000"/>
-                <a:satMod val="135000"/>
-              </a:schemeClr>
-              <a:prstClr val="white"/>
-            </a:duotone>
-            <a:extLst>
-              <a:ext uri="{28A0092B-C50C-407E-A947-70E740481C1C}">
-                <a14:useLocalDpi xmlns:a14="http://schemas.microsoft.com/office/drawing/2010/main" val="0"/>
-              </a:ext>
-            </a:extLst>
-          </a:blip>
-          <a:stretch>
-            <a:fillRect/>
-          </a:stretch>
-        </p:blipFill>
-        <p:spPr>
-          <a:xfrm>
-            <a:off x="7838774" y="5083714"/>
-            <a:ext cx="1333500" cy="561975"/>
-          </a:xfrm>
-          <a:prstGeom prst="rect">
-            <a:avLst/>
-          </a:prstGeom>
-        </p:spPr>
-      </p:pic>
-      <p:pic>
-        <p:nvPicPr>
-          <p:cNvPr id="14" name="그림 13">
-            <a:extLst>
-              <a:ext uri="{FF2B5EF4-FFF2-40B4-BE49-F238E27FC236}">
-                <a16:creationId xmlns:a16="http://schemas.microsoft.com/office/drawing/2014/main" id="{9B552CB4-C661-4150-AA44-F0113BD58184}"/>
-              </a:ext>
-            </a:extLst>
-          </p:cNvPr>
-          <p:cNvPicPr>
-            <a:picLocks noChangeAspect="1"/>
-          </p:cNvPicPr>
-          <p:nvPr/>
-        </p:nvPicPr>
-        <p:blipFill>
-          <a:blip r:embed="rId7">
-            <a:duotone>
-              <a:schemeClr val="accent1">
-                <a:shade val="45000"/>
-                <a:satMod val="135000"/>
-              </a:schemeClr>
-              <a:prstClr val="white"/>
-            </a:duotone>
-            <a:extLst>
-              <a:ext uri="{BEBA8EAE-BF5A-486C-A8C5-ECC9F3942E4B}">
-                <a14:imgProps xmlns:a14="http://schemas.microsoft.com/office/drawing/2010/main">
-                  <a14:imgLayer r:embed="rId8">
-                    <a14:imgEffect>
-                      <a14:colorTemperature colorTemp="2000"/>
-                    </a14:imgEffect>
-                  </a14:imgLayer>
-                </a14:imgProps>
-              </a:ext>
-              <a:ext uri="{28A0092B-C50C-407E-A947-70E740481C1C}">
-                <a14:useLocalDpi xmlns:a14="http://schemas.microsoft.com/office/drawing/2010/main" val="0"/>
-              </a:ext>
-            </a:extLst>
-          </a:blip>
-          <a:stretch>
-            <a:fillRect/>
-          </a:stretch>
-        </p:blipFill>
-        <p:spPr>
-          <a:xfrm>
-            <a:off x="9444352" y="5083714"/>
-            <a:ext cx="1343025" cy="561975"/>
-          </a:xfrm>
-          <a:prstGeom prst="rect">
-            <a:avLst/>
-          </a:prstGeom>
-        </p:spPr>
-      </p:pic>
-      <p:pic>
-        <p:nvPicPr>
-          <p:cNvPr id="15" name="그림 14" descr="나이프이(가) 표시된 사진&#10;&#10;자동 생성된 설명">
-            <a:extLst>
-              <a:ext uri="{FF2B5EF4-FFF2-40B4-BE49-F238E27FC236}">
-                <a16:creationId xmlns:a16="http://schemas.microsoft.com/office/drawing/2014/main" id="{F67833C7-A305-4CD3-B798-008A35CBE953}"/>
-              </a:ext>
-            </a:extLst>
-          </p:cNvPr>
-          <p:cNvPicPr>
-            <a:picLocks noChangeAspect="1"/>
-          </p:cNvPicPr>
-          <p:nvPr/>
-        </p:nvPicPr>
-        <p:blipFill>
-          <a:blip r:embed="rId4">
-            <a:duotone>
-              <a:schemeClr val="accent6">
-                <a:shade val="45000"/>
-                <a:satMod val="135000"/>
-              </a:schemeClr>
-              <a:prstClr val="white"/>
-            </a:duotone>
-            <a:extLst>
-              <a:ext uri="{BEBA8EAE-BF5A-486C-A8C5-ECC9F3942E4B}">
-                <a14:imgProps xmlns:a14="http://schemas.microsoft.com/office/drawing/2010/main">
-                  <a14:imgLayer r:embed="rId5">
-                    <a14:imgEffect>
-                      <a14:saturation sat="200000"/>
-                    </a14:imgEffect>
-                  </a14:imgLayer>
-                </a14:imgProps>
-              </a:ext>
-              <a:ext uri="{28A0092B-C50C-407E-A947-70E740481C1C}">
-                <a14:useLocalDpi xmlns:a14="http://schemas.microsoft.com/office/drawing/2010/main" val="0"/>
-              </a:ext>
-            </a:extLst>
-          </a:blip>
-          <a:stretch>
-            <a:fillRect/>
-          </a:stretch>
-        </p:blipFill>
-        <p:spPr>
-          <a:xfrm>
-            <a:off x="6185662" y="6011036"/>
-            <a:ext cx="1343025" cy="561975"/>
-          </a:xfrm>
-          <a:prstGeom prst="rect">
-            <a:avLst/>
-          </a:prstGeom>
-          <a:ln w="19050">
-            <a:noFill/>
-          </a:ln>
-        </p:spPr>
-      </p:pic>
-      <p:pic>
-        <p:nvPicPr>
-          <p:cNvPr id="16" name="그림 15" descr="물이(가) 표시된 사진&#10;&#10;자동 생성된 설명">
-            <a:extLst>
-              <a:ext uri="{FF2B5EF4-FFF2-40B4-BE49-F238E27FC236}">
-                <a16:creationId xmlns:a16="http://schemas.microsoft.com/office/drawing/2014/main" id="{3CA68366-E154-48C1-95E5-E93CD55A6599}"/>
-              </a:ext>
-            </a:extLst>
-          </p:cNvPr>
-          <p:cNvPicPr>
-            <a:picLocks noChangeAspect="1"/>
-          </p:cNvPicPr>
-          <p:nvPr/>
-        </p:nvPicPr>
-        <p:blipFill>
-          <a:blip r:embed="rId6">
-            <a:duotone>
-              <a:schemeClr val="accent6">
-                <a:shade val="45000"/>
-                <a:satMod val="135000"/>
-              </a:schemeClr>
-              <a:prstClr val="white"/>
-            </a:duotone>
-            <a:extLst>
-              <a:ext uri="{28A0092B-C50C-407E-A947-70E740481C1C}">
-                <a14:useLocalDpi xmlns:a14="http://schemas.microsoft.com/office/drawing/2010/main" val="0"/>
-              </a:ext>
-            </a:extLst>
-          </a:blip>
-          <a:stretch>
-            <a:fillRect/>
-          </a:stretch>
-        </p:blipFill>
-        <p:spPr>
-          <a:xfrm>
-            <a:off x="7838774" y="6037513"/>
-            <a:ext cx="1333500" cy="561975"/>
-          </a:xfrm>
-          <a:prstGeom prst="rect">
-            <a:avLst/>
-          </a:prstGeom>
-          <a:ln w="19050">
-            <a:noFill/>
-          </a:ln>
-        </p:spPr>
-      </p:pic>
-      <p:pic>
-        <p:nvPicPr>
-          <p:cNvPr id="17" name="그림 16">
-            <a:extLst>
-              <a:ext uri="{FF2B5EF4-FFF2-40B4-BE49-F238E27FC236}">
-                <a16:creationId xmlns:a16="http://schemas.microsoft.com/office/drawing/2014/main" id="{285D046F-7026-480E-8616-C79CAD48ED63}"/>
-              </a:ext>
-            </a:extLst>
-          </p:cNvPr>
-          <p:cNvPicPr>
-            <a:picLocks noChangeAspect="1"/>
-          </p:cNvPicPr>
-          <p:nvPr/>
-        </p:nvPicPr>
-        <p:blipFill>
-          <a:blip r:embed="rId7">
-            <a:duotone>
-              <a:schemeClr val="accent6">
-                <a:shade val="45000"/>
-                <a:satMod val="135000"/>
-              </a:schemeClr>
-              <a:prstClr val="white"/>
-            </a:duotone>
-            <a:extLst>
-              <a:ext uri="{BEBA8EAE-BF5A-486C-A8C5-ECC9F3942E4B}">
-                <a14:imgProps xmlns:a14="http://schemas.microsoft.com/office/drawing/2010/main">
-                  <a14:imgLayer r:embed="rId8">
-                    <a14:imgEffect>
-                      <a14:colorTemperature colorTemp="2000"/>
-                    </a14:imgEffect>
-                  </a14:imgLayer>
-                </a14:imgProps>
-              </a:ext>
-              <a:ext uri="{28A0092B-C50C-407E-A947-70E740481C1C}">
-                <a14:useLocalDpi xmlns:a14="http://schemas.microsoft.com/office/drawing/2010/main" val="0"/>
-              </a:ext>
-            </a:extLst>
-          </a:blip>
-          <a:stretch>
-            <a:fillRect/>
-          </a:stretch>
-        </p:blipFill>
-        <p:spPr>
-          <a:xfrm>
-            <a:off x="9444352" y="6037513"/>
-            <a:ext cx="1343025" cy="561975"/>
-          </a:xfrm>
-          <a:prstGeom prst="rect">
-            <a:avLst/>
-          </a:prstGeom>
-          <a:ln w="19050">
-            <a:noFill/>
-          </a:ln>
-          <a:effectLst/>
-        </p:spPr>
-      </p:pic>
-    </p:spTree>
-    <p:extLst>
-      <p:ext uri="{BB962C8B-B14F-4D97-AF65-F5344CB8AC3E}">
-        <p14:creationId xmlns:p14="http://schemas.microsoft.com/office/powerpoint/2010/main" val="970203927"/>
       </p:ext>
     </p:extLst>
   </p:cSld>
@@ -10138,6 +14449,12 @@
 </file>
 
 <file path=customXml/item1.xml><?xml version="1.0" encoding="utf-8"?>
+<p:properties xmlns:p="http://schemas.microsoft.com/office/2006/metadata/properties" xmlns:xsi="http://www.w3.org/2001/XMLSchema-instance" xmlns:pc="http://schemas.microsoft.com/office/infopath/2007/PartnerControls">
+  <documentManagement/>
+</p:properties>
+</file>
+
+<file path=customXml/item2.xml><?xml version="1.0" encoding="utf-8"?>
 <?mso-contentType ?>
 <FormTemplates xmlns="http://schemas.microsoft.com/sharepoint/v3/contenttype/forms">
   <Display>DocumentLibraryForm</Display>
@@ -10146,7 +14463,7 @@
 </FormTemplates>
 </file>
 
-<file path=customXml/item2.xml><?xml version="1.0" encoding="utf-8"?>
+<file path=customXml/item3.xml><?xml version="1.0" encoding="utf-8"?>
 <ct:contentTypeSchema xmlns:ct="http://schemas.microsoft.com/office/2006/metadata/contentType" xmlns:ma="http://schemas.microsoft.com/office/2006/metadata/properties/metaAttributes" ct:_="" ma:_="" ma:contentTypeName="문서" ma:contentTypeID="0x010100F3310333FBC6964E8E1AF77CB170F51F" ma:contentTypeVersion="8" ma:contentTypeDescription="새 문서를 만듭니다." ma:contentTypeScope="" ma:versionID="c96a17dca871e919906cdecfc9bb6aa0">
   <xsd:schema xmlns:xsd="http://www.w3.org/2001/XMLSchema" xmlns:xs="http://www.w3.org/2001/XMLSchema" xmlns:p="http://schemas.microsoft.com/office/2006/metadata/properties" xmlns:ns3="0e5e5f40-8af6-49e3-86a7-eafcf2f63df0" targetNamespace="http://schemas.microsoft.com/office/2006/metadata/properties" ma:root="true" ma:fieldsID="8a6cb3d83e8d7cc5256b042238072bdb" ns3:_="">
     <xsd:import namespace="0e5e5f40-8af6-49e3-86a7-eafcf2f63df0"/>
@@ -10316,13 +14633,16 @@
 </ct:contentTypeSchema>
 </file>
 
-<file path=customXml/item3.xml><?xml version="1.0" encoding="utf-8"?>
-<p:properties xmlns:p="http://schemas.microsoft.com/office/2006/metadata/properties" xmlns:xsi="http://www.w3.org/2001/XMLSchema-instance" xmlns:pc="http://schemas.microsoft.com/office/infopath/2007/PartnerControls">
-  <documentManagement/>
-</p:properties>
+<file path=customXml/itemProps1.xml><?xml version="1.0" encoding="utf-8"?>
+<ds:datastoreItem xmlns:ds="http://schemas.openxmlformats.org/officeDocument/2006/customXml" ds:itemID="{63B6C464-4EF0-4474-9089-ACC74B8DD2A0}">
+  <ds:schemaRefs>
+    <ds:schemaRef ds:uri="http://schemas.microsoft.com/office/2006/metadata/properties"/>
+    <ds:schemaRef ds:uri="http://schemas.microsoft.com/office/infopath/2007/PartnerControls"/>
+  </ds:schemaRefs>
+</ds:datastoreItem>
 </file>
 
-<file path=customXml/itemProps1.xml><?xml version="1.0" encoding="utf-8"?>
+<file path=customXml/itemProps2.xml><?xml version="1.0" encoding="utf-8"?>
 <ds:datastoreItem xmlns:ds="http://schemas.openxmlformats.org/officeDocument/2006/customXml" ds:itemID="{690CD346-FEAC-4B85-A1E5-F59451BF06D4}">
   <ds:schemaRefs>
     <ds:schemaRef ds:uri="http://schemas.microsoft.com/sharepoint/v3/contenttype/forms"/>
@@ -10330,7 +14650,7 @@
 </ds:datastoreItem>
 </file>
 
-<file path=customXml/itemProps2.xml><?xml version="1.0" encoding="utf-8"?>
+<file path=customXml/itemProps3.xml><?xml version="1.0" encoding="utf-8"?>
 <ds:datastoreItem xmlns:ds="http://schemas.openxmlformats.org/officeDocument/2006/customXml" ds:itemID="{6582E336-86E7-4EDF-A46D-B74D93A560F2}">
   <ds:schemaRefs>
     <ds:schemaRef ds:uri="http://schemas.microsoft.com/office/2006/metadata/contentType"/>
@@ -10346,20 +14666,4 @@
     <ds:schemaRef ds:uri="http://schemas.microsoft.com/internal/obd"/>
   </ds:schemaRefs>
 </ds:datastoreItem>
-</file>
-
-<file path=customXml/itemProps3.xml><?xml version="1.0" encoding="utf-8"?>
-<ds:datastoreItem xmlns:ds="http://schemas.openxmlformats.org/officeDocument/2006/customXml" ds:itemID="{63B6C464-4EF0-4474-9089-ACC74B8DD2A0}">
-  <ds:schemaRefs>
-    <ds:schemaRef ds:uri="http://schemas.microsoft.com/office/2006/metadata/properties"/>
-    <ds:schemaRef ds:uri="0e5e5f40-8af6-49e3-86a7-eafcf2f63df0"/>
-    <ds:schemaRef ds:uri="http://www.w3.org/XML/1998/namespace"/>
-    <ds:schemaRef ds:uri="http://schemas.microsoft.com/office/2006/documentManagement/types"/>
-    <ds:schemaRef ds:uri="http://schemas.openxmlformats.org/package/2006/metadata/core-properties"/>
-    <ds:schemaRef ds:uri="http://schemas.microsoft.com/office/infopath/2007/PartnerControls"/>
-    <ds:schemaRef ds:uri="http://purl.org/dc/elements/1.1/"/>
-    <ds:schemaRef ds:uri="http://purl.org/dc/dcmitype/"/>
-    <ds:schemaRef ds:uri="http://purl.org/dc/terms/"/>
-  </ds:schemaRefs>
-</ds:datastoreItem>
 </file>
--- a/이미지들.pptx
+++ b/이미지들.pptx
@@ -21,6 +21,7 @@
     <p:sldId id="266" r:id="rId18"/>
     <p:sldId id="268" r:id="rId19"/>
     <p:sldId id="269" r:id="rId20"/>
+    <p:sldId id="272" r:id="rId21"/>
   </p:sldIdLst>
   <p:sldSz cx="12192000" cy="6858000"/>
   <p:notesSz cx="6858000" cy="9144000"/>
@@ -130,13 +131,156 @@
 <file path=ppt/revisionInfo.xml><?xml version="1.0" encoding="utf-8"?>
 <p1510:revInfo xmlns:a="http://schemas.openxmlformats.org/drawingml/2006/main" xmlns:r="http://schemas.openxmlformats.org/officeDocument/2006/relationships" xmlns:p1510="http://schemas.microsoft.com/office/powerpoint/2015/10/main">
   <p1510:revLst>
-    <p1510:client id="{87FFE49A-DFB6-45C5-AEF7-EC4BF73C1827}" v="894" dt="2020-04-19T08:38:19.140"/>
+    <p1510:client id="{71478A94-ED1F-4112-9BEE-948EB8719C60}" v="5" dt="2020-05-06T09:19:44.704"/>
   </p1510:revLst>
 </p1510:revInfo>
 </file>
 
 <file path=ppt/changesInfos/changesInfo1.xml><?xml version="1.0" encoding="utf-8"?>
 <pc:chgInfo xmlns:a="http://schemas.openxmlformats.org/drawingml/2006/main" xmlns:r="http://schemas.openxmlformats.org/officeDocument/2006/relationships" xmlns:ac="http://schemas.microsoft.com/office/drawing/2013/main/command" xmlns:pc="http://schemas.microsoft.com/office/powerpoint/2013/main/command">
+  <pc:docChgLst>
+    <pc:chgData name=" " userId="c953af65-a220-40f8-9b11-e29da02892c7" providerId="ADAL" clId="{71478A94-ED1F-4112-9BEE-948EB8719C60}"/>
+    <pc:docChg chg="undo custSel addSld modSld sldOrd">
+      <pc:chgData name=" " userId="c953af65-a220-40f8-9b11-e29da02892c7" providerId="ADAL" clId="{71478A94-ED1F-4112-9BEE-948EB8719C60}" dt="2020-05-06T09:19:44.703" v="21" actId="931"/>
+      <pc:docMkLst>
+        <pc:docMk/>
+      </pc:docMkLst>
+      <pc:sldChg chg="addSp delSp modSp">
+        <pc:chgData name=" " userId="c953af65-a220-40f8-9b11-e29da02892c7" providerId="ADAL" clId="{71478A94-ED1F-4112-9BEE-948EB8719C60}" dt="2020-05-06T08:53:25.056" v="1"/>
+        <pc:sldMkLst>
+          <pc:docMk/>
+          <pc:sldMk cId="3066499310" sldId="269"/>
+        </pc:sldMkLst>
+        <pc:spChg chg="add del mod">
+          <ac:chgData name=" " userId="c953af65-a220-40f8-9b11-e29da02892c7" providerId="ADAL" clId="{71478A94-ED1F-4112-9BEE-948EB8719C60}" dt="2020-05-06T08:53:25.056" v="1"/>
+          <ac:spMkLst>
+            <pc:docMk/>
+            <pc:sldMk cId="3066499310" sldId="269"/>
+            <ac:spMk id="42" creationId="{3217FD29-0B20-4BF2-9803-0B1DE25088F8}"/>
+          </ac:spMkLst>
+        </pc:spChg>
+      </pc:sldChg>
+      <pc:sldChg chg="addSp delSp modSp add mod ord">
+        <pc:chgData name=" " userId="c953af65-a220-40f8-9b11-e29da02892c7" providerId="ADAL" clId="{71478A94-ED1F-4112-9BEE-948EB8719C60}" dt="2020-05-06T09:19:44.703" v="21" actId="931"/>
+        <pc:sldMkLst>
+          <pc:docMk/>
+          <pc:sldMk cId="4025202055" sldId="272"/>
+        </pc:sldMkLst>
+        <pc:spChg chg="add del mod">
+          <ac:chgData name=" " userId="c953af65-a220-40f8-9b11-e29da02892c7" providerId="ADAL" clId="{71478A94-ED1F-4112-9BEE-948EB8719C60}" dt="2020-05-06T08:54:01.283" v="11" actId="11529"/>
+          <ac:spMkLst>
+            <pc:docMk/>
+            <pc:sldMk cId="4025202055" sldId="272"/>
+            <ac:spMk id="2" creationId="{E672CF5A-87F7-44E1-BEE2-6426089F9AB0}"/>
+          </ac:spMkLst>
+        </pc:spChg>
+        <pc:spChg chg="del">
+          <ac:chgData name=" " userId="c953af65-a220-40f8-9b11-e29da02892c7" providerId="ADAL" clId="{71478A94-ED1F-4112-9BEE-948EB8719C60}" dt="2020-05-06T08:53:33.363" v="5" actId="478"/>
+          <ac:spMkLst>
+            <pc:docMk/>
+            <pc:sldMk cId="4025202055" sldId="272"/>
+            <ac:spMk id="27" creationId="{528972B3-E3FB-4B70-8120-894B762671B3}"/>
+          </ac:spMkLst>
+        </pc:spChg>
+        <pc:spChg chg="add mod">
+          <ac:chgData name=" " userId="c953af65-a220-40f8-9b11-e29da02892c7" providerId="ADAL" clId="{71478A94-ED1F-4112-9BEE-948EB8719C60}" dt="2020-05-06T08:56:45.060" v="20" actId="14100"/>
+          <ac:spMkLst>
+            <pc:docMk/>
+            <pc:sldMk cId="4025202055" sldId="272"/>
+            <ac:spMk id="29" creationId="{336EE77E-455A-4144-8FD7-E1DBB14BE393}"/>
+          </ac:spMkLst>
+        </pc:spChg>
+        <pc:spChg chg="del">
+          <ac:chgData name=" " userId="c953af65-a220-40f8-9b11-e29da02892c7" providerId="ADAL" clId="{71478A94-ED1F-4112-9BEE-948EB8719C60}" dt="2020-05-06T08:53:33.363" v="5" actId="478"/>
+          <ac:spMkLst>
+            <pc:docMk/>
+            <pc:sldMk cId="4025202055" sldId="272"/>
+            <ac:spMk id="31" creationId="{1FB54033-1131-40B1-8A20-B993EB1DB5B2}"/>
+          </ac:spMkLst>
+        </pc:spChg>
+        <pc:spChg chg="del">
+          <ac:chgData name=" " userId="c953af65-a220-40f8-9b11-e29da02892c7" providerId="ADAL" clId="{71478A94-ED1F-4112-9BEE-948EB8719C60}" dt="2020-05-06T08:53:33.363" v="5" actId="478"/>
+          <ac:spMkLst>
+            <pc:docMk/>
+            <pc:sldMk cId="4025202055" sldId="272"/>
+            <ac:spMk id="36" creationId="{931A94B6-FBD5-47E9-9BF0-203EF70E7982}"/>
+          </ac:spMkLst>
+        </pc:spChg>
+        <pc:spChg chg="del">
+          <ac:chgData name=" " userId="c953af65-a220-40f8-9b11-e29da02892c7" providerId="ADAL" clId="{71478A94-ED1F-4112-9BEE-948EB8719C60}" dt="2020-05-06T08:53:33.363" v="5" actId="478"/>
+          <ac:spMkLst>
+            <pc:docMk/>
+            <pc:sldMk cId="4025202055" sldId="272"/>
+            <ac:spMk id="37" creationId="{AC87ABFF-6534-4374-BCD8-A25BDC4279CA}"/>
+          </ac:spMkLst>
+        </pc:spChg>
+        <pc:spChg chg="del">
+          <ac:chgData name=" " userId="c953af65-a220-40f8-9b11-e29da02892c7" providerId="ADAL" clId="{71478A94-ED1F-4112-9BEE-948EB8719C60}" dt="2020-05-06T08:53:33.363" v="5" actId="478"/>
+          <ac:spMkLst>
+            <pc:docMk/>
+            <pc:sldMk cId="4025202055" sldId="272"/>
+            <ac:spMk id="38" creationId="{6E216610-A590-40C1-B3A2-58FA1A580906}"/>
+          </ac:spMkLst>
+        </pc:spChg>
+        <pc:spChg chg="del">
+          <ac:chgData name=" " userId="c953af65-a220-40f8-9b11-e29da02892c7" providerId="ADAL" clId="{71478A94-ED1F-4112-9BEE-948EB8719C60}" dt="2020-05-06T08:53:33.363" v="5" actId="478"/>
+          <ac:spMkLst>
+            <pc:docMk/>
+            <pc:sldMk cId="4025202055" sldId="272"/>
+            <ac:spMk id="39" creationId="{AF0FAB9F-93EB-41B7-BE16-4E101D05CB10}"/>
+          </ac:spMkLst>
+        </pc:spChg>
+        <pc:spChg chg="del">
+          <ac:chgData name=" " userId="c953af65-a220-40f8-9b11-e29da02892c7" providerId="ADAL" clId="{71478A94-ED1F-4112-9BEE-948EB8719C60}" dt="2020-05-06T08:53:33.363" v="5" actId="478"/>
+          <ac:spMkLst>
+            <pc:docMk/>
+            <pc:sldMk cId="4025202055" sldId="272"/>
+            <ac:spMk id="40" creationId="{63FCCA5C-DA5B-4A25-A76C-C583E13856C6}"/>
+          </ac:spMkLst>
+        </pc:spChg>
+        <pc:spChg chg="del">
+          <ac:chgData name=" " userId="c953af65-a220-40f8-9b11-e29da02892c7" providerId="ADAL" clId="{71478A94-ED1F-4112-9BEE-948EB8719C60}" dt="2020-05-06T08:53:33.363" v="5" actId="478"/>
+          <ac:spMkLst>
+            <pc:docMk/>
+            <pc:sldMk cId="4025202055" sldId="272"/>
+            <ac:spMk id="41" creationId="{63A8FF8D-076A-4BCA-AE39-803026247B82}"/>
+          </ac:spMkLst>
+        </pc:spChg>
+        <pc:grpChg chg="del">
+          <ac:chgData name=" " userId="c953af65-a220-40f8-9b11-e29da02892c7" providerId="ADAL" clId="{71478A94-ED1F-4112-9BEE-948EB8719C60}" dt="2020-05-06T08:53:33.363" v="5" actId="478"/>
+          <ac:grpSpMkLst>
+            <pc:docMk/>
+            <pc:sldMk cId="4025202055" sldId="272"/>
+            <ac:grpSpMk id="54" creationId="{B67EFE06-237B-48D4-B0B7-E67A41CE977B}"/>
+          </ac:grpSpMkLst>
+        </pc:grpChg>
+        <pc:picChg chg="add mod">
+          <ac:chgData name=" " userId="c953af65-a220-40f8-9b11-e29da02892c7" providerId="ADAL" clId="{71478A94-ED1F-4112-9BEE-948EB8719C60}" dt="2020-05-06T09:19:44.703" v="21" actId="931"/>
+          <ac:picMkLst>
+            <pc:docMk/>
+            <pc:sldMk cId="4025202055" sldId="272"/>
+            <ac:picMk id="4" creationId="{C7DFD89F-3EE4-453A-95C8-782BC6009E3A}"/>
+          </ac:picMkLst>
+        </pc:picChg>
+        <pc:picChg chg="del">
+          <ac:chgData name=" " userId="c953af65-a220-40f8-9b11-e29da02892c7" providerId="ADAL" clId="{71478A94-ED1F-4112-9BEE-948EB8719C60}" dt="2020-05-06T08:53:33.363" v="5" actId="478"/>
+          <ac:picMkLst>
+            <pc:docMk/>
+            <pc:sldMk cId="4025202055" sldId="272"/>
+            <ac:picMk id="8" creationId="{01CB66F3-7A16-4CE8-BFFA-DD44816B532D}"/>
+          </ac:picMkLst>
+        </pc:picChg>
+        <pc:picChg chg="del">
+          <ac:chgData name=" " userId="c953af65-a220-40f8-9b11-e29da02892c7" providerId="ADAL" clId="{71478A94-ED1F-4112-9BEE-948EB8719C60}" dt="2020-05-06T08:53:33.363" v="5" actId="478"/>
+          <ac:picMkLst>
+            <pc:docMk/>
+            <pc:sldMk cId="4025202055" sldId="272"/>
+            <ac:picMk id="10" creationId="{A28EABAB-75B3-4EA9-849D-6241747393AB}"/>
+          </ac:picMkLst>
+        </pc:picChg>
+      </pc:sldChg>
+    </pc:docChg>
+  </pc:docChgLst>
   <pc:docChgLst>
     <pc:chgData name=" " userId="c953af65-a220-40f8-9b11-e29da02892c7" providerId="ADAL" clId="{47D04D58-B45C-4E90-AC7C-F9D0C3A68DEC}"/>
     <pc:docChg chg="undo custSel addSld delSld modSld sldOrd">
@@ -1036,7 +1180,7 @@
           <a:p>
             <a:fld id="{75DCA1FD-AA9A-428A-9491-6707F84AA4A4}" type="datetimeFigureOut">
               <a:rPr lang="ko-KR" altLang="en-US" smtClean="0"/>
-              <a:t>2020-04-19</a:t>
+              <a:t>2020-05-06</a:t>
             </a:fld>
             <a:endParaRPr lang="ko-KR" altLang="en-US"/>
           </a:p>
@@ -1234,7 +1378,7 @@
           <a:p>
             <a:fld id="{75DCA1FD-AA9A-428A-9491-6707F84AA4A4}" type="datetimeFigureOut">
               <a:rPr lang="ko-KR" altLang="en-US" smtClean="0"/>
-              <a:t>2020-04-19</a:t>
+              <a:t>2020-05-06</a:t>
             </a:fld>
             <a:endParaRPr lang="ko-KR" altLang="en-US"/>
           </a:p>
@@ -1442,7 +1586,7 @@
           <a:p>
             <a:fld id="{75DCA1FD-AA9A-428A-9491-6707F84AA4A4}" type="datetimeFigureOut">
               <a:rPr lang="ko-KR" altLang="en-US" smtClean="0"/>
-              <a:t>2020-04-19</a:t>
+              <a:t>2020-05-06</a:t>
             </a:fld>
             <a:endParaRPr lang="ko-KR" altLang="en-US"/>
           </a:p>
@@ -1640,7 +1784,7 @@
           <a:p>
             <a:fld id="{75DCA1FD-AA9A-428A-9491-6707F84AA4A4}" type="datetimeFigureOut">
               <a:rPr lang="ko-KR" altLang="en-US" smtClean="0"/>
-              <a:t>2020-04-19</a:t>
+              <a:t>2020-05-06</a:t>
             </a:fld>
             <a:endParaRPr lang="ko-KR" altLang="en-US"/>
           </a:p>
@@ -1915,7 +2059,7 @@
           <a:p>
             <a:fld id="{75DCA1FD-AA9A-428A-9491-6707F84AA4A4}" type="datetimeFigureOut">
               <a:rPr lang="ko-KR" altLang="en-US" smtClean="0"/>
-              <a:t>2020-04-19</a:t>
+              <a:t>2020-05-06</a:t>
             </a:fld>
             <a:endParaRPr lang="ko-KR" altLang="en-US"/>
           </a:p>
@@ -2180,7 +2324,7 @@
           <a:p>
             <a:fld id="{75DCA1FD-AA9A-428A-9491-6707F84AA4A4}" type="datetimeFigureOut">
               <a:rPr lang="ko-KR" altLang="en-US" smtClean="0"/>
-              <a:t>2020-04-19</a:t>
+              <a:t>2020-05-06</a:t>
             </a:fld>
             <a:endParaRPr lang="ko-KR" altLang="en-US"/>
           </a:p>
@@ -2592,7 +2736,7 @@
           <a:p>
             <a:fld id="{75DCA1FD-AA9A-428A-9491-6707F84AA4A4}" type="datetimeFigureOut">
               <a:rPr lang="ko-KR" altLang="en-US" smtClean="0"/>
-              <a:t>2020-04-19</a:t>
+              <a:t>2020-05-06</a:t>
             </a:fld>
             <a:endParaRPr lang="ko-KR" altLang="en-US"/>
           </a:p>
@@ -2733,7 +2877,7 @@
           <a:p>
             <a:fld id="{75DCA1FD-AA9A-428A-9491-6707F84AA4A4}" type="datetimeFigureOut">
               <a:rPr lang="ko-KR" altLang="en-US" smtClean="0"/>
-              <a:t>2020-04-19</a:t>
+              <a:t>2020-05-06</a:t>
             </a:fld>
             <a:endParaRPr lang="ko-KR" altLang="en-US"/>
           </a:p>
@@ -2846,7 +2990,7 @@
           <a:p>
             <a:fld id="{75DCA1FD-AA9A-428A-9491-6707F84AA4A4}" type="datetimeFigureOut">
               <a:rPr lang="ko-KR" altLang="en-US" smtClean="0"/>
-              <a:t>2020-04-19</a:t>
+              <a:t>2020-05-06</a:t>
             </a:fld>
             <a:endParaRPr lang="ko-KR" altLang="en-US"/>
           </a:p>
@@ -3157,7 +3301,7 @@
           <a:p>
             <a:fld id="{75DCA1FD-AA9A-428A-9491-6707F84AA4A4}" type="datetimeFigureOut">
               <a:rPr lang="ko-KR" altLang="en-US" smtClean="0"/>
-              <a:t>2020-04-19</a:t>
+              <a:t>2020-05-06</a:t>
             </a:fld>
             <a:endParaRPr lang="ko-KR" altLang="en-US"/>
           </a:p>
@@ -3445,7 +3589,7 @@
           <a:p>
             <a:fld id="{75DCA1FD-AA9A-428A-9491-6707F84AA4A4}" type="datetimeFigureOut">
               <a:rPr lang="ko-KR" altLang="en-US" smtClean="0"/>
-              <a:t>2020-04-19</a:t>
+              <a:t>2020-05-06</a:t>
             </a:fld>
             <a:endParaRPr lang="ko-KR" altLang="en-US"/>
           </a:p>
@@ -3686,7 +3830,7 @@
           <a:p>
             <a:fld id="{75DCA1FD-AA9A-428A-9491-6707F84AA4A4}" type="datetimeFigureOut">
               <a:rPr lang="ko-KR" altLang="en-US" smtClean="0"/>
-              <a:t>2020-04-19</a:t>
+              <a:t>2020-05-06</a:t>
             </a:fld>
             <a:endParaRPr lang="ko-KR" altLang="en-US"/>
           </a:p>
@@ -12094,6 +12238,139 @@
 </p:sld>
 </file>
 
+<file path=ppt/slides/slide17.xml><?xml version="1.0" encoding="utf-8"?>
+<p:sld xmlns:a="http://schemas.openxmlformats.org/drawingml/2006/main" xmlns:r="http://schemas.openxmlformats.org/officeDocument/2006/relationships" xmlns:p="http://schemas.openxmlformats.org/presentationml/2006/main">
+  <p:cSld>
+    <p:bg>
+      <p:bgPr>
+        <a:solidFill>
+          <a:schemeClr val="bg1"/>
+        </a:solidFill>
+        <a:effectLst/>
+      </p:bgPr>
+    </p:bg>
+    <p:spTree>
+      <p:nvGrpSpPr>
+        <p:cNvPr id="1" name=""/>
+        <p:cNvGrpSpPr/>
+        <p:nvPr/>
+      </p:nvGrpSpPr>
+      <p:grpSpPr>
+        <a:xfrm>
+          <a:off x="0" y="0"/>
+          <a:ext cx="0" cy="0"/>
+          <a:chOff x="0" y="0"/>
+          <a:chExt cx="0" cy="0"/>
+        </a:xfrm>
+      </p:grpSpPr>
+      <p:sp>
+        <p:nvSpPr>
+          <p:cNvPr id="29" name="사각형: 둥근 모서리 28">
+            <a:extLst>
+              <a:ext uri="{FF2B5EF4-FFF2-40B4-BE49-F238E27FC236}">
+                <a16:creationId xmlns:a16="http://schemas.microsoft.com/office/drawing/2014/main" id="{336EE77E-455A-4144-8FD7-E1DBB14BE393}"/>
+              </a:ext>
+            </a:extLst>
+          </p:cNvPr>
+          <p:cNvSpPr/>
+          <p:nvPr/>
+        </p:nvSpPr>
+        <p:spPr>
+          <a:xfrm>
+            <a:off x="985685" y="711200"/>
+            <a:ext cx="2751427" cy="3900557"/>
+          </a:xfrm>
+          <a:prstGeom prst="roundRect">
+            <a:avLst>
+              <a:gd name="adj" fmla="val 2014"/>
+            </a:avLst>
+          </a:prstGeom>
+          <a:noFill/>
+          <a:ln w="19050">
+            <a:solidFill>
+              <a:schemeClr val="bg2">
+                <a:lumMod val="75000"/>
+              </a:schemeClr>
+            </a:solidFill>
+          </a:ln>
+        </p:spPr>
+        <p:style>
+          <a:lnRef idx="2">
+            <a:schemeClr val="accent1">
+              <a:shade val="50000"/>
+            </a:schemeClr>
+          </a:lnRef>
+          <a:fillRef idx="1">
+            <a:schemeClr val="accent1"/>
+          </a:fillRef>
+          <a:effectRef idx="0">
+            <a:schemeClr val="accent1"/>
+          </a:effectRef>
+          <a:fontRef idx="minor">
+            <a:schemeClr val="lt1"/>
+          </a:fontRef>
+        </p:style>
+        <p:txBody>
+          <a:bodyPr rtlCol="0" anchor="ctr"/>
+          <a:lstStyle/>
+          <a:p>
+            <a:pPr algn="ctr"/>
+            <a:endParaRPr lang="ko-KR" altLang="en-US"/>
+          </a:p>
+        </p:txBody>
+      </p:sp>
+      <p:pic>
+        <p:nvPicPr>
+          <p:cNvPr id="4" name="그래픽 3" descr="클립보드">
+            <a:extLst>
+              <a:ext uri="{FF2B5EF4-FFF2-40B4-BE49-F238E27FC236}">
+                <a16:creationId xmlns:a16="http://schemas.microsoft.com/office/drawing/2014/main" id="{C7DFD89F-3EE4-453A-95C8-782BC6009E3A}"/>
+              </a:ext>
+            </a:extLst>
+          </p:cNvPr>
+          <p:cNvPicPr>
+            <a:picLocks noChangeAspect="1"/>
+          </p:cNvPicPr>
+          <p:nvPr/>
+        </p:nvPicPr>
+        <p:blipFill>
+          <a:blip r:embed="rId2">
+            <a:extLst>
+              <a:ext uri="{28A0092B-C50C-407E-A947-70E740481C1C}">
+                <a14:useLocalDpi xmlns:a14="http://schemas.microsoft.com/office/drawing/2010/main" val="0"/>
+              </a:ext>
+              <a:ext uri="{96DAC541-7B7A-43D3-8B79-37D633B846F1}">
+                <asvg:svgBlip xmlns:asvg="http://schemas.microsoft.com/office/drawing/2016/SVG/main" r:embed="rId3"/>
+              </a:ext>
+            </a:extLst>
+          </a:blip>
+          <a:stretch>
+            <a:fillRect/>
+          </a:stretch>
+        </p:blipFill>
+        <p:spPr>
+          <a:xfrm>
+            <a:off x="5638800" y="2971800"/>
+            <a:ext cx="914400" cy="914400"/>
+          </a:xfrm>
+          <a:prstGeom prst="rect">
+            <a:avLst/>
+          </a:prstGeom>
+        </p:spPr>
+      </p:pic>
+    </p:spTree>
+    <p:extLst>
+      <p:ext uri="{BB962C8B-B14F-4D97-AF65-F5344CB8AC3E}">
+        <p14:creationId xmlns:p14="http://schemas.microsoft.com/office/powerpoint/2010/main" val="4025202055"/>
+      </p:ext>
+    </p:extLst>
+  </p:cSld>
+  <p:clrMapOvr>
+    <a:masterClrMapping/>
+  </p:clrMapOvr>
+</p:sld>
+</file>
+
 <file path=ppt/slides/slide2.xml><?xml version="1.0" encoding="utf-8"?>
 <p:sld xmlns:a="http://schemas.openxmlformats.org/drawingml/2006/main" xmlns:r="http://schemas.openxmlformats.org/officeDocument/2006/relationships" xmlns:p="http://schemas.openxmlformats.org/presentationml/2006/main">
   <p:cSld>
@@ -14449,18 +14726,18 @@
 </file>
 
 <file path=customXml/item1.xml><?xml version="1.0" encoding="utf-8"?>
-<p:properties xmlns:p="http://schemas.microsoft.com/office/2006/metadata/properties" xmlns:xsi="http://www.w3.org/2001/XMLSchema-instance" xmlns:pc="http://schemas.microsoft.com/office/infopath/2007/PartnerControls">
-  <documentManagement/>
-</p:properties>
-</file>
-
-<file path=customXml/item2.xml><?xml version="1.0" encoding="utf-8"?>
 <?mso-contentType ?>
 <FormTemplates xmlns="http://schemas.microsoft.com/sharepoint/v3/contenttype/forms">
   <Display>DocumentLibraryForm</Display>
   <Edit>DocumentLibraryForm</Edit>
   <New>DocumentLibraryForm</New>
 </FormTemplates>
+</file>
+
+<file path=customXml/item2.xml><?xml version="1.0" encoding="utf-8"?>
+<p:properties xmlns:p="http://schemas.microsoft.com/office/2006/metadata/properties" xmlns:xsi="http://www.w3.org/2001/XMLSchema-instance" xmlns:pc="http://schemas.microsoft.com/office/infopath/2007/PartnerControls">
+  <documentManagement/>
+</p:properties>
 </file>
 
 <file path=customXml/item3.xml><?xml version="1.0" encoding="utf-8"?>
@@ -14634,18 +14911,18 @@
 </file>
 
 <file path=customXml/itemProps1.xml><?xml version="1.0" encoding="utf-8"?>
-<ds:datastoreItem xmlns:ds="http://schemas.openxmlformats.org/officeDocument/2006/customXml" ds:itemID="{63B6C464-4EF0-4474-9089-ACC74B8DD2A0}">
+<ds:datastoreItem xmlns:ds="http://schemas.openxmlformats.org/officeDocument/2006/customXml" ds:itemID="{690CD346-FEAC-4B85-A1E5-F59451BF06D4}">
   <ds:schemaRefs>
-    <ds:schemaRef ds:uri="http://schemas.microsoft.com/office/2006/metadata/properties"/>
-    <ds:schemaRef ds:uri="http://schemas.microsoft.com/office/infopath/2007/PartnerControls"/>
+    <ds:schemaRef ds:uri="http://schemas.microsoft.com/sharepoint/v3/contenttype/forms"/>
   </ds:schemaRefs>
 </ds:datastoreItem>
 </file>
 
 <file path=customXml/itemProps2.xml><?xml version="1.0" encoding="utf-8"?>
-<ds:datastoreItem xmlns:ds="http://schemas.openxmlformats.org/officeDocument/2006/customXml" ds:itemID="{690CD346-FEAC-4B85-A1E5-F59451BF06D4}">
+<ds:datastoreItem xmlns:ds="http://schemas.openxmlformats.org/officeDocument/2006/customXml" ds:itemID="{63B6C464-4EF0-4474-9089-ACC74B8DD2A0}">
   <ds:schemaRefs>
-    <ds:schemaRef ds:uri="http://schemas.microsoft.com/sharepoint/v3/contenttype/forms"/>
+    <ds:schemaRef ds:uri="http://schemas.microsoft.com/office/2006/metadata/properties"/>
+    <ds:schemaRef ds:uri="http://schemas.microsoft.com/office/infopath/2007/PartnerControls"/>
   </ds:schemaRefs>
 </ds:datastoreItem>
 </file>

--- a/이미지들.pptx
+++ b/이미지들.pptx
@@ -22,6 +22,9 @@
     <p:sldId id="268" r:id="rId19"/>
     <p:sldId id="269" r:id="rId20"/>
     <p:sldId id="272" r:id="rId21"/>
+    <p:sldId id="274" r:id="rId22"/>
+    <p:sldId id="273" r:id="rId23"/>
+    <p:sldId id="275" r:id="rId24"/>
   </p:sldIdLst>
   <p:sldSz cx="12192000" cy="6858000"/>
   <p:notesSz cx="6858000" cy="9144000"/>
@@ -131,7 +134,7 @@
 <file path=ppt/revisionInfo.xml><?xml version="1.0" encoding="utf-8"?>
 <p1510:revInfo xmlns:a="http://schemas.openxmlformats.org/drawingml/2006/main" xmlns:r="http://schemas.openxmlformats.org/officeDocument/2006/relationships" xmlns:p1510="http://schemas.microsoft.com/office/powerpoint/2015/10/main">
   <p1510:revLst>
-    <p1510:client id="{71478A94-ED1F-4112-9BEE-948EB8719C60}" v="5" dt="2020-05-06T09:19:44.704"/>
+    <p1510:client id="{71478A94-ED1F-4112-9BEE-948EB8719C60}" v="83" dt="2020-05-26T22:56:12.420"/>
   </p1510:revLst>
 </p1510:revInfo>
 </file>
@@ -140,8 +143,8 @@
 <pc:chgInfo xmlns:a="http://schemas.openxmlformats.org/drawingml/2006/main" xmlns:r="http://schemas.openxmlformats.org/officeDocument/2006/relationships" xmlns:ac="http://schemas.microsoft.com/office/drawing/2013/main/command" xmlns:pc="http://schemas.microsoft.com/office/powerpoint/2013/main/command">
   <pc:docChgLst>
     <pc:chgData name=" " userId="c953af65-a220-40f8-9b11-e29da02892c7" providerId="ADAL" clId="{71478A94-ED1F-4112-9BEE-948EB8719C60}"/>
-    <pc:docChg chg="undo custSel addSld modSld sldOrd">
-      <pc:chgData name=" " userId="c953af65-a220-40f8-9b11-e29da02892c7" providerId="ADAL" clId="{71478A94-ED1F-4112-9BEE-948EB8719C60}" dt="2020-05-06T09:19:44.703" v="21" actId="931"/>
+    <pc:docChg chg="undo redo custSel addSld modSld sldOrd">
+      <pc:chgData name=" " userId="c953af65-a220-40f8-9b11-e29da02892c7" providerId="ADAL" clId="{71478A94-ED1F-4112-9BEE-948EB8719C60}" dt="2020-05-26T22:56:23.302" v="393" actId="1076"/>
       <pc:docMkLst>
         <pc:docMk/>
       </pc:docMkLst>
@@ -276,6 +279,323 @@
             <pc:docMk/>
             <pc:sldMk cId="4025202055" sldId="272"/>
             <ac:picMk id="10" creationId="{A28EABAB-75B3-4EA9-849D-6241747393AB}"/>
+          </ac:picMkLst>
+        </pc:picChg>
+      </pc:sldChg>
+      <pc:sldChg chg="addSp delSp modSp add mod setBg">
+        <pc:chgData name=" " userId="c953af65-a220-40f8-9b11-e29da02892c7" providerId="ADAL" clId="{71478A94-ED1F-4112-9BEE-948EB8719C60}" dt="2020-05-15T04:48:38.769" v="370" actId="1076"/>
+        <pc:sldMkLst>
+          <pc:docMk/>
+          <pc:sldMk cId="965323699" sldId="273"/>
+        </pc:sldMkLst>
+        <pc:spChg chg="add mod">
+          <ac:chgData name=" " userId="c953af65-a220-40f8-9b11-e29da02892c7" providerId="ADAL" clId="{71478A94-ED1F-4112-9BEE-948EB8719C60}" dt="2020-05-15T04:48:10.721" v="367" actId="1076"/>
+          <ac:spMkLst>
+            <pc:docMk/>
+            <pc:sldMk cId="965323699" sldId="273"/>
+            <ac:spMk id="5" creationId="{63B2D545-84D4-43F0-AF7A-7CEEE0B7BBC7}"/>
+          </ac:spMkLst>
+        </pc:spChg>
+        <pc:spChg chg="add mod">
+          <ac:chgData name=" " userId="c953af65-a220-40f8-9b11-e29da02892c7" providerId="ADAL" clId="{71478A94-ED1F-4112-9BEE-948EB8719C60}" dt="2020-05-15T04:47:48.341" v="334" actId="692"/>
+          <ac:spMkLst>
+            <pc:docMk/>
+            <pc:sldMk cId="965323699" sldId="273"/>
+            <ac:spMk id="6" creationId="{A22F4B80-48D7-48B3-A66D-BDCD859C66F3}"/>
+          </ac:spMkLst>
+        </pc:spChg>
+        <pc:spChg chg="add mod">
+          <ac:chgData name=" " userId="c953af65-a220-40f8-9b11-e29da02892c7" providerId="ADAL" clId="{71478A94-ED1F-4112-9BEE-948EB8719C60}" dt="2020-05-15T03:14:13.619" v="285" actId="6549"/>
+          <ac:spMkLst>
+            <pc:docMk/>
+            <pc:sldMk cId="965323699" sldId="273"/>
+            <ac:spMk id="7" creationId="{7DDC191C-C90A-46BF-982B-0CD322E82EE4}"/>
+          </ac:spMkLst>
+        </pc:spChg>
+        <pc:spChg chg="add mod">
+          <ac:chgData name=" " userId="c953af65-a220-40f8-9b11-e29da02892c7" providerId="ADAL" clId="{71478A94-ED1F-4112-9BEE-948EB8719C60}" dt="2020-05-15T03:14:14.343" v="286" actId="6549"/>
+          <ac:spMkLst>
+            <pc:docMk/>
+            <pc:sldMk cId="965323699" sldId="273"/>
+            <ac:spMk id="8" creationId="{37E61A21-CC5E-4A1C-B61A-9663D3B3E801}"/>
+          </ac:spMkLst>
+        </pc:spChg>
+        <pc:spChg chg="add mod">
+          <ac:chgData name=" " userId="c953af65-a220-40f8-9b11-e29da02892c7" providerId="ADAL" clId="{71478A94-ED1F-4112-9BEE-948EB8719C60}" dt="2020-05-15T04:48:18.510" v="368" actId="1076"/>
+          <ac:spMkLst>
+            <pc:docMk/>
+            <pc:sldMk cId="965323699" sldId="273"/>
+            <ac:spMk id="9" creationId="{E6104536-B044-4ED2-A556-43B92DA89545}"/>
+          </ac:spMkLst>
+        </pc:spChg>
+        <pc:spChg chg="add mod">
+          <ac:chgData name=" " userId="c953af65-a220-40f8-9b11-e29da02892c7" providerId="ADAL" clId="{71478A94-ED1F-4112-9BEE-948EB8719C60}" dt="2020-05-15T04:48:18.510" v="368" actId="1076"/>
+          <ac:spMkLst>
+            <pc:docMk/>
+            <pc:sldMk cId="965323699" sldId="273"/>
+            <ac:spMk id="10" creationId="{1240DB34-AD78-48CA-BFA3-3F1562AF90CF}"/>
+          </ac:spMkLst>
+        </pc:spChg>
+        <pc:spChg chg="add mod">
+          <ac:chgData name=" " userId="c953af65-a220-40f8-9b11-e29da02892c7" providerId="ADAL" clId="{71478A94-ED1F-4112-9BEE-948EB8719C60}" dt="2020-05-15T04:48:00.851" v="363" actId="1036"/>
+          <ac:spMkLst>
+            <pc:docMk/>
+            <pc:sldMk cId="965323699" sldId="273"/>
+            <ac:spMk id="11" creationId="{55E47619-9257-40CC-8072-FB612450356C}"/>
+          </ac:spMkLst>
+        </pc:spChg>
+        <pc:spChg chg="add mod">
+          <ac:chgData name=" " userId="c953af65-a220-40f8-9b11-e29da02892c7" providerId="ADAL" clId="{71478A94-ED1F-4112-9BEE-948EB8719C60}" dt="2020-05-15T04:46:48.007" v="320" actId="14100"/>
+          <ac:spMkLst>
+            <pc:docMk/>
+            <pc:sldMk cId="965323699" sldId="273"/>
+            <ac:spMk id="15" creationId="{1D71A671-A0CA-4B6E-BFB1-B7F57FC993C1}"/>
+          </ac:spMkLst>
+        </pc:spChg>
+        <pc:spChg chg="add mod">
+          <ac:chgData name=" " userId="c953af65-a220-40f8-9b11-e29da02892c7" providerId="ADAL" clId="{71478A94-ED1F-4112-9BEE-948EB8719C60}" dt="2020-05-15T04:47:19.566" v="328" actId="1076"/>
+          <ac:spMkLst>
+            <pc:docMk/>
+            <pc:sldMk cId="965323699" sldId="273"/>
+            <ac:spMk id="16" creationId="{0EBCE2C6-ED14-4568-95BB-440571CAF495}"/>
+          </ac:spMkLst>
+        </pc:spChg>
+        <pc:spChg chg="del">
+          <ac:chgData name=" " userId="c953af65-a220-40f8-9b11-e29da02892c7" providerId="ADAL" clId="{71478A94-ED1F-4112-9BEE-948EB8719C60}" dt="2020-05-14T20:14:46.124" v="113" actId="478"/>
+          <ac:spMkLst>
+            <pc:docMk/>
+            <pc:sldMk cId="965323699" sldId="273"/>
+            <ac:spMk id="29" creationId="{336EE77E-455A-4144-8FD7-E1DBB14BE393}"/>
+          </ac:spMkLst>
+        </pc:spChg>
+        <pc:picChg chg="add mod">
+          <ac:chgData name=" " userId="c953af65-a220-40f8-9b11-e29da02892c7" providerId="ADAL" clId="{71478A94-ED1F-4112-9BEE-948EB8719C60}" dt="2020-05-15T04:48:38.769" v="370" actId="1076"/>
+          <ac:picMkLst>
+            <pc:docMk/>
+            <pc:sldMk cId="965323699" sldId="273"/>
+            <ac:picMk id="3" creationId="{7E6A20CC-FD60-4029-BEA4-EA1F7090268B}"/>
+          </ac:picMkLst>
+        </pc:picChg>
+        <pc:picChg chg="del">
+          <ac:chgData name=" " userId="c953af65-a220-40f8-9b11-e29da02892c7" providerId="ADAL" clId="{71478A94-ED1F-4112-9BEE-948EB8719C60}" dt="2020-05-14T05:59:02.176" v="23" actId="478"/>
+          <ac:picMkLst>
+            <pc:docMk/>
+            <pc:sldMk cId="965323699" sldId="273"/>
+            <ac:picMk id="4" creationId="{C7DFD89F-3EE4-453A-95C8-782BC6009E3A}"/>
+          </ac:picMkLst>
+        </pc:picChg>
+        <pc:picChg chg="add mod">
+          <ac:chgData name=" " userId="c953af65-a220-40f8-9b11-e29da02892c7" providerId="ADAL" clId="{71478A94-ED1F-4112-9BEE-948EB8719C60}" dt="2020-05-15T03:14:26.924" v="296" actId="1076"/>
+          <ac:picMkLst>
+            <pc:docMk/>
+            <pc:sldMk cId="965323699" sldId="273"/>
+            <ac:picMk id="13" creationId="{37644AFE-BE26-44A7-8D55-8C8BFAAF3982}"/>
+          </ac:picMkLst>
+        </pc:picChg>
+        <pc:picChg chg="add mod">
+          <ac:chgData name=" " userId="c953af65-a220-40f8-9b11-e29da02892c7" providerId="ADAL" clId="{71478A94-ED1F-4112-9BEE-948EB8719C60}" dt="2020-05-15T03:14:25.718" v="295" actId="1076"/>
+          <ac:picMkLst>
+            <pc:docMk/>
+            <pc:sldMk cId="965323699" sldId="273"/>
+            <ac:picMk id="14" creationId="{6B00DF79-A89F-46AE-8BBB-B3BEB20AC21B}"/>
+          </ac:picMkLst>
+        </pc:picChg>
+      </pc:sldChg>
+      <pc:sldChg chg="addSp delSp modSp add mod ord">
+        <pc:chgData name=" " userId="c953af65-a220-40f8-9b11-e29da02892c7" providerId="ADAL" clId="{71478A94-ED1F-4112-9BEE-948EB8719C60}" dt="2020-05-14T06:03:16.866" v="112" actId="1076"/>
+        <pc:sldMkLst>
+          <pc:docMk/>
+          <pc:sldMk cId="402695148" sldId="274"/>
+        </pc:sldMkLst>
+        <pc:spChg chg="del">
+          <ac:chgData name=" " userId="c953af65-a220-40f8-9b11-e29da02892c7" providerId="ADAL" clId="{71478A94-ED1F-4112-9BEE-948EB8719C60}" dt="2020-05-14T05:59:25.756" v="27" actId="478"/>
+          <ac:spMkLst>
+            <pc:docMk/>
+            <pc:sldMk cId="402695148" sldId="274"/>
+            <ac:spMk id="27" creationId="{528972B3-E3FB-4B70-8120-894B762671B3}"/>
+          </ac:spMkLst>
+        </pc:spChg>
+        <pc:spChg chg="del">
+          <ac:chgData name=" " userId="c953af65-a220-40f8-9b11-e29da02892c7" providerId="ADAL" clId="{71478A94-ED1F-4112-9BEE-948EB8719C60}" dt="2020-05-14T05:59:25.756" v="27" actId="478"/>
+          <ac:spMkLst>
+            <pc:docMk/>
+            <pc:sldMk cId="402695148" sldId="274"/>
+            <ac:spMk id="31" creationId="{1FB54033-1131-40B1-8A20-B993EB1DB5B2}"/>
+          </ac:spMkLst>
+        </pc:spChg>
+        <pc:spChg chg="add mod">
+          <ac:chgData name=" " userId="c953af65-a220-40f8-9b11-e29da02892c7" providerId="ADAL" clId="{71478A94-ED1F-4112-9BEE-948EB8719C60}" dt="2020-05-14T06:02:39.019" v="81" actId="14100"/>
+          <ac:spMkLst>
+            <pc:docMk/>
+            <pc:sldMk cId="402695148" sldId="274"/>
+            <ac:spMk id="34" creationId="{C5F06902-4BF6-4631-B271-4D59D9F77A27}"/>
+          </ac:spMkLst>
+        </pc:spChg>
+        <pc:spChg chg="add mod">
+          <ac:chgData name=" " userId="c953af65-a220-40f8-9b11-e29da02892c7" providerId="ADAL" clId="{71478A94-ED1F-4112-9BEE-948EB8719C60}" dt="2020-05-14T06:03:06.482" v="109" actId="1076"/>
+          <ac:spMkLst>
+            <pc:docMk/>
+            <pc:sldMk cId="402695148" sldId="274"/>
+            <ac:spMk id="35" creationId="{23761B99-4AF5-447E-8BAE-9D3B6D1B4815}"/>
+          </ac:spMkLst>
+        </pc:spChg>
+        <pc:spChg chg="del">
+          <ac:chgData name=" " userId="c953af65-a220-40f8-9b11-e29da02892c7" providerId="ADAL" clId="{71478A94-ED1F-4112-9BEE-948EB8719C60}" dt="2020-05-14T05:59:25.756" v="27" actId="478"/>
+          <ac:spMkLst>
+            <pc:docMk/>
+            <pc:sldMk cId="402695148" sldId="274"/>
+            <ac:spMk id="36" creationId="{931A94B6-FBD5-47E9-9BF0-203EF70E7982}"/>
+          </ac:spMkLst>
+        </pc:spChg>
+        <pc:spChg chg="del">
+          <ac:chgData name=" " userId="c953af65-a220-40f8-9b11-e29da02892c7" providerId="ADAL" clId="{71478A94-ED1F-4112-9BEE-948EB8719C60}" dt="2020-05-14T05:59:25.756" v="27" actId="478"/>
+          <ac:spMkLst>
+            <pc:docMk/>
+            <pc:sldMk cId="402695148" sldId="274"/>
+            <ac:spMk id="37" creationId="{AC87ABFF-6534-4374-BCD8-A25BDC4279CA}"/>
+          </ac:spMkLst>
+        </pc:spChg>
+        <pc:spChg chg="del">
+          <ac:chgData name=" " userId="c953af65-a220-40f8-9b11-e29da02892c7" providerId="ADAL" clId="{71478A94-ED1F-4112-9BEE-948EB8719C60}" dt="2020-05-14T05:59:25.756" v="27" actId="478"/>
+          <ac:spMkLst>
+            <pc:docMk/>
+            <pc:sldMk cId="402695148" sldId="274"/>
+            <ac:spMk id="38" creationId="{6E216610-A590-40C1-B3A2-58FA1A580906}"/>
+          </ac:spMkLst>
+        </pc:spChg>
+        <pc:spChg chg="del">
+          <ac:chgData name=" " userId="c953af65-a220-40f8-9b11-e29da02892c7" providerId="ADAL" clId="{71478A94-ED1F-4112-9BEE-948EB8719C60}" dt="2020-05-14T05:59:25.756" v="27" actId="478"/>
+          <ac:spMkLst>
+            <pc:docMk/>
+            <pc:sldMk cId="402695148" sldId="274"/>
+            <ac:spMk id="39" creationId="{AF0FAB9F-93EB-41B7-BE16-4E101D05CB10}"/>
+          </ac:spMkLst>
+        </pc:spChg>
+        <pc:spChg chg="del">
+          <ac:chgData name=" " userId="c953af65-a220-40f8-9b11-e29da02892c7" providerId="ADAL" clId="{71478A94-ED1F-4112-9BEE-948EB8719C60}" dt="2020-05-14T05:59:25.756" v="27" actId="478"/>
+          <ac:spMkLst>
+            <pc:docMk/>
+            <pc:sldMk cId="402695148" sldId="274"/>
+            <ac:spMk id="40" creationId="{63FCCA5C-DA5B-4A25-A76C-C583E13856C6}"/>
+          </ac:spMkLst>
+        </pc:spChg>
+        <pc:spChg chg="del">
+          <ac:chgData name=" " userId="c953af65-a220-40f8-9b11-e29da02892c7" providerId="ADAL" clId="{71478A94-ED1F-4112-9BEE-948EB8719C60}" dt="2020-05-14T05:59:25.756" v="27" actId="478"/>
+          <ac:spMkLst>
+            <pc:docMk/>
+            <pc:sldMk cId="402695148" sldId="274"/>
+            <ac:spMk id="41" creationId="{63A8FF8D-076A-4BCA-AE39-803026247B82}"/>
+          </ac:spMkLst>
+        </pc:spChg>
+        <pc:spChg chg="add mod">
+          <ac:chgData name=" " userId="c953af65-a220-40f8-9b11-e29da02892c7" providerId="ADAL" clId="{71478A94-ED1F-4112-9BEE-948EB8719C60}" dt="2020-05-14T06:02:54.783" v="107" actId="1076"/>
+          <ac:spMkLst>
+            <pc:docMk/>
+            <pc:sldMk cId="402695148" sldId="274"/>
+            <ac:spMk id="42" creationId="{17FEBA8A-421C-4B47-946C-8341513D277F}"/>
+          </ac:spMkLst>
+        </pc:spChg>
+        <pc:grpChg chg="del">
+          <ac:chgData name=" " userId="c953af65-a220-40f8-9b11-e29da02892c7" providerId="ADAL" clId="{71478A94-ED1F-4112-9BEE-948EB8719C60}" dt="2020-05-14T05:59:25.756" v="27" actId="478"/>
+          <ac:grpSpMkLst>
+            <pc:docMk/>
+            <pc:sldMk cId="402695148" sldId="274"/>
+            <ac:grpSpMk id="6" creationId="{8066A899-3291-4730-94E8-D83227DAB581}"/>
+          </ac:grpSpMkLst>
+        </pc:grpChg>
+        <pc:grpChg chg="mod">
+          <ac:chgData name=" " userId="c953af65-a220-40f8-9b11-e29da02892c7" providerId="ADAL" clId="{71478A94-ED1F-4112-9BEE-948EB8719C60}" dt="2020-05-14T06:02:16.163" v="77" actId="1076"/>
+          <ac:grpSpMkLst>
+            <pc:docMk/>
+            <pc:sldMk cId="402695148" sldId="274"/>
+            <ac:grpSpMk id="14" creationId="{16A0F8E0-F58A-4826-A847-44A942D76261}"/>
+          </ac:grpSpMkLst>
+        </pc:grpChg>
+        <pc:picChg chg="del">
+          <ac:chgData name=" " userId="c953af65-a220-40f8-9b11-e29da02892c7" providerId="ADAL" clId="{71478A94-ED1F-4112-9BEE-948EB8719C60}" dt="2020-05-14T05:59:25.756" v="27" actId="478"/>
+          <ac:picMkLst>
+            <pc:docMk/>
+            <pc:sldMk cId="402695148" sldId="274"/>
+            <ac:picMk id="8" creationId="{01CB66F3-7A16-4CE8-BFFA-DD44816B532D}"/>
+          </ac:picMkLst>
+        </pc:picChg>
+        <pc:picChg chg="del">
+          <ac:chgData name=" " userId="c953af65-a220-40f8-9b11-e29da02892c7" providerId="ADAL" clId="{71478A94-ED1F-4112-9BEE-948EB8719C60}" dt="2020-05-14T05:59:25.756" v="27" actId="478"/>
+          <ac:picMkLst>
+            <pc:docMk/>
+            <pc:sldMk cId="402695148" sldId="274"/>
+            <ac:picMk id="10" creationId="{A28EABAB-75B3-4EA9-849D-6241747393AB}"/>
+          </ac:picMkLst>
+        </pc:picChg>
+        <pc:picChg chg="add mod">
+          <ac:chgData name=" " userId="c953af65-a220-40f8-9b11-e29da02892c7" providerId="ADAL" clId="{71478A94-ED1F-4112-9BEE-948EB8719C60}" dt="2020-05-14T06:03:11.170" v="110" actId="1076"/>
+          <ac:picMkLst>
+            <pc:docMk/>
+            <pc:sldMk cId="402695148" sldId="274"/>
+            <ac:picMk id="43" creationId="{8F7F8C7D-8C30-472E-9D26-A421D559EA04}"/>
+          </ac:picMkLst>
+        </pc:picChg>
+        <pc:picChg chg="add del mod">
+          <ac:chgData name=" " userId="c953af65-a220-40f8-9b11-e29da02892c7" providerId="ADAL" clId="{71478A94-ED1F-4112-9BEE-948EB8719C60}" dt="2020-05-14T06:01:53.766" v="49" actId="478"/>
+          <ac:picMkLst>
+            <pc:docMk/>
+            <pc:sldMk cId="402695148" sldId="274"/>
+            <ac:picMk id="44" creationId="{DD5C6E3E-6E91-4EEA-9985-5D5DE354F0C1}"/>
+          </ac:picMkLst>
+        </pc:picChg>
+        <pc:picChg chg="add mod">
+          <ac:chgData name=" " userId="c953af65-a220-40f8-9b11-e29da02892c7" providerId="ADAL" clId="{71478A94-ED1F-4112-9BEE-948EB8719C60}" dt="2020-05-14T06:03:16.866" v="112" actId="1076"/>
+          <ac:picMkLst>
+            <pc:docMk/>
+            <pc:sldMk cId="402695148" sldId="274"/>
+            <ac:picMk id="45" creationId="{CA598CCE-7727-43FA-83D2-724D49140A2F}"/>
+          </ac:picMkLst>
+        </pc:picChg>
+      </pc:sldChg>
+      <pc:sldChg chg="addSp delSp modSp add mod ord">
+        <pc:chgData name=" " userId="c953af65-a220-40f8-9b11-e29da02892c7" providerId="ADAL" clId="{71478A94-ED1F-4112-9BEE-948EB8719C60}" dt="2020-05-26T22:56:23.302" v="393" actId="1076"/>
+        <pc:sldMkLst>
+          <pc:docMk/>
+          <pc:sldMk cId="321134761" sldId="275"/>
+        </pc:sldMkLst>
+        <pc:spChg chg="add mod">
+          <ac:chgData name=" " userId="c953af65-a220-40f8-9b11-e29da02892c7" providerId="ADAL" clId="{71478A94-ED1F-4112-9BEE-948EB8719C60}" dt="2020-05-26T22:56:20.722" v="392" actId="1076"/>
+          <ac:spMkLst>
+            <pc:docMk/>
+            <pc:sldMk cId="321134761" sldId="275"/>
+            <ac:spMk id="5" creationId="{4C177870-FBBC-4017-9F2B-5A6E8846FDDC}"/>
+          </ac:spMkLst>
+        </pc:spChg>
+        <pc:spChg chg="add mod">
+          <ac:chgData name=" " userId="c953af65-a220-40f8-9b11-e29da02892c7" providerId="ADAL" clId="{71478A94-ED1F-4112-9BEE-948EB8719C60}" dt="2020-05-26T22:56:18.704" v="391" actId="1076"/>
+          <ac:spMkLst>
+            <pc:docMk/>
+            <pc:sldMk cId="321134761" sldId="275"/>
+            <ac:spMk id="7" creationId="{83F36F27-F1E9-431E-A366-6D00482DE238}"/>
+          </ac:spMkLst>
+        </pc:spChg>
+        <pc:spChg chg="del">
+          <ac:chgData name=" " userId="c953af65-a220-40f8-9b11-e29da02892c7" providerId="ADAL" clId="{71478A94-ED1F-4112-9BEE-948EB8719C60}" dt="2020-05-26T19:45:23.686" v="374" actId="478"/>
+          <ac:spMkLst>
+            <pc:docMk/>
+            <pc:sldMk cId="321134761" sldId="275"/>
+            <ac:spMk id="29" creationId="{336EE77E-455A-4144-8FD7-E1DBB14BE393}"/>
+          </ac:spMkLst>
+        </pc:spChg>
+        <pc:picChg chg="del">
+          <ac:chgData name=" " userId="c953af65-a220-40f8-9b11-e29da02892c7" providerId="ADAL" clId="{71478A94-ED1F-4112-9BEE-948EB8719C60}" dt="2020-05-26T19:45:23.686" v="374" actId="478"/>
+          <ac:picMkLst>
+            <pc:docMk/>
+            <pc:sldMk cId="321134761" sldId="275"/>
+            <ac:picMk id="4" creationId="{C7DFD89F-3EE4-453A-95C8-782BC6009E3A}"/>
+          </ac:picMkLst>
+        </pc:picChg>
+        <pc:picChg chg="add mod">
+          <ac:chgData name=" " userId="c953af65-a220-40f8-9b11-e29da02892c7" providerId="ADAL" clId="{71478A94-ED1F-4112-9BEE-948EB8719C60}" dt="2020-05-26T22:56:23.302" v="393" actId="1076"/>
+          <ac:picMkLst>
+            <pc:docMk/>
+            <pc:sldMk cId="321134761" sldId="275"/>
+            <ac:picMk id="6" creationId="{9438AB94-4962-493F-94E1-1A3907D7E3CB}"/>
           </ac:picMkLst>
         </pc:picChg>
       </pc:sldChg>
@@ -1180,7 +1500,7 @@
           <a:p>
             <a:fld id="{75DCA1FD-AA9A-428A-9491-6707F84AA4A4}" type="datetimeFigureOut">
               <a:rPr lang="ko-KR" altLang="en-US" smtClean="0"/>
-              <a:t>2020-05-06</a:t>
+              <a:t>2020-05-27</a:t>
             </a:fld>
             <a:endParaRPr lang="ko-KR" altLang="en-US"/>
           </a:p>
@@ -1378,7 +1698,7 @@
           <a:p>
             <a:fld id="{75DCA1FD-AA9A-428A-9491-6707F84AA4A4}" type="datetimeFigureOut">
               <a:rPr lang="ko-KR" altLang="en-US" smtClean="0"/>
-              <a:t>2020-05-06</a:t>
+              <a:t>2020-05-27</a:t>
             </a:fld>
             <a:endParaRPr lang="ko-KR" altLang="en-US"/>
           </a:p>
@@ -1586,7 +1906,7 @@
           <a:p>
             <a:fld id="{75DCA1FD-AA9A-428A-9491-6707F84AA4A4}" type="datetimeFigureOut">
               <a:rPr lang="ko-KR" altLang="en-US" smtClean="0"/>
-              <a:t>2020-05-06</a:t>
+              <a:t>2020-05-27</a:t>
             </a:fld>
             <a:endParaRPr lang="ko-KR" altLang="en-US"/>
           </a:p>
@@ -1784,7 +2104,7 @@
           <a:p>
             <a:fld id="{75DCA1FD-AA9A-428A-9491-6707F84AA4A4}" type="datetimeFigureOut">
               <a:rPr lang="ko-KR" altLang="en-US" smtClean="0"/>
-              <a:t>2020-05-06</a:t>
+              <a:t>2020-05-27</a:t>
             </a:fld>
             <a:endParaRPr lang="ko-KR" altLang="en-US"/>
           </a:p>
@@ -2059,7 +2379,7 @@
           <a:p>
             <a:fld id="{75DCA1FD-AA9A-428A-9491-6707F84AA4A4}" type="datetimeFigureOut">
               <a:rPr lang="ko-KR" altLang="en-US" smtClean="0"/>
-              <a:t>2020-05-06</a:t>
+              <a:t>2020-05-27</a:t>
             </a:fld>
             <a:endParaRPr lang="ko-KR" altLang="en-US"/>
           </a:p>
@@ -2324,7 +2644,7 @@
           <a:p>
             <a:fld id="{75DCA1FD-AA9A-428A-9491-6707F84AA4A4}" type="datetimeFigureOut">
               <a:rPr lang="ko-KR" altLang="en-US" smtClean="0"/>
-              <a:t>2020-05-06</a:t>
+              <a:t>2020-05-27</a:t>
             </a:fld>
             <a:endParaRPr lang="ko-KR" altLang="en-US"/>
           </a:p>
@@ -2736,7 +3056,7 @@
           <a:p>
             <a:fld id="{75DCA1FD-AA9A-428A-9491-6707F84AA4A4}" type="datetimeFigureOut">
               <a:rPr lang="ko-KR" altLang="en-US" smtClean="0"/>
-              <a:t>2020-05-06</a:t>
+              <a:t>2020-05-27</a:t>
             </a:fld>
             <a:endParaRPr lang="ko-KR" altLang="en-US"/>
           </a:p>
@@ -2877,7 +3197,7 @@
           <a:p>
             <a:fld id="{75DCA1FD-AA9A-428A-9491-6707F84AA4A4}" type="datetimeFigureOut">
               <a:rPr lang="ko-KR" altLang="en-US" smtClean="0"/>
-              <a:t>2020-05-06</a:t>
+              <a:t>2020-05-27</a:t>
             </a:fld>
             <a:endParaRPr lang="ko-KR" altLang="en-US"/>
           </a:p>
@@ -2990,7 +3310,7 @@
           <a:p>
             <a:fld id="{75DCA1FD-AA9A-428A-9491-6707F84AA4A4}" type="datetimeFigureOut">
               <a:rPr lang="ko-KR" altLang="en-US" smtClean="0"/>
-              <a:t>2020-05-06</a:t>
+              <a:t>2020-05-27</a:t>
             </a:fld>
             <a:endParaRPr lang="ko-KR" altLang="en-US"/>
           </a:p>
@@ -3301,7 +3621,7 @@
           <a:p>
             <a:fld id="{75DCA1FD-AA9A-428A-9491-6707F84AA4A4}" type="datetimeFigureOut">
               <a:rPr lang="ko-KR" altLang="en-US" smtClean="0"/>
-              <a:t>2020-05-06</a:t>
+              <a:t>2020-05-27</a:t>
             </a:fld>
             <a:endParaRPr lang="ko-KR" altLang="en-US"/>
           </a:p>
@@ -3589,7 +3909,7 @@
           <a:p>
             <a:fld id="{75DCA1FD-AA9A-428A-9491-6707F84AA4A4}" type="datetimeFigureOut">
               <a:rPr lang="ko-KR" altLang="en-US" smtClean="0"/>
-              <a:t>2020-05-06</a:t>
+              <a:t>2020-05-27</a:t>
             </a:fld>
             <a:endParaRPr lang="ko-KR" altLang="en-US"/>
           </a:p>
@@ -3830,7 +4150,7 @@
           <a:p>
             <a:fld id="{75DCA1FD-AA9A-428A-9491-6707F84AA4A4}" type="datetimeFigureOut">
               <a:rPr lang="ko-KR" altLang="en-US" smtClean="0"/>
-              <a:t>2020-05-06</a:t>
+              <a:t>2020-05-27</a:t>
             </a:fld>
             <a:endParaRPr lang="ko-KR" altLang="en-US"/>
           </a:p>
@@ -12371,6 +12691,1649 @@
 </p:sld>
 </file>
 
+<file path=ppt/slides/slide18.xml><?xml version="1.0" encoding="utf-8"?>
+<p:sld xmlns:a="http://schemas.openxmlformats.org/drawingml/2006/main" xmlns:r="http://schemas.openxmlformats.org/officeDocument/2006/relationships" xmlns:p="http://schemas.openxmlformats.org/presentationml/2006/main">
+  <p:cSld>
+    <p:bg>
+      <p:bgPr>
+        <a:solidFill>
+          <a:schemeClr val="accent5">
+            <a:lumMod val="40000"/>
+            <a:lumOff val="60000"/>
+          </a:schemeClr>
+        </a:solidFill>
+        <a:effectLst/>
+      </p:bgPr>
+    </p:bg>
+    <p:spTree>
+      <p:nvGrpSpPr>
+        <p:cNvPr id="1" name=""/>
+        <p:cNvGrpSpPr/>
+        <p:nvPr/>
+      </p:nvGrpSpPr>
+      <p:grpSpPr>
+        <a:xfrm>
+          <a:off x="0" y="0"/>
+          <a:ext cx="0" cy="0"/>
+          <a:chOff x="0" y="0"/>
+          <a:chExt cx="0" cy="0"/>
+        </a:xfrm>
+      </p:grpSpPr>
+      <p:grpSp>
+        <p:nvGrpSpPr>
+          <p:cNvPr id="14" name="그룹 13">
+            <a:extLst>
+              <a:ext uri="{FF2B5EF4-FFF2-40B4-BE49-F238E27FC236}">
+                <a16:creationId xmlns:a16="http://schemas.microsoft.com/office/drawing/2014/main" id="{16A0F8E0-F58A-4826-A847-44A942D76261}"/>
+              </a:ext>
+            </a:extLst>
+          </p:cNvPr>
+          <p:cNvGrpSpPr/>
+          <p:nvPr/>
+        </p:nvGrpSpPr>
+        <p:grpSpPr>
+          <a:xfrm>
+            <a:off x="1130068" y="0"/>
+            <a:ext cx="9931847" cy="6858000"/>
+            <a:chOff x="1130068" y="0"/>
+            <a:chExt cx="9931847" cy="6858000"/>
+          </a:xfrm>
+        </p:grpSpPr>
+        <p:grpSp>
+          <p:nvGrpSpPr>
+            <p:cNvPr id="11" name="그룹 10">
+              <a:extLst>
+                <a:ext uri="{FF2B5EF4-FFF2-40B4-BE49-F238E27FC236}">
+                  <a16:creationId xmlns:a16="http://schemas.microsoft.com/office/drawing/2014/main" id="{022B9763-AAA8-4A69-BACA-91304069D2C1}"/>
+                </a:ext>
+              </a:extLst>
+            </p:cNvPr>
+            <p:cNvGrpSpPr/>
+            <p:nvPr/>
+          </p:nvGrpSpPr>
+          <p:grpSpPr>
+            <a:xfrm>
+              <a:off x="1130083" y="0"/>
+              <a:ext cx="9931832" cy="6858000"/>
+              <a:chOff x="1130083" y="0"/>
+              <a:chExt cx="9931832" cy="6858000"/>
+            </a:xfrm>
+          </p:grpSpPr>
+          <p:grpSp>
+            <p:nvGrpSpPr>
+              <p:cNvPr id="4" name="그룹 3">
+                <a:extLst>
+                  <a:ext uri="{FF2B5EF4-FFF2-40B4-BE49-F238E27FC236}">
+                    <a16:creationId xmlns:a16="http://schemas.microsoft.com/office/drawing/2014/main" id="{016A1E2A-F626-429D-9BB0-E277D7C9140C}"/>
+                  </a:ext>
+                </a:extLst>
+              </p:cNvPr>
+              <p:cNvGrpSpPr/>
+              <p:nvPr/>
+            </p:nvGrpSpPr>
+            <p:grpSpPr>
+              <a:xfrm>
+                <a:off x="1130093" y="0"/>
+                <a:ext cx="9931822" cy="6858000"/>
+                <a:chOff x="1130088" y="0"/>
+                <a:chExt cx="9931822" cy="6858000"/>
+              </a:xfrm>
+            </p:grpSpPr>
+            <p:sp>
+              <p:nvSpPr>
+                <p:cNvPr id="2" name="사각형: 둥근 모서리 1">
+                  <a:extLst>
+                    <a:ext uri="{FF2B5EF4-FFF2-40B4-BE49-F238E27FC236}">
+                      <a16:creationId xmlns:a16="http://schemas.microsoft.com/office/drawing/2014/main" id="{EE8A1ACC-B9CE-40A2-BA3A-20A6123EF4C1}"/>
+                    </a:ext>
+                  </a:extLst>
+                </p:cNvPr>
+                <p:cNvSpPr/>
+                <p:nvPr/>
+              </p:nvSpPr>
+              <p:spPr>
+                <a:xfrm>
+                  <a:off x="1130088" y="0"/>
+                  <a:ext cx="9931822" cy="6858000"/>
+                </a:xfrm>
+                <a:prstGeom prst="roundRect">
+                  <a:avLst>
+                    <a:gd name="adj" fmla="val 2624"/>
+                  </a:avLst>
+                </a:prstGeom>
+                <a:solidFill>
+                  <a:schemeClr val="bg1">
+                    <a:lumMod val="95000"/>
+                    <a:alpha val="70000"/>
+                  </a:schemeClr>
+                </a:solidFill>
+                <a:ln w="12700">
+                  <a:solidFill>
+                    <a:schemeClr val="bg1">
+                      <a:alpha val="50000"/>
+                    </a:schemeClr>
+                  </a:solidFill>
+                </a:ln>
+              </p:spPr>
+              <p:style>
+                <a:lnRef idx="2">
+                  <a:schemeClr val="accent1">
+                    <a:shade val="50000"/>
+                  </a:schemeClr>
+                </a:lnRef>
+                <a:fillRef idx="1">
+                  <a:schemeClr val="accent1"/>
+                </a:fillRef>
+                <a:effectRef idx="0">
+                  <a:schemeClr val="accent1"/>
+                </a:effectRef>
+                <a:fontRef idx="minor">
+                  <a:schemeClr val="lt1"/>
+                </a:fontRef>
+              </p:style>
+              <p:txBody>
+                <a:bodyPr rtlCol="0" anchor="ctr"/>
+                <a:lstStyle/>
+                <a:p>
+                  <a:pPr algn="ctr"/>
+                  <a:endParaRPr lang="ko-KR" altLang="en-US" dirty="0"/>
+                </a:p>
+              </p:txBody>
+            </p:sp>
+            <p:sp>
+              <p:nvSpPr>
+                <p:cNvPr id="3" name="사각형: 둥근 위쪽 모서리 2">
+                  <a:extLst>
+                    <a:ext uri="{FF2B5EF4-FFF2-40B4-BE49-F238E27FC236}">
+                      <a16:creationId xmlns:a16="http://schemas.microsoft.com/office/drawing/2014/main" id="{EB7B1FDC-F00F-4DCD-8427-0B0B9B0BF285}"/>
+                    </a:ext>
+                  </a:extLst>
+                </p:cNvPr>
+                <p:cNvSpPr/>
+                <p:nvPr/>
+              </p:nvSpPr>
+              <p:spPr>
+                <a:xfrm>
+                  <a:off x="1130089" y="12026"/>
+                  <a:ext cx="9931819" cy="271463"/>
+                </a:xfrm>
+                <a:prstGeom prst="round2SameRect">
+                  <a:avLst>
+                    <a:gd name="adj1" fmla="val 50000"/>
+                    <a:gd name="adj2" fmla="val 0"/>
+                  </a:avLst>
+                </a:prstGeom>
+                <a:solidFill>
+                  <a:srgbClr val="70AFF4">
+                    <a:alpha val="80000"/>
+                  </a:srgbClr>
+                </a:solidFill>
+                <a:ln w="19050">
+                  <a:noFill/>
+                </a:ln>
+              </p:spPr>
+              <p:style>
+                <a:lnRef idx="2">
+                  <a:schemeClr val="accent1">
+                    <a:shade val="50000"/>
+                  </a:schemeClr>
+                </a:lnRef>
+                <a:fillRef idx="1">
+                  <a:schemeClr val="accent1"/>
+                </a:fillRef>
+                <a:effectRef idx="0">
+                  <a:schemeClr val="accent1"/>
+                </a:effectRef>
+                <a:fontRef idx="minor">
+                  <a:schemeClr val="lt1"/>
+                </a:fontRef>
+              </p:style>
+              <p:txBody>
+                <a:bodyPr rtlCol="0" anchor="ctr"/>
+                <a:lstStyle/>
+                <a:p>
+                  <a:pPr algn="ctr"/>
+                  <a:endParaRPr lang="ko-KR" altLang="en-US"/>
+                </a:p>
+              </p:txBody>
+            </p:sp>
+          </p:grpSp>
+          <p:sp>
+            <p:nvSpPr>
+              <p:cNvPr id="12" name="사각형: 둥근 한쪽 모서리 11">
+                <a:extLst>
+                  <a:ext uri="{FF2B5EF4-FFF2-40B4-BE49-F238E27FC236}">
+                    <a16:creationId xmlns:a16="http://schemas.microsoft.com/office/drawing/2014/main" id="{4D64613E-3A69-48D7-90C0-59A59CB1EF45}"/>
+                  </a:ext>
+                </a:extLst>
+              </p:cNvPr>
+              <p:cNvSpPr/>
+              <p:nvPr/>
+            </p:nvSpPr>
+            <p:spPr>
+              <a:xfrm rot="10800000">
+                <a:off x="1130083" y="705674"/>
+                <a:ext cx="832061" cy="6135655"/>
+              </a:xfrm>
+              <a:prstGeom prst="round1Rect">
+                <a:avLst>
+                  <a:gd name="adj" fmla="val 22963"/>
+                </a:avLst>
+              </a:prstGeom>
+              <a:solidFill>
+                <a:schemeClr val="bg1">
+                  <a:lumMod val="95000"/>
+                  <a:alpha val="70000"/>
+                </a:schemeClr>
+              </a:solidFill>
+              <a:ln>
+                <a:noFill/>
+              </a:ln>
+              <a:effectLst>
+                <a:innerShdw blurRad="254000" dist="50800" dir="10800000">
+                  <a:prstClr val="black">
+                    <a:alpha val="30000"/>
+                  </a:prstClr>
+                </a:innerShdw>
+              </a:effectLst>
+            </p:spPr>
+            <p:style>
+              <a:lnRef idx="2">
+                <a:schemeClr val="accent1">
+                  <a:shade val="50000"/>
+                </a:schemeClr>
+              </a:lnRef>
+              <a:fillRef idx="1">
+                <a:schemeClr val="accent1"/>
+              </a:fillRef>
+              <a:effectRef idx="0">
+                <a:schemeClr val="accent1"/>
+              </a:effectRef>
+              <a:fontRef idx="minor">
+                <a:schemeClr val="lt1"/>
+              </a:fontRef>
+            </p:style>
+            <p:txBody>
+              <a:bodyPr rtlCol="0" anchor="ctr"/>
+              <a:lstStyle/>
+              <a:p>
+                <a:pPr algn="ctr"/>
+                <a:endParaRPr lang="ko-KR" altLang="en-US"/>
+              </a:p>
+            </p:txBody>
+          </p:sp>
+        </p:grpSp>
+        <p:sp>
+          <p:nvSpPr>
+            <p:cNvPr id="20" name="직사각형 19">
+              <a:extLst>
+                <a:ext uri="{FF2B5EF4-FFF2-40B4-BE49-F238E27FC236}">
+                  <a16:creationId xmlns:a16="http://schemas.microsoft.com/office/drawing/2014/main" id="{7F5A199C-DC3A-49D0-89E2-2686BC39B915}"/>
+                </a:ext>
+              </a:extLst>
+            </p:cNvPr>
+            <p:cNvSpPr/>
+            <p:nvPr/>
+          </p:nvSpPr>
+          <p:spPr>
+            <a:xfrm>
+              <a:off x="1130068" y="283489"/>
+              <a:ext cx="9931822" cy="422541"/>
+            </a:xfrm>
+            <a:prstGeom prst="rect">
+              <a:avLst/>
+            </a:prstGeom>
+            <a:solidFill>
+              <a:srgbClr val="C2DDFA">
+                <a:alpha val="69804"/>
+              </a:srgbClr>
+            </a:solidFill>
+            <a:ln w="19050">
+              <a:noFill/>
+            </a:ln>
+          </p:spPr>
+          <p:style>
+            <a:lnRef idx="2">
+              <a:schemeClr val="accent1">
+                <a:shade val="50000"/>
+              </a:schemeClr>
+            </a:lnRef>
+            <a:fillRef idx="1">
+              <a:schemeClr val="accent1"/>
+            </a:fillRef>
+            <a:effectRef idx="0">
+              <a:schemeClr val="accent1"/>
+            </a:effectRef>
+            <a:fontRef idx="minor">
+              <a:schemeClr val="lt1"/>
+            </a:fontRef>
+          </p:style>
+          <p:txBody>
+            <a:bodyPr rtlCol="0" anchor="ctr"/>
+            <a:lstStyle/>
+            <a:p>
+              <a:pPr algn="ctr"/>
+              <a:endParaRPr lang="ko-KR" altLang="en-US"/>
+            </a:p>
+          </p:txBody>
+        </p:sp>
+      </p:grpSp>
+      <p:sp>
+        <p:nvSpPr>
+          <p:cNvPr id="5" name="곱하기 기호 4">
+            <a:extLst>
+              <a:ext uri="{FF2B5EF4-FFF2-40B4-BE49-F238E27FC236}">
+                <a16:creationId xmlns:a16="http://schemas.microsoft.com/office/drawing/2014/main" id="{91F513B6-C61D-4F45-ABB4-BF6F2E79A52E}"/>
+              </a:ext>
+            </a:extLst>
+          </p:cNvPr>
+          <p:cNvSpPr/>
+          <p:nvPr/>
+        </p:nvSpPr>
+        <p:spPr>
+          <a:xfrm>
+            <a:off x="10717530" y="54778"/>
+            <a:ext cx="216000" cy="216000"/>
+          </a:xfrm>
+          <a:prstGeom prst="mathMultiply">
+            <a:avLst/>
+          </a:prstGeom>
+          <a:solidFill>
+            <a:schemeClr val="bg1">
+              <a:alpha val="90000"/>
+            </a:schemeClr>
+          </a:solidFill>
+          <a:ln>
+            <a:noFill/>
+          </a:ln>
+        </p:spPr>
+        <p:style>
+          <a:lnRef idx="2">
+            <a:schemeClr val="accent1">
+              <a:shade val="50000"/>
+            </a:schemeClr>
+          </a:lnRef>
+          <a:fillRef idx="1">
+            <a:schemeClr val="accent1"/>
+          </a:fillRef>
+          <a:effectRef idx="0">
+            <a:schemeClr val="accent1"/>
+          </a:effectRef>
+          <a:fontRef idx="minor">
+            <a:schemeClr val="lt1"/>
+          </a:fontRef>
+        </p:style>
+        <p:txBody>
+          <a:bodyPr rtlCol="0" anchor="ctr"/>
+          <a:lstStyle/>
+          <a:p>
+            <a:pPr algn="ctr"/>
+            <a:endParaRPr lang="ko-KR" altLang="en-US" dirty="0"/>
+          </a:p>
+        </p:txBody>
+      </p:sp>
+      <p:sp>
+        <p:nvSpPr>
+          <p:cNvPr id="29" name="사각형: 둥근 위쪽 모서리 28">
+            <a:extLst>
+              <a:ext uri="{FF2B5EF4-FFF2-40B4-BE49-F238E27FC236}">
+                <a16:creationId xmlns:a16="http://schemas.microsoft.com/office/drawing/2014/main" id="{721B8819-0A16-44A3-8F1F-5DBE5C7DABFC}"/>
+              </a:ext>
+            </a:extLst>
+          </p:cNvPr>
+          <p:cNvSpPr/>
+          <p:nvPr/>
+        </p:nvSpPr>
+        <p:spPr>
+          <a:xfrm>
+            <a:off x="1145521" y="316706"/>
+            <a:ext cx="1333742" cy="388968"/>
+          </a:xfrm>
+          <a:prstGeom prst="round2SameRect">
+            <a:avLst>
+              <a:gd name="adj1" fmla="val 38706"/>
+              <a:gd name="adj2" fmla="val 0"/>
+            </a:avLst>
+          </a:prstGeom>
+          <a:solidFill>
+            <a:schemeClr val="accent1">
+              <a:lumMod val="60000"/>
+              <a:lumOff val="40000"/>
+              <a:alpha val="70000"/>
+            </a:schemeClr>
+          </a:solidFill>
+          <a:ln>
+            <a:noFill/>
+          </a:ln>
+        </p:spPr>
+        <p:style>
+          <a:lnRef idx="2">
+            <a:schemeClr val="accent1">
+              <a:shade val="50000"/>
+            </a:schemeClr>
+          </a:lnRef>
+          <a:fillRef idx="1">
+            <a:schemeClr val="accent1"/>
+          </a:fillRef>
+          <a:effectRef idx="0">
+            <a:schemeClr val="accent1"/>
+          </a:effectRef>
+          <a:fontRef idx="minor">
+            <a:schemeClr val="lt1"/>
+          </a:fontRef>
+        </p:style>
+        <p:txBody>
+          <a:bodyPr rtlCol="0" anchor="ctr"/>
+          <a:lstStyle/>
+          <a:p>
+            <a:pPr algn="ctr"/>
+            <a:endParaRPr lang="ko-KR" altLang="en-US" sz="1400" dirty="0">
+              <a:solidFill>
+                <a:schemeClr val="tx1">
+                  <a:lumMod val="75000"/>
+                  <a:lumOff val="25000"/>
+                </a:schemeClr>
+              </a:solidFill>
+            </a:endParaRPr>
+          </a:p>
+        </p:txBody>
+      </p:sp>
+      <p:sp>
+        <p:nvSpPr>
+          <p:cNvPr id="32" name="사각형: 둥근 위쪽 모서리 31">
+            <a:extLst>
+              <a:ext uri="{FF2B5EF4-FFF2-40B4-BE49-F238E27FC236}">
+                <a16:creationId xmlns:a16="http://schemas.microsoft.com/office/drawing/2014/main" id="{F1D9F5EA-BDFC-4414-B692-180956C3F07C}"/>
+              </a:ext>
+            </a:extLst>
+          </p:cNvPr>
+          <p:cNvSpPr/>
+          <p:nvPr/>
+        </p:nvSpPr>
+        <p:spPr>
+          <a:xfrm>
+            <a:off x="2479263" y="316706"/>
+            <a:ext cx="1333742" cy="388968"/>
+          </a:xfrm>
+          <a:prstGeom prst="round2SameRect">
+            <a:avLst>
+              <a:gd name="adj1" fmla="val 38706"/>
+              <a:gd name="adj2" fmla="val 0"/>
+            </a:avLst>
+          </a:prstGeom>
+          <a:solidFill>
+            <a:schemeClr val="accent1">
+              <a:lumMod val="40000"/>
+              <a:lumOff val="60000"/>
+              <a:alpha val="70000"/>
+            </a:schemeClr>
+          </a:solidFill>
+          <a:ln>
+            <a:noFill/>
+          </a:ln>
+        </p:spPr>
+        <p:style>
+          <a:lnRef idx="2">
+            <a:schemeClr val="accent1">
+              <a:shade val="50000"/>
+            </a:schemeClr>
+          </a:lnRef>
+          <a:fillRef idx="1">
+            <a:schemeClr val="accent1"/>
+          </a:fillRef>
+          <a:effectRef idx="0">
+            <a:schemeClr val="accent1"/>
+          </a:effectRef>
+          <a:fontRef idx="minor">
+            <a:schemeClr val="lt1"/>
+          </a:fontRef>
+        </p:style>
+        <p:txBody>
+          <a:bodyPr rtlCol="0" anchor="ctr"/>
+          <a:lstStyle/>
+          <a:p>
+            <a:pPr algn="ctr"/>
+            <a:endParaRPr lang="ko-KR" altLang="en-US" sz="1400" dirty="0"/>
+          </a:p>
+        </p:txBody>
+      </p:sp>
+      <p:sp>
+        <p:nvSpPr>
+          <p:cNvPr id="33" name="사각형: 둥근 위쪽 모서리 32">
+            <a:extLst>
+              <a:ext uri="{FF2B5EF4-FFF2-40B4-BE49-F238E27FC236}">
+                <a16:creationId xmlns:a16="http://schemas.microsoft.com/office/drawing/2014/main" id="{A9B1791B-D0F0-4E38-9528-C7E6A464B05E}"/>
+              </a:ext>
+            </a:extLst>
+          </p:cNvPr>
+          <p:cNvSpPr/>
+          <p:nvPr/>
+        </p:nvSpPr>
+        <p:spPr>
+          <a:xfrm>
+            <a:off x="3813005" y="316706"/>
+            <a:ext cx="1333742" cy="388968"/>
+          </a:xfrm>
+          <a:prstGeom prst="round2SameRect">
+            <a:avLst>
+              <a:gd name="adj1" fmla="val 38706"/>
+              <a:gd name="adj2" fmla="val 0"/>
+            </a:avLst>
+          </a:prstGeom>
+          <a:solidFill>
+            <a:schemeClr val="accent1">
+              <a:lumMod val="40000"/>
+              <a:lumOff val="60000"/>
+              <a:alpha val="70000"/>
+            </a:schemeClr>
+          </a:solidFill>
+          <a:ln>
+            <a:noFill/>
+          </a:ln>
+        </p:spPr>
+        <p:style>
+          <a:lnRef idx="2">
+            <a:schemeClr val="accent1">
+              <a:shade val="50000"/>
+            </a:schemeClr>
+          </a:lnRef>
+          <a:fillRef idx="1">
+            <a:schemeClr val="accent1"/>
+          </a:fillRef>
+          <a:effectRef idx="0">
+            <a:schemeClr val="accent1"/>
+          </a:effectRef>
+          <a:fontRef idx="minor">
+            <a:schemeClr val="lt1"/>
+          </a:fontRef>
+        </p:style>
+        <p:txBody>
+          <a:bodyPr rtlCol="0" anchor="ctr"/>
+          <a:lstStyle/>
+          <a:p>
+            <a:pPr algn="ctr"/>
+            <a:endParaRPr lang="ko-KR" altLang="en-US"/>
+          </a:p>
+        </p:txBody>
+      </p:sp>
+      <p:sp>
+        <p:nvSpPr>
+          <p:cNvPr id="34" name="사각형: 둥근 모서리 33">
+            <a:extLst>
+              <a:ext uri="{FF2B5EF4-FFF2-40B4-BE49-F238E27FC236}">
+                <a16:creationId xmlns:a16="http://schemas.microsoft.com/office/drawing/2014/main" id="{C5F06902-4BF6-4631-B271-4D59D9F77A27}"/>
+              </a:ext>
+            </a:extLst>
+          </p:cNvPr>
+          <p:cNvSpPr/>
+          <p:nvPr/>
+        </p:nvSpPr>
+        <p:spPr>
+          <a:xfrm>
+            <a:off x="2300034" y="1807717"/>
+            <a:ext cx="8423967" cy="1483299"/>
+          </a:xfrm>
+          <a:prstGeom prst="roundRect">
+            <a:avLst>
+              <a:gd name="adj" fmla="val 8044"/>
+            </a:avLst>
+          </a:prstGeom>
+          <a:noFill/>
+          <a:ln w="19050">
+            <a:solidFill>
+              <a:schemeClr val="bg2">
+                <a:lumMod val="75000"/>
+              </a:schemeClr>
+            </a:solidFill>
+          </a:ln>
+        </p:spPr>
+        <p:style>
+          <a:lnRef idx="2">
+            <a:schemeClr val="accent1">
+              <a:shade val="50000"/>
+            </a:schemeClr>
+          </a:lnRef>
+          <a:fillRef idx="1">
+            <a:schemeClr val="accent1"/>
+          </a:fillRef>
+          <a:effectRef idx="0">
+            <a:schemeClr val="accent1"/>
+          </a:effectRef>
+          <a:fontRef idx="minor">
+            <a:schemeClr val="lt1"/>
+          </a:fontRef>
+        </p:style>
+        <p:txBody>
+          <a:bodyPr rtlCol="0" anchor="ctr"/>
+          <a:lstStyle/>
+          <a:p>
+            <a:pPr algn="ctr"/>
+            <a:endParaRPr lang="ko-KR" altLang="en-US"/>
+          </a:p>
+        </p:txBody>
+      </p:sp>
+      <p:sp>
+        <p:nvSpPr>
+          <p:cNvPr id="35" name="사각형: 둥근 모서리 34">
+            <a:extLst>
+              <a:ext uri="{FF2B5EF4-FFF2-40B4-BE49-F238E27FC236}">
+                <a16:creationId xmlns:a16="http://schemas.microsoft.com/office/drawing/2014/main" id="{23761B99-4AF5-447E-8BAE-9D3B6D1B4815}"/>
+              </a:ext>
+            </a:extLst>
+          </p:cNvPr>
+          <p:cNvSpPr/>
+          <p:nvPr/>
+        </p:nvSpPr>
+        <p:spPr>
+          <a:xfrm>
+            <a:off x="2293563" y="3429000"/>
+            <a:ext cx="8423967" cy="1483299"/>
+          </a:xfrm>
+          <a:prstGeom prst="roundRect">
+            <a:avLst>
+              <a:gd name="adj" fmla="val 8044"/>
+            </a:avLst>
+          </a:prstGeom>
+          <a:noFill/>
+          <a:ln w="19050">
+            <a:solidFill>
+              <a:schemeClr val="bg2">
+                <a:lumMod val="75000"/>
+              </a:schemeClr>
+            </a:solidFill>
+          </a:ln>
+        </p:spPr>
+        <p:style>
+          <a:lnRef idx="2">
+            <a:schemeClr val="accent1">
+              <a:shade val="50000"/>
+            </a:schemeClr>
+          </a:lnRef>
+          <a:fillRef idx="1">
+            <a:schemeClr val="accent1"/>
+          </a:fillRef>
+          <a:effectRef idx="0">
+            <a:schemeClr val="accent1"/>
+          </a:effectRef>
+          <a:fontRef idx="minor">
+            <a:schemeClr val="lt1"/>
+          </a:fontRef>
+        </p:style>
+        <p:txBody>
+          <a:bodyPr rtlCol="0" anchor="ctr"/>
+          <a:lstStyle/>
+          <a:p>
+            <a:pPr algn="ctr"/>
+            <a:endParaRPr lang="ko-KR" altLang="en-US" dirty="0"/>
+          </a:p>
+        </p:txBody>
+      </p:sp>
+      <p:sp>
+        <p:nvSpPr>
+          <p:cNvPr id="42" name="사각형: 둥근 모서리 41">
+            <a:extLst>
+              <a:ext uri="{FF2B5EF4-FFF2-40B4-BE49-F238E27FC236}">
+                <a16:creationId xmlns:a16="http://schemas.microsoft.com/office/drawing/2014/main" id="{17FEBA8A-421C-4B47-946C-8341513D277F}"/>
+              </a:ext>
+            </a:extLst>
+          </p:cNvPr>
+          <p:cNvSpPr/>
+          <p:nvPr/>
+        </p:nvSpPr>
+        <p:spPr>
+          <a:xfrm>
+            <a:off x="2300034" y="5057995"/>
+            <a:ext cx="8423967" cy="1483299"/>
+          </a:xfrm>
+          <a:prstGeom prst="roundRect">
+            <a:avLst>
+              <a:gd name="adj" fmla="val 8044"/>
+            </a:avLst>
+          </a:prstGeom>
+          <a:noFill/>
+          <a:ln w="19050">
+            <a:solidFill>
+              <a:schemeClr val="bg2">
+                <a:lumMod val="75000"/>
+              </a:schemeClr>
+            </a:solidFill>
+          </a:ln>
+        </p:spPr>
+        <p:style>
+          <a:lnRef idx="2">
+            <a:schemeClr val="accent1">
+              <a:shade val="50000"/>
+            </a:schemeClr>
+          </a:lnRef>
+          <a:fillRef idx="1">
+            <a:schemeClr val="accent1"/>
+          </a:fillRef>
+          <a:effectRef idx="0">
+            <a:schemeClr val="accent1"/>
+          </a:effectRef>
+          <a:fontRef idx="minor">
+            <a:schemeClr val="lt1"/>
+          </a:fontRef>
+        </p:style>
+        <p:txBody>
+          <a:bodyPr rtlCol="0" anchor="ctr"/>
+          <a:lstStyle/>
+          <a:p>
+            <a:pPr algn="ctr"/>
+            <a:endParaRPr lang="ko-KR" altLang="en-US"/>
+          </a:p>
+        </p:txBody>
+      </p:sp>
+      <p:pic>
+        <p:nvPicPr>
+          <p:cNvPr id="43" name="그림 42" descr="나이프이(가) 표시된 사진&#10;&#10;자동 생성된 설명">
+            <a:extLst>
+              <a:ext uri="{FF2B5EF4-FFF2-40B4-BE49-F238E27FC236}">
+                <a16:creationId xmlns:a16="http://schemas.microsoft.com/office/drawing/2014/main" id="{8F7F8C7D-8C30-472E-9D26-A421D559EA04}"/>
+              </a:ext>
+            </a:extLst>
+          </p:cNvPr>
+          <p:cNvPicPr>
+            <a:picLocks noChangeAspect="1"/>
+          </p:cNvPicPr>
+          <p:nvPr/>
+        </p:nvPicPr>
+        <p:blipFill>
+          <a:blip r:embed="rId2">
+            <a:duotone>
+              <a:schemeClr val="accent5">
+                <a:shade val="45000"/>
+                <a:satMod val="135000"/>
+              </a:schemeClr>
+              <a:prstClr val="white"/>
+            </a:duotone>
+            <a:extLst>
+              <a:ext uri="{BEBA8EAE-BF5A-486C-A8C5-ECC9F3942E4B}">
+                <a14:imgProps xmlns:a14="http://schemas.microsoft.com/office/drawing/2010/main">
+                  <a14:imgLayer r:embed="rId3">
+                    <a14:imgEffect>
+                      <a14:saturation sat="200000"/>
+                    </a14:imgEffect>
+                    <a14:imgEffect>
+                      <a14:brightnessContrast bright="40000" contrast="-20000"/>
+                    </a14:imgEffect>
+                  </a14:imgLayer>
+                </a14:imgProps>
+              </a:ext>
+              <a:ext uri="{28A0092B-C50C-407E-A947-70E740481C1C}">
+                <a14:useLocalDpi xmlns:a14="http://schemas.microsoft.com/office/drawing/2010/main" val="0"/>
+              </a:ext>
+            </a:extLst>
+          </a:blip>
+          <a:stretch>
+            <a:fillRect/>
+          </a:stretch>
+        </p:blipFill>
+        <p:spPr>
+          <a:xfrm>
+            <a:off x="9240202" y="907704"/>
+            <a:ext cx="1477328" cy="618173"/>
+          </a:xfrm>
+          <a:prstGeom prst="rect">
+            <a:avLst/>
+          </a:prstGeom>
+          <a:noFill/>
+        </p:spPr>
+      </p:pic>
+      <p:pic>
+        <p:nvPicPr>
+          <p:cNvPr id="45" name="그림 44" descr="나이프이(가) 표시된 사진&#10;&#10;자동 생성된 설명">
+            <a:extLst>
+              <a:ext uri="{FF2B5EF4-FFF2-40B4-BE49-F238E27FC236}">
+                <a16:creationId xmlns:a16="http://schemas.microsoft.com/office/drawing/2014/main" id="{CA598CCE-7727-43FA-83D2-724D49140A2F}"/>
+              </a:ext>
+            </a:extLst>
+          </p:cNvPr>
+          <p:cNvPicPr>
+            <a:picLocks noChangeAspect="1"/>
+          </p:cNvPicPr>
+          <p:nvPr/>
+        </p:nvPicPr>
+        <p:blipFill>
+          <a:blip r:embed="rId2">
+            <a:duotone>
+              <a:schemeClr val="accent5">
+                <a:shade val="45000"/>
+                <a:satMod val="135000"/>
+              </a:schemeClr>
+              <a:prstClr val="white"/>
+            </a:duotone>
+            <a:extLst>
+              <a:ext uri="{BEBA8EAE-BF5A-486C-A8C5-ECC9F3942E4B}">
+                <a14:imgProps xmlns:a14="http://schemas.microsoft.com/office/drawing/2010/main">
+                  <a14:imgLayer r:embed="rId3">
+                    <a14:imgEffect>
+                      <a14:saturation sat="200000"/>
+                    </a14:imgEffect>
+                    <a14:imgEffect>
+                      <a14:brightnessContrast bright="40000" contrast="-20000"/>
+                    </a14:imgEffect>
+                  </a14:imgLayer>
+                </a14:imgProps>
+              </a:ext>
+              <a:ext uri="{28A0092B-C50C-407E-A947-70E740481C1C}">
+                <a14:useLocalDpi xmlns:a14="http://schemas.microsoft.com/office/drawing/2010/main" val="0"/>
+              </a:ext>
+            </a:extLst>
+          </a:blip>
+          <a:stretch>
+            <a:fillRect/>
+          </a:stretch>
+        </p:blipFill>
+        <p:spPr>
+          <a:xfrm>
+            <a:off x="9068752" y="2531130"/>
+            <a:ext cx="1477328" cy="618173"/>
+          </a:xfrm>
+          <a:prstGeom prst="rect">
+            <a:avLst/>
+          </a:prstGeom>
+          <a:noFill/>
+        </p:spPr>
+      </p:pic>
+    </p:spTree>
+    <p:extLst>
+      <p:ext uri="{BB962C8B-B14F-4D97-AF65-F5344CB8AC3E}">
+        <p14:creationId xmlns:p14="http://schemas.microsoft.com/office/powerpoint/2010/main" val="402695148"/>
+      </p:ext>
+    </p:extLst>
+  </p:cSld>
+  <p:clrMapOvr>
+    <a:masterClrMapping/>
+  </p:clrMapOvr>
+</p:sld>
+</file>
+
+<file path=ppt/slides/slide19.xml><?xml version="1.0" encoding="utf-8"?>
+<p:sld xmlns:a="http://schemas.openxmlformats.org/drawingml/2006/main" xmlns:r="http://schemas.openxmlformats.org/officeDocument/2006/relationships" xmlns:p="http://schemas.openxmlformats.org/presentationml/2006/main">
+  <p:cSld>
+    <p:bg>
+      <p:bgPr>
+        <a:solidFill>
+          <a:schemeClr val="bg1"/>
+        </a:solidFill>
+        <a:effectLst/>
+      </p:bgPr>
+    </p:bg>
+    <p:spTree>
+      <p:nvGrpSpPr>
+        <p:cNvPr id="1" name=""/>
+        <p:cNvGrpSpPr/>
+        <p:nvPr/>
+      </p:nvGrpSpPr>
+      <p:grpSpPr>
+        <a:xfrm>
+          <a:off x="0" y="0"/>
+          <a:ext cx="0" cy="0"/>
+          <a:chOff x="0" y="0"/>
+          <a:chExt cx="0" cy="0"/>
+        </a:xfrm>
+      </p:grpSpPr>
+      <p:sp>
+        <p:nvSpPr>
+          <p:cNvPr id="5" name="사각형: 둥근 모서리 4">
+            <a:extLst>
+              <a:ext uri="{FF2B5EF4-FFF2-40B4-BE49-F238E27FC236}">
+                <a16:creationId xmlns:a16="http://schemas.microsoft.com/office/drawing/2014/main" id="{63B2D545-84D4-43F0-AF7A-7CEEE0B7BBC7}"/>
+              </a:ext>
+            </a:extLst>
+          </p:cNvPr>
+          <p:cNvSpPr/>
+          <p:nvPr/>
+        </p:nvSpPr>
+        <p:spPr>
+          <a:xfrm>
+            <a:off x="3594734" y="746760"/>
+            <a:ext cx="5002530" cy="5847375"/>
+          </a:xfrm>
+          <a:prstGeom prst="roundRect">
+            <a:avLst>
+              <a:gd name="adj" fmla="val 2995"/>
+            </a:avLst>
+          </a:prstGeom>
+          <a:solidFill>
+            <a:srgbClr val="D4E7FC">
+              <a:alpha val="70000"/>
+            </a:srgbClr>
+          </a:solidFill>
+          <a:ln w="19050">
+            <a:solidFill>
+              <a:schemeClr val="accent1">
+                <a:lumMod val="40000"/>
+                <a:lumOff val="60000"/>
+              </a:schemeClr>
+            </a:solidFill>
+          </a:ln>
+        </p:spPr>
+        <p:style>
+          <a:lnRef idx="2">
+            <a:schemeClr val="accent1">
+              <a:shade val="50000"/>
+            </a:schemeClr>
+          </a:lnRef>
+          <a:fillRef idx="1">
+            <a:schemeClr val="accent1"/>
+          </a:fillRef>
+          <a:effectRef idx="0">
+            <a:schemeClr val="accent1"/>
+          </a:effectRef>
+          <a:fontRef idx="minor">
+            <a:schemeClr val="lt1"/>
+          </a:fontRef>
+        </p:style>
+        <p:txBody>
+          <a:bodyPr rtlCol="0" anchor="t" anchorCtr="0"/>
+          <a:lstStyle/>
+          <a:p>
+            <a:pPr algn="ctr">
+              <a:lnSpc>
+                <a:spcPct val="150000"/>
+              </a:lnSpc>
+            </a:pPr>
+            <a:endParaRPr lang="ko-KR" altLang="en-US" dirty="0">
+              <a:solidFill>
+                <a:srgbClr val="093DBF"/>
+              </a:solidFill>
+            </a:endParaRPr>
+          </a:p>
+        </p:txBody>
+      </p:sp>
+      <p:sp>
+        <p:nvSpPr>
+          <p:cNvPr id="6" name="사각형: 둥근 모서리 5">
+            <a:extLst>
+              <a:ext uri="{FF2B5EF4-FFF2-40B4-BE49-F238E27FC236}">
+                <a16:creationId xmlns:a16="http://schemas.microsoft.com/office/drawing/2014/main" id="{A22F4B80-48D7-48B3-A66D-BDCD859C66F3}"/>
+              </a:ext>
+            </a:extLst>
+          </p:cNvPr>
+          <p:cNvSpPr/>
+          <p:nvPr/>
+        </p:nvSpPr>
+        <p:spPr>
+          <a:xfrm>
+            <a:off x="5097568" y="367482"/>
+            <a:ext cx="1996861" cy="758555"/>
+          </a:xfrm>
+          <a:prstGeom prst="roundRect">
+            <a:avLst>
+              <a:gd name="adj" fmla="val 4294"/>
+            </a:avLst>
+          </a:prstGeom>
+          <a:solidFill>
+            <a:schemeClr val="accent1">
+              <a:lumMod val="40000"/>
+              <a:lumOff val="60000"/>
+            </a:schemeClr>
+          </a:solidFill>
+          <a:ln w="19050">
+            <a:solidFill>
+              <a:srgbClr val="B0C3E6"/>
+            </a:solidFill>
+          </a:ln>
+          <a:effectLst>
+            <a:outerShdw blurRad="50800" dist="38100" dir="5400000" algn="t" rotWithShape="0">
+              <a:prstClr val="black">
+                <a:alpha val="40000"/>
+              </a:prstClr>
+            </a:outerShdw>
+          </a:effectLst>
+        </p:spPr>
+        <p:style>
+          <a:lnRef idx="2">
+            <a:schemeClr val="accent1">
+              <a:shade val="50000"/>
+            </a:schemeClr>
+          </a:lnRef>
+          <a:fillRef idx="1">
+            <a:schemeClr val="accent1"/>
+          </a:fillRef>
+          <a:effectRef idx="0">
+            <a:schemeClr val="accent1"/>
+          </a:effectRef>
+          <a:fontRef idx="minor">
+            <a:schemeClr val="lt1"/>
+          </a:fontRef>
+        </p:style>
+        <p:txBody>
+          <a:bodyPr rtlCol="0" anchor="ctr" anchorCtr="0"/>
+          <a:lstStyle/>
+          <a:p>
+            <a:pPr algn="ctr">
+              <a:lnSpc>
+                <a:spcPct val="150000"/>
+              </a:lnSpc>
+            </a:pPr>
+            <a:endParaRPr lang="ko-KR" altLang="en-US" dirty="0">
+              <a:solidFill>
+                <a:srgbClr val="093DBF"/>
+              </a:solidFill>
+            </a:endParaRPr>
+          </a:p>
+        </p:txBody>
+      </p:sp>
+      <p:sp>
+        <p:nvSpPr>
+          <p:cNvPr id="7" name="사각형: 둥근 모서리 6">
+            <a:extLst>
+              <a:ext uri="{FF2B5EF4-FFF2-40B4-BE49-F238E27FC236}">
+                <a16:creationId xmlns:a16="http://schemas.microsoft.com/office/drawing/2014/main" id="{7DDC191C-C90A-46BF-982B-0CD322E82EE4}"/>
+              </a:ext>
+            </a:extLst>
+          </p:cNvPr>
+          <p:cNvSpPr/>
+          <p:nvPr/>
+        </p:nvSpPr>
+        <p:spPr>
+          <a:xfrm>
+            <a:off x="3894324" y="1615939"/>
+            <a:ext cx="1879858" cy="712792"/>
+          </a:xfrm>
+          <a:prstGeom prst="roundRect">
+            <a:avLst>
+              <a:gd name="adj" fmla="val 7614"/>
+            </a:avLst>
+          </a:prstGeom>
+          <a:noFill/>
+          <a:ln w="19050">
+            <a:solidFill>
+              <a:schemeClr val="bg2">
+                <a:lumMod val="75000"/>
+              </a:schemeClr>
+            </a:solidFill>
+          </a:ln>
+        </p:spPr>
+        <p:style>
+          <a:lnRef idx="2">
+            <a:schemeClr val="accent1">
+              <a:shade val="50000"/>
+            </a:schemeClr>
+          </a:lnRef>
+          <a:fillRef idx="1">
+            <a:schemeClr val="accent1"/>
+          </a:fillRef>
+          <a:effectRef idx="0">
+            <a:schemeClr val="accent1"/>
+          </a:effectRef>
+          <a:fontRef idx="minor">
+            <a:schemeClr val="lt1"/>
+          </a:fontRef>
+        </p:style>
+        <p:txBody>
+          <a:bodyPr rtlCol="0" anchor="ctr"/>
+          <a:lstStyle/>
+          <a:p>
+            <a:endParaRPr lang="ko-KR" altLang="en-US" dirty="0">
+              <a:solidFill>
+                <a:srgbClr val="093DBF"/>
+              </a:solidFill>
+            </a:endParaRPr>
+          </a:p>
+        </p:txBody>
+      </p:sp>
+      <p:sp>
+        <p:nvSpPr>
+          <p:cNvPr id="8" name="사각형: 둥근 모서리 7">
+            <a:extLst>
+              <a:ext uri="{FF2B5EF4-FFF2-40B4-BE49-F238E27FC236}">
+                <a16:creationId xmlns:a16="http://schemas.microsoft.com/office/drawing/2014/main" id="{37E61A21-CC5E-4A1C-B61A-9663D3B3E801}"/>
+              </a:ext>
+            </a:extLst>
+          </p:cNvPr>
+          <p:cNvSpPr/>
+          <p:nvPr/>
+        </p:nvSpPr>
+        <p:spPr>
+          <a:xfrm>
+            <a:off x="6417820" y="1615939"/>
+            <a:ext cx="1879858" cy="712792"/>
+          </a:xfrm>
+          <a:prstGeom prst="roundRect">
+            <a:avLst>
+              <a:gd name="adj" fmla="val 7614"/>
+            </a:avLst>
+          </a:prstGeom>
+          <a:noFill/>
+          <a:ln w="19050">
+            <a:solidFill>
+              <a:schemeClr val="bg2">
+                <a:lumMod val="75000"/>
+              </a:schemeClr>
+            </a:solidFill>
+          </a:ln>
+        </p:spPr>
+        <p:style>
+          <a:lnRef idx="2">
+            <a:schemeClr val="accent1">
+              <a:shade val="50000"/>
+            </a:schemeClr>
+          </a:lnRef>
+          <a:fillRef idx="1">
+            <a:schemeClr val="accent1"/>
+          </a:fillRef>
+          <a:effectRef idx="0">
+            <a:schemeClr val="accent1"/>
+          </a:effectRef>
+          <a:fontRef idx="minor">
+            <a:schemeClr val="lt1"/>
+          </a:fontRef>
+        </p:style>
+        <p:txBody>
+          <a:bodyPr rtlCol="0" anchor="ctr"/>
+          <a:lstStyle/>
+          <a:p>
+            <a:endParaRPr lang="ko-KR" altLang="en-US" dirty="0">
+              <a:solidFill>
+                <a:srgbClr val="093DBF"/>
+              </a:solidFill>
+            </a:endParaRPr>
+          </a:p>
+        </p:txBody>
+      </p:sp>
+      <p:sp>
+        <p:nvSpPr>
+          <p:cNvPr id="9" name="사각형: 둥근 모서리 8">
+            <a:extLst>
+              <a:ext uri="{FF2B5EF4-FFF2-40B4-BE49-F238E27FC236}">
+                <a16:creationId xmlns:a16="http://schemas.microsoft.com/office/drawing/2014/main" id="{E6104536-B044-4ED2-A556-43B92DA89545}"/>
+              </a:ext>
+            </a:extLst>
+          </p:cNvPr>
+          <p:cNvSpPr/>
+          <p:nvPr/>
+        </p:nvSpPr>
+        <p:spPr>
+          <a:xfrm>
+            <a:off x="3891709" y="3006618"/>
+            <a:ext cx="1879858" cy="712792"/>
+          </a:xfrm>
+          <a:prstGeom prst="roundRect">
+            <a:avLst>
+              <a:gd name="adj" fmla="val 7614"/>
+            </a:avLst>
+          </a:prstGeom>
+          <a:noFill/>
+          <a:ln w="19050">
+            <a:solidFill>
+              <a:schemeClr val="bg2">
+                <a:lumMod val="75000"/>
+              </a:schemeClr>
+            </a:solidFill>
+          </a:ln>
+        </p:spPr>
+        <p:style>
+          <a:lnRef idx="2">
+            <a:schemeClr val="accent1">
+              <a:shade val="50000"/>
+            </a:schemeClr>
+          </a:lnRef>
+          <a:fillRef idx="1">
+            <a:schemeClr val="accent1"/>
+          </a:fillRef>
+          <a:effectRef idx="0">
+            <a:schemeClr val="accent1"/>
+          </a:effectRef>
+          <a:fontRef idx="minor">
+            <a:schemeClr val="lt1"/>
+          </a:fontRef>
+        </p:style>
+        <p:txBody>
+          <a:bodyPr rtlCol="0" anchor="ctr"/>
+          <a:lstStyle/>
+          <a:p>
+            <a:endParaRPr lang="ko-KR" altLang="en-US" dirty="0">
+              <a:solidFill>
+                <a:srgbClr val="093DBF"/>
+              </a:solidFill>
+            </a:endParaRPr>
+          </a:p>
+        </p:txBody>
+      </p:sp>
+      <p:sp>
+        <p:nvSpPr>
+          <p:cNvPr id="10" name="사각형: 둥근 모서리 9">
+            <a:extLst>
+              <a:ext uri="{FF2B5EF4-FFF2-40B4-BE49-F238E27FC236}">
+                <a16:creationId xmlns:a16="http://schemas.microsoft.com/office/drawing/2014/main" id="{1240DB34-AD78-48CA-BFA3-3F1562AF90CF}"/>
+              </a:ext>
+            </a:extLst>
+          </p:cNvPr>
+          <p:cNvSpPr/>
+          <p:nvPr/>
+        </p:nvSpPr>
+        <p:spPr>
+          <a:xfrm>
+            <a:off x="6417820" y="3006618"/>
+            <a:ext cx="1879858" cy="712792"/>
+          </a:xfrm>
+          <a:prstGeom prst="roundRect">
+            <a:avLst>
+              <a:gd name="adj" fmla="val 7614"/>
+            </a:avLst>
+          </a:prstGeom>
+          <a:noFill/>
+          <a:ln w="19050">
+            <a:solidFill>
+              <a:schemeClr val="bg2">
+                <a:lumMod val="75000"/>
+              </a:schemeClr>
+            </a:solidFill>
+          </a:ln>
+        </p:spPr>
+        <p:style>
+          <a:lnRef idx="2">
+            <a:schemeClr val="accent1">
+              <a:shade val="50000"/>
+            </a:schemeClr>
+          </a:lnRef>
+          <a:fillRef idx="1">
+            <a:schemeClr val="accent1"/>
+          </a:fillRef>
+          <a:effectRef idx="0">
+            <a:schemeClr val="accent1"/>
+          </a:effectRef>
+          <a:fontRef idx="minor">
+            <a:schemeClr val="lt1"/>
+          </a:fontRef>
+        </p:style>
+        <p:txBody>
+          <a:bodyPr rtlCol="0" anchor="ctr"/>
+          <a:lstStyle/>
+          <a:p>
+            <a:endParaRPr lang="ko-KR" altLang="en-US" dirty="0">
+              <a:solidFill>
+                <a:srgbClr val="093DBF"/>
+              </a:solidFill>
+            </a:endParaRPr>
+          </a:p>
+        </p:txBody>
+      </p:sp>
+      <p:sp>
+        <p:nvSpPr>
+          <p:cNvPr id="11" name="사각형: 둥근 모서리 10">
+            <a:extLst>
+              <a:ext uri="{FF2B5EF4-FFF2-40B4-BE49-F238E27FC236}">
+                <a16:creationId xmlns:a16="http://schemas.microsoft.com/office/drawing/2014/main" id="{55E47619-9257-40CC-8072-FB612450356C}"/>
+              </a:ext>
+            </a:extLst>
+          </p:cNvPr>
+          <p:cNvSpPr/>
+          <p:nvPr/>
+        </p:nvSpPr>
+        <p:spPr>
+          <a:xfrm>
+            <a:off x="5156069" y="4397297"/>
+            <a:ext cx="1879858" cy="712792"/>
+          </a:xfrm>
+          <a:prstGeom prst="roundRect">
+            <a:avLst>
+              <a:gd name="adj" fmla="val 7614"/>
+            </a:avLst>
+          </a:prstGeom>
+          <a:noFill/>
+          <a:ln w="19050">
+            <a:solidFill>
+              <a:schemeClr val="bg2">
+                <a:lumMod val="75000"/>
+              </a:schemeClr>
+            </a:solidFill>
+          </a:ln>
+        </p:spPr>
+        <p:style>
+          <a:lnRef idx="2">
+            <a:schemeClr val="accent1">
+              <a:shade val="50000"/>
+            </a:schemeClr>
+          </a:lnRef>
+          <a:fillRef idx="1">
+            <a:schemeClr val="accent1"/>
+          </a:fillRef>
+          <a:effectRef idx="0">
+            <a:schemeClr val="accent1"/>
+          </a:effectRef>
+          <a:fontRef idx="minor">
+            <a:schemeClr val="lt1"/>
+          </a:fontRef>
+        </p:style>
+        <p:txBody>
+          <a:bodyPr rtlCol="0" anchor="ctr"/>
+          <a:lstStyle/>
+          <a:p>
+            <a:r>
+              <a:rPr lang="en-US" altLang="ko-KR" dirty="0">
+                <a:solidFill>
+                  <a:srgbClr val="093DBF"/>
+                </a:solidFill>
+              </a:rPr>
+              <a:t> </a:t>
+            </a:r>
+            <a:endParaRPr lang="ko-KR" altLang="en-US" dirty="0">
+              <a:solidFill>
+                <a:srgbClr val="093DBF"/>
+              </a:solidFill>
+            </a:endParaRPr>
+          </a:p>
+        </p:txBody>
+      </p:sp>
+      <p:pic>
+        <p:nvPicPr>
+          <p:cNvPr id="3" name="그림 2" descr="세면도구, 화장품이(가) 표시된 사진&#10;&#10;자동 생성된 설명">
+            <a:extLst>
+              <a:ext uri="{FF2B5EF4-FFF2-40B4-BE49-F238E27FC236}">
+                <a16:creationId xmlns:a16="http://schemas.microsoft.com/office/drawing/2014/main" id="{7E6A20CC-FD60-4029-BEA4-EA1F7090268B}"/>
+              </a:ext>
+            </a:extLst>
+          </p:cNvPr>
+          <p:cNvPicPr>
+            <a:picLocks noChangeAspect="1"/>
+          </p:cNvPicPr>
+          <p:nvPr/>
+        </p:nvPicPr>
+        <p:blipFill>
+          <a:blip r:embed="rId2">
+            <a:extLst>
+              <a:ext uri="{BEBA8EAE-BF5A-486C-A8C5-ECC9F3942E4B}">
+                <a14:imgProps xmlns:a14="http://schemas.microsoft.com/office/drawing/2010/main">
+                  <a14:imgLayer r:embed="rId3">
+                    <a14:imgEffect>
+                      <a14:backgroundRemoval t="4412" b="97059" l="4872" r="96923">
+                        <a14:foregroundMark x1="33077" y1="15294" x2="29487" y2="17647"/>
+                        <a14:foregroundMark x1="28462" y1="7353" x2="32564" y2="4412"/>
+                        <a14:foregroundMark x1="43333" y1="12647" x2="45128" y2="27941"/>
+                        <a14:foregroundMark x1="45128" y1="27941" x2="43333" y2="31471"/>
+                        <a14:foregroundMark x1="44359" y1="15294" x2="45128" y2="30294"/>
+                        <a14:foregroundMark x1="45128" y1="30294" x2="42308" y2="33824"/>
+                        <a14:foregroundMark x1="21795" y1="30000" x2="31538" y2="37941"/>
+                        <a14:foregroundMark x1="24103" y1="34118" x2="35641" y2="38529"/>
+                        <a14:foregroundMark x1="43590" y1="32059" x2="31282" y2="38529"/>
+                        <a14:foregroundMark x1="31282" y1="38529" x2="28205" y2="37059"/>
+                        <a14:foregroundMark x1="69231" y1="13235" x2="66667" y2="14118"/>
+                        <a14:foregroundMark x1="86154" y1="41765" x2="83590" y2="41471"/>
+                        <a14:foregroundMark x1="9231" y1="45294" x2="11026" y2="46176"/>
+                        <a14:foregroundMark x1="66667" y1="85294" x2="62564" y2="88235"/>
+                        <a14:foregroundMark x1="33077" y1="88824" x2="29231" y2="88235"/>
+                        <a14:foregroundMark x1="29487" y1="94412" x2="35385" y2="90882"/>
+                        <a14:foregroundMark x1="63077" y1="96471" x2="67949" y2="96176"/>
+                        <a14:foregroundMark x1="32308" y1="97059" x2="32308" y2="97059"/>
+                        <a14:foregroundMark x1="93590" y1="42059" x2="93590" y2="42059"/>
+                        <a14:foregroundMark x1="97179" y1="44412" x2="97179" y2="44412"/>
+                        <a14:foregroundMark x1="4872" y1="45882" x2="4872" y2="45882"/>
+                        <a14:foregroundMark x1="21795" y1="22353" x2="21795" y2="22353"/>
+                        <a14:foregroundMark x1="21026" y1="22647" x2="21026" y2="22647"/>
+                      </a14:backgroundRemoval>
+                    </a14:imgEffect>
+                  </a14:imgLayer>
+                </a14:imgProps>
+              </a:ext>
+              <a:ext uri="{28A0092B-C50C-407E-A947-70E740481C1C}">
+                <a14:useLocalDpi xmlns:a14="http://schemas.microsoft.com/office/drawing/2010/main" val="0"/>
+              </a:ext>
+            </a:extLst>
+          </a:blip>
+          <a:stretch>
+            <a:fillRect/>
+          </a:stretch>
+        </p:blipFill>
+        <p:spPr>
+          <a:xfrm>
+            <a:off x="9987208" y="5217790"/>
+            <a:ext cx="1183633" cy="1031886"/>
+          </a:xfrm>
+          <a:prstGeom prst="rect">
+            <a:avLst/>
+          </a:prstGeom>
+        </p:spPr>
+      </p:pic>
+      <p:pic>
+        <p:nvPicPr>
+          <p:cNvPr id="13" name="그림 12" descr="나이프이(가) 표시된 사진&#10;&#10;자동 생성된 설명">
+            <a:extLst>
+              <a:ext uri="{FF2B5EF4-FFF2-40B4-BE49-F238E27FC236}">
+                <a16:creationId xmlns:a16="http://schemas.microsoft.com/office/drawing/2014/main" id="{37644AFE-BE26-44A7-8D55-8C8BFAAF3982}"/>
+              </a:ext>
+            </a:extLst>
+          </p:cNvPr>
+          <p:cNvPicPr>
+            <a:picLocks noChangeAspect="1"/>
+          </p:cNvPicPr>
+          <p:nvPr/>
+        </p:nvPicPr>
+        <p:blipFill>
+          <a:blip r:embed="rId4">
+            <a:duotone>
+              <a:schemeClr val="accent5">
+                <a:shade val="45000"/>
+                <a:satMod val="135000"/>
+              </a:schemeClr>
+              <a:prstClr val="white"/>
+            </a:duotone>
+            <a:extLst>
+              <a:ext uri="{BEBA8EAE-BF5A-486C-A8C5-ECC9F3942E4B}">
+                <a14:imgProps xmlns:a14="http://schemas.microsoft.com/office/drawing/2010/main">
+                  <a14:imgLayer r:embed="rId5">
+                    <a14:imgEffect>
+                      <a14:saturation sat="200000"/>
+                    </a14:imgEffect>
+                    <a14:imgEffect>
+                      <a14:brightnessContrast bright="40000" contrast="-20000"/>
+                    </a14:imgEffect>
+                  </a14:imgLayer>
+                </a14:imgProps>
+              </a:ext>
+              <a:ext uri="{28A0092B-C50C-407E-A947-70E740481C1C}">
+                <a14:useLocalDpi xmlns:a14="http://schemas.microsoft.com/office/drawing/2010/main" val="0"/>
+              </a:ext>
+            </a:extLst>
+          </a:blip>
+          <a:stretch>
+            <a:fillRect/>
+          </a:stretch>
+        </p:blipFill>
+        <p:spPr>
+          <a:xfrm>
+            <a:off x="10247540" y="4021327"/>
+            <a:ext cx="1343025" cy="561975"/>
+          </a:xfrm>
+          <a:prstGeom prst="rect">
+            <a:avLst/>
+          </a:prstGeom>
+          <a:noFill/>
+        </p:spPr>
+      </p:pic>
+      <p:pic>
+        <p:nvPicPr>
+          <p:cNvPr id="14" name="그림 13" descr="나이프이(가) 표시된 사진&#10;&#10;자동 생성된 설명">
+            <a:extLst>
+              <a:ext uri="{FF2B5EF4-FFF2-40B4-BE49-F238E27FC236}">
+                <a16:creationId xmlns:a16="http://schemas.microsoft.com/office/drawing/2014/main" id="{6B00DF79-A89F-46AE-8BBB-B3BEB20AC21B}"/>
+              </a:ext>
+            </a:extLst>
+          </p:cNvPr>
+          <p:cNvPicPr>
+            <a:picLocks noChangeAspect="1"/>
+          </p:cNvPicPr>
+          <p:nvPr/>
+        </p:nvPicPr>
+        <p:blipFill>
+          <a:blip r:embed="rId4">
+            <a:duotone>
+              <a:schemeClr val="accent5">
+                <a:shade val="45000"/>
+                <a:satMod val="135000"/>
+              </a:schemeClr>
+              <a:prstClr val="white"/>
+            </a:duotone>
+            <a:extLst>
+              <a:ext uri="{BEBA8EAE-BF5A-486C-A8C5-ECC9F3942E4B}">
+                <a14:imgProps xmlns:a14="http://schemas.microsoft.com/office/drawing/2010/main">
+                  <a14:imgLayer r:embed="rId5">
+                    <a14:imgEffect>
+                      <a14:saturation sat="200000"/>
+                    </a14:imgEffect>
+                    <a14:imgEffect>
+                      <a14:brightnessContrast bright="40000" contrast="-20000"/>
+                    </a14:imgEffect>
+                  </a14:imgLayer>
+                </a14:imgProps>
+              </a:ext>
+              <a:ext uri="{28A0092B-C50C-407E-A947-70E740481C1C}">
+                <a14:useLocalDpi xmlns:a14="http://schemas.microsoft.com/office/drawing/2010/main" val="0"/>
+              </a:ext>
+            </a:extLst>
+          </a:blip>
+          <a:stretch>
+            <a:fillRect/>
+          </a:stretch>
+        </p:blipFill>
+        <p:spPr>
+          <a:xfrm>
+            <a:off x="9602813" y="2434245"/>
+            <a:ext cx="1343025" cy="561975"/>
+          </a:xfrm>
+          <a:prstGeom prst="rect">
+            <a:avLst/>
+          </a:prstGeom>
+          <a:noFill/>
+        </p:spPr>
+      </p:pic>
+      <p:sp>
+        <p:nvSpPr>
+          <p:cNvPr id="15" name="직사각형 14">
+            <a:extLst>
+              <a:ext uri="{FF2B5EF4-FFF2-40B4-BE49-F238E27FC236}">
+                <a16:creationId xmlns:a16="http://schemas.microsoft.com/office/drawing/2014/main" id="{1D71A671-A0CA-4B6E-BFB1-B7F57FC993C1}"/>
+              </a:ext>
+            </a:extLst>
+          </p:cNvPr>
+          <p:cNvSpPr/>
+          <p:nvPr/>
+        </p:nvSpPr>
+        <p:spPr>
+          <a:xfrm>
+            <a:off x="94985" y="100900"/>
+            <a:ext cx="926172" cy="692818"/>
+          </a:xfrm>
+          <a:prstGeom prst="rect">
+            <a:avLst/>
+          </a:prstGeom>
+          <a:solidFill>
+            <a:srgbClr val="C2DDFA">
+              <a:alpha val="69804"/>
+            </a:srgbClr>
+          </a:solidFill>
+          <a:ln w="19050">
+            <a:noFill/>
+          </a:ln>
+        </p:spPr>
+        <p:style>
+          <a:lnRef idx="2">
+            <a:schemeClr val="accent1">
+              <a:shade val="50000"/>
+            </a:schemeClr>
+          </a:lnRef>
+          <a:fillRef idx="1">
+            <a:schemeClr val="accent1"/>
+          </a:fillRef>
+          <a:effectRef idx="0">
+            <a:schemeClr val="accent1"/>
+          </a:effectRef>
+          <a:fontRef idx="minor">
+            <a:schemeClr val="lt1"/>
+          </a:fontRef>
+        </p:style>
+        <p:txBody>
+          <a:bodyPr rtlCol="0" anchor="ctr"/>
+          <a:lstStyle/>
+          <a:p>
+            <a:pPr algn="ctr"/>
+            <a:endParaRPr lang="ko-KR" altLang="en-US"/>
+          </a:p>
+        </p:txBody>
+      </p:sp>
+      <p:sp>
+        <p:nvSpPr>
+          <p:cNvPr id="16" name="사각형: 둥근 위쪽 모서리 15">
+            <a:extLst>
+              <a:ext uri="{FF2B5EF4-FFF2-40B4-BE49-F238E27FC236}">
+                <a16:creationId xmlns:a16="http://schemas.microsoft.com/office/drawing/2014/main" id="{0EBCE2C6-ED14-4568-95BB-440571CAF495}"/>
+              </a:ext>
+            </a:extLst>
+          </p:cNvPr>
+          <p:cNvSpPr/>
+          <p:nvPr/>
+        </p:nvSpPr>
+        <p:spPr>
+          <a:xfrm>
+            <a:off x="354286" y="1296089"/>
+            <a:ext cx="1333742" cy="388968"/>
+          </a:xfrm>
+          <a:prstGeom prst="round2SameRect">
+            <a:avLst>
+              <a:gd name="adj1" fmla="val 38706"/>
+              <a:gd name="adj2" fmla="val 0"/>
+            </a:avLst>
+          </a:prstGeom>
+          <a:solidFill>
+            <a:schemeClr val="accent1">
+              <a:lumMod val="60000"/>
+              <a:lumOff val="40000"/>
+              <a:alpha val="70000"/>
+            </a:schemeClr>
+          </a:solidFill>
+          <a:ln>
+            <a:noFill/>
+          </a:ln>
+        </p:spPr>
+        <p:style>
+          <a:lnRef idx="2">
+            <a:schemeClr val="accent1">
+              <a:shade val="50000"/>
+            </a:schemeClr>
+          </a:lnRef>
+          <a:fillRef idx="1">
+            <a:schemeClr val="accent1"/>
+          </a:fillRef>
+          <a:effectRef idx="0">
+            <a:schemeClr val="accent1"/>
+          </a:effectRef>
+          <a:fontRef idx="minor">
+            <a:schemeClr val="lt1"/>
+          </a:fontRef>
+        </p:style>
+        <p:txBody>
+          <a:bodyPr rtlCol="0" anchor="ctr"/>
+          <a:lstStyle/>
+          <a:p>
+            <a:pPr algn="ctr"/>
+            <a:endParaRPr lang="ko-KR" altLang="en-US" sz="1400" dirty="0">
+              <a:solidFill>
+                <a:schemeClr val="tx1">
+                  <a:lumMod val="75000"/>
+                  <a:lumOff val="25000"/>
+                </a:schemeClr>
+              </a:solidFill>
+            </a:endParaRPr>
+          </a:p>
+        </p:txBody>
+      </p:sp>
+    </p:spTree>
+    <p:extLst>
+      <p:ext uri="{BB962C8B-B14F-4D97-AF65-F5344CB8AC3E}">
+        <p14:creationId xmlns:p14="http://schemas.microsoft.com/office/powerpoint/2010/main" val="965323699"/>
+      </p:ext>
+    </p:extLst>
+  </p:cSld>
+  <p:clrMapOvr>
+    <a:masterClrMapping/>
+  </p:clrMapOvr>
+</p:sld>
+</file>
+
 <file path=ppt/slides/slide2.xml><?xml version="1.0" encoding="utf-8"?>
 <p:sld xmlns:a="http://schemas.openxmlformats.org/drawingml/2006/main" xmlns:r="http://schemas.openxmlformats.org/officeDocument/2006/relationships" xmlns:p="http://schemas.openxmlformats.org/presentationml/2006/main">
   <p:cSld>
@@ -12428,6 +14391,243 @@
     <p:extLst>
       <p:ext uri="{BB962C8B-B14F-4D97-AF65-F5344CB8AC3E}">
         <p14:creationId xmlns:p14="http://schemas.microsoft.com/office/powerpoint/2010/main" val="411816148"/>
+      </p:ext>
+    </p:extLst>
+  </p:cSld>
+  <p:clrMapOvr>
+    <a:masterClrMapping/>
+  </p:clrMapOvr>
+</p:sld>
+</file>
+
+<file path=ppt/slides/slide20.xml><?xml version="1.0" encoding="utf-8"?>
+<p:sld xmlns:a="http://schemas.openxmlformats.org/drawingml/2006/main" xmlns:r="http://schemas.openxmlformats.org/officeDocument/2006/relationships" xmlns:p="http://schemas.openxmlformats.org/presentationml/2006/main">
+  <p:cSld>
+    <p:bg>
+      <p:bgPr>
+        <a:solidFill>
+          <a:schemeClr val="bg1"/>
+        </a:solidFill>
+        <a:effectLst/>
+      </p:bgPr>
+    </p:bg>
+    <p:spTree>
+      <p:nvGrpSpPr>
+        <p:cNvPr id="1" name=""/>
+        <p:cNvGrpSpPr/>
+        <p:nvPr/>
+      </p:nvGrpSpPr>
+      <p:grpSpPr>
+        <a:xfrm>
+          <a:off x="0" y="0"/>
+          <a:ext cx="0" cy="0"/>
+          <a:chOff x="0" y="0"/>
+          <a:chExt cx="0" cy="0"/>
+        </a:xfrm>
+      </p:grpSpPr>
+      <p:sp>
+        <p:nvSpPr>
+          <p:cNvPr id="5" name="사각형: 둥근 모서리 4">
+            <a:extLst>
+              <a:ext uri="{FF2B5EF4-FFF2-40B4-BE49-F238E27FC236}">
+                <a16:creationId xmlns:a16="http://schemas.microsoft.com/office/drawing/2014/main" id="{4C177870-FBBC-4017-9F2B-5A6E8846FDDC}"/>
+              </a:ext>
+            </a:extLst>
+          </p:cNvPr>
+          <p:cNvSpPr/>
+          <p:nvPr/>
+        </p:nvSpPr>
+        <p:spPr>
+          <a:xfrm>
+            <a:off x="4216761" y="682023"/>
+            <a:ext cx="3758475" cy="5847375"/>
+          </a:xfrm>
+          <a:prstGeom prst="roundRect">
+            <a:avLst>
+              <a:gd name="adj" fmla="val 2995"/>
+            </a:avLst>
+          </a:prstGeom>
+          <a:solidFill>
+            <a:srgbClr val="D4E7FC">
+              <a:alpha val="70000"/>
+            </a:srgbClr>
+          </a:solidFill>
+          <a:ln w="19050">
+            <a:solidFill>
+              <a:schemeClr val="accent1">
+                <a:lumMod val="40000"/>
+                <a:lumOff val="60000"/>
+              </a:schemeClr>
+            </a:solidFill>
+          </a:ln>
+        </p:spPr>
+        <p:style>
+          <a:lnRef idx="2">
+            <a:schemeClr val="accent1">
+              <a:shade val="50000"/>
+            </a:schemeClr>
+          </a:lnRef>
+          <a:fillRef idx="1">
+            <a:schemeClr val="accent1"/>
+          </a:fillRef>
+          <a:effectRef idx="0">
+            <a:schemeClr val="accent1"/>
+          </a:effectRef>
+          <a:fontRef idx="minor">
+            <a:schemeClr val="lt1"/>
+          </a:fontRef>
+        </p:style>
+        <p:txBody>
+          <a:bodyPr rtlCol="0" anchor="t" anchorCtr="0"/>
+          <a:lstStyle/>
+          <a:p>
+            <a:pPr algn="ctr">
+              <a:lnSpc>
+                <a:spcPct val="150000"/>
+              </a:lnSpc>
+            </a:pPr>
+            <a:endParaRPr lang="ko-KR" altLang="en-US" dirty="0">
+              <a:solidFill>
+                <a:srgbClr val="093DBF"/>
+              </a:solidFill>
+            </a:endParaRPr>
+          </a:p>
+        </p:txBody>
+      </p:sp>
+      <p:pic>
+        <p:nvPicPr>
+          <p:cNvPr id="6" name="그림 5" descr="나이프이(가) 표시된 사진&#10;&#10;자동 생성된 설명">
+            <a:extLst>
+              <a:ext uri="{FF2B5EF4-FFF2-40B4-BE49-F238E27FC236}">
+                <a16:creationId xmlns:a16="http://schemas.microsoft.com/office/drawing/2014/main" id="{9438AB94-4962-493F-94E1-1A3907D7E3CB}"/>
+              </a:ext>
+            </a:extLst>
+          </p:cNvPr>
+          <p:cNvPicPr>
+            <a:picLocks noChangeAspect="1"/>
+          </p:cNvPicPr>
+          <p:nvPr/>
+        </p:nvPicPr>
+        <p:blipFill>
+          <a:blip r:embed="rId2">
+            <a:duotone>
+              <a:schemeClr val="accent5">
+                <a:shade val="45000"/>
+                <a:satMod val="135000"/>
+              </a:schemeClr>
+              <a:prstClr val="white"/>
+            </a:duotone>
+            <a:extLst>
+              <a:ext uri="{BEBA8EAE-BF5A-486C-A8C5-ECC9F3942E4B}">
+                <a14:imgProps xmlns:a14="http://schemas.microsoft.com/office/drawing/2010/main">
+                  <a14:imgLayer r:embed="rId3">
+                    <a14:imgEffect>
+                      <a14:saturation sat="200000"/>
+                    </a14:imgEffect>
+                    <a14:imgEffect>
+                      <a14:brightnessContrast bright="40000" contrast="-20000"/>
+                    </a14:imgEffect>
+                  </a14:imgLayer>
+                </a14:imgProps>
+              </a:ext>
+              <a:ext uri="{28A0092B-C50C-407E-A947-70E740481C1C}">
+                <a14:useLocalDpi xmlns:a14="http://schemas.microsoft.com/office/drawing/2010/main" val="0"/>
+              </a:ext>
+            </a:extLst>
+          </a:blip>
+          <a:stretch>
+            <a:fillRect/>
+          </a:stretch>
+        </p:blipFill>
+        <p:spPr>
+          <a:xfrm>
+            <a:off x="5424485" y="5707472"/>
+            <a:ext cx="1343025" cy="561975"/>
+          </a:xfrm>
+          <a:prstGeom prst="rect">
+            <a:avLst/>
+          </a:prstGeom>
+          <a:noFill/>
+        </p:spPr>
+      </p:pic>
+      <p:sp>
+        <p:nvSpPr>
+          <p:cNvPr id="7" name="사각형: 둥근 모서리 6">
+            <a:extLst>
+              <a:ext uri="{FF2B5EF4-FFF2-40B4-BE49-F238E27FC236}">
+                <a16:creationId xmlns:a16="http://schemas.microsoft.com/office/drawing/2014/main" id="{83F36F27-F1E9-431E-A366-6D00482DE238}"/>
+              </a:ext>
+            </a:extLst>
+          </p:cNvPr>
+          <p:cNvSpPr/>
+          <p:nvPr/>
+        </p:nvSpPr>
+        <p:spPr>
+          <a:xfrm>
+            <a:off x="5097569" y="302746"/>
+            <a:ext cx="1996861" cy="758555"/>
+          </a:xfrm>
+          <a:prstGeom prst="roundRect">
+            <a:avLst>
+              <a:gd name="adj" fmla="val 4294"/>
+            </a:avLst>
+          </a:prstGeom>
+          <a:solidFill>
+            <a:schemeClr val="accent1">
+              <a:lumMod val="40000"/>
+              <a:lumOff val="60000"/>
+            </a:schemeClr>
+          </a:solidFill>
+          <a:ln w="19050">
+            <a:solidFill>
+              <a:srgbClr val="B0C3E6"/>
+            </a:solidFill>
+          </a:ln>
+          <a:effectLst>
+            <a:outerShdw blurRad="50800" dist="38100" dir="5400000" algn="t" rotWithShape="0">
+              <a:prstClr val="black">
+                <a:alpha val="40000"/>
+              </a:prstClr>
+            </a:outerShdw>
+          </a:effectLst>
+        </p:spPr>
+        <p:style>
+          <a:lnRef idx="2">
+            <a:schemeClr val="accent1">
+              <a:shade val="50000"/>
+            </a:schemeClr>
+          </a:lnRef>
+          <a:fillRef idx="1">
+            <a:schemeClr val="accent1"/>
+          </a:fillRef>
+          <a:effectRef idx="0">
+            <a:schemeClr val="accent1"/>
+          </a:effectRef>
+          <a:fontRef idx="minor">
+            <a:schemeClr val="lt1"/>
+          </a:fontRef>
+        </p:style>
+        <p:txBody>
+          <a:bodyPr rtlCol="0" anchor="ctr" anchorCtr="0"/>
+          <a:lstStyle/>
+          <a:p>
+            <a:pPr algn="ctr">
+              <a:lnSpc>
+                <a:spcPct val="150000"/>
+              </a:lnSpc>
+            </a:pPr>
+            <a:endParaRPr lang="ko-KR" altLang="en-US" dirty="0">
+              <a:solidFill>
+                <a:srgbClr val="093DBF"/>
+              </a:solidFill>
+            </a:endParaRPr>
+          </a:p>
+        </p:txBody>
+      </p:sp>
+    </p:spTree>
+    <p:extLst>
+      <p:ext uri="{BB962C8B-B14F-4D97-AF65-F5344CB8AC3E}">
+        <p14:creationId xmlns:p14="http://schemas.microsoft.com/office/powerpoint/2010/main" val="321134761"/>
       </p:ext>
     </p:extLst>
   </p:cSld>

--- a/이미지들.pptx
+++ b/이미지들.pptx
@@ -141,466 +141,6 @@
 
 <file path=ppt/changesInfos/changesInfo1.xml><?xml version="1.0" encoding="utf-8"?>
 <pc:chgInfo xmlns:a="http://schemas.openxmlformats.org/drawingml/2006/main" xmlns:r="http://schemas.openxmlformats.org/officeDocument/2006/relationships" xmlns:ac="http://schemas.microsoft.com/office/drawing/2013/main/command" xmlns:pc="http://schemas.microsoft.com/office/powerpoint/2013/main/command">
-  <pc:docChgLst>
-    <pc:chgData name=" " userId="c953af65-a220-40f8-9b11-e29da02892c7" providerId="ADAL" clId="{71478A94-ED1F-4112-9BEE-948EB8719C60}"/>
-    <pc:docChg chg="undo redo custSel addSld modSld sldOrd">
-      <pc:chgData name=" " userId="c953af65-a220-40f8-9b11-e29da02892c7" providerId="ADAL" clId="{71478A94-ED1F-4112-9BEE-948EB8719C60}" dt="2020-05-26T22:56:23.302" v="393" actId="1076"/>
-      <pc:docMkLst>
-        <pc:docMk/>
-      </pc:docMkLst>
-      <pc:sldChg chg="addSp delSp modSp">
-        <pc:chgData name=" " userId="c953af65-a220-40f8-9b11-e29da02892c7" providerId="ADAL" clId="{71478A94-ED1F-4112-9BEE-948EB8719C60}" dt="2020-05-06T08:53:25.056" v="1"/>
-        <pc:sldMkLst>
-          <pc:docMk/>
-          <pc:sldMk cId="3066499310" sldId="269"/>
-        </pc:sldMkLst>
-        <pc:spChg chg="add del mod">
-          <ac:chgData name=" " userId="c953af65-a220-40f8-9b11-e29da02892c7" providerId="ADAL" clId="{71478A94-ED1F-4112-9BEE-948EB8719C60}" dt="2020-05-06T08:53:25.056" v="1"/>
-          <ac:spMkLst>
-            <pc:docMk/>
-            <pc:sldMk cId="3066499310" sldId="269"/>
-            <ac:spMk id="42" creationId="{3217FD29-0B20-4BF2-9803-0B1DE25088F8}"/>
-          </ac:spMkLst>
-        </pc:spChg>
-      </pc:sldChg>
-      <pc:sldChg chg="addSp delSp modSp add mod ord">
-        <pc:chgData name=" " userId="c953af65-a220-40f8-9b11-e29da02892c7" providerId="ADAL" clId="{71478A94-ED1F-4112-9BEE-948EB8719C60}" dt="2020-05-06T09:19:44.703" v="21" actId="931"/>
-        <pc:sldMkLst>
-          <pc:docMk/>
-          <pc:sldMk cId="4025202055" sldId="272"/>
-        </pc:sldMkLst>
-        <pc:spChg chg="add del mod">
-          <ac:chgData name=" " userId="c953af65-a220-40f8-9b11-e29da02892c7" providerId="ADAL" clId="{71478A94-ED1F-4112-9BEE-948EB8719C60}" dt="2020-05-06T08:54:01.283" v="11" actId="11529"/>
-          <ac:spMkLst>
-            <pc:docMk/>
-            <pc:sldMk cId="4025202055" sldId="272"/>
-            <ac:spMk id="2" creationId="{E672CF5A-87F7-44E1-BEE2-6426089F9AB0}"/>
-          </ac:spMkLst>
-        </pc:spChg>
-        <pc:spChg chg="del">
-          <ac:chgData name=" " userId="c953af65-a220-40f8-9b11-e29da02892c7" providerId="ADAL" clId="{71478A94-ED1F-4112-9BEE-948EB8719C60}" dt="2020-05-06T08:53:33.363" v="5" actId="478"/>
-          <ac:spMkLst>
-            <pc:docMk/>
-            <pc:sldMk cId="4025202055" sldId="272"/>
-            <ac:spMk id="27" creationId="{528972B3-E3FB-4B70-8120-894B762671B3}"/>
-          </ac:spMkLst>
-        </pc:spChg>
-        <pc:spChg chg="add mod">
-          <ac:chgData name=" " userId="c953af65-a220-40f8-9b11-e29da02892c7" providerId="ADAL" clId="{71478A94-ED1F-4112-9BEE-948EB8719C60}" dt="2020-05-06T08:56:45.060" v="20" actId="14100"/>
-          <ac:spMkLst>
-            <pc:docMk/>
-            <pc:sldMk cId="4025202055" sldId="272"/>
-            <ac:spMk id="29" creationId="{336EE77E-455A-4144-8FD7-E1DBB14BE393}"/>
-          </ac:spMkLst>
-        </pc:spChg>
-        <pc:spChg chg="del">
-          <ac:chgData name=" " userId="c953af65-a220-40f8-9b11-e29da02892c7" providerId="ADAL" clId="{71478A94-ED1F-4112-9BEE-948EB8719C60}" dt="2020-05-06T08:53:33.363" v="5" actId="478"/>
-          <ac:spMkLst>
-            <pc:docMk/>
-            <pc:sldMk cId="4025202055" sldId="272"/>
-            <ac:spMk id="31" creationId="{1FB54033-1131-40B1-8A20-B993EB1DB5B2}"/>
-          </ac:spMkLst>
-        </pc:spChg>
-        <pc:spChg chg="del">
-          <ac:chgData name=" " userId="c953af65-a220-40f8-9b11-e29da02892c7" providerId="ADAL" clId="{71478A94-ED1F-4112-9BEE-948EB8719C60}" dt="2020-05-06T08:53:33.363" v="5" actId="478"/>
-          <ac:spMkLst>
-            <pc:docMk/>
-            <pc:sldMk cId="4025202055" sldId="272"/>
-            <ac:spMk id="36" creationId="{931A94B6-FBD5-47E9-9BF0-203EF70E7982}"/>
-          </ac:spMkLst>
-        </pc:spChg>
-        <pc:spChg chg="del">
-          <ac:chgData name=" " userId="c953af65-a220-40f8-9b11-e29da02892c7" providerId="ADAL" clId="{71478A94-ED1F-4112-9BEE-948EB8719C60}" dt="2020-05-06T08:53:33.363" v="5" actId="478"/>
-          <ac:spMkLst>
-            <pc:docMk/>
-            <pc:sldMk cId="4025202055" sldId="272"/>
-            <ac:spMk id="37" creationId="{AC87ABFF-6534-4374-BCD8-A25BDC4279CA}"/>
-          </ac:spMkLst>
-        </pc:spChg>
-        <pc:spChg chg="del">
-          <ac:chgData name=" " userId="c953af65-a220-40f8-9b11-e29da02892c7" providerId="ADAL" clId="{71478A94-ED1F-4112-9BEE-948EB8719C60}" dt="2020-05-06T08:53:33.363" v="5" actId="478"/>
-          <ac:spMkLst>
-            <pc:docMk/>
-            <pc:sldMk cId="4025202055" sldId="272"/>
-            <ac:spMk id="38" creationId="{6E216610-A590-40C1-B3A2-58FA1A580906}"/>
-          </ac:spMkLst>
-        </pc:spChg>
-        <pc:spChg chg="del">
-          <ac:chgData name=" " userId="c953af65-a220-40f8-9b11-e29da02892c7" providerId="ADAL" clId="{71478A94-ED1F-4112-9BEE-948EB8719C60}" dt="2020-05-06T08:53:33.363" v="5" actId="478"/>
-          <ac:spMkLst>
-            <pc:docMk/>
-            <pc:sldMk cId="4025202055" sldId="272"/>
-            <ac:spMk id="39" creationId="{AF0FAB9F-93EB-41B7-BE16-4E101D05CB10}"/>
-          </ac:spMkLst>
-        </pc:spChg>
-        <pc:spChg chg="del">
-          <ac:chgData name=" " userId="c953af65-a220-40f8-9b11-e29da02892c7" providerId="ADAL" clId="{71478A94-ED1F-4112-9BEE-948EB8719C60}" dt="2020-05-06T08:53:33.363" v="5" actId="478"/>
-          <ac:spMkLst>
-            <pc:docMk/>
-            <pc:sldMk cId="4025202055" sldId="272"/>
-            <ac:spMk id="40" creationId="{63FCCA5C-DA5B-4A25-A76C-C583E13856C6}"/>
-          </ac:spMkLst>
-        </pc:spChg>
-        <pc:spChg chg="del">
-          <ac:chgData name=" " userId="c953af65-a220-40f8-9b11-e29da02892c7" providerId="ADAL" clId="{71478A94-ED1F-4112-9BEE-948EB8719C60}" dt="2020-05-06T08:53:33.363" v="5" actId="478"/>
-          <ac:spMkLst>
-            <pc:docMk/>
-            <pc:sldMk cId="4025202055" sldId="272"/>
-            <ac:spMk id="41" creationId="{63A8FF8D-076A-4BCA-AE39-803026247B82}"/>
-          </ac:spMkLst>
-        </pc:spChg>
-        <pc:grpChg chg="del">
-          <ac:chgData name=" " userId="c953af65-a220-40f8-9b11-e29da02892c7" providerId="ADAL" clId="{71478A94-ED1F-4112-9BEE-948EB8719C60}" dt="2020-05-06T08:53:33.363" v="5" actId="478"/>
-          <ac:grpSpMkLst>
-            <pc:docMk/>
-            <pc:sldMk cId="4025202055" sldId="272"/>
-            <ac:grpSpMk id="54" creationId="{B67EFE06-237B-48D4-B0B7-E67A41CE977B}"/>
-          </ac:grpSpMkLst>
-        </pc:grpChg>
-        <pc:picChg chg="add mod">
-          <ac:chgData name=" " userId="c953af65-a220-40f8-9b11-e29da02892c7" providerId="ADAL" clId="{71478A94-ED1F-4112-9BEE-948EB8719C60}" dt="2020-05-06T09:19:44.703" v="21" actId="931"/>
-          <ac:picMkLst>
-            <pc:docMk/>
-            <pc:sldMk cId="4025202055" sldId="272"/>
-            <ac:picMk id="4" creationId="{C7DFD89F-3EE4-453A-95C8-782BC6009E3A}"/>
-          </ac:picMkLst>
-        </pc:picChg>
-        <pc:picChg chg="del">
-          <ac:chgData name=" " userId="c953af65-a220-40f8-9b11-e29da02892c7" providerId="ADAL" clId="{71478A94-ED1F-4112-9BEE-948EB8719C60}" dt="2020-05-06T08:53:33.363" v="5" actId="478"/>
-          <ac:picMkLst>
-            <pc:docMk/>
-            <pc:sldMk cId="4025202055" sldId="272"/>
-            <ac:picMk id="8" creationId="{01CB66F3-7A16-4CE8-BFFA-DD44816B532D}"/>
-          </ac:picMkLst>
-        </pc:picChg>
-        <pc:picChg chg="del">
-          <ac:chgData name=" " userId="c953af65-a220-40f8-9b11-e29da02892c7" providerId="ADAL" clId="{71478A94-ED1F-4112-9BEE-948EB8719C60}" dt="2020-05-06T08:53:33.363" v="5" actId="478"/>
-          <ac:picMkLst>
-            <pc:docMk/>
-            <pc:sldMk cId="4025202055" sldId="272"/>
-            <ac:picMk id="10" creationId="{A28EABAB-75B3-4EA9-849D-6241747393AB}"/>
-          </ac:picMkLst>
-        </pc:picChg>
-      </pc:sldChg>
-      <pc:sldChg chg="addSp delSp modSp add mod setBg">
-        <pc:chgData name=" " userId="c953af65-a220-40f8-9b11-e29da02892c7" providerId="ADAL" clId="{71478A94-ED1F-4112-9BEE-948EB8719C60}" dt="2020-05-15T04:48:38.769" v="370" actId="1076"/>
-        <pc:sldMkLst>
-          <pc:docMk/>
-          <pc:sldMk cId="965323699" sldId="273"/>
-        </pc:sldMkLst>
-        <pc:spChg chg="add mod">
-          <ac:chgData name=" " userId="c953af65-a220-40f8-9b11-e29da02892c7" providerId="ADAL" clId="{71478A94-ED1F-4112-9BEE-948EB8719C60}" dt="2020-05-15T04:48:10.721" v="367" actId="1076"/>
-          <ac:spMkLst>
-            <pc:docMk/>
-            <pc:sldMk cId="965323699" sldId="273"/>
-            <ac:spMk id="5" creationId="{63B2D545-84D4-43F0-AF7A-7CEEE0B7BBC7}"/>
-          </ac:spMkLst>
-        </pc:spChg>
-        <pc:spChg chg="add mod">
-          <ac:chgData name=" " userId="c953af65-a220-40f8-9b11-e29da02892c7" providerId="ADAL" clId="{71478A94-ED1F-4112-9BEE-948EB8719C60}" dt="2020-05-15T04:47:48.341" v="334" actId="692"/>
-          <ac:spMkLst>
-            <pc:docMk/>
-            <pc:sldMk cId="965323699" sldId="273"/>
-            <ac:spMk id="6" creationId="{A22F4B80-48D7-48B3-A66D-BDCD859C66F3}"/>
-          </ac:spMkLst>
-        </pc:spChg>
-        <pc:spChg chg="add mod">
-          <ac:chgData name=" " userId="c953af65-a220-40f8-9b11-e29da02892c7" providerId="ADAL" clId="{71478A94-ED1F-4112-9BEE-948EB8719C60}" dt="2020-05-15T03:14:13.619" v="285" actId="6549"/>
-          <ac:spMkLst>
-            <pc:docMk/>
-            <pc:sldMk cId="965323699" sldId="273"/>
-            <ac:spMk id="7" creationId="{7DDC191C-C90A-46BF-982B-0CD322E82EE4}"/>
-          </ac:spMkLst>
-        </pc:spChg>
-        <pc:spChg chg="add mod">
-          <ac:chgData name=" " userId="c953af65-a220-40f8-9b11-e29da02892c7" providerId="ADAL" clId="{71478A94-ED1F-4112-9BEE-948EB8719C60}" dt="2020-05-15T03:14:14.343" v="286" actId="6549"/>
-          <ac:spMkLst>
-            <pc:docMk/>
-            <pc:sldMk cId="965323699" sldId="273"/>
-            <ac:spMk id="8" creationId="{37E61A21-CC5E-4A1C-B61A-9663D3B3E801}"/>
-          </ac:spMkLst>
-        </pc:spChg>
-        <pc:spChg chg="add mod">
-          <ac:chgData name=" " userId="c953af65-a220-40f8-9b11-e29da02892c7" providerId="ADAL" clId="{71478A94-ED1F-4112-9BEE-948EB8719C60}" dt="2020-05-15T04:48:18.510" v="368" actId="1076"/>
-          <ac:spMkLst>
-            <pc:docMk/>
-            <pc:sldMk cId="965323699" sldId="273"/>
-            <ac:spMk id="9" creationId="{E6104536-B044-4ED2-A556-43B92DA89545}"/>
-          </ac:spMkLst>
-        </pc:spChg>
-        <pc:spChg chg="add mod">
-          <ac:chgData name=" " userId="c953af65-a220-40f8-9b11-e29da02892c7" providerId="ADAL" clId="{71478A94-ED1F-4112-9BEE-948EB8719C60}" dt="2020-05-15T04:48:18.510" v="368" actId="1076"/>
-          <ac:spMkLst>
-            <pc:docMk/>
-            <pc:sldMk cId="965323699" sldId="273"/>
-            <ac:spMk id="10" creationId="{1240DB34-AD78-48CA-BFA3-3F1562AF90CF}"/>
-          </ac:spMkLst>
-        </pc:spChg>
-        <pc:spChg chg="add mod">
-          <ac:chgData name=" " userId="c953af65-a220-40f8-9b11-e29da02892c7" providerId="ADAL" clId="{71478A94-ED1F-4112-9BEE-948EB8719C60}" dt="2020-05-15T04:48:00.851" v="363" actId="1036"/>
-          <ac:spMkLst>
-            <pc:docMk/>
-            <pc:sldMk cId="965323699" sldId="273"/>
-            <ac:spMk id="11" creationId="{55E47619-9257-40CC-8072-FB612450356C}"/>
-          </ac:spMkLst>
-        </pc:spChg>
-        <pc:spChg chg="add mod">
-          <ac:chgData name=" " userId="c953af65-a220-40f8-9b11-e29da02892c7" providerId="ADAL" clId="{71478A94-ED1F-4112-9BEE-948EB8719C60}" dt="2020-05-15T04:46:48.007" v="320" actId="14100"/>
-          <ac:spMkLst>
-            <pc:docMk/>
-            <pc:sldMk cId="965323699" sldId="273"/>
-            <ac:spMk id="15" creationId="{1D71A671-A0CA-4B6E-BFB1-B7F57FC993C1}"/>
-          </ac:spMkLst>
-        </pc:spChg>
-        <pc:spChg chg="add mod">
-          <ac:chgData name=" " userId="c953af65-a220-40f8-9b11-e29da02892c7" providerId="ADAL" clId="{71478A94-ED1F-4112-9BEE-948EB8719C60}" dt="2020-05-15T04:47:19.566" v="328" actId="1076"/>
-          <ac:spMkLst>
-            <pc:docMk/>
-            <pc:sldMk cId="965323699" sldId="273"/>
-            <ac:spMk id="16" creationId="{0EBCE2C6-ED14-4568-95BB-440571CAF495}"/>
-          </ac:spMkLst>
-        </pc:spChg>
-        <pc:spChg chg="del">
-          <ac:chgData name=" " userId="c953af65-a220-40f8-9b11-e29da02892c7" providerId="ADAL" clId="{71478A94-ED1F-4112-9BEE-948EB8719C60}" dt="2020-05-14T20:14:46.124" v="113" actId="478"/>
-          <ac:spMkLst>
-            <pc:docMk/>
-            <pc:sldMk cId="965323699" sldId="273"/>
-            <ac:spMk id="29" creationId="{336EE77E-455A-4144-8FD7-E1DBB14BE393}"/>
-          </ac:spMkLst>
-        </pc:spChg>
-        <pc:picChg chg="add mod">
-          <ac:chgData name=" " userId="c953af65-a220-40f8-9b11-e29da02892c7" providerId="ADAL" clId="{71478A94-ED1F-4112-9BEE-948EB8719C60}" dt="2020-05-15T04:48:38.769" v="370" actId="1076"/>
-          <ac:picMkLst>
-            <pc:docMk/>
-            <pc:sldMk cId="965323699" sldId="273"/>
-            <ac:picMk id="3" creationId="{7E6A20CC-FD60-4029-BEA4-EA1F7090268B}"/>
-          </ac:picMkLst>
-        </pc:picChg>
-        <pc:picChg chg="del">
-          <ac:chgData name=" " userId="c953af65-a220-40f8-9b11-e29da02892c7" providerId="ADAL" clId="{71478A94-ED1F-4112-9BEE-948EB8719C60}" dt="2020-05-14T05:59:02.176" v="23" actId="478"/>
-          <ac:picMkLst>
-            <pc:docMk/>
-            <pc:sldMk cId="965323699" sldId="273"/>
-            <ac:picMk id="4" creationId="{C7DFD89F-3EE4-453A-95C8-782BC6009E3A}"/>
-          </ac:picMkLst>
-        </pc:picChg>
-        <pc:picChg chg="add mod">
-          <ac:chgData name=" " userId="c953af65-a220-40f8-9b11-e29da02892c7" providerId="ADAL" clId="{71478A94-ED1F-4112-9BEE-948EB8719C60}" dt="2020-05-15T03:14:26.924" v="296" actId="1076"/>
-          <ac:picMkLst>
-            <pc:docMk/>
-            <pc:sldMk cId="965323699" sldId="273"/>
-            <ac:picMk id="13" creationId="{37644AFE-BE26-44A7-8D55-8C8BFAAF3982}"/>
-          </ac:picMkLst>
-        </pc:picChg>
-        <pc:picChg chg="add mod">
-          <ac:chgData name=" " userId="c953af65-a220-40f8-9b11-e29da02892c7" providerId="ADAL" clId="{71478A94-ED1F-4112-9BEE-948EB8719C60}" dt="2020-05-15T03:14:25.718" v="295" actId="1076"/>
-          <ac:picMkLst>
-            <pc:docMk/>
-            <pc:sldMk cId="965323699" sldId="273"/>
-            <ac:picMk id="14" creationId="{6B00DF79-A89F-46AE-8BBB-B3BEB20AC21B}"/>
-          </ac:picMkLst>
-        </pc:picChg>
-      </pc:sldChg>
-      <pc:sldChg chg="addSp delSp modSp add mod ord">
-        <pc:chgData name=" " userId="c953af65-a220-40f8-9b11-e29da02892c7" providerId="ADAL" clId="{71478A94-ED1F-4112-9BEE-948EB8719C60}" dt="2020-05-14T06:03:16.866" v="112" actId="1076"/>
-        <pc:sldMkLst>
-          <pc:docMk/>
-          <pc:sldMk cId="402695148" sldId="274"/>
-        </pc:sldMkLst>
-        <pc:spChg chg="del">
-          <ac:chgData name=" " userId="c953af65-a220-40f8-9b11-e29da02892c7" providerId="ADAL" clId="{71478A94-ED1F-4112-9BEE-948EB8719C60}" dt="2020-05-14T05:59:25.756" v="27" actId="478"/>
-          <ac:spMkLst>
-            <pc:docMk/>
-            <pc:sldMk cId="402695148" sldId="274"/>
-            <ac:spMk id="27" creationId="{528972B3-E3FB-4B70-8120-894B762671B3}"/>
-          </ac:spMkLst>
-        </pc:spChg>
-        <pc:spChg chg="del">
-          <ac:chgData name=" " userId="c953af65-a220-40f8-9b11-e29da02892c7" providerId="ADAL" clId="{71478A94-ED1F-4112-9BEE-948EB8719C60}" dt="2020-05-14T05:59:25.756" v="27" actId="478"/>
-          <ac:spMkLst>
-            <pc:docMk/>
-            <pc:sldMk cId="402695148" sldId="274"/>
-            <ac:spMk id="31" creationId="{1FB54033-1131-40B1-8A20-B993EB1DB5B2}"/>
-          </ac:spMkLst>
-        </pc:spChg>
-        <pc:spChg chg="add mod">
-          <ac:chgData name=" " userId="c953af65-a220-40f8-9b11-e29da02892c7" providerId="ADAL" clId="{71478A94-ED1F-4112-9BEE-948EB8719C60}" dt="2020-05-14T06:02:39.019" v="81" actId="14100"/>
-          <ac:spMkLst>
-            <pc:docMk/>
-            <pc:sldMk cId="402695148" sldId="274"/>
-            <ac:spMk id="34" creationId="{C5F06902-4BF6-4631-B271-4D59D9F77A27}"/>
-          </ac:spMkLst>
-        </pc:spChg>
-        <pc:spChg chg="add mod">
-          <ac:chgData name=" " userId="c953af65-a220-40f8-9b11-e29da02892c7" providerId="ADAL" clId="{71478A94-ED1F-4112-9BEE-948EB8719C60}" dt="2020-05-14T06:03:06.482" v="109" actId="1076"/>
-          <ac:spMkLst>
-            <pc:docMk/>
-            <pc:sldMk cId="402695148" sldId="274"/>
-            <ac:spMk id="35" creationId="{23761B99-4AF5-447E-8BAE-9D3B6D1B4815}"/>
-          </ac:spMkLst>
-        </pc:spChg>
-        <pc:spChg chg="del">
-          <ac:chgData name=" " userId="c953af65-a220-40f8-9b11-e29da02892c7" providerId="ADAL" clId="{71478A94-ED1F-4112-9BEE-948EB8719C60}" dt="2020-05-14T05:59:25.756" v="27" actId="478"/>
-          <ac:spMkLst>
-            <pc:docMk/>
-            <pc:sldMk cId="402695148" sldId="274"/>
-            <ac:spMk id="36" creationId="{931A94B6-FBD5-47E9-9BF0-203EF70E7982}"/>
-          </ac:spMkLst>
-        </pc:spChg>
-        <pc:spChg chg="del">
-          <ac:chgData name=" " userId="c953af65-a220-40f8-9b11-e29da02892c7" providerId="ADAL" clId="{71478A94-ED1F-4112-9BEE-948EB8719C60}" dt="2020-05-14T05:59:25.756" v="27" actId="478"/>
-          <ac:spMkLst>
-            <pc:docMk/>
-            <pc:sldMk cId="402695148" sldId="274"/>
-            <ac:spMk id="37" creationId="{AC87ABFF-6534-4374-BCD8-A25BDC4279CA}"/>
-          </ac:spMkLst>
-        </pc:spChg>
-        <pc:spChg chg="del">
-          <ac:chgData name=" " userId="c953af65-a220-40f8-9b11-e29da02892c7" providerId="ADAL" clId="{71478A94-ED1F-4112-9BEE-948EB8719C60}" dt="2020-05-14T05:59:25.756" v="27" actId="478"/>
-          <ac:spMkLst>
-            <pc:docMk/>
-            <pc:sldMk cId="402695148" sldId="274"/>
-            <ac:spMk id="38" creationId="{6E216610-A590-40C1-B3A2-58FA1A580906}"/>
-          </ac:spMkLst>
-        </pc:spChg>
-        <pc:spChg chg="del">
-          <ac:chgData name=" " userId="c953af65-a220-40f8-9b11-e29da02892c7" providerId="ADAL" clId="{71478A94-ED1F-4112-9BEE-948EB8719C60}" dt="2020-05-14T05:59:25.756" v="27" actId="478"/>
-          <ac:spMkLst>
-            <pc:docMk/>
-            <pc:sldMk cId="402695148" sldId="274"/>
-            <ac:spMk id="39" creationId="{AF0FAB9F-93EB-41B7-BE16-4E101D05CB10}"/>
-          </ac:spMkLst>
-        </pc:spChg>
-        <pc:spChg chg="del">
-          <ac:chgData name=" " userId="c953af65-a220-40f8-9b11-e29da02892c7" providerId="ADAL" clId="{71478A94-ED1F-4112-9BEE-948EB8719C60}" dt="2020-05-14T05:59:25.756" v="27" actId="478"/>
-          <ac:spMkLst>
-            <pc:docMk/>
-            <pc:sldMk cId="402695148" sldId="274"/>
-            <ac:spMk id="40" creationId="{63FCCA5C-DA5B-4A25-A76C-C583E13856C6}"/>
-          </ac:spMkLst>
-        </pc:spChg>
-        <pc:spChg chg="del">
-          <ac:chgData name=" " userId="c953af65-a220-40f8-9b11-e29da02892c7" providerId="ADAL" clId="{71478A94-ED1F-4112-9BEE-948EB8719C60}" dt="2020-05-14T05:59:25.756" v="27" actId="478"/>
-          <ac:spMkLst>
-            <pc:docMk/>
-            <pc:sldMk cId="402695148" sldId="274"/>
-            <ac:spMk id="41" creationId="{63A8FF8D-076A-4BCA-AE39-803026247B82}"/>
-          </ac:spMkLst>
-        </pc:spChg>
-        <pc:spChg chg="add mod">
-          <ac:chgData name=" " userId="c953af65-a220-40f8-9b11-e29da02892c7" providerId="ADAL" clId="{71478A94-ED1F-4112-9BEE-948EB8719C60}" dt="2020-05-14T06:02:54.783" v="107" actId="1076"/>
-          <ac:spMkLst>
-            <pc:docMk/>
-            <pc:sldMk cId="402695148" sldId="274"/>
-            <ac:spMk id="42" creationId="{17FEBA8A-421C-4B47-946C-8341513D277F}"/>
-          </ac:spMkLst>
-        </pc:spChg>
-        <pc:grpChg chg="del">
-          <ac:chgData name=" " userId="c953af65-a220-40f8-9b11-e29da02892c7" providerId="ADAL" clId="{71478A94-ED1F-4112-9BEE-948EB8719C60}" dt="2020-05-14T05:59:25.756" v="27" actId="478"/>
-          <ac:grpSpMkLst>
-            <pc:docMk/>
-            <pc:sldMk cId="402695148" sldId="274"/>
-            <ac:grpSpMk id="6" creationId="{8066A899-3291-4730-94E8-D83227DAB581}"/>
-          </ac:grpSpMkLst>
-        </pc:grpChg>
-        <pc:grpChg chg="mod">
-          <ac:chgData name=" " userId="c953af65-a220-40f8-9b11-e29da02892c7" providerId="ADAL" clId="{71478A94-ED1F-4112-9BEE-948EB8719C60}" dt="2020-05-14T06:02:16.163" v="77" actId="1076"/>
-          <ac:grpSpMkLst>
-            <pc:docMk/>
-            <pc:sldMk cId="402695148" sldId="274"/>
-            <ac:grpSpMk id="14" creationId="{16A0F8E0-F58A-4826-A847-44A942D76261}"/>
-          </ac:grpSpMkLst>
-        </pc:grpChg>
-        <pc:picChg chg="del">
-          <ac:chgData name=" " userId="c953af65-a220-40f8-9b11-e29da02892c7" providerId="ADAL" clId="{71478A94-ED1F-4112-9BEE-948EB8719C60}" dt="2020-05-14T05:59:25.756" v="27" actId="478"/>
-          <ac:picMkLst>
-            <pc:docMk/>
-            <pc:sldMk cId="402695148" sldId="274"/>
-            <ac:picMk id="8" creationId="{01CB66F3-7A16-4CE8-BFFA-DD44816B532D}"/>
-          </ac:picMkLst>
-        </pc:picChg>
-        <pc:picChg chg="del">
-          <ac:chgData name=" " userId="c953af65-a220-40f8-9b11-e29da02892c7" providerId="ADAL" clId="{71478A94-ED1F-4112-9BEE-948EB8719C60}" dt="2020-05-14T05:59:25.756" v="27" actId="478"/>
-          <ac:picMkLst>
-            <pc:docMk/>
-            <pc:sldMk cId="402695148" sldId="274"/>
-            <ac:picMk id="10" creationId="{A28EABAB-75B3-4EA9-849D-6241747393AB}"/>
-          </ac:picMkLst>
-        </pc:picChg>
-        <pc:picChg chg="add mod">
-          <ac:chgData name=" " userId="c953af65-a220-40f8-9b11-e29da02892c7" providerId="ADAL" clId="{71478A94-ED1F-4112-9BEE-948EB8719C60}" dt="2020-05-14T06:03:11.170" v="110" actId="1076"/>
-          <ac:picMkLst>
-            <pc:docMk/>
-            <pc:sldMk cId="402695148" sldId="274"/>
-            <ac:picMk id="43" creationId="{8F7F8C7D-8C30-472E-9D26-A421D559EA04}"/>
-          </ac:picMkLst>
-        </pc:picChg>
-        <pc:picChg chg="add del mod">
-          <ac:chgData name=" " userId="c953af65-a220-40f8-9b11-e29da02892c7" providerId="ADAL" clId="{71478A94-ED1F-4112-9BEE-948EB8719C60}" dt="2020-05-14T06:01:53.766" v="49" actId="478"/>
-          <ac:picMkLst>
-            <pc:docMk/>
-            <pc:sldMk cId="402695148" sldId="274"/>
-            <ac:picMk id="44" creationId="{DD5C6E3E-6E91-4EEA-9985-5D5DE354F0C1}"/>
-          </ac:picMkLst>
-        </pc:picChg>
-        <pc:picChg chg="add mod">
-          <ac:chgData name=" " userId="c953af65-a220-40f8-9b11-e29da02892c7" providerId="ADAL" clId="{71478A94-ED1F-4112-9BEE-948EB8719C60}" dt="2020-05-14T06:03:16.866" v="112" actId="1076"/>
-          <ac:picMkLst>
-            <pc:docMk/>
-            <pc:sldMk cId="402695148" sldId="274"/>
-            <ac:picMk id="45" creationId="{CA598CCE-7727-43FA-83D2-724D49140A2F}"/>
-          </ac:picMkLst>
-        </pc:picChg>
-      </pc:sldChg>
-      <pc:sldChg chg="addSp delSp modSp add mod ord">
-        <pc:chgData name=" " userId="c953af65-a220-40f8-9b11-e29da02892c7" providerId="ADAL" clId="{71478A94-ED1F-4112-9BEE-948EB8719C60}" dt="2020-05-26T22:56:23.302" v="393" actId="1076"/>
-        <pc:sldMkLst>
-          <pc:docMk/>
-          <pc:sldMk cId="321134761" sldId="275"/>
-        </pc:sldMkLst>
-        <pc:spChg chg="add mod">
-          <ac:chgData name=" " userId="c953af65-a220-40f8-9b11-e29da02892c7" providerId="ADAL" clId="{71478A94-ED1F-4112-9BEE-948EB8719C60}" dt="2020-05-26T22:56:20.722" v="392" actId="1076"/>
-          <ac:spMkLst>
-            <pc:docMk/>
-            <pc:sldMk cId="321134761" sldId="275"/>
-            <ac:spMk id="5" creationId="{4C177870-FBBC-4017-9F2B-5A6E8846FDDC}"/>
-          </ac:spMkLst>
-        </pc:spChg>
-        <pc:spChg chg="add mod">
-          <ac:chgData name=" " userId="c953af65-a220-40f8-9b11-e29da02892c7" providerId="ADAL" clId="{71478A94-ED1F-4112-9BEE-948EB8719C60}" dt="2020-05-26T22:56:18.704" v="391" actId="1076"/>
-          <ac:spMkLst>
-            <pc:docMk/>
-            <pc:sldMk cId="321134761" sldId="275"/>
-            <ac:spMk id="7" creationId="{83F36F27-F1E9-431E-A366-6D00482DE238}"/>
-          </ac:spMkLst>
-        </pc:spChg>
-        <pc:spChg chg="del">
-          <ac:chgData name=" " userId="c953af65-a220-40f8-9b11-e29da02892c7" providerId="ADAL" clId="{71478A94-ED1F-4112-9BEE-948EB8719C60}" dt="2020-05-26T19:45:23.686" v="374" actId="478"/>
-          <ac:spMkLst>
-            <pc:docMk/>
-            <pc:sldMk cId="321134761" sldId="275"/>
-            <ac:spMk id="29" creationId="{336EE77E-455A-4144-8FD7-E1DBB14BE393}"/>
-          </ac:spMkLst>
-        </pc:spChg>
-        <pc:picChg chg="del">
-          <ac:chgData name=" " userId="c953af65-a220-40f8-9b11-e29da02892c7" providerId="ADAL" clId="{71478A94-ED1F-4112-9BEE-948EB8719C60}" dt="2020-05-26T19:45:23.686" v="374" actId="478"/>
-          <ac:picMkLst>
-            <pc:docMk/>
-            <pc:sldMk cId="321134761" sldId="275"/>
-            <ac:picMk id="4" creationId="{C7DFD89F-3EE4-453A-95C8-782BC6009E3A}"/>
-          </ac:picMkLst>
-        </pc:picChg>
-        <pc:picChg chg="add mod">
-          <ac:chgData name=" " userId="c953af65-a220-40f8-9b11-e29da02892c7" providerId="ADAL" clId="{71478A94-ED1F-4112-9BEE-948EB8719C60}" dt="2020-05-26T22:56:23.302" v="393" actId="1076"/>
-          <ac:picMkLst>
-            <pc:docMk/>
-            <pc:sldMk cId="321134761" sldId="275"/>
-            <ac:picMk id="6" creationId="{9438AB94-4962-493F-94E1-1A3907D7E3CB}"/>
-          </ac:picMkLst>
-        </pc:picChg>
-      </pc:sldChg>
-    </pc:docChg>
-  </pc:docChgLst>
   <pc:docChgLst>
     <pc:chgData name=" " userId="c953af65-a220-40f8-9b11-e29da02892c7" providerId="ADAL" clId="{47D04D58-B45C-4E90-AC7C-F9D0C3A68DEC}"/>
     <pc:docChg chg="undo custSel addSld delSld modSld sldOrd">
@@ -1350,6 +890,466 @@
       </pc:sldChg>
     </pc:docChg>
   </pc:docChgLst>
+  <pc:docChgLst>
+    <pc:chgData name=" " userId="c953af65-a220-40f8-9b11-e29da02892c7" providerId="ADAL" clId="{71478A94-ED1F-4112-9BEE-948EB8719C60}"/>
+    <pc:docChg chg="undo redo custSel addSld modSld sldOrd">
+      <pc:chgData name=" " userId="c953af65-a220-40f8-9b11-e29da02892c7" providerId="ADAL" clId="{71478A94-ED1F-4112-9BEE-948EB8719C60}" dt="2020-05-26T22:56:23.302" v="393" actId="1076"/>
+      <pc:docMkLst>
+        <pc:docMk/>
+      </pc:docMkLst>
+      <pc:sldChg chg="addSp delSp modSp">
+        <pc:chgData name=" " userId="c953af65-a220-40f8-9b11-e29da02892c7" providerId="ADAL" clId="{71478A94-ED1F-4112-9BEE-948EB8719C60}" dt="2020-05-06T08:53:25.056" v="1"/>
+        <pc:sldMkLst>
+          <pc:docMk/>
+          <pc:sldMk cId="3066499310" sldId="269"/>
+        </pc:sldMkLst>
+        <pc:spChg chg="add del mod">
+          <ac:chgData name=" " userId="c953af65-a220-40f8-9b11-e29da02892c7" providerId="ADAL" clId="{71478A94-ED1F-4112-9BEE-948EB8719C60}" dt="2020-05-06T08:53:25.056" v="1"/>
+          <ac:spMkLst>
+            <pc:docMk/>
+            <pc:sldMk cId="3066499310" sldId="269"/>
+            <ac:spMk id="42" creationId="{3217FD29-0B20-4BF2-9803-0B1DE25088F8}"/>
+          </ac:spMkLst>
+        </pc:spChg>
+      </pc:sldChg>
+      <pc:sldChg chg="addSp delSp modSp add mod ord">
+        <pc:chgData name=" " userId="c953af65-a220-40f8-9b11-e29da02892c7" providerId="ADAL" clId="{71478A94-ED1F-4112-9BEE-948EB8719C60}" dt="2020-05-06T09:19:44.703" v="21" actId="931"/>
+        <pc:sldMkLst>
+          <pc:docMk/>
+          <pc:sldMk cId="4025202055" sldId="272"/>
+        </pc:sldMkLst>
+        <pc:spChg chg="add del mod">
+          <ac:chgData name=" " userId="c953af65-a220-40f8-9b11-e29da02892c7" providerId="ADAL" clId="{71478A94-ED1F-4112-9BEE-948EB8719C60}" dt="2020-05-06T08:54:01.283" v="11" actId="11529"/>
+          <ac:spMkLst>
+            <pc:docMk/>
+            <pc:sldMk cId="4025202055" sldId="272"/>
+            <ac:spMk id="2" creationId="{E672CF5A-87F7-44E1-BEE2-6426089F9AB0}"/>
+          </ac:spMkLst>
+        </pc:spChg>
+        <pc:spChg chg="del">
+          <ac:chgData name=" " userId="c953af65-a220-40f8-9b11-e29da02892c7" providerId="ADAL" clId="{71478A94-ED1F-4112-9BEE-948EB8719C60}" dt="2020-05-06T08:53:33.363" v="5" actId="478"/>
+          <ac:spMkLst>
+            <pc:docMk/>
+            <pc:sldMk cId="4025202055" sldId="272"/>
+            <ac:spMk id="27" creationId="{528972B3-E3FB-4B70-8120-894B762671B3}"/>
+          </ac:spMkLst>
+        </pc:spChg>
+        <pc:spChg chg="add mod">
+          <ac:chgData name=" " userId="c953af65-a220-40f8-9b11-e29da02892c7" providerId="ADAL" clId="{71478A94-ED1F-4112-9BEE-948EB8719C60}" dt="2020-05-06T08:56:45.060" v="20" actId="14100"/>
+          <ac:spMkLst>
+            <pc:docMk/>
+            <pc:sldMk cId="4025202055" sldId="272"/>
+            <ac:spMk id="29" creationId="{336EE77E-455A-4144-8FD7-E1DBB14BE393}"/>
+          </ac:spMkLst>
+        </pc:spChg>
+        <pc:spChg chg="del">
+          <ac:chgData name=" " userId="c953af65-a220-40f8-9b11-e29da02892c7" providerId="ADAL" clId="{71478A94-ED1F-4112-9BEE-948EB8719C60}" dt="2020-05-06T08:53:33.363" v="5" actId="478"/>
+          <ac:spMkLst>
+            <pc:docMk/>
+            <pc:sldMk cId="4025202055" sldId="272"/>
+            <ac:spMk id="31" creationId="{1FB54033-1131-40B1-8A20-B993EB1DB5B2}"/>
+          </ac:spMkLst>
+        </pc:spChg>
+        <pc:spChg chg="del">
+          <ac:chgData name=" " userId="c953af65-a220-40f8-9b11-e29da02892c7" providerId="ADAL" clId="{71478A94-ED1F-4112-9BEE-948EB8719C60}" dt="2020-05-06T08:53:33.363" v="5" actId="478"/>
+          <ac:spMkLst>
+            <pc:docMk/>
+            <pc:sldMk cId="4025202055" sldId="272"/>
+            <ac:spMk id="36" creationId="{931A94B6-FBD5-47E9-9BF0-203EF70E7982}"/>
+          </ac:spMkLst>
+        </pc:spChg>
+        <pc:spChg chg="del">
+          <ac:chgData name=" " userId="c953af65-a220-40f8-9b11-e29da02892c7" providerId="ADAL" clId="{71478A94-ED1F-4112-9BEE-948EB8719C60}" dt="2020-05-06T08:53:33.363" v="5" actId="478"/>
+          <ac:spMkLst>
+            <pc:docMk/>
+            <pc:sldMk cId="4025202055" sldId="272"/>
+            <ac:spMk id="37" creationId="{AC87ABFF-6534-4374-BCD8-A25BDC4279CA}"/>
+          </ac:spMkLst>
+        </pc:spChg>
+        <pc:spChg chg="del">
+          <ac:chgData name=" " userId="c953af65-a220-40f8-9b11-e29da02892c7" providerId="ADAL" clId="{71478A94-ED1F-4112-9BEE-948EB8719C60}" dt="2020-05-06T08:53:33.363" v="5" actId="478"/>
+          <ac:spMkLst>
+            <pc:docMk/>
+            <pc:sldMk cId="4025202055" sldId="272"/>
+            <ac:spMk id="38" creationId="{6E216610-A590-40C1-B3A2-58FA1A580906}"/>
+          </ac:spMkLst>
+        </pc:spChg>
+        <pc:spChg chg="del">
+          <ac:chgData name=" " userId="c953af65-a220-40f8-9b11-e29da02892c7" providerId="ADAL" clId="{71478A94-ED1F-4112-9BEE-948EB8719C60}" dt="2020-05-06T08:53:33.363" v="5" actId="478"/>
+          <ac:spMkLst>
+            <pc:docMk/>
+            <pc:sldMk cId="4025202055" sldId="272"/>
+            <ac:spMk id="39" creationId="{AF0FAB9F-93EB-41B7-BE16-4E101D05CB10}"/>
+          </ac:spMkLst>
+        </pc:spChg>
+        <pc:spChg chg="del">
+          <ac:chgData name=" " userId="c953af65-a220-40f8-9b11-e29da02892c7" providerId="ADAL" clId="{71478A94-ED1F-4112-9BEE-948EB8719C60}" dt="2020-05-06T08:53:33.363" v="5" actId="478"/>
+          <ac:spMkLst>
+            <pc:docMk/>
+            <pc:sldMk cId="4025202055" sldId="272"/>
+            <ac:spMk id="40" creationId="{63FCCA5C-DA5B-4A25-A76C-C583E13856C6}"/>
+          </ac:spMkLst>
+        </pc:spChg>
+        <pc:spChg chg="del">
+          <ac:chgData name=" " userId="c953af65-a220-40f8-9b11-e29da02892c7" providerId="ADAL" clId="{71478A94-ED1F-4112-9BEE-948EB8719C60}" dt="2020-05-06T08:53:33.363" v="5" actId="478"/>
+          <ac:spMkLst>
+            <pc:docMk/>
+            <pc:sldMk cId="4025202055" sldId="272"/>
+            <ac:spMk id="41" creationId="{63A8FF8D-076A-4BCA-AE39-803026247B82}"/>
+          </ac:spMkLst>
+        </pc:spChg>
+        <pc:grpChg chg="del">
+          <ac:chgData name=" " userId="c953af65-a220-40f8-9b11-e29da02892c7" providerId="ADAL" clId="{71478A94-ED1F-4112-9BEE-948EB8719C60}" dt="2020-05-06T08:53:33.363" v="5" actId="478"/>
+          <ac:grpSpMkLst>
+            <pc:docMk/>
+            <pc:sldMk cId="4025202055" sldId="272"/>
+            <ac:grpSpMk id="54" creationId="{B67EFE06-237B-48D4-B0B7-E67A41CE977B}"/>
+          </ac:grpSpMkLst>
+        </pc:grpChg>
+        <pc:picChg chg="add mod">
+          <ac:chgData name=" " userId="c953af65-a220-40f8-9b11-e29da02892c7" providerId="ADAL" clId="{71478A94-ED1F-4112-9BEE-948EB8719C60}" dt="2020-05-06T09:19:44.703" v="21" actId="931"/>
+          <ac:picMkLst>
+            <pc:docMk/>
+            <pc:sldMk cId="4025202055" sldId="272"/>
+            <ac:picMk id="4" creationId="{C7DFD89F-3EE4-453A-95C8-782BC6009E3A}"/>
+          </ac:picMkLst>
+        </pc:picChg>
+        <pc:picChg chg="del">
+          <ac:chgData name=" " userId="c953af65-a220-40f8-9b11-e29da02892c7" providerId="ADAL" clId="{71478A94-ED1F-4112-9BEE-948EB8719C60}" dt="2020-05-06T08:53:33.363" v="5" actId="478"/>
+          <ac:picMkLst>
+            <pc:docMk/>
+            <pc:sldMk cId="4025202055" sldId="272"/>
+            <ac:picMk id="8" creationId="{01CB66F3-7A16-4CE8-BFFA-DD44816B532D}"/>
+          </ac:picMkLst>
+        </pc:picChg>
+        <pc:picChg chg="del">
+          <ac:chgData name=" " userId="c953af65-a220-40f8-9b11-e29da02892c7" providerId="ADAL" clId="{71478A94-ED1F-4112-9BEE-948EB8719C60}" dt="2020-05-06T08:53:33.363" v="5" actId="478"/>
+          <ac:picMkLst>
+            <pc:docMk/>
+            <pc:sldMk cId="4025202055" sldId="272"/>
+            <ac:picMk id="10" creationId="{A28EABAB-75B3-4EA9-849D-6241747393AB}"/>
+          </ac:picMkLst>
+        </pc:picChg>
+      </pc:sldChg>
+      <pc:sldChg chg="addSp delSp modSp add mod setBg">
+        <pc:chgData name=" " userId="c953af65-a220-40f8-9b11-e29da02892c7" providerId="ADAL" clId="{71478A94-ED1F-4112-9BEE-948EB8719C60}" dt="2020-05-15T04:48:38.769" v="370" actId="1076"/>
+        <pc:sldMkLst>
+          <pc:docMk/>
+          <pc:sldMk cId="965323699" sldId="273"/>
+        </pc:sldMkLst>
+        <pc:spChg chg="add mod">
+          <ac:chgData name=" " userId="c953af65-a220-40f8-9b11-e29da02892c7" providerId="ADAL" clId="{71478A94-ED1F-4112-9BEE-948EB8719C60}" dt="2020-05-15T04:48:10.721" v="367" actId="1076"/>
+          <ac:spMkLst>
+            <pc:docMk/>
+            <pc:sldMk cId="965323699" sldId="273"/>
+            <ac:spMk id="5" creationId="{63B2D545-84D4-43F0-AF7A-7CEEE0B7BBC7}"/>
+          </ac:spMkLst>
+        </pc:spChg>
+        <pc:spChg chg="add mod">
+          <ac:chgData name=" " userId="c953af65-a220-40f8-9b11-e29da02892c7" providerId="ADAL" clId="{71478A94-ED1F-4112-9BEE-948EB8719C60}" dt="2020-05-15T04:47:48.341" v="334" actId="692"/>
+          <ac:spMkLst>
+            <pc:docMk/>
+            <pc:sldMk cId="965323699" sldId="273"/>
+            <ac:spMk id="6" creationId="{A22F4B80-48D7-48B3-A66D-BDCD859C66F3}"/>
+          </ac:spMkLst>
+        </pc:spChg>
+        <pc:spChg chg="add mod">
+          <ac:chgData name=" " userId="c953af65-a220-40f8-9b11-e29da02892c7" providerId="ADAL" clId="{71478A94-ED1F-4112-9BEE-948EB8719C60}" dt="2020-05-15T03:14:13.619" v="285" actId="6549"/>
+          <ac:spMkLst>
+            <pc:docMk/>
+            <pc:sldMk cId="965323699" sldId="273"/>
+            <ac:spMk id="7" creationId="{7DDC191C-C90A-46BF-982B-0CD322E82EE4}"/>
+          </ac:spMkLst>
+        </pc:spChg>
+        <pc:spChg chg="add mod">
+          <ac:chgData name=" " userId="c953af65-a220-40f8-9b11-e29da02892c7" providerId="ADAL" clId="{71478A94-ED1F-4112-9BEE-948EB8719C60}" dt="2020-05-15T03:14:14.343" v="286" actId="6549"/>
+          <ac:spMkLst>
+            <pc:docMk/>
+            <pc:sldMk cId="965323699" sldId="273"/>
+            <ac:spMk id="8" creationId="{37E61A21-CC5E-4A1C-B61A-9663D3B3E801}"/>
+          </ac:spMkLst>
+        </pc:spChg>
+        <pc:spChg chg="add mod">
+          <ac:chgData name=" " userId="c953af65-a220-40f8-9b11-e29da02892c7" providerId="ADAL" clId="{71478A94-ED1F-4112-9BEE-948EB8719C60}" dt="2020-05-15T04:48:18.510" v="368" actId="1076"/>
+          <ac:spMkLst>
+            <pc:docMk/>
+            <pc:sldMk cId="965323699" sldId="273"/>
+            <ac:spMk id="9" creationId="{E6104536-B044-4ED2-A556-43B92DA89545}"/>
+          </ac:spMkLst>
+        </pc:spChg>
+        <pc:spChg chg="add mod">
+          <ac:chgData name=" " userId="c953af65-a220-40f8-9b11-e29da02892c7" providerId="ADAL" clId="{71478A94-ED1F-4112-9BEE-948EB8719C60}" dt="2020-05-15T04:48:18.510" v="368" actId="1076"/>
+          <ac:spMkLst>
+            <pc:docMk/>
+            <pc:sldMk cId="965323699" sldId="273"/>
+            <ac:spMk id="10" creationId="{1240DB34-AD78-48CA-BFA3-3F1562AF90CF}"/>
+          </ac:spMkLst>
+        </pc:spChg>
+        <pc:spChg chg="add mod">
+          <ac:chgData name=" " userId="c953af65-a220-40f8-9b11-e29da02892c7" providerId="ADAL" clId="{71478A94-ED1F-4112-9BEE-948EB8719C60}" dt="2020-05-15T04:48:00.851" v="363" actId="1036"/>
+          <ac:spMkLst>
+            <pc:docMk/>
+            <pc:sldMk cId="965323699" sldId="273"/>
+            <ac:spMk id="11" creationId="{55E47619-9257-40CC-8072-FB612450356C}"/>
+          </ac:spMkLst>
+        </pc:spChg>
+        <pc:spChg chg="add mod">
+          <ac:chgData name=" " userId="c953af65-a220-40f8-9b11-e29da02892c7" providerId="ADAL" clId="{71478A94-ED1F-4112-9BEE-948EB8719C60}" dt="2020-05-15T04:46:48.007" v="320" actId="14100"/>
+          <ac:spMkLst>
+            <pc:docMk/>
+            <pc:sldMk cId="965323699" sldId="273"/>
+            <ac:spMk id="15" creationId="{1D71A671-A0CA-4B6E-BFB1-B7F57FC993C1}"/>
+          </ac:spMkLst>
+        </pc:spChg>
+        <pc:spChg chg="add mod">
+          <ac:chgData name=" " userId="c953af65-a220-40f8-9b11-e29da02892c7" providerId="ADAL" clId="{71478A94-ED1F-4112-9BEE-948EB8719C60}" dt="2020-05-15T04:47:19.566" v="328" actId="1076"/>
+          <ac:spMkLst>
+            <pc:docMk/>
+            <pc:sldMk cId="965323699" sldId="273"/>
+            <ac:spMk id="16" creationId="{0EBCE2C6-ED14-4568-95BB-440571CAF495}"/>
+          </ac:spMkLst>
+        </pc:spChg>
+        <pc:spChg chg="del">
+          <ac:chgData name=" " userId="c953af65-a220-40f8-9b11-e29da02892c7" providerId="ADAL" clId="{71478A94-ED1F-4112-9BEE-948EB8719C60}" dt="2020-05-14T20:14:46.124" v="113" actId="478"/>
+          <ac:spMkLst>
+            <pc:docMk/>
+            <pc:sldMk cId="965323699" sldId="273"/>
+            <ac:spMk id="29" creationId="{336EE77E-455A-4144-8FD7-E1DBB14BE393}"/>
+          </ac:spMkLst>
+        </pc:spChg>
+        <pc:picChg chg="add mod">
+          <ac:chgData name=" " userId="c953af65-a220-40f8-9b11-e29da02892c7" providerId="ADAL" clId="{71478A94-ED1F-4112-9BEE-948EB8719C60}" dt="2020-05-15T04:48:38.769" v="370" actId="1076"/>
+          <ac:picMkLst>
+            <pc:docMk/>
+            <pc:sldMk cId="965323699" sldId="273"/>
+            <ac:picMk id="3" creationId="{7E6A20CC-FD60-4029-BEA4-EA1F7090268B}"/>
+          </ac:picMkLst>
+        </pc:picChg>
+        <pc:picChg chg="del">
+          <ac:chgData name=" " userId="c953af65-a220-40f8-9b11-e29da02892c7" providerId="ADAL" clId="{71478A94-ED1F-4112-9BEE-948EB8719C60}" dt="2020-05-14T05:59:02.176" v="23" actId="478"/>
+          <ac:picMkLst>
+            <pc:docMk/>
+            <pc:sldMk cId="965323699" sldId="273"/>
+            <ac:picMk id="4" creationId="{C7DFD89F-3EE4-453A-95C8-782BC6009E3A}"/>
+          </ac:picMkLst>
+        </pc:picChg>
+        <pc:picChg chg="add mod">
+          <ac:chgData name=" " userId="c953af65-a220-40f8-9b11-e29da02892c7" providerId="ADAL" clId="{71478A94-ED1F-4112-9BEE-948EB8719C60}" dt="2020-05-15T03:14:26.924" v="296" actId="1076"/>
+          <ac:picMkLst>
+            <pc:docMk/>
+            <pc:sldMk cId="965323699" sldId="273"/>
+            <ac:picMk id="13" creationId="{37644AFE-BE26-44A7-8D55-8C8BFAAF3982}"/>
+          </ac:picMkLst>
+        </pc:picChg>
+        <pc:picChg chg="add mod">
+          <ac:chgData name=" " userId="c953af65-a220-40f8-9b11-e29da02892c7" providerId="ADAL" clId="{71478A94-ED1F-4112-9BEE-948EB8719C60}" dt="2020-05-15T03:14:25.718" v="295" actId="1076"/>
+          <ac:picMkLst>
+            <pc:docMk/>
+            <pc:sldMk cId="965323699" sldId="273"/>
+            <ac:picMk id="14" creationId="{6B00DF79-A89F-46AE-8BBB-B3BEB20AC21B}"/>
+          </ac:picMkLst>
+        </pc:picChg>
+      </pc:sldChg>
+      <pc:sldChg chg="addSp delSp modSp add mod ord">
+        <pc:chgData name=" " userId="c953af65-a220-40f8-9b11-e29da02892c7" providerId="ADAL" clId="{71478A94-ED1F-4112-9BEE-948EB8719C60}" dt="2020-05-14T06:03:16.866" v="112" actId="1076"/>
+        <pc:sldMkLst>
+          <pc:docMk/>
+          <pc:sldMk cId="402695148" sldId="274"/>
+        </pc:sldMkLst>
+        <pc:spChg chg="del">
+          <ac:chgData name=" " userId="c953af65-a220-40f8-9b11-e29da02892c7" providerId="ADAL" clId="{71478A94-ED1F-4112-9BEE-948EB8719C60}" dt="2020-05-14T05:59:25.756" v="27" actId="478"/>
+          <ac:spMkLst>
+            <pc:docMk/>
+            <pc:sldMk cId="402695148" sldId="274"/>
+            <ac:spMk id="27" creationId="{528972B3-E3FB-4B70-8120-894B762671B3}"/>
+          </ac:spMkLst>
+        </pc:spChg>
+        <pc:spChg chg="del">
+          <ac:chgData name=" " userId="c953af65-a220-40f8-9b11-e29da02892c7" providerId="ADAL" clId="{71478A94-ED1F-4112-9BEE-948EB8719C60}" dt="2020-05-14T05:59:25.756" v="27" actId="478"/>
+          <ac:spMkLst>
+            <pc:docMk/>
+            <pc:sldMk cId="402695148" sldId="274"/>
+            <ac:spMk id="31" creationId="{1FB54033-1131-40B1-8A20-B993EB1DB5B2}"/>
+          </ac:spMkLst>
+        </pc:spChg>
+        <pc:spChg chg="add mod">
+          <ac:chgData name=" " userId="c953af65-a220-40f8-9b11-e29da02892c7" providerId="ADAL" clId="{71478A94-ED1F-4112-9BEE-948EB8719C60}" dt="2020-05-14T06:02:39.019" v="81" actId="14100"/>
+          <ac:spMkLst>
+            <pc:docMk/>
+            <pc:sldMk cId="402695148" sldId="274"/>
+            <ac:spMk id="34" creationId="{C5F06902-4BF6-4631-B271-4D59D9F77A27}"/>
+          </ac:spMkLst>
+        </pc:spChg>
+        <pc:spChg chg="add mod">
+          <ac:chgData name=" " userId="c953af65-a220-40f8-9b11-e29da02892c7" providerId="ADAL" clId="{71478A94-ED1F-4112-9BEE-948EB8719C60}" dt="2020-05-14T06:03:06.482" v="109" actId="1076"/>
+          <ac:spMkLst>
+            <pc:docMk/>
+            <pc:sldMk cId="402695148" sldId="274"/>
+            <ac:spMk id="35" creationId="{23761B99-4AF5-447E-8BAE-9D3B6D1B4815}"/>
+          </ac:spMkLst>
+        </pc:spChg>
+        <pc:spChg chg="del">
+          <ac:chgData name=" " userId="c953af65-a220-40f8-9b11-e29da02892c7" providerId="ADAL" clId="{71478A94-ED1F-4112-9BEE-948EB8719C60}" dt="2020-05-14T05:59:25.756" v="27" actId="478"/>
+          <ac:spMkLst>
+            <pc:docMk/>
+            <pc:sldMk cId="402695148" sldId="274"/>
+            <ac:spMk id="36" creationId="{931A94B6-FBD5-47E9-9BF0-203EF70E7982}"/>
+          </ac:spMkLst>
+        </pc:spChg>
+        <pc:spChg chg="del">
+          <ac:chgData name=" " userId="c953af65-a220-40f8-9b11-e29da02892c7" providerId="ADAL" clId="{71478A94-ED1F-4112-9BEE-948EB8719C60}" dt="2020-05-14T05:59:25.756" v="27" actId="478"/>
+          <ac:spMkLst>
+            <pc:docMk/>
+            <pc:sldMk cId="402695148" sldId="274"/>
+            <ac:spMk id="37" creationId="{AC87ABFF-6534-4374-BCD8-A25BDC4279CA}"/>
+          </ac:spMkLst>
+        </pc:spChg>
+        <pc:spChg chg="del">
+          <ac:chgData name=" " userId="c953af65-a220-40f8-9b11-e29da02892c7" providerId="ADAL" clId="{71478A94-ED1F-4112-9BEE-948EB8719C60}" dt="2020-05-14T05:59:25.756" v="27" actId="478"/>
+          <ac:spMkLst>
+            <pc:docMk/>
+            <pc:sldMk cId="402695148" sldId="274"/>
+            <ac:spMk id="38" creationId="{6E216610-A590-40C1-B3A2-58FA1A580906}"/>
+          </ac:spMkLst>
+        </pc:spChg>
+        <pc:spChg chg="del">
+          <ac:chgData name=" " userId="c953af65-a220-40f8-9b11-e29da02892c7" providerId="ADAL" clId="{71478A94-ED1F-4112-9BEE-948EB8719C60}" dt="2020-05-14T05:59:25.756" v="27" actId="478"/>
+          <ac:spMkLst>
+            <pc:docMk/>
+            <pc:sldMk cId="402695148" sldId="274"/>
+            <ac:spMk id="39" creationId="{AF0FAB9F-93EB-41B7-BE16-4E101D05CB10}"/>
+          </ac:spMkLst>
+        </pc:spChg>
+        <pc:spChg chg="del">
+          <ac:chgData name=" " userId="c953af65-a220-40f8-9b11-e29da02892c7" providerId="ADAL" clId="{71478A94-ED1F-4112-9BEE-948EB8719C60}" dt="2020-05-14T05:59:25.756" v="27" actId="478"/>
+          <ac:spMkLst>
+            <pc:docMk/>
+            <pc:sldMk cId="402695148" sldId="274"/>
+            <ac:spMk id="40" creationId="{63FCCA5C-DA5B-4A25-A76C-C583E13856C6}"/>
+          </ac:spMkLst>
+        </pc:spChg>
+        <pc:spChg chg="del">
+          <ac:chgData name=" " userId="c953af65-a220-40f8-9b11-e29da02892c7" providerId="ADAL" clId="{71478A94-ED1F-4112-9BEE-948EB8719C60}" dt="2020-05-14T05:59:25.756" v="27" actId="478"/>
+          <ac:spMkLst>
+            <pc:docMk/>
+            <pc:sldMk cId="402695148" sldId="274"/>
+            <ac:spMk id="41" creationId="{63A8FF8D-076A-4BCA-AE39-803026247B82}"/>
+          </ac:spMkLst>
+        </pc:spChg>
+        <pc:spChg chg="add mod">
+          <ac:chgData name=" " userId="c953af65-a220-40f8-9b11-e29da02892c7" providerId="ADAL" clId="{71478A94-ED1F-4112-9BEE-948EB8719C60}" dt="2020-05-14T06:02:54.783" v="107" actId="1076"/>
+          <ac:spMkLst>
+            <pc:docMk/>
+            <pc:sldMk cId="402695148" sldId="274"/>
+            <ac:spMk id="42" creationId="{17FEBA8A-421C-4B47-946C-8341513D277F}"/>
+          </ac:spMkLst>
+        </pc:spChg>
+        <pc:grpChg chg="del">
+          <ac:chgData name=" " userId="c953af65-a220-40f8-9b11-e29da02892c7" providerId="ADAL" clId="{71478A94-ED1F-4112-9BEE-948EB8719C60}" dt="2020-05-14T05:59:25.756" v="27" actId="478"/>
+          <ac:grpSpMkLst>
+            <pc:docMk/>
+            <pc:sldMk cId="402695148" sldId="274"/>
+            <ac:grpSpMk id="6" creationId="{8066A899-3291-4730-94E8-D83227DAB581}"/>
+          </ac:grpSpMkLst>
+        </pc:grpChg>
+        <pc:grpChg chg="mod">
+          <ac:chgData name=" " userId="c953af65-a220-40f8-9b11-e29da02892c7" providerId="ADAL" clId="{71478A94-ED1F-4112-9BEE-948EB8719C60}" dt="2020-05-14T06:02:16.163" v="77" actId="1076"/>
+          <ac:grpSpMkLst>
+            <pc:docMk/>
+            <pc:sldMk cId="402695148" sldId="274"/>
+            <ac:grpSpMk id="14" creationId="{16A0F8E0-F58A-4826-A847-44A942D76261}"/>
+          </ac:grpSpMkLst>
+        </pc:grpChg>
+        <pc:picChg chg="del">
+          <ac:chgData name=" " userId="c953af65-a220-40f8-9b11-e29da02892c7" providerId="ADAL" clId="{71478A94-ED1F-4112-9BEE-948EB8719C60}" dt="2020-05-14T05:59:25.756" v="27" actId="478"/>
+          <ac:picMkLst>
+            <pc:docMk/>
+            <pc:sldMk cId="402695148" sldId="274"/>
+            <ac:picMk id="8" creationId="{01CB66F3-7A16-4CE8-BFFA-DD44816B532D}"/>
+          </ac:picMkLst>
+        </pc:picChg>
+        <pc:picChg chg="del">
+          <ac:chgData name=" " userId="c953af65-a220-40f8-9b11-e29da02892c7" providerId="ADAL" clId="{71478A94-ED1F-4112-9BEE-948EB8719C60}" dt="2020-05-14T05:59:25.756" v="27" actId="478"/>
+          <ac:picMkLst>
+            <pc:docMk/>
+            <pc:sldMk cId="402695148" sldId="274"/>
+            <ac:picMk id="10" creationId="{A28EABAB-75B3-4EA9-849D-6241747393AB}"/>
+          </ac:picMkLst>
+        </pc:picChg>
+        <pc:picChg chg="add mod">
+          <ac:chgData name=" " userId="c953af65-a220-40f8-9b11-e29da02892c7" providerId="ADAL" clId="{71478A94-ED1F-4112-9BEE-948EB8719C60}" dt="2020-05-14T06:03:11.170" v="110" actId="1076"/>
+          <ac:picMkLst>
+            <pc:docMk/>
+            <pc:sldMk cId="402695148" sldId="274"/>
+            <ac:picMk id="43" creationId="{8F7F8C7D-8C30-472E-9D26-A421D559EA04}"/>
+          </ac:picMkLst>
+        </pc:picChg>
+        <pc:picChg chg="add del mod">
+          <ac:chgData name=" " userId="c953af65-a220-40f8-9b11-e29da02892c7" providerId="ADAL" clId="{71478A94-ED1F-4112-9BEE-948EB8719C60}" dt="2020-05-14T06:01:53.766" v="49" actId="478"/>
+          <ac:picMkLst>
+            <pc:docMk/>
+            <pc:sldMk cId="402695148" sldId="274"/>
+            <ac:picMk id="44" creationId="{DD5C6E3E-6E91-4EEA-9985-5D5DE354F0C1}"/>
+          </ac:picMkLst>
+        </pc:picChg>
+        <pc:picChg chg="add mod">
+          <ac:chgData name=" " userId="c953af65-a220-40f8-9b11-e29da02892c7" providerId="ADAL" clId="{71478A94-ED1F-4112-9BEE-948EB8719C60}" dt="2020-05-14T06:03:16.866" v="112" actId="1076"/>
+          <ac:picMkLst>
+            <pc:docMk/>
+            <pc:sldMk cId="402695148" sldId="274"/>
+            <ac:picMk id="45" creationId="{CA598CCE-7727-43FA-83D2-724D49140A2F}"/>
+          </ac:picMkLst>
+        </pc:picChg>
+      </pc:sldChg>
+      <pc:sldChg chg="addSp delSp modSp add mod ord">
+        <pc:chgData name=" " userId="c953af65-a220-40f8-9b11-e29da02892c7" providerId="ADAL" clId="{71478A94-ED1F-4112-9BEE-948EB8719C60}" dt="2020-05-26T22:56:23.302" v="393" actId="1076"/>
+        <pc:sldMkLst>
+          <pc:docMk/>
+          <pc:sldMk cId="321134761" sldId="275"/>
+        </pc:sldMkLst>
+        <pc:spChg chg="add mod">
+          <ac:chgData name=" " userId="c953af65-a220-40f8-9b11-e29da02892c7" providerId="ADAL" clId="{71478A94-ED1F-4112-9BEE-948EB8719C60}" dt="2020-05-26T22:56:20.722" v="392" actId="1076"/>
+          <ac:spMkLst>
+            <pc:docMk/>
+            <pc:sldMk cId="321134761" sldId="275"/>
+            <ac:spMk id="5" creationId="{4C177870-FBBC-4017-9F2B-5A6E8846FDDC}"/>
+          </ac:spMkLst>
+        </pc:spChg>
+        <pc:spChg chg="add mod">
+          <ac:chgData name=" " userId="c953af65-a220-40f8-9b11-e29da02892c7" providerId="ADAL" clId="{71478A94-ED1F-4112-9BEE-948EB8719C60}" dt="2020-05-26T22:56:18.704" v="391" actId="1076"/>
+          <ac:spMkLst>
+            <pc:docMk/>
+            <pc:sldMk cId="321134761" sldId="275"/>
+            <ac:spMk id="7" creationId="{83F36F27-F1E9-431E-A366-6D00482DE238}"/>
+          </ac:spMkLst>
+        </pc:spChg>
+        <pc:spChg chg="del">
+          <ac:chgData name=" " userId="c953af65-a220-40f8-9b11-e29da02892c7" providerId="ADAL" clId="{71478A94-ED1F-4112-9BEE-948EB8719C60}" dt="2020-05-26T19:45:23.686" v="374" actId="478"/>
+          <ac:spMkLst>
+            <pc:docMk/>
+            <pc:sldMk cId="321134761" sldId="275"/>
+            <ac:spMk id="29" creationId="{336EE77E-455A-4144-8FD7-E1DBB14BE393}"/>
+          </ac:spMkLst>
+        </pc:spChg>
+        <pc:picChg chg="del">
+          <ac:chgData name=" " userId="c953af65-a220-40f8-9b11-e29da02892c7" providerId="ADAL" clId="{71478A94-ED1F-4112-9BEE-948EB8719C60}" dt="2020-05-26T19:45:23.686" v="374" actId="478"/>
+          <ac:picMkLst>
+            <pc:docMk/>
+            <pc:sldMk cId="321134761" sldId="275"/>
+            <ac:picMk id="4" creationId="{C7DFD89F-3EE4-453A-95C8-782BC6009E3A}"/>
+          </ac:picMkLst>
+        </pc:picChg>
+        <pc:picChg chg="add mod">
+          <ac:chgData name=" " userId="c953af65-a220-40f8-9b11-e29da02892c7" providerId="ADAL" clId="{71478A94-ED1F-4112-9BEE-948EB8719C60}" dt="2020-05-26T22:56:23.302" v="393" actId="1076"/>
+          <ac:picMkLst>
+            <pc:docMk/>
+            <pc:sldMk cId="321134761" sldId="275"/>
+            <ac:picMk id="6" creationId="{9438AB94-4962-493F-94E1-1A3907D7E3CB}"/>
+          </ac:picMkLst>
+        </pc:picChg>
+      </pc:sldChg>
+    </pc:docChg>
+  </pc:docChgLst>
 </pc:chgInfo>
 </file>
 
@@ -14427,6 +14427,63 @@
       </p:grpSpPr>
       <p:sp>
         <p:nvSpPr>
+          <p:cNvPr id="3" name="직사각형 2">
+            <a:extLst>
+              <a:ext uri="{FF2B5EF4-FFF2-40B4-BE49-F238E27FC236}">
+                <a16:creationId xmlns:a16="http://schemas.microsoft.com/office/drawing/2014/main" id="{61CE5FF3-F129-4DE8-9B30-9A76A467CF10}"/>
+              </a:ext>
+            </a:extLst>
+          </p:cNvPr>
+          <p:cNvSpPr/>
+          <p:nvPr/>
+        </p:nvSpPr>
+        <p:spPr>
+          <a:xfrm>
+            <a:off x="1587467" y="2637478"/>
+            <a:ext cx="689013" cy="169932"/>
+          </a:xfrm>
+          <a:prstGeom prst="rect">
+            <a:avLst/>
+          </a:prstGeom>
+          <a:solidFill>
+            <a:schemeClr val="accent4">
+              <a:lumMod val="40000"/>
+              <a:lumOff val="60000"/>
+            </a:schemeClr>
+          </a:solidFill>
+          <a:ln>
+            <a:solidFill>
+              <a:srgbClr val="FFC000"/>
+            </a:solidFill>
+          </a:ln>
+        </p:spPr>
+        <p:style>
+          <a:lnRef idx="2">
+            <a:schemeClr val="accent1">
+              <a:shade val="50000"/>
+            </a:schemeClr>
+          </a:lnRef>
+          <a:fillRef idx="1">
+            <a:schemeClr val="accent1"/>
+          </a:fillRef>
+          <a:effectRef idx="0">
+            <a:schemeClr val="accent1"/>
+          </a:effectRef>
+          <a:fontRef idx="minor">
+            <a:schemeClr val="lt1"/>
+          </a:fontRef>
+        </p:style>
+        <p:txBody>
+          <a:bodyPr rtlCol="0" anchor="ctr"/>
+          <a:lstStyle/>
+          <a:p>
+            <a:pPr algn="ctr"/>
+            <a:endParaRPr lang="ko-KR" altLang="en-US"/>
+          </a:p>
+        </p:txBody>
+      </p:sp>
+      <p:sp>
+        <p:nvSpPr>
           <p:cNvPr id="5" name="사각형: 둥근 모서리 4">
             <a:extLst>
               <a:ext uri="{FF2B5EF4-FFF2-40B4-BE49-F238E27FC236}">
@@ -14624,6 +14681,111 @@
           </a:p>
         </p:txBody>
       </p:sp>
+      <p:sp>
+        <p:nvSpPr>
+          <p:cNvPr id="2" name="사각형: 둥근 모서리 1">
+            <a:extLst>
+              <a:ext uri="{FF2B5EF4-FFF2-40B4-BE49-F238E27FC236}">
+                <a16:creationId xmlns:a16="http://schemas.microsoft.com/office/drawing/2014/main" id="{F14BEE1F-39DF-47DE-A761-D26892EA7A14}"/>
+              </a:ext>
+            </a:extLst>
+          </p:cNvPr>
+          <p:cNvSpPr/>
+          <p:nvPr/>
+        </p:nvSpPr>
+        <p:spPr>
+          <a:xfrm>
+            <a:off x="594764" y="2637478"/>
+            <a:ext cx="2674418" cy="169932"/>
+          </a:xfrm>
+          <a:prstGeom prst="roundRect">
+            <a:avLst/>
+          </a:prstGeom>
+          <a:solidFill>
+            <a:srgbClr val="B0C3E6">
+              <a:alpha val="40000"/>
+            </a:srgbClr>
+          </a:solidFill>
+          <a:ln>
+            <a:solidFill>
+              <a:srgbClr val="90ABDC"/>
+            </a:solidFill>
+          </a:ln>
+        </p:spPr>
+        <p:style>
+          <a:lnRef idx="2">
+            <a:schemeClr val="accent1">
+              <a:shade val="50000"/>
+            </a:schemeClr>
+          </a:lnRef>
+          <a:fillRef idx="1">
+            <a:schemeClr val="accent1"/>
+          </a:fillRef>
+          <a:effectRef idx="0">
+            <a:schemeClr val="accent1"/>
+          </a:effectRef>
+          <a:fontRef idx="minor">
+            <a:schemeClr val="lt1"/>
+          </a:fontRef>
+        </p:style>
+        <p:txBody>
+          <a:bodyPr rtlCol="0" anchor="ctr"/>
+          <a:lstStyle/>
+          <a:p>
+            <a:pPr algn="ctr"/>
+            <a:endParaRPr lang="ko-KR" altLang="en-US" dirty="0"/>
+          </a:p>
+        </p:txBody>
+      </p:sp>
+      <p:pic>
+        <p:nvPicPr>
+          <p:cNvPr id="8" name="그림 7" descr="그리기이(가) 표시된 사진&#10;&#10;자동 생성된 설명">
+            <a:extLst>
+              <a:ext uri="{FF2B5EF4-FFF2-40B4-BE49-F238E27FC236}">
+                <a16:creationId xmlns:a16="http://schemas.microsoft.com/office/drawing/2014/main" id="{CC50C647-F9FC-4E37-9257-2AE2AF19B620}"/>
+              </a:ext>
+            </a:extLst>
+          </p:cNvPr>
+          <p:cNvPicPr>
+            <a:picLocks noChangeAspect="1"/>
+          </p:cNvPicPr>
+          <p:nvPr/>
+        </p:nvPicPr>
+        <p:blipFill rotWithShape="1">
+          <a:blip r:embed="rId4">
+            <a:extLst>
+              <a:ext uri="{BEBA8EAE-BF5A-486C-A8C5-ECC9F3942E4B}">
+                <a14:imgProps xmlns:a14="http://schemas.microsoft.com/office/drawing/2010/main">
+                  <a14:imgLayer r:embed="rId5">
+                    <a14:imgEffect>
+                      <a14:backgroundRemoval t="9375" b="90000" l="10000" r="90000">
+                        <a14:foregroundMark x1="49844" y1="9375" x2="49844" y2="9375"/>
+                        <a14:foregroundMark x1="30156" y1="89063" x2="30156" y2="89063"/>
+                        <a14:foregroundMark x1="30078" y1="89792" x2="30078" y2="89792"/>
+                        <a14:foregroundMark x1="70469" y1="89792" x2="70469" y2="89792"/>
+                      </a14:backgroundRemoval>
+                    </a14:imgEffect>
+                  </a14:imgLayer>
+                </a14:imgProps>
+              </a:ext>
+              <a:ext uri="{28A0092B-C50C-407E-A947-70E740481C1C}">
+                <a14:useLocalDpi xmlns:a14="http://schemas.microsoft.com/office/drawing/2010/main" val="0"/>
+              </a:ext>
+            </a:extLst>
+          </a:blip>
+          <a:srcRect l="16403" t="5451" r="16026" b="8438"/>
+          <a:stretch/>
+        </p:blipFill>
+        <p:spPr>
+          <a:xfrm>
+            <a:off x="1399562" y="1278999"/>
+            <a:ext cx="1010262" cy="965598"/>
+          </a:xfrm>
+          <a:prstGeom prst="rect">
+            <a:avLst/>
+          </a:prstGeom>
+        </p:spPr>
+      </p:pic>
     </p:spTree>
     <p:extLst>
       <p:ext uri="{BB962C8B-B14F-4D97-AF65-F5344CB8AC3E}">
@@ -16926,18 +17088,18 @@
 </file>
 
 <file path=customXml/item1.xml><?xml version="1.0" encoding="utf-8"?>
+<p:properties xmlns:p="http://schemas.microsoft.com/office/2006/metadata/properties" xmlns:xsi="http://www.w3.org/2001/XMLSchema-instance" xmlns:pc="http://schemas.microsoft.com/office/infopath/2007/PartnerControls">
+  <documentManagement/>
+</p:properties>
+</file>
+
+<file path=customXml/item2.xml><?xml version="1.0" encoding="utf-8"?>
 <?mso-contentType ?>
 <FormTemplates xmlns="http://schemas.microsoft.com/sharepoint/v3/contenttype/forms">
   <Display>DocumentLibraryForm</Display>
   <Edit>DocumentLibraryForm</Edit>
   <New>DocumentLibraryForm</New>
 </FormTemplates>
-</file>
-
-<file path=customXml/item2.xml><?xml version="1.0" encoding="utf-8"?>
-<p:properties xmlns:p="http://schemas.microsoft.com/office/2006/metadata/properties" xmlns:xsi="http://www.w3.org/2001/XMLSchema-instance" xmlns:pc="http://schemas.microsoft.com/office/infopath/2007/PartnerControls">
-  <documentManagement/>
-</p:properties>
 </file>
 
 <file path=customXml/item3.xml><?xml version="1.0" encoding="utf-8"?>
@@ -17111,18 +17273,18 @@
 </file>
 
 <file path=customXml/itemProps1.xml><?xml version="1.0" encoding="utf-8"?>
-<ds:datastoreItem xmlns:ds="http://schemas.openxmlformats.org/officeDocument/2006/customXml" ds:itemID="{690CD346-FEAC-4B85-A1E5-F59451BF06D4}">
+<ds:datastoreItem xmlns:ds="http://schemas.openxmlformats.org/officeDocument/2006/customXml" ds:itemID="{63B6C464-4EF0-4474-9089-ACC74B8DD2A0}">
   <ds:schemaRefs>
-    <ds:schemaRef ds:uri="http://schemas.microsoft.com/sharepoint/v3/contenttype/forms"/>
+    <ds:schemaRef ds:uri="http://schemas.microsoft.com/office/2006/metadata/properties"/>
+    <ds:schemaRef ds:uri="http://schemas.microsoft.com/office/infopath/2007/PartnerControls"/>
   </ds:schemaRefs>
 </ds:datastoreItem>
 </file>
 
 <file path=customXml/itemProps2.xml><?xml version="1.0" encoding="utf-8"?>
-<ds:datastoreItem xmlns:ds="http://schemas.openxmlformats.org/officeDocument/2006/customXml" ds:itemID="{63B6C464-4EF0-4474-9089-ACC74B8DD2A0}">
+<ds:datastoreItem xmlns:ds="http://schemas.openxmlformats.org/officeDocument/2006/customXml" ds:itemID="{690CD346-FEAC-4B85-A1E5-F59451BF06D4}">
   <ds:schemaRefs>
-    <ds:schemaRef ds:uri="http://schemas.microsoft.com/office/2006/metadata/properties"/>
-    <ds:schemaRef ds:uri="http://schemas.microsoft.com/office/infopath/2007/PartnerControls"/>
+    <ds:schemaRef ds:uri="http://schemas.microsoft.com/sharepoint/v3/contenttype/forms"/>
   </ds:schemaRefs>
 </ds:datastoreItem>
 </file>
